--- a/Apresentação.pptx
+++ b/Apresentação.pptx
@@ -3,16 +3,18 @@
 <p:presentation xmlns:a="http://schemas.openxmlformats.org/drawingml/2006/main" xmlns:p="http://schemas.openxmlformats.org/presentationml/2006/main" xmlns:r="http://schemas.openxmlformats.org/officeDocument/2006/relationships" xmlns:p14="http://schemas.microsoft.com/office/powerpoint/2010/main" xmlns:p15="http://schemas.microsoft.com/office/powerpoint/2012/main" xmlns:mc="http://schemas.openxmlformats.org/markup-compatibility/2006">
   <p:sldMasterIdLst>
     <p:sldMasterId id="2147483648" r:id="rId2"/>
+    <p:sldMasterId id="2147483661" r:id="rId3"/>
+    <p:sldMasterId id="2147483674" r:id="rId4"/>
   </p:sldMasterIdLst>
   <p:sldIdLst>
-    <p:sldId id="256" r:id="rId3"/>
-    <p:sldId id="257" r:id="rId4"/>
-    <p:sldId id="258" r:id="rId5"/>
-    <p:sldId id="259" r:id="rId6"/>
-    <p:sldId id="260" r:id="rId7"/>
-    <p:sldId id="261" r:id="rId8"/>
-    <p:sldId id="262" r:id="rId9"/>
-    <p:sldId id="263" r:id="rId10"/>
+    <p:sldId id="256" r:id="rId5"/>
+    <p:sldId id="257" r:id="rId6"/>
+    <p:sldId id="258" r:id="rId7"/>
+    <p:sldId id="259" r:id="rId8"/>
+    <p:sldId id="260" r:id="rId9"/>
+    <p:sldId id="261" r:id="rId10"/>
+    <p:sldId id="262" r:id="rId11"/>
+    <p:sldId id="263" r:id="rId12"/>
   </p:sldIdLst>
   <p:sldSz cx="10080625" cy="5670550"/>
   <p:notesSz cx="7559675" cy="10691812"/>
@@ -71,7 +73,7 @@
         <p:spPr>
           <a:xfrm>
             <a:off x="504000" y="226080"/>
-            <a:ext cx="9070920" cy="945720"/>
+            <a:ext cx="9070560" cy="945360"/>
           </a:xfrm>
           <a:prstGeom prst="rect">
             <a:avLst/>
@@ -102,7 +104,7 @@
         <p:spPr>
           <a:xfrm>
             <a:off x="504000" y="1326600"/>
-            <a:ext cx="9071640" cy="1568160"/>
+            <a:ext cx="9071280" cy="1568160"/>
           </a:xfrm>
           <a:prstGeom prst="rect">
             <a:avLst/>
@@ -132,7 +134,7 @@
         <p:spPr>
           <a:xfrm>
             <a:off x="504000" y="3044160"/>
-            <a:ext cx="9071640" cy="1568160"/>
+            <a:ext cx="9071280" cy="1568160"/>
           </a:xfrm>
           <a:prstGeom prst="rect">
             <a:avLst/>
@@ -184,7 +186,7 @@
         <p:spPr>
           <a:xfrm>
             <a:off x="504000" y="226080"/>
-            <a:ext cx="9070920" cy="945720"/>
+            <a:ext cx="9070560" cy="945360"/>
           </a:xfrm>
           <a:prstGeom prst="rect">
             <a:avLst/>
@@ -215,7 +217,7 @@
         <p:spPr>
           <a:xfrm>
             <a:off x="504000" y="1326600"/>
-            <a:ext cx="4426920" cy="1568160"/>
+            <a:ext cx="4426560" cy="1568160"/>
           </a:xfrm>
           <a:prstGeom prst="rect">
             <a:avLst/>
@@ -244,8 +246,8 @@
         </p:nvSpPr>
         <p:spPr>
           <a:xfrm>
-            <a:off x="5152680" y="1326600"/>
-            <a:ext cx="4426920" cy="1568160"/>
+            <a:off x="5152320" y="1326600"/>
+            <a:ext cx="4426560" cy="1568160"/>
           </a:xfrm>
           <a:prstGeom prst="rect">
             <a:avLst/>
@@ -275,7 +277,7 @@
         <p:spPr>
           <a:xfrm>
             <a:off x="504000" y="3044160"/>
-            <a:ext cx="4426920" cy="1568160"/>
+            <a:ext cx="4426560" cy="1568160"/>
           </a:xfrm>
           <a:prstGeom prst="rect">
             <a:avLst/>
@@ -304,8 +306,8 @@
         </p:nvSpPr>
         <p:spPr>
           <a:xfrm>
-            <a:off x="5152680" y="3044160"/>
-            <a:ext cx="4426920" cy="1568160"/>
+            <a:off x="5152320" y="3044160"/>
+            <a:ext cx="4426560" cy="1568160"/>
           </a:xfrm>
           <a:prstGeom prst="rect">
             <a:avLst/>
@@ -357,7 +359,7 @@
         <p:spPr>
           <a:xfrm>
             <a:off x="504000" y="226080"/>
-            <a:ext cx="9070920" cy="945720"/>
+            <a:ext cx="9070560" cy="945360"/>
           </a:xfrm>
           <a:prstGeom prst="rect">
             <a:avLst/>
@@ -539,6 +541,557 @@
           <a:xfrm>
             <a:off x="6638040" y="3044160"/>
             <a:ext cx="2920680" cy="1568160"/>
+          </a:xfrm>
+          <a:prstGeom prst="rect">
+            <a:avLst/>
+          </a:prstGeom>
+        </p:spPr>
+        <p:txBody>
+          <a:bodyPr lIns="0" rIns="0" tIns="0" bIns="0">
+            <a:normAutofit/>
+          </a:bodyPr>
+          <a:p>
+            <a:endParaRPr b="0" lang="pt-PT" sz="3200" spc="-1" strike="noStrike">
+              <a:latin typeface="Arial"/>
+            </a:endParaRPr>
+          </a:p>
+        </p:txBody>
+      </p:sp>
+    </p:spTree>
+  </p:cSld>
+</p:sldLayout>
+</file>
+
+<file path=ppt/slideLayouts/slideLayout13.xml><?xml version="1.0" encoding="utf-8"?>
+<p:sldLayout xmlns:a="http://schemas.openxmlformats.org/drawingml/2006/main" xmlns:p="http://schemas.openxmlformats.org/presentationml/2006/main" xmlns:r="http://schemas.openxmlformats.org/officeDocument/2006/relationships" xmlns:p14="http://schemas.microsoft.com/office/powerpoint/2010/main" xmlns:p15="http://schemas.microsoft.com/office/powerpoint/2012/main" xmlns:mc="http://schemas.openxmlformats.org/markup-compatibility/2006" type="blank" preserve="1">
+  <p:cSld name="Blank Slide">
+    <p:spTree>
+      <p:nvGrpSpPr>
+        <p:cNvPr id="1" name=""/>
+        <p:cNvGrpSpPr/>
+        <p:nvPr/>
+      </p:nvGrpSpPr>
+      <p:grpSpPr>
+        <a:xfrm>
+          <a:off x="0" y="0"/>
+          <a:ext cx="0" cy="0"/>
+          <a:chOff x="0" y="0"/>
+          <a:chExt cx="0" cy="0"/>
+        </a:xfrm>
+      </p:grpSpPr>
+    </p:spTree>
+  </p:cSld>
+</p:sldLayout>
+</file>
+
+<file path=ppt/slideLayouts/slideLayout14.xml><?xml version="1.0" encoding="utf-8"?>
+<p:sldLayout xmlns:a="http://schemas.openxmlformats.org/drawingml/2006/main" xmlns:p="http://schemas.openxmlformats.org/presentationml/2006/main" xmlns:r="http://schemas.openxmlformats.org/officeDocument/2006/relationships" xmlns:p14="http://schemas.microsoft.com/office/powerpoint/2010/main" xmlns:p15="http://schemas.microsoft.com/office/powerpoint/2012/main" xmlns:mc="http://schemas.openxmlformats.org/markup-compatibility/2006" type="tx" preserve="1">
+  <p:cSld name="Title Slide">
+    <p:spTree>
+      <p:nvGrpSpPr>
+        <p:cNvPr id="1" name=""/>
+        <p:cNvGrpSpPr/>
+        <p:nvPr/>
+      </p:nvGrpSpPr>
+      <p:grpSpPr>
+        <a:xfrm>
+          <a:off x="0" y="0"/>
+          <a:ext cx="0" cy="0"/>
+          <a:chOff x="0" y="0"/>
+          <a:chExt cx="0" cy="0"/>
+        </a:xfrm>
+      </p:grpSpPr>
+      <p:sp>
+        <p:nvSpPr>
+          <p:cNvPr id="40" name="PlaceHolder 1"/>
+          <p:cNvSpPr>
+            <a:spLocks noGrp="1"/>
+          </p:cNvSpPr>
+          <p:nvPr>
+            <p:ph type="title"/>
+          </p:nvPr>
+        </p:nvSpPr>
+        <p:spPr>
+          <a:xfrm>
+            <a:off x="504000" y="226080"/>
+            <a:ext cx="9070560" cy="945360"/>
+          </a:xfrm>
+          <a:prstGeom prst="rect">
+            <a:avLst/>
+          </a:prstGeom>
+        </p:spPr>
+        <p:txBody>
+          <a:bodyPr lIns="0" rIns="0" tIns="0" bIns="0" anchor="ctr">
+            <a:noAutofit/>
+          </a:bodyPr>
+          <a:p>
+            <a:pPr algn="ctr"/>
+            <a:endParaRPr b="0" lang="pt-PT" sz="4400" spc="-1" strike="noStrike">
+              <a:latin typeface="Arial"/>
+            </a:endParaRPr>
+          </a:p>
+        </p:txBody>
+      </p:sp>
+      <p:sp>
+        <p:nvSpPr>
+          <p:cNvPr id="41" name="PlaceHolder 2"/>
+          <p:cNvSpPr>
+            <a:spLocks noGrp="1"/>
+          </p:cNvSpPr>
+          <p:nvPr>
+            <p:ph type="subTitle"/>
+          </p:nvPr>
+        </p:nvSpPr>
+        <p:spPr>
+          <a:xfrm>
+            <a:off x="504000" y="1326600"/>
+            <a:ext cx="9071280" cy="3287880"/>
+          </a:xfrm>
+          <a:prstGeom prst="rect">
+            <a:avLst/>
+          </a:prstGeom>
+        </p:spPr>
+        <p:txBody>
+          <a:bodyPr lIns="0" rIns="0" tIns="0" bIns="0" anchor="ctr">
+            <a:noAutofit/>
+          </a:bodyPr>
+          <a:p>
+            <a:pPr algn="ctr"/>
+            <a:endParaRPr b="0" lang="pt-PT" sz="3200" spc="-1" strike="noStrike">
+              <a:latin typeface="Arial"/>
+            </a:endParaRPr>
+          </a:p>
+        </p:txBody>
+      </p:sp>
+    </p:spTree>
+  </p:cSld>
+</p:sldLayout>
+</file>
+
+<file path=ppt/slideLayouts/slideLayout15.xml><?xml version="1.0" encoding="utf-8"?>
+<p:sldLayout xmlns:a="http://schemas.openxmlformats.org/drawingml/2006/main" xmlns:p="http://schemas.openxmlformats.org/presentationml/2006/main" xmlns:r="http://schemas.openxmlformats.org/officeDocument/2006/relationships" xmlns:p14="http://schemas.microsoft.com/office/powerpoint/2010/main" xmlns:p15="http://schemas.microsoft.com/office/powerpoint/2012/main" xmlns:mc="http://schemas.openxmlformats.org/markup-compatibility/2006" type="obj" preserve="1">
+  <p:cSld name="Title, Content">
+    <p:spTree>
+      <p:nvGrpSpPr>
+        <p:cNvPr id="1" name=""/>
+        <p:cNvGrpSpPr/>
+        <p:nvPr/>
+      </p:nvGrpSpPr>
+      <p:grpSpPr>
+        <a:xfrm>
+          <a:off x="0" y="0"/>
+          <a:ext cx="0" cy="0"/>
+          <a:chOff x="0" y="0"/>
+          <a:chExt cx="0" cy="0"/>
+        </a:xfrm>
+      </p:grpSpPr>
+      <p:sp>
+        <p:nvSpPr>
+          <p:cNvPr id="42" name="PlaceHolder 1"/>
+          <p:cNvSpPr>
+            <a:spLocks noGrp="1"/>
+          </p:cNvSpPr>
+          <p:nvPr>
+            <p:ph type="title"/>
+          </p:nvPr>
+        </p:nvSpPr>
+        <p:spPr>
+          <a:xfrm>
+            <a:off x="504000" y="226080"/>
+            <a:ext cx="9070560" cy="945360"/>
+          </a:xfrm>
+          <a:prstGeom prst="rect">
+            <a:avLst/>
+          </a:prstGeom>
+        </p:spPr>
+        <p:txBody>
+          <a:bodyPr lIns="0" rIns="0" tIns="0" bIns="0" anchor="ctr">
+            <a:noAutofit/>
+          </a:bodyPr>
+          <a:p>
+            <a:pPr algn="ctr"/>
+            <a:endParaRPr b="0" lang="pt-PT" sz="4400" spc="-1" strike="noStrike">
+              <a:latin typeface="Arial"/>
+            </a:endParaRPr>
+          </a:p>
+        </p:txBody>
+      </p:sp>
+      <p:sp>
+        <p:nvSpPr>
+          <p:cNvPr id="43" name="PlaceHolder 2"/>
+          <p:cNvSpPr>
+            <a:spLocks noGrp="1"/>
+          </p:cNvSpPr>
+          <p:nvPr>
+            <p:ph type="body"/>
+          </p:nvPr>
+        </p:nvSpPr>
+        <p:spPr>
+          <a:xfrm>
+            <a:off x="504000" y="1326600"/>
+            <a:ext cx="9071280" cy="3287880"/>
+          </a:xfrm>
+          <a:prstGeom prst="rect">
+            <a:avLst/>
+          </a:prstGeom>
+        </p:spPr>
+        <p:txBody>
+          <a:bodyPr lIns="0" rIns="0" tIns="0" bIns="0">
+            <a:normAutofit/>
+          </a:bodyPr>
+          <a:p>
+            <a:endParaRPr b="0" lang="pt-PT" sz="3200" spc="-1" strike="noStrike">
+              <a:latin typeface="Arial"/>
+            </a:endParaRPr>
+          </a:p>
+        </p:txBody>
+      </p:sp>
+    </p:spTree>
+  </p:cSld>
+</p:sldLayout>
+</file>
+
+<file path=ppt/slideLayouts/slideLayout16.xml><?xml version="1.0" encoding="utf-8"?>
+<p:sldLayout xmlns:a="http://schemas.openxmlformats.org/drawingml/2006/main" xmlns:p="http://schemas.openxmlformats.org/presentationml/2006/main" xmlns:r="http://schemas.openxmlformats.org/officeDocument/2006/relationships" xmlns:p14="http://schemas.microsoft.com/office/powerpoint/2010/main" xmlns:p15="http://schemas.microsoft.com/office/powerpoint/2012/main" xmlns:mc="http://schemas.openxmlformats.org/markup-compatibility/2006" type="twoObj" preserve="1">
+  <p:cSld name="Title, 2 Content">
+    <p:spTree>
+      <p:nvGrpSpPr>
+        <p:cNvPr id="1" name=""/>
+        <p:cNvGrpSpPr/>
+        <p:nvPr/>
+      </p:nvGrpSpPr>
+      <p:grpSpPr>
+        <a:xfrm>
+          <a:off x="0" y="0"/>
+          <a:ext cx="0" cy="0"/>
+          <a:chOff x="0" y="0"/>
+          <a:chExt cx="0" cy="0"/>
+        </a:xfrm>
+      </p:grpSpPr>
+      <p:sp>
+        <p:nvSpPr>
+          <p:cNvPr id="44" name="PlaceHolder 1"/>
+          <p:cNvSpPr>
+            <a:spLocks noGrp="1"/>
+          </p:cNvSpPr>
+          <p:nvPr>
+            <p:ph type="title"/>
+          </p:nvPr>
+        </p:nvSpPr>
+        <p:spPr>
+          <a:xfrm>
+            <a:off x="504000" y="226080"/>
+            <a:ext cx="9070560" cy="945360"/>
+          </a:xfrm>
+          <a:prstGeom prst="rect">
+            <a:avLst/>
+          </a:prstGeom>
+        </p:spPr>
+        <p:txBody>
+          <a:bodyPr lIns="0" rIns="0" tIns="0" bIns="0" anchor="ctr">
+            <a:noAutofit/>
+          </a:bodyPr>
+          <a:p>
+            <a:pPr algn="ctr"/>
+            <a:endParaRPr b="0" lang="pt-PT" sz="4400" spc="-1" strike="noStrike">
+              <a:latin typeface="Arial"/>
+            </a:endParaRPr>
+          </a:p>
+        </p:txBody>
+      </p:sp>
+      <p:sp>
+        <p:nvSpPr>
+          <p:cNvPr id="45" name="PlaceHolder 2"/>
+          <p:cNvSpPr>
+            <a:spLocks noGrp="1"/>
+          </p:cNvSpPr>
+          <p:nvPr>
+            <p:ph type="body"/>
+          </p:nvPr>
+        </p:nvSpPr>
+        <p:spPr>
+          <a:xfrm>
+            <a:off x="504000" y="1326600"/>
+            <a:ext cx="4426560" cy="3287880"/>
+          </a:xfrm>
+          <a:prstGeom prst="rect">
+            <a:avLst/>
+          </a:prstGeom>
+        </p:spPr>
+        <p:txBody>
+          <a:bodyPr lIns="0" rIns="0" tIns="0" bIns="0">
+            <a:normAutofit/>
+          </a:bodyPr>
+          <a:p>
+            <a:endParaRPr b="0" lang="pt-PT" sz="3200" spc="-1" strike="noStrike">
+              <a:latin typeface="Arial"/>
+            </a:endParaRPr>
+          </a:p>
+        </p:txBody>
+      </p:sp>
+      <p:sp>
+        <p:nvSpPr>
+          <p:cNvPr id="46" name="PlaceHolder 3"/>
+          <p:cNvSpPr>
+            <a:spLocks noGrp="1"/>
+          </p:cNvSpPr>
+          <p:nvPr>
+            <p:ph type="body"/>
+          </p:nvPr>
+        </p:nvSpPr>
+        <p:spPr>
+          <a:xfrm>
+            <a:off x="5152320" y="1326600"/>
+            <a:ext cx="4426560" cy="3287880"/>
+          </a:xfrm>
+          <a:prstGeom prst="rect">
+            <a:avLst/>
+          </a:prstGeom>
+        </p:spPr>
+        <p:txBody>
+          <a:bodyPr lIns="0" rIns="0" tIns="0" bIns="0">
+            <a:normAutofit/>
+          </a:bodyPr>
+          <a:p>
+            <a:endParaRPr b="0" lang="pt-PT" sz="3200" spc="-1" strike="noStrike">
+              <a:latin typeface="Arial"/>
+            </a:endParaRPr>
+          </a:p>
+        </p:txBody>
+      </p:sp>
+    </p:spTree>
+  </p:cSld>
+</p:sldLayout>
+</file>
+
+<file path=ppt/slideLayouts/slideLayout17.xml><?xml version="1.0" encoding="utf-8"?>
+<p:sldLayout xmlns:a="http://schemas.openxmlformats.org/drawingml/2006/main" xmlns:p="http://schemas.openxmlformats.org/presentationml/2006/main" xmlns:r="http://schemas.openxmlformats.org/officeDocument/2006/relationships" xmlns:p14="http://schemas.microsoft.com/office/powerpoint/2010/main" xmlns:p15="http://schemas.microsoft.com/office/powerpoint/2012/main" xmlns:mc="http://schemas.openxmlformats.org/markup-compatibility/2006" type="titleOnly" preserve="1">
+  <p:cSld name="Title Only">
+    <p:spTree>
+      <p:nvGrpSpPr>
+        <p:cNvPr id="1" name=""/>
+        <p:cNvGrpSpPr/>
+        <p:nvPr/>
+      </p:nvGrpSpPr>
+      <p:grpSpPr>
+        <a:xfrm>
+          <a:off x="0" y="0"/>
+          <a:ext cx="0" cy="0"/>
+          <a:chOff x="0" y="0"/>
+          <a:chExt cx="0" cy="0"/>
+        </a:xfrm>
+      </p:grpSpPr>
+      <p:sp>
+        <p:nvSpPr>
+          <p:cNvPr id="47" name="PlaceHolder 1"/>
+          <p:cNvSpPr>
+            <a:spLocks noGrp="1"/>
+          </p:cNvSpPr>
+          <p:nvPr>
+            <p:ph type="title"/>
+          </p:nvPr>
+        </p:nvSpPr>
+        <p:spPr>
+          <a:xfrm>
+            <a:off x="504000" y="226080"/>
+            <a:ext cx="9070560" cy="945360"/>
+          </a:xfrm>
+          <a:prstGeom prst="rect">
+            <a:avLst/>
+          </a:prstGeom>
+        </p:spPr>
+        <p:txBody>
+          <a:bodyPr lIns="0" rIns="0" tIns="0" bIns="0" anchor="ctr">
+            <a:noAutofit/>
+          </a:bodyPr>
+          <a:p>
+            <a:pPr algn="ctr"/>
+            <a:endParaRPr b="0" lang="pt-PT" sz="4400" spc="-1" strike="noStrike">
+              <a:latin typeface="Arial"/>
+            </a:endParaRPr>
+          </a:p>
+        </p:txBody>
+      </p:sp>
+    </p:spTree>
+  </p:cSld>
+</p:sldLayout>
+</file>
+
+<file path=ppt/slideLayouts/slideLayout18.xml><?xml version="1.0" encoding="utf-8"?>
+<p:sldLayout xmlns:a="http://schemas.openxmlformats.org/drawingml/2006/main" xmlns:p="http://schemas.openxmlformats.org/presentationml/2006/main" xmlns:r="http://schemas.openxmlformats.org/officeDocument/2006/relationships" xmlns:p14="http://schemas.microsoft.com/office/powerpoint/2010/main" xmlns:p15="http://schemas.microsoft.com/office/powerpoint/2012/main" xmlns:mc="http://schemas.openxmlformats.org/markup-compatibility/2006" type="objOnly" preserve="1">
+  <p:cSld name="Centered Text">
+    <p:spTree>
+      <p:nvGrpSpPr>
+        <p:cNvPr id="1" name=""/>
+        <p:cNvGrpSpPr/>
+        <p:nvPr/>
+      </p:nvGrpSpPr>
+      <p:grpSpPr>
+        <a:xfrm>
+          <a:off x="0" y="0"/>
+          <a:ext cx="0" cy="0"/>
+          <a:chOff x="0" y="0"/>
+          <a:chExt cx="0" cy="0"/>
+        </a:xfrm>
+      </p:grpSpPr>
+      <p:sp>
+        <p:nvSpPr>
+          <p:cNvPr id="48" name="PlaceHolder 1"/>
+          <p:cNvSpPr>
+            <a:spLocks noGrp="1"/>
+          </p:cNvSpPr>
+          <p:nvPr>
+            <p:ph type="subTitle"/>
+          </p:nvPr>
+        </p:nvSpPr>
+        <p:spPr>
+          <a:xfrm>
+            <a:off x="504000" y="226080"/>
+            <a:ext cx="9070560" cy="4383360"/>
+          </a:xfrm>
+          <a:prstGeom prst="rect">
+            <a:avLst/>
+          </a:prstGeom>
+        </p:spPr>
+        <p:txBody>
+          <a:bodyPr lIns="0" rIns="0" tIns="0" bIns="0" anchor="ctr">
+            <a:noAutofit/>
+          </a:bodyPr>
+          <a:p>
+            <a:pPr algn="ctr"/>
+            <a:endParaRPr b="0" lang="pt-PT" sz="3200" spc="-1" strike="noStrike">
+              <a:latin typeface="Arial"/>
+            </a:endParaRPr>
+          </a:p>
+        </p:txBody>
+      </p:sp>
+    </p:spTree>
+  </p:cSld>
+</p:sldLayout>
+</file>
+
+<file path=ppt/slideLayouts/slideLayout19.xml><?xml version="1.0" encoding="utf-8"?>
+<p:sldLayout xmlns:a="http://schemas.openxmlformats.org/drawingml/2006/main" xmlns:p="http://schemas.openxmlformats.org/presentationml/2006/main" xmlns:r="http://schemas.openxmlformats.org/officeDocument/2006/relationships" xmlns:p14="http://schemas.microsoft.com/office/powerpoint/2010/main" xmlns:p15="http://schemas.microsoft.com/office/powerpoint/2012/main" xmlns:mc="http://schemas.openxmlformats.org/markup-compatibility/2006" type="twoObjAndObj" preserve="1">
+  <p:cSld name="Title, 2 Content and Content">
+    <p:spTree>
+      <p:nvGrpSpPr>
+        <p:cNvPr id="1" name=""/>
+        <p:cNvGrpSpPr/>
+        <p:nvPr/>
+      </p:nvGrpSpPr>
+      <p:grpSpPr>
+        <a:xfrm>
+          <a:off x="0" y="0"/>
+          <a:ext cx="0" cy="0"/>
+          <a:chOff x="0" y="0"/>
+          <a:chExt cx="0" cy="0"/>
+        </a:xfrm>
+      </p:grpSpPr>
+      <p:sp>
+        <p:nvSpPr>
+          <p:cNvPr id="49" name="PlaceHolder 1"/>
+          <p:cNvSpPr>
+            <a:spLocks noGrp="1"/>
+          </p:cNvSpPr>
+          <p:nvPr>
+            <p:ph type="title"/>
+          </p:nvPr>
+        </p:nvSpPr>
+        <p:spPr>
+          <a:xfrm>
+            <a:off x="504000" y="226080"/>
+            <a:ext cx="9070560" cy="945360"/>
+          </a:xfrm>
+          <a:prstGeom prst="rect">
+            <a:avLst/>
+          </a:prstGeom>
+        </p:spPr>
+        <p:txBody>
+          <a:bodyPr lIns="0" rIns="0" tIns="0" bIns="0" anchor="ctr">
+            <a:noAutofit/>
+          </a:bodyPr>
+          <a:p>
+            <a:pPr algn="ctr"/>
+            <a:endParaRPr b="0" lang="pt-PT" sz="4400" spc="-1" strike="noStrike">
+              <a:latin typeface="Arial"/>
+            </a:endParaRPr>
+          </a:p>
+        </p:txBody>
+      </p:sp>
+      <p:sp>
+        <p:nvSpPr>
+          <p:cNvPr id="50" name="PlaceHolder 2"/>
+          <p:cNvSpPr>
+            <a:spLocks noGrp="1"/>
+          </p:cNvSpPr>
+          <p:nvPr>
+            <p:ph type="body"/>
+          </p:nvPr>
+        </p:nvSpPr>
+        <p:spPr>
+          <a:xfrm>
+            <a:off x="504000" y="1326600"/>
+            <a:ext cx="4426560" cy="1568160"/>
+          </a:xfrm>
+          <a:prstGeom prst="rect">
+            <a:avLst/>
+          </a:prstGeom>
+        </p:spPr>
+        <p:txBody>
+          <a:bodyPr lIns="0" rIns="0" tIns="0" bIns="0">
+            <a:normAutofit/>
+          </a:bodyPr>
+          <a:p>
+            <a:endParaRPr b="0" lang="pt-PT" sz="3200" spc="-1" strike="noStrike">
+              <a:latin typeface="Arial"/>
+            </a:endParaRPr>
+          </a:p>
+        </p:txBody>
+      </p:sp>
+      <p:sp>
+        <p:nvSpPr>
+          <p:cNvPr id="51" name="PlaceHolder 3"/>
+          <p:cNvSpPr>
+            <a:spLocks noGrp="1"/>
+          </p:cNvSpPr>
+          <p:nvPr>
+            <p:ph type="body"/>
+          </p:nvPr>
+        </p:nvSpPr>
+        <p:spPr>
+          <a:xfrm>
+            <a:off x="5152320" y="1326600"/>
+            <a:ext cx="4426560" cy="3287880"/>
+          </a:xfrm>
+          <a:prstGeom prst="rect">
+            <a:avLst/>
+          </a:prstGeom>
+        </p:spPr>
+        <p:txBody>
+          <a:bodyPr lIns="0" rIns="0" tIns="0" bIns="0">
+            <a:normAutofit/>
+          </a:bodyPr>
+          <a:p>
+            <a:endParaRPr b="0" lang="pt-PT" sz="3200" spc="-1" strike="noStrike">
+              <a:latin typeface="Arial"/>
+            </a:endParaRPr>
+          </a:p>
+        </p:txBody>
+      </p:sp>
+      <p:sp>
+        <p:nvSpPr>
+          <p:cNvPr id="52" name="PlaceHolder 4"/>
+          <p:cNvSpPr>
+            <a:spLocks noGrp="1"/>
+          </p:cNvSpPr>
+          <p:nvPr>
+            <p:ph type="body"/>
+          </p:nvPr>
+        </p:nvSpPr>
+        <p:spPr>
+          <a:xfrm>
+            <a:off x="504000" y="3044160"/>
+            <a:ext cx="4426560" cy="1568160"/>
           </a:xfrm>
           <a:prstGeom prst="rect">
             <a:avLst/>
@@ -590,7 +1143,7 @@
         <p:spPr>
           <a:xfrm>
             <a:off x="504000" y="226080"/>
-            <a:ext cx="9070920" cy="945720"/>
+            <a:ext cx="9070560" cy="945360"/>
           </a:xfrm>
           <a:prstGeom prst="rect">
             <a:avLst/>
@@ -621,7 +1174,7 @@
         <p:spPr>
           <a:xfrm>
             <a:off x="504000" y="1326600"/>
-            <a:ext cx="9071640" cy="3288240"/>
+            <a:ext cx="9071280" cy="3287880"/>
           </a:xfrm>
           <a:prstGeom prst="rect">
             <a:avLst/>
@@ -634,6 +1187,1166 @@
           <a:p>
             <a:pPr algn="ctr"/>
             <a:endParaRPr b="0" lang="pt-PT" sz="3200" spc="-1" strike="noStrike">
+              <a:latin typeface="Arial"/>
+            </a:endParaRPr>
+          </a:p>
+        </p:txBody>
+      </p:sp>
+    </p:spTree>
+  </p:cSld>
+</p:sldLayout>
+</file>
+
+<file path=ppt/slideLayouts/slideLayout20.xml><?xml version="1.0" encoding="utf-8"?>
+<p:sldLayout xmlns:a="http://schemas.openxmlformats.org/drawingml/2006/main" xmlns:p="http://schemas.openxmlformats.org/presentationml/2006/main" xmlns:r="http://schemas.openxmlformats.org/officeDocument/2006/relationships" xmlns:p14="http://schemas.microsoft.com/office/powerpoint/2010/main" xmlns:p15="http://schemas.microsoft.com/office/powerpoint/2012/main" xmlns:mc="http://schemas.openxmlformats.org/markup-compatibility/2006" type="objAndTwoObj" preserve="1">
+  <p:cSld name="Title Content and 2 Content">
+    <p:spTree>
+      <p:nvGrpSpPr>
+        <p:cNvPr id="1" name=""/>
+        <p:cNvGrpSpPr/>
+        <p:nvPr/>
+      </p:nvGrpSpPr>
+      <p:grpSpPr>
+        <a:xfrm>
+          <a:off x="0" y="0"/>
+          <a:ext cx="0" cy="0"/>
+          <a:chOff x="0" y="0"/>
+          <a:chExt cx="0" cy="0"/>
+        </a:xfrm>
+      </p:grpSpPr>
+      <p:sp>
+        <p:nvSpPr>
+          <p:cNvPr id="53" name="PlaceHolder 1"/>
+          <p:cNvSpPr>
+            <a:spLocks noGrp="1"/>
+          </p:cNvSpPr>
+          <p:nvPr>
+            <p:ph type="title"/>
+          </p:nvPr>
+        </p:nvSpPr>
+        <p:spPr>
+          <a:xfrm>
+            <a:off x="504000" y="226080"/>
+            <a:ext cx="9070560" cy="945360"/>
+          </a:xfrm>
+          <a:prstGeom prst="rect">
+            <a:avLst/>
+          </a:prstGeom>
+        </p:spPr>
+        <p:txBody>
+          <a:bodyPr lIns="0" rIns="0" tIns="0" bIns="0" anchor="ctr">
+            <a:noAutofit/>
+          </a:bodyPr>
+          <a:p>
+            <a:pPr algn="ctr"/>
+            <a:endParaRPr b="0" lang="pt-PT" sz="4400" spc="-1" strike="noStrike">
+              <a:latin typeface="Arial"/>
+            </a:endParaRPr>
+          </a:p>
+        </p:txBody>
+      </p:sp>
+      <p:sp>
+        <p:nvSpPr>
+          <p:cNvPr id="54" name="PlaceHolder 2"/>
+          <p:cNvSpPr>
+            <a:spLocks noGrp="1"/>
+          </p:cNvSpPr>
+          <p:nvPr>
+            <p:ph type="body"/>
+          </p:nvPr>
+        </p:nvSpPr>
+        <p:spPr>
+          <a:xfrm>
+            <a:off x="504000" y="1326600"/>
+            <a:ext cx="4426560" cy="3287880"/>
+          </a:xfrm>
+          <a:prstGeom prst="rect">
+            <a:avLst/>
+          </a:prstGeom>
+        </p:spPr>
+        <p:txBody>
+          <a:bodyPr lIns="0" rIns="0" tIns="0" bIns="0">
+            <a:normAutofit/>
+          </a:bodyPr>
+          <a:p>
+            <a:endParaRPr b="0" lang="pt-PT" sz="3200" spc="-1" strike="noStrike">
+              <a:latin typeface="Arial"/>
+            </a:endParaRPr>
+          </a:p>
+        </p:txBody>
+      </p:sp>
+      <p:sp>
+        <p:nvSpPr>
+          <p:cNvPr id="55" name="PlaceHolder 3"/>
+          <p:cNvSpPr>
+            <a:spLocks noGrp="1"/>
+          </p:cNvSpPr>
+          <p:nvPr>
+            <p:ph type="body"/>
+          </p:nvPr>
+        </p:nvSpPr>
+        <p:spPr>
+          <a:xfrm>
+            <a:off x="5152320" y="1326600"/>
+            <a:ext cx="4426560" cy="1568160"/>
+          </a:xfrm>
+          <a:prstGeom prst="rect">
+            <a:avLst/>
+          </a:prstGeom>
+        </p:spPr>
+        <p:txBody>
+          <a:bodyPr lIns="0" rIns="0" tIns="0" bIns="0">
+            <a:normAutofit/>
+          </a:bodyPr>
+          <a:p>
+            <a:endParaRPr b="0" lang="pt-PT" sz="3200" spc="-1" strike="noStrike">
+              <a:latin typeface="Arial"/>
+            </a:endParaRPr>
+          </a:p>
+        </p:txBody>
+      </p:sp>
+      <p:sp>
+        <p:nvSpPr>
+          <p:cNvPr id="56" name="PlaceHolder 4"/>
+          <p:cNvSpPr>
+            <a:spLocks noGrp="1"/>
+          </p:cNvSpPr>
+          <p:nvPr>
+            <p:ph type="body"/>
+          </p:nvPr>
+        </p:nvSpPr>
+        <p:spPr>
+          <a:xfrm>
+            <a:off x="5152320" y="3044160"/>
+            <a:ext cx="4426560" cy="1568160"/>
+          </a:xfrm>
+          <a:prstGeom prst="rect">
+            <a:avLst/>
+          </a:prstGeom>
+        </p:spPr>
+        <p:txBody>
+          <a:bodyPr lIns="0" rIns="0" tIns="0" bIns="0">
+            <a:normAutofit/>
+          </a:bodyPr>
+          <a:p>
+            <a:endParaRPr b="0" lang="pt-PT" sz="3200" spc="-1" strike="noStrike">
+              <a:latin typeface="Arial"/>
+            </a:endParaRPr>
+          </a:p>
+        </p:txBody>
+      </p:sp>
+    </p:spTree>
+  </p:cSld>
+</p:sldLayout>
+</file>
+
+<file path=ppt/slideLayouts/slideLayout21.xml><?xml version="1.0" encoding="utf-8"?>
+<p:sldLayout xmlns:a="http://schemas.openxmlformats.org/drawingml/2006/main" xmlns:p="http://schemas.openxmlformats.org/presentationml/2006/main" xmlns:r="http://schemas.openxmlformats.org/officeDocument/2006/relationships" xmlns:p14="http://schemas.microsoft.com/office/powerpoint/2010/main" xmlns:p15="http://schemas.microsoft.com/office/powerpoint/2012/main" xmlns:mc="http://schemas.openxmlformats.org/markup-compatibility/2006" type="twoObjOverTx" preserve="1">
+  <p:cSld name="Title, 2 Content over Content">
+    <p:spTree>
+      <p:nvGrpSpPr>
+        <p:cNvPr id="1" name=""/>
+        <p:cNvGrpSpPr/>
+        <p:nvPr/>
+      </p:nvGrpSpPr>
+      <p:grpSpPr>
+        <a:xfrm>
+          <a:off x="0" y="0"/>
+          <a:ext cx="0" cy="0"/>
+          <a:chOff x="0" y="0"/>
+          <a:chExt cx="0" cy="0"/>
+        </a:xfrm>
+      </p:grpSpPr>
+      <p:sp>
+        <p:nvSpPr>
+          <p:cNvPr id="57" name="PlaceHolder 1"/>
+          <p:cNvSpPr>
+            <a:spLocks noGrp="1"/>
+          </p:cNvSpPr>
+          <p:nvPr>
+            <p:ph type="title"/>
+          </p:nvPr>
+        </p:nvSpPr>
+        <p:spPr>
+          <a:xfrm>
+            <a:off x="504000" y="226080"/>
+            <a:ext cx="9070560" cy="945360"/>
+          </a:xfrm>
+          <a:prstGeom prst="rect">
+            <a:avLst/>
+          </a:prstGeom>
+        </p:spPr>
+        <p:txBody>
+          <a:bodyPr lIns="0" rIns="0" tIns="0" bIns="0" anchor="ctr">
+            <a:noAutofit/>
+          </a:bodyPr>
+          <a:p>
+            <a:pPr algn="ctr"/>
+            <a:endParaRPr b="0" lang="pt-PT" sz="4400" spc="-1" strike="noStrike">
+              <a:latin typeface="Arial"/>
+            </a:endParaRPr>
+          </a:p>
+        </p:txBody>
+      </p:sp>
+      <p:sp>
+        <p:nvSpPr>
+          <p:cNvPr id="58" name="PlaceHolder 2"/>
+          <p:cNvSpPr>
+            <a:spLocks noGrp="1"/>
+          </p:cNvSpPr>
+          <p:nvPr>
+            <p:ph type="body"/>
+          </p:nvPr>
+        </p:nvSpPr>
+        <p:spPr>
+          <a:xfrm>
+            <a:off x="504000" y="1326600"/>
+            <a:ext cx="4426560" cy="1568160"/>
+          </a:xfrm>
+          <a:prstGeom prst="rect">
+            <a:avLst/>
+          </a:prstGeom>
+        </p:spPr>
+        <p:txBody>
+          <a:bodyPr lIns="0" rIns="0" tIns="0" bIns="0">
+            <a:normAutofit/>
+          </a:bodyPr>
+          <a:p>
+            <a:endParaRPr b="0" lang="pt-PT" sz="3200" spc="-1" strike="noStrike">
+              <a:latin typeface="Arial"/>
+            </a:endParaRPr>
+          </a:p>
+        </p:txBody>
+      </p:sp>
+      <p:sp>
+        <p:nvSpPr>
+          <p:cNvPr id="59" name="PlaceHolder 3"/>
+          <p:cNvSpPr>
+            <a:spLocks noGrp="1"/>
+          </p:cNvSpPr>
+          <p:nvPr>
+            <p:ph type="body"/>
+          </p:nvPr>
+        </p:nvSpPr>
+        <p:spPr>
+          <a:xfrm>
+            <a:off x="5152320" y="1326600"/>
+            <a:ext cx="4426560" cy="1568160"/>
+          </a:xfrm>
+          <a:prstGeom prst="rect">
+            <a:avLst/>
+          </a:prstGeom>
+        </p:spPr>
+        <p:txBody>
+          <a:bodyPr lIns="0" rIns="0" tIns="0" bIns="0">
+            <a:normAutofit/>
+          </a:bodyPr>
+          <a:p>
+            <a:endParaRPr b="0" lang="pt-PT" sz="3200" spc="-1" strike="noStrike">
+              <a:latin typeface="Arial"/>
+            </a:endParaRPr>
+          </a:p>
+        </p:txBody>
+      </p:sp>
+      <p:sp>
+        <p:nvSpPr>
+          <p:cNvPr id="60" name="PlaceHolder 4"/>
+          <p:cNvSpPr>
+            <a:spLocks noGrp="1"/>
+          </p:cNvSpPr>
+          <p:nvPr>
+            <p:ph type="body"/>
+          </p:nvPr>
+        </p:nvSpPr>
+        <p:spPr>
+          <a:xfrm>
+            <a:off x="504000" y="3044160"/>
+            <a:ext cx="9071280" cy="1568160"/>
+          </a:xfrm>
+          <a:prstGeom prst="rect">
+            <a:avLst/>
+          </a:prstGeom>
+        </p:spPr>
+        <p:txBody>
+          <a:bodyPr lIns="0" rIns="0" tIns="0" bIns="0">
+            <a:normAutofit/>
+          </a:bodyPr>
+          <a:p>
+            <a:endParaRPr b="0" lang="pt-PT" sz="3200" spc="-1" strike="noStrike">
+              <a:latin typeface="Arial"/>
+            </a:endParaRPr>
+          </a:p>
+        </p:txBody>
+      </p:sp>
+    </p:spTree>
+  </p:cSld>
+</p:sldLayout>
+</file>
+
+<file path=ppt/slideLayouts/slideLayout22.xml><?xml version="1.0" encoding="utf-8"?>
+<p:sldLayout xmlns:a="http://schemas.openxmlformats.org/drawingml/2006/main" xmlns:p="http://schemas.openxmlformats.org/presentationml/2006/main" xmlns:r="http://schemas.openxmlformats.org/officeDocument/2006/relationships" xmlns:p14="http://schemas.microsoft.com/office/powerpoint/2010/main" xmlns:p15="http://schemas.microsoft.com/office/powerpoint/2012/main" xmlns:mc="http://schemas.openxmlformats.org/markup-compatibility/2006" type="objOverTx" preserve="1">
+  <p:cSld name="Title, Content over Content">
+    <p:spTree>
+      <p:nvGrpSpPr>
+        <p:cNvPr id="1" name=""/>
+        <p:cNvGrpSpPr/>
+        <p:nvPr/>
+      </p:nvGrpSpPr>
+      <p:grpSpPr>
+        <a:xfrm>
+          <a:off x="0" y="0"/>
+          <a:ext cx="0" cy="0"/>
+          <a:chOff x="0" y="0"/>
+          <a:chExt cx="0" cy="0"/>
+        </a:xfrm>
+      </p:grpSpPr>
+      <p:sp>
+        <p:nvSpPr>
+          <p:cNvPr id="61" name="PlaceHolder 1"/>
+          <p:cNvSpPr>
+            <a:spLocks noGrp="1"/>
+          </p:cNvSpPr>
+          <p:nvPr>
+            <p:ph type="title"/>
+          </p:nvPr>
+        </p:nvSpPr>
+        <p:spPr>
+          <a:xfrm>
+            <a:off x="504000" y="226080"/>
+            <a:ext cx="9070560" cy="945360"/>
+          </a:xfrm>
+          <a:prstGeom prst="rect">
+            <a:avLst/>
+          </a:prstGeom>
+        </p:spPr>
+        <p:txBody>
+          <a:bodyPr lIns="0" rIns="0" tIns="0" bIns="0" anchor="ctr">
+            <a:noAutofit/>
+          </a:bodyPr>
+          <a:p>
+            <a:pPr algn="ctr"/>
+            <a:endParaRPr b="0" lang="pt-PT" sz="4400" spc="-1" strike="noStrike">
+              <a:latin typeface="Arial"/>
+            </a:endParaRPr>
+          </a:p>
+        </p:txBody>
+      </p:sp>
+      <p:sp>
+        <p:nvSpPr>
+          <p:cNvPr id="62" name="PlaceHolder 2"/>
+          <p:cNvSpPr>
+            <a:spLocks noGrp="1"/>
+          </p:cNvSpPr>
+          <p:nvPr>
+            <p:ph type="body"/>
+          </p:nvPr>
+        </p:nvSpPr>
+        <p:spPr>
+          <a:xfrm>
+            <a:off x="504000" y="1326600"/>
+            <a:ext cx="9071280" cy="1568160"/>
+          </a:xfrm>
+          <a:prstGeom prst="rect">
+            <a:avLst/>
+          </a:prstGeom>
+        </p:spPr>
+        <p:txBody>
+          <a:bodyPr lIns="0" rIns="0" tIns="0" bIns="0">
+            <a:normAutofit/>
+          </a:bodyPr>
+          <a:p>
+            <a:endParaRPr b="0" lang="pt-PT" sz="3200" spc="-1" strike="noStrike">
+              <a:latin typeface="Arial"/>
+            </a:endParaRPr>
+          </a:p>
+        </p:txBody>
+      </p:sp>
+      <p:sp>
+        <p:nvSpPr>
+          <p:cNvPr id="63" name="PlaceHolder 3"/>
+          <p:cNvSpPr>
+            <a:spLocks noGrp="1"/>
+          </p:cNvSpPr>
+          <p:nvPr>
+            <p:ph type="body"/>
+          </p:nvPr>
+        </p:nvSpPr>
+        <p:spPr>
+          <a:xfrm>
+            <a:off x="504000" y="3044160"/>
+            <a:ext cx="9071280" cy="1568160"/>
+          </a:xfrm>
+          <a:prstGeom prst="rect">
+            <a:avLst/>
+          </a:prstGeom>
+        </p:spPr>
+        <p:txBody>
+          <a:bodyPr lIns="0" rIns="0" tIns="0" bIns="0">
+            <a:normAutofit/>
+          </a:bodyPr>
+          <a:p>
+            <a:endParaRPr b="0" lang="pt-PT" sz="3200" spc="-1" strike="noStrike">
+              <a:latin typeface="Arial"/>
+            </a:endParaRPr>
+          </a:p>
+        </p:txBody>
+      </p:sp>
+    </p:spTree>
+  </p:cSld>
+</p:sldLayout>
+</file>
+
+<file path=ppt/slideLayouts/slideLayout23.xml><?xml version="1.0" encoding="utf-8"?>
+<p:sldLayout xmlns:a="http://schemas.openxmlformats.org/drawingml/2006/main" xmlns:p="http://schemas.openxmlformats.org/presentationml/2006/main" xmlns:r="http://schemas.openxmlformats.org/officeDocument/2006/relationships" xmlns:p14="http://schemas.microsoft.com/office/powerpoint/2010/main" xmlns:p15="http://schemas.microsoft.com/office/powerpoint/2012/main" xmlns:mc="http://schemas.openxmlformats.org/markup-compatibility/2006" type="fourObj" preserve="1">
+  <p:cSld name="Title, 4 Content">
+    <p:spTree>
+      <p:nvGrpSpPr>
+        <p:cNvPr id="1" name=""/>
+        <p:cNvGrpSpPr/>
+        <p:nvPr/>
+      </p:nvGrpSpPr>
+      <p:grpSpPr>
+        <a:xfrm>
+          <a:off x="0" y="0"/>
+          <a:ext cx="0" cy="0"/>
+          <a:chOff x="0" y="0"/>
+          <a:chExt cx="0" cy="0"/>
+        </a:xfrm>
+      </p:grpSpPr>
+      <p:sp>
+        <p:nvSpPr>
+          <p:cNvPr id="64" name="PlaceHolder 1"/>
+          <p:cNvSpPr>
+            <a:spLocks noGrp="1"/>
+          </p:cNvSpPr>
+          <p:nvPr>
+            <p:ph type="title"/>
+          </p:nvPr>
+        </p:nvSpPr>
+        <p:spPr>
+          <a:xfrm>
+            <a:off x="504000" y="226080"/>
+            <a:ext cx="9070560" cy="945360"/>
+          </a:xfrm>
+          <a:prstGeom prst="rect">
+            <a:avLst/>
+          </a:prstGeom>
+        </p:spPr>
+        <p:txBody>
+          <a:bodyPr lIns="0" rIns="0" tIns="0" bIns="0" anchor="ctr">
+            <a:noAutofit/>
+          </a:bodyPr>
+          <a:p>
+            <a:pPr algn="ctr"/>
+            <a:endParaRPr b="0" lang="pt-PT" sz="4400" spc="-1" strike="noStrike">
+              <a:latin typeface="Arial"/>
+            </a:endParaRPr>
+          </a:p>
+        </p:txBody>
+      </p:sp>
+      <p:sp>
+        <p:nvSpPr>
+          <p:cNvPr id="65" name="PlaceHolder 2"/>
+          <p:cNvSpPr>
+            <a:spLocks noGrp="1"/>
+          </p:cNvSpPr>
+          <p:nvPr>
+            <p:ph type="body"/>
+          </p:nvPr>
+        </p:nvSpPr>
+        <p:spPr>
+          <a:xfrm>
+            <a:off x="504000" y="1326600"/>
+            <a:ext cx="4426560" cy="1568160"/>
+          </a:xfrm>
+          <a:prstGeom prst="rect">
+            <a:avLst/>
+          </a:prstGeom>
+        </p:spPr>
+        <p:txBody>
+          <a:bodyPr lIns="0" rIns="0" tIns="0" bIns="0">
+            <a:normAutofit/>
+          </a:bodyPr>
+          <a:p>
+            <a:endParaRPr b="0" lang="pt-PT" sz="3200" spc="-1" strike="noStrike">
+              <a:latin typeface="Arial"/>
+            </a:endParaRPr>
+          </a:p>
+        </p:txBody>
+      </p:sp>
+      <p:sp>
+        <p:nvSpPr>
+          <p:cNvPr id="66" name="PlaceHolder 3"/>
+          <p:cNvSpPr>
+            <a:spLocks noGrp="1"/>
+          </p:cNvSpPr>
+          <p:nvPr>
+            <p:ph type="body"/>
+          </p:nvPr>
+        </p:nvSpPr>
+        <p:spPr>
+          <a:xfrm>
+            <a:off x="5152320" y="1326600"/>
+            <a:ext cx="4426560" cy="1568160"/>
+          </a:xfrm>
+          <a:prstGeom prst="rect">
+            <a:avLst/>
+          </a:prstGeom>
+        </p:spPr>
+        <p:txBody>
+          <a:bodyPr lIns="0" rIns="0" tIns="0" bIns="0">
+            <a:normAutofit/>
+          </a:bodyPr>
+          <a:p>
+            <a:endParaRPr b="0" lang="pt-PT" sz="3200" spc="-1" strike="noStrike">
+              <a:latin typeface="Arial"/>
+            </a:endParaRPr>
+          </a:p>
+        </p:txBody>
+      </p:sp>
+      <p:sp>
+        <p:nvSpPr>
+          <p:cNvPr id="67" name="PlaceHolder 4"/>
+          <p:cNvSpPr>
+            <a:spLocks noGrp="1"/>
+          </p:cNvSpPr>
+          <p:nvPr>
+            <p:ph type="body"/>
+          </p:nvPr>
+        </p:nvSpPr>
+        <p:spPr>
+          <a:xfrm>
+            <a:off x="504000" y="3044160"/>
+            <a:ext cx="4426560" cy="1568160"/>
+          </a:xfrm>
+          <a:prstGeom prst="rect">
+            <a:avLst/>
+          </a:prstGeom>
+        </p:spPr>
+        <p:txBody>
+          <a:bodyPr lIns="0" rIns="0" tIns="0" bIns="0">
+            <a:normAutofit/>
+          </a:bodyPr>
+          <a:p>
+            <a:endParaRPr b="0" lang="pt-PT" sz="3200" spc="-1" strike="noStrike">
+              <a:latin typeface="Arial"/>
+            </a:endParaRPr>
+          </a:p>
+        </p:txBody>
+      </p:sp>
+      <p:sp>
+        <p:nvSpPr>
+          <p:cNvPr id="68" name="PlaceHolder 5"/>
+          <p:cNvSpPr>
+            <a:spLocks noGrp="1"/>
+          </p:cNvSpPr>
+          <p:nvPr>
+            <p:ph type="body"/>
+          </p:nvPr>
+        </p:nvSpPr>
+        <p:spPr>
+          <a:xfrm>
+            <a:off x="5152320" y="3044160"/>
+            <a:ext cx="4426560" cy="1568160"/>
+          </a:xfrm>
+          <a:prstGeom prst="rect">
+            <a:avLst/>
+          </a:prstGeom>
+        </p:spPr>
+        <p:txBody>
+          <a:bodyPr lIns="0" rIns="0" tIns="0" bIns="0">
+            <a:normAutofit/>
+          </a:bodyPr>
+          <a:p>
+            <a:endParaRPr b="0" lang="pt-PT" sz="3200" spc="-1" strike="noStrike">
+              <a:latin typeface="Arial"/>
+            </a:endParaRPr>
+          </a:p>
+        </p:txBody>
+      </p:sp>
+    </p:spTree>
+  </p:cSld>
+</p:sldLayout>
+</file>
+
+<file path=ppt/slideLayouts/slideLayout24.xml><?xml version="1.0" encoding="utf-8"?>
+<p:sldLayout xmlns:a="http://schemas.openxmlformats.org/drawingml/2006/main" xmlns:p="http://schemas.openxmlformats.org/presentationml/2006/main" xmlns:r="http://schemas.openxmlformats.org/officeDocument/2006/relationships" xmlns:p14="http://schemas.microsoft.com/office/powerpoint/2010/main" xmlns:p15="http://schemas.microsoft.com/office/powerpoint/2012/main" xmlns:mc="http://schemas.openxmlformats.org/markup-compatibility/2006" type="blank" preserve="1">
+  <p:cSld name="Title, 6 Content">
+    <p:spTree>
+      <p:nvGrpSpPr>
+        <p:cNvPr id="1" name=""/>
+        <p:cNvGrpSpPr/>
+        <p:nvPr/>
+      </p:nvGrpSpPr>
+      <p:grpSpPr>
+        <a:xfrm>
+          <a:off x="0" y="0"/>
+          <a:ext cx="0" cy="0"/>
+          <a:chOff x="0" y="0"/>
+          <a:chExt cx="0" cy="0"/>
+        </a:xfrm>
+      </p:grpSpPr>
+      <p:sp>
+        <p:nvSpPr>
+          <p:cNvPr id="69" name="PlaceHolder 1"/>
+          <p:cNvSpPr>
+            <a:spLocks noGrp="1"/>
+          </p:cNvSpPr>
+          <p:nvPr>
+            <p:ph type="title"/>
+          </p:nvPr>
+        </p:nvSpPr>
+        <p:spPr>
+          <a:xfrm>
+            <a:off x="504000" y="226080"/>
+            <a:ext cx="9070560" cy="945360"/>
+          </a:xfrm>
+          <a:prstGeom prst="rect">
+            <a:avLst/>
+          </a:prstGeom>
+        </p:spPr>
+        <p:txBody>
+          <a:bodyPr lIns="0" rIns="0" tIns="0" bIns="0" anchor="ctr">
+            <a:noAutofit/>
+          </a:bodyPr>
+          <a:p>
+            <a:pPr algn="ctr"/>
+            <a:endParaRPr b="0" lang="pt-PT" sz="4400" spc="-1" strike="noStrike">
+              <a:latin typeface="Arial"/>
+            </a:endParaRPr>
+          </a:p>
+        </p:txBody>
+      </p:sp>
+      <p:sp>
+        <p:nvSpPr>
+          <p:cNvPr id="70" name="PlaceHolder 2"/>
+          <p:cNvSpPr>
+            <a:spLocks noGrp="1"/>
+          </p:cNvSpPr>
+          <p:nvPr>
+            <p:ph type="body"/>
+          </p:nvPr>
+        </p:nvSpPr>
+        <p:spPr>
+          <a:xfrm>
+            <a:off x="504000" y="1326600"/>
+            <a:ext cx="2920680" cy="1568160"/>
+          </a:xfrm>
+          <a:prstGeom prst="rect">
+            <a:avLst/>
+          </a:prstGeom>
+        </p:spPr>
+        <p:txBody>
+          <a:bodyPr lIns="0" rIns="0" tIns="0" bIns="0">
+            <a:normAutofit/>
+          </a:bodyPr>
+          <a:p>
+            <a:endParaRPr b="0" lang="pt-PT" sz="3200" spc="-1" strike="noStrike">
+              <a:latin typeface="Arial"/>
+            </a:endParaRPr>
+          </a:p>
+        </p:txBody>
+      </p:sp>
+      <p:sp>
+        <p:nvSpPr>
+          <p:cNvPr id="71" name="PlaceHolder 3"/>
+          <p:cNvSpPr>
+            <a:spLocks noGrp="1"/>
+          </p:cNvSpPr>
+          <p:nvPr>
+            <p:ph type="body"/>
+          </p:nvPr>
+        </p:nvSpPr>
+        <p:spPr>
+          <a:xfrm>
+            <a:off x="3571200" y="1326600"/>
+            <a:ext cx="2920680" cy="1568160"/>
+          </a:xfrm>
+          <a:prstGeom prst="rect">
+            <a:avLst/>
+          </a:prstGeom>
+        </p:spPr>
+        <p:txBody>
+          <a:bodyPr lIns="0" rIns="0" tIns="0" bIns="0">
+            <a:normAutofit/>
+          </a:bodyPr>
+          <a:p>
+            <a:endParaRPr b="0" lang="pt-PT" sz="3200" spc="-1" strike="noStrike">
+              <a:latin typeface="Arial"/>
+            </a:endParaRPr>
+          </a:p>
+        </p:txBody>
+      </p:sp>
+      <p:sp>
+        <p:nvSpPr>
+          <p:cNvPr id="72" name="PlaceHolder 4"/>
+          <p:cNvSpPr>
+            <a:spLocks noGrp="1"/>
+          </p:cNvSpPr>
+          <p:nvPr>
+            <p:ph type="body"/>
+          </p:nvPr>
+        </p:nvSpPr>
+        <p:spPr>
+          <a:xfrm>
+            <a:off x="6638040" y="1326600"/>
+            <a:ext cx="2920680" cy="1568160"/>
+          </a:xfrm>
+          <a:prstGeom prst="rect">
+            <a:avLst/>
+          </a:prstGeom>
+        </p:spPr>
+        <p:txBody>
+          <a:bodyPr lIns="0" rIns="0" tIns="0" bIns="0">
+            <a:normAutofit/>
+          </a:bodyPr>
+          <a:p>
+            <a:endParaRPr b="0" lang="pt-PT" sz="3200" spc="-1" strike="noStrike">
+              <a:latin typeface="Arial"/>
+            </a:endParaRPr>
+          </a:p>
+        </p:txBody>
+      </p:sp>
+      <p:sp>
+        <p:nvSpPr>
+          <p:cNvPr id="73" name="PlaceHolder 5"/>
+          <p:cNvSpPr>
+            <a:spLocks noGrp="1"/>
+          </p:cNvSpPr>
+          <p:nvPr>
+            <p:ph type="body"/>
+          </p:nvPr>
+        </p:nvSpPr>
+        <p:spPr>
+          <a:xfrm>
+            <a:off x="504000" y="3044160"/>
+            <a:ext cx="2920680" cy="1568160"/>
+          </a:xfrm>
+          <a:prstGeom prst="rect">
+            <a:avLst/>
+          </a:prstGeom>
+        </p:spPr>
+        <p:txBody>
+          <a:bodyPr lIns="0" rIns="0" tIns="0" bIns="0">
+            <a:normAutofit/>
+          </a:bodyPr>
+          <a:p>
+            <a:endParaRPr b="0" lang="pt-PT" sz="3200" spc="-1" strike="noStrike">
+              <a:latin typeface="Arial"/>
+            </a:endParaRPr>
+          </a:p>
+        </p:txBody>
+      </p:sp>
+      <p:sp>
+        <p:nvSpPr>
+          <p:cNvPr id="74" name="PlaceHolder 6"/>
+          <p:cNvSpPr>
+            <a:spLocks noGrp="1"/>
+          </p:cNvSpPr>
+          <p:nvPr>
+            <p:ph type="body"/>
+          </p:nvPr>
+        </p:nvSpPr>
+        <p:spPr>
+          <a:xfrm>
+            <a:off x="3571200" y="3044160"/>
+            <a:ext cx="2920680" cy="1568160"/>
+          </a:xfrm>
+          <a:prstGeom prst="rect">
+            <a:avLst/>
+          </a:prstGeom>
+        </p:spPr>
+        <p:txBody>
+          <a:bodyPr lIns="0" rIns="0" tIns="0" bIns="0">
+            <a:normAutofit/>
+          </a:bodyPr>
+          <a:p>
+            <a:endParaRPr b="0" lang="pt-PT" sz="3200" spc="-1" strike="noStrike">
+              <a:latin typeface="Arial"/>
+            </a:endParaRPr>
+          </a:p>
+        </p:txBody>
+      </p:sp>
+      <p:sp>
+        <p:nvSpPr>
+          <p:cNvPr id="75" name="PlaceHolder 7"/>
+          <p:cNvSpPr>
+            <a:spLocks noGrp="1"/>
+          </p:cNvSpPr>
+          <p:nvPr>
+            <p:ph type="body"/>
+          </p:nvPr>
+        </p:nvSpPr>
+        <p:spPr>
+          <a:xfrm>
+            <a:off x="6638040" y="3044160"/>
+            <a:ext cx="2920680" cy="1568160"/>
+          </a:xfrm>
+          <a:prstGeom prst="rect">
+            <a:avLst/>
+          </a:prstGeom>
+        </p:spPr>
+        <p:txBody>
+          <a:bodyPr lIns="0" rIns="0" tIns="0" bIns="0">
+            <a:normAutofit/>
+          </a:bodyPr>
+          <a:p>
+            <a:endParaRPr b="0" lang="pt-PT" sz="3200" spc="-1" strike="noStrike">
+              <a:latin typeface="Arial"/>
+            </a:endParaRPr>
+          </a:p>
+        </p:txBody>
+      </p:sp>
+    </p:spTree>
+  </p:cSld>
+</p:sldLayout>
+</file>
+
+<file path=ppt/slideLayouts/slideLayout25.xml><?xml version="1.0" encoding="utf-8"?>
+<p:sldLayout xmlns:a="http://schemas.openxmlformats.org/drawingml/2006/main" xmlns:p="http://schemas.openxmlformats.org/presentationml/2006/main" xmlns:r="http://schemas.openxmlformats.org/officeDocument/2006/relationships" xmlns:p14="http://schemas.microsoft.com/office/powerpoint/2010/main" xmlns:p15="http://schemas.microsoft.com/office/powerpoint/2012/main" xmlns:mc="http://schemas.openxmlformats.org/markup-compatibility/2006" type="blank" preserve="1">
+  <p:cSld name="Blank Slide">
+    <p:spTree>
+      <p:nvGrpSpPr>
+        <p:cNvPr id="1" name=""/>
+        <p:cNvGrpSpPr/>
+        <p:nvPr/>
+      </p:nvGrpSpPr>
+      <p:grpSpPr>
+        <a:xfrm>
+          <a:off x="0" y="0"/>
+          <a:ext cx="0" cy="0"/>
+          <a:chOff x="0" y="0"/>
+          <a:chExt cx="0" cy="0"/>
+        </a:xfrm>
+      </p:grpSpPr>
+    </p:spTree>
+  </p:cSld>
+</p:sldLayout>
+</file>
+
+<file path=ppt/slideLayouts/slideLayout26.xml><?xml version="1.0" encoding="utf-8"?>
+<p:sldLayout xmlns:a="http://schemas.openxmlformats.org/drawingml/2006/main" xmlns:p="http://schemas.openxmlformats.org/presentationml/2006/main" xmlns:r="http://schemas.openxmlformats.org/officeDocument/2006/relationships" xmlns:p14="http://schemas.microsoft.com/office/powerpoint/2010/main" xmlns:p15="http://schemas.microsoft.com/office/powerpoint/2012/main" xmlns:mc="http://schemas.openxmlformats.org/markup-compatibility/2006" type="tx" preserve="1">
+  <p:cSld name="Title Slide">
+    <p:spTree>
+      <p:nvGrpSpPr>
+        <p:cNvPr id="1" name=""/>
+        <p:cNvGrpSpPr/>
+        <p:nvPr/>
+      </p:nvGrpSpPr>
+      <p:grpSpPr>
+        <a:xfrm>
+          <a:off x="0" y="0"/>
+          <a:ext cx="0" cy="0"/>
+          <a:chOff x="0" y="0"/>
+          <a:chExt cx="0" cy="0"/>
+        </a:xfrm>
+      </p:grpSpPr>
+      <p:sp>
+        <p:nvSpPr>
+          <p:cNvPr id="78" name="PlaceHolder 1"/>
+          <p:cNvSpPr>
+            <a:spLocks noGrp="1"/>
+          </p:cNvSpPr>
+          <p:nvPr>
+            <p:ph type="title"/>
+          </p:nvPr>
+        </p:nvSpPr>
+        <p:spPr>
+          <a:xfrm>
+            <a:off x="504000" y="226080"/>
+            <a:ext cx="9070560" cy="945360"/>
+          </a:xfrm>
+          <a:prstGeom prst="rect">
+            <a:avLst/>
+          </a:prstGeom>
+        </p:spPr>
+        <p:txBody>
+          <a:bodyPr lIns="0" rIns="0" tIns="0" bIns="0" anchor="ctr">
+            <a:noAutofit/>
+          </a:bodyPr>
+          <a:p>
+            <a:pPr algn="ctr"/>
+            <a:endParaRPr b="0" lang="pt-PT" sz="4400" spc="-1" strike="noStrike">
+              <a:latin typeface="Arial"/>
+            </a:endParaRPr>
+          </a:p>
+        </p:txBody>
+      </p:sp>
+      <p:sp>
+        <p:nvSpPr>
+          <p:cNvPr id="79" name="PlaceHolder 2"/>
+          <p:cNvSpPr>
+            <a:spLocks noGrp="1"/>
+          </p:cNvSpPr>
+          <p:nvPr>
+            <p:ph type="subTitle"/>
+          </p:nvPr>
+        </p:nvSpPr>
+        <p:spPr>
+          <a:xfrm>
+            <a:off x="504000" y="1326600"/>
+            <a:ext cx="9071280" cy="3287880"/>
+          </a:xfrm>
+          <a:prstGeom prst="rect">
+            <a:avLst/>
+          </a:prstGeom>
+        </p:spPr>
+        <p:txBody>
+          <a:bodyPr lIns="0" rIns="0" tIns="0" bIns="0" anchor="ctr">
+            <a:noAutofit/>
+          </a:bodyPr>
+          <a:p>
+            <a:pPr algn="ctr"/>
+            <a:endParaRPr b="0" lang="pt-PT" sz="3200" spc="-1" strike="noStrike">
+              <a:latin typeface="Arial"/>
+            </a:endParaRPr>
+          </a:p>
+        </p:txBody>
+      </p:sp>
+    </p:spTree>
+  </p:cSld>
+</p:sldLayout>
+</file>
+
+<file path=ppt/slideLayouts/slideLayout27.xml><?xml version="1.0" encoding="utf-8"?>
+<p:sldLayout xmlns:a="http://schemas.openxmlformats.org/drawingml/2006/main" xmlns:p="http://schemas.openxmlformats.org/presentationml/2006/main" xmlns:r="http://schemas.openxmlformats.org/officeDocument/2006/relationships" xmlns:p14="http://schemas.microsoft.com/office/powerpoint/2010/main" xmlns:p15="http://schemas.microsoft.com/office/powerpoint/2012/main" xmlns:mc="http://schemas.openxmlformats.org/markup-compatibility/2006" type="obj" preserve="1">
+  <p:cSld name="Title, Content">
+    <p:spTree>
+      <p:nvGrpSpPr>
+        <p:cNvPr id="1" name=""/>
+        <p:cNvGrpSpPr/>
+        <p:nvPr/>
+      </p:nvGrpSpPr>
+      <p:grpSpPr>
+        <a:xfrm>
+          <a:off x="0" y="0"/>
+          <a:ext cx="0" cy="0"/>
+          <a:chOff x="0" y="0"/>
+          <a:chExt cx="0" cy="0"/>
+        </a:xfrm>
+      </p:grpSpPr>
+      <p:sp>
+        <p:nvSpPr>
+          <p:cNvPr id="80" name="PlaceHolder 1"/>
+          <p:cNvSpPr>
+            <a:spLocks noGrp="1"/>
+          </p:cNvSpPr>
+          <p:nvPr>
+            <p:ph type="title"/>
+          </p:nvPr>
+        </p:nvSpPr>
+        <p:spPr>
+          <a:xfrm>
+            <a:off x="504000" y="226080"/>
+            <a:ext cx="9070560" cy="945360"/>
+          </a:xfrm>
+          <a:prstGeom prst="rect">
+            <a:avLst/>
+          </a:prstGeom>
+        </p:spPr>
+        <p:txBody>
+          <a:bodyPr lIns="0" rIns="0" tIns="0" bIns="0" anchor="ctr">
+            <a:noAutofit/>
+          </a:bodyPr>
+          <a:p>
+            <a:pPr algn="ctr"/>
+            <a:endParaRPr b="0" lang="pt-PT" sz="4400" spc="-1" strike="noStrike">
+              <a:latin typeface="Arial"/>
+            </a:endParaRPr>
+          </a:p>
+        </p:txBody>
+      </p:sp>
+      <p:sp>
+        <p:nvSpPr>
+          <p:cNvPr id="81" name="PlaceHolder 2"/>
+          <p:cNvSpPr>
+            <a:spLocks noGrp="1"/>
+          </p:cNvSpPr>
+          <p:nvPr>
+            <p:ph type="body"/>
+          </p:nvPr>
+        </p:nvSpPr>
+        <p:spPr>
+          <a:xfrm>
+            <a:off x="504000" y="1326600"/>
+            <a:ext cx="9071280" cy="3287880"/>
+          </a:xfrm>
+          <a:prstGeom prst="rect">
+            <a:avLst/>
+          </a:prstGeom>
+        </p:spPr>
+        <p:txBody>
+          <a:bodyPr lIns="0" rIns="0" tIns="0" bIns="0">
+            <a:normAutofit/>
+          </a:bodyPr>
+          <a:p>
+            <a:endParaRPr b="0" lang="pt-PT" sz="3200" spc="-1" strike="noStrike">
+              <a:latin typeface="Arial"/>
+            </a:endParaRPr>
+          </a:p>
+        </p:txBody>
+      </p:sp>
+    </p:spTree>
+  </p:cSld>
+</p:sldLayout>
+</file>
+
+<file path=ppt/slideLayouts/slideLayout28.xml><?xml version="1.0" encoding="utf-8"?>
+<p:sldLayout xmlns:a="http://schemas.openxmlformats.org/drawingml/2006/main" xmlns:p="http://schemas.openxmlformats.org/presentationml/2006/main" xmlns:r="http://schemas.openxmlformats.org/officeDocument/2006/relationships" xmlns:p14="http://schemas.microsoft.com/office/powerpoint/2010/main" xmlns:p15="http://schemas.microsoft.com/office/powerpoint/2012/main" xmlns:mc="http://schemas.openxmlformats.org/markup-compatibility/2006" type="twoObj" preserve="1">
+  <p:cSld name="Title, 2 Content">
+    <p:spTree>
+      <p:nvGrpSpPr>
+        <p:cNvPr id="1" name=""/>
+        <p:cNvGrpSpPr/>
+        <p:nvPr/>
+      </p:nvGrpSpPr>
+      <p:grpSpPr>
+        <a:xfrm>
+          <a:off x="0" y="0"/>
+          <a:ext cx="0" cy="0"/>
+          <a:chOff x="0" y="0"/>
+          <a:chExt cx="0" cy="0"/>
+        </a:xfrm>
+      </p:grpSpPr>
+      <p:sp>
+        <p:nvSpPr>
+          <p:cNvPr id="82" name="PlaceHolder 1"/>
+          <p:cNvSpPr>
+            <a:spLocks noGrp="1"/>
+          </p:cNvSpPr>
+          <p:nvPr>
+            <p:ph type="title"/>
+          </p:nvPr>
+        </p:nvSpPr>
+        <p:spPr>
+          <a:xfrm>
+            <a:off x="504000" y="226080"/>
+            <a:ext cx="9070560" cy="945360"/>
+          </a:xfrm>
+          <a:prstGeom prst="rect">
+            <a:avLst/>
+          </a:prstGeom>
+        </p:spPr>
+        <p:txBody>
+          <a:bodyPr lIns="0" rIns="0" tIns="0" bIns="0" anchor="ctr">
+            <a:noAutofit/>
+          </a:bodyPr>
+          <a:p>
+            <a:pPr algn="ctr"/>
+            <a:endParaRPr b="0" lang="pt-PT" sz="4400" spc="-1" strike="noStrike">
+              <a:latin typeface="Arial"/>
+            </a:endParaRPr>
+          </a:p>
+        </p:txBody>
+      </p:sp>
+      <p:sp>
+        <p:nvSpPr>
+          <p:cNvPr id="83" name="PlaceHolder 2"/>
+          <p:cNvSpPr>
+            <a:spLocks noGrp="1"/>
+          </p:cNvSpPr>
+          <p:nvPr>
+            <p:ph type="body"/>
+          </p:nvPr>
+        </p:nvSpPr>
+        <p:spPr>
+          <a:xfrm>
+            <a:off x="504000" y="1326600"/>
+            <a:ext cx="4426560" cy="3287880"/>
+          </a:xfrm>
+          <a:prstGeom prst="rect">
+            <a:avLst/>
+          </a:prstGeom>
+        </p:spPr>
+        <p:txBody>
+          <a:bodyPr lIns="0" rIns="0" tIns="0" bIns="0">
+            <a:normAutofit/>
+          </a:bodyPr>
+          <a:p>
+            <a:endParaRPr b="0" lang="pt-PT" sz="3200" spc="-1" strike="noStrike">
+              <a:latin typeface="Arial"/>
+            </a:endParaRPr>
+          </a:p>
+        </p:txBody>
+      </p:sp>
+      <p:sp>
+        <p:nvSpPr>
+          <p:cNvPr id="84" name="PlaceHolder 3"/>
+          <p:cNvSpPr>
+            <a:spLocks noGrp="1"/>
+          </p:cNvSpPr>
+          <p:nvPr>
+            <p:ph type="body"/>
+          </p:nvPr>
+        </p:nvSpPr>
+        <p:spPr>
+          <a:xfrm>
+            <a:off x="5152320" y="1326600"/>
+            <a:ext cx="4426560" cy="3287880"/>
+          </a:xfrm>
+          <a:prstGeom prst="rect">
+            <a:avLst/>
+          </a:prstGeom>
+        </p:spPr>
+        <p:txBody>
+          <a:bodyPr lIns="0" rIns="0" tIns="0" bIns="0">
+            <a:normAutofit/>
+          </a:bodyPr>
+          <a:p>
+            <a:endParaRPr b="0" lang="pt-PT" sz="3200" spc="-1" strike="noStrike">
+              <a:latin typeface="Arial"/>
+            </a:endParaRPr>
+          </a:p>
+        </p:txBody>
+      </p:sp>
+    </p:spTree>
+  </p:cSld>
+</p:sldLayout>
+</file>
+
+<file path=ppt/slideLayouts/slideLayout29.xml><?xml version="1.0" encoding="utf-8"?>
+<p:sldLayout xmlns:a="http://schemas.openxmlformats.org/drawingml/2006/main" xmlns:p="http://schemas.openxmlformats.org/presentationml/2006/main" xmlns:r="http://schemas.openxmlformats.org/officeDocument/2006/relationships" xmlns:p14="http://schemas.microsoft.com/office/powerpoint/2010/main" xmlns:p15="http://schemas.microsoft.com/office/powerpoint/2012/main" xmlns:mc="http://schemas.openxmlformats.org/markup-compatibility/2006" type="titleOnly" preserve="1">
+  <p:cSld name="Title Only">
+    <p:spTree>
+      <p:nvGrpSpPr>
+        <p:cNvPr id="1" name=""/>
+        <p:cNvGrpSpPr/>
+        <p:nvPr/>
+      </p:nvGrpSpPr>
+      <p:grpSpPr>
+        <a:xfrm>
+          <a:off x="0" y="0"/>
+          <a:ext cx="0" cy="0"/>
+          <a:chOff x="0" y="0"/>
+          <a:chExt cx="0" cy="0"/>
+        </a:xfrm>
+      </p:grpSpPr>
+      <p:sp>
+        <p:nvSpPr>
+          <p:cNvPr id="85" name="PlaceHolder 1"/>
+          <p:cNvSpPr>
+            <a:spLocks noGrp="1"/>
+          </p:cNvSpPr>
+          <p:nvPr>
+            <p:ph type="title"/>
+          </p:nvPr>
+        </p:nvSpPr>
+        <p:spPr>
+          <a:xfrm>
+            <a:off x="504000" y="226080"/>
+            <a:ext cx="9070560" cy="945360"/>
+          </a:xfrm>
+          <a:prstGeom prst="rect">
+            <a:avLst/>
+          </a:prstGeom>
+        </p:spPr>
+        <p:txBody>
+          <a:bodyPr lIns="0" rIns="0" tIns="0" bIns="0" anchor="ctr">
+            <a:noAutofit/>
+          </a:bodyPr>
+          <a:p>
+            <a:pPr algn="ctr"/>
+            <a:endParaRPr b="0" lang="pt-PT" sz="4400" spc="-1" strike="noStrike">
               <a:latin typeface="Arial"/>
             </a:endParaRPr>
           </a:p>
@@ -674,7 +2387,7 @@
         <p:spPr>
           <a:xfrm>
             <a:off x="504000" y="226080"/>
-            <a:ext cx="9070920" cy="945720"/>
+            <a:ext cx="9070560" cy="945360"/>
           </a:xfrm>
           <a:prstGeom prst="rect">
             <a:avLst/>
@@ -705,7 +2418,1008 @@
         <p:spPr>
           <a:xfrm>
             <a:off x="504000" y="1326600"/>
-            <a:ext cx="9071640" cy="3288240"/>
+            <a:ext cx="9071280" cy="3287880"/>
+          </a:xfrm>
+          <a:prstGeom prst="rect">
+            <a:avLst/>
+          </a:prstGeom>
+        </p:spPr>
+        <p:txBody>
+          <a:bodyPr lIns="0" rIns="0" tIns="0" bIns="0">
+            <a:normAutofit/>
+          </a:bodyPr>
+          <a:p>
+            <a:endParaRPr b="0" lang="pt-PT" sz="3200" spc="-1" strike="noStrike">
+              <a:latin typeface="Arial"/>
+            </a:endParaRPr>
+          </a:p>
+        </p:txBody>
+      </p:sp>
+    </p:spTree>
+  </p:cSld>
+</p:sldLayout>
+</file>
+
+<file path=ppt/slideLayouts/slideLayout30.xml><?xml version="1.0" encoding="utf-8"?>
+<p:sldLayout xmlns:a="http://schemas.openxmlformats.org/drawingml/2006/main" xmlns:p="http://schemas.openxmlformats.org/presentationml/2006/main" xmlns:r="http://schemas.openxmlformats.org/officeDocument/2006/relationships" xmlns:p14="http://schemas.microsoft.com/office/powerpoint/2010/main" xmlns:p15="http://schemas.microsoft.com/office/powerpoint/2012/main" xmlns:mc="http://schemas.openxmlformats.org/markup-compatibility/2006" type="objOnly" preserve="1">
+  <p:cSld name="Centered Text">
+    <p:spTree>
+      <p:nvGrpSpPr>
+        <p:cNvPr id="1" name=""/>
+        <p:cNvGrpSpPr/>
+        <p:nvPr/>
+      </p:nvGrpSpPr>
+      <p:grpSpPr>
+        <a:xfrm>
+          <a:off x="0" y="0"/>
+          <a:ext cx="0" cy="0"/>
+          <a:chOff x="0" y="0"/>
+          <a:chExt cx="0" cy="0"/>
+        </a:xfrm>
+      </p:grpSpPr>
+      <p:sp>
+        <p:nvSpPr>
+          <p:cNvPr id="86" name="PlaceHolder 1"/>
+          <p:cNvSpPr>
+            <a:spLocks noGrp="1"/>
+          </p:cNvSpPr>
+          <p:nvPr>
+            <p:ph type="subTitle"/>
+          </p:nvPr>
+        </p:nvSpPr>
+        <p:spPr>
+          <a:xfrm>
+            <a:off x="504000" y="226080"/>
+            <a:ext cx="9070560" cy="4383360"/>
+          </a:xfrm>
+          <a:prstGeom prst="rect">
+            <a:avLst/>
+          </a:prstGeom>
+        </p:spPr>
+        <p:txBody>
+          <a:bodyPr lIns="0" rIns="0" tIns="0" bIns="0" anchor="ctr">
+            <a:noAutofit/>
+          </a:bodyPr>
+          <a:p>
+            <a:pPr algn="ctr"/>
+            <a:endParaRPr b="0" lang="pt-PT" sz="3200" spc="-1" strike="noStrike">
+              <a:latin typeface="Arial"/>
+            </a:endParaRPr>
+          </a:p>
+        </p:txBody>
+      </p:sp>
+    </p:spTree>
+  </p:cSld>
+</p:sldLayout>
+</file>
+
+<file path=ppt/slideLayouts/slideLayout31.xml><?xml version="1.0" encoding="utf-8"?>
+<p:sldLayout xmlns:a="http://schemas.openxmlformats.org/drawingml/2006/main" xmlns:p="http://schemas.openxmlformats.org/presentationml/2006/main" xmlns:r="http://schemas.openxmlformats.org/officeDocument/2006/relationships" xmlns:p14="http://schemas.microsoft.com/office/powerpoint/2010/main" xmlns:p15="http://schemas.microsoft.com/office/powerpoint/2012/main" xmlns:mc="http://schemas.openxmlformats.org/markup-compatibility/2006" type="twoObjAndObj" preserve="1">
+  <p:cSld name="Title, 2 Content and Content">
+    <p:spTree>
+      <p:nvGrpSpPr>
+        <p:cNvPr id="1" name=""/>
+        <p:cNvGrpSpPr/>
+        <p:nvPr/>
+      </p:nvGrpSpPr>
+      <p:grpSpPr>
+        <a:xfrm>
+          <a:off x="0" y="0"/>
+          <a:ext cx="0" cy="0"/>
+          <a:chOff x="0" y="0"/>
+          <a:chExt cx="0" cy="0"/>
+        </a:xfrm>
+      </p:grpSpPr>
+      <p:sp>
+        <p:nvSpPr>
+          <p:cNvPr id="87" name="PlaceHolder 1"/>
+          <p:cNvSpPr>
+            <a:spLocks noGrp="1"/>
+          </p:cNvSpPr>
+          <p:nvPr>
+            <p:ph type="title"/>
+          </p:nvPr>
+        </p:nvSpPr>
+        <p:spPr>
+          <a:xfrm>
+            <a:off x="504000" y="226080"/>
+            <a:ext cx="9070560" cy="945360"/>
+          </a:xfrm>
+          <a:prstGeom prst="rect">
+            <a:avLst/>
+          </a:prstGeom>
+        </p:spPr>
+        <p:txBody>
+          <a:bodyPr lIns="0" rIns="0" tIns="0" bIns="0" anchor="ctr">
+            <a:noAutofit/>
+          </a:bodyPr>
+          <a:p>
+            <a:pPr algn="ctr"/>
+            <a:endParaRPr b="0" lang="pt-PT" sz="4400" spc="-1" strike="noStrike">
+              <a:latin typeface="Arial"/>
+            </a:endParaRPr>
+          </a:p>
+        </p:txBody>
+      </p:sp>
+      <p:sp>
+        <p:nvSpPr>
+          <p:cNvPr id="88" name="PlaceHolder 2"/>
+          <p:cNvSpPr>
+            <a:spLocks noGrp="1"/>
+          </p:cNvSpPr>
+          <p:nvPr>
+            <p:ph type="body"/>
+          </p:nvPr>
+        </p:nvSpPr>
+        <p:spPr>
+          <a:xfrm>
+            <a:off x="504000" y="1326600"/>
+            <a:ext cx="4426560" cy="1568160"/>
+          </a:xfrm>
+          <a:prstGeom prst="rect">
+            <a:avLst/>
+          </a:prstGeom>
+        </p:spPr>
+        <p:txBody>
+          <a:bodyPr lIns="0" rIns="0" tIns="0" bIns="0">
+            <a:normAutofit/>
+          </a:bodyPr>
+          <a:p>
+            <a:endParaRPr b="0" lang="pt-PT" sz="3200" spc="-1" strike="noStrike">
+              <a:latin typeface="Arial"/>
+            </a:endParaRPr>
+          </a:p>
+        </p:txBody>
+      </p:sp>
+      <p:sp>
+        <p:nvSpPr>
+          <p:cNvPr id="89" name="PlaceHolder 3"/>
+          <p:cNvSpPr>
+            <a:spLocks noGrp="1"/>
+          </p:cNvSpPr>
+          <p:nvPr>
+            <p:ph type="body"/>
+          </p:nvPr>
+        </p:nvSpPr>
+        <p:spPr>
+          <a:xfrm>
+            <a:off x="5152320" y="1326600"/>
+            <a:ext cx="4426560" cy="3287880"/>
+          </a:xfrm>
+          <a:prstGeom prst="rect">
+            <a:avLst/>
+          </a:prstGeom>
+        </p:spPr>
+        <p:txBody>
+          <a:bodyPr lIns="0" rIns="0" tIns="0" bIns="0">
+            <a:normAutofit/>
+          </a:bodyPr>
+          <a:p>
+            <a:endParaRPr b="0" lang="pt-PT" sz="3200" spc="-1" strike="noStrike">
+              <a:latin typeface="Arial"/>
+            </a:endParaRPr>
+          </a:p>
+        </p:txBody>
+      </p:sp>
+      <p:sp>
+        <p:nvSpPr>
+          <p:cNvPr id="90" name="PlaceHolder 4"/>
+          <p:cNvSpPr>
+            <a:spLocks noGrp="1"/>
+          </p:cNvSpPr>
+          <p:nvPr>
+            <p:ph type="body"/>
+          </p:nvPr>
+        </p:nvSpPr>
+        <p:spPr>
+          <a:xfrm>
+            <a:off x="504000" y="3044160"/>
+            <a:ext cx="4426560" cy="1568160"/>
+          </a:xfrm>
+          <a:prstGeom prst="rect">
+            <a:avLst/>
+          </a:prstGeom>
+        </p:spPr>
+        <p:txBody>
+          <a:bodyPr lIns="0" rIns="0" tIns="0" bIns="0">
+            <a:normAutofit/>
+          </a:bodyPr>
+          <a:p>
+            <a:endParaRPr b="0" lang="pt-PT" sz="3200" spc="-1" strike="noStrike">
+              <a:latin typeface="Arial"/>
+            </a:endParaRPr>
+          </a:p>
+        </p:txBody>
+      </p:sp>
+    </p:spTree>
+  </p:cSld>
+</p:sldLayout>
+</file>
+
+<file path=ppt/slideLayouts/slideLayout32.xml><?xml version="1.0" encoding="utf-8"?>
+<p:sldLayout xmlns:a="http://schemas.openxmlformats.org/drawingml/2006/main" xmlns:p="http://schemas.openxmlformats.org/presentationml/2006/main" xmlns:r="http://schemas.openxmlformats.org/officeDocument/2006/relationships" xmlns:p14="http://schemas.microsoft.com/office/powerpoint/2010/main" xmlns:p15="http://schemas.microsoft.com/office/powerpoint/2012/main" xmlns:mc="http://schemas.openxmlformats.org/markup-compatibility/2006" type="objAndTwoObj" preserve="1">
+  <p:cSld name="Title Content and 2 Content">
+    <p:spTree>
+      <p:nvGrpSpPr>
+        <p:cNvPr id="1" name=""/>
+        <p:cNvGrpSpPr/>
+        <p:nvPr/>
+      </p:nvGrpSpPr>
+      <p:grpSpPr>
+        <a:xfrm>
+          <a:off x="0" y="0"/>
+          <a:ext cx="0" cy="0"/>
+          <a:chOff x="0" y="0"/>
+          <a:chExt cx="0" cy="0"/>
+        </a:xfrm>
+      </p:grpSpPr>
+      <p:sp>
+        <p:nvSpPr>
+          <p:cNvPr id="91" name="PlaceHolder 1"/>
+          <p:cNvSpPr>
+            <a:spLocks noGrp="1"/>
+          </p:cNvSpPr>
+          <p:nvPr>
+            <p:ph type="title"/>
+          </p:nvPr>
+        </p:nvSpPr>
+        <p:spPr>
+          <a:xfrm>
+            <a:off x="504000" y="226080"/>
+            <a:ext cx="9070560" cy="945360"/>
+          </a:xfrm>
+          <a:prstGeom prst="rect">
+            <a:avLst/>
+          </a:prstGeom>
+        </p:spPr>
+        <p:txBody>
+          <a:bodyPr lIns="0" rIns="0" tIns="0" bIns="0" anchor="ctr">
+            <a:noAutofit/>
+          </a:bodyPr>
+          <a:p>
+            <a:pPr algn="ctr"/>
+            <a:endParaRPr b="0" lang="pt-PT" sz="4400" spc="-1" strike="noStrike">
+              <a:latin typeface="Arial"/>
+            </a:endParaRPr>
+          </a:p>
+        </p:txBody>
+      </p:sp>
+      <p:sp>
+        <p:nvSpPr>
+          <p:cNvPr id="92" name="PlaceHolder 2"/>
+          <p:cNvSpPr>
+            <a:spLocks noGrp="1"/>
+          </p:cNvSpPr>
+          <p:nvPr>
+            <p:ph type="body"/>
+          </p:nvPr>
+        </p:nvSpPr>
+        <p:spPr>
+          <a:xfrm>
+            <a:off x="504000" y="1326600"/>
+            <a:ext cx="4426560" cy="3287880"/>
+          </a:xfrm>
+          <a:prstGeom prst="rect">
+            <a:avLst/>
+          </a:prstGeom>
+        </p:spPr>
+        <p:txBody>
+          <a:bodyPr lIns="0" rIns="0" tIns="0" bIns="0">
+            <a:normAutofit/>
+          </a:bodyPr>
+          <a:p>
+            <a:endParaRPr b="0" lang="pt-PT" sz="3200" spc="-1" strike="noStrike">
+              <a:latin typeface="Arial"/>
+            </a:endParaRPr>
+          </a:p>
+        </p:txBody>
+      </p:sp>
+      <p:sp>
+        <p:nvSpPr>
+          <p:cNvPr id="93" name="PlaceHolder 3"/>
+          <p:cNvSpPr>
+            <a:spLocks noGrp="1"/>
+          </p:cNvSpPr>
+          <p:nvPr>
+            <p:ph type="body"/>
+          </p:nvPr>
+        </p:nvSpPr>
+        <p:spPr>
+          <a:xfrm>
+            <a:off x="5152320" y="1326600"/>
+            <a:ext cx="4426560" cy="1568160"/>
+          </a:xfrm>
+          <a:prstGeom prst="rect">
+            <a:avLst/>
+          </a:prstGeom>
+        </p:spPr>
+        <p:txBody>
+          <a:bodyPr lIns="0" rIns="0" tIns="0" bIns="0">
+            <a:normAutofit/>
+          </a:bodyPr>
+          <a:p>
+            <a:endParaRPr b="0" lang="pt-PT" sz="3200" spc="-1" strike="noStrike">
+              <a:latin typeface="Arial"/>
+            </a:endParaRPr>
+          </a:p>
+        </p:txBody>
+      </p:sp>
+      <p:sp>
+        <p:nvSpPr>
+          <p:cNvPr id="94" name="PlaceHolder 4"/>
+          <p:cNvSpPr>
+            <a:spLocks noGrp="1"/>
+          </p:cNvSpPr>
+          <p:nvPr>
+            <p:ph type="body"/>
+          </p:nvPr>
+        </p:nvSpPr>
+        <p:spPr>
+          <a:xfrm>
+            <a:off x="5152320" y="3044160"/>
+            <a:ext cx="4426560" cy="1568160"/>
+          </a:xfrm>
+          <a:prstGeom prst="rect">
+            <a:avLst/>
+          </a:prstGeom>
+        </p:spPr>
+        <p:txBody>
+          <a:bodyPr lIns="0" rIns="0" tIns="0" bIns="0">
+            <a:normAutofit/>
+          </a:bodyPr>
+          <a:p>
+            <a:endParaRPr b="0" lang="pt-PT" sz="3200" spc="-1" strike="noStrike">
+              <a:latin typeface="Arial"/>
+            </a:endParaRPr>
+          </a:p>
+        </p:txBody>
+      </p:sp>
+    </p:spTree>
+  </p:cSld>
+</p:sldLayout>
+</file>
+
+<file path=ppt/slideLayouts/slideLayout33.xml><?xml version="1.0" encoding="utf-8"?>
+<p:sldLayout xmlns:a="http://schemas.openxmlformats.org/drawingml/2006/main" xmlns:p="http://schemas.openxmlformats.org/presentationml/2006/main" xmlns:r="http://schemas.openxmlformats.org/officeDocument/2006/relationships" xmlns:p14="http://schemas.microsoft.com/office/powerpoint/2010/main" xmlns:p15="http://schemas.microsoft.com/office/powerpoint/2012/main" xmlns:mc="http://schemas.openxmlformats.org/markup-compatibility/2006" type="twoObjOverTx" preserve="1">
+  <p:cSld name="Title, 2 Content over Content">
+    <p:spTree>
+      <p:nvGrpSpPr>
+        <p:cNvPr id="1" name=""/>
+        <p:cNvGrpSpPr/>
+        <p:nvPr/>
+      </p:nvGrpSpPr>
+      <p:grpSpPr>
+        <a:xfrm>
+          <a:off x="0" y="0"/>
+          <a:ext cx="0" cy="0"/>
+          <a:chOff x="0" y="0"/>
+          <a:chExt cx="0" cy="0"/>
+        </a:xfrm>
+      </p:grpSpPr>
+      <p:sp>
+        <p:nvSpPr>
+          <p:cNvPr id="95" name="PlaceHolder 1"/>
+          <p:cNvSpPr>
+            <a:spLocks noGrp="1"/>
+          </p:cNvSpPr>
+          <p:nvPr>
+            <p:ph type="title"/>
+          </p:nvPr>
+        </p:nvSpPr>
+        <p:spPr>
+          <a:xfrm>
+            <a:off x="504000" y="226080"/>
+            <a:ext cx="9070560" cy="945360"/>
+          </a:xfrm>
+          <a:prstGeom prst="rect">
+            <a:avLst/>
+          </a:prstGeom>
+        </p:spPr>
+        <p:txBody>
+          <a:bodyPr lIns="0" rIns="0" tIns="0" bIns="0" anchor="ctr">
+            <a:noAutofit/>
+          </a:bodyPr>
+          <a:p>
+            <a:pPr algn="ctr"/>
+            <a:endParaRPr b="0" lang="pt-PT" sz="4400" spc="-1" strike="noStrike">
+              <a:latin typeface="Arial"/>
+            </a:endParaRPr>
+          </a:p>
+        </p:txBody>
+      </p:sp>
+      <p:sp>
+        <p:nvSpPr>
+          <p:cNvPr id="96" name="PlaceHolder 2"/>
+          <p:cNvSpPr>
+            <a:spLocks noGrp="1"/>
+          </p:cNvSpPr>
+          <p:nvPr>
+            <p:ph type="body"/>
+          </p:nvPr>
+        </p:nvSpPr>
+        <p:spPr>
+          <a:xfrm>
+            <a:off x="504000" y="1326600"/>
+            <a:ext cx="4426560" cy="1568160"/>
+          </a:xfrm>
+          <a:prstGeom prst="rect">
+            <a:avLst/>
+          </a:prstGeom>
+        </p:spPr>
+        <p:txBody>
+          <a:bodyPr lIns="0" rIns="0" tIns="0" bIns="0">
+            <a:normAutofit/>
+          </a:bodyPr>
+          <a:p>
+            <a:endParaRPr b="0" lang="pt-PT" sz="3200" spc="-1" strike="noStrike">
+              <a:latin typeface="Arial"/>
+            </a:endParaRPr>
+          </a:p>
+        </p:txBody>
+      </p:sp>
+      <p:sp>
+        <p:nvSpPr>
+          <p:cNvPr id="97" name="PlaceHolder 3"/>
+          <p:cNvSpPr>
+            <a:spLocks noGrp="1"/>
+          </p:cNvSpPr>
+          <p:nvPr>
+            <p:ph type="body"/>
+          </p:nvPr>
+        </p:nvSpPr>
+        <p:spPr>
+          <a:xfrm>
+            <a:off x="5152320" y="1326600"/>
+            <a:ext cx="4426560" cy="1568160"/>
+          </a:xfrm>
+          <a:prstGeom prst="rect">
+            <a:avLst/>
+          </a:prstGeom>
+        </p:spPr>
+        <p:txBody>
+          <a:bodyPr lIns="0" rIns="0" tIns="0" bIns="0">
+            <a:normAutofit/>
+          </a:bodyPr>
+          <a:p>
+            <a:endParaRPr b="0" lang="pt-PT" sz="3200" spc="-1" strike="noStrike">
+              <a:latin typeface="Arial"/>
+            </a:endParaRPr>
+          </a:p>
+        </p:txBody>
+      </p:sp>
+      <p:sp>
+        <p:nvSpPr>
+          <p:cNvPr id="98" name="PlaceHolder 4"/>
+          <p:cNvSpPr>
+            <a:spLocks noGrp="1"/>
+          </p:cNvSpPr>
+          <p:nvPr>
+            <p:ph type="body"/>
+          </p:nvPr>
+        </p:nvSpPr>
+        <p:spPr>
+          <a:xfrm>
+            <a:off x="504000" y="3044160"/>
+            <a:ext cx="9071280" cy="1568160"/>
+          </a:xfrm>
+          <a:prstGeom prst="rect">
+            <a:avLst/>
+          </a:prstGeom>
+        </p:spPr>
+        <p:txBody>
+          <a:bodyPr lIns="0" rIns="0" tIns="0" bIns="0">
+            <a:normAutofit/>
+          </a:bodyPr>
+          <a:p>
+            <a:endParaRPr b="0" lang="pt-PT" sz="3200" spc="-1" strike="noStrike">
+              <a:latin typeface="Arial"/>
+            </a:endParaRPr>
+          </a:p>
+        </p:txBody>
+      </p:sp>
+    </p:spTree>
+  </p:cSld>
+</p:sldLayout>
+</file>
+
+<file path=ppt/slideLayouts/slideLayout34.xml><?xml version="1.0" encoding="utf-8"?>
+<p:sldLayout xmlns:a="http://schemas.openxmlformats.org/drawingml/2006/main" xmlns:p="http://schemas.openxmlformats.org/presentationml/2006/main" xmlns:r="http://schemas.openxmlformats.org/officeDocument/2006/relationships" xmlns:p14="http://schemas.microsoft.com/office/powerpoint/2010/main" xmlns:p15="http://schemas.microsoft.com/office/powerpoint/2012/main" xmlns:mc="http://schemas.openxmlformats.org/markup-compatibility/2006" type="objOverTx" preserve="1">
+  <p:cSld name="Title, Content over Content">
+    <p:spTree>
+      <p:nvGrpSpPr>
+        <p:cNvPr id="1" name=""/>
+        <p:cNvGrpSpPr/>
+        <p:nvPr/>
+      </p:nvGrpSpPr>
+      <p:grpSpPr>
+        <a:xfrm>
+          <a:off x="0" y="0"/>
+          <a:ext cx="0" cy="0"/>
+          <a:chOff x="0" y="0"/>
+          <a:chExt cx="0" cy="0"/>
+        </a:xfrm>
+      </p:grpSpPr>
+      <p:sp>
+        <p:nvSpPr>
+          <p:cNvPr id="99" name="PlaceHolder 1"/>
+          <p:cNvSpPr>
+            <a:spLocks noGrp="1"/>
+          </p:cNvSpPr>
+          <p:nvPr>
+            <p:ph type="title"/>
+          </p:nvPr>
+        </p:nvSpPr>
+        <p:spPr>
+          <a:xfrm>
+            <a:off x="504000" y="226080"/>
+            <a:ext cx="9070560" cy="945360"/>
+          </a:xfrm>
+          <a:prstGeom prst="rect">
+            <a:avLst/>
+          </a:prstGeom>
+        </p:spPr>
+        <p:txBody>
+          <a:bodyPr lIns="0" rIns="0" tIns="0" bIns="0" anchor="ctr">
+            <a:noAutofit/>
+          </a:bodyPr>
+          <a:p>
+            <a:pPr algn="ctr"/>
+            <a:endParaRPr b="0" lang="pt-PT" sz="4400" spc="-1" strike="noStrike">
+              <a:latin typeface="Arial"/>
+            </a:endParaRPr>
+          </a:p>
+        </p:txBody>
+      </p:sp>
+      <p:sp>
+        <p:nvSpPr>
+          <p:cNvPr id="100" name="PlaceHolder 2"/>
+          <p:cNvSpPr>
+            <a:spLocks noGrp="1"/>
+          </p:cNvSpPr>
+          <p:nvPr>
+            <p:ph type="body"/>
+          </p:nvPr>
+        </p:nvSpPr>
+        <p:spPr>
+          <a:xfrm>
+            <a:off x="504000" y="1326600"/>
+            <a:ext cx="9071280" cy="1568160"/>
+          </a:xfrm>
+          <a:prstGeom prst="rect">
+            <a:avLst/>
+          </a:prstGeom>
+        </p:spPr>
+        <p:txBody>
+          <a:bodyPr lIns="0" rIns="0" tIns="0" bIns="0">
+            <a:normAutofit/>
+          </a:bodyPr>
+          <a:p>
+            <a:endParaRPr b="0" lang="pt-PT" sz="3200" spc="-1" strike="noStrike">
+              <a:latin typeface="Arial"/>
+            </a:endParaRPr>
+          </a:p>
+        </p:txBody>
+      </p:sp>
+      <p:sp>
+        <p:nvSpPr>
+          <p:cNvPr id="101" name="PlaceHolder 3"/>
+          <p:cNvSpPr>
+            <a:spLocks noGrp="1"/>
+          </p:cNvSpPr>
+          <p:nvPr>
+            <p:ph type="body"/>
+          </p:nvPr>
+        </p:nvSpPr>
+        <p:spPr>
+          <a:xfrm>
+            <a:off x="504000" y="3044160"/>
+            <a:ext cx="9071280" cy="1568160"/>
+          </a:xfrm>
+          <a:prstGeom prst="rect">
+            <a:avLst/>
+          </a:prstGeom>
+        </p:spPr>
+        <p:txBody>
+          <a:bodyPr lIns="0" rIns="0" tIns="0" bIns="0">
+            <a:normAutofit/>
+          </a:bodyPr>
+          <a:p>
+            <a:endParaRPr b="0" lang="pt-PT" sz="3200" spc="-1" strike="noStrike">
+              <a:latin typeface="Arial"/>
+            </a:endParaRPr>
+          </a:p>
+        </p:txBody>
+      </p:sp>
+    </p:spTree>
+  </p:cSld>
+</p:sldLayout>
+</file>
+
+<file path=ppt/slideLayouts/slideLayout35.xml><?xml version="1.0" encoding="utf-8"?>
+<p:sldLayout xmlns:a="http://schemas.openxmlformats.org/drawingml/2006/main" xmlns:p="http://schemas.openxmlformats.org/presentationml/2006/main" xmlns:r="http://schemas.openxmlformats.org/officeDocument/2006/relationships" xmlns:p14="http://schemas.microsoft.com/office/powerpoint/2010/main" xmlns:p15="http://schemas.microsoft.com/office/powerpoint/2012/main" xmlns:mc="http://schemas.openxmlformats.org/markup-compatibility/2006" type="fourObj" preserve="1">
+  <p:cSld name="Title, 4 Content">
+    <p:spTree>
+      <p:nvGrpSpPr>
+        <p:cNvPr id="1" name=""/>
+        <p:cNvGrpSpPr/>
+        <p:nvPr/>
+      </p:nvGrpSpPr>
+      <p:grpSpPr>
+        <a:xfrm>
+          <a:off x="0" y="0"/>
+          <a:ext cx="0" cy="0"/>
+          <a:chOff x="0" y="0"/>
+          <a:chExt cx="0" cy="0"/>
+        </a:xfrm>
+      </p:grpSpPr>
+      <p:sp>
+        <p:nvSpPr>
+          <p:cNvPr id="102" name="PlaceHolder 1"/>
+          <p:cNvSpPr>
+            <a:spLocks noGrp="1"/>
+          </p:cNvSpPr>
+          <p:nvPr>
+            <p:ph type="title"/>
+          </p:nvPr>
+        </p:nvSpPr>
+        <p:spPr>
+          <a:xfrm>
+            <a:off x="504000" y="226080"/>
+            <a:ext cx="9070560" cy="945360"/>
+          </a:xfrm>
+          <a:prstGeom prst="rect">
+            <a:avLst/>
+          </a:prstGeom>
+        </p:spPr>
+        <p:txBody>
+          <a:bodyPr lIns="0" rIns="0" tIns="0" bIns="0" anchor="ctr">
+            <a:noAutofit/>
+          </a:bodyPr>
+          <a:p>
+            <a:pPr algn="ctr"/>
+            <a:endParaRPr b="0" lang="pt-PT" sz="4400" spc="-1" strike="noStrike">
+              <a:latin typeface="Arial"/>
+            </a:endParaRPr>
+          </a:p>
+        </p:txBody>
+      </p:sp>
+      <p:sp>
+        <p:nvSpPr>
+          <p:cNvPr id="103" name="PlaceHolder 2"/>
+          <p:cNvSpPr>
+            <a:spLocks noGrp="1"/>
+          </p:cNvSpPr>
+          <p:nvPr>
+            <p:ph type="body"/>
+          </p:nvPr>
+        </p:nvSpPr>
+        <p:spPr>
+          <a:xfrm>
+            <a:off x="504000" y="1326600"/>
+            <a:ext cx="4426560" cy="1568160"/>
+          </a:xfrm>
+          <a:prstGeom prst="rect">
+            <a:avLst/>
+          </a:prstGeom>
+        </p:spPr>
+        <p:txBody>
+          <a:bodyPr lIns="0" rIns="0" tIns="0" bIns="0">
+            <a:normAutofit/>
+          </a:bodyPr>
+          <a:p>
+            <a:endParaRPr b="0" lang="pt-PT" sz="3200" spc="-1" strike="noStrike">
+              <a:latin typeface="Arial"/>
+            </a:endParaRPr>
+          </a:p>
+        </p:txBody>
+      </p:sp>
+      <p:sp>
+        <p:nvSpPr>
+          <p:cNvPr id="104" name="PlaceHolder 3"/>
+          <p:cNvSpPr>
+            <a:spLocks noGrp="1"/>
+          </p:cNvSpPr>
+          <p:nvPr>
+            <p:ph type="body"/>
+          </p:nvPr>
+        </p:nvSpPr>
+        <p:spPr>
+          <a:xfrm>
+            <a:off x="5152320" y="1326600"/>
+            <a:ext cx="4426560" cy="1568160"/>
+          </a:xfrm>
+          <a:prstGeom prst="rect">
+            <a:avLst/>
+          </a:prstGeom>
+        </p:spPr>
+        <p:txBody>
+          <a:bodyPr lIns="0" rIns="0" tIns="0" bIns="0">
+            <a:normAutofit/>
+          </a:bodyPr>
+          <a:p>
+            <a:endParaRPr b="0" lang="pt-PT" sz="3200" spc="-1" strike="noStrike">
+              <a:latin typeface="Arial"/>
+            </a:endParaRPr>
+          </a:p>
+        </p:txBody>
+      </p:sp>
+      <p:sp>
+        <p:nvSpPr>
+          <p:cNvPr id="105" name="PlaceHolder 4"/>
+          <p:cNvSpPr>
+            <a:spLocks noGrp="1"/>
+          </p:cNvSpPr>
+          <p:nvPr>
+            <p:ph type="body"/>
+          </p:nvPr>
+        </p:nvSpPr>
+        <p:spPr>
+          <a:xfrm>
+            <a:off x="504000" y="3044160"/>
+            <a:ext cx="4426560" cy="1568160"/>
+          </a:xfrm>
+          <a:prstGeom prst="rect">
+            <a:avLst/>
+          </a:prstGeom>
+        </p:spPr>
+        <p:txBody>
+          <a:bodyPr lIns="0" rIns="0" tIns="0" bIns="0">
+            <a:normAutofit/>
+          </a:bodyPr>
+          <a:p>
+            <a:endParaRPr b="0" lang="pt-PT" sz="3200" spc="-1" strike="noStrike">
+              <a:latin typeface="Arial"/>
+            </a:endParaRPr>
+          </a:p>
+        </p:txBody>
+      </p:sp>
+      <p:sp>
+        <p:nvSpPr>
+          <p:cNvPr id="106" name="PlaceHolder 5"/>
+          <p:cNvSpPr>
+            <a:spLocks noGrp="1"/>
+          </p:cNvSpPr>
+          <p:nvPr>
+            <p:ph type="body"/>
+          </p:nvPr>
+        </p:nvSpPr>
+        <p:spPr>
+          <a:xfrm>
+            <a:off x="5152320" y="3044160"/>
+            <a:ext cx="4426560" cy="1568160"/>
+          </a:xfrm>
+          <a:prstGeom prst="rect">
+            <a:avLst/>
+          </a:prstGeom>
+        </p:spPr>
+        <p:txBody>
+          <a:bodyPr lIns="0" rIns="0" tIns="0" bIns="0">
+            <a:normAutofit/>
+          </a:bodyPr>
+          <a:p>
+            <a:endParaRPr b="0" lang="pt-PT" sz="3200" spc="-1" strike="noStrike">
+              <a:latin typeface="Arial"/>
+            </a:endParaRPr>
+          </a:p>
+        </p:txBody>
+      </p:sp>
+    </p:spTree>
+  </p:cSld>
+</p:sldLayout>
+</file>
+
+<file path=ppt/slideLayouts/slideLayout36.xml><?xml version="1.0" encoding="utf-8"?>
+<p:sldLayout xmlns:a="http://schemas.openxmlformats.org/drawingml/2006/main" xmlns:p="http://schemas.openxmlformats.org/presentationml/2006/main" xmlns:r="http://schemas.openxmlformats.org/officeDocument/2006/relationships" xmlns:p14="http://schemas.microsoft.com/office/powerpoint/2010/main" xmlns:p15="http://schemas.microsoft.com/office/powerpoint/2012/main" xmlns:mc="http://schemas.openxmlformats.org/markup-compatibility/2006" type="blank" preserve="1">
+  <p:cSld name="Title, 6 Content">
+    <p:spTree>
+      <p:nvGrpSpPr>
+        <p:cNvPr id="1" name=""/>
+        <p:cNvGrpSpPr/>
+        <p:nvPr/>
+      </p:nvGrpSpPr>
+      <p:grpSpPr>
+        <a:xfrm>
+          <a:off x="0" y="0"/>
+          <a:ext cx="0" cy="0"/>
+          <a:chOff x="0" y="0"/>
+          <a:chExt cx="0" cy="0"/>
+        </a:xfrm>
+      </p:grpSpPr>
+      <p:sp>
+        <p:nvSpPr>
+          <p:cNvPr id="107" name="PlaceHolder 1"/>
+          <p:cNvSpPr>
+            <a:spLocks noGrp="1"/>
+          </p:cNvSpPr>
+          <p:nvPr>
+            <p:ph type="title"/>
+          </p:nvPr>
+        </p:nvSpPr>
+        <p:spPr>
+          <a:xfrm>
+            <a:off x="504000" y="226080"/>
+            <a:ext cx="9070560" cy="945360"/>
+          </a:xfrm>
+          <a:prstGeom prst="rect">
+            <a:avLst/>
+          </a:prstGeom>
+        </p:spPr>
+        <p:txBody>
+          <a:bodyPr lIns="0" rIns="0" tIns="0" bIns="0" anchor="ctr">
+            <a:noAutofit/>
+          </a:bodyPr>
+          <a:p>
+            <a:pPr algn="ctr"/>
+            <a:endParaRPr b="0" lang="pt-PT" sz="4400" spc="-1" strike="noStrike">
+              <a:latin typeface="Arial"/>
+            </a:endParaRPr>
+          </a:p>
+        </p:txBody>
+      </p:sp>
+      <p:sp>
+        <p:nvSpPr>
+          <p:cNvPr id="108" name="PlaceHolder 2"/>
+          <p:cNvSpPr>
+            <a:spLocks noGrp="1"/>
+          </p:cNvSpPr>
+          <p:nvPr>
+            <p:ph type="body"/>
+          </p:nvPr>
+        </p:nvSpPr>
+        <p:spPr>
+          <a:xfrm>
+            <a:off x="504000" y="1326600"/>
+            <a:ext cx="2920680" cy="1568160"/>
+          </a:xfrm>
+          <a:prstGeom prst="rect">
+            <a:avLst/>
+          </a:prstGeom>
+        </p:spPr>
+        <p:txBody>
+          <a:bodyPr lIns="0" rIns="0" tIns="0" bIns="0">
+            <a:normAutofit/>
+          </a:bodyPr>
+          <a:p>
+            <a:endParaRPr b="0" lang="pt-PT" sz="3200" spc="-1" strike="noStrike">
+              <a:latin typeface="Arial"/>
+            </a:endParaRPr>
+          </a:p>
+        </p:txBody>
+      </p:sp>
+      <p:sp>
+        <p:nvSpPr>
+          <p:cNvPr id="109" name="PlaceHolder 3"/>
+          <p:cNvSpPr>
+            <a:spLocks noGrp="1"/>
+          </p:cNvSpPr>
+          <p:nvPr>
+            <p:ph type="body"/>
+          </p:nvPr>
+        </p:nvSpPr>
+        <p:spPr>
+          <a:xfrm>
+            <a:off x="3571200" y="1326600"/>
+            <a:ext cx="2920680" cy="1568160"/>
+          </a:xfrm>
+          <a:prstGeom prst="rect">
+            <a:avLst/>
+          </a:prstGeom>
+        </p:spPr>
+        <p:txBody>
+          <a:bodyPr lIns="0" rIns="0" tIns="0" bIns="0">
+            <a:normAutofit/>
+          </a:bodyPr>
+          <a:p>
+            <a:endParaRPr b="0" lang="pt-PT" sz="3200" spc="-1" strike="noStrike">
+              <a:latin typeface="Arial"/>
+            </a:endParaRPr>
+          </a:p>
+        </p:txBody>
+      </p:sp>
+      <p:sp>
+        <p:nvSpPr>
+          <p:cNvPr id="110" name="PlaceHolder 4"/>
+          <p:cNvSpPr>
+            <a:spLocks noGrp="1"/>
+          </p:cNvSpPr>
+          <p:nvPr>
+            <p:ph type="body"/>
+          </p:nvPr>
+        </p:nvSpPr>
+        <p:spPr>
+          <a:xfrm>
+            <a:off x="6638040" y="1326600"/>
+            <a:ext cx="2920680" cy="1568160"/>
+          </a:xfrm>
+          <a:prstGeom prst="rect">
+            <a:avLst/>
+          </a:prstGeom>
+        </p:spPr>
+        <p:txBody>
+          <a:bodyPr lIns="0" rIns="0" tIns="0" bIns="0">
+            <a:normAutofit/>
+          </a:bodyPr>
+          <a:p>
+            <a:endParaRPr b="0" lang="pt-PT" sz="3200" spc="-1" strike="noStrike">
+              <a:latin typeface="Arial"/>
+            </a:endParaRPr>
+          </a:p>
+        </p:txBody>
+      </p:sp>
+      <p:sp>
+        <p:nvSpPr>
+          <p:cNvPr id="111" name="PlaceHolder 5"/>
+          <p:cNvSpPr>
+            <a:spLocks noGrp="1"/>
+          </p:cNvSpPr>
+          <p:nvPr>
+            <p:ph type="body"/>
+          </p:nvPr>
+        </p:nvSpPr>
+        <p:spPr>
+          <a:xfrm>
+            <a:off x="504000" y="3044160"/>
+            <a:ext cx="2920680" cy="1568160"/>
+          </a:xfrm>
+          <a:prstGeom prst="rect">
+            <a:avLst/>
+          </a:prstGeom>
+        </p:spPr>
+        <p:txBody>
+          <a:bodyPr lIns="0" rIns="0" tIns="0" bIns="0">
+            <a:normAutofit/>
+          </a:bodyPr>
+          <a:p>
+            <a:endParaRPr b="0" lang="pt-PT" sz="3200" spc="-1" strike="noStrike">
+              <a:latin typeface="Arial"/>
+            </a:endParaRPr>
+          </a:p>
+        </p:txBody>
+      </p:sp>
+      <p:sp>
+        <p:nvSpPr>
+          <p:cNvPr id="112" name="PlaceHolder 6"/>
+          <p:cNvSpPr>
+            <a:spLocks noGrp="1"/>
+          </p:cNvSpPr>
+          <p:nvPr>
+            <p:ph type="body"/>
+          </p:nvPr>
+        </p:nvSpPr>
+        <p:spPr>
+          <a:xfrm>
+            <a:off x="3571200" y="3044160"/>
+            <a:ext cx="2920680" cy="1568160"/>
+          </a:xfrm>
+          <a:prstGeom prst="rect">
+            <a:avLst/>
+          </a:prstGeom>
+        </p:spPr>
+        <p:txBody>
+          <a:bodyPr lIns="0" rIns="0" tIns="0" bIns="0">
+            <a:normAutofit/>
+          </a:bodyPr>
+          <a:p>
+            <a:endParaRPr b="0" lang="pt-PT" sz="3200" spc="-1" strike="noStrike">
+              <a:latin typeface="Arial"/>
+            </a:endParaRPr>
+          </a:p>
+        </p:txBody>
+      </p:sp>
+      <p:sp>
+        <p:nvSpPr>
+          <p:cNvPr id="113" name="PlaceHolder 7"/>
+          <p:cNvSpPr>
+            <a:spLocks noGrp="1"/>
+          </p:cNvSpPr>
+          <p:nvPr>
+            <p:ph type="body"/>
+          </p:nvPr>
+        </p:nvSpPr>
+        <p:spPr>
+          <a:xfrm>
+            <a:off x="6638040" y="3044160"/>
+            <a:ext cx="2920680" cy="1568160"/>
           </a:xfrm>
           <a:prstGeom prst="rect">
             <a:avLst/>
@@ -757,7 +3471,7 @@
         <p:spPr>
           <a:xfrm>
             <a:off x="504000" y="226080"/>
-            <a:ext cx="9070920" cy="945720"/>
+            <a:ext cx="9070560" cy="945360"/>
           </a:xfrm>
           <a:prstGeom prst="rect">
             <a:avLst/>
@@ -788,7 +3502,7 @@
         <p:spPr>
           <a:xfrm>
             <a:off x="504000" y="1326600"/>
-            <a:ext cx="4426920" cy="3288240"/>
+            <a:ext cx="4426560" cy="3287880"/>
           </a:xfrm>
           <a:prstGeom prst="rect">
             <a:avLst/>
@@ -817,8 +3531,8 @@
         </p:nvSpPr>
         <p:spPr>
           <a:xfrm>
-            <a:off x="5152680" y="1326600"/>
-            <a:ext cx="4426920" cy="3288240"/>
+            <a:off x="5152320" y="1326600"/>
+            <a:ext cx="4426560" cy="3287880"/>
           </a:xfrm>
           <a:prstGeom prst="rect">
             <a:avLst/>
@@ -870,7 +3584,7 @@
         <p:spPr>
           <a:xfrm>
             <a:off x="504000" y="226080"/>
-            <a:ext cx="9070920" cy="945720"/>
+            <a:ext cx="9070560" cy="945360"/>
           </a:xfrm>
           <a:prstGeom prst="rect">
             <a:avLst/>
@@ -923,7 +3637,7 @@
         <p:spPr>
           <a:xfrm>
             <a:off x="504000" y="226080"/>
-            <a:ext cx="9070920" cy="4385160"/>
+            <a:ext cx="9070560" cy="4383360"/>
           </a:xfrm>
           <a:prstGeom prst="rect">
             <a:avLst/>
@@ -976,7 +3690,7 @@
         <p:spPr>
           <a:xfrm>
             <a:off x="504000" y="226080"/>
-            <a:ext cx="9070920" cy="945720"/>
+            <a:ext cx="9070560" cy="945360"/>
           </a:xfrm>
           <a:prstGeom prst="rect">
             <a:avLst/>
@@ -1007,7 +3721,7 @@
         <p:spPr>
           <a:xfrm>
             <a:off x="504000" y="1326600"/>
-            <a:ext cx="4426920" cy="1568160"/>
+            <a:ext cx="4426560" cy="1568160"/>
           </a:xfrm>
           <a:prstGeom prst="rect">
             <a:avLst/>
@@ -1036,8 +3750,8 @@
         </p:nvSpPr>
         <p:spPr>
           <a:xfrm>
-            <a:off x="5152680" y="1326600"/>
-            <a:ext cx="4426920" cy="3288240"/>
+            <a:off x="5152320" y="1326600"/>
+            <a:ext cx="4426560" cy="3287880"/>
           </a:xfrm>
           <a:prstGeom prst="rect">
             <a:avLst/>
@@ -1067,7 +3781,7 @@
         <p:spPr>
           <a:xfrm>
             <a:off x="504000" y="3044160"/>
-            <a:ext cx="4426920" cy="1568160"/>
+            <a:ext cx="4426560" cy="1568160"/>
           </a:xfrm>
           <a:prstGeom prst="rect">
             <a:avLst/>
@@ -1119,7 +3833,7 @@
         <p:spPr>
           <a:xfrm>
             <a:off x="504000" y="226080"/>
-            <a:ext cx="9070920" cy="945720"/>
+            <a:ext cx="9070560" cy="945360"/>
           </a:xfrm>
           <a:prstGeom prst="rect">
             <a:avLst/>
@@ -1150,7 +3864,7 @@
         <p:spPr>
           <a:xfrm>
             <a:off x="504000" y="1326600"/>
-            <a:ext cx="4426920" cy="3288240"/>
+            <a:ext cx="4426560" cy="3287880"/>
           </a:xfrm>
           <a:prstGeom prst="rect">
             <a:avLst/>
@@ -1179,8 +3893,8 @@
         </p:nvSpPr>
         <p:spPr>
           <a:xfrm>
-            <a:off x="5152680" y="1326600"/>
-            <a:ext cx="4426920" cy="1568160"/>
+            <a:off x="5152320" y="1326600"/>
+            <a:ext cx="4426560" cy="1568160"/>
           </a:xfrm>
           <a:prstGeom prst="rect">
             <a:avLst/>
@@ -1209,8 +3923,8 @@
         </p:nvSpPr>
         <p:spPr>
           <a:xfrm>
-            <a:off x="5152680" y="3044160"/>
-            <a:ext cx="4426920" cy="1568160"/>
+            <a:off x="5152320" y="3044160"/>
+            <a:ext cx="4426560" cy="1568160"/>
           </a:xfrm>
           <a:prstGeom prst="rect">
             <a:avLst/>
@@ -1262,7 +3976,7 @@
         <p:spPr>
           <a:xfrm>
             <a:off x="504000" y="226080"/>
-            <a:ext cx="9070920" cy="945720"/>
+            <a:ext cx="9070560" cy="945360"/>
           </a:xfrm>
           <a:prstGeom prst="rect">
             <a:avLst/>
@@ -1293,7 +4007,7 @@
         <p:spPr>
           <a:xfrm>
             <a:off x="504000" y="1326600"/>
-            <a:ext cx="4426920" cy="1568160"/>
+            <a:ext cx="4426560" cy="1568160"/>
           </a:xfrm>
           <a:prstGeom prst="rect">
             <a:avLst/>
@@ -1322,8 +4036,8 @@
         </p:nvSpPr>
         <p:spPr>
           <a:xfrm>
-            <a:off x="5152680" y="1326600"/>
-            <a:ext cx="4426920" cy="1568160"/>
+            <a:off x="5152320" y="1326600"/>
+            <a:ext cx="4426560" cy="1568160"/>
           </a:xfrm>
           <a:prstGeom prst="rect">
             <a:avLst/>
@@ -1353,7 +4067,7 @@
         <p:spPr>
           <a:xfrm>
             <a:off x="504000" y="3044160"/>
-            <a:ext cx="9071640" cy="1568160"/>
+            <a:ext cx="9071280" cy="1568160"/>
           </a:xfrm>
           <a:prstGeom prst="rect">
             <a:avLst/>
@@ -1405,7 +4119,513 @@
         <p:spPr>
           <a:xfrm>
             <a:off x="504000" y="226080"/>
-            <a:ext cx="9070920" cy="945720"/>
+            <a:ext cx="9072000" cy="946440"/>
+          </a:xfrm>
+          <a:prstGeom prst="rect">
+            <a:avLst/>
+          </a:prstGeom>
+        </p:spPr>
+        <p:txBody>
+          <a:bodyPr lIns="0" rIns="0" tIns="0" bIns="0" anchor="ctr">
+            <a:noAutofit/>
+          </a:bodyPr>
+          <a:p>
+            <a:pPr algn="ctr"/>
+            <a:r>
+              <a:rPr b="0" lang="pt-PT" sz="4400" spc="-1" strike="noStrike">
+                <a:latin typeface="Arial"/>
+              </a:rPr>
+              <a:t>Clique para editar o formato do título</a:t>
+            </a:r>
+            <a:endParaRPr b="0" lang="pt-PT" sz="4400" spc="-1" strike="noStrike">
+              <a:latin typeface="Arial"/>
+            </a:endParaRPr>
+          </a:p>
+        </p:txBody>
+      </p:sp>
+      <p:sp>
+        <p:nvSpPr>
+          <p:cNvPr id="1" name="PlaceHolder 2"/>
+          <p:cNvSpPr>
+            <a:spLocks noGrp="1"/>
+          </p:cNvSpPr>
+          <p:nvPr>
+            <p:ph type="body"/>
+          </p:nvPr>
+        </p:nvSpPr>
+        <p:spPr>
+          <a:xfrm>
+            <a:off x="504000" y="1326600"/>
+            <a:ext cx="9072000" cy="3288600"/>
+          </a:xfrm>
+          <a:prstGeom prst="rect">
+            <a:avLst/>
+          </a:prstGeom>
+        </p:spPr>
+        <p:txBody>
+          <a:bodyPr lIns="0" rIns="0" tIns="0" bIns="0">
+            <a:normAutofit fontScale="94000"/>
+          </a:bodyPr>
+          <a:p>
+            <a:pPr marL="432000" indent="-324000">
+              <a:spcBef>
+                <a:spcPts val="1417"/>
+              </a:spcBef>
+              <a:buClr>
+                <a:srgbClr val="000000"/>
+              </a:buClr>
+              <a:buSzPct val="45000"/>
+              <a:buFont typeface="Wingdings" charset="2"/>
+              <a:buChar char=""/>
+            </a:pPr>
+            <a:r>
+              <a:rPr b="0" lang="pt-PT" sz="3200" spc="-1" strike="noStrike">
+                <a:latin typeface="Arial"/>
+              </a:rPr>
+              <a:t>Clique para editar o formato de texto dos tópicos</a:t>
+            </a:r>
+            <a:endParaRPr b="0" lang="pt-PT" sz="3200" spc="-1" strike="noStrike">
+              <a:latin typeface="Arial"/>
+            </a:endParaRPr>
+          </a:p>
+          <a:p>
+            <a:pPr lvl="1" marL="864000" indent="-324000">
+              <a:spcBef>
+                <a:spcPts val="1134"/>
+              </a:spcBef>
+              <a:buClr>
+                <a:srgbClr val="000000"/>
+              </a:buClr>
+              <a:buSzPct val="75000"/>
+              <a:buFont typeface="Symbol" charset="2"/>
+              <a:buChar char=""/>
+            </a:pPr>
+            <a:r>
+              <a:rPr b="0" lang="pt-PT" sz="2800" spc="-1" strike="noStrike">
+                <a:latin typeface="Arial"/>
+              </a:rPr>
+              <a:t>Segundo nível de tópicos</a:t>
+            </a:r>
+            <a:endParaRPr b="0" lang="pt-PT" sz="2800" spc="-1" strike="noStrike">
+              <a:latin typeface="Arial"/>
+            </a:endParaRPr>
+          </a:p>
+          <a:p>
+            <a:pPr lvl="2" marL="1296000" indent="-288000">
+              <a:spcBef>
+                <a:spcPts val="850"/>
+              </a:spcBef>
+              <a:buClr>
+                <a:srgbClr val="000000"/>
+              </a:buClr>
+              <a:buSzPct val="45000"/>
+              <a:buFont typeface="Wingdings" charset="2"/>
+              <a:buChar char=""/>
+            </a:pPr>
+            <a:r>
+              <a:rPr b="0" lang="pt-PT" sz="2400" spc="-1" strike="noStrike">
+                <a:latin typeface="Arial"/>
+              </a:rPr>
+              <a:t>Terceiro nível de tópicos</a:t>
+            </a:r>
+            <a:endParaRPr b="0" lang="pt-PT" sz="2400" spc="-1" strike="noStrike">
+              <a:latin typeface="Arial"/>
+            </a:endParaRPr>
+          </a:p>
+          <a:p>
+            <a:pPr lvl="3" marL="1728000" indent="-216000">
+              <a:spcBef>
+                <a:spcPts val="567"/>
+              </a:spcBef>
+              <a:buClr>
+                <a:srgbClr val="000000"/>
+              </a:buClr>
+              <a:buSzPct val="75000"/>
+              <a:buFont typeface="Symbol" charset="2"/>
+              <a:buChar char=""/>
+            </a:pPr>
+            <a:r>
+              <a:rPr b="0" lang="pt-PT" sz="2000" spc="-1" strike="noStrike">
+                <a:latin typeface="Arial"/>
+              </a:rPr>
+              <a:t>Quarto nível de tópicos</a:t>
+            </a:r>
+            <a:endParaRPr b="0" lang="pt-PT" sz="2000" spc="-1" strike="noStrike">
+              <a:latin typeface="Arial"/>
+            </a:endParaRPr>
+          </a:p>
+          <a:p>
+            <a:pPr lvl="4" marL="2160000" indent="-216000">
+              <a:spcBef>
+                <a:spcPts val="283"/>
+              </a:spcBef>
+              <a:buClr>
+                <a:srgbClr val="000000"/>
+              </a:buClr>
+              <a:buSzPct val="45000"/>
+              <a:buFont typeface="Wingdings" charset="2"/>
+              <a:buChar char=""/>
+            </a:pPr>
+            <a:r>
+              <a:rPr b="0" lang="pt-PT" sz="2000" spc="-1" strike="noStrike">
+                <a:latin typeface="Arial"/>
+              </a:rPr>
+              <a:t>Quinto nível de tópicos</a:t>
+            </a:r>
+            <a:endParaRPr b="0" lang="pt-PT" sz="2000" spc="-1" strike="noStrike">
+              <a:latin typeface="Arial"/>
+            </a:endParaRPr>
+          </a:p>
+          <a:p>
+            <a:pPr lvl="5" marL="2592000" indent="-216000">
+              <a:spcBef>
+                <a:spcPts val="283"/>
+              </a:spcBef>
+              <a:buClr>
+                <a:srgbClr val="000000"/>
+              </a:buClr>
+              <a:buSzPct val="45000"/>
+              <a:buFont typeface="Wingdings" charset="2"/>
+              <a:buChar char=""/>
+            </a:pPr>
+            <a:r>
+              <a:rPr b="0" lang="pt-PT" sz="2000" spc="-1" strike="noStrike">
+                <a:latin typeface="Arial"/>
+              </a:rPr>
+              <a:t>Sexto nível de tópicos</a:t>
+            </a:r>
+            <a:endParaRPr b="0" lang="pt-PT" sz="2000" spc="-1" strike="noStrike">
+              <a:latin typeface="Arial"/>
+            </a:endParaRPr>
+          </a:p>
+          <a:p>
+            <a:pPr lvl="6" marL="3024000" indent="-216000">
+              <a:spcBef>
+                <a:spcPts val="283"/>
+              </a:spcBef>
+              <a:buClr>
+                <a:srgbClr val="000000"/>
+              </a:buClr>
+              <a:buSzPct val="45000"/>
+              <a:buFont typeface="Wingdings" charset="2"/>
+              <a:buChar char=""/>
+            </a:pPr>
+            <a:r>
+              <a:rPr b="0" lang="pt-PT" sz="2000" spc="-1" strike="noStrike">
+                <a:latin typeface="Arial"/>
+              </a:rPr>
+              <a:t>Sétimo nível de tópicos</a:t>
+            </a:r>
+            <a:endParaRPr b="0" lang="pt-PT" sz="2000" spc="-1" strike="noStrike">
+              <a:latin typeface="Arial"/>
+            </a:endParaRPr>
+          </a:p>
+        </p:txBody>
+      </p:sp>
+    </p:spTree>
+  </p:cSld>
+  <p:clrMap bg1="lt1" bg2="lt2" tx1="dk1" tx2="dk2" accent1="accent1" accent2="accent2" accent3="accent3" accent4="accent4" accent5="accent5" accent6="accent6" hlink="hlink" folHlink="folHlink"/>
+  <p:sldLayoutIdLst>
+    <p:sldLayoutId id="2147483649" r:id="rId2"/>
+    <p:sldLayoutId id="2147483650" r:id="rId3"/>
+    <p:sldLayoutId id="2147483651" r:id="rId4"/>
+    <p:sldLayoutId id="2147483652" r:id="rId5"/>
+    <p:sldLayoutId id="2147483653" r:id="rId6"/>
+    <p:sldLayoutId id="2147483654" r:id="rId7"/>
+    <p:sldLayoutId id="2147483655" r:id="rId8"/>
+    <p:sldLayoutId id="2147483656" r:id="rId9"/>
+    <p:sldLayoutId id="2147483657" r:id="rId10"/>
+    <p:sldLayoutId id="2147483658" r:id="rId11"/>
+    <p:sldLayoutId id="2147483659" r:id="rId12"/>
+    <p:sldLayoutId id="2147483660" r:id="rId13"/>
+  </p:sldLayoutIdLst>
+</p:sldMaster>
+</file>
+
+<file path=ppt/slideMasters/slideMaster2.xml><?xml version="1.0" encoding="utf-8"?>
+<p:sldMaster xmlns:a="http://schemas.openxmlformats.org/drawingml/2006/main" xmlns:p="http://schemas.openxmlformats.org/presentationml/2006/main" xmlns:r="http://schemas.openxmlformats.org/officeDocument/2006/relationships" xmlns:p14="http://schemas.microsoft.com/office/powerpoint/2010/main" xmlns:p15="http://schemas.microsoft.com/office/powerpoint/2012/main" xmlns:mc="http://schemas.openxmlformats.org/markup-compatibility/2006">
+  <p:cSld>
+    <p:spTree>
+      <p:nvGrpSpPr>
+        <p:cNvPr id="1" name=""/>
+        <p:cNvGrpSpPr/>
+        <p:nvPr/>
+      </p:nvGrpSpPr>
+      <p:grpSpPr>
+        <a:xfrm>
+          <a:off x="0" y="0"/>
+          <a:ext cx="0" cy="0"/>
+          <a:chOff x="0" y="0"/>
+          <a:chExt cx="0" cy="0"/>
+        </a:xfrm>
+      </p:grpSpPr>
+      <p:sp>
+        <p:nvSpPr>
+          <p:cNvPr id="38" name="PlaceHolder 1"/>
+          <p:cNvSpPr>
+            <a:spLocks noGrp="1"/>
+          </p:cNvSpPr>
+          <p:nvPr>
+            <p:ph type="title"/>
+          </p:nvPr>
+        </p:nvSpPr>
+        <p:spPr>
+          <a:xfrm>
+            <a:off x="504000" y="226080"/>
+            <a:ext cx="9072000" cy="946440"/>
+          </a:xfrm>
+          <a:prstGeom prst="rect">
+            <a:avLst/>
+          </a:prstGeom>
+        </p:spPr>
+        <p:txBody>
+          <a:bodyPr lIns="0" rIns="0" tIns="0" bIns="0" anchor="ctr">
+            <a:noAutofit/>
+          </a:bodyPr>
+          <a:p>
+            <a:pPr algn="ctr"/>
+            <a:r>
+              <a:rPr b="0" lang="pt-PT" sz="4400" spc="-1" strike="noStrike">
+                <a:latin typeface="Arial"/>
+              </a:rPr>
+              <a:t>Clique para editar o formato do título</a:t>
+            </a:r>
+            <a:endParaRPr b="0" lang="pt-PT" sz="4400" spc="-1" strike="noStrike">
+              <a:latin typeface="Arial"/>
+            </a:endParaRPr>
+          </a:p>
+        </p:txBody>
+      </p:sp>
+      <p:sp>
+        <p:nvSpPr>
+          <p:cNvPr id="39" name="PlaceHolder 2"/>
+          <p:cNvSpPr>
+            <a:spLocks noGrp="1"/>
+          </p:cNvSpPr>
+          <p:nvPr>
+            <p:ph type="body"/>
+          </p:nvPr>
+        </p:nvSpPr>
+        <p:spPr>
+          <a:xfrm>
+            <a:off x="504000" y="1326600"/>
+            <a:ext cx="9072000" cy="3288600"/>
+          </a:xfrm>
+          <a:prstGeom prst="rect">
+            <a:avLst/>
+          </a:prstGeom>
+        </p:spPr>
+        <p:txBody>
+          <a:bodyPr lIns="0" rIns="0" tIns="0" bIns="0">
+            <a:normAutofit/>
+          </a:bodyPr>
+          <a:p>
+            <a:pPr marL="432000" indent="-324000">
+              <a:spcBef>
+                <a:spcPts val="1417"/>
+              </a:spcBef>
+              <a:buClr>
+                <a:srgbClr val="000000"/>
+              </a:buClr>
+              <a:buSzPct val="45000"/>
+              <a:buFont typeface="Wingdings" charset="2"/>
+              <a:buChar char=""/>
+            </a:pPr>
+            <a:r>
+              <a:rPr b="0" lang="pt-PT" sz="3200" spc="-1" strike="noStrike">
+                <a:latin typeface="Arial"/>
+              </a:rPr>
+              <a:t>Clique para editar o formato de texto dos tópicos</a:t>
+            </a:r>
+            <a:endParaRPr b="0" lang="pt-PT" sz="3200" spc="-1" strike="noStrike">
+              <a:latin typeface="Arial"/>
+            </a:endParaRPr>
+          </a:p>
+          <a:p>
+            <a:pPr lvl="1" marL="864000" indent="-324000">
+              <a:spcBef>
+                <a:spcPts val="1134"/>
+              </a:spcBef>
+              <a:buClr>
+                <a:srgbClr val="000000"/>
+              </a:buClr>
+              <a:buSzPct val="75000"/>
+              <a:buFont typeface="Symbol" charset="2"/>
+              <a:buChar char=""/>
+            </a:pPr>
+            <a:r>
+              <a:rPr b="0" lang="pt-PT" sz="2800" spc="-1" strike="noStrike">
+                <a:latin typeface="Arial"/>
+              </a:rPr>
+              <a:t>Segundo nível de tópicos</a:t>
+            </a:r>
+            <a:endParaRPr b="0" lang="pt-PT" sz="2800" spc="-1" strike="noStrike">
+              <a:latin typeface="Arial"/>
+            </a:endParaRPr>
+          </a:p>
+          <a:p>
+            <a:pPr lvl="2" marL="1296000" indent="-288000">
+              <a:spcBef>
+                <a:spcPts val="850"/>
+              </a:spcBef>
+              <a:buClr>
+                <a:srgbClr val="000000"/>
+              </a:buClr>
+              <a:buSzPct val="45000"/>
+              <a:buFont typeface="Wingdings" charset="2"/>
+              <a:buChar char=""/>
+            </a:pPr>
+            <a:r>
+              <a:rPr b="0" lang="pt-PT" sz="2400" spc="-1" strike="noStrike">
+                <a:latin typeface="Arial"/>
+              </a:rPr>
+              <a:t>Terceiro nível de tópicos</a:t>
+            </a:r>
+            <a:endParaRPr b="0" lang="pt-PT" sz="2400" spc="-1" strike="noStrike">
+              <a:latin typeface="Arial"/>
+            </a:endParaRPr>
+          </a:p>
+          <a:p>
+            <a:pPr lvl="3" marL="1728000" indent="-216000">
+              <a:spcBef>
+                <a:spcPts val="567"/>
+              </a:spcBef>
+              <a:buClr>
+                <a:srgbClr val="000000"/>
+              </a:buClr>
+              <a:buSzPct val="75000"/>
+              <a:buFont typeface="Symbol" charset="2"/>
+              <a:buChar char=""/>
+            </a:pPr>
+            <a:r>
+              <a:rPr b="0" lang="pt-PT" sz="2000" spc="-1" strike="noStrike">
+                <a:latin typeface="Arial"/>
+              </a:rPr>
+              <a:t>Quarto nível de tópicos</a:t>
+            </a:r>
+            <a:endParaRPr b="0" lang="pt-PT" sz="2000" spc="-1" strike="noStrike">
+              <a:latin typeface="Arial"/>
+            </a:endParaRPr>
+          </a:p>
+          <a:p>
+            <a:pPr lvl="4" marL="2160000" indent="-216000">
+              <a:spcBef>
+                <a:spcPts val="283"/>
+              </a:spcBef>
+              <a:buClr>
+                <a:srgbClr val="000000"/>
+              </a:buClr>
+              <a:buSzPct val="45000"/>
+              <a:buFont typeface="Wingdings" charset="2"/>
+              <a:buChar char=""/>
+            </a:pPr>
+            <a:r>
+              <a:rPr b="0" lang="pt-PT" sz="2000" spc="-1" strike="noStrike">
+                <a:latin typeface="Arial"/>
+              </a:rPr>
+              <a:t>Quinto nível de tópicos</a:t>
+            </a:r>
+            <a:endParaRPr b="0" lang="pt-PT" sz="2000" spc="-1" strike="noStrike">
+              <a:latin typeface="Arial"/>
+            </a:endParaRPr>
+          </a:p>
+          <a:p>
+            <a:pPr lvl="5" marL="2592000" indent="-216000">
+              <a:spcBef>
+                <a:spcPts val="283"/>
+              </a:spcBef>
+              <a:buClr>
+                <a:srgbClr val="000000"/>
+              </a:buClr>
+              <a:buSzPct val="45000"/>
+              <a:buFont typeface="Wingdings" charset="2"/>
+              <a:buChar char=""/>
+            </a:pPr>
+            <a:r>
+              <a:rPr b="0" lang="pt-PT" sz="2000" spc="-1" strike="noStrike">
+                <a:latin typeface="Arial"/>
+              </a:rPr>
+              <a:t>Sexto nível de tópicos</a:t>
+            </a:r>
+            <a:endParaRPr b="0" lang="pt-PT" sz="2000" spc="-1" strike="noStrike">
+              <a:latin typeface="Arial"/>
+            </a:endParaRPr>
+          </a:p>
+          <a:p>
+            <a:pPr lvl="6" marL="3024000" indent="-216000">
+              <a:spcBef>
+                <a:spcPts val="283"/>
+              </a:spcBef>
+              <a:buClr>
+                <a:srgbClr val="000000"/>
+              </a:buClr>
+              <a:buSzPct val="45000"/>
+              <a:buFont typeface="Wingdings" charset="2"/>
+              <a:buChar char=""/>
+            </a:pPr>
+            <a:r>
+              <a:rPr b="0" lang="pt-PT" sz="2000" spc="-1" strike="noStrike">
+                <a:latin typeface="Arial"/>
+              </a:rPr>
+              <a:t>Sétimo nível de tópicos</a:t>
+            </a:r>
+            <a:endParaRPr b="0" lang="pt-PT" sz="2000" spc="-1" strike="noStrike">
+              <a:latin typeface="Arial"/>
+            </a:endParaRPr>
+          </a:p>
+        </p:txBody>
+      </p:sp>
+    </p:spTree>
+  </p:cSld>
+  <p:clrMap bg1="lt1" bg2="lt2" tx1="dk1" tx2="dk2" accent1="accent1" accent2="accent2" accent3="accent3" accent4="accent4" accent5="accent5" accent6="accent6" hlink="hlink" folHlink="folHlink"/>
+  <p:sldLayoutIdLst>
+    <p:sldLayoutId id="2147483662" r:id="rId2"/>
+    <p:sldLayoutId id="2147483663" r:id="rId3"/>
+    <p:sldLayoutId id="2147483664" r:id="rId4"/>
+    <p:sldLayoutId id="2147483665" r:id="rId5"/>
+    <p:sldLayoutId id="2147483666" r:id="rId6"/>
+    <p:sldLayoutId id="2147483667" r:id="rId7"/>
+    <p:sldLayoutId id="2147483668" r:id="rId8"/>
+    <p:sldLayoutId id="2147483669" r:id="rId9"/>
+    <p:sldLayoutId id="2147483670" r:id="rId10"/>
+    <p:sldLayoutId id="2147483671" r:id="rId11"/>
+    <p:sldLayoutId id="2147483672" r:id="rId12"/>
+    <p:sldLayoutId id="2147483673" r:id="rId13"/>
+  </p:sldLayoutIdLst>
+</p:sldMaster>
+</file>
+
+<file path=ppt/slideMasters/slideMaster3.xml><?xml version="1.0" encoding="utf-8"?>
+<p:sldMaster xmlns:a="http://schemas.openxmlformats.org/drawingml/2006/main" xmlns:p="http://schemas.openxmlformats.org/presentationml/2006/main" xmlns:r="http://schemas.openxmlformats.org/officeDocument/2006/relationships" xmlns:p14="http://schemas.microsoft.com/office/powerpoint/2010/main" xmlns:p15="http://schemas.microsoft.com/office/powerpoint/2012/main" xmlns:mc="http://schemas.openxmlformats.org/markup-compatibility/2006">
+  <p:cSld>
+    <p:spTree>
+      <p:nvGrpSpPr>
+        <p:cNvPr id="1" name=""/>
+        <p:cNvGrpSpPr/>
+        <p:nvPr/>
+      </p:nvGrpSpPr>
+      <p:grpSpPr>
+        <a:xfrm>
+          <a:off x="0" y="0"/>
+          <a:ext cx="0" cy="0"/>
+          <a:chOff x="0" y="0"/>
+          <a:chExt cx="0" cy="0"/>
+        </a:xfrm>
+      </p:grpSpPr>
+      <p:sp>
+        <p:nvSpPr>
+          <p:cNvPr id="76" name="PlaceHolder 1"/>
+          <p:cNvSpPr>
+            <a:spLocks noGrp="1"/>
+          </p:cNvSpPr>
+          <p:nvPr>
+            <p:ph type="title"/>
+          </p:nvPr>
+        </p:nvSpPr>
+        <p:spPr>
+          <a:xfrm>
+            <a:off x="504000" y="226080"/>
+            <a:ext cx="9070560" cy="945360"/>
           </a:xfrm>
           <a:prstGeom prst="rect">
             <a:avLst/>
@@ -1430,7 +4650,7 @@
       </p:sp>
       <p:sp>
         <p:nvSpPr>
-          <p:cNvPr id="1" name="PlaceHolder 2"/>
+          <p:cNvPr id="77" name="PlaceHolder 2"/>
           <p:cNvSpPr>
             <a:spLocks noGrp="1"/>
           </p:cNvSpPr>
@@ -1441,7 +4661,7 @@
         <p:spPr>
           <a:xfrm>
             <a:off x="504000" y="1326600"/>
-            <a:ext cx="9071640" cy="3288240"/>
+            <a:ext cx="9071280" cy="3287880"/>
           </a:xfrm>
           <a:prstGeom prst="rect">
             <a:avLst/>
@@ -1611,18 +4831,18 @@
   </p:cSld>
   <p:clrMap bg1="lt1" bg2="lt2" tx1="dk1" tx2="dk2" accent1="accent1" accent2="accent2" accent3="accent3" accent4="accent4" accent5="accent5" accent6="accent6" hlink="hlink" folHlink="folHlink"/>
   <p:sldLayoutIdLst>
-    <p:sldLayoutId id="2147483649" r:id="rId2"/>
-    <p:sldLayoutId id="2147483650" r:id="rId3"/>
-    <p:sldLayoutId id="2147483651" r:id="rId4"/>
-    <p:sldLayoutId id="2147483652" r:id="rId5"/>
-    <p:sldLayoutId id="2147483653" r:id="rId6"/>
-    <p:sldLayoutId id="2147483654" r:id="rId7"/>
-    <p:sldLayoutId id="2147483655" r:id="rId8"/>
-    <p:sldLayoutId id="2147483656" r:id="rId9"/>
-    <p:sldLayoutId id="2147483657" r:id="rId10"/>
-    <p:sldLayoutId id="2147483658" r:id="rId11"/>
-    <p:sldLayoutId id="2147483659" r:id="rId12"/>
-    <p:sldLayoutId id="2147483660" r:id="rId13"/>
+    <p:sldLayoutId id="2147483675" r:id="rId2"/>
+    <p:sldLayoutId id="2147483676" r:id="rId3"/>
+    <p:sldLayoutId id="2147483677" r:id="rId4"/>
+    <p:sldLayoutId id="2147483678" r:id="rId5"/>
+    <p:sldLayoutId id="2147483679" r:id="rId6"/>
+    <p:sldLayoutId id="2147483680" r:id="rId7"/>
+    <p:sldLayoutId id="2147483681" r:id="rId8"/>
+    <p:sldLayoutId id="2147483682" r:id="rId9"/>
+    <p:sldLayoutId id="2147483683" r:id="rId10"/>
+    <p:sldLayoutId id="2147483684" r:id="rId11"/>
+    <p:sldLayoutId id="2147483685" r:id="rId12"/>
+    <p:sldLayoutId id="2147483686" r:id="rId13"/>
   </p:sldLayoutIdLst>
 </p:sldMaster>
 </file>
@@ -1646,14 +4866,14 @@
       </p:grpSpPr>
       <p:sp>
         <p:nvSpPr>
-          <p:cNvPr id="38" name=""/>
+          <p:cNvPr id="114" name=""/>
           <p:cNvSpPr/>
           <p:nvPr/>
         </p:nvSpPr>
         <p:spPr>
           <a:xfrm>
             <a:off x="504000" y="226080"/>
-            <a:ext cx="9070920" cy="945720"/>
+            <a:ext cx="9070560" cy="945360"/>
           </a:xfrm>
           <a:prstGeom prst="rect">
             <a:avLst/>
@@ -1672,14 +4892,14 @@
       </p:sp>
       <p:sp>
         <p:nvSpPr>
-          <p:cNvPr id="39" name=""/>
+          <p:cNvPr id="115" name=""/>
           <p:cNvSpPr/>
           <p:nvPr/>
         </p:nvSpPr>
         <p:spPr>
           <a:xfrm>
             <a:off x="504000" y="1326600"/>
-            <a:ext cx="9070920" cy="3287520"/>
+            <a:ext cx="9070560" cy="3287160"/>
           </a:xfrm>
           <a:prstGeom prst="rect">
             <a:avLst/>
@@ -1698,7 +4918,7 @@
       </p:sp>
       <p:pic>
         <p:nvPicPr>
-          <p:cNvPr id="40" name="Imagem 8" descr=""/>
+          <p:cNvPr id="116" name="Imagem 8" descr=""/>
           <p:cNvPicPr/>
           <p:nvPr/>
         </p:nvPicPr>
@@ -1709,7 +4929,7 @@
         <p:spPr>
           <a:xfrm>
             <a:off x="1980000" y="101880"/>
-            <a:ext cx="6119640" cy="2121840"/>
+            <a:ext cx="6119280" cy="2121480"/>
           </a:xfrm>
           <a:prstGeom prst="rect">
             <a:avLst/>
@@ -1721,7 +4941,7 @@
       </p:pic>
       <p:sp>
         <p:nvSpPr>
-          <p:cNvPr id="41" name="Conexão reta 12"/>
+          <p:cNvPr id="117" name="Conexão reta 12"/>
           <p:cNvSpPr/>
           <p:nvPr/>
         </p:nvSpPr>
@@ -1754,14 +4974,14 @@
       </p:sp>
       <p:sp>
         <p:nvSpPr>
-          <p:cNvPr id="42" name=""/>
+          <p:cNvPr id="118" name=""/>
           <p:cNvSpPr/>
           <p:nvPr/>
         </p:nvSpPr>
         <p:spPr>
           <a:xfrm>
             <a:off x="2480760" y="2253960"/>
-            <a:ext cx="5089320" cy="445680"/>
+            <a:ext cx="5088960" cy="445320"/>
           </a:xfrm>
           <a:prstGeom prst="rect">
             <a:avLst/>
@@ -1805,14 +5025,14 @@
       </p:sp>
       <p:sp>
         <p:nvSpPr>
-          <p:cNvPr id="43" name=""/>
+          <p:cNvPr id="119" name=""/>
           <p:cNvSpPr/>
           <p:nvPr/>
         </p:nvSpPr>
         <p:spPr>
           <a:xfrm>
             <a:off x="2584800" y="3347640"/>
-            <a:ext cx="4619880" cy="1266480"/>
+            <a:ext cx="4619520" cy="1266120"/>
           </a:xfrm>
           <a:prstGeom prst="rect">
             <a:avLst/>
@@ -1986,14 +5206,14 @@
       </p:sp>
       <p:sp>
         <p:nvSpPr>
-          <p:cNvPr id="44" name=""/>
+          <p:cNvPr id="120" name=""/>
           <p:cNvSpPr/>
           <p:nvPr/>
         </p:nvSpPr>
         <p:spPr>
           <a:xfrm>
             <a:off x="2584800" y="2817720"/>
-            <a:ext cx="4795200" cy="602280"/>
+            <a:ext cx="4794840" cy="601920"/>
           </a:xfrm>
           <a:prstGeom prst="rect">
             <a:avLst/>
@@ -2021,7 +5241,11 @@
             </a:pPr>
             <a:r>
               <a:rPr b="0" lang="pt-PT" sz="1800" spc="-1" strike="noStrike">
+                <a:solidFill>
+                  <a:srgbClr val="000000"/>
+                </a:solidFill>
                 <a:latin typeface="Arial"/>
+                <a:ea typeface="DejaVu Sans"/>
               </a:rPr>
               <a:t>Navegação nos transportes públicos do Porto</a:t>
             </a:r>
@@ -2063,14 +5287,14 @@
       </p:grpSpPr>
       <p:sp>
         <p:nvSpPr>
-          <p:cNvPr id="45" name=""/>
+          <p:cNvPr id="121" name=""/>
           <p:cNvSpPr/>
           <p:nvPr/>
         </p:nvSpPr>
         <p:spPr>
           <a:xfrm>
             <a:off x="540000" y="0"/>
-            <a:ext cx="9070920" cy="945720"/>
+            <a:ext cx="9070560" cy="945360"/>
           </a:xfrm>
           <a:prstGeom prst="rect">
             <a:avLst/>
@@ -2098,7 +5322,11 @@
             </a:pPr>
             <a:r>
               <a:rPr b="0" lang="pt-PT" sz="3200" spc="-1" strike="noStrike">
+                <a:solidFill>
+                  <a:srgbClr val="000000"/>
+                </a:solidFill>
                 <a:latin typeface="Arial"/>
+                <a:ea typeface="DejaVu Sans"/>
               </a:rPr>
               <a:t>Diagrama das classes</a:t>
             </a:r>
@@ -2140,14 +5368,14 @@
       </p:grpSpPr>
       <p:sp>
         <p:nvSpPr>
-          <p:cNvPr id="46" name=""/>
+          <p:cNvPr id="122" name=""/>
           <p:cNvSpPr/>
           <p:nvPr/>
         </p:nvSpPr>
         <p:spPr>
           <a:xfrm>
             <a:off x="468720" y="-45720"/>
-            <a:ext cx="9070920" cy="945720"/>
+            <a:ext cx="9070560" cy="945360"/>
           </a:xfrm>
           <a:prstGeom prst="rect">
             <a:avLst/>
@@ -2175,13 +5403,21 @@
             </a:pPr>
             <a:r>
               <a:rPr b="0" lang="pt-PT" sz="3200" spc="-1" strike="noStrike">
+                <a:solidFill>
+                  <a:srgbClr val="000000"/>
+                </a:solidFill>
                 <a:latin typeface="Arial"/>
+                <a:ea typeface="DejaVu Sans"/>
               </a:rPr>
               <a:t>Leitura do dataset</a:t>
             </a:r>
             <a:r>
               <a:rPr b="0" lang="pt-PT" sz="4400" spc="-1" strike="noStrike">
+                <a:solidFill>
+                  <a:srgbClr val="000000"/>
+                </a:solidFill>
                 <a:latin typeface="Arial"/>
+                <a:ea typeface="DejaVu Sans"/>
               </a:rPr>
               <a:t> </a:t>
             </a:r>
@@ -2193,14 +5429,14 @@
       </p:sp>
       <p:sp>
         <p:nvSpPr>
-          <p:cNvPr id="47" name=""/>
+          <p:cNvPr id="123" name=""/>
           <p:cNvSpPr/>
           <p:nvPr/>
         </p:nvSpPr>
         <p:spPr>
           <a:xfrm>
             <a:off x="504000" y="1326600"/>
-            <a:ext cx="9071640" cy="3288240"/>
+            <a:ext cx="9071280" cy="3287880"/>
           </a:xfrm>
           <a:prstGeom prst="rect">
             <a:avLst/>
@@ -2219,14 +5455,14 @@
       </p:sp>
       <p:sp>
         <p:nvSpPr>
-          <p:cNvPr id="48" name=""/>
-          <p:cNvSpPr txBox="1"/>
+          <p:cNvPr id="124" name=""/>
+          <p:cNvSpPr/>
           <p:nvPr/>
         </p:nvSpPr>
         <p:spPr>
           <a:xfrm>
             <a:off x="504000" y="1326600"/>
-            <a:ext cx="9071640" cy="4253400"/>
+            <a:ext cx="9071280" cy="4253040"/>
           </a:xfrm>
           <a:prstGeom prst="rect">
             <a:avLst/>
@@ -2236,12 +5472,21 @@
             <a:noFill/>
           </a:ln>
         </p:spPr>
-        <p:txBody>
-          <a:bodyPr lIns="0" rIns="0" tIns="0" bIns="0">
-            <a:normAutofit/>
-          </a:bodyPr>
-          <a:p>
-            <a:pPr marL="432000" indent="-324000">
+        <p:style>
+          <a:lnRef idx="0"/>
+          <a:fillRef idx="0"/>
+          <a:effectRef idx="0"/>
+          <a:fontRef idx="minor"/>
+        </p:style>
+        <p:txBody>
+          <a:bodyPr lIns="0" rIns="0" tIns="0" bIns="0">
+            <a:normAutofit/>
+          </a:bodyPr>
+          <a:p>
+            <a:pPr marL="432000" indent="-323640">
+              <a:lnSpc>
+                <a:spcPct val="100000"/>
+              </a:lnSpc>
               <a:spcBef>
                 <a:spcPts val="1417"/>
               </a:spcBef>
@@ -2263,7 +5508,10 @@
             </a:endParaRPr>
           </a:p>
           <a:p>
-            <a:pPr marL="432000" indent="-324000">
+            <a:pPr marL="432000" indent="-323640">
+              <a:lnSpc>
+                <a:spcPct val="100000"/>
+              </a:lnSpc>
               <a:spcBef>
                 <a:spcPts val="1417"/>
               </a:spcBef>
@@ -2278,20 +5526,17 @@
               <a:rPr b="0" lang="pt-PT" sz="2000" spc="-1" strike="noStrike">
                 <a:latin typeface="Arial"/>
               </a:rPr>
-              <a:t>A leitura dos dados é feita a partir da ferramenta utils::File::readFile</a:t>
-            </a:r>
-            <a:r>
-              <a:rPr b="0" lang="pt-PT" sz="2000" spc="-1" strike="noStrike">
-                <a:latin typeface="Arial"/>
-              </a:rPr>
-              <a:t> que retorna um vetor de strings(cada elemento é uma linha do ficheiro);</a:t>
+              <a:t>A leitura dos dados é feita a partir da ferramenta utils::File::readFile que retorna um vetor de strings(cada elemento é uma linha do ficheiro);</a:t>
             </a:r>
             <a:endParaRPr b="0" lang="pt-PT" sz="2000" spc="-1" strike="noStrike">
               <a:latin typeface="Arial"/>
             </a:endParaRPr>
           </a:p>
           <a:p>
-            <a:pPr marL="432000" indent="-324000">
+            <a:pPr marL="432000" indent="-323640">
+              <a:lnSpc>
+                <a:spcPct val="100000"/>
+              </a:lnSpc>
               <a:spcBef>
                 <a:spcPts val="1417"/>
               </a:spcBef>
@@ -2313,7 +5558,10 @@
             </a:endParaRPr>
           </a:p>
           <a:p>
-            <a:pPr marL="432000" indent="-324000">
+            <a:pPr marL="432000" indent="-323640">
+              <a:lnSpc>
+                <a:spcPct val="100000"/>
+              </a:lnSpc>
               <a:spcBef>
                 <a:spcPts val="1417"/>
               </a:spcBef>
@@ -2368,14 +5616,14 @@
       </p:grpSpPr>
       <p:sp>
         <p:nvSpPr>
-          <p:cNvPr id="49" name=""/>
-          <p:cNvSpPr txBox="1"/>
+          <p:cNvPr id="125" name=""/>
+          <p:cNvSpPr/>
           <p:nvPr/>
         </p:nvSpPr>
         <p:spPr>
           <a:xfrm>
             <a:off x="649080" y="-45720"/>
-            <a:ext cx="9070920" cy="945720"/>
+            <a:ext cx="9070560" cy="945360"/>
           </a:xfrm>
           <a:prstGeom prst="rect">
             <a:avLst/>
@@ -2385,6 +5633,12 @@
             <a:noFill/>
           </a:ln>
         </p:spPr>
+        <p:style>
+          <a:lnRef idx="0"/>
+          <a:fillRef idx="0"/>
+          <a:effectRef idx="0"/>
+          <a:fontRef idx="minor"/>
+        </p:style>
         <p:txBody>
           <a:bodyPr lIns="0" rIns="0" tIns="0" bIns="0" anchor="ctr">
             <a:noAutofit/>
@@ -2415,14 +5669,14 @@
       </p:sp>
       <p:sp>
         <p:nvSpPr>
-          <p:cNvPr id="50" name=""/>
-          <p:cNvSpPr txBox="1"/>
+          <p:cNvPr id="126" name=""/>
+          <p:cNvSpPr/>
           <p:nvPr/>
         </p:nvSpPr>
         <p:spPr>
           <a:xfrm>
             <a:off x="504000" y="1326600"/>
-            <a:ext cx="9071640" cy="3288240"/>
+            <a:ext cx="9071280" cy="3287880"/>
           </a:xfrm>
           <a:prstGeom prst="rect">
             <a:avLst/>
@@ -2432,12 +5686,21 @@
             <a:noFill/>
           </a:ln>
         </p:spPr>
-        <p:txBody>
-          <a:bodyPr lIns="0" rIns="0" tIns="0" bIns="0">
-            <a:normAutofit/>
-          </a:bodyPr>
-          <a:p>
-            <a:pPr marL="432000" indent="-324000">
+        <p:style>
+          <a:lnRef idx="0"/>
+          <a:fillRef idx="0"/>
+          <a:effectRef idx="0"/>
+          <a:fontRef idx="minor"/>
+        </p:style>
+        <p:txBody>
+          <a:bodyPr lIns="0" rIns="0" tIns="0" bIns="0">
+            <a:normAutofit/>
+          </a:bodyPr>
+          <a:p>
+            <a:pPr marL="432000" indent="-323640">
+              <a:lnSpc>
+                <a:spcPct val="100000"/>
+              </a:lnSpc>
               <a:spcBef>
                 <a:spcPts val="1417"/>
               </a:spcBef>
@@ -2449,12 +5712,87 @@
               <a:buChar char=""/>
             </a:pPr>
             <a:r>
-              <a:rPr b="0" lang="pt-PT" sz="3200" spc="-1" strike="noStrike">
+              <a:rPr b="0" lang="pt-PT" sz="2000" spc="-1" strike="noStrike">
                 <a:latin typeface="Arial"/>
               </a:rPr>
-              <a:t>1-2 slides</a:t>
+              <a:t>O dataset é caracterizado dois grafos direcionados, um para a rede noturna e outro para a rede diurna;</a:t>
             </a:r>
-            <a:endParaRPr b="0" lang="pt-PT" sz="3200" spc="-1" strike="noStrike">
+            <a:endParaRPr b="0" lang="pt-PT" sz="2000" spc="-1" strike="noStrike">
+              <a:latin typeface="Arial"/>
+            </a:endParaRPr>
+          </a:p>
+          <a:p>
+            <a:pPr marL="432000" indent="-323640">
+              <a:lnSpc>
+                <a:spcPct val="100000"/>
+              </a:lnSpc>
+              <a:spcBef>
+                <a:spcPts val="1417"/>
+              </a:spcBef>
+              <a:buClr>
+                <a:srgbClr val="000000"/>
+              </a:buClr>
+              <a:buSzPct val="45000"/>
+              <a:buFont typeface="Wingdings" charset="2"/>
+              <a:buChar char=""/>
+            </a:pPr>
+            <a:r>
+              <a:rPr b="0" lang="pt-PT" sz="2000" spc="-1" strike="noStrike">
+                <a:latin typeface="Arial"/>
+              </a:rPr>
+              <a:t>Os vértices dos grafos estão representados por um unordered_map, onde a chave corresponde ao código da paragem e o valor corresponde ao node(struct Node);</a:t>
+            </a:r>
+            <a:endParaRPr b="0" lang="pt-PT" sz="2000" spc="-1" strike="noStrike">
+              <a:latin typeface="Arial"/>
+            </a:endParaRPr>
+          </a:p>
+          <a:p>
+            <a:pPr marL="432000" indent="-323640">
+              <a:lnSpc>
+                <a:spcPct val="100000"/>
+              </a:lnSpc>
+              <a:spcBef>
+                <a:spcPts val="1417"/>
+              </a:spcBef>
+              <a:buClr>
+                <a:srgbClr val="000000"/>
+              </a:buClr>
+              <a:buSzPct val="45000"/>
+              <a:buFont typeface="Wingdings" charset="2"/>
+              <a:buChar char=""/>
+            </a:pPr>
+            <a:r>
+              <a:rPr b="0" lang="pt-PT" sz="2000" spc="-1" strike="noStrike">
+                <a:latin typeface="Arial"/>
+              </a:rPr>
+              <a:t>-Cada nó guarda um apontador para uma paragem, a lista de arestas, uma variável booleana visited e outras variáveis usadas nos algoritmos;</a:t>
+            </a:r>
+            <a:endParaRPr b="0" lang="pt-PT" sz="2000" spc="-1" strike="noStrike">
+              <a:latin typeface="Arial"/>
+            </a:endParaRPr>
+          </a:p>
+          <a:p>
+            <a:pPr marL="432000" indent="-323640">
+              <a:lnSpc>
+                <a:spcPct val="100000"/>
+              </a:lnSpc>
+              <a:spcBef>
+                <a:spcPts val="1417"/>
+              </a:spcBef>
+              <a:buClr>
+                <a:srgbClr val="000000"/>
+              </a:buClr>
+              <a:buSzPct val="45000"/>
+              <a:buFont typeface="Wingdings" charset="2"/>
+              <a:buChar char=""/>
+            </a:pPr>
+            <a:r>
+              <a:rPr b="0" lang="pt-PT" sz="2000" spc="-1" strike="noStrike">
+                <a:latin typeface="Arial"/>
+              </a:rPr>
+              <a:t>As arestas dispõem de uma variável que guarda o destino(código da paragem), a distância e um código que identifica a aresta.</a:t>
+            </a:r>
+            <a:endParaRPr b="0" lang="pt-PT" sz="2000" spc="-1" strike="noStrike">
               <a:latin typeface="Arial"/>
             </a:endParaRPr>
           </a:p>
@@ -2492,14 +5830,14 @@
       </p:grpSpPr>
       <p:sp>
         <p:nvSpPr>
-          <p:cNvPr id="51" name=""/>
-          <p:cNvSpPr txBox="1"/>
+          <p:cNvPr id="127" name=""/>
+          <p:cNvSpPr/>
           <p:nvPr/>
         </p:nvSpPr>
         <p:spPr>
           <a:xfrm>
             <a:off x="540000" y="0"/>
-            <a:ext cx="9070920" cy="945720"/>
+            <a:ext cx="9070560" cy="945360"/>
           </a:xfrm>
           <a:prstGeom prst="rect">
             <a:avLst/>
@@ -2509,6 +5847,12 @@
             <a:noFill/>
           </a:ln>
         </p:spPr>
+        <p:style>
+          <a:lnRef idx="0"/>
+          <a:fillRef idx="0"/>
+          <a:effectRef idx="0"/>
+          <a:fontRef idx="minor"/>
+        </p:style>
         <p:txBody>
           <a:bodyPr lIns="0" rIns="0" tIns="0" bIns="0" anchor="ctr">
             <a:noAutofit/>
@@ -2533,14 +5877,14 @@
       </p:sp>
       <p:sp>
         <p:nvSpPr>
-          <p:cNvPr id="52" name=""/>
-          <p:cNvSpPr txBox="1"/>
+          <p:cNvPr id="128" name=""/>
+          <p:cNvSpPr/>
           <p:nvPr/>
         </p:nvSpPr>
         <p:spPr>
           <a:xfrm>
             <a:off x="504000" y="1326600"/>
-            <a:ext cx="9071640" cy="3288240"/>
+            <a:ext cx="9071280" cy="3287880"/>
           </a:xfrm>
           <a:prstGeom prst="rect">
             <a:avLst/>
@@ -2550,12 +5894,21 @@
             <a:noFill/>
           </a:ln>
         </p:spPr>
+        <p:style>
+          <a:lnRef idx="0"/>
+          <a:fillRef idx="0"/>
+          <a:effectRef idx="0"/>
+          <a:fontRef idx="minor"/>
+        </p:style>
         <p:txBody>
           <a:bodyPr lIns="0" rIns="0" tIns="0" bIns="0">
             <a:normAutofit fontScale="51000"/>
           </a:bodyPr>
           <a:p>
-            <a:pPr marL="432000" indent="-324000">
+            <a:pPr marL="432000" indent="-323640">
+              <a:lnSpc>
+                <a:spcPct val="100000"/>
+              </a:lnSpc>
               <a:spcBef>
                 <a:spcPts val="1417"/>
               </a:spcBef>
@@ -2577,7 +5930,10 @@
             </a:endParaRPr>
           </a:p>
           <a:p>
-            <a:pPr marL="432000" indent="-324000">
+            <a:pPr marL="432000" indent="-323640">
+              <a:lnSpc>
+                <a:spcPct val="100000"/>
+              </a:lnSpc>
               <a:spcBef>
                 <a:spcPts val="1417"/>
               </a:spcBef>
@@ -2599,7 +5955,10 @@
             </a:endParaRPr>
           </a:p>
           <a:p>
-            <a:pPr marL="432000" indent="-324000">
+            <a:pPr marL="432000" indent="-323640">
+              <a:lnSpc>
+                <a:spcPct val="100000"/>
+              </a:lnSpc>
               <a:spcBef>
                 <a:spcPts val="1417"/>
               </a:spcBef>
@@ -2621,7 +5980,10 @@
             </a:endParaRPr>
           </a:p>
           <a:p>
-            <a:pPr marL="432000" indent="-324000">
+            <a:pPr marL="432000" indent="-323640">
+              <a:lnSpc>
+                <a:spcPct val="100000"/>
+              </a:lnSpc>
               <a:spcBef>
                 <a:spcPts val="1417"/>
               </a:spcBef>
@@ -2676,14 +6038,14 @@
       </p:grpSpPr>
       <p:sp>
         <p:nvSpPr>
-          <p:cNvPr id="53" name=""/>
-          <p:cNvSpPr txBox="1"/>
+          <p:cNvPr id="129" name=""/>
+          <p:cNvSpPr/>
           <p:nvPr/>
         </p:nvSpPr>
         <p:spPr>
           <a:xfrm>
             <a:off x="504000" y="0"/>
-            <a:ext cx="9070920" cy="945720"/>
+            <a:ext cx="9070560" cy="945360"/>
           </a:xfrm>
           <a:prstGeom prst="rect">
             <a:avLst/>
@@ -2693,6 +6055,12 @@
             <a:noFill/>
           </a:ln>
         </p:spPr>
+        <p:style>
+          <a:lnRef idx="0"/>
+          <a:fillRef idx="0"/>
+          <a:effectRef idx="0"/>
+          <a:fontRef idx="minor"/>
+        </p:style>
         <p:txBody>
           <a:bodyPr lIns="0" rIns="0" tIns="0" bIns="0" anchor="ctr">
             <a:noAutofit/>
@@ -2717,14 +6085,14 @@
       </p:sp>
       <p:sp>
         <p:nvSpPr>
-          <p:cNvPr id="54" name=""/>
-          <p:cNvSpPr txBox="1"/>
+          <p:cNvPr id="130" name=""/>
+          <p:cNvSpPr/>
           <p:nvPr/>
         </p:nvSpPr>
         <p:spPr>
           <a:xfrm>
             <a:off x="504000" y="1326600"/>
-            <a:ext cx="9071640" cy="3288240"/>
+            <a:ext cx="9071280" cy="3287880"/>
           </a:xfrm>
           <a:prstGeom prst="rect">
             <a:avLst/>
@@ -2734,12 +6102,21 @@
             <a:noFill/>
           </a:ln>
         </p:spPr>
-        <p:txBody>
-          <a:bodyPr lIns="0" rIns="0" tIns="0" bIns="0">
-            <a:normAutofit/>
-          </a:bodyPr>
-          <a:p>
-            <a:pPr marL="432000" indent="-324000">
+        <p:style>
+          <a:lnRef idx="0"/>
+          <a:fillRef idx="0"/>
+          <a:effectRef idx="0"/>
+          <a:fontRef idx="minor"/>
+        </p:style>
+        <p:txBody>
+          <a:bodyPr lIns="0" rIns="0" tIns="0" bIns="0">
+            <a:normAutofit/>
+          </a:bodyPr>
+          <a:p>
+            <a:pPr marL="432000" indent="-323640">
+              <a:lnSpc>
+                <a:spcPct val="100000"/>
+              </a:lnSpc>
               <a:spcBef>
                 <a:spcPts val="1417"/>
               </a:spcBef>
@@ -2761,7 +6138,10 @@
             </a:endParaRPr>
           </a:p>
           <a:p>
-            <a:pPr marL="432000" indent="-324000">
+            <a:pPr marL="432000" indent="-323640">
+              <a:lnSpc>
+                <a:spcPct val="100000"/>
+              </a:lnSpc>
               <a:spcBef>
                 <a:spcPts val="1417"/>
               </a:spcBef>
@@ -2816,14 +6196,14 @@
       </p:grpSpPr>
       <p:sp>
         <p:nvSpPr>
-          <p:cNvPr id="55" name=""/>
-          <p:cNvSpPr txBox="1"/>
+          <p:cNvPr id="131" name=""/>
+          <p:cNvSpPr/>
           <p:nvPr/>
         </p:nvSpPr>
         <p:spPr>
           <a:xfrm>
             <a:off x="504000" y="134280"/>
-            <a:ext cx="9070920" cy="945720"/>
+            <a:ext cx="9070560" cy="945360"/>
           </a:xfrm>
           <a:prstGeom prst="rect">
             <a:avLst/>
@@ -2833,6 +6213,12 @@
             <a:noFill/>
           </a:ln>
         </p:spPr>
+        <p:style>
+          <a:lnRef idx="0"/>
+          <a:fillRef idx="0"/>
+          <a:effectRef idx="0"/>
+          <a:fontRef idx="minor"/>
+        </p:style>
         <p:txBody>
           <a:bodyPr lIns="0" rIns="0" tIns="0" bIns="0" anchor="ctr">
             <a:noAutofit/>
@@ -2857,14 +6243,14 @@
       </p:sp>
       <p:sp>
         <p:nvSpPr>
-          <p:cNvPr id="56" name=""/>
-          <p:cNvSpPr txBox="1"/>
+          <p:cNvPr id="132" name=""/>
+          <p:cNvSpPr/>
           <p:nvPr/>
         </p:nvSpPr>
         <p:spPr>
           <a:xfrm>
             <a:off x="504000" y="1326600"/>
-            <a:ext cx="9071640" cy="3288240"/>
+            <a:ext cx="9071280" cy="3287880"/>
           </a:xfrm>
           <a:prstGeom prst="rect">
             <a:avLst/>
@@ -2874,12 +6260,21 @@
             <a:noFill/>
           </a:ln>
         </p:spPr>
-        <p:txBody>
-          <a:bodyPr lIns="0" rIns="0" tIns="0" bIns="0">
-            <a:normAutofit/>
-          </a:bodyPr>
-          <a:p>
-            <a:pPr marL="432000" indent="-324000">
+        <p:style>
+          <a:lnRef idx="0"/>
+          <a:fillRef idx="0"/>
+          <a:effectRef idx="0"/>
+          <a:fontRef idx="minor"/>
+        </p:style>
+        <p:txBody>
+          <a:bodyPr lIns="0" rIns="0" tIns="0" bIns="0">
+            <a:normAutofit/>
+          </a:bodyPr>
+          <a:p>
+            <a:pPr marL="432000" indent="-323640">
+              <a:lnSpc>
+                <a:spcPct val="100000"/>
+              </a:lnSpc>
               <a:spcBef>
                 <a:spcPts val="1417"/>
               </a:spcBef>
@@ -2934,14 +6329,14 @@
       </p:grpSpPr>
       <p:sp>
         <p:nvSpPr>
-          <p:cNvPr id="57" name=""/>
-          <p:cNvSpPr txBox="1"/>
+          <p:cNvPr id="133" name=""/>
+          <p:cNvSpPr/>
           <p:nvPr/>
         </p:nvSpPr>
         <p:spPr>
           <a:xfrm>
             <a:off x="360000" y="226080"/>
-            <a:ext cx="9070920" cy="945720"/>
+            <a:ext cx="9070560" cy="945360"/>
           </a:xfrm>
           <a:prstGeom prst="rect">
             <a:avLst/>
@@ -2951,6 +6346,12 @@
             <a:noFill/>
           </a:ln>
         </p:spPr>
+        <p:style>
+          <a:lnRef idx="0"/>
+          <a:fillRef idx="0"/>
+          <a:effectRef idx="0"/>
+          <a:fontRef idx="minor"/>
+        </p:style>
         <p:txBody>
           <a:bodyPr lIns="0" rIns="0" tIns="0" bIns="0" anchor="ctr">
             <a:noAutofit/>
@@ -2975,14 +6376,14 @@
       </p:sp>
       <p:sp>
         <p:nvSpPr>
-          <p:cNvPr id="58" name=""/>
-          <p:cNvSpPr txBox="1"/>
+          <p:cNvPr id="134" name=""/>
+          <p:cNvSpPr/>
           <p:nvPr/>
         </p:nvSpPr>
         <p:spPr>
           <a:xfrm>
             <a:off x="504000" y="1031760"/>
-            <a:ext cx="9071640" cy="1848240"/>
+            <a:ext cx="9071280" cy="1847880"/>
           </a:xfrm>
           <a:prstGeom prst="rect">
             <a:avLst/>
@@ -2992,12 +6393,21 @@
             <a:noFill/>
           </a:ln>
         </p:spPr>
-        <p:txBody>
-          <a:bodyPr lIns="0" rIns="0" tIns="0" bIns="0">
-            <a:normAutofit/>
-          </a:bodyPr>
-          <a:p>
-            <a:pPr marL="432000" indent="-324000">
+        <p:style>
+          <a:lnRef idx="0"/>
+          <a:fillRef idx="0"/>
+          <a:effectRef idx="0"/>
+          <a:fontRef idx="minor"/>
+        </p:style>
+        <p:txBody>
+          <a:bodyPr lIns="0" rIns="0" tIns="0" bIns="0">
+            <a:normAutofit/>
+          </a:bodyPr>
+          <a:p>
+            <a:pPr marL="432000" indent="-323640">
+              <a:lnSpc>
+                <a:spcPct val="100000"/>
+              </a:lnSpc>
               <a:spcBef>
                 <a:spcPts val="1417"/>
               </a:spcBef>
@@ -3022,14 +6432,14 @@
       </p:sp>
       <p:sp>
         <p:nvSpPr>
-          <p:cNvPr id="59" name=""/>
-          <p:cNvSpPr txBox="1"/>
+          <p:cNvPr id="135" name=""/>
+          <p:cNvSpPr/>
           <p:nvPr/>
         </p:nvSpPr>
         <p:spPr>
           <a:xfrm>
             <a:off x="289080" y="2700000"/>
-            <a:ext cx="9070920" cy="945720"/>
+            <a:ext cx="9070560" cy="945360"/>
           </a:xfrm>
           <a:prstGeom prst="rect">
             <a:avLst/>
@@ -3039,6 +6449,12 @@
             <a:noFill/>
           </a:ln>
         </p:spPr>
+        <p:style>
+          <a:lnRef idx="0"/>
+          <a:fillRef idx="0"/>
+          <a:effectRef idx="0"/>
+          <a:fontRef idx="minor"/>
+        </p:style>
         <p:txBody>
           <a:bodyPr lIns="0" rIns="0" tIns="0" bIns="0" anchor="ctr">
             <a:noAutofit/>
@@ -3298,4 +6714,456 @@
     </a:fmtScheme>
   </a:themeElements>
 </a:theme>
+</file>
+
+<file path=ppt/theme/theme2.xml><?xml version="1.0" encoding="utf-8"?>
+<a:theme xmlns:a="http://schemas.openxmlformats.org/drawingml/2006/main" name="Office Theme">
+  <a:themeElements>
+    <a:clrScheme name="Office">
+      <a:dk1>
+        <a:sysClr val="windowText" lastClr="000000"/>
+      </a:dk1>
+      <a:lt1>
+        <a:sysClr val="window" lastClr="FFFFFF"/>
+      </a:lt1>
+      <a:dk2>
+        <a:srgbClr val="1f497d"/>
+      </a:dk2>
+      <a:lt2>
+        <a:srgbClr val="eeece1"/>
+      </a:lt2>
+      <a:accent1>
+        <a:srgbClr val="4f81bd"/>
+      </a:accent1>
+      <a:accent2>
+        <a:srgbClr val="c0504d"/>
+      </a:accent2>
+      <a:accent3>
+        <a:srgbClr val="9bbb59"/>
+      </a:accent3>
+      <a:accent4>
+        <a:srgbClr val="8064a2"/>
+      </a:accent4>
+      <a:accent5>
+        <a:srgbClr val="4bacc6"/>
+      </a:accent5>
+      <a:accent6>
+        <a:srgbClr val="f79646"/>
+      </a:accent6>
+      <a:hlink>
+        <a:srgbClr val="0000ff"/>
+      </a:hlink>
+      <a:folHlink>
+        <a:srgbClr val="800080"/>
+      </a:folHlink>
+    </a:clrScheme>
+    <a:fontScheme name="Office">
+      <a:majorFont>
+        <a:latin typeface="Arial"/>
+        <a:ea typeface="DejaVu Sans"/>
+        <a:cs typeface="DejaVu Sans"/>
+      </a:majorFont>
+      <a:minorFont>
+        <a:latin typeface="Arial"/>
+        <a:ea typeface="DejaVu Sans"/>
+        <a:cs typeface="DejaVu Sans"/>
+      </a:minorFont>
+    </a:fontScheme>
+    <a:fmtScheme name="Office">
+      <a:fillStyleLst>
+        <a:solidFill>
+          <a:schemeClr val="phClr"/>
+        </a:solidFill>
+        <a:gradFill rotWithShape="1">
+          <a:gsLst>
+            <a:gs pos="0">
+              <a:schemeClr val="phClr">
+                <a:tint val="50000"/>
+                <a:satMod val="300000"/>
+              </a:schemeClr>
+            </a:gs>
+            <a:gs pos="35000">
+              <a:schemeClr val="phClr">
+                <a:tint val="37000"/>
+                <a:satMod val="300000"/>
+              </a:schemeClr>
+            </a:gs>
+            <a:gs pos="100000">
+              <a:schemeClr val="phClr">
+                <a:tint val="15000"/>
+                <a:satMod val="350000"/>
+              </a:schemeClr>
+            </a:gs>
+          </a:gsLst>
+          <a:lin ang="16200000" scaled="1"/>
+        </a:gradFill>
+        <a:gradFill rotWithShape="1">
+          <a:gsLst>
+            <a:gs pos="0">
+              <a:schemeClr val="phClr">
+                <a:shade val="51000"/>
+                <a:satMod val="130000"/>
+              </a:schemeClr>
+            </a:gs>
+            <a:gs pos="80000">
+              <a:schemeClr val="phClr">
+                <a:shade val="93000"/>
+                <a:satMod val="130000"/>
+              </a:schemeClr>
+            </a:gs>
+            <a:gs pos="100000">
+              <a:schemeClr val="phClr">
+                <a:shade val="94000"/>
+                <a:satMod val="135000"/>
+              </a:schemeClr>
+            </a:gs>
+          </a:gsLst>
+          <a:lin ang="16200000" scaled="0"/>
+        </a:gradFill>
+      </a:fillStyleLst>
+      <a:lnStyleLst>
+        <a:ln w="9525" cap="flat" cmpd="sng" algn="ctr">
+          <a:solidFill>
+            <a:schemeClr val="phClr">
+              <a:shade val="95000"/>
+              <a:satMod val="105000"/>
+            </a:schemeClr>
+          </a:solidFill>
+          <a:prstDash val="solid"/>
+          <a:miter/>
+        </a:ln>
+        <a:ln w="25400" cap="flat" cmpd="sng" algn="ctr">
+          <a:solidFill>
+            <a:schemeClr val="phClr"/>
+          </a:solidFill>
+          <a:prstDash val="solid"/>
+          <a:miter/>
+        </a:ln>
+        <a:ln w="38100" cap="flat" cmpd="sng" algn="ctr">
+          <a:solidFill>
+            <a:schemeClr val="phClr"/>
+          </a:solidFill>
+          <a:prstDash val="solid"/>
+          <a:miter/>
+        </a:ln>
+      </a:lnStyleLst>
+      <a:effectStyleLst>
+        <a:effectStyle>
+          <a:effectLst>
+            <a:outerShdw blurRad="40000" dist="20000" dir="5400000" rotWithShape="0">
+              <a:srgbClr val="000000">
+                <a:alpha val="38000"/>
+              </a:srgbClr>
+            </a:outerShdw>
+          </a:effectLst>
+        </a:effectStyle>
+        <a:effectStyle>
+          <a:effectLst>
+            <a:outerShdw blurRad="40000" dist="23000" dir="5400000" rotWithShape="0">
+              <a:srgbClr val="000000">
+                <a:alpha val="35000"/>
+              </a:srgbClr>
+            </a:outerShdw>
+          </a:effectLst>
+        </a:effectStyle>
+        <a:effectStyle>
+          <a:effectLst>
+            <a:outerShdw blurRad="40000" dist="23000" dir="5400000" rotWithShape="0">
+              <a:srgbClr val="000000">
+                <a:alpha val="35000"/>
+              </a:srgbClr>
+            </a:outerShdw>
+          </a:effectLst>
+          <a:scene3d>
+            <a:camera prst="orthographicFront">
+              <a:rot lat="0" lon="0" rev="0"/>
+            </a:camera>
+            <a:lightRig rig="threePt" dir="t">
+              <a:rot lat="0" lon="0" rev="1200000"/>
+            </a:lightRig>
+          </a:scene3d>
+          <a:sp3d>
+            <a:bevelT w="63500" h="25400"/>
+          </a:sp3d>
+        </a:effectStyle>
+      </a:effectStyleLst>
+      <a:bgFillStyleLst>
+        <a:solidFill>
+          <a:schemeClr val="phClr"/>
+        </a:solidFill>
+        <a:gradFill rotWithShape="1">
+          <a:gsLst>
+            <a:gs pos="0">
+              <a:schemeClr val="phClr">
+                <a:tint val="40000"/>
+                <a:satMod val="350000"/>
+              </a:schemeClr>
+            </a:gs>
+            <a:gs pos="40000">
+              <a:schemeClr val="phClr">
+                <a:tint val="45000"/>
+                <a:shade val="99000"/>
+                <a:satMod val="350000"/>
+              </a:schemeClr>
+            </a:gs>
+            <a:gs pos="100000">
+              <a:schemeClr val="phClr">
+                <a:shade val="20000"/>
+                <a:satMod val="255000"/>
+              </a:schemeClr>
+            </a:gs>
+          </a:gsLst>
+          <a:path path="circle">
+            <a:fillToRect l="50000" t="-80000" r="50000" b="180000"/>
+          </a:path>
+        </a:gradFill>
+        <a:gradFill rotWithShape="1">
+          <a:gsLst>
+            <a:gs pos="0">
+              <a:schemeClr val="phClr">
+                <a:tint val="80000"/>
+                <a:satMod val="300000"/>
+              </a:schemeClr>
+            </a:gs>
+            <a:gs pos="100000">
+              <a:schemeClr val="phClr">
+                <a:shade val="30000"/>
+                <a:satMod val="200000"/>
+              </a:schemeClr>
+            </a:gs>
+          </a:gsLst>
+          <a:path path="circle">
+            <a:fillToRect l="50000" t="50000" r="50000" b="50000"/>
+          </a:path>
+        </a:gradFill>
+      </a:bgFillStyleLst>
+    </a:fmtScheme>
+  </a:themeElements>
+</a:theme>
+</file>
+
+<file path=ppt/theme/theme3.xml><?xml version="1.0" encoding="utf-8"?>
+<a:theme xmlns:a="http://schemas.openxmlformats.org/drawingml/2006/main" name="Office Theme">
+  <a:themeElements>
+    <a:clrScheme name="Office">
+      <a:dk1>
+        <a:sysClr val="windowText" lastClr="000000"/>
+      </a:dk1>
+      <a:lt1>
+        <a:sysClr val="window" lastClr="FFFFFF"/>
+      </a:lt1>
+      <a:dk2>
+        <a:srgbClr val="1f497d"/>
+      </a:dk2>
+      <a:lt2>
+        <a:srgbClr val="eeece1"/>
+      </a:lt2>
+      <a:accent1>
+        <a:srgbClr val="4f81bd"/>
+      </a:accent1>
+      <a:accent2>
+        <a:srgbClr val="c0504d"/>
+      </a:accent2>
+      <a:accent3>
+        <a:srgbClr val="9bbb59"/>
+      </a:accent3>
+      <a:accent4>
+        <a:srgbClr val="8064a2"/>
+      </a:accent4>
+      <a:accent5>
+        <a:srgbClr val="4bacc6"/>
+      </a:accent5>
+      <a:accent6>
+        <a:srgbClr val="f79646"/>
+      </a:accent6>
+      <a:hlink>
+        <a:srgbClr val="0000ff"/>
+      </a:hlink>
+      <a:folHlink>
+        <a:srgbClr val="800080"/>
+      </a:folHlink>
+    </a:clrScheme>
+    <a:fontScheme name="Office">
+      <a:majorFont>
+        <a:latin typeface="Arial"/>
+        <a:ea typeface="DejaVu Sans"/>
+        <a:cs typeface="DejaVu Sans"/>
+      </a:majorFont>
+      <a:minorFont>
+        <a:latin typeface="Arial"/>
+        <a:ea typeface="DejaVu Sans"/>
+        <a:cs typeface="DejaVu Sans"/>
+      </a:minorFont>
+    </a:fontScheme>
+    <a:fmtScheme name="Office">
+      <a:fillStyleLst>
+        <a:solidFill>
+          <a:schemeClr val="phClr"/>
+        </a:solidFill>
+        <a:gradFill rotWithShape="1">
+          <a:gsLst>
+            <a:gs pos="0">
+              <a:schemeClr val="phClr">
+                <a:tint val="50000"/>
+                <a:satMod val="300000"/>
+              </a:schemeClr>
+            </a:gs>
+            <a:gs pos="35000">
+              <a:schemeClr val="phClr">
+                <a:tint val="37000"/>
+                <a:satMod val="300000"/>
+              </a:schemeClr>
+            </a:gs>
+            <a:gs pos="100000">
+              <a:schemeClr val="phClr">
+                <a:tint val="15000"/>
+                <a:satMod val="350000"/>
+              </a:schemeClr>
+            </a:gs>
+          </a:gsLst>
+          <a:lin ang="16200000" scaled="1"/>
+        </a:gradFill>
+        <a:gradFill rotWithShape="1">
+          <a:gsLst>
+            <a:gs pos="0">
+              <a:schemeClr val="phClr">
+                <a:shade val="51000"/>
+                <a:satMod val="130000"/>
+              </a:schemeClr>
+            </a:gs>
+            <a:gs pos="80000">
+              <a:schemeClr val="phClr">
+                <a:shade val="93000"/>
+                <a:satMod val="130000"/>
+              </a:schemeClr>
+            </a:gs>
+            <a:gs pos="100000">
+              <a:schemeClr val="phClr">
+                <a:shade val="94000"/>
+                <a:satMod val="135000"/>
+              </a:schemeClr>
+            </a:gs>
+          </a:gsLst>
+          <a:lin ang="16200000" scaled="0"/>
+        </a:gradFill>
+      </a:fillStyleLst>
+      <a:lnStyleLst>
+        <a:ln w="9525" cap="flat" cmpd="sng" algn="ctr">
+          <a:solidFill>
+            <a:schemeClr val="phClr">
+              <a:shade val="95000"/>
+              <a:satMod val="105000"/>
+            </a:schemeClr>
+          </a:solidFill>
+          <a:prstDash val="solid"/>
+          <a:miter/>
+        </a:ln>
+        <a:ln w="25400" cap="flat" cmpd="sng" algn="ctr">
+          <a:solidFill>
+            <a:schemeClr val="phClr"/>
+          </a:solidFill>
+          <a:prstDash val="solid"/>
+          <a:miter/>
+        </a:ln>
+        <a:ln w="38100" cap="flat" cmpd="sng" algn="ctr">
+          <a:solidFill>
+            <a:schemeClr val="phClr"/>
+          </a:solidFill>
+          <a:prstDash val="solid"/>
+          <a:miter/>
+        </a:ln>
+      </a:lnStyleLst>
+      <a:effectStyleLst>
+        <a:effectStyle>
+          <a:effectLst>
+            <a:outerShdw blurRad="40000" dist="20000" dir="5400000" rotWithShape="0">
+              <a:srgbClr val="000000">
+                <a:alpha val="38000"/>
+              </a:srgbClr>
+            </a:outerShdw>
+          </a:effectLst>
+        </a:effectStyle>
+        <a:effectStyle>
+          <a:effectLst>
+            <a:outerShdw blurRad="40000" dist="23000" dir="5400000" rotWithShape="0">
+              <a:srgbClr val="000000">
+                <a:alpha val="35000"/>
+              </a:srgbClr>
+            </a:outerShdw>
+          </a:effectLst>
+        </a:effectStyle>
+        <a:effectStyle>
+          <a:effectLst>
+            <a:outerShdw blurRad="40000" dist="23000" dir="5400000" rotWithShape="0">
+              <a:srgbClr val="000000">
+                <a:alpha val="35000"/>
+              </a:srgbClr>
+            </a:outerShdw>
+          </a:effectLst>
+          <a:scene3d>
+            <a:camera prst="orthographicFront">
+              <a:rot lat="0" lon="0" rev="0"/>
+            </a:camera>
+            <a:lightRig rig="threePt" dir="t">
+              <a:rot lat="0" lon="0" rev="1200000"/>
+            </a:lightRig>
+          </a:scene3d>
+          <a:sp3d>
+            <a:bevelT w="63500" h="25400"/>
+          </a:sp3d>
+        </a:effectStyle>
+      </a:effectStyleLst>
+      <a:bgFillStyleLst>
+        <a:solidFill>
+          <a:schemeClr val="phClr"/>
+        </a:solidFill>
+        <a:gradFill rotWithShape="1">
+          <a:gsLst>
+            <a:gs pos="0">
+              <a:schemeClr val="phClr">
+                <a:tint val="40000"/>
+                <a:satMod val="350000"/>
+              </a:schemeClr>
+            </a:gs>
+            <a:gs pos="40000">
+              <a:schemeClr val="phClr">
+                <a:tint val="45000"/>
+                <a:shade val="99000"/>
+                <a:satMod val="350000"/>
+              </a:schemeClr>
+            </a:gs>
+            <a:gs pos="100000">
+              <a:schemeClr val="phClr">
+                <a:shade val="20000"/>
+                <a:satMod val="255000"/>
+              </a:schemeClr>
+            </a:gs>
+          </a:gsLst>
+          <a:path path="circle">
+            <a:fillToRect l="50000" t="-80000" r="50000" b="180000"/>
+          </a:path>
+        </a:gradFill>
+        <a:gradFill rotWithShape="1">
+          <a:gsLst>
+            <a:gs pos="0">
+              <a:schemeClr val="phClr">
+                <a:tint val="80000"/>
+                <a:satMod val="300000"/>
+              </a:schemeClr>
+            </a:gs>
+            <a:gs pos="100000">
+              <a:schemeClr val="phClr">
+                <a:shade val="30000"/>
+                <a:satMod val="200000"/>
+              </a:schemeClr>
+            </a:gs>
+          </a:gsLst>
+          <a:path path="circle">
+            <a:fillToRect l="50000" t="50000" r="50000" b="50000"/>
+          </a:path>
+        </a:gradFill>
+      </a:bgFillStyleLst>
+    </a:fmtScheme>
+  </a:themeElements>
+</a:theme>
 </file>
--- a/Apresentação.pptx
+++ b/Apresentação.pptx
@@ -73,7 +73,7 @@
         <p:spPr>
           <a:xfrm>
             <a:off x="504000" y="226080"/>
-            <a:ext cx="9070560" cy="945360"/>
+            <a:ext cx="9072000" cy="946440"/>
           </a:xfrm>
           <a:prstGeom prst="rect">
             <a:avLst/>
@@ -104,7 +104,7 @@
         <p:spPr>
           <a:xfrm>
             <a:off x="504000" y="1326600"/>
-            <a:ext cx="9071280" cy="1568160"/>
+            <a:ext cx="9072000" cy="1568520"/>
           </a:xfrm>
           <a:prstGeom prst="rect">
             <a:avLst/>
@@ -133,8 +133,8 @@
         </p:nvSpPr>
         <p:spPr>
           <a:xfrm>
-            <a:off x="504000" y="3044160"/>
-            <a:ext cx="9071280" cy="1568160"/>
+            <a:off x="504000" y="3044520"/>
+            <a:ext cx="9072000" cy="1568520"/>
           </a:xfrm>
           <a:prstGeom prst="rect">
             <a:avLst/>
@@ -186,7 +186,7 @@
         <p:spPr>
           <a:xfrm>
             <a:off x="504000" y="226080"/>
-            <a:ext cx="9070560" cy="945360"/>
+            <a:ext cx="9072000" cy="946440"/>
           </a:xfrm>
           <a:prstGeom prst="rect">
             <a:avLst/>
@@ -217,7 +217,7 @@
         <p:spPr>
           <a:xfrm>
             <a:off x="504000" y="1326600"/>
-            <a:ext cx="4426560" cy="1568160"/>
+            <a:ext cx="4426920" cy="1568520"/>
           </a:xfrm>
           <a:prstGeom prst="rect">
             <a:avLst/>
@@ -246,8 +246,8 @@
         </p:nvSpPr>
         <p:spPr>
           <a:xfrm>
-            <a:off x="5152320" y="1326600"/>
-            <a:ext cx="4426560" cy="1568160"/>
+            <a:off x="5152680" y="1326600"/>
+            <a:ext cx="4426920" cy="1568520"/>
           </a:xfrm>
           <a:prstGeom prst="rect">
             <a:avLst/>
@@ -276,8 +276,8 @@
         </p:nvSpPr>
         <p:spPr>
           <a:xfrm>
-            <a:off x="504000" y="3044160"/>
-            <a:ext cx="4426560" cy="1568160"/>
+            <a:off x="504000" y="3044520"/>
+            <a:ext cx="4426920" cy="1568520"/>
           </a:xfrm>
           <a:prstGeom prst="rect">
             <a:avLst/>
@@ -306,8 +306,8 @@
         </p:nvSpPr>
         <p:spPr>
           <a:xfrm>
-            <a:off x="5152320" y="3044160"/>
-            <a:ext cx="4426560" cy="1568160"/>
+            <a:off x="5152680" y="3044520"/>
+            <a:ext cx="4426920" cy="1568520"/>
           </a:xfrm>
           <a:prstGeom prst="rect">
             <a:avLst/>
@@ -359,7 +359,7 @@
         <p:spPr>
           <a:xfrm>
             <a:off x="504000" y="226080"/>
-            <a:ext cx="9070560" cy="945360"/>
+            <a:ext cx="9072000" cy="946440"/>
           </a:xfrm>
           <a:prstGeom prst="rect">
             <a:avLst/>
@@ -390,7 +390,7 @@
         <p:spPr>
           <a:xfrm>
             <a:off x="504000" y="1326600"/>
-            <a:ext cx="2920680" cy="1568160"/>
+            <a:ext cx="2921040" cy="1568520"/>
           </a:xfrm>
           <a:prstGeom prst="rect">
             <a:avLst/>
@@ -419,8 +419,8 @@
         </p:nvSpPr>
         <p:spPr>
           <a:xfrm>
-            <a:off x="3571200" y="1326600"/>
-            <a:ext cx="2920680" cy="1568160"/>
+            <a:off x="3571560" y="1326600"/>
+            <a:ext cx="2921040" cy="1568520"/>
           </a:xfrm>
           <a:prstGeom prst="rect">
             <a:avLst/>
@@ -449,8 +449,8 @@
         </p:nvSpPr>
         <p:spPr>
           <a:xfrm>
-            <a:off x="6638040" y="1326600"/>
-            <a:ext cx="2920680" cy="1568160"/>
+            <a:off x="6639120" y="1326600"/>
+            <a:ext cx="2921040" cy="1568520"/>
           </a:xfrm>
           <a:prstGeom prst="rect">
             <a:avLst/>
@@ -479,8 +479,8 @@
         </p:nvSpPr>
         <p:spPr>
           <a:xfrm>
-            <a:off x="504000" y="3044160"/>
-            <a:ext cx="2920680" cy="1568160"/>
+            <a:off x="504000" y="3044520"/>
+            <a:ext cx="2921040" cy="1568520"/>
           </a:xfrm>
           <a:prstGeom prst="rect">
             <a:avLst/>
@@ -509,8 +509,8 @@
         </p:nvSpPr>
         <p:spPr>
           <a:xfrm>
-            <a:off x="3571200" y="3044160"/>
-            <a:ext cx="2920680" cy="1568160"/>
+            <a:off x="3571560" y="3044520"/>
+            <a:ext cx="2921040" cy="1568520"/>
           </a:xfrm>
           <a:prstGeom prst="rect">
             <a:avLst/>
@@ -539,8 +539,8 @@
         </p:nvSpPr>
         <p:spPr>
           <a:xfrm>
-            <a:off x="6638040" y="3044160"/>
-            <a:ext cx="2920680" cy="1568160"/>
+            <a:off x="6639120" y="3044520"/>
+            <a:ext cx="2921040" cy="1568520"/>
           </a:xfrm>
           <a:prstGeom prst="rect">
             <a:avLst/>
@@ -614,7 +614,7 @@
         <p:spPr>
           <a:xfrm>
             <a:off x="504000" y="226080"/>
-            <a:ext cx="9070560" cy="945360"/>
+            <a:ext cx="9072000" cy="946440"/>
           </a:xfrm>
           <a:prstGeom prst="rect">
             <a:avLst/>
@@ -645,7 +645,7 @@
         <p:spPr>
           <a:xfrm>
             <a:off x="504000" y="1326600"/>
-            <a:ext cx="9071280" cy="3287880"/>
+            <a:ext cx="9072000" cy="3288600"/>
           </a:xfrm>
           <a:prstGeom prst="rect">
             <a:avLst/>
@@ -698,7 +698,7 @@
         <p:spPr>
           <a:xfrm>
             <a:off x="504000" y="226080"/>
-            <a:ext cx="9070560" cy="945360"/>
+            <a:ext cx="9072000" cy="946440"/>
           </a:xfrm>
           <a:prstGeom prst="rect">
             <a:avLst/>
@@ -729,7 +729,7 @@
         <p:spPr>
           <a:xfrm>
             <a:off x="504000" y="1326600"/>
-            <a:ext cx="9071280" cy="3287880"/>
+            <a:ext cx="9072000" cy="3288600"/>
           </a:xfrm>
           <a:prstGeom prst="rect">
             <a:avLst/>
@@ -781,7 +781,7 @@
         <p:spPr>
           <a:xfrm>
             <a:off x="504000" y="226080"/>
-            <a:ext cx="9070560" cy="945360"/>
+            <a:ext cx="9072000" cy="946440"/>
           </a:xfrm>
           <a:prstGeom prst="rect">
             <a:avLst/>
@@ -812,7 +812,7 @@
         <p:spPr>
           <a:xfrm>
             <a:off x="504000" y="1326600"/>
-            <a:ext cx="4426560" cy="3287880"/>
+            <a:ext cx="4426920" cy="3288600"/>
           </a:xfrm>
           <a:prstGeom prst="rect">
             <a:avLst/>
@@ -841,8 +841,8 @@
         </p:nvSpPr>
         <p:spPr>
           <a:xfrm>
-            <a:off x="5152320" y="1326600"/>
-            <a:ext cx="4426560" cy="3287880"/>
+            <a:off x="5152680" y="1326600"/>
+            <a:ext cx="4426920" cy="3288600"/>
           </a:xfrm>
           <a:prstGeom prst="rect">
             <a:avLst/>
@@ -894,7 +894,7 @@
         <p:spPr>
           <a:xfrm>
             <a:off x="504000" y="226080"/>
-            <a:ext cx="9070560" cy="945360"/>
+            <a:ext cx="9072000" cy="946440"/>
           </a:xfrm>
           <a:prstGeom prst="rect">
             <a:avLst/>
@@ -947,7 +947,7 @@
         <p:spPr>
           <a:xfrm>
             <a:off x="504000" y="226080"/>
-            <a:ext cx="9070560" cy="4383360"/>
+            <a:ext cx="9072000" cy="4388400"/>
           </a:xfrm>
           <a:prstGeom prst="rect">
             <a:avLst/>
@@ -1000,7 +1000,7 @@
         <p:spPr>
           <a:xfrm>
             <a:off x="504000" y="226080"/>
-            <a:ext cx="9070560" cy="945360"/>
+            <a:ext cx="9072000" cy="946440"/>
           </a:xfrm>
           <a:prstGeom prst="rect">
             <a:avLst/>
@@ -1031,7 +1031,7 @@
         <p:spPr>
           <a:xfrm>
             <a:off x="504000" y="1326600"/>
-            <a:ext cx="4426560" cy="1568160"/>
+            <a:ext cx="4426920" cy="1568520"/>
           </a:xfrm>
           <a:prstGeom prst="rect">
             <a:avLst/>
@@ -1060,8 +1060,8 @@
         </p:nvSpPr>
         <p:spPr>
           <a:xfrm>
-            <a:off x="5152320" y="1326600"/>
-            <a:ext cx="4426560" cy="3287880"/>
+            <a:off x="5152680" y="1326600"/>
+            <a:ext cx="4426920" cy="3288600"/>
           </a:xfrm>
           <a:prstGeom prst="rect">
             <a:avLst/>
@@ -1090,8 +1090,8 @@
         </p:nvSpPr>
         <p:spPr>
           <a:xfrm>
-            <a:off x="504000" y="3044160"/>
-            <a:ext cx="4426560" cy="1568160"/>
+            <a:off x="504000" y="3044520"/>
+            <a:ext cx="4426920" cy="1568520"/>
           </a:xfrm>
           <a:prstGeom prst="rect">
             <a:avLst/>
@@ -1143,7 +1143,7 @@
         <p:spPr>
           <a:xfrm>
             <a:off x="504000" y="226080"/>
-            <a:ext cx="9070560" cy="945360"/>
+            <a:ext cx="9072000" cy="946440"/>
           </a:xfrm>
           <a:prstGeom prst="rect">
             <a:avLst/>
@@ -1174,7 +1174,7 @@
         <p:spPr>
           <a:xfrm>
             <a:off x="504000" y="1326600"/>
-            <a:ext cx="9071280" cy="3287880"/>
+            <a:ext cx="9072000" cy="3288600"/>
           </a:xfrm>
           <a:prstGeom prst="rect">
             <a:avLst/>
@@ -1227,7 +1227,7 @@
         <p:spPr>
           <a:xfrm>
             <a:off x="504000" y="226080"/>
-            <a:ext cx="9070560" cy="945360"/>
+            <a:ext cx="9072000" cy="946440"/>
           </a:xfrm>
           <a:prstGeom prst="rect">
             <a:avLst/>
@@ -1258,7 +1258,7 @@
         <p:spPr>
           <a:xfrm>
             <a:off x="504000" y="1326600"/>
-            <a:ext cx="4426560" cy="3287880"/>
+            <a:ext cx="4426920" cy="3288600"/>
           </a:xfrm>
           <a:prstGeom prst="rect">
             <a:avLst/>
@@ -1287,8 +1287,8 @@
         </p:nvSpPr>
         <p:spPr>
           <a:xfrm>
-            <a:off x="5152320" y="1326600"/>
-            <a:ext cx="4426560" cy="1568160"/>
+            <a:off x="5152680" y="1326600"/>
+            <a:ext cx="4426920" cy="1568520"/>
           </a:xfrm>
           <a:prstGeom prst="rect">
             <a:avLst/>
@@ -1317,8 +1317,8 @@
         </p:nvSpPr>
         <p:spPr>
           <a:xfrm>
-            <a:off x="5152320" y="3044160"/>
-            <a:ext cx="4426560" cy="1568160"/>
+            <a:off x="5152680" y="3044520"/>
+            <a:ext cx="4426920" cy="1568520"/>
           </a:xfrm>
           <a:prstGeom prst="rect">
             <a:avLst/>
@@ -1370,7 +1370,7 @@
         <p:spPr>
           <a:xfrm>
             <a:off x="504000" y="226080"/>
-            <a:ext cx="9070560" cy="945360"/>
+            <a:ext cx="9072000" cy="946440"/>
           </a:xfrm>
           <a:prstGeom prst="rect">
             <a:avLst/>
@@ -1401,7 +1401,7 @@
         <p:spPr>
           <a:xfrm>
             <a:off x="504000" y="1326600"/>
-            <a:ext cx="4426560" cy="1568160"/>
+            <a:ext cx="4426920" cy="1568520"/>
           </a:xfrm>
           <a:prstGeom prst="rect">
             <a:avLst/>
@@ -1430,8 +1430,8 @@
         </p:nvSpPr>
         <p:spPr>
           <a:xfrm>
-            <a:off x="5152320" y="1326600"/>
-            <a:ext cx="4426560" cy="1568160"/>
+            <a:off x="5152680" y="1326600"/>
+            <a:ext cx="4426920" cy="1568520"/>
           </a:xfrm>
           <a:prstGeom prst="rect">
             <a:avLst/>
@@ -1460,8 +1460,8 @@
         </p:nvSpPr>
         <p:spPr>
           <a:xfrm>
-            <a:off x="504000" y="3044160"/>
-            <a:ext cx="9071280" cy="1568160"/>
+            <a:off x="504000" y="3044520"/>
+            <a:ext cx="9072000" cy="1568520"/>
           </a:xfrm>
           <a:prstGeom prst="rect">
             <a:avLst/>
@@ -1513,7 +1513,7 @@
         <p:spPr>
           <a:xfrm>
             <a:off x="504000" y="226080"/>
-            <a:ext cx="9070560" cy="945360"/>
+            <a:ext cx="9072000" cy="946440"/>
           </a:xfrm>
           <a:prstGeom prst="rect">
             <a:avLst/>
@@ -1544,7 +1544,7 @@
         <p:spPr>
           <a:xfrm>
             <a:off x="504000" y="1326600"/>
-            <a:ext cx="9071280" cy="1568160"/>
+            <a:ext cx="9072000" cy="1568520"/>
           </a:xfrm>
           <a:prstGeom prst="rect">
             <a:avLst/>
@@ -1573,8 +1573,8 @@
         </p:nvSpPr>
         <p:spPr>
           <a:xfrm>
-            <a:off x="504000" y="3044160"/>
-            <a:ext cx="9071280" cy="1568160"/>
+            <a:off x="504000" y="3044520"/>
+            <a:ext cx="9072000" cy="1568520"/>
           </a:xfrm>
           <a:prstGeom prst="rect">
             <a:avLst/>
@@ -1626,7 +1626,7 @@
         <p:spPr>
           <a:xfrm>
             <a:off x="504000" y="226080"/>
-            <a:ext cx="9070560" cy="945360"/>
+            <a:ext cx="9072000" cy="946440"/>
           </a:xfrm>
           <a:prstGeom prst="rect">
             <a:avLst/>
@@ -1657,7 +1657,7 @@
         <p:spPr>
           <a:xfrm>
             <a:off x="504000" y="1326600"/>
-            <a:ext cx="4426560" cy="1568160"/>
+            <a:ext cx="4426920" cy="1568520"/>
           </a:xfrm>
           <a:prstGeom prst="rect">
             <a:avLst/>
@@ -1686,8 +1686,8 @@
         </p:nvSpPr>
         <p:spPr>
           <a:xfrm>
-            <a:off x="5152320" y="1326600"/>
-            <a:ext cx="4426560" cy="1568160"/>
+            <a:off x="5152680" y="1326600"/>
+            <a:ext cx="4426920" cy="1568520"/>
           </a:xfrm>
           <a:prstGeom prst="rect">
             <a:avLst/>
@@ -1716,8 +1716,8 @@
         </p:nvSpPr>
         <p:spPr>
           <a:xfrm>
-            <a:off x="504000" y="3044160"/>
-            <a:ext cx="4426560" cy="1568160"/>
+            <a:off x="504000" y="3044520"/>
+            <a:ext cx="4426920" cy="1568520"/>
           </a:xfrm>
           <a:prstGeom prst="rect">
             <a:avLst/>
@@ -1746,8 +1746,8 @@
         </p:nvSpPr>
         <p:spPr>
           <a:xfrm>
-            <a:off x="5152320" y="3044160"/>
-            <a:ext cx="4426560" cy="1568160"/>
+            <a:off x="5152680" y="3044520"/>
+            <a:ext cx="4426920" cy="1568520"/>
           </a:xfrm>
           <a:prstGeom prst="rect">
             <a:avLst/>
@@ -1799,7 +1799,7 @@
         <p:spPr>
           <a:xfrm>
             <a:off x="504000" y="226080"/>
-            <a:ext cx="9070560" cy="945360"/>
+            <a:ext cx="9072000" cy="946440"/>
           </a:xfrm>
           <a:prstGeom prst="rect">
             <a:avLst/>
@@ -1830,7 +1830,7 @@
         <p:spPr>
           <a:xfrm>
             <a:off x="504000" y="1326600"/>
-            <a:ext cx="2920680" cy="1568160"/>
+            <a:ext cx="2921040" cy="1568520"/>
           </a:xfrm>
           <a:prstGeom prst="rect">
             <a:avLst/>
@@ -1859,8 +1859,8 @@
         </p:nvSpPr>
         <p:spPr>
           <a:xfrm>
-            <a:off x="3571200" y="1326600"/>
-            <a:ext cx="2920680" cy="1568160"/>
+            <a:off x="3571560" y="1326600"/>
+            <a:ext cx="2921040" cy="1568520"/>
           </a:xfrm>
           <a:prstGeom prst="rect">
             <a:avLst/>
@@ -1889,8 +1889,8 @@
         </p:nvSpPr>
         <p:spPr>
           <a:xfrm>
-            <a:off x="6638040" y="1326600"/>
-            <a:ext cx="2920680" cy="1568160"/>
+            <a:off x="6639120" y="1326600"/>
+            <a:ext cx="2921040" cy="1568520"/>
           </a:xfrm>
           <a:prstGeom prst="rect">
             <a:avLst/>
@@ -1919,8 +1919,8 @@
         </p:nvSpPr>
         <p:spPr>
           <a:xfrm>
-            <a:off x="504000" y="3044160"/>
-            <a:ext cx="2920680" cy="1568160"/>
+            <a:off x="504000" y="3044520"/>
+            <a:ext cx="2921040" cy="1568520"/>
           </a:xfrm>
           <a:prstGeom prst="rect">
             <a:avLst/>
@@ -1949,8 +1949,8 @@
         </p:nvSpPr>
         <p:spPr>
           <a:xfrm>
-            <a:off x="3571200" y="3044160"/>
-            <a:ext cx="2920680" cy="1568160"/>
+            <a:off x="3571560" y="3044520"/>
+            <a:ext cx="2921040" cy="1568520"/>
           </a:xfrm>
           <a:prstGeom prst="rect">
             <a:avLst/>
@@ -1979,8 +1979,8 @@
         </p:nvSpPr>
         <p:spPr>
           <a:xfrm>
-            <a:off x="6638040" y="3044160"/>
-            <a:ext cx="2920680" cy="1568160"/>
+            <a:off x="6639120" y="3044520"/>
+            <a:ext cx="2921040" cy="1568520"/>
           </a:xfrm>
           <a:prstGeom prst="rect">
             <a:avLst/>
@@ -2054,7 +2054,7 @@
         <p:spPr>
           <a:xfrm>
             <a:off x="504000" y="226080"/>
-            <a:ext cx="9070560" cy="945360"/>
+            <a:ext cx="9072000" cy="946440"/>
           </a:xfrm>
           <a:prstGeom prst="rect">
             <a:avLst/>
@@ -2085,7 +2085,7 @@
         <p:spPr>
           <a:xfrm>
             <a:off x="504000" y="1326600"/>
-            <a:ext cx="9071280" cy="3287880"/>
+            <a:ext cx="9072000" cy="3288600"/>
           </a:xfrm>
           <a:prstGeom prst="rect">
             <a:avLst/>
@@ -2138,7 +2138,7 @@
         <p:spPr>
           <a:xfrm>
             <a:off x="504000" y="226080"/>
-            <a:ext cx="9070560" cy="945360"/>
+            <a:ext cx="9072000" cy="946440"/>
           </a:xfrm>
           <a:prstGeom prst="rect">
             <a:avLst/>
@@ -2169,7 +2169,7 @@
         <p:spPr>
           <a:xfrm>
             <a:off x="504000" y="1326600"/>
-            <a:ext cx="9071280" cy="3287880"/>
+            <a:ext cx="9072000" cy="3288600"/>
           </a:xfrm>
           <a:prstGeom prst="rect">
             <a:avLst/>
@@ -2221,7 +2221,7 @@
         <p:spPr>
           <a:xfrm>
             <a:off x="504000" y="226080"/>
-            <a:ext cx="9070560" cy="945360"/>
+            <a:ext cx="9072000" cy="946440"/>
           </a:xfrm>
           <a:prstGeom prst="rect">
             <a:avLst/>
@@ -2252,7 +2252,7 @@
         <p:spPr>
           <a:xfrm>
             <a:off x="504000" y="1326600"/>
-            <a:ext cx="4426560" cy="3287880"/>
+            <a:ext cx="4426920" cy="3288600"/>
           </a:xfrm>
           <a:prstGeom prst="rect">
             <a:avLst/>
@@ -2281,8 +2281,8 @@
         </p:nvSpPr>
         <p:spPr>
           <a:xfrm>
-            <a:off x="5152320" y="1326600"/>
-            <a:ext cx="4426560" cy="3287880"/>
+            <a:off x="5152680" y="1326600"/>
+            <a:ext cx="4426920" cy="3288600"/>
           </a:xfrm>
           <a:prstGeom prst="rect">
             <a:avLst/>
@@ -2334,7 +2334,7 @@
         <p:spPr>
           <a:xfrm>
             <a:off x="504000" y="226080"/>
-            <a:ext cx="9070560" cy="945360"/>
+            <a:ext cx="9072000" cy="946440"/>
           </a:xfrm>
           <a:prstGeom prst="rect">
             <a:avLst/>
@@ -2387,7 +2387,7 @@
         <p:spPr>
           <a:xfrm>
             <a:off x="504000" y="226080"/>
-            <a:ext cx="9070560" cy="945360"/>
+            <a:ext cx="9072000" cy="946440"/>
           </a:xfrm>
           <a:prstGeom prst="rect">
             <a:avLst/>
@@ -2418,7 +2418,7 @@
         <p:spPr>
           <a:xfrm>
             <a:off x="504000" y="1326600"/>
-            <a:ext cx="9071280" cy="3287880"/>
+            <a:ext cx="9072000" cy="3288600"/>
           </a:xfrm>
           <a:prstGeom prst="rect">
             <a:avLst/>
@@ -2470,7 +2470,7 @@
         <p:spPr>
           <a:xfrm>
             <a:off x="504000" y="226080"/>
-            <a:ext cx="9070560" cy="4383360"/>
+            <a:ext cx="9072000" cy="4388400"/>
           </a:xfrm>
           <a:prstGeom prst="rect">
             <a:avLst/>
@@ -2523,7 +2523,7 @@
         <p:spPr>
           <a:xfrm>
             <a:off x="504000" y="226080"/>
-            <a:ext cx="9070560" cy="945360"/>
+            <a:ext cx="9072000" cy="946440"/>
           </a:xfrm>
           <a:prstGeom prst="rect">
             <a:avLst/>
@@ -2554,7 +2554,7 @@
         <p:spPr>
           <a:xfrm>
             <a:off x="504000" y="1326600"/>
-            <a:ext cx="4426560" cy="1568160"/>
+            <a:ext cx="4426920" cy="1568520"/>
           </a:xfrm>
           <a:prstGeom prst="rect">
             <a:avLst/>
@@ -2583,8 +2583,8 @@
         </p:nvSpPr>
         <p:spPr>
           <a:xfrm>
-            <a:off x="5152320" y="1326600"/>
-            <a:ext cx="4426560" cy="3287880"/>
+            <a:off x="5152680" y="1326600"/>
+            <a:ext cx="4426920" cy="3288600"/>
           </a:xfrm>
           <a:prstGeom prst="rect">
             <a:avLst/>
@@ -2613,8 +2613,8 @@
         </p:nvSpPr>
         <p:spPr>
           <a:xfrm>
-            <a:off x="504000" y="3044160"/>
-            <a:ext cx="4426560" cy="1568160"/>
+            <a:off x="504000" y="3044520"/>
+            <a:ext cx="4426920" cy="1568520"/>
           </a:xfrm>
           <a:prstGeom prst="rect">
             <a:avLst/>
@@ -2666,7 +2666,7 @@
         <p:spPr>
           <a:xfrm>
             <a:off x="504000" y="226080"/>
-            <a:ext cx="9070560" cy="945360"/>
+            <a:ext cx="9072000" cy="946440"/>
           </a:xfrm>
           <a:prstGeom prst="rect">
             <a:avLst/>
@@ -2697,7 +2697,7 @@
         <p:spPr>
           <a:xfrm>
             <a:off x="504000" y="1326600"/>
-            <a:ext cx="4426560" cy="3287880"/>
+            <a:ext cx="4426920" cy="3288600"/>
           </a:xfrm>
           <a:prstGeom prst="rect">
             <a:avLst/>
@@ -2726,8 +2726,8 @@
         </p:nvSpPr>
         <p:spPr>
           <a:xfrm>
-            <a:off x="5152320" y="1326600"/>
-            <a:ext cx="4426560" cy="1568160"/>
+            <a:off x="5152680" y="1326600"/>
+            <a:ext cx="4426920" cy="1568520"/>
           </a:xfrm>
           <a:prstGeom prst="rect">
             <a:avLst/>
@@ -2756,8 +2756,8 @@
         </p:nvSpPr>
         <p:spPr>
           <a:xfrm>
-            <a:off x="5152320" y="3044160"/>
-            <a:ext cx="4426560" cy="1568160"/>
+            <a:off x="5152680" y="3044520"/>
+            <a:ext cx="4426920" cy="1568520"/>
           </a:xfrm>
           <a:prstGeom prst="rect">
             <a:avLst/>
@@ -2809,7 +2809,7 @@
         <p:spPr>
           <a:xfrm>
             <a:off x="504000" y="226080"/>
-            <a:ext cx="9070560" cy="945360"/>
+            <a:ext cx="9072000" cy="946440"/>
           </a:xfrm>
           <a:prstGeom prst="rect">
             <a:avLst/>
@@ -2840,7 +2840,7 @@
         <p:spPr>
           <a:xfrm>
             <a:off x="504000" y="1326600"/>
-            <a:ext cx="4426560" cy="1568160"/>
+            <a:ext cx="4426920" cy="1568520"/>
           </a:xfrm>
           <a:prstGeom prst="rect">
             <a:avLst/>
@@ -2869,8 +2869,8 @@
         </p:nvSpPr>
         <p:spPr>
           <a:xfrm>
-            <a:off x="5152320" y="1326600"/>
-            <a:ext cx="4426560" cy="1568160"/>
+            <a:off x="5152680" y="1326600"/>
+            <a:ext cx="4426920" cy="1568520"/>
           </a:xfrm>
           <a:prstGeom prst="rect">
             <a:avLst/>
@@ -2899,8 +2899,8 @@
         </p:nvSpPr>
         <p:spPr>
           <a:xfrm>
-            <a:off x="504000" y="3044160"/>
-            <a:ext cx="9071280" cy="1568160"/>
+            <a:off x="504000" y="3044520"/>
+            <a:ext cx="9072000" cy="1568520"/>
           </a:xfrm>
           <a:prstGeom prst="rect">
             <a:avLst/>
@@ -2952,7 +2952,7 @@
         <p:spPr>
           <a:xfrm>
             <a:off x="504000" y="226080"/>
-            <a:ext cx="9070560" cy="945360"/>
+            <a:ext cx="9072000" cy="946440"/>
           </a:xfrm>
           <a:prstGeom prst="rect">
             <a:avLst/>
@@ -2983,7 +2983,7 @@
         <p:spPr>
           <a:xfrm>
             <a:off x="504000" y="1326600"/>
-            <a:ext cx="9071280" cy="1568160"/>
+            <a:ext cx="9072000" cy="1568520"/>
           </a:xfrm>
           <a:prstGeom prst="rect">
             <a:avLst/>
@@ -3012,8 +3012,8 @@
         </p:nvSpPr>
         <p:spPr>
           <a:xfrm>
-            <a:off x="504000" y="3044160"/>
-            <a:ext cx="9071280" cy="1568160"/>
+            <a:off x="504000" y="3044520"/>
+            <a:ext cx="9072000" cy="1568520"/>
           </a:xfrm>
           <a:prstGeom prst="rect">
             <a:avLst/>
@@ -3065,7 +3065,7 @@
         <p:spPr>
           <a:xfrm>
             <a:off x="504000" y="226080"/>
-            <a:ext cx="9070560" cy="945360"/>
+            <a:ext cx="9072000" cy="946440"/>
           </a:xfrm>
           <a:prstGeom prst="rect">
             <a:avLst/>
@@ -3096,7 +3096,7 @@
         <p:spPr>
           <a:xfrm>
             <a:off x="504000" y="1326600"/>
-            <a:ext cx="4426560" cy="1568160"/>
+            <a:ext cx="4426920" cy="1568520"/>
           </a:xfrm>
           <a:prstGeom prst="rect">
             <a:avLst/>
@@ -3125,8 +3125,8 @@
         </p:nvSpPr>
         <p:spPr>
           <a:xfrm>
-            <a:off x="5152320" y="1326600"/>
-            <a:ext cx="4426560" cy="1568160"/>
+            <a:off x="5152680" y="1326600"/>
+            <a:ext cx="4426920" cy="1568520"/>
           </a:xfrm>
           <a:prstGeom prst="rect">
             <a:avLst/>
@@ -3155,8 +3155,8 @@
         </p:nvSpPr>
         <p:spPr>
           <a:xfrm>
-            <a:off x="504000" y="3044160"/>
-            <a:ext cx="4426560" cy="1568160"/>
+            <a:off x="504000" y="3044520"/>
+            <a:ext cx="4426920" cy="1568520"/>
           </a:xfrm>
           <a:prstGeom prst="rect">
             <a:avLst/>
@@ -3185,8 +3185,8 @@
         </p:nvSpPr>
         <p:spPr>
           <a:xfrm>
-            <a:off x="5152320" y="3044160"/>
-            <a:ext cx="4426560" cy="1568160"/>
+            <a:off x="5152680" y="3044520"/>
+            <a:ext cx="4426920" cy="1568520"/>
           </a:xfrm>
           <a:prstGeom prst="rect">
             <a:avLst/>
@@ -3238,7 +3238,7 @@
         <p:spPr>
           <a:xfrm>
             <a:off x="504000" y="226080"/>
-            <a:ext cx="9070560" cy="945360"/>
+            <a:ext cx="9072000" cy="946440"/>
           </a:xfrm>
           <a:prstGeom prst="rect">
             <a:avLst/>
@@ -3269,7 +3269,7 @@
         <p:spPr>
           <a:xfrm>
             <a:off x="504000" y="1326600"/>
-            <a:ext cx="2920680" cy="1568160"/>
+            <a:ext cx="2921040" cy="1568520"/>
           </a:xfrm>
           <a:prstGeom prst="rect">
             <a:avLst/>
@@ -3298,8 +3298,8 @@
         </p:nvSpPr>
         <p:spPr>
           <a:xfrm>
-            <a:off x="3571200" y="1326600"/>
-            <a:ext cx="2920680" cy="1568160"/>
+            <a:off x="3571560" y="1326600"/>
+            <a:ext cx="2921040" cy="1568520"/>
           </a:xfrm>
           <a:prstGeom prst="rect">
             <a:avLst/>
@@ -3328,8 +3328,8 @@
         </p:nvSpPr>
         <p:spPr>
           <a:xfrm>
-            <a:off x="6638040" y="1326600"/>
-            <a:ext cx="2920680" cy="1568160"/>
+            <a:off x="6639120" y="1326600"/>
+            <a:ext cx="2921040" cy="1568520"/>
           </a:xfrm>
           <a:prstGeom prst="rect">
             <a:avLst/>
@@ -3358,8 +3358,8 @@
         </p:nvSpPr>
         <p:spPr>
           <a:xfrm>
-            <a:off x="504000" y="3044160"/>
-            <a:ext cx="2920680" cy="1568160"/>
+            <a:off x="504000" y="3044520"/>
+            <a:ext cx="2921040" cy="1568520"/>
           </a:xfrm>
           <a:prstGeom prst="rect">
             <a:avLst/>
@@ -3388,8 +3388,8 @@
         </p:nvSpPr>
         <p:spPr>
           <a:xfrm>
-            <a:off x="3571200" y="3044160"/>
-            <a:ext cx="2920680" cy="1568160"/>
+            <a:off x="3571560" y="3044520"/>
+            <a:ext cx="2921040" cy="1568520"/>
           </a:xfrm>
           <a:prstGeom prst="rect">
             <a:avLst/>
@@ -3418,8 +3418,8 @@
         </p:nvSpPr>
         <p:spPr>
           <a:xfrm>
-            <a:off x="6638040" y="3044160"/>
-            <a:ext cx="2920680" cy="1568160"/>
+            <a:off x="6639120" y="3044520"/>
+            <a:ext cx="2921040" cy="1568520"/>
           </a:xfrm>
           <a:prstGeom prst="rect">
             <a:avLst/>
@@ -3471,7 +3471,7 @@
         <p:spPr>
           <a:xfrm>
             <a:off x="504000" y="226080"/>
-            <a:ext cx="9070560" cy="945360"/>
+            <a:ext cx="9072000" cy="946440"/>
           </a:xfrm>
           <a:prstGeom prst="rect">
             <a:avLst/>
@@ -3502,7 +3502,7 @@
         <p:spPr>
           <a:xfrm>
             <a:off x="504000" y="1326600"/>
-            <a:ext cx="4426560" cy="3287880"/>
+            <a:ext cx="4426920" cy="3288600"/>
           </a:xfrm>
           <a:prstGeom prst="rect">
             <a:avLst/>
@@ -3531,8 +3531,8 @@
         </p:nvSpPr>
         <p:spPr>
           <a:xfrm>
-            <a:off x="5152320" y="1326600"/>
-            <a:ext cx="4426560" cy="3287880"/>
+            <a:off x="5152680" y="1326600"/>
+            <a:ext cx="4426920" cy="3288600"/>
           </a:xfrm>
           <a:prstGeom prst="rect">
             <a:avLst/>
@@ -3584,7 +3584,7 @@
         <p:spPr>
           <a:xfrm>
             <a:off x="504000" y="226080"/>
-            <a:ext cx="9070560" cy="945360"/>
+            <a:ext cx="9072000" cy="946440"/>
           </a:xfrm>
           <a:prstGeom prst="rect">
             <a:avLst/>
@@ -3637,7 +3637,7 @@
         <p:spPr>
           <a:xfrm>
             <a:off x="504000" y="226080"/>
-            <a:ext cx="9070560" cy="4383360"/>
+            <a:ext cx="9072000" cy="4388400"/>
           </a:xfrm>
           <a:prstGeom prst="rect">
             <a:avLst/>
@@ -3690,7 +3690,7 @@
         <p:spPr>
           <a:xfrm>
             <a:off x="504000" y="226080"/>
-            <a:ext cx="9070560" cy="945360"/>
+            <a:ext cx="9072000" cy="946440"/>
           </a:xfrm>
           <a:prstGeom prst="rect">
             <a:avLst/>
@@ -3721,7 +3721,7 @@
         <p:spPr>
           <a:xfrm>
             <a:off x="504000" y="1326600"/>
-            <a:ext cx="4426560" cy="1568160"/>
+            <a:ext cx="4426920" cy="1568520"/>
           </a:xfrm>
           <a:prstGeom prst="rect">
             <a:avLst/>
@@ -3750,8 +3750,8 @@
         </p:nvSpPr>
         <p:spPr>
           <a:xfrm>
-            <a:off x="5152320" y="1326600"/>
-            <a:ext cx="4426560" cy="3287880"/>
+            <a:off x="5152680" y="1326600"/>
+            <a:ext cx="4426920" cy="3288600"/>
           </a:xfrm>
           <a:prstGeom prst="rect">
             <a:avLst/>
@@ -3780,8 +3780,8 @@
         </p:nvSpPr>
         <p:spPr>
           <a:xfrm>
-            <a:off x="504000" y="3044160"/>
-            <a:ext cx="4426560" cy="1568160"/>
+            <a:off x="504000" y="3044520"/>
+            <a:ext cx="4426920" cy="1568520"/>
           </a:xfrm>
           <a:prstGeom prst="rect">
             <a:avLst/>
@@ -3833,7 +3833,7 @@
         <p:spPr>
           <a:xfrm>
             <a:off x="504000" y="226080"/>
-            <a:ext cx="9070560" cy="945360"/>
+            <a:ext cx="9072000" cy="946440"/>
           </a:xfrm>
           <a:prstGeom prst="rect">
             <a:avLst/>
@@ -3864,7 +3864,7 @@
         <p:spPr>
           <a:xfrm>
             <a:off x="504000" y="1326600"/>
-            <a:ext cx="4426560" cy="3287880"/>
+            <a:ext cx="4426920" cy="3288600"/>
           </a:xfrm>
           <a:prstGeom prst="rect">
             <a:avLst/>
@@ -3893,8 +3893,8 @@
         </p:nvSpPr>
         <p:spPr>
           <a:xfrm>
-            <a:off x="5152320" y="1326600"/>
-            <a:ext cx="4426560" cy="1568160"/>
+            <a:off x="5152680" y="1326600"/>
+            <a:ext cx="4426920" cy="1568520"/>
           </a:xfrm>
           <a:prstGeom prst="rect">
             <a:avLst/>
@@ -3923,8 +3923,8 @@
         </p:nvSpPr>
         <p:spPr>
           <a:xfrm>
-            <a:off x="5152320" y="3044160"/>
-            <a:ext cx="4426560" cy="1568160"/>
+            <a:off x="5152680" y="3044520"/>
+            <a:ext cx="4426920" cy="1568520"/>
           </a:xfrm>
           <a:prstGeom prst="rect">
             <a:avLst/>
@@ -3976,7 +3976,7 @@
         <p:spPr>
           <a:xfrm>
             <a:off x="504000" y="226080"/>
-            <a:ext cx="9070560" cy="945360"/>
+            <a:ext cx="9072000" cy="946440"/>
           </a:xfrm>
           <a:prstGeom prst="rect">
             <a:avLst/>
@@ -4007,7 +4007,7 @@
         <p:spPr>
           <a:xfrm>
             <a:off x="504000" y="1326600"/>
-            <a:ext cx="4426560" cy="1568160"/>
+            <a:ext cx="4426920" cy="1568520"/>
           </a:xfrm>
           <a:prstGeom prst="rect">
             <a:avLst/>
@@ -4036,8 +4036,8 @@
         </p:nvSpPr>
         <p:spPr>
           <a:xfrm>
-            <a:off x="5152320" y="1326600"/>
-            <a:ext cx="4426560" cy="1568160"/>
+            <a:off x="5152680" y="1326600"/>
+            <a:ext cx="4426920" cy="1568520"/>
           </a:xfrm>
           <a:prstGeom prst="rect">
             <a:avLst/>
@@ -4066,8 +4066,8 @@
         </p:nvSpPr>
         <p:spPr>
           <a:xfrm>
-            <a:off x="504000" y="3044160"/>
-            <a:ext cx="9071280" cy="1568160"/>
+            <a:off x="504000" y="3044520"/>
+            <a:ext cx="9072000" cy="1568520"/>
           </a:xfrm>
           <a:prstGeom prst="rect">
             <a:avLst/>
@@ -4625,7 +4625,7 @@
         <p:spPr>
           <a:xfrm>
             <a:off x="504000" y="226080"/>
-            <a:ext cx="9070560" cy="945360"/>
+            <a:ext cx="9072000" cy="946440"/>
           </a:xfrm>
           <a:prstGeom prst="rect">
             <a:avLst/>
@@ -4636,13 +4636,14 @@
             <a:noAutofit/>
           </a:bodyPr>
           <a:p>
+            <a:pPr algn="ctr"/>
             <a:r>
-              <a:rPr b="0" lang="pt-PT" sz="1800" spc="-1" strike="noStrike">
+              <a:rPr b="0" lang="pt-PT" sz="4400" spc="-1" strike="noStrike">
                 <a:latin typeface="Arial"/>
               </a:rPr>
               <a:t>Clique para editar o formato do título</a:t>
             </a:r>
-            <a:endParaRPr b="0" lang="pt-PT" sz="1800" spc="-1" strike="noStrike">
+            <a:endParaRPr b="0" lang="pt-PT" sz="4400" spc="-1" strike="noStrike">
               <a:latin typeface="Arial"/>
             </a:endParaRPr>
           </a:p>
@@ -4661,7 +4662,7 @@
         <p:spPr>
           <a:xfrm>
             <a:off x="504000" y="1326600"/>
-            <a:ext cx="9071280" cy="3287880"/>
+            <a:ext cx="9072000" cy="3288600"/>
           </a:xfrm>
           <a:prstGeom prst="rect">
             <a:avLst/>
@@ -4684,12 +4685,12 @@
               <a:buChar char=""/>
             </a:pPr>
             <a:r>
-              <a:rPr b="0" lang="pt-PT" sz="1800" spc="-1" strike="noStrike">
+              <a:rPr b="0" lang="pt-PT" sz="3200" spc="-1" strike="noStrike">
                 <a:latin typeface="Arial"/>
               </a:rPr>
               <a:t>Clique para editar o formato de texto dos tópicos</a:t>
             </a:r>
-            <a:endParaRPr b="0" lang="pt-PT" sz="1800" spc="-1" strike="noStrike">
+            <a:endParaRPr b="0" lang="pt-PT" sz="3200" spc="-1" strike="noStrike">
               <a:latin typeface="Arial"/>
             </a:endParaRPr>
           </a:p>
@@ -4706,12 +4707,12 @@
               <a:buChar char=""/>
             </a:pPr>
             <a:r>
-              <a:rPr b="0" lang="pt-PT" sz="1800" spc="-1" strike="noStrike">
+              <a:rPr b="0" lang="pt-PT" sz="2800" spc="-1" strike="noStrike">
                 <a:latin typeface="Arial"/>
               </a:rPr>
               <a:t>Segundo nível de tópicos</a:t>
             </a:r>
-            <a:endParaRPr b="0" lang="pt-PT" sz="1800" spc="-1" strike="noStrike">
+            <a:endParaRPr b="0" lang="pt-PT" sz="2800" spc="-1" strike="noStrike">
               <a:latin typeface="Arial"/>
             </a:endParaRPr>
           </a:p>
@@ -4728,12 +4729,12 @@
               <a:buChar char=""/>
             </a:pPr>
             <a:r>
-              <a:rPr b="0" lang="pt-PT" sz="1800" spc="-1" strike="noStrike">
+              <a:rPr b="0" lang="pt-PT" sz="2400" spc="-1" strike="noStrike">
                 <a:latin typeface="Arial"/>
               </a:rPr>
               <a:t>Terceiro nível de tópicos</a:t>
             </a:r>
-            <a:endParaRPr b="0" lang="pt-PT" sz="1800" spc="-1" strike="noStrike">
+            <a:endParaRPr b="0" lang="pt-PT" sz="2400" spc="-1" strike="noStrike">
               <a:latin typeface="Arial"/>
             </a:endParaRPr>
           </a:p>
@@ -4750,12 +4751,12 @@
               <a:buChar char=""/>
             </a:pPr>
             <a:r>
-              <a:rPr b="0" lang="pt-PT" sz="1800" spc="-1" strike="noStrike">
+              <a:rPr b="0" lang="pt-PT" sz="2000" spc="-1" strike="noStrike">
                 <a:latin typeface="Arial"/>
               </a:rPr>
               <a:t>Quarto nível de tópicos</a:t>
             </a:r>
-            <a:endParaRPr b="0" lang="pt-PT" sz="1800" spc="-1" strike="noStrike">
+            <a:endParaRPr b="0" lang="pt-PT" sz="2000" spc="-1" strike="noStrike">
               <a:latin typeface="Arial"/>
             </a:endParaRPr>
           </a:p>
@@ -4772,12 +4773,12 @@
               <a:buChar char=""/>
             </a:pPr>
             <a:r>
-              <a:rPr b="0" lang="pt-PT" sz="1800" spc="-1" strike="noStrike">
+              <a:rPr b="0" lang="pt-PT" sz="2000" spc="-1" strike="noStrike">
                 <a:latin typeface="Arial"/>
               </a:rPr>
               <a:t>Quinto nível de tópicos</a:t>
             </a:r>
-            <a:endParaRPr b="0" lang="pt-PT" sz="1800" spc="-1" strike="noStrike">
+            <a:endParaRPr b="0" lang="pt-PT" sz="2000" spc="-1" strike="noStrike">
               <a:latin typeface="Arial"/>
             </a:endParaRPr>
           </a:p>
@@ -4794,12 +4795,12 @@
               <a:buChar char=""/>
             </a:pPr>
             <a:r>
-              <a:rPr b="0" lang="pt-PT" sz="1800" spc="-1" strike="noStrike">
+              <a:rPr b="0" lang="pt-PT" sz="2000" spc="-1" strike="noStrike">
                 <a:latin typeface="Arial"/>
               </a:rPr>
               <a:t>Sexto nível de tópicos</a:t>
             </a:r>
-            <a:endParaRPr b="0" lang="pt-PT" sz="1800" spc="-1" strike="noStrike">
+            <a:endParaRPr b="0" lang="pt-PT" sz="2000" spc="-1" strike="noStrike">
               <a:latin typeface="Arial"/>
             </a:endParaRPr>
           </a:p>
@@ -4816,12 +4817,12 @@
               <a:buChar char=""/>
             </a:pPr>
             <a:r>
-              <a:rPr b="0" lang="pt-PT" sz="1800" spc="-1" strike="noStrike">
+              <a:rPr b="0" lang="pt-PT" sz="2000" spc="-1" strike="noStrike">
                 <a:latin typeface="Arial"/>
               </a:rPr>
               <a:t>Sétimo nível de tópicos</a:t>
             </a:r>
-            <a:endParaRPr b="0" lang="pt-PT" sz="1800" spc="-1" strike="noStrike">
+            <a:endParaRPr b="0" lang="pt-PT" sz="2000" spc="-1" strike="noStrike">
               <a:latin typeface="Arial"/>
             </a:endParaRPr>
           </a:p>
@@ -4873,7 +4874,7 @@
         <p:spPr>
           <a:xfrm>
             <a:off x="504000" y="226080"/>
-            <a:ext cx="9070560" cy="945360"/>
+            <a:ext cx="9070200" cy="945000"/>
           </a:xfrm>
           <a:prstGeom prst="rect">
             <a:avLst/>
@@ -4899,7 +4900,7 @@
         <p:spPr>
           <a:xfrm>
             <a:off x="504000" y="1326600"/>
-            <a:ext cx="9070560" cy="3287160"/>
+            <a:ext cx="9070200" cy="3286800"/>
           </a:xfrm>
           <a:prstGeom prst="rect">
             <a:avLst/>
@@ -4929,7 +4930,7 @@
         <p:spPr>
           <a:xfrm>
             <a:off x="1980000" y="101880"/>
-            <a:ext cx="6119280" cy="2121480"/>
+            <a:ext cx="6118920" cy="2121120"/>
           </a:xfrm>
           <a:prstGeom prst="rect">
             <a:avLst/>
@@ -4981,7 +4982,7 @@
         <p:spPr>
           <a:xfrm>
             <a:off x="2480760" y="2253960"/>
-            <a:ext cx="5088960" cy="445320"/>
+            <a:ext cx="5088600" cy="444960"/>
           </a:xfrm>
           <a:prstGeom prst="rect">
             <a:avLst/>
@@ -5032,7 +5033,7 @@
         <p:spPr>
           <a:xfrm>
             <a:off x="2584800" y="3347640"/>
-            <a:ext cx="4619520" cy="1266120"/>
+            <a:ext cx="4619160" cy="1265760"/>
           </a:xfrm>
           <a:prstGeom prst="rect">
             <a:avLst/>
@@ -5213,7 +5214,7 @@
         <p:spPr>
           <a:xfrm>
             <a:off x="2584800" y="2817720"/>
-            <a:ext cx="4794840" cy="601920"/>
+            <a:ext cx="4794480" cy="601560"/>
           </a:xfrm>
           <a:prstGeom prst="rect">
             <a:avLst/>
@@ -5294,7 +5295,7 @@
         <p:spPr>
           <a:xfrm>
             <a:off x="540000" y="0"/>
-            <a:ext cx="9070560" cy="945360"/>
+            <a:ext cx="9070200" cy="945000"/>
           </a:xfrm>
           <a:prstGeom prst="rect">
             <a:avLst/>
@@ -5375,7 +5376,7 @@
         <p:spPr>
           <a:xfrm>
             <a:off x="468720" y="-45720"/>
-            <a:ext cx="9070560" cy="945360"/>
+            <a:ext cx="9070200" cy="945000"/>
           </a:xfrm>
           <a:prstGeom prst="rect">
             <a:avLst/>
@@ -5436,7 +5437,7 @@
         <p:spPr>
           <a:xfrm>
             <a:off x="504000" y="1326600"/>
-            <a:ext cx="9071280" cy="3287880"/>
+            <a:ext cx="9070920" cy="3287520"/>
           </a:xfrm>
           <a:prstGeom prst="rect">
             <a:avLst/>
@@ -5462,7 +5463,7 @@
         <p:spPr>
           <a:xfrm>
             <a:off x="504000" y="1326600"/>
-            <a:ext cx="9071280" cy="4253040"/>
+            <a:ext cx="9070920" cy="4252680"/>
           </a:xfrm>
           <a:prstGeom prst="rect">
             <a:avLst/>
@@ -5483,7 +5484,7 @@
             <a:normAutofit/>
           </a:bodyPr>
           <a:p>
-            <a:pPr marL="432000" indent="-323640">
+            <a:pPr marL="432000" indent="-323280">
               <a:lnSpc>
                 <a:spcPct val="100000"/>
               </a:lnSpc>
@@ -5499,7 +5500,11 @@
             </a:pPr>
             <a:r>
               <a:rPr b="0" lang="pt-PT" sz="2000" spc="-1" strike="noStrike">
+                <a:solidFill>
+                  <a:srgbClr val="000000"/>
+                </a:solidFill>
                 <a:latin typeface="Arial"/>
+                <a:ea typeface="DejaVu Sans"/>
               </a:rPr>
               <a:t>A leitura do dataset é realizada no construtor da classe busCompany, onde a informação é guardado no grafo network;</a:t>
             </a:r>
@@ -5508,7 +5513,7 @@
             </a:endParaRPr>
           </a:p>
           <a:p>
-            <a:pPr marL="432000" indent="-323640">
+            <a:pPr marL="432000" indent="-323280">
               <a:lnSpc>
                 <a:spcPct val="100000"/>
               </a:lnSpc>
@@ -5524,7 +5529,11 @@
             </a:pPr>
             <a:r>
               <a:rPr b="0" lang="pt-PT" sz="2000" spc="-1" strike="noStrike">
+                <a:solidFill>
+                  <a:srgbClr val="000000"/>
+                </a:solidFill>
                 <a:latin typeface="Arial"/>
+                <a:ea typeface="DejaVu Sans"/>
               </a:rPr>
               <a:t>A leitura dos dados é feita a partir da ferramenta utils::File::readFile que retorna um vetor de strings(cada elemento é uma linha do ficheiro);</a:t>
             </a:r>
@@ -5533,7 +5542,7 @@
             </a:endParaRPr>
           </a:p>
           <a:p>
-            <a:pPr marL="432000" indent="-323640">
+            <a:pPr marL="432000" indent="-323280">
               <a:lnSpc>
                 <a:spcPct val="100000"/>
               </a:lnSpc>
@@ -5549,7 +5558,11 @@
             </a:pPr>
             <a:r>
               <a:rPr b="0" lang="pt-PT" sz="2000" spc="-1" strike="noStrike">
+                <a:solidFill>
+                  <a:srgbClr val="000000"/>
+                </a:solidFill>
                 <a:latin typeface="Arial"/>
+                <a:ea typeface="DejaVu Sans"/>
               </a:rPr>
               <a:t>Cada paragem é carregada num objeto da classe stop(informação usada para criar os nós);</a:t>
             </a:r>
@@ -5558,7 +5571,7 @@
             </a:endParaRPr>
           </a:p>
           <a:p>
-            <a:pPr marL="432000" indent="-323640">
+            <a:pPr marL="432000" indent="-323280">
               <a:lnSpc>
                 <a:spcPct val="100000"/>
               </a:lnSpc>
@@ -5574,7 +5587,11 @@
             </a:pPr>
             <a:r>
               <a:rPr b="0" lang="pt-PT" sz="2000" spc="-1" strike="noStrike">
+                <a:solidFill>
+                  <a:srgbClr val="000000"/>
+                </a:solidFill>
                 <a:latin typeface="Arial"/>
+                <a:ea typeface="DejaVu Sans"/>
               </a:rPr>
               <a:t>Os dados das linhas são carregados nos objetos da classe busLine (informação usada para criar as linhas).</a:t>
             </a:r>
@@ -5623,7 +5640,7 @@
         <p:spPr>
           <a:xfrm>
             <a:off x="649080" y="-45720"/>
-            <a:ext cx="9070560" cy="945360"/>
+            <a:ext cx="9070200" cy="945000"/>
           </a:xfrm>
           <a:prstGeom prst="rect">
             <a:avLst/>
@@ -5651,13 +5668,21 @@
             </a:pPr>
             <a:r>
               <a:rPr b="0" lang="pt-PT" sz="3200" spc="-1" strike="noStrike">
+                <a:solidFill>
+                  <a:srgbClr val="000000"/>
+                </a:solidFill>
                 <a:latin typeface="Arial"/>
+                <a:ea typeface="DejaVu Sans"/>
               </a:rPr>
               <a:t>Representação do dataset</a:t>
             </a:r>
             <a:r>
               <a:rPr b="0" lang="pt-PT" sz="4400" spc="-1" strike="noStrike">
+                <a:solidFill>
+                  <a:srgbClr val="000000"/>
+                </a:solidFill>
                 <a:latin typeface="Arial"/>
+                <a:ea typeface="DejaVu Sans"/>
               </a:rPr>
               <a:t> </a:t>
             </a:r>
@@ -5676,7 +5701,7 @@
         <p:spPr>
           <a:xfrm>
             <a:off x="504000" y="1326600"/>
-            <a:ext cx="9071280" cy="3287880"/>
+            <a:ext cx="9070920" cy="3287520"/>
           </a:xfrm>
           <a:prstGeom prst="rect">
             <a:avLst/>
@@ -5694,10 +5719,10 @@
         </p:style>
         <p:txBody>
           <a:bodyPr lIns="0" rIns="0" tIns="0" bIns="0">
-            <a:normAutofit/>
-          </a:bodyPr>
-          <a:p>
-            <a:pPr marL="432000" indent="-323640">
+            <a:normAutofit fontScale="84000"/>
+          </a:bodyPr>
+          <a:p>
+            <a:pPr marL="432000" indent="-323280">
               <a:lnSpc>
                 <a:spcPct val="100000"/>
               </a:lnSpc>
@@ -5713,7 +5738,11 @@
             </a:pPr>
             <a:r>
               <a:rPr b="0" lang="pt-PT" sz="2000" spc="-1" strike="noStrike">
+                <a:solidFill>
+                  <a:srgbClr val="000000"/>
+                </a:solidFill>
                 <a:latin typeface="Arial"/>
+                <a:ea typeface="DejaVu Sans"/>
               </a:rPr>
               <a:t>O dataset é caracterizado dois grafos direcionados, um para a rede noturna e outro para a rede diurna;</a:t>
             </a:r>
@@ -5722,7 +5751,7 @@
             </a:endParaRPr>
           </a:p>
           <a:p>
-            <a:pPr marL="432000" indent="-323640">
+            <a:pPr marL="432000" indent="-323280">
               <a:lnSpc>
                 <a:spcPct val="100000"/>
               </a:lnSpc>
@@ -5738,7 +5767,11 @@
             </a:pPr>
             <a:r>
               <a:rPr b="0" lang="pt-PT" sz="2000" spc="-1" strike="noStrike">
+                <a:solidFill>
+                  <a:srgbClr val="000000"/>
+                </a:solidFill>
                 <a:latin typeface="Arial"/>
+                <a:ea typeface="DejaVu Sans"/>
               </a:rPr>
               <a:t>Os vértices dos grafos estão representados por um unordered_map, onde a chave corresponde ao código da paragem e o valor corresponde ao node(struct Node);</a:t>
             </a:r>
@@ -5747,7 +5780,7 @@
             </a:endParaRPr>
           </a:p>
           <a:p>
-            <a:pPr marL="432000" indent="-323640">
+            <a:pPr marL="432000" indent="-323280">
               <a:lnSpc>
                 <a:spcPct val="100000"/>
               </a:lnSpc>
@@ -5763,16 +5796,20 @@
             </a:pPr>
             <a:r>
               <a:rPr b="0" lang="pt-PT" sz="2000" spc="-1" strike="noStrike">
+                <a:solidFill>
+                  <a:srgbClr val="000000"/>
+                </a:solidFill>
                 <a:latin typeface="Arial"/>
+                <a:ea typeface="DejaVu Sans"/>
               </a:rPr>
-              <a:t>-Cada nó guarda um apontador para uma paragem, a lista de arestas, uma variável booleana visited e outras variáveis usadas nos algoritmos;</a:t>
+              <a:t>Cada nó guarda um apontador para uma paragem, a lista de arestas, uma variável booleana visited e outras variáveis usadas nos algoritmos;</a:t>
             </a:r>
             <a:endParaRPr b="0" lang="pt-PT" sz="2000" spc="-1" strike="noStrike">
               <a:latin typeface="Arial"/>
             </a:endParaRPr>
           </a:p>
           <a:p>
-            <a:pPr marL="432000" indent="-323640">
+            <a:pPr marL="432000" indent="-323280">
               <a:lnSpc>
                 <a:spcPct val="100000"/>
               </a:lnSpc>
@@ -5788,9 +5825,13 @@
             </a:pPr>
             <a:r>
               <a:rPr b="0" lang="pt-PT" sz="2000" spc="-1" strike="noStrike">
+                <a:solidFill>
+                  <a:srgbClr val="000000"/>
+                </a:solidFill>
                 <a:latin typeface="Arial"/>
+                <a:ea typeface="DejaVu Sans"/>
               </a:rPr>
-              <a:t>As arestas dispõem de uma variável que guarda o destino(código da paragem), a distância e um código que identifica a aresta.</a:t>
+              <a:t>As arestas dispõem de uma variável que guarda o destino(código da paragem), a distância e um código que identifica a aresta. Foram adicionadas algumas arestas que representam o caminho a pé, dentro de uma distância perto da paragem pré- definida.</a:t>
             </a:r>
             <a:endParaRPr b="0" lang="pt-PT" sz="2000" spc="-1" strike="noStrike">
               <a:latin typeface="Arial"/>
@@ -5837,7 +5878,7 @@
         <p:spPr>
           <a:xfrm>
             <a:off x="540000" y="0"/>
-            <a:ext cx="9070560" cy="945360"/>
+            <a:ext cx="9070200" cy="945000"/>
           </a:xfrm>
           <a:prstGeom prst="rect">
             <a:avLst/>
@@ -5865,7 +5906,11 @@
             </a:pPr>
             <a:r>
               <a:rPr b="0" lang="pt-PT" sz="3200" spc="-1" strike="noStrike">
+                <a:solidFill>
+                  <a:srgbClr val="000000"/>
+                </a:solidFill>
                 <a:latin typeface="Arial"/>
+                <a:ea typeface="DejaVu Sans"/>
               </a:rPr>
               <a:t>Funcionalidades e algoritmos</a:t>
             </a:r>
@@ -5884,7 +5929,7 @@
         <p:spPr>
           <a:xfrm>
             <a:off x="504000" y="1326600"/>
-            <a:ext cx="9071280" cy="3287880"/>
+            <a:ext cx="9070920" cy="3287520"/>
           </a:xfrm>
           <a:prstGeom prst="rect">
             <a:avLst/>
@@ -5905,7 +5950,7 @@
             <a:normAutofit fontScale="51000"/>
           </a:bodyPr>
           <a:p>
-            <a:pPr marL="432000" indent="-323640">
+            <a:pPr marL="432000" indent="-323280">
               <a:lnSpc>
                 <a:spcPct val="100000"/>
               </a:lnSpc>
@@ -5921,7 +5966,11 @@
             </a:pPr>
             <a:r>
               <a:rPr b="0" lang="pt-PT" sz="3200" spc="-1" strike="noStrike">
+                <a:solidFill>
+                  <a:srgbClr val="000000"/>
+                </a:solidFill>
                 <a:latin typeface="Arial"/>
+                <a:ea typeface="DejaVu Sans"/>
               </a:rPr>
               <a:t>3-6 slides</a:t>
             </a:r>
@@ -5930,7 +5979,7 @@
             </a:endParaRPr>
           </a:p>
           <a:p>
-            <a:pPr marL="432000" indent="-323640">
+            <a:pPr marL="432000" indent="-323280">
               <a:lnSpc>
                 <a:spcPct val="100000"/>
               </a:lnSpc>
@@ -5946,7 +5995,11 @@
             </a:pPr>
             <a:r>
               <a:rPr b="0" lang="pt-PT" sz="3200" spc="-1" strike="noStrike">
+                <a:solidFill>
+                  <a:srgbClr val="000000"/>
+                </a:solidFill>
                 <a:latin typeface="Arial"/>
+                <a:ea typeface="DejaVu Sans"/>
               </a:rPr>
               <a:t>Origem/Destino: diretamente uma paragem para outra? de um local/conjunto de paragens para outro local? outros?</a:t>
             </a:r>
@@ -5955,7 +6008,7 @@
             </a:endParaRPr>
           </a:p>
           <a:p>
-            <a:pPr marL="432000" indent="-323640">
+            <a:pPr marL="432000" indent="-323280">
               <a:lnSpc>
                 <a:spcPct val="100000"/>
               </a:lnSpc>
@@ -5971,7 +6024,11 @@
             </a:pPr>
             <a:r>
               <a:rPr b="0" lang="pt-PT" sz="3200" spc="-1" strike="noStrike">
+                <a:solidFill>
+                  <a:srgbClr val="000000"/>
+                </a:solidFill>
                 <a:latin typeface="Arial"/>
+                <a:ea typeface="DejaVu Sans"/>
               </a:rPr>
               <a:t>Conceito de "melhor" caminho: nº de paragens? distância? nº mudanças de linha? nº zonas? outros?</a:t>
             </a:r>
@@ -5980,7 +6037,7 @@
             </a:endParaRPr>
           </a:p>
           <a:p>
-            <a:pPr marL="432000" indent="-323640">
+            <a:pPr marL="432000" indent="-323280">
               <a:lnSpc>
                 <a:spcPct val="100000"/>
               </a:lnSpc>
@@ -5996,7 +6053,11 @@
             </a:pPr>
             <a:r>
               <a:rPr b="0" lang="pt-PT" sz="3200" spc="-1" strike="noStrike">
+                <a:solidFill>
+                  <a:srgbClr val="000000"/>
+                </a:solidFill>
                 <a:latin typeface="Arial"/>
+                <a:ea typeface="DejaVu Sans"/>
               </a:rPr>
               <a:t>Mudança de autocarro: apenas numa mesma paragem? andar a pé até paragem vizinha? outros?</a:t>
             </a:r>
@@ -6045,7 +6106,7 @@
         <p:spPr>
           <a:xfrm>
             <a:off x="504000" y="0"/>
-            <a:ext cx="9070560" cy="945360"/>
+            <a:ext cx="9070200" cy="945000"/>
           </a:xfrm>
           <a:prstGeom prst="rect">
             <a:avLst/>
@@ -6073,7 +6134,11 @@
             </a:pPr>
             <a:r>
               <a:rPr b="0" lang="pt-PT" sz="3200" spc="-1" strike="noStrike">
+                <a:solidFill>
+                  <a:srgbClr val="000000"/>
+                </a:solidFill>
                 <a:latin typeface="Arial"/>
+                <a:ea typeface="DejaVu Sans"/>
               </a:rPr>
               <a:t>Interface</a:t>
             </a:r>
@@ -6092,7 +6157,7 @@
         <p:spPr>
           <a:xfrm>
             <a:off x="504000" y="1326600"/>
-            <a:ext cx="9071280" cy="3287880"/>
+            <a:ext cx="9070920" cy="3287520"/>
           </a:xfrm>
           <a:prstGeom prst="rect">
             <a:avLst/>
@@ -6113,7 +6178,7 @@
             <a:normAutofit/>
           </a:bodyPr>
           <a:p>
-            <a:pPr marL="432000" indent="-323640">
+            <a:pPr marL="432000" indent="-323280">
               <a:lnSpc>
                 <a:spcPct val="100000"/>
               </a:lnSpc>
@@ -6129,7 +6194,11 @@
             </a:pPr>
             <a:r>
               <a:rPr b="0" lang="pt-PT" sz="3200" spc="-1" strike="noStrike">
+                <a:solidFill>
+                  <a:srgbClr val="000000"/>
+                </a:solidFill>
                 <a:latin typeface="Arial"/>
+                <a:ea typeface="DejaVu Sans"/>
               </a:rPr>
               <a:t>1-2 slides</a:t>
             </a:r>
@@ -6138,7 +6207,7 @@
             </a:endParaRPr>
           </a:p>
           <a:p>
-            <a:pPr marL="432000" indent="-323640">
+            <a:pPr marL="432000" indent="-323280">
               <a:lnSpc>
                 <a:spcPct val="100000"/>
               </a:lnSpc>
@@ -6154,7 +6223,11 @@
             </a:pPr>
             <a:r>
               <a:rPr b="0" lang="pt-PT" sz="3200" spc="-1" strike="noStrike">
+                <a:solidFill>
+                  <a:srgbClr val="000000"/>
+                </a:solidFill>
                 <a:latin typeface="Arial"/>
+                <a:ea typeface="DejaVu Sans"/>
               </a:rPr>
               <a:t>pode incluir exemplo de utilização</a:t>
             </a:r>
@@ -6203,7 +6276,7 @@
         <p:spPr>
           <a:xfrm>
             <a:off x="504000" y="134280"/>
-            <a:ext cx="9070560" cy="945360"/>
+            <a:ext cx="9070200" cy="945000"/>
           </a:xfrm>
           <a:prstGeom prst="rect">
             <a:avLst/>
@@ -6231,7 +6304,11 @@
             </a:pPr>
             <a:r>
               <a:rPr b="0" lang="pt-PT" sz="3200" spc="-1" strike="noStrike">
+                <a:solidFill>
+                  <a:srgbClr val="000000"/>
+                </a:solidFill>
                 <a:latin typeface="Arial"/>
+                <a:ea typeface="DejaVu Sans"/>
               </a:rPr>
               <a:t>Destaques de  funcionalidades</a:t>
             </a:r>
@@ -6250,7 +6327,7 @@
         <p:spPr>
           <a:xfrm>
             <a:off x="504000" y="1326600"/>
-            <a:ext cx="9071280" cy="3287880"/>
+            <a:ext cx="9070920" cy="3287520"/>
           </a:xfrm>
           <a:prstGeom prst="rect">
             <a:avLst/>
@@ -6271,7 +6348,7 @@
             <a:normAutofit/>
           </a:bodyPr>
           <a:p>
-            <a:pPr marL="432000" indent="-323640">
+            <a:pPr marL="432000" indent="-323280">
               <a:lnSpc>
                 <a:spcPct val="100000"/>
               </a:lnSpc>
@@ -6287,7 +6364,11 @@
             </a:pPr>
             <a:r>
               <a:rPr b="0" lang="pt-PT" sz="3200" spc="-1" strike="noStrike">
+                <a:solidFill>
+                  <a:srgbClr val="000000"/>
+                </a:solidFill>
                 <a:latin typeface="Arial"/>
+                <a:ea typeface="DejaVu Sans"/>
               </a:rPr>
               <a:t>1 slide</a:t>
             </a:r>
@@ -6336,7 +6417,7 @@
         <p:spPr>
           <a:xfrm>
             <a:off x="360000" y="226080"/>
-            <a:ext cx="9070560" cy="945360"/>
+            <a:ext cx="9070200" cy="945000"/>
           </a:xfrm>
           <a:prstGeom prst="rect">
             <a:avLst/>
@@ -6364,7 +6445,11 @@
             </a:pPr>
             <a:r>
               <a:rPr b="0" lang="pt-PT" sz="3200" spc="-1" strike="noStrike">
+                <a:solidFill>
+                  <a:srgbClr val="000000"/>
+                </a:solidFill>
                 <a:latin typeface="Arial"/>
+                <a:ea typeface="DejaVu Sans"/>
               </a:rPr>
               <a:t>Principais dificuldades</a:t>
             </a:r>
@@ -6383,7 +6468,7 @@
         <p:spPr>
           <a:xfrm>
             <a:off x="504000" y="1031760"/>
-            <a:ext cx="9071280" cy="1847880"/>
+            <a:ext cx="9070920" cy="1847520"/>
           </a:xfrm>
           <a:prstGeom prst="rect">
             <a:avLst/>
@@ -6404,7 +6489,7 @@
             <a:normAutofit/>
           </a:bodyPr>
           <a:p>
-            <a:pPr marL="432000" indent="-323640">
+            <a:pPr marL="432000" indent="-323280">
               <a:lnSpc>
                 <a:spcPct val="100000"/>
               </a:lnSpc>
@@ -6420,7 +6505,11 @@
             </a:pPr>
             <a:r>
               <a:rPr b="0" lang="pt-PT" sz="3200" spc="-1" strike="noStrike">
+                <a:solidFill>
+                  <a:srgbClr val="000000"/>
+                </a:solidFill>
                 <a:latin typeface="Arial"/>
+                <a:ea typeface="DejaVu Sans"/>
               </a:rPr>
               <a:t>1 slide</a:t>
             </a:r>
@@ -6439,7 +6528,7 @@
         <p:spPr>
           <a:xfrm>
             <a:off x="289080" y="2700000"/>
-            <a:ext cx="9070560" cy="945360"/>
+            <a:ext cx="9070200" cy="945000"/>
           </a:xfrm>
           <a:prstGeom prst="rect">
             <a:avLst/>
@@ -6467,7 +6556,11 @@
             </a:pPr>
             <a:r>
               <a:rPr b="0" lang="pt-PT" sz="3200" spc="-1" strike="noStrike">
+                <a:solidFill>
+                  <a:srgbClr val="000000"/>
+                </a:solidFill>
                 <a:latin typeface="Arial"/>
+                <a:ea typeface="DejaVu Sans"/>
               </a:rPr>
               <a:t>Esforço dos elementos do grupo</a:t>
             </a:r>

--- a/Apresentação.pptx
+++ b/Apresentação.pptx
@@ -15,6 +15,7 @@
     <p:sldId id="261" r:id="rId10"/>
     <p:sldId id="262" r:id="rId11"/>
     <p:sldId id="263" r:id="rId12"/>
+    <p:sldId id="264" r:id="rId13"/>
   </p:sldIdLst>
   <p:sldSz cx="10080625" cy="5670550"/>
   <p:notesSz cx="7559675" cy="10691812"/>
@@ -4874,7 +4875,7 @@
         <p:spPr>
           <a:xfrm>
             <a:off x="504000" y="226080"/>
-            <a:ext cx="9070200" cy="945000"/>
+            <a:ext cx="9069840" cy="944640"/>
           </a:xfrm>
           <a:prstGeom prst="rect">
             <a:avLst/>
@@ -4900,7 +4901,7 @@
         <p:spPr>
           <a:xfrm>
             <a:off x="504000" y="1326600"/>
-            <a:ext cx="9070200" cy="3286800"/>
+            <a:ext cx="9069840" cy="3286440"/>
           </a:xfrm>
           <a:prstGeom prst="rect">
             <a:avLst/>
@@ -4930,7 +4931,7 @@
         <p:spPr>
           <a:xfrm>
             <a:off x="1980000" y="101880"/>
-            <a:ext cx="6118920" cy="2121120"/>
+            <a:ext cx="6118560" cy="2120760"/>
           </a:xfrm>
           <a:prstGeom prst="rect">
             <a:avLst/>
@@ -4981,8 +4982,8 @@
         </p:nvSpPr>
         <p:spPr>
           <a:xfrm>
-            <a:off x="2480760" y="2253960"/>
-            <a:ext cx="5088600" cy="444960"/>
+            <a:off x="2340000" y="2253960"/>
+            <a:ext cx="5229000" cy="444600"/>
           </a:xfrm>
           <a:prstGeom prst="rect">
             <a:avLst/>
@@ -5033,7 +5034,7 @@
         <p:spPr>
           <a:xfrm>
             <a:off x="2584800" y="3347640"/>
-            <a:ext cx="4619160" cy="1265760"/>
+            <a:ext cx="4618800" cy="1265400"/>
           </a:xfrm>
           <a:prstGeom prst="rect">
             <a:avLst/>
@@ -5090,7 +5091,7 @@
               <a:t>	</a:t>
             </a:r>
             <a:r>
-              <a:rPr b="0" lang="pt-PT" sz="1400" spc="-1" strike="noStrike">
+              <a:rPr b="0" lang="pt-PT" sz="1600" spc="-1" strike="noStrike">
                 <a:solidFill>
                   <a:srgbClr val="000000"/>
                 </a:solidFill>
@@ -5099,7 +5100,7 @@
               </a:rPr>
               <a:t>Trabalho realizado por:</a:t>
             </a:r>
-            <a:endParaRPr b="0" lang="pt-PT" sz="1400" spc="-1" strike="noStrike">
+            <a:endParaRPr b="0" lang="pt-PT" sz="1600" spc="-1" strike="noStrike">
               <a:latin typeface="Arial"/>
             </a:endParaRPr>
           </a:p>
@@ -5109,7 +5110,7 @@
                 <a:spcPct val="100000"/>
               </a:lnSpc>
             </a:pPr>
-            <a:endParaRPr b="0" lang="pt-PT" sz="1400" spc="-1" strike="noStrike">
+            <a:endParaRPr b="0" lang="pt-PT" sz="1600" spc="-1" strike="noStrike">
               <a:latin typeface="Arial"/>
             </a:endParaRPr>
           </a:p>
@@ -5120,7 +5121,7 @@
               </a:lnSpc>
             </a:pPr>
             <a:r>
-              <a:rPr b="0" lang="pt-PT" sz="1400" spc="-1" strike="noStrike">
+              <a:rPr b="0" lang="pt-PT" sz="1600" spc="-1" strike="noStrike">
                 <a:solidFill>
                   <a:srgbClr val="000000"/>
                 </a:solidFill>
@@ -5130,7 +5131,7 @@
               <a:t>	</a:t>
             </a:r>
             <a:r>
-              <a:rPr b="0" lang="pt-PT" sz="1400" spc="-1" strike="noStrike">
+              <a:rPr b="0" lang="pt-PT" sz="1600" spc="-1" strike="noStrike">
                 <a:solidFill>
                   <a:srgbClr val="000000"/>
                 </a:solidFill>
@@ -5139,7 +5140,7 @@
               </a:rPr>
               <a:t>Nuno Afonso Anjos Pereira - up202007865</a:t>
             </a:r>
-            <a:endParaRPr b="0" lang="pt-PT" sz="1400" spc="-1" strike="noStrike">
+            <a:endParaRPr b="0" lang="pt-PT" sz="1600" spc="-1" strike="noStrike">
               <a:latin typeface="Arial"/>
             </a:endParaRPr>
           </a:p>
@@ -5150,7 +5151,7 @@
               </a:lnSpc>
             </a:pPr>
             <a:r>
-              <a:rPr b="0" lang="pt-PT" sz="1400" spc="-1" strike="noStrike">
+              <a:rPr b="0" lang="pt-PT" sz="1600" spc="-1" strike="noStrike">
                 <a:solidFill>
                   <a:srgbClr val="000000"/>
                 </a:solidFill>
@@ -5160,7 +5161,7 @@
               <a:t>	</a:t>
             </a:r>
             <a:r>
-              <a:rPr b="0" lang="pt-PT" sz="1400" spc="-1" strike="noStrike">
+              <a:rPr b="0" lang="pt-PT" sz="1600" spc="-1" strike="noStrike">
                 <a:solidFill>
                   <a:srgbClr val="000000"/>
                 </a:solidFill>
@@ -5169,7 +5170,7 @@
               </a:rPr>
               <a:t>Pedro Miguel Magalhães Nunes – up202004714</a:t>
             </a:r>
-            <a:endParaRPr b="0" lang="pt-PT" sz="1400" spc="-1" strike="noStrike">
+            <a:endParaRPr b="0" lang="pt-PT" sz="1600" spc="-1" strike="noStrike">
               <a:latin typeface="Arial"/>
             </a:endParaRPr>
           </a:p>
@@ -5180,7 +5181,7 @@
               </a:lnSpc>
             </a:pPr>
             <a:r>
-              <a:rPr b="0" lang="pt-PT" sz="1400" spc="-1" strike="noStrike">
+              <a:rPr b="0" lang="pt-PT" sz="1600" spc="-1" strike="noStrike">
                 <a:solidFill>
                   <a:srgbClr val="000000"/>
                 </a:solidFill>
@@ -5190,7 +5191,7 @@
               <a:t>	</a:t>
             </a:r>
             <a:r>
-              <a:rPr b="0" lang="pt-PT" sz="1400" spc="-1" strike="noStrike">
+              <a:rPr b="0" lang="pt-PT" sz="1600" spc="-1" strike="noStrike">
                 <a:solidFill>
                   <a:srgbClr val="000000"/>
                 </a:solidFill>
@@ -5199,7 +5200,7 @@
               </a:rPr>
               <a:t>Vitor Manuel da Silva Cavaleiro – up202004724</a:t>
             </a:r>
-            <a:endParaRPr b="0" lang="pt-PT" sz="1400" spc="-1" strike="noStrike">
+            <a:endParaRPr b="0" lang="pt-PT" sz="1600" spc="-1" strike="noStrike">
               <a:latin typeface="Arial"/>
             </a:endParaRPr>
           </a:p>
@@ -5213,8 +5214,8 @@
         </p:nvSpPr>
         <p:spPr>
           <a:xfrm>
-            <a:off x="2584800" y="2817720"/>
-            <a:ext cx="4794480" cy="601560"/>
+            <a:off x="2520000" y="2817720"/>
+            <a:ext cx="4858920" cy="601200"/>
           </a:xfrm>
           <a:prstGeom prst="rect">
             <a:avLst/>
@@ -5295,7 +5296,7 @@
         <p:spPr>
           <a:xfrm>
             <a:off x="540000" y="0"/>
-            <a:ext cx="9070200" cy="945000"/>
+            <a:ext cx="9069840" cy="944640"/>
           </a:xfrm>
           <a:prstGeom prst="rect">
             <a:avLst/>
@@ -5376,7 +5377,7 @@
         <p:spPr>
           <a:xfrm>
             <a:off x="468720" y="-45720"/>
-            <a:ext cx="9070200" cy="945000"/>
+            <a:ext cx="9069840" cy="944640"/>
           </a:xfrm>
           <a:prstGeom prst="rect">
             <a:avLst/>
@@ -5437,7 +5438,7 @@
         <p:spPr>
           <a:xfrm>
             <a:off x="504000" y="1326600"/>
-            <a:ext cx="9070920" cy="3287520"/>
+            <a:ext cx="9070560" cy="3287160"/>
           </a:xfrm>
           <a:prstGeom prst="rect">
             <a:avLst/>
@@ -5462,8 +5463,8 @@
         </p:nvSpPr>
         <p:spPr>
           <a:xfrm>
-            <a:off x="504000" y="1326600"/>
-            <a:ext cx="9070920" cy="4252680"/>
+            <a:off x="504000" y="898920"/>
+            <a:ext cx="9070560" cy="4680000"/>
           </a:xfrm>
           <a:prstGeom prst="rect">
             <a:avLst/>
@@ -5484,7 +5485,7 @@
             <a:normAutofit/>
           </a:bodyPr>
           <a:p>
-            <a:pPr marL="432000" indent="-323280">
+            <a:pPr marL="432000" indent="-322920">
               <a:lnSpc>
                 <a:spcPct val="100000"/>
               </a:lnSpc>
@@ -5499,7 +5500,7 @@
               <a:buChar char=""/>
             </a:pPr>
             <a:r>
-              <a:rPr b="0" lang="pt-PT" sz="2000" spc="-1" strike="noStrike">
+              <a:rPr b="0" lang="pt-PT" sz="2400" spc="-1" strike="noStrike">
                 <a:solidFill>
                   <a:srgbClr val="000000"/>
                 </a:solidFill>
@@ -5508,12 +5509,12 @@
               </a:rPr>
               <a:t>A leitura do dataset é realizada no construtor da classe busCompany, onde a informação é guardado no grafo network;</a:t>
             </a:r>
-            <a:endParaRPr b="0" lang="pt-PT" sz="2000" spc="-1" strike="noStrike">
-              <a:latin typeface="Arial"/>
-            </a:endParaRPr>
-          </a:p>
-          <a:p>
-            <a:pPr marL="432000" indent="-323280">
+            <a:endParaRPr b="0" lang="pt-PT" sz="2400" spc="-1" strike="noStrike">
+              <a:latin typeface="Arial"/>
+            </a:endParaRPr>
+          </a:p>
+          <a:p>
+            <a:pPr marL="432000" indent="-322920">
               <a:lnSpc>
                 <a:spcPct val="100000"/>
               </a:lnSpc>
@@ -5528,7 +5529,7 @@
               <a:buChar char=""/>
             </a:pPr>
             <a:r>
-              <a:rPr b="0" lang="pt-PT" sz="2000" spc="-1" strike="noStrike">
+              <a:rPr b="0" lang="pt-PT" sz="2400" spc="-1" strike="noStrike">
                 <a:solidFill>
                   <a:srgbClr val="000000"/>
                 </a:solidFill>
@@ -5537,12 +5538,12 @@
               </a:rPr>
               <a:t>A leitura dos dados é feita a partir da ferramenta utils::File::readFile que retorna um vetor de strings(cada elemento é uma linha do ficheiro);</a:t>
             </a:r>
-            <a:endParaRPr b="0" lang="pt-PT" sz="2000" spc="-1" strike="noStrike">
-              <a:latin typeface="Arial"/>
-            </a:endParaRPr>
-          </a:p>
-          <a:p>
-            <a:pPr marL="432000" indent="-323280">
+            <a:endParaRPr b="0" lang="pt-PT" sz="2400" spc="-1" strike="noStrike">
+              <a:latin typeface="Arial"/>
+            </a:endParaRPr>
+          </a:p>
+          <a:p>
+            <a:pPr marL="432000" indent="-322920">
               <a:lnSpc>
                 <a:spcPct val="100000"/>
               </a:lnSpc>
@@ -5557,7 +5558,7 @@
               <a:buChar char=""/>
             </a:pPr>
             <a:r>
-              <a:rPr b="0" lang="pt-PT" sz="2000" spc="-1" strike="noStrike">
+              <a:rPr b="0" lang="pt-PT" sz="2400" spc="-1" strike="noStrike">
                 <a:solidFill>
                   <a:srgbClr val="000000"/>
                 </a:solidFill>
@@ -5566,12 +5567,12 @@
               </a:rPr>
               <a:t>Cada paragem é carregada num objeto da classe stop(informação usada para criar os nós);</a:t>
             </a:r>
-            <a:endParaRPr b="0" lang="pt-PT" sz="2000" spc="-1" strike="noStrike">
-              <a:latin typeface="Arial"/>
-            </a:endParaRPr>
-          </a:p>
-          <a:p>
-            <a:pPr marL="432000" indent="-323280">
+            <a:endParaRPr b="0" lang="pt-PT" sz="2400" spc="-1" strike="noStrike">
+              <a:latin typeface="Arial"/>
+            </a:endParaRPr>
+          </a:p>
+          <a:p>
+            <a:pPr marL="432000" indent="-322920">
               <a:lnSpc>
                 <a:spcPct val="100000"/>
               </a:lnSpc>
@@ -5586,7 +5587,7 @@
               <a:buChar char=""/>
             </a:pPr>
             <a:r>
-              <a:rPr b="0" lang="pt-PT" sz="2000" spc="-1" strike="noStrike">
+              <a:rPr b="0" lang="pt-PT" sz="2400" spc="-1" strike="noStrike">
                 <a:solidFill>
                   <a:srgbClr val="000000"/>
                 </a:solidFill>
@@ -5595,7 +5596,7 @@
               </a:rPr>
               <a:t>Os dados das linhas são carregados nos objetos da classe busLine (informação usada para criar as linhas).</a:t>
             </a:r>
-            <a:endParaRPr b="0" lang="pt-PT" sz="2000" spc="-1" strike="noStrike">
+            <a:endParaRPr b="0" lang="pt-PT" sz="2400" spc="-1" strike="noStrike">
               <a:latin typeface="Arial"/>
             </a:endParaRPr>
           </a:p>
@@ -5640,7 +5641,7 @@
         <p:spPr>
           <a:xfrm>
             <a:off x="649080" y="-45720"/>
-            <a:ext cx="9070200" cy="945000"/>
+            <a:ext cx="9069840" cy="944640"/>
           </a:xfrm>
           <a:prstGeom prst="rect">
             <a:avLst/>
@@ -5700,8 +5701,8 @@
         </p:nvSpPr>
         <p:spPr>
           <a:xfrm>
-            <a:off x="504000" y="1326600"/>
-            <a:ext cx="9070920" cy="3287520"/>
+            <a:off x="504000" y="898920"/>
+            <a:ext cx="9070560" cy="4321080"/>
           </a:xfrm>
           <a:prstGeom prst="rect">
             <a:avLst/>
@@ -5719,10 +5720,10 @@
         </p:style>
         <p:txBody>
           <a:bodyPr lIns="0" rIns="0" tIns="0" bIns="0">
-            <a:normAutofit fontScale="84000"/>
-          </a:bodyPr>
-          <a:p>
-            <a:pPr marL="432000" indent="-323280">
+            <a:normAutofit fontScale="80000"/>
+          </a:bodyPr>
+          <a:p>
+            <a:pPr marL="432000" indent="-322920">
               <a:lnSpc>
                 <a:spcPct val="100000"/>
               </a:lnSpc>
@@ -5737,21 +5738,21 @@
               <a:buChar char=""/>
             </a:pPr>
             <a:r>
-              <a:rPr b="0" lang="pt-PT" sz="2000" spc="-1" strike="noStrike">
+              <a:rPr b="0" lang="pt-PT" sz="2400" spc="-1" strike="noStrike">
                 <a:solidFill>
                   <a:srgbClr val="000000"/>
                 </a:solidFill>
                 <a:latin typeface="Arial"/>
                 <a:ea typeface="DejaVu Sans"/>
               </a:rPr>
-              <a:t>O dataset é caracterizado dois grafos direcionados, um para a rede noturna e outro para a rede diurna;</a:t>
+              <a:t>O dataset é caracterizado por dois grafos direcionados, um para a rede noturna e outro para a rede diurna;</a:t>
             </a:r>
-            <a:endParaRPr b="0" lang="pt-PT" sz="2000" spc="-1" strike="noStrike">
-              <a:latin typeface="Arial"/>
-            </a:endParaRPr>
-          </a:p>
-          <a:p>
-            <a:pPr marL="432000" indent="-323280">
+            <a:endParaRPr b="0" lang="pt-PT" sz="2400" spc="-1" strike="noStrike">
+              <a:latin typeface="Arial"/>
+            </a:endParaRPr>
+          </a:p>
+          <a:p>
+            <a:pPr marL="432000" indent="-322920">
               <a:lnSpc>
                 <a:spcPct val="100000"/>
               </a:lnSpc>
@@ -5766,7 +5767,7 @@
               <a:buChar char=""/>
             </a:pPr>
             <a:r>
-              <a:rPr b="0" lang="pt-PT" sz="2000" spc="-1" strike="noStrike">
+              <a:rPr b="0" lang="pt-PT" sz="2400" spc="-1" strike="noStrike">
                 <a:solidFill>
                   <a:srgbClr val="000000"/>
                 </a:solidFill>
@@ -5775,12 +5776,12 @@
               </a:rPr>
               <a:t>Os vértices dos grafos estão representados por um unordered_map, onde a chave corresponde ao código da paragem e o valor corresponde ao node(struct Node);</a:t>
             </a:r>
-            <a:endParaRPr b="0" lang="pt-PT" sz="2000" spc="-1" strike="noStrike">
-              <a:latin typeface="Arial"/>
-            </a:endParaRPr>
-          </a:p>
-          <a:p>
-            <a:pPr marL="432000" indent="-323280">
+            <a:endParaRPr b="0" lang="pt-PT" sz="2400" spc="-1" strike="noStrike">
+              <a:latin typeface="Arial"/>
+            </a:endParaRPr>
+          </a:p>
+          <a:p>
+            <a:pPr marL="432000" indent="-322920">
               <a:lnSpc>
                 <a:spcPct val="100000"/>
               </a:lnSpc>
@@ -5795,7 +5796,7 @@
               <a:buChar char=""/>
             </a:pPr>
             <a:r>
-              <a:rPr b="0" lang="pt-PT" sz="2000" spc="-1" strike="noStrike">
+              <a:rPr b="0" lang="pt-PT" sz="2400" spc="-1" strike="noStrike">
                 <a:solidFill>
                   <a:srgbClr val="000000"/>
                 </a:solidFill>
@@ -5804,12 +5805,12 @@
               </a:rPr>
               <a:t>Cada nó guarda um apontador para uma paragem, a lista de arestas, uma variável booleana visited e outras variáveis usadas nos algoritmos;</a:t>
             </a:r>
-            <a:endParaRPr b="0" lang="pt-PT" sz="2000" spc="-1" strike="noStrike">
-              <a:latin typeface="Arial"/>
-            </a:endParaRPr>
-          </a:p>
-          <a:p>
-            <a:pPr marL="432000" indent="-323280">
+            <a:endParaRPr b="0" lang="pt-PT" sz="2400" spc="-1" strike="noStrike">
+              <a:latin typeface="Arial"/>
+            </a:endParaRPr>
+          </a:p>
+          <a:p>
+            <a:pPr marL="432000" indent="-322920">
               <a:lnSpc>
                 <a:spcPct val="100000"/>
               </a:lnSpc>
@@ -5824,16 +5825,16 @@
               <a:buChar char=""/>
             </a:pPr>
             <a:r>
-              <a:rPr b="0" lang="pt-PT" sz="2000" spc="-1" strike="noStrike">
+              <a:rPr b="0" lang="pt-PT" sz="2400" spc="-1" strike="noStrike">
                 <a:solidFill>
                   <a:srgbClr val="000000"/>
                 </a:solidFill>
                 <a:latin typeface="Arial"/>
                 <a:ea typeface="DejaVu Sans"/>
               </a:rPr>
-              <a:t>As arestas dispõem de uma variável que guarda o destino(código da paragem), a distância e um código que identifica a aresta. Foram adicionadas algumas arestas que representam o caminho a pé, dentro de uma distância perto da paragem pré- definida.</a:t>
+              <a:t>As arestas dispõem de uma variável que guarda o destino(código da paragem), a distância e um código que identifica a aresta. Foram adicionadas algumas arestas que representam o caminho a pedestre até uma paragem, dentro de uma distância pré-definida.</a:t>
             </a:r>
-            <a:endParaRPr b="0" lang="pt-PT" sz="2000" spc="-1" strike="noStrike">
+            <a:endParaRPr b="0" lang="pt-PT" sz="2400" spc="-1" strike="noStrike">
               <a:latin typeface="Arial"/>
             </a:endParaRPr>
           </a:p>
@@ -5878,7 +5879,7 @@
         <p:spPr>
           <a:xfrm>
             <a:off x="540000" y="0"/>
-            <a:ext cx="9070200" cy="945000"/>
+            <a:ext cx="9069840" cy="944640"/>
           </a:xfrm>
           <a:prstGeom prst="rect">
             <a:avLst/>
@@ -5928,8 +5929,8 @@
         </p:nvSpPr>
         <p:spPr>
           <a:xfrm>
-            <a:off x="504000" y="1326600"/>
-            <a:ext cx="9070920" cy="3287520"/>
+            <a:off x="504000" y="900000"/>
+            <a:ext cx="9070560" cy="4320000"/>
           </a:xfrm>
           <a:prstGeom prst="rect">
             <a:avLst/>
@@ -5947,10 +5948,10 @@
         </p:style>
         <p:txBody>
           <a:bodyPr lIns="0" rIns="0" tIns="0" bIns="0">
-            <a:normAutofit fontScale="51000"/>
-          </a:bodyPr>
-          <a:p>
-            <a:pPr marL="432000" indent="-323280">
+            <a:normAutofit fontScale="94000"/>
+          </a:bodyPr>
+          <a:p>
+            <a:pPr marL="432000" indent="-322920">
               <a:lnSpc>
                 <a:spcPct val="100000"/>
               </a:lnSpc>
@@ -5965,21 +5966,21 @@
               <a:buChar char=""/>
             </a:pPr>
             <a:r>
-              <a:rPr b="0" lang="pt-PT" sz="3200" spc="-1" strike="noStrike">
+              <a:rPr b="0" lang="pt-PT" sz="2400" spc="-1" strike="noStrike">
                 <a:solidFill>
                   <a:srgbClr val="000000"/>
                 </a:solidFill>
                 <a:latin typeface="Arial"/>
                 <a:ea typeface="DejaVu Sans"/>
               </a:rPr>
-              <a:t>3-6 slides</a:t>
+              <a:t>Tanto a origem como o destino são vistos como paragens;</a:t>
             </a:r>
-            <a:endParaRPr b="0" lang="pt-PT" sz="3200" spc="-1" strike="noStrike">
-              <a:latin typeface="Arial"/>
-            </a:endParaRPr>
-          </a:p>
-          <a:p>
-            <a:pPr marL="432000" indent="-323280">
+            <a:endParaRPr b="0" lang="pt-PT" sz="2400" spc="-1" strike="noStrike">
+              <a:latin typeface="Arial"/>
+            </a:endParaRPr>
+          </a:p>
+          <a:p>
+            <a:pPr marL="432000" indent="-322920">
               <a:lnSpc>
                 <a:spcPct val="100000"/>
               </a:lnSpc>
@@ -5994,21 +5995,21 @@
               <a:buChar char=""/>
             </a:pPr>
             <a:r>
-              <a:rPr b="0" lang="pt-PT" sz="3200" spc="-1" strike="noStrike">
+              <a:rPr b="0" lang="pt-PT" sz="2400" spc="-1" strike="noStrike">
                 <a:solidFill>
                   <a:srgbClr val="000000"/>
                 </a:solidFill>
                 <a:latin typeface="Arial"/>
                 <a:ea typeface="DejaVu Sans"/>
               </a:rPr>
-              <a:t>Origem/Destino: diretamente uma paragem para outra? de um local/conjunto de paragens para outro local? outros?</a:t>
+              <a:t>Conceitos de "melhor" caminho adotados:</a:t>
             </a:r>
-            <a:endParaRPr b="0" lang="pt-PT" sz="3200" spc="-1" strike="noStrike">
-              <a:latin typeface="Arial"/>
-            </a:endParaRPr>
-          </a:p>
-          <a:p>
-            <a:pPr marL="432000" indent="-323280">
+            <a:endParaRPr b="0" lang="pt-PT" sz="2400" spc="-1" strike="noStrike">
+              <a:latin typeface="Arial"/>
+            </a:endParaRPr>
+          </a:p>
+          <a:p>
+            <a:pPr marL="432000" indent="-322920">
               <a:lnSpc>
                 <a:spcPct val="100000"/>
               </a:lnSpc>
@@ -6023,21 +6024,21 @@
               <a:buChar char=""/>
             </a:pPr>
             <a:r>
-              <a:rPr b="0" lang="pt-PT" sz="3200" spc="-1" strike="noStrike">
+              <a:rPr b="0" lang="pt-PT" sz="2400" spc="-1" strike="noStrike">
                 <a:solidFill>
                   <a:srgbClr val="000000"/>
                 </a:solidFill>
                 <a:latin typeface="Arial"/>
                 <a:ea typeface="DejaVu Sans"/>
               </a:rPr>
-              <a:t>Conceito de "melhor" caminho: nº de paragens? distância? nº mudanças de linha? nº zonas? outros?</a:t>
+              <a:t>- Melhor caminho por distância;</a:t>
             </a:r>
-            <a:endParaRPr b="0" lang="pt-PT" sz="3200" spc="-1" strike="noStrike">
-              <a:latin typeface="Arial"/>
-            </a:endParaRPr>
-          </a:p>
-          <a:p>
-            <a:pPr marL="432000" indent="-323280">
+            <a:endParaRPr b="0" lang="pt-PT" sz="2400" spc="-1" strike="noStrike">
+              <a:latin typeface="Arial"/>
+            </a:endParaRPr>
+          </a:p>
+          <a:p>
+            <a:pPr marL="432000" indent="-322920">
               <a:lnSpc>
                 <a:spcPct val="100000"/>
               </a:lnSpc>
@@ -6052,16 +6053,103 @@
               <a:buChar char=""/>
             </a:pPr>
             <a:r>
-              <a:rPr b="0" lang="pt-PT" sz="3200" spc="-1" strike="noStrike">
+              <a:rPr b="0" lang="pt-PT" sz="2400" spc="-1" strike="noStrike">
                 <a:solidFill>
                   <a:srgbClr val="000000"/>
                 </a:solidFill>
                 <a:latin typeface="Arial"/>
                 <a:ea typeface="DejaVu Sans"/>
               </a:rPr>
-              <a:t>Mudança de autocarro: apenas numa mesma paragem? andar a pé até paragem vizinha? outros?</a:t>
+              <a:t>- Melhor caminho por nº de paragens;</a:t>
             </a:r>
-            <a:endParaRPr b="0" lang="pt-PT" sz="3200" spc="-1" strike="noStrike">
+            <a:endParaRPr b="0" lang="pt-PT" sz="2400" spc="-1" strike="noStrike">
+              <a:latin typeface="Arial"/>
+            </a:endParaRPr>
+          </a:p>
+          <a:p>
+            <a:pPr marL="432000" indent="-322920">
+              <a:lnSpc>
+                <a:spcPct val="100000"/>
+              </a:lnSpc>
+              <a:spcBef>
+                <a:spcPts val="1417"/>
+              </a:spcBef>
+              <a:buClr>
+                <a:srgbClr val="000000"/>
+              </a:buClr>
+              <a:buSzPct val="45000"/>
+              <a:buFont typeface="Wingdings" charset="2"/>
+              <a:buChar char=""/>
+            </a:pPr>
+            <a:r>
+              <a:rPr b="0" lang="pt-PT" sz="2400" spc="-1" strike="noStrike">
+                <a:solidFill>
+                  <a:srgbClr val="000000"/>
+                </a:solidFill>
+                <a:latin typeface="Arial"/>
+                <a:ea typeface="DejaVu Sans"/>
+              </a:rPr>
+              <a:t>- Melhor caminho por nº de zonas.</a:t>
+            </a:r>
+            <a:endParaRPr b="0" lang="pt-PT" sz="2400" spc="-1" strike="noStrike">
+              <a:latin typeface="Arial"/>
+            </a:endParaRPr>
+          </a:p>
+          <a:p>
+            <a:pPr marL="432000" indent="-322920">
+              <a:lnSpc>
+                <a:spcPct val="100000"/>
+              </a:lnSpc>
+              <a:spcBef>
+                <a:spcPts val="1417"/>
+              </a:spcBef>
+              <a:buClr>
+                <a:srgbClr val="000000"/>
+              </a:buClr>
+              <a:buSzPct val="45000"/>
+              <a:buFont typeface="Wingdings" charset="2"/>
+              <a:buChar char=""/>
+            </a:pPr>
+            <a:r>
+              <a:rPr b="0" lang="pt-PT" sz="2400" spc="-1" strike="noStrike">
+                <a:solidFill>
+                  <a:srgbClr val="000000"/>
+                </a:solidFill>
+                <a:latin typeface="Arial"/>
+                <a:ea typeface="DejaVu Sans"/>
+              </a:rPr>
+              <a:t>Todos os conceitos de melhor caminho possuem um método que retorna o trajeto;</a:t>
+            </a:r>
+            <a:endParaRPr b="0" lang="pt-PT" sz="2400" spc="-1" strike="noStrike">
+              <a:latin typeface="Arial"/>
+            </a:endParaRPr>
+          </a:p>
+          <a:p>
+            <a:pPr marL="432000" indent="-322920">
+              <a:lnSpc>
+                <a:spcPct val="100000"/>
+              </a:lnSpc>
+              <a:spcBef>
+                <a:spcPts val="1417"/>
+              </a:spcBef>
+              <a:buClr>
+                <a:srgbClr val="000000"/>
+              </a:buClr>
+              <a:buSzPct val="45000"/>
+              <a:buFont typeface="Wingdings" charset="2"/>
+              <a:buChar char=""/>
+            </a:pPr>
+            <a:r>
+              <a:rPr b="0" lang="pt-PT" sz="2400" spc="-1" strike="noStrike">
+                <a:solidFill>
+                  <a:srgbClr val="000000"/>
+                </a:solidFill>
+                <a:latin typeface="Arial"/>
+                <a:ea typeface="DejaVu Sans"/>
+              </a:rPr>
+              <a:t>Tal como referido anteriormente, adicionamos arestas que representam caminhos pedestres, e por isso os algoritmos também são executados tendo esse aspeto em conta,</a:t>
+            </a:r>
+            <a:endParaRPr b="0" lang="pt-PT" sz="2400" spc="-1" strike="noStrike">
               <a:latin typeface="Arial"/>
             </a:endParaRPr>
           </a:p>
@@ -6100,13 +6188,13 @@
       <p:sp>
         <p:nvSpPr>
           <p:cNvPr id="129" name=""/>
-          <p:cNvSpPr/>
+          <p:cNvSpPr txBox="1"/>
           <p:nvPr/>
         </p:nvSpPr>
         <p:spPr>
           <a:xfrm>
-            <a:off x="504000" y="0"/>
-            <a:ext cx="9070200" cy="945000"/>
+            <a:off x="504000" y="133560"/>
+            <a:ext cx="9072000" cy="946440"/>
           </a:xfrm>
           <a:prstGeom prst="rect">
             <a:avLst/>
@@ -6116,12 +6204,6 @@
             <a:noFill/>
           </a:ln>
         </p:spPr>
-        <p:style>
-          <a:lnRef idx="0"/>
-          <a:fillRef idx="0"/>
-          <a:effectRef idx="0"/>
-          <a:fontRef idx="minor"/>
-        </p:style>
         <p:txBody>
           <a:bodyPr lIns="0" rIns="0" tIns="0" bIns="0" anchor="ctr">
             <a:noAutofit/>
@@ -6140,7 +6222,7 @@
                 <a:latin typeface="Arial"/>
                 <a:ea typeface="DejaVu Sans"/>
               </a:rPr>
-              <a:t>Interface</a:t>
+              <a:t>Funcionalidades e algoritmos</a:t>
             </a:r>
             <a:endParaRPr b="0" lang="pt-PT" sz="3200" spc="-1" strike="noStrike">
               <a:latin typeface="Arial"/>
@@ -6151,13 +6233,13 @@
       <p:sp>
         <p:nvSpPr>
           <p:cNvPr id="130" name=""/>
-          <p:cNvSpPr/>
+          <p:cNvSpPr txBox="1"/>
           <p:nvPr/>
         </p:nvSpPr>
         <p:spPr>
           <a:xfrm>
-            <a:off x="504000" y="1326600"/>
-            <a:ext cx="9070920" cy="3287520"/>
+            <a:off x="504000" y="1080000"/>
+            <a:ext cx="9072000" cy="3960000"/>
           </a:xfrm>
           <a:prstGeom prst="rect">
             <a:avLst/>
@@ -6167,21 +6249,12 @@
             <a:noFill/>
           </a:ln>
         </p:spPr>
-        <p:style>
-          <a:lnRef idx="0"/>
-          <a:fillRef idx="0"/>
-          <a:effectRef idx="0"/>
-          <a:fontRef idx="minor"/>
-        </p:style>
-        <p:txBody>
-          <a:bodyPr lIns="0" rIns="0" tIns="0" bIns="0">
-            <a:normAutofit/>
-          </a:bodyPr>
-          <a:p>
-            <a:pPr marL="432000" indent="-323280">
-              <a:lnSpc>
-                <a:spcPct val="100000"/>
-              </a:lnSpc>
+        <p:txBody>
+          <a:bodyPr lIns="0" rIns="0" tIns="0" bIns="0">
+            <a:normAutofit/>
+          </a:bodyPr>
+          <a:p>
+            <a:pPr marL="432000" indent="-324000">
               <a:spcBef>
                 <a:spcPts val="1417"/>
               </a:spcBef>
@@ -6193,24 +6266,17 @@
               <a:buChar char=""/>
             </a:pPr>
             <a:r>
-              <a:rPr b="0" lang="pt-PT" sz="3200" spc="-1" strike="noStrike">
-                <a:solidFill>
-                  <a:srgbClr val="000000"/>
-                </a:solidFill>
+              <a:rPr b="0" lang="pt-PT" sz="2400" spc="-1" strike="noStrike">
                 <a:latin typeface="Arial"/>
-                <a:ea typeface="DejaVu Sans"/>
               </a:rPr>
-              <a:t>1-2 slides</a:t>
+              <a:t>Mudança de autocarro?</a:t>
             </a:r>
-            <a:endParaRPr b="0" lang="pt-PT" sz="3200" spc="-1" strike="noStrike">
-              <a:latin typeface="Arial"/>
-            </a:endParaRPr>
-          </a:p>
-          <a:p>
-            <a:pPr marL="432000" indent="-323280">
-              <a:lnSpc>
-                <a:spcPct val="100000"/>
-              </a:lnSpc>
+            <a:endParaRPr b="0" lang="pt-PT" sz="2400" spc="-1" strike="noStrike">
+              <a:latin typeface="Arial"/>
+            </a:endParaRPr>
+          </a:p>
+          <a:p>
+            <a:pPr marL="432000" indent="-324000">
               <a:spcBef>
                 <a:spcPts val="1417"/>
               </a:spcBef>
@@ -6222,16 +6288,12 @@
               <a:buChar char=""/>
             </a:pPr>
             <a:r>
-              <a:rPr b="0" lang="pt-PT" sz="3200" spc="-1" strike="noStrike">
-                <a:solidFill>
-                  <a:srgbClr val="000000"/>
-                </a:solidFill>
+              <a:rPr b="0" lang="pt-PT" sz="2400" spc="-1" strike="noStrike">
                 <a:latin typeface="Arial"/>
-                <a:ea typeface="DejaVu Sans"/>
               </a:rPr>
-              <a:t>pode incluir exemplo de utilização</a:t>
+              <a:t>Existe também a funcionalidade de procurar as paragens mais próximas a partir de uma paragem e um valor de distancia pré-definido.</a:t>
             </a:r>
-            <a:endParaRPr b="0" lang="pt-PT" sz="3200" spc="-1" strike="noStrike">
+            <a:endParaRPr b="0" lang="pt-PT" sz="2400" spc="-1" strike="noStrike">
               <a:latin typeface="Arial"/>
             </a:endParaRPr>
           </a:p>
@@ -6275,8 +6337,8 @@
         </p:nvSpPr>
         <p:spPr>
           <a:xfrm>
-            <a:off x="504000" y="134280"/>
-            <a:ext cx="9070200" cy="945000"/>
+            <a:off x="504000" y="0"/>
+            <a:ext cx="9069840" cy="944640"/>
           </a:xfrm>
           <a:prstGeom prst="rect">
             <a:avLst/>
@@ -6310,7 +6372,7 @@
                 <a:latin typeface="Arial"/>
                 <a:ea typeface="DejaVu Sans"/>
               </a:rPr>
-              <a:t>Destaques de  funcionalidades</a:t>
+              <a:t>Interface</a:t>
             </a:r>
             <a:endParaRPr b="0" lang="pt-PT" sz="3200" spc="-1" strike="noStrike">
               <a:latin typeface="Arial"/>
@@ -6327,7 +6389,7 @@
         <p:spPr>
           <a:xfrm>
             <a:off x="504000" y="1326600"/>
-            <a:ext cx="9070920" cy="3287520"/>
+            <a:ext cx="9070560" cy="3287160"/>
           </a:xfrm>
           <a:prstGeom prst="rect">
             <a:avLst/>
@@ -6348,7 +6410,7 @@
             <a:normAutofit/>
           </a:bodyPr>
           <a:p>
-            <a:pPr marL="432000" indent="-323280">
+            <a:pPr marL="432000" indent="-322920">
               <a:lnSpc>
                 <a:spcPct val="100000"/>
               </a:lnSpc>
@@ -6370,7 +6432,36 @@
                 <a:latin typeface="Arial"/>
                 <a:ea typeface="DejaVu Sans"/>
               </a:rPr>
-              <a:t>1 slide</a:t>
+              <a:t>1-2 slides</a:t>
+            </a:r>
+            <a:endParaRPr b="0" lang="pt-PT" sz="3200" spc="-1" strike="noStrike">
+              <a:latin typeface="Arial"/>
+            </a:endParaRPr>
+          </a:p>
+          <a:p>
+            <a:pPr marL="432000" indent="-322920">
+              <a:lnSpc>
+                <a:spcPct val="100000"/>
+              </a:lnSpc>
+              <a:spcBef>
+                <a:spcPts val="1417"/>
+              </a:spcBef>
+              <a:buClr>
+                <a:srgbClr val="000000"/>
+              </a:buClr>
+              <a:buSzPct val="45000"/>
+              <a:buFont typeface="Wingdings" charset="2"/>
+              <a:buChar char=""/>
+            </a:pPr>
+            <a:r>
+              <a:rPr b="0" lang="pt-PT" sz="3200" spc="-1" strike="noStrike">
+                <a:solidFill>
+                  <a:srgbClr val="000000"/>
+                </a:solidFill>
+                <a:latin typeface="Arial"/>
+                <a:ea typeface="DejaVu Sans"/>
+              </a:rPr>
+              <a:t>pode incluir exemplo de utilização</a:t>
             </a:r>
             <a:endParaRPr b="0" lang="pt-PT" sz="3200" spc="-1" strike="noStrike">
               <a:latin typeface="Arial"/>
@@ -6416,8 +6507,8 @@
         </p:nvSpPr>
         <p:spPr>
           <a:xfrm>
-            <a:off x="360000" y="226080"/>
-            <a:ext cx="9070200" cy="945000"/>
+            <a:off x="504000" y="134280"/>
+            <a:ext cx="9069840" cy="944640"/>
           </a:xfrm>
           <a:prstGeom prst="rect">
             <a:avLst/>
@@ -6451,7 +6542,7 @@
                 <a:latin typeface="Arial"/>
                 <a:ea typeface="DejaVu Sans"/>
               </a:rPr>
-              <a:t>Principais dificuldades</a:t>
+              <a:t>Destaques de  funcionalidades</a:t>
             </a:r>
             <a:endParaRPr b="0" lang="pt-PT" sz="3200" spc="-1" strike="noStrike">
               <a:latin typeface="Arial"/>
@@ -6467,8 +6558,8 @@
         </p:nvSpPr>
         <p:spPr>
           <a:xfrm>
-            <a:off x="504000" y="1031760"/>
-            <a:ext cx="9070920" cy="1847520"/>
+            <a:off x="504000" y="1326600"/>
+            <a:ext cx="9070560" cy="3287160"/>
           </a:xfrm>
           <a:prstGeom prst="rect">
             <a:avLst/>
@@ -6489,7 +6580,7 @@
             <a:normAutofit/>
           </a:bodyPr>
           <a:p>
-            <a:pPr marL="432000" indent="-323280">
+            <a:pPr marL="432000" indent="-322920">
               <a:lnSpc>
                 <a:spcPct val="100000"/>
               </a:lnSpc>
@@ -6519,6 +6610,36 @@
           </a:p>
         </p:txBody>
       </p:sp>
+    </p:spTree>
+  </p:cSld>
+  <mc:AlternateContent>
+    <mc:Choice Requires="p14">
+      <p:transition spd="slow" p14:dur="2000"/>
+    </mc:Choice>
+    <mc:Fallback>
+      <p:transition spd="slow"/>
+    </mc:Fallback>
+  </mc:AlternateContent>
+</p:sld>
+</file>
+
+<file path=ppt/slides/slide9.xml><?xml version="1.0" encoding="utf-8"?>
+<p:sld xmlns:a="http://schemas.openxmlformats.org/drawingml/2006/main" xmlns:p="http://schemas.openxmlformats.org/presentationml/2006/main" xmlns:r="http://schemas.openxmlformats.org/officeDocument/2006/relationships" xmlns:p14="http://schemas.microsoft.com/office/powerpoint/2010/main" xmlns:p15="http://schemas.microsoft.com/office/powerpoint/2012/main" xmlns:mc="http://schemas.openxmlformats.org/markup-compatibility/2006">
+  <p:cSld>
+    <p:spTree>
+      <p:nvGrpSpPr>
+        <p:cNvPr id="1" name=""/>
+        <p:cNvGrpSpPr/>
+        <p:nvPr/>
+      </p:nvGrpSpPr>
+      <p:grpSpPr>
+        <a:xfrm>
+          <a:off x="0" y="0"/>
+          <a:ext cx="0" cy="0"/>
+          <a:chOff x="0" y="0"/>
+          <a:chExt cx="0" cy="0"/>
+        </a:xfrm>
+      </p:grpSpPr>
       <p:sp>
         <p:nvSpPr>
           <p:cNvPr id="135" name=""/>
@@ -6527,8 +6648,119 @@
         </p:nvSpPr>
         <p:spPr>
           <a:xfrm>
+            <a:off x="360000" y="226080"/>
+            <a:ext cx="9069840" cy="944640"/>
+          </a:xfrm>
+          <a:prstGeom prst="rect">
+            <a:avLst/>
+          </a:prstGeom>
+          <a:noFill/>
+          <a:ln w="0">
+            <a:noFill/>
+          </a:ln>
+        </p:spPr>
+        <p:style>
+          <a:lnRef idx="0"/>
+          <a:fillRef idx="0"/>
+          <a:effectRef idx="0"/>
+          <a:fontRef idx="minor"/>
+        </p:style>
+        <p:txBody>
+          <a:bodyPr lIns="0" rIns="0" tIns="0" bIns="0" anchor="ctr">
+            <a:noAutofit/>
+          </a:bodyPr>
+          <a:p>
+            <a:pPr algn="ctr">
+              <a:lnSpc>
+                <a:spcPct val="100000"/>
+              </a:lnSpc>
+            </a:pPr>
+            <a:r>
+              <a:rPr b="0" lang="pt-PT" sz="3200" spc="-1" strike="noStrike">
+                <a:solidFill>
+                  <a:srgbClr val="000000"/>
+                </a:solidFill>
+                <a:latin typeface="Arial"/>
+                <a:ea typeface="DejaVu Sans"/>
+              </a:rPr>
+              <a:t>Principais dificuldades</a:t>
+            </a:r>
+            <a:endParaRPr b="0" lang="pt-PT" sz="3200" spc="-1" strike="noStrike">
+              <a:latin typeface="Arial"/>
+            </a:endParaRPr>
+          </a:p>
+        </p:txBody>
+      </p:sp>
+      <p:sp>
+        <p:nvSpPr>
+          <p:cNvPr id="136" name=""/>
+          <p:cNvSpPr/>
+          <p:nvPr/>
+        </p:nvSpPr>
+        <p:spPr>
+          <a:xfrm>
+            <a:off x="504000" y="1031760"/>
+            <a:ext cx="9070560" cy="1847160"/>
+          </a:xfrm>
+          <a:prstGeom prst="rect">
+            <a:avLst/>
+          </a:prstGeom>
+          <a:noFill/>
+          <a:ln w="0">
+            <a:noFill/>
+          </a:ln>
+        </p:spPr>
+        <p:style>
+          <a:lnRef idx="0"/>
+          <a:fillRef idx="0"/>
+          <a:effectRef idx="0"/>
+          <a:fontRef idx="minor"/>
+        </p:style>
+        <p:txBody>
+          <a:bodyPr lIns="0" rIns="0" tIns="0" bIns="0">
+            <a:normAutofit/>
+          </a:bodyPr>
+          <a:p>
+            <a:pPr marL="432000" indent="-322920">
+              <a:lnSpc>
+                <a:spcPct val="100000"/>
+              </a:lnSpc>
+              <a:spcBef>
+                <a:spcPts val="1417"/>
+              </a:spcBef>
+              <a:buClr>
+                <a:srgbClr val="000000"/>
+              </a:buClr>
+              <a:buSzPct val="45000"/>
+              <a:buFont typeface="Wingdings" charset="2"/>
+              <a:buChar char=""/>
+            </a:pPr>
+            <a:r>
+              <a:rPr b="0" lang="pt-PT" sz="3200" spc="-1" strike="noStrike">
+                <a:solidFill>
+                  <a:srgbClr val="000000"/>
+                </a:solidFill>
+                <a:latin typeface="Arial"/>
+                <a:ea typeface="DejaVu Sans"/>
+              </a:rPr>
+              <a:t>1 slide</a:t>
+            </a:r>
+            <a:endParaRPr b="0" lang="pt-PT" sz="3200" spc="-1" strike="noStrike">
+              <a:latin typeface="Arial"/>
+            </a:endParaRPr>
+          </a:p>
+        </p:txBody>
+      </p:sp>
+      <p:sp>
+        <p:nvSpPr>
+          <p:cNvPr id="137" name=""/>
+          <p:cNvSpPr/>
+          <p:nvPr/>
+        </p:nvSpPr>
+        <p:spPr>
+          <a:xfrm>
             <a:off x="289080" y="2700000"/>
-            <a:ext cx="9070200" cy="945000"/>
+            <a:ext cx="9069840" cy="944640"/>
           </a:xfrm>
           <a:prstGeom prst="rect">
             <a:avLst/>

--- a/Apresentação.pptx
+++ b/Apresentação.pptx
@@ -5,17 +5,21 @@
     <p:sldMasterId id="2147483648" r:id="rId2"/>
     <p:sldMasterId id="2147483661" r:id="rId3"/>
     <p:sldMasterId id="2147483674" r:id="rId4"/>
+    <p:sldMasterId id="2147483687" r:id="rId5"/>
   </p:sldMasterIdLst>
   <p:sldIdLst>
-    <p:sldId id="256" r:id="rId5"/>
-    <p:sldId id="257" r:id="rId6"/>
-    <p:sldId id="258" r:id="rId7"/>
-    <p:sldId id="259" r:id="rId8"/>
-    <p:sldId id="260" r:id="rId9"/>
-    <p:sldId id="261" r:id="rId10"/>
-    <p:sldId id="262" r:id="rId11"/>
-    <p:sldId id="263" r:id="rId12"/>
-    <p:sldId id="264" r:id="rId13"/>
+    <p:sldId id="256" r:id="rId6"/>
+    <p:sldId id="257" r:id="rId7"/>
+    <p:sldId id="258" r:id="rId8"/>
+    <p:sldId id="259" r:id="rId9"/>
+    <p:sldId id="260" r:id="rId10"/>
+    <p:sldId id="261" r:id="rId11"/>
+    <p:sldId id="262" r:id="rId12"/>
+    <p:sldId id="263" r:id="rId13"/>
+    <p:sldId id="264" r:id="rId14"/>
+    <p:sldId id="265" r:id="rId15"/>
+    <p:sldId id="266" r:id="rId16"/>
+    <p:sldId id="267" r:id="rId17"/>
   </p:sldIdLst>
   <p:sldSz cx="10080625" cy="5670550"/>
   <p:notesSz cx="7559675" cy="10691812"/>
@@ -3442,6 +3446,195 @@
 </p:sldLayout>
 </file>
 
+<file path=ppt/slideLayouts/slideLayout37.xml><?xml version="1.0" encoding="utf-8"?>
+<p:sldLayout xmlns:a="http://schemas.openxmlformats.org/drawingml/2006/main" xmlns:p="http://schemas.openxmlformats.org/presentationml/2006/main" xmlns:r="http://schemas.openxmlformats.org/officeDocument/2006/relationships" xmlns:p14="http://schemas.microsoft.com/office/powerpoint/2010/main" xmlns:p15="http://schemas.microsoft.com/office/powerpoint/2012/main" xmlns:mc="http://schemas.openxmlformats.org/markup-compatibility/2006" type="blank" preserve="1">
+  <p:cSld name="Blank Slide">
+    <p:spTree>
+      <p:nvGrpSpPr>
+        <p:cNvPr id="1" name=""/>
+        <p:cNvGrpSpPr/>
+        <p:nvPr/>
+      </p:nvGrpSpPr>
+      <p:grpSpPr>
+        <a:xfrm>
+          <a:off x="0" y="0"/>
+          <a:ext cx="0" cy="0"/>
+          <a:chOff x="0" y="0"/>
+          <a:chExt cx="0" cy="0"/>
+        </a:xfrm>
+      </p:grpSpPr>
+    </p:spTree>
+  </p:cSld>
+</p:sldLayout>
+</file>
+
+<file path=ppt/slideLayouts/slideLayout38.xml><?xml version="1.0" encoding="utf-8"?>
+<p:sldLayout xmlns:a="http://schemas.openxmlformats.org/drawingml/2006/main" xmlns:p="http://schemas.openxmlformats.org/presentationml/2006/main" xmlns:r="http://schemas.openxmlformats.org/officeDocument/2006/relationships" xmlns:p14="http://schemas.microsoft.com/office/powerpoint/2010/main" xmlns:p15="http://schemas.microsoft.com/office/powerpoint/2012/main" xmlns:mc="http://schemas.openxmlformats.org/markup-compatibility/2006" type="tx" preserve="1">
+  <p:cSld name="Title Slide">
+    <p:spTree>
+      <p:nvGrpSpPr>
+        <p:cNvPr id="1" name=""/>
+        <p:cNvGrpSpPr/>
+        <p:nvPr/>
+      </p:nvGrpSpPr>
+      <p:grpSpPr>
+        <a:xfrm>
+          <a:off x="0" y="0"/>
+          <a:ext cx="0" cy="0"/>
+          <a:chOff x="0" y="0"/>
+          <a:chExt cx="0" cy="0"/>
+        </a:xfrm>
+      </p:grpSpPr>
+      <p:sp>
+        <p:nvSpPr>
+          <p:cNvPr id="116" name="PlaceHolder 1"/>
+          <p:cNvSpPr>
+            <a:spLocks noGrp="1"/>
+          </p:cNvSpPr>
+          <p:nvPr>
+            <p:ph type="title"/>
+          </p:nvPr>
+        </p:nvSpPr>
+        <p:spPr>
+          <a:xfrm>
+            <a:off x="504000" y="226080"/>
+            <a:ext cx="9072000" cy="946440"/>
+          </a:xfrm>
+          <a:prstGeom prst="rect">
+            <a:avLst/>
+          </a:prstGeom>
+        </p:spPr>
+        <p:txBody>
+          <a:bodyPr lIns="0" rIns="0" tIns="0" bIns="0" anchor="ctr">
+            <a:noAutofit/>
+          </a:bodyPr>
+          <a:p>
+            <a:pPr algn="ctr"/>
+            <a:endParaRPr b="0" lang="pt-PT" sz="4400" spc="-1" strike="noStrike">
+              <a:latin typeface="Arial"/>
+            </a:endParaRPr>
+          </a:p>
+        </p:txBody>
+      </p:sp>
+      <p:sp>
+        <p:nvSpPr>
+          <p:cNvPr id="117" name="PlaceHolder 2"/>
+          <p:cNvSpPr>
+            <a:spLocks noGrp="1"/>
+          </p:cNvSpPr>
+          <p:nvPr>
+            <p:ph type="subTitle"/>
+          </p:nvPr>
+        </p:nvSpPr>
+        <p:spPr>
+          <a:xfrm>
+            <a:off x="504000" y="1326600"/>
+            <a:ext cx="9072000" cy="3288600"/>
+          </a:xfrm>
+          <a:prstGeom prst="rect">
+            <a:avLst/>
+          </a:prstGeom>
+        </p:spPr>
+        <p:txBody>
+          <a:bodyPr lIns="0" rIns="0" tIns="0" bIns="0" anchor="ctr">
+            <a:noAutofit/>
+          </a:bodyPr>
+          <a:p>
+            <a:pPr algn="ctr"/>
+            <a:endParaRPr b="0" lang="pt-PT" sz="3200" spc="-1" strike="noStrike">
+              <a:latin typeface="Arial"/>
+            </a:endParaRPr>
+          </a:p>
+        </p:txBody>
+      </p:sp>
+    </p:spTree>
+  </p:cSld>
+</p:sldLayout>
+</file>
+
+<file path=ppt/slideLayouts/slideLayout39.xml><?xml version="1.0" encoding="utf-8"?>
+<p:sldLayout xmlns:a="http://schemas.openxmlformats.org/drawingml/2006/main" xmlns:p="http://schemas.openxmlformats.org/presentationml/2006/main" xmlns:r="http://schemas.openxmlformats.org/officeDocument/2006/relationships" xmlns:p14="http://schemas.microsoft.com/office/powerpoint/2010/main" xmlns:p15="http://schemas.microsoft.com/office/powerpoint/2012/main" xmlns:mc="http://schemas.openxmlformats.org/markup-compatibility/2006" type="obj" preserve="1">
+  <p:cSld name="Title, Content">
+    <p:spTree>
+      <p:nvGrpSpPr>
+        <p:cNvPr id="1" name=""/>
+        <p:cNvGrpSpPr/>
+        <p:nvPr/>
+      </p:nvGrpSpPr>
+      <p:grpSpPr>
+        <a:xfrm>
+          <a:off x="0" y="0"/>
+          <a:ext cx="0" cy="0"/>
+          <a:chOff x="0" y="0"/>
+          <a:chExt cx="0" cy="0"/>
+        </a:xfrm>
+      </p:grpSpPr>
+      <p:sp>
+        <p:nvSpPr>
+          <p:cNvPr id="118" name="PlaceHolder 1"/>
+          <p:cNvSpPr>
+            <a:spLocks noGrp="1"/>
+          </p:cNvSpPr>
+          <p:nvPr>
+            <p:ph type="title"/>
+          </p:nvPr>
+        </p:nvSpPr>
+        <p:spPr>
+          <a:xfrm>
+            <a:off x="504000" y="226080"/>
+            <a:ext cx="9072000" cy="946440"/>
+          </a:xfrm>
+          <a:prstGeom prst="rect">
+            <a:avLst/>
+          </a:prstGeom>
+        </p:spPr>
+        <p:txBody>
+          <a:bodyPr lIns="0" rIns="0" tIns="0" bIns="0" anchor="ctr">
+            <a:noAutofit/>
+          </a:bodyPr>
+          <a:p>
+            <a:pPr algn="ctr"/>
+            <a:endParaRPr b="0" lang="pt-PT" sz="4400" spc="-1" strike="noStrike">
+              <a:latin typeface="Arial"/>
+            </a:endParaRPr>
+          </a:p>
+        </p:txBody>
+      </p:sp>
+      <p:sp>
+        <p:nvSpPr>
+          <p:cNvPr id="119" name="PlaceHolder 2"/>
+          <p:cNvSpPr>
+            <a:spLocks noGrp="1"/>
+          </p:cNvSpPr>
+          <p:nvPr>
+            <p:ph type="body"/>
+          </p:nvPr>
+        </p:nvSpPr>
+        <p:spPr>
+          <a:xfrm>
+            <a:off x="504000" y="1326600"/>
+            <a:ext cx="9072000" cy="3288600"/>
+          </a:xfrm>
+          <a:prstGeom prst="rect">
+            <a:avLst/>
+          </a:prstGeom>
+        </p:spPr>
+        <p:txBody>
+          <a:bodyPr lIns="0" rIns="0" tIns="0" bIns="0">
+            <a:normAutofit/>
+          </a:bodyPr>
+          <a:p>
+            <a:endParaRPr b="0" lang="pt-PT" sz="3200" spc="-1" strike="noStrike">
+              <a:latin typeface="Arial"/>
+            </a:endParaRPr>
+          </a:p>
+        </p:txBody>
+      </p:sp>
+    </p:spTree>
+  </p:cSld>
+</p:sldLayout>
+</file>
+
 <file path=ppt/slideLayouts/slideLayout4.xml><?xml version="1.0" encoding="utf-8"?>
 <p:sldLayout xmlns:a="http://schemas.openxmlformats.org/drawingml/2006/main" xmlns:p="http://schemas.openxmlformats.org/presentationml/2006/main" xmlns:r="http://schemas.openxmlformats.org/officeDocument/2006/relationships" xmlns:p14="http://schemas.microsoft.com/office/powerpoint/2010/main" xmlns:p15="http://schemas.microsoft.com/office/powerpoint/2012/main" xmlns:mc="http://schemas.openxmlformats.org/markup-compatibility/2006" type="twoObj" preserve="1">
   <p:cSld name="Title, 2 Content">
@@ -3534,6 +3727,1173 @@
           <a:xfrm>
             <a:off x="5152680" y="1326600"/>
             <a:ext cx="4426920" cy="3288600"/>
+          </a:xfrm>
+          <a:prstGeom prst="rect">
+            <a:avLst/>
+          </a:prstGeom>
+        </p:spPr>
+        <p:txBody>
+          <a:bodyPr lIns="0" rIns="0" tIns="0" bIns="0">
+            <a:normAutofit/>
+          </a:bodyPr>
+          <a:p>
+            <a:endParaRPr b="0" lang="pt-PT" sz="3200" spc="-1" strike="noStrike">
+              <a:latin typeface="Arial"/>
+            </a:endParaRPr>
+          </a:p>
+        </p:txBody>
+      </p:sp>
+    </p:spTree>
+  </p:cSld>
+</p:sldLayout>
+</file>
+
+<file path=ppt/slideLayouts/slideLayout40.xml><?xml version="1.0" encoding="utf-8"?>
+<p:sldLayout xmlns:a="http://schemas.openxmlformats.org/drawingml/2006/main" xmlns:p="http://schemas.openxmlformats.org/presentationml/2006/main" xmlns:r="http://schemas.openxmlformats.org/officeDocument/2006/relationships" xmlns:p14="http://schemas.microsoft.com/office/powerpoint/2010/main" xmlns:p15="http://schemas.microsoft.com/office/powerpoint/2012/main" xmlns:mc="http://schemas.openxmlformats.org/markup-compatibility/2006" type="twoObj" preserve="1">
+  <p:cSld name="Title, 2 Content">
+    <p:spTree>
+      <p:nvGrpSpPr>
+        <p:cNvPr id="1" name=""/>
+        <p:cNvGrpSpPr/>
+        <p:nvPr/>
+      </p:nvGrpSpPr>
+      <p:grpSpPr>
+        <a:xfrm>
+          <a:off x="0" y="0"/>
+          <a:ext cx="0" cy="0"/>
+          <a:chOff x="0" y="0"/>
+          <a:chExt cx="0" cy="0"/>
+        </a:xfrm>
+      </p:grpSpPr>
+      <p:sp>
+        <p:nvSpPr>
+          <p:cNvPr id="120" name="PlaceHolder 1"/>
+          <p:cNvSpPr>
+            <a:spLocks noGrp="1"/>
+          </p:cNvSpPr>
+          <p:nvPr>
+            <p:ph type="title"/>
+          </p:nvPr>
+        </p:nvSpPr>
+        <p:spPr>
+          <a:xfrm>
+            <a:off x="504000" y="226080"/>
+            <a:ext cx="9072000" cy="946440"/>
+          </a:xfrm>
+          <a:prstGeom prst="rect">
+            <a:avLst/>
+          </a:prstGeom>
+        </p:spPr>
+        <p:txBody>
+          <a:bodyPr lIns="0" rIns="0" tIns="0" bIns="0" anchor="ctr">
+            <a:noAutofit/>
+          </a:bodyPr>
+          <a:p>
+            <a:pPr algn="ctr"/>
+            <a:endParaRPr b="0" lang="pt-PT" sz="4400" spc="-1" strike="noStrike">
+              <a:latin typeface="Arial"/>
+            </a:endParaRPr>
+          </a:p>
+        </p:txBody>
+      </p:sp>
+      <p:sp>
+        <p:nvSpPr>
+          <p:cNvPr id="121" name="PlaceHolder 2"/>
+          <p:cNvSpPr>
+            <a:spLocks noGrp="1"/>
+          </p:cNvSpPr>
+          <p:nvPr>
+            <p:ph type="body"/>
+          </p:nvPr>
+        </p:nvSpPr>
+        <p:spPr>
+          <a:xfrm>
+            <a:off x="504000" y="1326600"/>
+            <a:ext cx="4426920" cy="3288600"/>
+          </a:xfrm>
+          <a:prstGeom prst="rect">
+            <a:avLst/>
+          </a:prstGeom>
+        </p:spPr>
+        <p:txBody>
+          <a:bodyPr lIns="0" rIns="0" tIns="0" bIns="0">
+            <a:normAutofit/>
+          </a:bodyPr>
+          <a:p>
+            <a:endParaRPr b="0" lang="pt-PT" sz="3200" spc="-1" strike="noStrike">
+              <a:latin typeface="Arial"/>
+            </a:endParaRPr>
+          </a:p>
+        </p:txBody>
+      </p:sp>
+      <p:sp>
+        <p:nvSpPr>
+          <p:cNvPr id="122" name="PlaceHolder 3"/>
+          <p:cNvSpPr>
+            <a:spLocks noGrp="1"/>
+          </p:cNvSpPr>
+          <p:nvPr>
+            <p:ph type="body"/>
+          </p:nvPr>
+        </p:nvSpPr>
+        <p:spPr>
+          <a:xfrm>
+            <a:off x="5152680" y="1326600"/>
+            <a:ext cx="4426920" cy="3288600"/>
+          </a:xfrm>
+          <a:prstGeom prst="rect">
+            <a:avLst/>
+          </a:prstGeom>
+        </p:spPr>
+        <p:txBody>
+          <a:bodyPr lIns="0" rIns="0" tIns="0" bIns="0">
+            <a:normAutofit/>
+          </a:bodyPr>
+          <a:p>
+            <a:endParaRPr b="0" lang="pt-PT" sz="3200" spc="-1" strike="noStrike">
+              <a:latin typeface="Arial"/>
+            </a:endParaRPr>
+          </a:p>
+        </p:txBody>
+      </p:sp>
+    </p:spTree>
+  </p:cSld>
+</p:sldLayout>
+</file>
+
+<file path=ppt/slideLayouts/slideLayout41.xml><?xml version="1.0" encoding="utf-8"?>
+<p:sldLayout xmlns:a="http://schemas.openxmlformats.org/drawingml/2006/main" xmlns:p="http://schemas.openxmlformats.org/presentationml/2006/main" xmlns:r="http://schemas.openxmlformats.org/officeDocument/2006/relationships" xmlns:p14="http://schemas.microsoft.com/office/powerpoint/2010/main" xmlns:p15="http://schemas.microsoft.com/office/powerpoint/2012/main" xmlns:mc="http://schemas.openxmlformats.org/markup-compatibility/2006" type="titleOnly" preserve="1">
+  <p:cSld name="Title Only">
+    <p:spTree>
+      <p:nvGrpSpPr>
+        <p:cNvPr id="1" name=""/>
+        <p:cNvGrpSpPr/>
+        <p:nvPr/>
+      </p:nvGrpSpPr>
+      <p:grpSpPr>
+        <a:xfrm>
+          <a:off x="0" y="0"/>
+          <a:ext cx="0" cy="0"/>
+          <a:chOff x="0" y="0"/>
+          <a:chExt cx="0" cy="0"/>
+        </a:xfrm>
+      </p:grpSpPr>
+      <p:sp>
+        <p:nvSpPr>
+          <p:cNvPr id="123" name="PlaceHolder 1"/>
+          <p:cNvSpPr>
+            <a:spLocks noGrp="1"/>
+          </p:cNvSpPr>
+          <p:nvPr>
+            <p:ph type="title"/>
+          </p:nvPr>
+        </p:nvSpPr>
+        <p:spPr>
+          <a:xfrm>
+            <a:off x="504000" y="226080"/>
+            <a:ext cx="9072000" cy="946440"/>
+          </a:xfrm>
+          <a:prstGeom prst="rect">
+            <a:avLst/>
+          </a:prstGeom>
+        </p:spPr>
+        <p:txBody>
+          <a:bodyPr lIns="0" rIns="0" tIns="0" bIns="0" anchor="ctr">
+            <a:noAutofit/>
+          </a:bodyPr>
+          <a:p>
+            <a:pPr algn="ctr"/>
+            <a:endParaRPr b="0" lang="pt-PT" sz="4400" spc="-1" strike="noStrike">
+              <a:latin typeface="Arial"/>
+            </a:endParaRPr>
+          </a:p>
+        </p:txBody>
+      </p:sp>
+    </p:spTree>
+  </p:cSld>
+</p:sldLayout>
+</file>
+
+<file path=ppt/slideLayouts/slideLayout42.xml><?xml version="1.0" encoding="utf-8"?>
+<p:sldLayout xmlns:a="http://schemas.openxmlformats.org/drawingml/2006/main" xmlns:p="http://schemas.openxmlformats.org/presentationml/2006/main" xmlns:r="http://schemas.openxmlformats.org/officeDocument/2006/relationships" xmlns:p14="http://schemas.microsoft.com/office/powerpoint/2010/main" xmlns:p15="http://schemas.microsoft.com/office/powerpoint/2012/main" xmlns:mc="http://schemas.openxmlformats.org/markup-compatibility/2006" type="objOnly" preserve="1">
+  <p:cSld name="Centered Text">
+    <p:spTree>
+      <p:nvGrpSpPr>
+        <p:cNvPr id="1" name=""/>
+        <p:cNvGrpSpPr/>
+        <p:nvPr/>
+      </p:nvGrpSpPr>
+      <p:grpSpPr>
+        <a:xfrm>
+          <a:off x="0" y="0"/>
+          <a:ext cx="0" cy="0"/>
+          <a:chOff x="0" y="0"/>
+          <a:chExt cx="0" cy="0"/>
+        </a:xfrm>
+      </p:grpSpPr>
+      <p:sp>
+        <p:nvSpPr>
+          <p:cNvPr id="124" name="PlaceHolder 1"/>
+          <p:cNvSpPr>
+            <a:spLocks noGrp="1"/>
+          </p:cNvSpPr>
+          <p:nvPr>
+            <p:ph type="subTitle"/>
+          </p:nvPr>
+        </p:nvSpPr>
+        <p:spPr>
+          <a:xfrm>
+            <a:off x="504000" y="226080"/>
+            <a:ext cx="9072000" cy="4388400"/>
+          </a:xfrm>
+          <a:prstGeom prst="rect">
+            <a:avLst/>
+          </a:prstGeom>
+        </p:spPr>
+        <p:txBody>
+          <a:bodyPr lIns="0" rIns="0" tIns="0" bIns="0" anchor="ctr">
+            <a:noAutofit/>
+          </a:bodyPr>
+          <a:p>
+            <a:pPr algn="ctr"/>
+            <a:endParaRPr b="0" lang="pt-PT" sz="3200" spc="-1" strike="noStrike">
+              <a:latin typeface="Arial"/>
+            </a:endParaRPr>
+          </a:p>
+        </p:txBody>
+      </p:sp>
+    </p:spTree>
+  </p:cSld>
+</p:sldLayout>
+</file>
+
+<file path=ppt/slideLayouts/slideLayout43.xml><?xml version="1.0" encoding="utf-8"?>
+<p:sldLayout xmlns:a="http://schemas.openxmlformats.org/drawingml/2006/main" xmlns:p="http://schemas.openxmlformats.org/presentationml/2006/main" xmlns:r="http://schemas.openxmlformats.org/officeDocument/2006/relationships" xmlns:p14="http://schemas.microsoft.com/office/powerpoint/2010/main" xmlns:p15="http://schemas.microsoft.com/office/powerpoint/2012/main" xmlns:mc="http://schemas.openxmlformats.org/markup-compatibility/2006" type="twoObjAndObj" preserve="1">
+  <p:cSld name="Title, 2 Content and Content">
+    <p:spTree>
+      <p:nvGrpSpPr>
+        <p:cNvPr id="1" name=""/>
+        <p:cNvGrpSpPr/>
+        <p:nvPr/>
+      </p:nvGrpSpPr>
+      <p:grpSpPr>
+        <a:xfrm>
+          <a:off x="0" y="0"/>
+          <a:ext cx="0" cy="0"/>
+          <a:chOff x="0" y="0"/>
+          <a:chExt cx="0" cy="0"/>
+        </a:xfrm>
+      </p:grpSpPr>
+      <p:sp>
+        <p:nvSpPr>
+          <p:cNvPr id="125" name="PlaceHolder 1"/>
+          <p:cNvSpPr>
+            <a:spLocks noGrp="1"/>
+          </p:cNvSpPr>
+          <p:nvPr>
+            <p:ph type="title"/>
+          </p:nvPr>
+        </p:nvSpPr>
+        <p:spPr>
+          <a:xfrm>
+            <a:off x="504000" y="226080"/>
+            <a:ext cx="9072000" cy="946440"/>
+          </a:xfrm>
+          <a:prstGeom prst="rect">
+            <a:avLst/>
+          </a:prstGeom>
+        </p:spPr>
+        <p:txBody>
+          <a:bodyPr lIns="0" rIns="0" tIns="0" bIns="0" anchor="ctr">
+            <a:noAutofit/>
+          </a:bodyPr>
+          <a:p>
+            <a:pPr algn="ctr"/>
+            <a:endParaRPr b="0" lang="pt-PT" sz="4400" spc="-1" strike="noStrike">
+              <a:latin typeface="Arial"/>
+            </a:endParaRPr>
+          </a:p>
+        </p:txBody>
+      </p:sp>
+      <p:sp>
+        <p:nvSpPr>
+          <p:cNvPr id="126" name="PlaceHolder 2"/>
+          <p:cNvSpPr>
+            <a:spLocks noGrp="1"/>
+          </p:cNvSpPr>
+          <p:nvPr>
+            <p:ph type="body"/>
+          </p:nvPr>
+        </p:nvSpPr>
+        <p:spPr>
+          <a:xfrm>
+            <a:off x="504000" y="1326600"/>
+            <a:ext cx="4426920" cy="1568520"/>
+          </a:xfrm>
+          <a:prstGeom prst="rect">
+            <a:avLst/>
+          </a:prstGeom>
+        </p:spPr>
+        <p:txBody>
+          <a:bodyPr lIns="0" rIns="0" tIns="0" bIns="0">
+            <a:normAutofit/>
+          </a:bodyPr>
+          <a:p>
+            <a:endParaRPr b="0" lang="pt-PT" sz="3200" spc="-1" strike="noStrike">
+              <a:latin typeface="Arial"/>
+            </a:endParaRPr>
+          </a:p>
+        </p:txBody>
+      </p:sp>
+      <p:sp>
+        <p:nvSpPr>
+          <p:cNvPr id="127" name="PlaceHolder 3"/>
+          <p:cNvSpPr>
+            <a:spLocks noGrp="1"/>
+          </p:cNvSpPr>
+          <p:nvPr>
+            <p:ph type="body"/>
+          </p:nvPr>
+        </p:nvSpPr>
+        <p:spPr>
+          <a:xfrm>
+            <a:off x="5152680" y="1326600"/>
+            <a:ext cx="4426920" cy="3288600"/>
+          </a:xfrm>
+          <a:prstGeom prst="rect">
+            <a:avLst/>
+          </a:prstGeom>
+        </p:spPr>
+        <p:txBody>
+          <a:bodyPr lIns="0" rIns="0" tIns="0" bIns="0">
+            <a:normAutofit/>
+          </a:bodyPr>
+          <a:p>
+            <a:endParaRPr b="0" lang="pt-PT" sz="3200" spc="-1" strike="noStrike">
+              <a:latin typeface="Arial"/>
+            </a:endParaRPr>
+          </a:p>
+        </p:txBody>
+      </p:sp>
+      <p:sp>
+        <p:nvSpPr>
+          <p:cNvPr id="128" name="PlaceHolder 4"/>
+          <p:cNvSpPr>
+            <a:spLocks noGrp="1"/>
+          </p:cNvSpPr>
+          <p:nvPr>
+            <p:ph type="body"/>
+          </p:nvPr>
+        </p:nvSpPr>
+        <p:spPr>
+          <a:xfrm>
+            <a:off x="504000" y="3044520"/>
+            <a:ext cx="4426920" cy="1568520"/>
+          </a:xfrm>
+          <a:prstGeom prst="rect">
+            <a:avLst/>
+          </a:prstGeom>
+        </p:spPr>
+        <p:txBody>
+          <a:bodyPr lIns="0" rIns="0" tIns="0" bIns="0">
+            <a:normAutofit/>
+          </a:bodyPr>
+          <a:p>
+            <a:endParaRPr b="0" lang="pt-PT" sz="3200" spc="-1" strike="noStrike">
+              <a:latin typeface="Arial"/>
+            </a:endParaRPr>
+          </a:p>
+        </p:txBody>
+      </p:sp>
+    </p:spTree>
+  </p:cSld>
+</p:sldLayout>
+</file>
+
+<file path=ppt/slideLayouts/slideLayout44.xml><?xml version="1.0" encoding="utf-8"?>
+<p:sldLayout xmlns:a="http://schemas.openxmlformats.org/drawingml/2006/main" xmlns:p="http://schemas.openxmlformats.org/presentationml/2006/main" xmlns:r="http://schemas.openxmlformats.org/officeDocument/2006/relationships" xmlns:p14="http://schemas.microsoft.com/office/powerpoint/2010/main" xmlns:p15="http://schemas.microsoft.com/office/powerpoint/2012/main" xmlns:mc="http://schemas.openxmlformats.org/markup-compatibility/2006" type="objAndTwoObj" preserve="1">
+  <p:cSld name="Title Content and 2 Content">
+    <p:spTree>
+      <p:nvGrpSpPr>
+        <p:cNvPr id="1" name=""/>
+        <p:cNvGrpSpPr/>
+        <p:nvPr/>
+      </p:nvGrpSpPr>
+      <p:grpSpPr>
+        <a:xfrm>
+          <a:off x="0" y="0"/>
+          <a:ext cx="0" cy="0"/>
+          <a:chOff x="0" y="0"/>
+          <a:chExt cx="0" cy="0"/>
+        </a:xfrm>
+      </p:grpSpPr>
+      <p:sp>
+        <p:nvSpPr>
+          <p:cNvPr id="129" name="PlaceHolder 1"/>
+          <p:cNvSpPr>
+            <a:spLocks noGrp="1"/>
+          </p:cNvSpPr>
+          <p:nvPr>
+            <p:ph type="title"/>
+          </p:nvPr>
+        </p:nvSpPr>
+        <p:spPr>
+          <a:xfrm>
+            <a:off x="504000" y="226080"/>
+            <a:ext cx="9072000" cy="946440"/>
+          </a:xfrm>
+          <a:prstGeom prst="rect">
+            <a:avLst/>
+          </a:prstGeom>
+        </p:spPr>
+        <p:txBody>
+          <a:bodyPr lIns="0" rIns="0" tIns="0" bIns="0" anchor="ctr">
+            <a:noAutofit/>
+          </a:bodyPr>
+          <a:p>
+            <a:pPr algn="ctr"/>
+            <a:endParaRPr b="0" lang="pt-PT" sz="4400" spc="-1" strike="noStrike">
+              <a:latin typeface="Arial"/>
+            </a:endParaRPr>
+          </a:p>
+        </p:txBody>
+      </p:sp>
+      <p:sp>
+        <p:nvSpPr>
+          <p:cNvPr id="130" name="PlaceHolder 2"/>
+          <p:cNvSpPr>
+            <a:spLocks noGrp="1"/>
+          </p:cNvSpPr>
+          <p:nvPr>
+            <p:ph type="body"/>
+          </p:nvPr>
+        </p:nvSpPr>
+        <p:spPr>
+          <a:xfrm>
+            <a:off x="504000" y="1326600"/>
+            <a:ext cx="4426920" cy="3288600"/>
+          </a:xfrm>
+          <a:prstGeom prst="rect">
+            <a:avLst/>
+          </a:prstGeom>
+        </p:spPr>
+        <p:txBody>
+          <a:bodyPr lIns="0" rIns="0" tIns="0" bIns="0">
+            <a:normAutofit/>
+          </a:bodyPr>
+          <a:p>
+            <a:endParaRPr b="0" lang="pt-PT" sz="3200" spc="-1" strike="noStrike">
+              <a:latin typeface="Arial"/>
+            </a:endParaRPr>
+          </a:p>
+        </p:txBody>
+      </p:sp>
+      <p:sp>
+        <p:nvSpPr>
+          <p:cNvPr id="131" name="PlaceHolder 3"/>
+          <p:cNvSpPr>
+            <a:spLocks noGrp="1"/>
+          </p:cNvSpPr>
+          <p:nvPr>
+            <p:ph type="body"/>
+          </p:nvPr>
+        </p:nvSpPr>
+        <p:spPr>
+          <a:xfrm>
+            <a:off x="5152680" y="1326600"/>
+            <a:ext cx="4426920" cy="1568520"/>
+          </a:xfrm>
+          <a:prstGeom prst="rect">
+            <a:avLst/>
+          </a:prstGeom>
+        </p:spPr>
+        <p:txBody>
+          <a:bodyPr lIns="0" rIns="0" tIns="0" bIns="0">
+            <a:normAutofit/>
+          </a:bodyPr>
+          <a:p>
+            <a:endParaRPr b="0" lang="pt-PT" sz="3200" spc="-1" strike="noStrike">
+              <a:latin typeface="Arial"/>
+            </a:endParaRPr>
+          </a:p>
+        </p:txBody>
+      </p:sp>
+      <p:sp>
+        <p:nvSpPr>
+          <p:cNvPr id="132" name="PlaceHolder 4"/>
+          <p:cNvSpPr>
+            <a:spLocks noGrp="1"/>
+          </p:cNvSpPr>
+          <p:nvPr>
+            <p:ph type="body"/>
+          </p:nvPr>
+        </p:nvSpPr>
+        <p:spPr>
+          <a:xfrm>
+            <a:off x="5152680" y="3044520"/>
+            <a:ext cx="4426920" cy="1568520"/>
+          </a:xfrm>
+          <a:prstGeom prst="rect">
+            <a:avLst/>
+          </a:prstGeom>
+        </p:spPr>
+        <p:txBody>
+          <a:bodyPr lIns="0" rIns="0" tIns="0" bIns="0">
+            <a:normAutofit/>
+          </a:bodyPr>
+          <a:p>
+            <a:endParaRPr b="0" lang="pt-PT" sz="3200" spc="-1" strike="noStrike">
+              <a:latin typeface="Arial"/>
+            </a:endParaRPr>
+          </a:p>
+        </p:txBody>
+      </p:sp>
+    </p:spTree>
+  </p:cSld>
+</p:sldLayout>
+</file>
+
+<file path=ppt/slideLayouts/slideLayout45.xml><?xml version="1.0" encoding="utf-8"?>
+<p:sldLayout xmlns:a="http://schemas.openxmlformats.org/drawingml/2006/main" xmlns:p="http://schemas.openxmlformats.org/presentationml/2006/main" xmlns:r="http://schemas.openxmlformats.org/officeDocument/2006/relationships" xmlns:p14="http://schemas.microsoft.com/office/powerpoint/2010/main" xmlns:p15="http://schemas.microsoft.com/office/powerpoint/2012/main" xmlns:mc="http://schemas.openxmlformats.org/markup-compatibility/2006" type="twoObjOverTx" preserve="1">
+  <p:cSld name="Title, 2 Content over Content">
+    <p:spTree>
+      <p:nvGrpSpPr>
+        <p:cNvPr id="1" name=""/>
+        <p:cNvGrpSpPr/>
+        <p:nvPr/>
+      </p:nvGrpSpPr>
+      <p:grpSpPr>
+        <a:xfrm>
+          <a:off x="0" y="0"/>
+          <a:ext cx="0" cy="0"/>
+          <a:chOff x="0" y="0"/>
+          <a:chExt cx="0" cy="0"/>
+        </a:xfrm>
+      </p:grpSpPr>
+      <p:sp>
+        <p:nvSpPr>
+          <p:cNvPr id="133" name="PlaceHolder 1"/>
+          <p:cNvSpPr>
+            <a:spLocks noGrp="1"/>
+          </p:cNvSpPr>
+          <p:nvPr>
+            <p:ph type="title"/>
+          </p:nvPr>
+        </p:nvSpPr>
+        <p:spPr>
+          <a:xfrm>
+            <a:off x="504000" y="226080"/>
+            <a:ext cx="9072000" cy="946440"/>
+          </a:xfrm>
+          <a:prstGeom prst="rect">
+            <a:avLst/>
+          </a:prstGeom>
+        </p:spPr>
+        <p:txBody>
+          <a:bodyPr lIns="0" rIns="0" tIns="0" bIns="0" anchor="ctr">
+            <a:noAutofit/>
+          </a:bodyPr>
+          <a:p>
+            <a:pPr algn="ctr"/>
+            <a:endParaRPr b="0" lang="pt-PT" sz="4400" spc="-1" strike="noStrike">
+              <a:latin typeface="Arial"/>
+            </a:endParaRPr>
+          </a:p>
+        </p:txBody>
+      </p:sp>
+      <p:sp>
+        <p:nvSpPr>
+          <p:cNvPr id="134" name="PlaceHolder 2"/>
+          <p:cNvSpPr>
+            <a:spLocks noGrp="1"/>
+          </p:cNvSpPr>
+          <p:nvPr>
+            <p:ph type="body"/>
+          </p:nvPr>
+        </p:nvSpPr>
+        <p:spPr>
+          <a:xfrm>
+            <a:off x="504000" y="1326600"/>
+            <a:ext cx="4426920" cy="1568520"/>
+          </a:xfrm>
+          <a:prstGeom prst="rect">
+            <a:avLst/>
+          </a:prstGeom>
+        </p:spPr>
+        <p:txBody>
+          <a:bodyPr lIns="0" rIns="0" tIns="0" bIns="0">
+            <a:normAutofit/>
+          </a:bodyPr>
+          <a:p>
+            <a:endParaRPr b="0" lang="pt-PT" sz="3200" spc="-1" strike="noStrike">
+              <a:latin typeface="Arial"/>
+            </a:endParaRPr>
+          </a:p>
+        </p:txBody>
+      </p:sp>
+      <p:sp>
+        <p:nvSpPr>
+          <p:cNvPr id="135" name="PlaceHolder 3"/>
+          <p:cNvSpPr>
+            <a:spLocks noGrp="1"/>
+          </p:cNvSpPr>
+          <p:nvPr>
+            <p:ph type="body"/>
+          </p:nvPr>
+        </p:nvSpPr>
+        <p:spPr>
+          <a:xfrm>
+            <a:off x="5152680" y="1326600"/>
+            <a:ext cx="4426920" cy="1568520"/>
+          </a:xfrm>
+          <a:prstGeom prst="rect">
+            <a:avLst/>
+          </a:prstGeom>
+        </p:spPr>
+        <p:txBody>
+          <a:bodyPr lIns="0" rIns="0" tIns="0" bIns="0">
+            <a:normAutofit/>
+          </a:bodyPr>
+          <a:p>
+            <a:endParaRPr b="0" lang="pt-PT" sz="3200" spc="-1" strike="noStrike">
+              <a:latin typeface="Arial"/>
+            </a:endParaRPr>
+          </a:p>
+        </p:txBody>
+      </p:sp>
+      <p:sp>
+        <p:nvSpPr>
+          <p:cNvPr id="136" name="PlaceHolder 4"/>
+          <p:cNvSpPr>
+            <a:spLocks noGrp="1"/>
+          </p:cNvSpPr>
+          <p:nvPr>
+            <p:ph type="body"/>
+          </p:nvPr>
+        </p:nvSpPr>
+        <p:spPr>
+          <a:xfrm>
+            <a:off x="504000" y="3044520"/>
+            <a:ext cx="9072000" cy="1568520"/>
+          </a:xfrm>
+          <a:prstGeom prst="rect">
+            <a:avLst/>
+          </a:prstGeom>
+        </p:spPr>
+        <p:txBody>
+          <a:bodyPr lIns="0" rIns="0" tIns="0" bIns="0">
+            <a:normAutofit/>
+          </a:bodyPr>
+          <a:p>
+            <a:endParaRPr b="0" lang="pt-PT" sz="3200" spc="-1" strike="noStrike">
+              <a:latin typeface="Arial"/>
+            </a:endParaRPr>
+          </a:p>
+        </p:txBody>
+      </p:sp>
+    </p:spTree>
+  </p:cSld>
+</p:sldLayout>
+</file>
+
+<file path=ppt/slideLayouts/slideLayout46.xml><?xml version="1.0" encoding="utf-8"?>
+<p:sldLayout xmlns:a="http://schemas.openxmlformats.org/drawingml/2006/main" xmlns:p="http://schemas.openxmlformats.org/presentationml/2006/main" xmlns:r="http://schemas.openxmlformats.org/officeDocument/2006/relationships" xmlns:p14="http://schemas.microsoft.com/office/powerpoint/2010/main" xmlns:p15="http://schemas.microsoft.com/office/powerpoint/2012/main" xmlns:mc="http://schemas.openxmlformats.org/markup-compatibility/2006" type="objOverTx" preserve="1">
+  <p:cSld name="Title, Content over Content">
+    <p:spTree>
+      <p:nvGrpSpPr>
+        <p:cNvPr id="1" name=""/>
+        <p:cNvGrpSpPr/>
+        <p:nvPr/>
+      </p:nvGrpSpPr>
+      <p:grpSpPr>
+        <a:xfrm>
+          <a:off x="0" y="0"/>
+          <a:ext cx="0" cy="0"/>
+          <a:chOff x="0" y="0"/>
+          <a:chExt cx="0" cy="0"/>
+        </a:xfrm>
+      </p:grpSpPr>
+      <p:sp>
+        <p:nvSpPr>
+          <p:cNvPr id="137" name="PlaceHolder 1"/>
+          <p:cNvSpPr>
+            <a:spLocks noGrp="1"/>
+          </p:cNvSpPr>
+          <p:nvPr>
+            <p:ph type="title"/>
+          </p:nvPr>
+        </p:nvSpPr>
+        <p:spPr>
+          <a:xfrm>
+            <a:off x="504000" y="226080"/>
+            <a:ext cx="9072000" cy="946440"/>
+          </a:xfrm>
+          <a:prstGeom prst="rect">
+            <a:avLst/>
+          </a:prstGeom>
+        </p:spPr>
+        <p:txBody>
+          <a:bodyPr lIns="0" rIns="0" tIns="0" bIns="0" anchor="ctr">
+            <a:noAutofit/>
+          </a:bodyPr>
+          <a:p>
+            <a:pPr algn="ctr"/>
+            <a:endParaRPr b="0" lang="pt-PT" sz="4400" spc="-1" strike="noStrike">
+              <a:latin typeface="Arial"/>
+            </a:endParaRPr>
+          </a:p>
+        </p:txBody>
+      </p:sp>
+      <p:sp>
+        <p:nvSpPr>
+          <p:cNvPr id="138" name="PlaceHolder 2"/>
+          <p:cNvSpPr>
+            <a:spLocks noGrp="1"/>
+          </p:cNvSpPr>
+          <p:nvPr>
+            <p:ph type="body"/>
+          </p:nvPr>
+        </p:nvSpPr>
+        <p:spPr>
+          <a:xfrm>
+            <a:off x="504000" y="1326600"/>
+            <a:ext cx="9072000" cy="1568520"/>
+          </a:xfrm>
+          <a:prstGeom prst="rect">
+            <a:avLst/>
+          </a:prstGeom>
+        </p:spPr>
+        <p:txBody>
+          <a:bodyPr lIns="0" rIns="0" tIns="0" bIns="0">
+            <a:normAutofit/>
+          </a:bodyPr>
+          <a:p>
+            <a:endParaRPr b="0" lang="pt-PT" sz="3200" spc="-1" strike="noStrike">
+              <a:latin typeface="Arial"/>
+            </a:endParaRPr>
+          </a:p>
+        </p:txBody>
+      </p:sp>
+      <p:sp>
+        <p:nvSpPr>
+          <p:cNvPr id="139" name="PlaceHolder 3"/>
+          <p:cNvSpPr>
+            <a:spLocks noGrp="1"/>
+          </p:cNvSpPr>
+          <p:nvPr>
+            <p:ph type="body"/>
+          </p:nvPr>
+        </p:nvSpPr>
+        <p:spPr>
+          <a:xfrm>
+            <a:off x="504000" y="3044520"/>
+            <a:ext cx="9072000" cy="1568520"/>
+          </a:xfrm>
+          <a:prstGeom prst="rect">
+            <a:avLst/>
+          </a:prstGeom>
+        </p:spPr>
+        <p:txBody>
+          <a:bodyPr lIns="0" rIns="0" tIns="0" bIns="0">
+            <a:normAutofit/>
+          </a:bodyPr>
+          <a:p>
+            <a:endParaRPr b="0" lang="pt-PT" sz="3200" spc="-1" strike="noStrike">
+              <a:latin typeface="Arial"/>
+            </a:endParaRPr>
+          </a:p>
+        </p:txBody>
+      </p:sp>
+    </p:spTree>
+  </p:cSld>
+</p:sldLayout>
+</file>
+
+<file path=ppt/slideLayouts/slideLayout47.xml><?xml version="1.0" encoding="utf-8"?>
+<p:sldLayout xmlns:a="http://schemas.openxmlformats.org/drawingml/2006/main" xmlns:p="http://schemas.openxmlformats.org/presentationml/2006/main" xmlns:r="http://schemas.openxmlformats.org/officeDocument/2006/relationships" xmlns:p14="http://schemas.microsoft.com/office/powerpoint/2010/main" xmlns:p15="http://schemas.microsoft.com/office/powerpoint/2012/main" xmlns:mc="http://schemas.openxmlformats.org/markup-compatibility/2006" type="fourObj" preserve="1">
+  <p:cSld name="Title, 4 Content">
+    <p:spTree>
+      <p:nvGrpSpPr>
+        <p:cNvPr id="1" name=""/>
+        <p:cNvGrpSpPr/>
+        <p:nvPr/>
+      </p:nvGrpSpPr>
+      <p:grpSpPr>
+        <a:xfrm>
+          <a:off x="0" y="0"/>
+          <a:ext cx="0" cy="0"/>
+          <a:chOff x="0" y="0"/>
+          <a:chExt cx="0" cy="0"/>
+        </a:xfrm>
+      </p:grpSpPr>
+      <p:sp>
+        <p:nvSpPr>
+          <p:cNvPr id="140" name="PlaceHolder 1"/>
+          <p:cNvSpPr>
+            <a:spLocks noGrp="1"/>
+          </p:cNvSpPr>
+          <p:nvPr>
+            <p:ph type="title"/>
+          </p:nvPr>
+        </p:nvSpPr>
+        <p:spPr>
+          <a:xfrm>
+            <a:off x="504000" y="226080"/>
+            <a:ext cx="9072000" cy="946440"/>
+          </a:xfrm>
+          <a:prstGeom prst="rect">
+            <a:avLst/>
+          </a:prstGeom>
+        </p:spPr>
+        <p:txBody>
+          <a:bodyPr lIns="0" rIns="0" tIns="0" bIns="0" anchor="ctr">
+            <a:noAutofit/>
+          </a:bodyPr>
+          <a:p>
+            <a:pPr algn="ctr"/>
+            <a:endParaRPr b="0" lang="pt-PT" sz="4400" spc="-1" strike="noStrike">
+              <a:latin typeface="Arial"/>
+            </a:endParaRPr>
+          </a:p>
+        </p:txBody>
+      </p:sp>
+      <p:sp>
+        <p:nvSpPr>
+          <p:cNvPr id="141" name="PlaceHolder 2"/>
+          <p:cNvSpPr>
+            <a:spLocks noGrp="1"/>
+          </p:cNvSpPr>
+          <p:nvPr>
+            <p:ph type="body"/>
+          </p:nvPr>
+        </p:nvSpPr>
+        <p:spPr>
+          <a:xfrm>
+            <a:off x="504000" y="1326600"/>
+            <a:ext cx="4426920" cy="1568520"/>
+          </a:xfrm>
+          <a:prstGeom prst="rect">
+            <a:avLst/>
+          </a:prstGeom>
+        </p:spPr>
+        <p:txBody>
+          <a:bodyPr lIns="0" rIns="0" tIns="0" bIns="0">
+            <a:normAutofit/>
+          </a:bodyPr>
+          <a:p>
+            <a:endParaRPr b="0" lang="pt-PT" sz="3200" spc="-1" strike="noStrike">
+              <a:latin typeface="Arial"/>
+            </a:endParaRPr>
+          </a:p>
+        </p:txBody>
+      </p:sp>
+      <p:sp>
+        <p:nvSpPr>
+          <p:cNvPr id="142" name="PlaceHolder 3"/>
+          <p:cNvSpPr>
+            <a:spLocks noGrp="1"/>
+          </p:cNvSpPr>
+          <p:nvPr>
+            <p:ph type="body"/>
+          </p:nvPr>
+        </p:nvSpPr>
+        <p:spPr>
+          <a:xfrm>
+            <a:off x="5152680" y="1326600"/>
+            <a:ext cx="4426920" cy="1568520"/>
+          </a:xfrm>
+          <a:prstGeom prst="rect">
+            <a:avLst/>
+          </a:prstGeom>
+        </p:spPr>
+        <p:txBody>
+          <a:bodyPr lIns="0" rIns="0" tIns="0" bIns="0">
+            <a:normAutofit/>
+          </a:bodyPr>
+          <a:p>
+            <a:endParaRPr b="0" lang="pt-PT" sz="3200" spc="-1" strike="noStrike">
+              <a:latin typeface="Arial"/>
+            </a:endParaRPr>
+          </a:p>
+        </p:txBody>
+      </p:sp>
+      <p:sp>
+        <p:nvSpPr>
+          <p:cNvPr id="143" name="PlaceHolder 4"/>
+          <p:cNvSpPr>
+            <a:spLocks noGrp="1"/>
+          </p:cNvSpPr>
+          <p:nvPr>
+            <p:ph type="body"/>
+          </p:nvPr>
+        </p:nvSpPr>
+        <p:spPr>
+          <a:xfrm>
+            <a:off x="504000" y="3044520"/>
+            <a:ext cx="4426920" cy="1568520"/>
+          </a:xfrm>
+          <a:prstGeom prst="rect">
+            <a:avLst/>
+          </a:prstGeom>
+        </p:spPr>
+        <p:txBody>
+          <a:bodyPr lIns="0" rIns="0" tIns="0" bIns="0">
+            <a:normAutofit/>
+          </a:bodyPr>
+          <a:p>
+            <a:endParaRPr b="0" lang="pt-PT" sz="3200" spc="-1" strike="noStrike">
+              <a:latin typeface="Arial"/>
+            </a:endParaRPr>
+          </a:p>
+        </p:txBody>
+      </p:sp>
+      <p:sp>
+        <p:nvSpPr>
+          <p:cNvPr id="144" name="PlaceHolder 5"/>
+          <p:cNvSpPr>
+            <a:spLocks noGrp="1"/>
+          </p:cNvSpPr>
+          <p:nvPr>
+            <p:ph type="body"/>
+          </p:nvPr>
+        </p:nvSpPr>
+        <p:spPr>
+          <a:xfrm>
+            <a:off x="5152680" y="3044520"/>
+            <a:ext cx="4426920" cy="1568520"/>
+          </a:xfrm>
+          <a:prstGeom prst="rect">
+            <a:avLst/>
+          </a:prstGeom>
+        </p:spPr>
+        <p:txBody>
+          <a:bodyPr lIns="0" rIns="0" tIns="0" bIns="0">
+            <a:normAutofit/>
+          </a:bodyPr>
+          <a:p>
+            <a:endParaRPr b="0" lang="pt-PT" sz="3200" spc="-1" strike="noStrike">
+              <a:latin typeface="Arial"/>
+            </a:endParaRPr>
+          </a:p>
+        </p:txBody>
+      </p:sp>
+    </p:spTree>
+  </p:cSld>
+</p:sldLayout>
+</file>
+
+<file path=ppt/slideLayouts/slideLayout48.xml><?xml version="1.0" encoding="utf-8"?>
+<p:sldLayout xmlns:a="http://schemas.openxmlformats.org/drawingml/2006/main" xmlns:p="http://schemas.openxmlformats.org/presentationml/2006/main" xmlns:r="http://schemas.openxmlformats.org/officeDocument/2006/relationships" xmlns:p14="http://schemas.microsoft.com/office/powerpoint/2010/main" xmlns:p15="http://schemas.microsoft.com/office/powerpoint/2012/main" xmlns:mc="http://schemas.openxmlformats.org/markup-compatibility/2006" type="blank" preserve="1">
+  <p:cSld name="Title, 6 Content">
+    <p:spTree>
+      <p:nvGrpSpPr>
+        <p:cNvPr id="1" name=""/>
+        <p:cNvGrpSpPr/>
+        <p:nvPr/>
+      </p:nvGrpSpPr>
+      <p:grpSpPr>
+        <a:xfrm>
+          <a:off x="0" y="0"/>
+          <a:ext cx="0" cy="0"/>
+          <a:chOff x="0" y="0"/>
+          <a:chExt cx="0" cy="0"/>
+        </a:xfrm>
+      </p:grpSpPr>
+      <p:sp>
+        <p:nvSpPr>
+          <p:cNvPr id="145" name="PlaceHolder 1"/>
+          <p:cNvSpPr>
+            <a:spLocks noGrp="1"/>
+          </p:cNvSpPr>
+          <p:nvPr>
+            <p:ph type="title"/>
+          </p:nvPr>
+        </p:nvSpPr>
+        <p:spPr>
+          <a:xfrm>
+            <a:off x="504000" y="226080"/>
+            <a:ext cx="9072000" cy="946440"/>
+          </a:xfrm>
+          <a:prstGeom prst="rect">
+            <a:avLst/>
+          </a:prstGeom>
+        </p:spPr>
+        <p:txBody>
+          <a:bodyPr lIns="0" rIns="0" tIns="0" bIns="0" anchor="ctr">
+            <a:noAutofit/>
+          </a:bodyPr>
+          <a:p>
+            <a:pPr algn="ctr"/>
+            <a:endParaRPr b="0" lang="pt-PT" sz="4400" spc="-1" strike="noStrike">
+              <a:latin typeface="Arial"/>
+            </a:endParaRPr>
+          </a:p>
+        </p:txBody>
+      </p:sp>
+      <p:sp>
+        <p:nvSpPr>
+          <p:cNvPr id="146" name="PlaceHolder 2"/>
+          <p:cNvSpPr>
+            <a:spLocks noGrp="1"/>
+          </p:cNvSpPr>
+          <p:nvPr>
+            <p:ph type="body"/>
+          </p:nvPr>
+        </p:nvSpPr>
+        <p:spPr>
+          <a:xfrm>
+            <a:off x="504000" y="1326600"/>
+            <a:ext cx="2921040" cy="1568520"/>
+          </a:xfrm>
+          <a:prstGeom prst="rect">
+            <a:avLst/>
+          </a:prstGeom>
+        </p:spPr>
+        <p:txBody>
+          <a:bodyPr lIns="0" rIns="0" tIns="0" bIns="0">
+            <a:normAutofit/>
+          </a:bodyPr>
+          <a:p>
+            <a:endParaRPr b="0" lang="pt-PT" sz="3200" spc="-1" strike="noStrike">
+              <a:latin typeface="Arial"/>
+            </a:endParaRPr>
+          </a:p>
+        </p:txBody>
+      </p:sp>
+      <p:sp>
+        <p:nvSpPr>
+          <p:cNvPr id="147" name="PlaceHolder 3"/>
+          <p:cNvSpPr>
+            <a:spLocks noGrp="1"/>
+          </p:cNvSpPr>
+          <p:nvPr>
+            <p:ph type="body"/>
+          </p:nvPr>
+        </p:nvSpPr>
+        <p:spPr>
+          <a:xfrm>
+            <a:off x="3571560" y="1326600"/>
+            <a:ext cx="2921040" cy="1568520"/>
+          </a:xfrm>
+          <a:prstGeom prst="rect">
+            <a:avLst/>
+          </a:prstGeom>
+        </p:spPr>
+        <p:txBody>
+          <a:bodyPr lIns="0" rIns="0" tIns="0" bIns="0">
+            <a:normAutofit/>
+          </a:bodyPr>
+          <a:p>
+            <a:endParaRPr b="0" lang="pt-PT" sz="3200" spc="-1" strike="noStrike">
+              <a:latin typeface="Arial"/>
+            </a:endParaRPr>
+          </a:p>
+        </p:txBody>
+      </p:sp>
+      <p:sp>
+        <p:nvSpPr>
+          <p:cNvPr id="148" name="PlaceHolder 4"/>
+          <p:cNvSpPr>
+            <a:spLocks noGrp="1"/>
+          </p:cNvSpPr>
+          <p:nvPr>
+            <p:ph type="body"/>
+          </p:nvPr>
+        </p:nvSpPr>
+        <p:spPr>
+          <a:xfrm>
+            <a:off x="6639120" y="1326600"/>
+            <a:ext cx="2921040" cy="1568520"/>
+          </a:xfrm>
+          <a:prstGeom prst="rect">
+            <a:avLst/>
+          </a:prstGeom>
+        </p:spPr>
+        <p:txBody>
+          <a:bodyPr lIns="0" rIns="0" tIns="0" bIns="0">
+            <a:normAutofit/>
+          </a:bodyPr>
+          <a:p>
+            <a:endParaRPr b="0" lang="pt-PT" sz="3200" spc="-1" strike="noStrike">
+              <a:latin typeface="Arial"/>
+            </a:endParaRPr>
+          </a:p>
+        </p:txBody>
+      </p:sp>
+      <p:sp>
+        <p:nvSpPr>
+          <p:cNvPr id="149" name="PlaceHolder 5"/>
+          <p:cNvSpPr>
+            <a:spLocks noGrp="1"/>
+          </p:cNvSpPr>
+          <p:nvPr>
+            <p:ph type="body"/>
+          </p:nvPr>
+        </p:nvSpPr>
+        <p:spPr>
+          <a:xfrm>
+            <a:off x="504000" y="3044520"/>
+            <a:ext cx="2921040" cy="1568520"/>
+          </a:xfrm>
+          <a:prstGeom prst="rect">
+            <a:avLst/>
+          </a:prstGeom>
+        </p:spPr>
+        <p:txBody>
+          <a:bodyPr lIns="0" rIns="0" tIns="0" bIns="0">
+            <a:normAutofit/>
+          </a:bodyPr>
+          <a:p>
+            <a:endParaRPr b="0" lang="pt-PT" sz="3200" spc="-1" strike="noStrike">
+              <a:latin typeface="Arial"/>
+            </a:endParaRPr>
+          </a:p>
+        </p:txBody>
+      </p:sp>
+      <p:sp>
+        <p:nvSpPr>
+          <p:cNvPr id="150" name="PlaceHolder 6"/>
+          <p:cNvSpPr>
+            <a:spLocks noGrp="1"/>
+          </p:cNvSpPr>
+          <p:nvPr>
+            <p:ph type="body"/>
+          </p:nvPr>
+        </p:nvSpPr>
+        <p:spPr>
+          <a:xfrm>
+            <a:off x="3571560" y="3044520"/>
+            <a:ext cx="2921040" cy="1568520"/>
+          </a:xfrm>
+          <a:prstGeom prst="rect">
+            <a:avLst/>
+          </a:prstGeom>
+        </p:spPr>
+        <p:txBody>
+          <a:bodyPr lIns="0" rIns="0" tIns="0" bIns="0">
+            <a:normAutofit/>
+          </a:bodyPr>
+          <a:p>
+            <a:endParaRPr b="0" lang="pt-PT" sz="3200" spc="-1" strike="noStrike">
+              <a:latin typeface="Arial"/>
+            </a:endParaRPr>
+          </a:p>
+        </p:txBody>
+      </p:sp>
+      <p:sp>
+        <p:nvSpPr>
+          <p:cNvPr id="151" name="PlaceHolder 7"/>
+          <p:cNvSpPr>
+            <a:spLocks noGrp="1"/>
+          </p:cNvSpPr>
+          <p:nvPr>
+            <p:ph type="body"/>
+          </p:nvPr>
+        </p:nvSpPr>
+        <p:spPr>
+          <a:xfrm>
+            <a:off x="6639120" y="3044520"/>
+            <a:ext cx="2921040" cy="1568520"/>
           </a:xfrm>
           <a:prstGeom prst="rect">
             <a:avLst/>
@@ -4849,6 +6209,258 @@
 </p:sldMaster>
 </file>
 
+<file path=ppt/slideMasters/slideMaster4.xml><?xml version="1.0" encoding="utf-8"?>
+<p:sldMaster xmlns:a="http://schemas.openxmlformats.org/drawingml/2006/main" xmlns:p="http://schemas.openxmlformats.org/presentationml/2006/main" xmlns:r="http://schemas.openxmlformats.org/officeDocument/2006/relationships" xmlns:p14="http://schemas.microsoft.com/office/powerpoint/2010/main" xmlns:p15="http://schemas.microsoft.com/office/powerpoint/2012/main" xmlns:mc="http://schemas.openxmlformats.org/markup-compatibility/2006">
+  <p:cSld>
+    <p:spTree>
+      <p:nvGrpSpPr>
+        <p:cNvPr id="1" name=""/>
+        <p:cNvGrpSpPr/>
+        <p:nvPr/>
+      </p:nvGrpSpPr>
+      <p:grpSpPr>
+        <a:xfrm>
+          <a:off x="0" y="0"/>
+          <a:ext cx="0" cy="0"/>
+          <a:chOff x="0" y="0"/>
+          <a:chExt cx="0" cy="0"/>
+        </a:xfrm>
+      </p:grpSpPr>
+      <p:sp>
+        <p:nvSpPr>
+          <p:cNvPr id="114" name="PlaceHolder 1"/>
+          <p:cNvSpPr>
+            <a:spLocks noGrp="1"/>
+          </p:cNvSpPr>
+          <p:nvPr>
+            <p:ph type="title"/>
+          </p:nvPr>
+        </p:nvSpPr>
+        <p:spPr>
+          <a:xfrm>
+            <a:off x="504000" y="226080"/>
+            <a:ext cx="9071640" cy="946080"/>
+          </a:xfrm>
+          <a:prstGeom prst="rect">
+            <a:avLst/>
+          </a:prstGeom>
+        </p:spPr>
+        <p:txBody>
+          <a:bodyPr lIns="0" rIns="0" tIns="0" bIns="0" anchor="ctr">
+            <a:noAutofit/>
+          </a:bodyPr>
+          <a:p>
+            <a:r>
+              <a:rPr b="0" lang="pt-PT" sz="1800" spc="-1" strike="noStrike">
+                <a:latin typeface="Arial"/>
+              </a:rPr>
+              <a:t>Clique para editar o formato do título</a:t>
+            </a:r>
+            <a:endParaRPr b="0" lang="pt-PT" sz="1800" spc="-1" strike="noStrike">
+              <a:latin typeface="Arial"/>
+            </a:endParaRPr>
+          </a:p>
+        </p:txBody>
+      </p:sp>
+      <p:sp>
+        <p:nvSpPr>
+          <p:cNvPr id="115" name="PlaceHolder 2"/>
+          <p:cNvSpPr>
+            <a:spLocks noGrp="1"/>
+          </p:cNvSpPr>
+          <p:nvPr>
+            <p:ph type="body"/>
+          </p:nvPr>
+        </p:nvSpPr>
+        <p:spPr>
+          <a:xfrm>
+            <a:off x="504000" y="1326600"/>
+            <a:ext cx="9071640" cy="3288240"/>
+          </a:xfrm>
+          <a:prstGeom prst="rect">
+            <a:avLst/>
+          </a:prstGeom>
+        </p:spPr>
+        <p:txBody>
+          <a:bodyPr lIns="0" rIns="0" tIns="0" bIns="0">
+            <a:normAutofit/>
+          </a:bodyPr>
+          <a:p>
+            <a:pPr marL="432000" indent="-324000">
+              <a:spcBef>
+                <a:spcPts val="1417"/>
+              </a:spcBef>
+              <a:buClr>
+                <a:srgbClr val="000000"/>
+              </a:buClr>
+              <a:buSzPct val="45000"/>
+              <a:buFont typeface="Wingdings" charset="2"/>
+              <a:buChar char=""/>
+            </a:pPr>
+            <a:r>
+              <a:rPr b="0" lang="pt-PT" sz="1800" spc="-1" strike="noStrike">
+                <a:latin typeface="Arial"/>
+              </a:rPr>
+              <a:t>Clique para editar o formato de texto dos tópicos</a:t>
+            </a:r>
+            <a:endParaRPr b="0" lang="pt-PT" sz="1800" spc="-1" strike="noStrike">
+              <a:latin typeface="Arial"/>
+            </a:endParaRPr>
+          </a:p>
+          <a:p>
+            <a:pPr lvl="1" marL="864000" indent="-324000">
+              <a:spcBef>
+                <a:spcPts val="1134"/>
+              </a:spcBef>
+              <a:buClr>
+                <a:srgbClr val="000000"/>
+              </a:buClr>
+              <a:buSzPct val="75000"/>
+              <a:buFont typeface="Symbol" charset="2"/>
+              <a:buChar char=""/>
+            </a:pPr>
+            <a:r>
+              <a:rPr b="0" lang="pt-PT" sz="1800" spc="-1" strike="noStrike">
+                <a:latin typeface="Arial"/>
+              </a:rPr>
+              <a:t>Segundo nível de tópicos</a:t>
+            </a:r>
+            <a:endParaRPr b="0" lang="pt-PT" sz="1800" spc="-1" strike="noStrike">
+              <a:latin typeface="Arial"/>
+            </a:endParaRPr>
+          </a:p>
+          <a:p>
+            <a:pPr lvl="2" marL="1296000" indent="-288000">
+              <a:spcBef>
+                <a:spcPts val="850"/>
+              </a:spcBef>
+              <a:buClr>
+                <a:srgbClr val="000000"/>
+              </a:buClr>
+              <a:buSzPct val="45000"/>
+              <a:buFont typeface="Wingdings" charset="2"/>
+              <a:buChar char=""/>
+            </a:pPr>
+            <a:r>
+              <a:rPr b="0" lang="pt-PT" sz="1800" spc="-1" strike="noStrike">
+                <a:latin typeface="Arial"/>
+              </a:rPr>
+              <a:t>Terceiro nível de tópicos</a:t>
+            </a:r>
+            <a:endParaRPr b="0" lang="pt-PT" sz="1800" spc="-1" strike="noStrike">
+              <a:latin typeface="Arial"/>
+            </a:endParaRPr>
+          </a:p>
+          <a:p>
+            <a:pPr lvl="3" marL="1728000" indent="-216000">
+              <a:spcBef>
+                <a:spcPts val="567"/>
+              </a:spcBef>
+              <a:buClr>
+                <a:srgbClr val="000000"/>
+              </a:buClr>
+              <a:buSzPct val="75000"/>
+              <a:buFont typeface="Symbol" charset="2"/>
+              <a:buChar char=""/>
+            </a:pPr>
+            <a:r>
+              <a:rPr b="0" lang="pt-PT" sz="1800" spc="-1" strike="noStrike">
+                <a:latin typeface="Arial"/>
+              </a:rPr>
+              <a:t>Quarto nível de tópicos</a:t>
+            </a:r>
+            <a:endParaRPr b="0" lang="pt-PT" sz="1800" spc="-1" strike="noStrike">
+              <a:latin typeface="Arial"/>
+            </a:endParaRPr>
+          </a:p>
+          <a:p>
+            <a:pPr lvl="4" marL="2160000" indent="-216000">
+              <a:spcBef>
+                <a:spcPts val="283"/>
+              </a:spcBef>
+              <a:buClr>
+                <a:srgbClr val="000000"/>
+              </a:buClr>
+              <a:buSzPct val="45000"/>
+              <a:buFont typeface="Wingdings" charset="2"/>
+              <a:buChar char=""/>
+            </a:pPr>
+            <a:r>
+              <a:rPr b="0" lang="pt-PT" sz="1800" spc="-1" strike="noStrike">
+                <a:latin typeface="Arial"/>
+              </a:rPr>
+              <a:t>Quinto nível de tópicos</a:t>
+            </a:r>
+            <a:endParaRPr b="0" lang="pt-PT" sz="1800" spc="-1" strike="noStrike">
+              <a:latin typeface="Arial"/>
+            </a:endParaRPr>
+          </a:p>
+          <a:p>
+            <a:pPr lvl="5" marL="2592000" indent="-216000">
+              <a:spcBef>
+                <a:spcPts val="283"/>
+              </a:spcBef>
+              <a:buClr>
+                <a:srgbClr val="000000"/>
+              </a:buClr>
+              <a:buSzPct val="45000"/>
+              <a:buFont typeface="Wingdings" charset="2"/>
+              <a:buChar char=""/>
+            </a:pPr>
+            <a:r>
+              <a:rPr b="0" lang="pt-PT" sz="1800" spc="-1" strike="noStrike">
+                <a:latin typeface="Arial"/>
+              </a:rPr>
+              <a:t>Sexto nível de tópicos</a:t>
+            </a:r>
+            <a:endParaRPr b="0" lang="pt-PT" sz="1800" spc="-1" strike="noStrike">
+              <a:latin typeface="Arial"/>
+            </a:endParaRPr>
+          </a:p>
+          <a:p>
+            <a:pPr lvl="6" marL="3024000" indent="-216000">
+              <a:spcBef>
+                <a:spcPts val="283"/>
+              </a:spcBef>
+              <a:buClr>
+                <a:srgbClr val="000000"/>
+              </a:buClr>
+              <a:buSzPct val="45000"/>
+              <a:buFont typeface="Wingdings" charset="2"/>
+              <a:buChar char=""/>
+            </a:pPr>
+            <a:r>
+              <a:rPr b="0" lang="pt-PT" sz="1800" spc="-1" strike="noStrike">
+                <a:latin typeface="Arial"/>
+              </a:rPr>
+              <a:t>Sétimo nível de tópicos</a:t>
+            </a:r>
+            <a:endParaRPr b="0" lang="pt-PT" sz="1800" spc="-1" strike="noStrike">
+              <a:latin typeface="Arial"/>
+            </a:endParaRPr>
+          </a:p>
+        </p:txBody>
+      </p:sp>
+    </p:spTree>
+  </p:cSld>
+  <p:clrMap bg1="lt1" bg2="lt2" tx1="dk1" tx2="dk2" accent1="accent1" accent2="accent2" accent3="accent3" accent4="accent4" accent5="accent5" accent6="accent6" hlink="hlink" folHlink="folHlink"/>
+  <p:sldLayoutIdLst>
+    <p:sldLayoutId id="2147483688" r:id="rId2"/>
+    <p:sldLayoutId id="2147483689" r:id="rId3"/>
+    <p:sldLayoutId id="2147483690" r:id="rId4"/>
+    <p:sldLayoutId id="2147483691" r:id="rId5"/>
+    <p:sldLayoutId id="2147483692" r:id="rId6"/>
+    <p:sldLayoutId id="2147483693" r:id="rId7"/>
+    <p:sldLayoutId id="2147483694" r:id="rId8"/>
+    <p:sldLayoutId id="2147483695" r:id="rId9"/>
+    <p:sldLayoutId id="2147483696" r:id="rId10"/>
+    <p:sldLayoutId id="2147483697" r:id="rId11"/>
+    <p:sldLayoutId id="2147483698" r:id="rId12"/>
+    <p:sldLayoutId id="2147483699" r:id="rId13"/>
+  </p:sldLayoutIdLst>
+</p:sldMaster>
+</file>
+
 <file path=ppt/slides/slide1.xml><?xml version="1.0" encoding="utf-8"?>
 <p:sld xmlns:a="http://schemas.openxmlformats.org/drawingml/2006/main" xmlns:p="http://schemas.openxmlformats.org/presentationml/2006/main" xmlns:r="http://schemas.openxmlformats.org/officeDocument/2006/relationships" xmlns:p14="http://schemas.microsoft.com/office/powerpoint/2010/main" xmlns:p15="http://schemas.microsoft.com/office/powerpoint/2012/main" xmlns:mc="http://schemas.openxmlformats.org/markup-compatibility/2006">
   <p:cSld>
@@ -4868,14 +6480,14 @@
       </p:grpSpPr>
       <p:sp>
         <p:nvSpPr>
-          <p:cNvPr id="114" name=""/>
+          <p:cNvPr id="152" name=""/>
           <p:cNvSpPr/>
           <p:nvPr/>
         </p:nvSpPr>
         <p:spPr>
           <a:xfrm>
             <a:off x="504000" y="226080"/>
-            <a:ext cx="9069840" cy="944640"/>
+            <a:ext cx="9069480" cy="944280"/>
           </a:xfrm>
           <a:prstGeom prst="rect">
             <a:avLst/>
@@ -4894,14 +6506,14 @@
       </p:sp>
       <p:sp>
         <p:nvSpPr>
-          <p:cNvPr id="115" name=""/>
+          <p:cNvPr id="153" name=""/>
           <p:cNvSpPr/>
           <p:nvPr/>
         </p:nvSpPr>
         <p:spPr>
           <a:xfrm>
             <a:off x="504000" y="1326600"/>
-            <a:ext cx="9069840" cy="3286440"/>
+            <a:ext cx="9069480" cy="3286080"/>
           </a:xfrm>
           <a:prstGeom prst="rect">
             <a:avLst/>
@@ -4920,7 +6532,7 @@
       </p:sp>
       <p:pic>
         <p:nvPicPr>
-          <p:cNvPr id="116" name="Imagem 8" descr=""/>
+          <p:cNvPr id="154" name="Imagem 8" descr=""/>
           <p:cNvPicPr/>
           <p:nvPr/>
         </p:nvPicPr>
@@ -4931,7 +6543,7 @@
         <p:spPr>
           <a:xfrm>
             <a:off x="1980000" y="101880"/>
-            <a:ext cx="6118560" cy="2120760"/>
+            <a:ext cx="6118200" cy="2120400"/>
           </a:xfrm>
           <a:prstGeom prst="rect">
             <a:avLst/>
@@ -4943,7 +6555,7 @@
       </p:pic>
       <p:sp>
         <p:nvSpPr>
-          <p:cNvPr id="117" name="Conexão reta 12"/>
+          <p:cNvPr id="155" name="Conexão reta 12"/>
           <p:cNvSpPr/>
           <p:nvPr/>
         </p:nvSpPr>
@@ -4976,14 +6588,14 @@
       </p:sp>
       <p:sp>
         <p:nvSpPr>
-          <p:cNvPr id="118" name=""/>
+          <p:cNvPr id="156" name=""/>
           <p:cNvSpPr/>
           <p:nvPr/>
         </p:nvSpPr>
         <p:spPr>
           <a:xfrm>
             <a:off x="2340000" y="2253960"/>
-            <a:ext cx="5229000" cy="444600"/>
+            <a:ext cx="5228640" cy="444240"/>
           </a:xfrm>
           <a:prstGeom prst="rect">
             <a:avLst/>
@@ -5027,14 +6639,14 @@
       </p:sp>
       <p:sp>
         <p:nvSpPr>
-          <p:cNvPr id="119" name=""/>
+          <p:cNvPr id="157" name=""/>
           <p:cNvSpPr/>
           <p:nvPr/>
         </p:nvSpPr>
         <p:spPr>
           <a:xfrm>
             <a:off x="2584800" y="3347640"/>
-            <a:ext cx="4618800" cy="1265400"/>
+            <a:ext cx="4618440" cy="1265040"/>
           </a:xfrm>
           <a:prstGeom prst="rect">
             <a:avLst/>
@@ -5208,14 +6820,14 @@
       </p:sp>
       <p:sp>
         <p:nvSpPr>
-          <p:cNvPr id="120" name=""/>
+          <p:cNvPr id="158" name=""/>
           <p:cNvSpPr/>
           <p:nvPr/>
         </p:nvSpPr>
         <p:spPr>
           <a:xfrm>
             <a:off x="2520000" y="2817720"/>
-            <a:ext cx="4858920" cy="601200"/>
+            <a:ext cx="4858560" cy="600840"/>
           </a:xfrm>
           <a:prstGeom prst="rect">
             <a:avLst/>
@@ -5252,6 +6864,382 @@
               <a:t>Navegação nos transportes públicos do Porto</a:t>
             </a:r>
             <a:endParaRPr b="0" lang="pt-PT" sz="1800" spc="-1" strike="noStrike">
+              <a:latin typeface="Arial"/>
+            </a:endParaRPr>
+          </a:p>
+        </p:txBody>
+      </p:sp>
+    </p:spTree>
+  </p:cSld>
+  <mc:AlternateContent>
+    <mc:Choice Requires="p14">
+      <p:transition spd="slow" p14:dur="2000"/>
+    </mc:Choice>
+    <mc:Fallback>
+      <p:transition spd="slow"/>
+    </mc:Fallback>
+  </mc:AlternateContent>
+</p:sld>
+</file>
+
+<file path=ppt/slides/slide10.xml><?xml version="1.0" encoding="utf-8"?>
+<p:sld xmlns:a="http://schemas.openxmlformats.org/drawingml/2006/main" xmlns:p="http://schemas.openxmlformats.org/presentationml/2006/main" xmlns:r="http://schemas.openxmlformats.org/officeDocument/2006/relationships" xmlns:p14="http://schemas.microsoft.com/office/powerpoint/2010/main" xmlns:p15="http://schemas.microsoft.com/office/powerpoint/2012/main" xmlns:mc="http://schemas.openxmlformats.org/markup-compatibility/2006">
+  <p:cSld>
+    <p:spTree>
+      <p:nvGrpSpPr>
+        <p:cNvPr id="1" name=""/>
+        <p:cNvGrpSpPr/>
+        <p:nvPr/>
+      </p:nvGrpSpPr>
+      <p:grpSpPr>
+        <a:xfrm>
+          <a:off x="0" y="0"/>
+          <a:ext cx="0" cy="0"/>
+          <a:chOff x="0" y="0"/>
+          <a:chExt cx="0" cy="0"/>
+        </a:xfrm>
+      </p:grpSpPr>
+      <p:sp>
+        <p:nvSpPr>
+          <p:cNvPr id="178" name=""/>
+          <p:cNvSpPr/>
+          <p:nvPr/>
+        </p:nvSpPr>
+        <p:spPr>
+          <a:xfrm>
+            <a:off x="504000" y="1326600"/>
+            <a:ext cx="9070200" cy="3286800"/>
+          </a:xfrm>
+          <a:prstGeom prst="rect">
+            <a:avLst/>
+          </a:prstGeom>
+          <a:noFill/>
+          <a:ln w="0">
+            <a:noFill/>
+          </a:ln>
+        </p:spPr>
+        <p:style>
+          <a:lnRef idx="0"/>
+          <a:fillRef idx="0"/>
+          <a:effectRef idx="0"/>
+          <a:fontRef idx="minor"/>
+        </p:style>
+        <p:txBody>
+          <a:bodyPr lIns="0" rIns="0" tIns="0" bIns="0">
+            <a:normAutofit/>
+          </a:bodyPr>
+          <a:p>
+            <a:pPr marL="432000" indent="-322560">
+              <a:lnSpc>
+                <a:spcPct val="100000"/>
+              </a:lnSpc>
+              <a:spcBef>
+                <a:spcPts val="1417"/>
+              </a:spcBef>
+              <a:buClr>
+                <a:srgbClr val="000000"/>
+              </a:buClr>
+              <a:buSzPct val="45000"/>
+              <a:buFont typeface="Wingdings" charset="2"/>
+              <a:buChar char=""/>
+            </a:pPr>
+            <a:r>
+              <a:rPr b="0" lang="pt-PT" sz="2400" spc="-1" strike="noStrike">
+                <a:solidFill>
+                  <a:srgbClr val="000000"/>
+                </a:solidFill>
+                <a:latin typeface="Arial"/>
+                <a:ea typeface="DejaVu Sans"/>
+              </a:rPr>
+              <a:t>Exemplo de utilização:</a:t>
+            </a:r>
+            <a:endParaRPr b="0" lang="pt-PT" sz="2400" spc="-1" strike="noStrike">
+              <a:latin typeface="Arial"/>
+            </a:endParaRPr>
+          </a:p>
+        </p:txBody>
+      </p:sp>
+      <p:sp>
+        <p:nvSpPr>
+          <p:cNvPr id="179" name=""/>
+          <p:cNvSpPr/>
+          <p:nvPr/>
+        </p:nvSpPr>
+        <p:spPr>
+          <a:xfrm>
+            <a:off x="504000" y="0"/>
+            <a:ext cx="9069480" cy="944280"/>
+          </a:xfrm>
+          <a:prstGeom prst="rect">
+            <a:avLst/>
+          </a:prstGeom>
+          <a:noFill/>
+          <a:ln w="0">
+            <a:noFill/>
+          </a:ln>
+        </p:spPr>
+        <p:style>
+          <a:lnRef idx="0"/>
+          <a:fillRef idx="0"/>
+          <a:effectRef idx="0"/>
+          <a:fontRef idx="minor"/>
+        </p:style>
+        <p:txBody>
+          <a:bodyPr lIns="0" rIns="0" tIns="0" bIns="0" anchor="ctr">
+            <a:noAutofit/>
+          </a:bodyPr>
+          <a:p>
+            <a:pPr algn="ctr">
+              <a:lnSpc>
+                <a:spcPct val="100000"/>
+              </a:lnSpc>
+            </a:pPr>
+            <a:r>
+              <a:rPr b="0" lang="pt-PT" sz="3200" spc="-1" strike="noStrike">
+                <a:solidFill>
+                  <a:srgbClr val="000000"/>
+                </a:solidFill>
+                <a:latin typeface="Arial"/>
+                <a:ea typeface="DejaVu Sans"/>
+              </a:rPr>
+              <a:t>Interface</a:t>
+            </a:r>
+            <a:endParaRPr b="0" lang="pt-PT" sz="3200" spc="-1" strike="noStrike">
+              <a:latin typeface="Arial"/>
+            </a:endParaRPr>
+          </a:p>
+        </p:txBody>
+      </p:sp>
+    </p:spTree>
+  </p:cSld>
+  <mc:AlternateContent>
+    <mc:Choice Requires="p14">
+      <p:transition spd="slow" p14:dur="2000"/>
+    </mc:Choice>
+    <mc:Fallback>
+      <p:transition spd="slow"/>
+    </mc:Fallback>
+  </mc:AlternateContent>
+</p:sld>
+</file>
+
+<file path=ppt/slides/slide11.xml><?xml version="1.0" encoding="utf-8"?>
+<p:sld xmlns:a="http://schemas.openxmlformats.org/drawingml/2006/main" xmlns:p="http://schemas.openxmlformats.org/presentationml/2006/main" xmlns:r="http://schemas.openxmlformats.org/officeDocument/2006/relationships" xmlns:p14="http://schemas.microsoft.com/office/powerpoint/2010/main" xmlns:p15="http://schemas.microsoft.com/office/powerpoint/2012/main" xmlns:mc="http://schemas.openxmlformats.org/markup-compatibility/2006">
+  <p:cSld>
+    <p:spTree>
+      <p:nvGrpSpPr>
+        <p:cNvPr id="1" name=""/>
+        <p:cNvGrpSpPr/>
+        <p:nvPr/>
+      </p:nvGrpSpPr>
+      <p:grpSpPr>
+        <a:xfrm>
+          <a:off x="0" y="0"/>
+          <a:ext cx="0" cy="0"/>
+          <a:chOff x="0" y="0"/>
+          <a:chExt cx="0" cy="0"/>
+        </a:xfrm>
+      </p:grpSpPr>
+      <p:sp>
+        <p:nvSpPr>
+          <p:cNvPr id="180" name=""/>
+          <p:cNvSpPr/>
+          <p:nvPr/>
+        </p:nvSpPr>
+        <p:spPr>
+          <a:xfrm>
+            <a:off x="504000" y="0"/>
+            <a:ext cx="9069480" cy="944280"/>
+          </a:xfrm>
+          <a:prstGeom prst="rect">
+            <a:avLst/>
+          </a:prstGeom>
+          <a:noFill/>
+          <a:ln w="0">
+            <a:noFill/>
+          </a:ln>
+        </p:spPr>
+        <p:style>
+          <a:lnRef idx="0"/>
+          <a:fillRef idx="0"/>
+          <a:effectRef idx="0"/>
+          <a:fontRef idx="minor"/>
+        </p:style>
+        <p:txBody>
+          <a:bodyPr lIns="0" rIns="0" tIns="0" bIns="0" anchor="ctr">
+            <a:noAutofit/>
+          </a:bodyPr>
+          <a:p>
+            <a:pPr algn="ctr">
+              <a:lnSpc>
+                <a:spcPct val="100000"/>
+              </a:lnSpc>
+            </a:pPr>
+            <a:r>
+              <a:rPr b="0" lang="pt-PT" sz="3200" spc="-1" strike="noStrike">
+                <a:solidFill>
+                  <a:srgbClr val="000000"/>
+                </a:solidFill>
+                <a:latin typeface="Arial"/>
+                <a:ea typeface="DejaVu Sans"/>
+              </a:rPr>
+              <a:t>Destaques de funcionalidades</a:t>
+            </a:r>
+            <a:endParaRPr b="0" lang="pt-PT" sz="3200" spc="-1" strike="noStrike">
+              <a:latin typeface="Arial"/>
+            </a:endParaRPr>
+          </a:p>
+        </p:txBody>
+      </p:sp>
+    </p:spTree>
+  </p:cSld>
+  <mc:AlternateContent>
+    <mc:Choice Requires="p14">
+      <p:transition spd="slow" p14:dur="2000"/>
+    </mc:Choice>
+    <mc:Fallback>
+      <p:transition spd="slow"/>
+    </mc:Fallback>
+  </mc:AlternateContent>
+</p:sld>
+</file>
+
+<file path=ppt/slides/slide12.xml><?xml version="1.0" encoding="utf-8"?>
+<p:sld xmlns:a="http://schemas.openxmlformats.org/drawingml/2006/main" xmlns:p="http://schemas.openxmlformats.org/presentationml/2006/main" xmlns:r="http://schemas.openxmlformats.org/officeDocument/2006/relationships" xmlns:p14="http://schemas.microsoft.com/office/powerpoint/2010/main" xmlns:p15="http://schemas.microsoft.com/office/powerpoint/2012/main" xmlns:mc="http://schemas.openxmlformats.org/markup-compatibility/2006">
+  <p:cSld>
+    <p:spTree>
+      <p:nvGrpSpPr>
+        <p:cNvPr id="1" name=""/>
+        <p:cNvGrpSpPr/>
+        <p:nvPr/>
+      </p:nvGrpSpPr>
+      <p:grpSpPr>
+        <a:xfrm>
+          <a:off x="0" y="0"/>
+          <a:ext cx="0" cy="0"/>
+          <a:chOff x="0" y="0"/>
+          <a:chExt cx="0" cy="0"/>
+        </a:xfrm>
+      </p:grpSpPr>
+      <p:sp>
+        <p:nvSpPr>
+          <p:cNvPr id="181" name=""/>
+          <p:cNvSpPr/>
+          <p:nvPr/>
+        </p:nvSpPr>
+        <p:spPr>
+          <a:xfrm>
+            <a:off x="504000" y="0"/>
+            <a:ext cx="9069480" cy="944280"/>
+          </a:xfrm>
+          <a:prstGeom prst="rect">
+            <a:avLst/>
+          </a:prstGeom>
+          <a:noFill/>
+          <a:ln w="0">
+            <a:noFill/>
+          </a:ln>
+        </p:spPr>
+        <p:style>
+          <a:lnRef idx="0"/>
+          <a:fillRef idx="0"/>
+          <a:effectRef idx="0"/>
+          <a:fontRef idx="minor"/>
+        </p:style>
+      </p:sp>
+      <p:sp>
+        <p:nvSpPr>
+          <p:cNvPr id="182" name=""/>
+          <p:cNvSpPr/>
+          <p:nvPr/>
+        </p:nvSpPr>
+        <p:spPr>
+          <a:xfrm>
+            <a:off x="504000" y="0"/>
+            <a:ext cx="9069480" cy="944280"/>
+          </a:xfrm>
+          <a:prstGeom prst="rect">
+            <a:avLst/>
+          </a:prstGeom>
+          <a:noFill/>
+          <a:ln w="0">
+            <a:noFill/>
+          </a:ln>
+        </p:spPr>
+        <p:style>
+          <a:lnRef idx="0"/>
+          <a:fillRef idx="0"/>
+          <a:effectRef idx="0"/>
+          <a:fontRef idx="minor"/>
+        </p:style>
+        <p:txBody>
+          <a:bodyPr lIns="0" rIns="0" tIns="0" bIns="0" anchor="ctr">
+            <a:noAutofit/>
+          </a:bodyPr>
+          <a:p>
+            <a:pPr algn="ctr">
+              <a:lnSpc>
+                <a:spcPct val="100000"/>
+              </a:lnSpc>
+            </a:pPr>
+            <a:r>
+              <a:rPr b="0" lang="pt-PT" sz="3200" spc="-1" strike="noStrike">
+                <a:solidFill>
+                  <a:srgbClr val="000000"/>
+                </a:solidFill>
+                <a:latin typeface="Arial"/>
+                <a:ea typeface="DejaVu Sans"/>
+              </a:rPr>
+              <a:t>Principais dificuldades</a:t>
+            </a:r>
+            <a:endParaRPr b="0" lang="pt-PT" sz="3200" spc="-1" strike="noStrike">
+              <a:latin typeface="Arial"/>
+            </a:endParaRPr>
+          </a:p>
+        </p:txBody>
+      </p:sp>
+      <p:sp>
+        <p:nvSpPr>
+          <p:cNvPr id="183" name=""/>
+          <p:cNvSpPr txBox="1"/>
+          <p:nvPr/>
+        </p:nvSpPr>
+        <p:spPr>
+          <a:xfrm>
+            <a:off x="504000" y="944280"/>
+            <a:ext cx="9072000" cy="4455720"/>
+          </a:xfrm>
+          <a:prstGeom prst="rect">
+            <a:avLst/>
+          </a:prstGeom>
+          <a:noFill/>
+          <a:ln w="0">
+            <a:noFill/>
+          </a:ln>
+        </p:spPr>
+        <p:txBody>
+          <a:bodyPr lIns="0" rIns="0" tIns="0" bIns="0">
+            <a:normAutofit/>
+          </a:bodyPr>
+          <a:p>
+            <a:pPr marL="432000" indent="-324000">
+              <a:spcBef>
+                <a:spcPts val="1417"/>
+              </a:spcBef>
+              <a:buClr>
+                <a:srgbClr val="000000"/>
+              </a:buClr>
+              <a:buSzPct val="45000"/>
+              <a:buFont typeface="Wingdings" charset="2"/>
+              <a:buChar char=""/>
+            </a:pPr>
+            <a:r>
+              <a:rPr b="0" lang="pt-PT" sz="2400" spc="-1" strike="noStrike">
+                <a:latin typeface="Arial"/>
+              </a:rPr>
+              <a:t>Representação do dataset no grafo, especialmente na implementação dos nós;</a:t>
+            </a:r>
+            <a:endParaRPr b="0" lang="pt-PT" sz="2400" spc="-1" strike="noStrike">
               <a:latin typeface="Arial"/>
             </a:endParaRPr>
           </a:p>
@@ -5289,14 +7277,14 @@
       </p:grpSpPr>
       <p:sp>
         <p:nvSpPr>
-          <p:cNvPr id="121" name=""/>
+          <p:cNvPr id="159" name=""/>
           <p:cNvSpPr/>
           <p:nvPr/>
         </p:nvSpPr>
         <p:spPr>
           <a:xfrm>
             <a:off x="540000" y="0"/>
-            <a:ext cx="9069840" cy="944640"/>
+            <a:ext cx="9069480" cy="944280"/>
           </a:xfrm>
           <a:prstGeom prst="rect">
             <a:avLst/>
@@ -5370,14 +7358,14 @@
       </p:grpSpPr>
       <p:sp>
         <p:nvSpPr>
-          <p:cNvPr id="122" name=""/>
+          <p:cNvPr id="160" name=""/>
           <p:cNvSpPr/>
           <p:nvPr/>
         </p:nvSpPr>
         <p:spPr>
           <a:xfrm>
             <a:off x="468720" y="-45720"/>
-            <a:ext cx="9069840" cy="944640"/>
+            <a:ext cx="9069480" cy="944280"/>
           </a:xfrm>
           <a:prstGeom prst="rect">
             <a:avLst/>
@@ -5431,14 +7419,14 @@
       </p:sp>
       <p:sp>
         <p:nvSpPr>
-          <p:cNvPr id="123" name=""/>
+          <p:cNvPr id="161" name=""/>
           <p:cNvSpPr/>
           <p:nvPr/>
         </p:nvSpPr>
         <p:spPr>
           <a:xfrm>
             <a:off x="504000" y="1326600"/>
-            <a:ext cx="9070560" cy="3287160"/>
+            <a:ext cx="9070200" cy="3286800"/>
           </a:xfrm>
           <a:prstGeom prst="rect">
             <a:avLst/>
@@ -5457,14 +7445,14 @@
       </p:sp>
       <p:sp>
         <p:nvSpPr>
-          <p:cNvPr id="124" name=""/>
+          <p:cNvPr id="162" name=""/>
           <p:cNvSpPr/>
           <p:nvPr/>
         </p:nvSpPr>
         <p:spPr>
           <a:xfrm>
             <a:off x="504000" y="898920"/>
-            <a:ext cx="9070560" cy="4680000"/>
+            <a:ext cx="9070200" cy="4679640"/>
           </a:xfrm>
           <a:prstGeom prst="rect">
             <a:avLst/>
@@ -5482,10 +7470,10 @@
         </p:style>
         <p:txBody>
           <a:bodyPr lIns="0" rIns="0" tIns="0" bIns="0">
-            <a:normAutofit/>
-          </a:bodyPr>
-          <a:p>
-            <a:pPr marL="432000" indent="-322920">
+            <a:normAutofit fontScale="94000"/>
+          </a:bodyPr>
+          <a:p>
+            <a:pPr marL="432000" indent="-322560">
               <a:lnSpc>
                 <a:spcPct val="100000"/>
               </a:lnSpc>
@@ -5507,14 +7495,14 @@
                 <a:latin typeface="Arial"/>
                 <a:ea typeface="DejaVu Sans"/>
               </a:rPr>
-              <a:t>A leitura do dataset é realizada no construtor da classe busCompany, onde a informação é guardado no grafo network;</a:t>
+              <a:t>A leitura do dataset é realizada no construtor da classe busCompany;</a:t>
             </a:r>
             <a:endParaRPr b="0" lang="pt-PT" sz="2400" spc="-1" strike="noStrike">
               <a:latin typeface="Arial"/>
             </a:endParaRPr>
           </a:p>
           <a:p>
-            <a:pPr marL="432000" indent="-322920">
+            <a:pPr marL="432000" indent="-322560">
               <a:lnSpc>
                 <a:spcPct val="100000"/>
               </a:lnSpc>
@@ -5543,7 +7531,7 @@
             </a:endParaRPr>
           </a:p>
           <a:p>
-            <a:pPr marL="432000" indent="-322920">
+            <a:pPr marL="432000" indent="-322560">
               <a:lnSpc>
                 <a:spcPct val="100000"/>
               </a:lnSpc>
@@ -5565,14 +7553,14 @@
                 <a:latin typeface="Arial"/>
                 <a:ea typeface="DejaVu Sans"/>
               </a:rPr>
-              <a:t>Cada paragem é carregada num objeto da classe stop(informação usada para criar os nós);</a:t>
+              <a:t>A classe stop tem possui um método responsável por processar a string da paragem(parseLine), tal como a classe busLine no caso da string da linha;</a:t>
             </a:r>
             <a:endParaRPr b="0" lang="pt-PT" sz="2400" spc="-1" strike="noStrike">
               <a:latin typeface="Arial"/>
             </a:endParaRPr>
           </a:p>
           <a:p>
-            <a:pPr marL="432000" indent="-322920">
+            <a:pPr marL="432000" indent="-322560">
               <a:lnSpc>
                 <a:spcPct val="100000"/>
               </a:lnSpc>
@@ -5594,8 +7582,56 @@
                 <a:latin typeface="Arial"/>
                 <a:ea typeface="DejaVu Sans"/>
               </a:rPr>
-              <a:t>Os dados das linhas são carregados nos objetos da classe busLine (informação usada para criar as linhas).</a:t>
+              <a:t>A informação da paragem é carregada num objeto da classe stop(informação usada para criar os nodes);</a:t>
             </a:r>
+            <a:endParaRPr b="0" lang="pt-PT" sz="2400" spc="-1" strike="noStrike">
+              <a:latin typeface="Arial"/>
+            </a:endParaRPr>
+          </a:p>
+          <a:p>
+            <a:pPr marL="432000" indent="-322560">
+              <a:lnSpc>
+                <a:spcPct val="100000"/>
+              </a:lnSpc>
+              <a:spcBef>
+                <a:spcPts val="1417"/>
+              </a:spcBef>
+              <a:buClr>
+                <a:srgbClr val="000000"/>
+              </a:buClr>
+              <a:buSzPct val="45000"/>
+              <a:buFont typeface="Wingdings" charset="2"/>
+              <a:buChar char=""/>
+            </a:pPr>
+            <a:r>
+              <a:rPr b="0" lang="pt-PT" sz="2400" spc="-1" strike="noStrike">
+                <a:solidFill>
+                  <a:srgbClr val="000000"/>
+                </a:solidFill>
+                <a:latin typeface="Arial"/>
+                <a:ea typeface="DejaVu Sans"/>
+              </a:rPr>
+              <a:t>Os dados de uma aresta são carregados num objeto da classe busLine (informação usada para criar as edges).</a:t>
+            </a:r>
+            <a:endParaRPr b="0" lang="pt-PT" sz="2400" spc="-1" strike="noStrike">
+              <a:latin typeface="Arial"/>
+            </a:endParaRPr>
+          </a:p>
+          <a:p>
+            <a:pPr marL="432000" indent="-322560">
+              <a:lnSpc>
+                <a:spcPct val="100000"/>
+              </a:lnSpc>
+              <a:spcBef>
+                <a:spcPts val="1417"/>
+              </a:spcBef>
+              <a:buClr>
+                <a:srgbClr val="000000"/>
+              </a:buClr>
+              <a:buSzPct val="45000"/>
+              <a:buFont typeface="Wingdings" charset="2"/>
+              <a:buChar char=""/>
+            </a:pPr>
             <a:endParaRPr b="0" lang="pt-PT" sz="2400" spc="-1" strike="noStrike">
               <a:latin typeface="Arial"/>
             </a:endParaRPr>
@@ -5634,14 +7670,14 @@
       </p:grpSpPr>
       <p:sp>
         <p:nvSpPr>
-          <p:cNvPr id="125" name=""/>
+          <p:cNvPr id="163" name=""/>
           <p:cNvSpPr/>
           <p:nvPr/>
         </p:nvSpPr>
         <p:spPr>
           <a:xfrm>
             <a:off x="649080" y="-45720"/>
-            <a:ext cx="9069840" cy="944640"/>
+            <a:ext cx="9069480" cy="944280"/>
           </a:xfrm>
           <a:prstGeom prst="rect">
             <a:avLst/>
@@ -5695,14 +7731,14 @@
       </p:sp>
       <p:sp>
         <p:nvSpPr>
-          <p:cNvPr id="126" name=""/>
+          <p:cNvPr id="164" name=""/>
           <p:cNvSpPr/>
           <p:nvPr/>
         </p:nvSpPr>
         <p:spPr>
           <a:xfrm>
             <a:off x="504000" y="898920"/>
-            <a:ext cx="9070560" cy="4321080"/>
+            <a:ext cx="9070200" cy="4320720"/>
           </a:xfrm>
           <a:prstGeom prst="rect">
             <a:avLst/>
@@ -5723,7 +7759,7 @@
             <a:normAutofit fontScale="80000"/>
           </a:bodyPr>
           <a:p>
-            <a:pPr marL="432000" indent="-322920">
+            <a:pPr marL="432000" indent="-322560">
               <a:lnSpc>
                 <a:spcPct val="100000"/>
               </a:lnSpc>
@@ -5752,7 +7788,7 @@
             </a:endParaRPr>
           </a:p>
           <a:p>
-            <a:pPr marL="432000" indent="-322920">
+            <a:pPr marL="432000" indent="-322560">
               <a:lnSpc>
                 <a:spcPct val="100000"/>
               </a:lnSpc>
@@ -5781,7 +7817,7 @@
             </a:endParaRPr>
           </a:p>
           <a:p>
-            <a:pPr marL="432000" indent="-322920">
+            <a:pPr marL="432000" indent="-322560">
               <a:lnSpc>
                 <a:spcPct val="100000"/>
               </a:lnSpc>
@@ -5810,7 +7846,7 @@
             </a:endParaRPr>
           </a:p>
           <a:p>
-            <a:pPr marL="432000" indent="-322920">
+            <a:pPr marL="432000" indent="-322560">
               <a:lnSpc>
                 <a:spcPct val="100000"/>
               </a:lnSpc>
@@ -5832,7 +7868,7 @@
                 <a:latin typeface="Arial"/>
                 <a:ea typeface="DejaVu Sans"/>
               </a:rPr>
-              <a:t>As arestas dispõem de uma variável que guarda o destino(código da paragem), a distância e um código que identifica a aresta. Foram adicionadas algumas arestas que representam o caminho a pedestre até uma paragem, dentro de uma distância pré-definida.</a:t>
+              <a:t>As arestas dispõem de uma variável que guarda o destino(código da paragem), a distância e um código que identifica a linha de autocarro usada. Foram adicionadas algumas arestas que representam o caminho pedestre até uma paragem, dentro de uma distância pré-definida.</a:t>
             </a:r>
             <a:endParaRPr b="0" lang="pt-PT" sz="2400" spc="-1" strike="noStrike">
               <a:latin typeface="Arial"/>
@@ -5870,16 +7906,62 @@
           <a:chExt cx="0" cy="0"/>
         </a:xfrm>
       </p:grpSpPr>
-      <p:sp>
-        <p:nvSpPr>
-          <p:cNvPr id="127" name=""/>
-          <p:cNvSpPr/>
+      <p:pic>
+        <p:nvPicPr>
+          <p:cNvPr id="165" name="" descr=""/>
+          <p:cNvPicPr/>
           <p:nvPr/>
-        </p:nvSpPr>
-        <p:spPr>
-          <a:xfrm>
-            <a:off x="540000" y="0"/>
-            <a:ext cx="9069840" cy="944640"/>
+        </p:nvPicPr>
+        <p:blipFill>
+          <a:blip r:embed="rId1"/>
+          <a:stretch/>
+        </p:blipFill>
+        <p:spPr>
+          <a:xfrm>
+            <a:off x="5193720" y="1260000"/>
+            <a:ext cx="4346280" cy="2837160"/>
+          </a:xfrm>
+          <a:prstGeom prst="rect">
+            <a:avLst/>
+          </a:prstGeom>
+          <a:ln w="0">
+            <a:noFill/>
+          </a:ln>
+        </p:spPr>
+      </p:pic>
+      <p:pic>
+        <p:nvPicPr>
+          <p:cNvPr id="166" name="" descr=""/>
+          <p:cNvPicPr/>
+          <p:nvPr/>
+        </p:nvPicPr>
+        <p:blipFill>
+          <a:blip r:embed="rId2"/>
+          <a:stretch/>
+        </p:blipFill>
+        <p:spPr>
+          <a:xfrm>
+            <a:off x="322200" y="1295280"/>
+            <a:ext cx="4357800" cy="2844720"/>
+          </a:xfrm>
+          <a:prstGeom prst="rect">
+            <a:avLst/>
+          </a:prstGeom>
+          <a:ln w="0">
+            <a:noFill/>
+          </a:ln>
+        </p:spPr>
+      </p:pic>
+      <p:sp>
+        <p:nvSpPr>
+          <p:cNvPr id="167" name=""/>
+          <p:cNvSpPr txBox="1"/>
+          <p:nvPr/>
+        </p:nvSpPr>
+        <p:spPr>
+          <a:xfrm>
+            <a:off x="468000" y="180000"/>
+            <a:ext cx="3852000" cy="862560"/>
           </a:xfrm>
           <a:prstGeom prst="rect">
             <a:avLst/>
@@ -5889,12 +7971,6 @@
             <a:noFill/>
           </a:ln>
         </p:spPr>
-        <p:style>
-          <a:lnRef idx="0"/>
-          <a:fillRef idx="0"/>
-          <a:effectRef idx="0"/>
-          <a:fontRef idx="minor"/>
-        </p:style>
         <p:txBody>
           <a:bodyPr lIns="0" rIns="0" tIns="0" bIns="0" anchor="ctr">
             <a:noAutofit/>
@@ -5913,7 +7989,7 @@
                 <a:latin typeface="Arial"/>
                 <a:ea typeface="DejaVu Sans"/>
               </a:rPr>
-              <a:t>Funcionalidades e algoritmos</a:t>
+              <a:t>Grafo diurno</a:t>
             </a:r>
             <a:endParaRPr b="0" lang="pt-PT" sz="3200" spc="-1" strike="noStrike">
               <a:latin typeface="Arial"/>
@@ -5923,14 +7999,14 @@
       </p:sp>
       <p:sp>
         <p:nvSpPr>
-          <p:cNvPr id="128" name=""/>
-          <p:cNvSpPr/>
+          <p:cNvPr id="168" name=""/>
+          <p:cNvSpPr txBox="1"/>
           <p:nvPr/>
         </p:nvSpPr>
         <p:spPr>
           <a:xfrm>
-            <a:off x="504000" y="900000"/>
-            <a:ext cx="9070560" cy="4320000"/>
+            <a:off x="5328000" y="180000"/>
+            <a:ext cx="3852000" cy="862560"/>
           </a:xfrm>
           <a:prstGeom prst="rect">
             <a:avLst/>
@@ -5940,216 +8016,27 @@
             <a:noFill/>
           </a:ln>
         </p:spPr>
-        <p:style>
-          <a:lnRef idx="0"/>
-          <a:fillRef idx="0"/>
-          <a:effectRef idx="0"/>
-          <a:fontRef idx="minor"/>
-        </p:style>
-        <p:txBody>
-          <a:bodyPr lIns="0" rIns="0" tIns="0" bIns="0">
-            <a:normAutofit fontScale="94000"/>
-          </a:bodyPr>
-          <a:p>
-            <a:pPr marL="432000" indent="-322920">
+        <p:txBody>
+          <a:bodyPr lIns="0" rIns="0" tIns="0" bIns="0" anchor="ctr">
+            <a:noAutofit/>
+          </a:bodyPr>
+          <a:p>
+            <a:pPr algn="ctr">
               <a:lnSpc>
                 <a:spcPct val="100000"/>
               </a:lnSpc>
-              <a:spcBef>
-                <a:spcPts val="1417"/>
-              </a:spcBef>
-              <a:buClr>
-                <a:srgbClr val="000000"/>
-              </a:buClr>
-              <a:buSzPct val="45000"/>
-              <a:buFont typeface="Wingdings" charset="2"/>
-              <a:buChar char=""/>
             </a:pPr>
             <a:r>
-              <a:rPr b="0" lang="pt-PT" sz="2400" spc="-1" strike="noStrike">
+              <a:rPr b="0" lang="pt-PT" sz="3200" spc="-1" strike="noStrike">
                 <a:solidFill>
                   <a:srgbClr val="000000"/>
                 </a:solidFill>
                 <a:latin typeface="Arial"/>
                 <a:ea typeface="DejaVu Sans"/>
               </a:rPr>
-              <a:t>Tanto a origem como o destino são vistos como paragens;</a:t>
+              <a:t>Grafo noturno</a:t>
             </a:r>
-            <a:endParaRPr b="0" lang="pt-PT" sz="2400" spc="-1" strike="noStrike">
-              <a:latin typeface="Arial"/>
-            </a:endParaRPr>
-          </a:p>
-          <a:p>
-            <a:pPr marL="432000" indent="-322920">
-              <a:lnSpc>
-                <a:spcPct val="100000"/>
-              </a:lnSpc>
-              <a:spcBef>
-                <a:spcPts val="1417"/>
-              </a:spcBef>
-              <a:buClr>
-                <a:srgbClr val="000000"/>
-              </a:buClr>
-              <a:buSzPct val="45000"/>
-              <a:buFont typeface="Wingdings" charset="2"/>
-              <a:buChar char=""/>
-            </a:pPr>
-            <a:r>
-              <a:rPr b="0" lang="pt-PT" sz="2400" spc="-1" strike="noStrike">
-                <a:solidFill>
-                  <a:srgbClr val="000000"/>
-                </a:solidFill>
-                <a:latin typeface="Arial"/>
-                <a:ea typeface="DejaVu Sans"/>
-              </a:rPr>
-              <a:t>Conceitos de "melhor" caminho adotados:</a:t>
-            </a:r>
-            <a:endParaRPr b="0" lang="pt-PT" sz="2400" spc="-1" strike="noStrike">
-              <a:latin typeface="Arial"/>
-            </a:endParaRPr>
-          </a:p>
-          <a:p>
-            <a:pPr marL="432000" indent="-322920">
-              <a:lnSpc>
-                <a:spcPct val="100000"/>
-              </a:lnSpc>
-              <a:spcBef>
-                <a:spcPts val="1417"/>
-              </a:spcBef>
-              <a:buClr>
-                <a:srgbClr val="000000"/>
-              </a:buClr>
-              <a:buSzPct val="45000"/>
-              <a:buFont typeface="Wingdings" charset="2"/>
-              <a:buChar char=""/>
-            </a:pPr>
-            <a:r>
-              <a:rPr b="0" lang="pt-PT" sz="2400" spc="-1" strike="noStrike">
-                <a:solidFill>
-                  <a:srgbClr val="000000"/>
-                </a:solidFill>
-                <a:latin typeface="Arial"/>
-                <a:ea typeface="DejaVu Sans"/>
-              </a:rPr>
-              <a:t>- Melhor caminho por distância;</a:t>
-            </a:r>
-            <a:endParaRPr b="0" lang="pt-PT" sz="2400" spc="-1" strike="noStrike">
-              <a:latin typeface="Arial"/>
-            </a:endParaRPr>
-          </a:p>
-          <a:p>
-            <a:pPr marL="432000" indent="-322920">
-              <a:lnSpc>
-                <a:spcPct val="100000"/>
-              </a:lnSpc>
-              <a:spcBef>
-                <a:spcPts val="1417"/>
-              </a:spcBef>
-              <a:buClr>
-                <a:srgbClr val="000000"/>
-              </a:buClr>
-              <a:buSzPct val="45000"/>
-              <a:buFont typeface="Wingdings" charset="2"/>
-              <a:buChar char=""/>
-            </a:pPr>
-            <a:r>
-              <a:rPr b="0" lang="pt-PT" sz="2400" spc="-1" strike="noStrike">
-                <a:solidFill>
-                  <a:srgbClr val="000000"/>
-                </a:solidFill>
-                <a:latin typeface="Arial"/>
-                <a:ea typeface="DejaVu Sans"/>
-              </a:rPr>
-              <a:t>- Melhor caminho por nº de paragens;</a:t>
-            </a:r>
-            <a:endParaRPr b="0" lang="pt-PT" sz="2400" spc="-1" strike="noStrike">
-              <a:latin typeface="Arial"/>
-            </a:endParaRPr>
-          </a:p>
-          <a:p>
-            <a:pPr marL="432000" indent="-322920">
-              <a:lnSpc>
-                <a:spcPct val="100000"/>
-              </a:lnSpc>
-              <a:spcBef>
-                <a:spcPts val="1417"/>
-              </a:spcBef>
-              <a:buClr>
-                <a:srgbClr val="000000"/>
-              </a:buClr>
-              <a:buSzPct val="45000"/>
-              <a:buFont typeface="Wingdings" charset="2"/>
-              <a:buChar char=""/>
-            </a:pPr>
-            <a:r>
-              <a:rPr b="0" lang="pt-PT" sz="2400" spc="-1" strike="noStrike">
-                <a:solidFill>
-                  <a:srgbClr val="000000"/>
-                </a:solidFill>
-                <a:latin typeface="Arial"/>
-                <a:ea typeface="DejaVu Sans"/>
-              </a:rPr>
-              <a:t>- Melhor caminho por nº de zonas.</a:t>
-            </a:r>
-            <a:endParaRPr b="0" lang="pt-PT" sz="2400" spc="-1" strike="noStrike">
-              <a:latin typeface="Arial"/>
-            </a:endParaRPr>
-          </a:p>
-          <a:p>
-            <a:pPr marL="432000" indent="-322920">
-              <a:lnSpc>
-                <a:spcPct val="100000"/>
-              </a:lnSpc>
-              <a:spcBef>
-                <a:spcPts val="1417"/>
-              </a:spcBef>
-              <a:buClr>
-                <a:srgbClr val="000000"/>
-              </a:buClr>
-              <a:buSzPct val="45000"/>
-              <a:buFont typeface="Wingdings" charset="2"/>
-              <a:buChar char=""/>
-            </a:pPr>
-            <a:r>
-              <a:rPr b="0" lang="pt-PT" sz="2400" spc="-1" strike="noStrike">
-                <a:solidFill>
-                  <a:srgbClr val="000000"/>
-                </a:solidFill>
-                <a:latin typeface="Arial"/>
-                <a:ea typeface="DejaVu Sans"/>
-              </a:rPr>
-              <a:t>Todos os conceitos de melhor caminho possuem um método que retorna o trajeto;</a:t>
-            </a:r>
-            <a:endParaRPr b="0" lang="pt-PT" sz="2400" spc="-1" strike="noStrike">
-              <a:latin typeface="Arial"/>
-            </a:endParaRPr>
-          </a:p>
-          <a:p>
-            <a:pPr marL="432000" indent="-322920">
-              <a:lnSpc>
-                <a:spcPct val="100000"/>
-              </a:lnSpc>
-              <a:spcBef>
-                <a:spcPts val="1417"/>
-              </a:spcBef>
-              <a:buClr>
-                <a:srgbClr val="000000"/>
-              </a:buClr>
-              <a:buSzPct val="45000"/>
-              <a:buFont typeface="Wingdings" charset="2"/>
-              <a:buChar char=""/>
-            </a:pPr>
-            <a:r>
-              <a:rPr b="0" lang="pt-PT" sz="2400" spc="-1" strike="noStrike">
-                <a:solidFill>
-                  <a:srgbClr val="000000"/>
-                </a:solidFill>
-                <a:latin typeface="Arial"/>
-                <a:ea typeface="DejaVu Sans"/>
-              </a:rPr>
-              <a:t>Tal como referido anteriormente, adicionamos arestas que representam caminhos pedestres, e por isso os algoritmos também são executados tendo esse aspeto em conta,</a:t>
-            </a:r>
-            <a:endParaRPr b="0" lang="pt-PT" sz="2400" spc="-1" strike="noStrike">
+            <a:endParaRPr b="0" lang="pt-PT" sz="3200" spc="-1" strike="noStrike">
               <a:latin typeface="Arial"/>
             </a:endParaRPr>
           </a:p>
@@ -6187,14 +8074,14 @@
       </p:grpSpPr>
       <p:sp>
         <p:nvSpPr>
-          <p:cNvPr id="129" name=""/>
-          <p:cNvSpPr txBox="1"/>
+          <p:cNvPr id="169" name=""/>
+          <p:cNvSpPr/>
           <p:nvPr/>
         </p:nvSpPr>
         <p:spPr>
           <a:xfrm>
-            <a:off x="504000" y="133560"/>
-            <a:ext cx="9072000" cy="946440"/>
+            <a:off x="540000" y="0"/>
+            <a:ext cx="9069480" cy="944280"/>
           </a:xfrm>
           <a:prstGeom prst="rect">
             <a:avLst/>
@@ -6204,6 +8091,12 @@
             <a:noFill/>
           </a:ln>
         </p:spPr>
+        <p:style>
+          <a:lnRef idx="0"/>
+          <a:fillRef idx="0"/>
+          <a:effectRef idx="0"/>
+          <a:fontRef idx="minor"/>
+        </p:style>
         <p:txBody>
           <a:bodyPr lIns="0" rIns="0" tIns="0" bIns="0" anchor="ctr">
             <a:noAutofit/>
@@ -6232,14 +8125,14 @@
       </p:sp>
       <p:sp>
         <p:nvSpPr>
-          <p:cNvPr id="130" name=""/>
-          <p:cNvSpPr txBox="1"/>
+          <p:cNvPr id="170" name=""/>
+          <p:cNvSpPr/>
           <p:nvPr/>
         </p:nvSpPr>
         <p:spPr>
           <a:xfrm>
-            <a:off x="504000" y="1080000"/>
-            <a:ext cx="9072000" cy="3960000"/>
+            <a:off x="504000" y="900000"/>
+            <a:ext cx="9070200" cy="4319640"/>
           </a:xfrm>
           <a:prstGeom prst="rect">
             <a:avLst/>
@@ -6249,12 +8142,21 @@
             <a:noFill/>
           </a:ln>
         </p:spPr>
-        <p:txBody>
-          <a:bodyPr lIns="0" rIns="0" tIns="0" bIns="0">
-            <a:normAutofit/>
-          </a:bodyPr>
-          <a:p>
-            <a:pPr marL="432000" indent="-324000">
+        <p:style>
+          <a:lnRef idx="0"/>
+          <a:fillRef idx="0"/>
+          <a:effectRef idx="0"/>
+          <a:fontRef idx="minor"/>
+        </p:style>
+        <p:txBody>
+          <a:bodyPr lIns="0" rIns="0" tIns="0" bIns="0">
+            <a:normAutofit fontScale="80000"/>
+          </a:bodyPr>
+          <a:p>
+            <a:pPr marL="432000" indent="-322560">
+              <a:lnSpc>
+                <a:spcPct val="100000"/>
+              </a:lnSpc>
               <a:spcBef>
                 <a:spcPts val="1417"/>
               </a:spcBef>
@@ -6267,16 +8169,23 @@
             </a:pPr>
             <a:r>
               <a:rPr b="0" lang="pt-PT" sz="2400" spc="-1" strike="noStrike">
+                <a:solidFill>
+                  <a:srgbClr val="000000"/>
+                </a:solidFill>
                 <a:latin typeface="Arial"/>
+                <a:ea typeface="DejaVu Sans"/>
               </a:rPr>
-              <a:t>Mudança de autocarro?</a:t>
+              <a:t>O algoritmo de dijkstra é implementado com o recurso  a red-black trees(set), se assumirmos que o número de arestas é superior ao número de vértices, a complexidade é de O(|E| log |V|);</a:t>
             </a:r>
             <a:endParaRPr b="0" lang="pt-PT" sz="2400" spc="-1" strike="noStrike">
               <a:latin typeface="Arial"/>
             </a:endParaRPr>
           </a:p>
           <a:p>
-            <a:pPr marL="432000" indent="-324000">
+            <a:pPr marL="432000" indent="-322560">
+              <a:lnSpc>
+                <a:spcPct val="100000"/>
+              </a:lnSpc>
               <a:spcBef>
                 <a:spcPts val="1417"/>
               </a:spcBef>
@@ -6289,10 +8198,98 @@
             </a:pPr>
             <a:r>
               <a:rPr b="0" lang="pt-PT" sz="2400" spc="-1" strike="noStrike">
+                <a:solidFill>
+                  <a:srgbClr val="000000"/>
+                </a:solidFill>
                 <a:latin typeface="Arial"/>
+                <a:ea typeface="DejaVu Sans"/>
               </a:rPr>
-              <a:t>Existe também a funcionalidade de procurar as paragens mais próximas a partir de uma paragem e um valor de distancia pré-definido.</a:t>
+              <a:t>Os algoritmos BFS implementados são baseados no pseudocódigo apresentado na aula téorica, pelo que apresentam complexidade  O(|E| + |V|);</a:t>
             </a:r>
+            <a:endParaRPr b="0" lang="pt-PT" sz="2400" spc="-1" strike="noStrike">
+              <a:latin typeface="Arial"/>
+            </a:endParaRPr>
+          </a:p>
+          <a:p>
+            <a:pPr marL="432000" indent="-322560">
+              <a:lnSpc>
+                <a:spcPct val="100000"/>
+              </a:lnSpc>
+              <a:spcBef>
+                <a:spcPts val="1417"/>
+              </a:spcBef>
+              <a:buClr>
+                <a:srgbClr val="000000"/>
+              </a:buClr>
+              <a:buSzPct val="45000"/>
+              <a:buFont typeface="Wingdings" charset="2"/>
+              <a:buChar char=""/>
+            </a:pPr>
+            <a:r>
+              <a:rPr b="0" lang="pt-PT" sz="2400" spc="-1" strike="noStrike">
+                <a:solidFill>
+                  <a:srgbClr val="000000"/>
+                </a:solidFill>
+                <a:latin typeface="Arial"/>
+                <a:ea typeface="DejaVu Sans"/>
+              </a:rPr>
+              <a:t>No cálculo do “melhor caminho” admitimos que a origem e  o destino são paragens;</a:t>
+            </a:r>
+            <a:endParaRPr b="0" lang="pt-PT" sz="2400" spc="-1" strike="noStrike">
+              <a:latin typeface="Arial"/>
+            </a:endParaRPr>
+          </a:p>
+          <a:p>
+            <a:pPr marL="432000" indent="-322560">
+              <a:lnSpc>
+                <a:spcPct val="100000"/>
+              </a:lnSpc>
+              <a:spcBef>
+                <a:spcPts val="1417"/>
+              </a:spcBef>
+              <a:buClr>
+                <a:srgbClr val="000000"/>
+              </a:buClr>
+              <a:buSzPct val="45000"/>
+              <a:buFont typeface="Wingdings" charset="2"/>
+              <a:buChar char=""/>
+            </a:pPr>
+            <a:r>
+              <a:rPr b="0" lang="pt-PT" sz="2400" spc="-1" strike="noStrike">
+                <a:solidFill>
+                  <a:srgbClr val="000000"/>
+                </a:solidFill>
+                <a:latin typeface="Arial"/>
+                <a:ea typeface="DejaVu Sans"/>
+              </a:rPr>
+              <a:t>Também está implementado o método nearbyStops que retornam as paragens mais próximas de uma coordenada(pode ser fornecida pelo utilizador ou pode ser uma paragem) . Apresenta complexidade O(|V|);</a:t>
+            </a:r>
+            <a:endParaRPr b="0" lang="pt-PT" sz="2400" spc="-1" strike="noStrike">
+              <a:latin typeface="Arial"/>
+            </a:endParaRPr>
+          </a:p>
+          <a:p>
+            <a:pPr>
+              <a:lnSpc>
+                <a:spcPct val="100000"/>
+              </a:lnSpc>
+              <a:spcBef>
+                <a:spcPts val="1417"/>
+              </a:spcBef>
+            </a:pPr>
+            <a:endParaRPr b="0" lang="pt-PT" sz="2400" spc="-1" strike="noStrike">
+              <a:latin typeface="Arial"/>
+            </a:endParaRPr>
+          </a:p>
+          <a:p>
+            <a:pPr>
+              <a:lnSpc>
+                <a:spcPct val="100000"/>
+              </a:lnSpc>
+              <a:spcBef>
+                <a:spcPts val="1417"/>
+              </a:spcBef>
+            </a:pPr>
             <a:endParaRPr b="0" lang="pt-PT" sz="2400" spc="-1" strike="noStrike">
               <a:latin typeface="Arial"/>
             </a:endParaRPr>
@@ -6331,14 +8328,14 @@
       </p:grpSpPr>
       <p:sp>
         <p:nvSpPr>
-          <p:cNvPr id="131" name=""/>
+          <p:cNvPr id="171" name=""/>
           <p:cNvSpPr/>
           <p:nvPr/>
         </p:nvSpPr>
         <p:spPr>
           <a:xfrm>
-            <a:off x="504000" y="0"/>
-            <a:ext cx="9069840" cy="944640"/>
+            <a:off x="540000" y="0"/>
+            <a:ext cx="9071640" cy="946080"/>
           </a:xfrm>
           <a:prstGeom prst="rect">
             <a:avLst/>
@@ -6372,7 +8369,7 @@
                 <a:latin typeface="Arial"/>
                 <a:ea typeface="DejaVu Sans"/>
               </a:rPr>
-              <a:t>Interface</a:t>
+              <a:t>Funcionalidades e algoritmos</a:t>
             </a:r>
             <a:endParaRPr b="0" lang="pt-PT" sz="3200" spc="-1" strike="noStrike">
               <a:latin typeface="Arial"/>
@@ -6382,14 +8379,14 @@
       </p:sp>
       <p:sp>
         <p:nvSpPr>
-          <p:cNvPr id="132" name=""/>
+          <p:cNvPr id="172" name=""/>
           <p:cNvSpPr/>
           <p:nvPr/>
         </p:nvSpPr>
         <p:spPr>
           <a:xfrm>
-            <a:off x="504000" y="1326600"/>
-            <a:ext cx="9070560" cy="3287160"/>
+            <a:off x="504000" y="1080000"/>
+            <a:ext cx="9071640" cy="3959640"/>
           </a:xfrm>
           <a:prstGeom prst="rect">
             <a:avLst/>
@@ -6407,10 +8404,10 @@
         </p:style>
         <p:txBody>
           <a:bodyPr lIns="0" rIns="0" tIns="0" bIns="0">
-            <a:normAutofit/>
-          </a:bodyPr>
-          <a:p>
-            <a:pPr marL="432000" indent="-322920">
+            <a:normAutofit fontScale="94000"/>
+          </a:bodyPr>
+          <a:p>
+            <a:pPr marL="432000" indent="-323640">
               <a:lnSpc>
                 <a:spcPct val="100000"/>
               </a:lnSpc>
@@ -6425,21 +8422,23 @@
               <a:buChar char=""/>
             </a:pPr>
             <a:r>
-              <a:rPr b="0" lang="pt-PT" sz="3200" spc="-1" strike="noStrike">
-                <a:solidFill>
-                  <a:srgbClr val="000000"/>
-                </a:solidFill>
+              <a:rPr b="0" lang="pt-PT" sz="2400" spc="-1" strike="noStrike">
                 <a:latin typeface="Arial"/>
-                <a:ea typeface="DejaVu Sans"/>
               </a:rPr>
-              <a:t>1-2 slides</a:t>
+              <a:t>“</a:t>
             </a:r>
-            <a:endParaRPr b="0" lang="pt-PT" sz="3200" spc="-1" strike="noStrike">
-              <a:latin typeface="Arial"/>
-            </a:endParaRPr>
-          </a:p>
-          <a:p>
-            <a:pPr marL="432000" indent="-322920">
+            <a:r>
+              <a:rPr b="0" lang="pt-PT" sz="2400" spc="-1" strike="noStrike">
+                <a:latin typeface="Arial"/>
+              </a:rPr>
+              <a:t>Melhor” caminho por distância percorrida:</a:t>
+            </a:r>
+            <a:endParaRPr b="0" lang="pt-PT" sz="2400" spc="-1" strike="noStrike">
+              <a:latin typeface="Arial"/>
+            </a:endParaRPr>
+          </a:p>
+          <a:p>
+            <a:pPr marL="432000" indent="-323640">
               <a:lnSpc>
                 <a:spcPct val="100000"/>
               </a:lnSpc>
@@ -6454,16 +8453,69 @@
               <a:buChar char=""/>
             </a:pPr>
             <a:r>
-              <a:rPr b="0" lang="pt-PT" sz="3200" spc="-1" strike="noStrike">
+              <a:rPr b="0" lang="pt-PT" sz="2400" spc="-1" strike="noStrike">
+                <a:latin typeface="Arial"/>
+                <a:ea typeface="Microsoft YaHei"/>
+              </a:rPr>
+              <a:t>- Método minDistance(devolve a menor distância), aplica o algoritmo de dijkstra, caso a ultima aplicação do algoritmo tenha sido feita por uma paragem diferente. Apresenta complexidade de </a:t>
+            </a:r>
+            <a:r>
+              <a:rPr b="0" lang="pt-PT" sz="2400" spc="-1" strike="noStrike">
                 <a:solidFill>
                   <a:srgbClr val="000000"/>
                 </a:solidFill>
                 <a:latin typeface="Arial"/>
                 <a:ea typeface="DejaVu Sans"/>
               </a:rPr>
-              <a:t>pode incluir exemplo de utilização</a:t>
+              <a:t>O(|E| log |V|);</a:t>
             </a:r>
-            <a:endParaRPr b="0" lang="pt-PT" sz="3200" spc="-1" strike="noStrike">
+            <a:endParaRPr b="0" lang="pt-PT" sz="2400" spc="-1" strike="noStrike">
+              <a:latin typeface="Arial"/>
+            </a:endParaRPr>
+          </a:p>
+          <a:p>
+            <a:pPr marL="432000" indent="-323640">
+              <a:lnSpc>
+                <a:spcPct val="100000"/>
+              </a:lnSpc>
+              <a:spcBef>
+                <a:spcPts val="1417"/>
+              </a:spcBef>
+              <a:buClr>
+                <a:srgbClr val="000000"/>
+              </a:buClr>
+              <a:buSzPct val="45000"/>
+              <a:buFont typeface="Wingdings" charset="2"/>
+              <a:buChar char=""/>
+            </a:pPr>
+            <a:r>
+              <a:rPr b="0" lang="pt-PT" sz="2400" spc="-1" strike="noStrike">
+                <a:solidFill>
+                  <a:srgbClr val="000000"/>
+                </a:solidFill>
+                <a:latin typeface="Arial"/>
+                <a:ea typeface="DejaVu Sans"/>
+              </a:rPr>
+              <a:t>- Método minDistancePath(devolve o trajeto, com menor distância, ao longo dos vértices), </a:t>
+            </a:r>
+            <a:r>
+              <a:rPr b="0" lang="pt-PT" sz="2400" spc="-1" strike="noStrike">
+                <a:latin typeface="Arial"/>
+                <a:ea typeface="Microsoft YaHei"/>
+              </a:rPr>
+              <a:t>aplica o algoritmo de dijkstra, caso a ultima aplicação do algoritmo tenha sido feita por uma paragem diferente e monta o caminho a partir do vértice final(Uso de apontadores para o vértice anterior) . Apresenta complexidade de </a:t>
+            </a:r>
+            <a:r>
+              <a:rPr b="0" lang="pt-PT" sz="2400" spc="-1" strike="noStrike">
+                <a:solidFill>
+                  <a:srgbClr val="000000"/>
+                </a:solidFill>
+                <a:latin typeface="Arial"/>
+                <a:ea typeface="DejaVu Sans"/>
+              </a:rPr>
+              <a:t>O(|E| log |V|).</a:t>
+            </a:r>
+            <a:endParaRPr b="0" lang="pt-PT" sz="2400" spc="-1" strike="noStrike">
               <a:latin typeface="Arial"/>
             </a:endParaRPr>
           </a:p>
@@ -6499,16 +8551,57 @@
           <a:chExt cx="0" cy="0"/>
         </a:xfrm>
       </p:grpSpPr>
-      <p:sp>
-        <p:nvSpPr>
-          <p:cNvPr id="133" name=""/>
+      <p:graphicFrame>
+        <p:nvGraphicFramePr>
+          <p:cNvPr id="173" name="Object 1"/>
+          <p:cNvGraphicFramePr/>
+          <p:nvPr/>
+        </p:nvGraphicFramePr>
+        <p:xfrm>
+          <a:off x="469080" y="5222880"/>
+          <a:ext cx="9070200" cy="3282120"/>
+        </p:xfrm>
+        <a:graphic>
+          <a:graphicData uri="http://schemas.openxmlformats.org/presentationml/2006/ole">
+            <p:oleObj progId="Word.Document.12" r:id="rId1" spid="">
+              <p:embed/>
+              <p:pic>
+                <p:nvPicPr>
+                  <p:cNvPr id="174" name="Object 1" descr=""/>
+                  <p:cNvPicPr/>
+                  <p:nvPr/>
+                </p:nvPicPr>
+                <p:blipFill>
+                  <a:blip r:embed="rId2"/>
+                  <a:stretch/>
+                </p:blipFill>
+                <p:spPr>
+                  <a:xfrm>
+                    <a:off x="469080" y="5222880"/>
+                    <a:ext cx="9070200" cy="3282120"/>
+                  </a:xfrm>
+                  <a:prstGeom prst="rect">
+                    <a:avLst/>
+                  </a:prstGeom>
+                  <a:ln w="0">
+                    <a:noFill/>
+                  </a:ln>
+                </p:spPr>
+              </p:pic>
+            </p:oleObj>
+          </a:graphicData>
+        </a:graphic>
+      </p:graphicFrame>
+      <p:sp>
+        <p:nvSpPr>
+          <p:cNvPr id="175" name=""/>
           <p:cNvSpPr/>
           <p:nvPr/>
         </p:nvSpPr>
         <p:spPr>
           <a:xfrm>
-            <a:off x="504000" y="134280"/>
-            <a:ext cx="9069840" cy="944640"/>
+            <a:off x="540000" y="0"/>
+            <a:ext cx="9071640" cy="946080"/>
           </a:xfrm>
           <a:prstGeom prst="rect">
             <a:avLst/>
@@ -6542,67 +8635,7 @@
                 <a:latin typeface="Arial"/>
                 <a:ea typeface="DejaVu Sans"/>
               </a:rPr>
-              <a:t>Destaques de  funcionalidades</a:t>
-            </a:r>
-            <a:endParaRPr b="0" lang="pt-PT" sz="3200" spc="-1" strike="noStrike">
-              <a:latin typeface="Arial"/>
-            </a:endParaRPr>
-          </a:p>
-        </p:txBody>
-      </p:sp>
-      <p:sp>
-        <p:nvSpPr>
-          <p:cNvPr id="134" name=""/>
-          <p:cNvSpPr/>
-          <p:nvPr/>
-        </p:nvSpPr>
-        <p:spPr>
-          <a:xfrm>
-            <a:off x="504000" y="1326600"/>
-            <a:ext cx="9070560" cy="3287160"/>
-          </a:xfrm>
-          <a:prstGeom prst="rect">
-            <a:avLst/>
-          </a:prstGeom>
-          <a:noFill/>
-          <a:ln w="0">
-            <a:noFill/>
-          </a:ln>
-        </p:spPr>
-        <p:style>
-          <a:lnRef idx="0"/>
-          <a:fillRef idx="0"/>
-          <a:effectRef idx="0"/>
-          <a:fontRef idx="minor"/>
-        </p:style>
-        <p:txBody>
-          <a:bodyPr lIns="0" rIns="0" tIns="0" bIns="0">
-            <a:normAutofit/>
-          </a:bodyPr>
-          <a:p>
-            <a:pPr marL="432000" indent="-322920">
-              <a:lnSpc>
-                <a:spcPct val="100000"/>
-              </a:lnSpc>
-              <a:spcBef>
-                <a:spcPts val="1417"/>
-              </a:spcBef>
-              <a:buClr>
-                <a:srgbClr val="000000"/>
-              </a:buClr>
-              <a:buSzPct val="45000"/>
-              <a:buFont typeface="Wingdings" charset="2"/>
-              <a:buChar char=""/>
-            </a:pPr>
-            <a:r>
-              <a:rPr b="0" lang="pt-PT" sz="3200" spc="-1" strike="noStrike">
-                <a:solidFill>
-                  <a:srgbClr val="000000"/>
-                </a:solidFill>
-                <a:latin typeface="Arial"/>
-                <a:ea typeface="DejaVu Sans"/>
-              </a:rPr>
-              <a:t>1 slide</a:t>
+              <a:t>Funcionalidades e algoritmos</a:t>
             </a:r>
             <a:endParaRPr b="0" lang="pt-PT" sz="3200" spc="-1" strike="noStrike">
               <a:latin typeface="Arial"/>
@@ -6642,14 +8675,14 @@
       </p:grpSpPr>
       <p:sp>
         <p:nvSpPr>
-          <p:cNvPr id="135" name=""/>
+          <p:cNvPr id="176" name=""/>
           <p:cNvSpPr/>
           <p:nvPr/>
         </p:nvSpPr>
         <p:spPr>
           <a:xfrm>
-            <a:off x="360000" y="226080"/>
-            <a:ext cx="9069840" cy="944640"/>
+            <a:off x="504000" y="0"/>
+            <a:ext cx="9069480" cy="944280"/>
           </a:xfrm>
           <a:prstGeom prst="rect">
             <a:avLst/>
@@ -6683,7 +8716,7 @@
                 <a:latin typeface="Arial"/>
                 <a:ea typeface="DejaVu Sans"/>
               </a:rPr>
-              <a:t>Principais dificuldades</a:t>
+              <a:t>Interface</a:t>
             </a:r>
             <a:endParaRPr b="0" lang="pt-PT" sz="3200" spc="-1" strike="noStrike">
               <a:latin typeface="Arial"/>
@@ -6693,14 +8726,14 @@
       </p:sp>
       <p:sp>
         <p:nvSpPr>
-          <p:cNvPr id="136" name=""/>
+          <p:cNvPr id="177" name=""/>
           <p:cNvSpPr/>
           <p:nvPr/>
         </p:nvSpPr>
         <p:spPr>
           <a:xfrm>
-            <a:off x="504000" y="1031760"/>
-            <a:ext cx="9070560" cy="1847160"/>
+            <a:off x="504000" y="1080000"/>
+            <a:ext cx="9070200" cy="4320000"/>
           </a:xfrm>
           <a:prstGeom prst="rect">
             <a:avLst/>
@@ -6718,10 +8751,10 @@
         </p:style>
         <p:txBody>
           <a:bodyPr lIns="0" rIns="0" tIns="0" bIns="0">
-            <a:normAutofit/>
-          </a:bodyPr>
-          <a:p>
-            <a:pPr marL="432000" indent="-322920">
+            <a:normAutofit fontScale="65000"/>
+          </a:bodyPr>
+          <a:p>
+            <a:pPr lvl="1" marL="432000" indent="-216000">
               <a:lnSpc>
                 <a:spcPct val="100000"/>
               </a:lnSpc>
@@ -6736,67 +8769,249 @@
               <a:buChar char=""/>
             </a:pPr>
             <a:r>
-              <a:rPr b="0" lang="pt-PT" sz="3200" spc="-1" strike="noStrike">
+              <a:rPr b="0" lang="pt-PT" sz="2400" spc="-1" strike="noStrike">
                 <a:solidFill>
                   <a:srgbClr val="000000"/>
                 </a:solidFill>
                 <a:latin typeface="Arial"/>
                 <a:ea typeface="DejaVu Sans"/>
               </a:rPr>
-              <a:t>1 slide</a:t>
+              <a:t>O menu do utilizador inclui do ponto de vista do cliente 10 funcionalidades:</a:t>
             </a:r>
-            <a:endParaRPr b="0" lang="pt-PT" sz="3200" spc="-1" strike="noStrike">
-              <a:latin typeface="Arial"/>
-            </a:endParaRPr>
-          </a:p>
-        </p:txBody>
-      </p:sp>
-      <p:sp>
-        <p:nvSpPr>
-          <p:cNvPr id="137" name=""/>
-          <p:cNvSpPr/>
-          <p:nvPr/>
-        </p:nvSpPr>
-        <p:spPr>
-          <a:xfrm>
-            <a:off x="289080" y="2700000"/>
-            <a:ext cx="9069840" cy="944640"/>
-          </a:xfrm>
-          <a:prstGeom prst="rect">
-            <a:avLst/>
-          </a:prstGeom>
-          <a:noFill/>
-          <a:ln w="0">
-            <a:noFill/>
-          </a:ln>
-        </p:spPr>
-        <p:style>
-          <a:lnRef idx="0"/>
-          <a:fillRef idx="0"/>
-          <a:effectRef idx="0"/>
-          <a:fontRef idx="minor"/>
-        </p:style>
-        <p:txBody>
-          <a:bodyPr lIns="0" rIns="0" tIns="0" bIns="0" anchor="ctr">
-            <a:noAutofit/>
-          </a:bodyPr>
-          <a:p>
-            <a:pPr algn="ctr">
+            <a:endParaRPr b="0" lang="pt-PT" sz="2400" spc="-1" strike="noStrike">
+              <a:latin typeface="Arial"/>
+            </a:endParaRPr>
+          </a:p>
+          <a:p>
+            <a:pPr lvl="1" marL="432000" indent="-216000">
               <a:lnSpc>
                 <a:spcPct val="100000"/>
               </a:lnSpc>
+              <a:spcBef>
+                <a:spcPts val="1417"/>
+              </a:spcBef>
+              <a:buClr>
+                <a:srgbClr val="000000"/>
+              </a:buClr>
+              <a:buSzPct val="45000"/>
+              <a:buFont typeface="Wingdings" charset="2"/>
+              <a:buChar char=""/>
             </a:pPr>
             <a:r>
-              <a:rPr b="0" lang="pt-PT" sz="3200" spc="-1" strike="noStrike">
+              <a:rPr b="0" lang="pt-PT" sz="2400" spc="-1" strike="noStrike">
                 <a:solidFill>
                   <a:srgbClr val="000000"/>
                 </a:solidFill>
                 <a:latin typeface="Arial"/>
                 <a:ea typeface="DejaVu Sans"/>
               </a:rPr>
-              <a:t>Esforço dos elementos do grupo</a:t>
+              <a:t>Listar as paragens;</a:t>
             </a:r>
-            <a:endParaRPr b="0" lang="pt-PT" sz="3200" spc="-1" strike="noStrike">
+            <a:endParaRPr b="0" lang="pt-PT" sz="2400" spc="-1" strike="noStrike">
+              <a:latin typeface="Arial"/>
+            </a:endParaRPr>
+          </a:p>
+          <a:p>
+            <a:pPr lvl="1" marL="432000" indent="-216000">
+              <a:lnSpc>
+                <a:spcPct val="100000"/>
+              </a:lnSpc>
+              <a:spcBef>
+                <a:spcPts val="1417"/>
+              </a:spcBef>
+              <a:buClr>
+                <a:srgbClr val="000000"/>
+              </a:buClr>
+              <a:buSzPct val="45000"/>
+              <a:buFont typeface="Wingdings" charset="2"/>
+              <a:buChar char=""/>
+            </a:pPr>
+            <a:r>
+              <a:rPr b="0" lang="pt-PT" sz="2400" spc="-1" strike="noStrike">
+                <a:solidFill>
+                  <a:srgbClr val="000000"/>
+                </a:solidFill>
+                <a:latin typeface="Arial"/>
+                <a:ea typeface="DejaVu Sans"/>
+              </a:rPr>
+              <a:t>Listar as linhas de autocarro;</a:t>
+            </a:r>
+            <a:endParaRPr b="0" lang="pt-PT" sz="2400" spc="-1" strike="noStrike">
+              <a:latin typeface="Arial"/>
+            </a:endParaRPr>
+          </a:p>
+          <a:p>
+            <a:pPr lvl="1" marL="432000" indent="-216000">
+              <a:lnSpc>
+                <a:spcPct val="100000"/>
+              </a:lnSpc>
+              <a:spcBef>
+                <a:spcPts val="1417"/>
+              </a:spcBef>
+              <a:buClr>
+                <a:srgbClr val="000000"/>
+              </a:buClr>
+              <a:buSzPct val="45000"/>
+              <a:buFont typeface="Wingdings" charset="2"/>
+              <a:buChar char=""/>
+            </a:pPr>
+            <a:r>
+              <a:rPr b="0" lang="pt-PT" sz="2400" spc="-1" strike="noStrike">
+                <a:solidFill>
+                  <a:srgbClr val="000000"/>
+                </a:solidFill>
+                <a:latin typeface="Arial"/>
+                <a:ea typeface="DejaVu Sans"/>
+              </a:rPr>
+              <a:t>Mostrar o caminho com menor distância percorrida(a origem e o destino podem ser paragens ou coordenadas);</a:t>
+            </a:r>
+            <a:endParaRPr b="0" lang="pt-PT" sz="2400" spc="-1" strike="noStrike">
+              <a:latin typeface="Arial"/>
+            </a:endParaRPr>
+          </a:p>
+          <a:p>
+            <a:pPr lvl="1" marL="432000" indent="-216000">
+              <a:lnSpc>
+                <a:spcPct val="100000"/>
+              </a:lnSpc>
+              <a:spcBef>
+                <a:spcPts val="1417"/>
+              </a:spcBef>
+              <a:buClr>
+                <a:srgbClr val="000000"/>
+              </a:buClr>
+              <a:buSzPct val="45000"/>
+              <a:buFont typeface="Wingdings" charset="2"/>
+              <a:buChar char=""/>
+            </a:pPr>
+            <a:r>
+              <a:rPr b="0" lang="pt-PT" sz="2400" spc="-1" strike="noStrike">
+                <a:solidFill>
+                  <a:srgbClr val="000000"/>
+                </a:solidFill>
+                <a:latin typeface="Arial"/>
+                <a:ea typeface="DejaVu Sans"/>
+              </a:rPr>
+              <a:t>Mostrar o caminho com menos paragen percorridas</a:t>
+            </a:r>
+            <a:r>
+              <a:rPr b="0" lang="pt-PT" sz="2400" spc="-1" strike="noStrike">
+                <a:solidFill>
+                  <a:srgbClr val="000000"/>
+                </a:solidFill>
+                <a:latin typeface="Arial"/>
+                <a:ea typeface="DejaVu Sans"/>
+              </a:rPr>
+              <a:t>(a origem e o destino podem ser paragens ou coordenadas);</a:t>
+            </a:r>
+            <a:endParaRPr b="0" lang="pt-PT" sz="2400" spc="-1" strike="noStrike">
+              <a:latin typeface="Arial"/>
+            </a:endParaRPr>
+          </a:p>
+          <a:p>
+            <a:pPr lvl="1" marL="432000" indent="-216000">
+              <a:lnSpc>
+                <a:spcPct val="100000"/>
+              </a:lnSpc>
+              <a:spcBef>
+                <a:spcPts val="1417"/>
+              </a:spcBef>
+              <a:buClr>
+                <a:srgbClr val="000000"/>
+              </a:buClr>
+              <a:buSzPct val="45000"/>
+              <a:buFont typeface="Wingdings" charset="2"/>
+              <a:buChar char=""/>
+            </a:pPr>
+            <a:r>
+              <a:rPr b="0" lang="pt-PT" sz="2400" spc="-1" strike="noStrike">
+                <a:solidFill>
+                  <a:srgbClr val="000000"/>
+                </a:solidFill>
+                <a:latin typeface="Arial"/>
+                <a:ea typeface="DejaVu Sans"/>
+              </a:rPr>
+              <a:t>Mostrar o caminho com menos zonas percorridas</a:t>
+            </a:r>
+            <a:r>
+              <a:rPr b="0" lang="pt-PT" sz="2400" spc="-1" strike="noStrike">
+                <a:solidFill>
+                  <a:srgbClr val="000000"/>
+                </a:solidFill>
+                <a:latin typeface="Arial"/>
+                <a:ea typeface="DejaVu Sans"/>
+              </a:rPr>
+              <a:t>(a origem e o destino podem ser paragens ou coordenadas);</a:t>
+            </a:r>
+            <a:endParaRPr b="0" lang="pt-PT" sz="2400" spc="-1" strike="noStrike">
+              <a:latin typeface="Arial"/>
+            </a:endParaRPr>
+          </a:p>
+          <a:p>
+            <a:pPr lvl="1" marL="432000" indent="-216000">
+              <a:lnSpc>
+                <a:spcPct val="100000"/>
+              </a:lnSpc>
+              <a:spcBef>
+                <a:spcPts val="1417"/>
+              </a:spcBef>
+              <a:buClr>
+                <a:srgbClr val="000000"/>
+              </a:buClr>
+              <a:buSzPct val="45000"/>
+              <a:buFont typeface="Wingdings" charset="2"/>
+              <a:buChar char=""/>
+            </a:pPr>
+            <a:r>
+              <a:rPr b="0" lang="pt-PT" sz="2400" spc="-1" strike="noStrike">
+                <a:solidFill>
+                  <a:srgbClr val="000000"/>
+                </a:solidFill>
+                <a:latin typeface="Arial"/>
+                <a:ea typeface="DejaVu Sans"/>
+              </a:rPr>
+              <a:t>Confirmar se o título do cliente tem zonas suficientes para o caminho pretende percorrer;</a:t>
+            </a:r>
+            <a:r>
+              <a:rPr b="0" lang="pt-PT" sz="2400" spc="-1" strike="noStrike">
+                <a:solidFill>
+                  <a:srgbClr val="000000"/>
+                </a:solidFill>
+                <a:latin typeface="Arial"/>
+                <a:ea typeface="DejaVu Sans"/>
+              </a:rPr>
+              <a:t> </a:t>
+            </a:r>
+            <a:endParaRPr b="0" lang="pt-PT" sz="2400" spc="-1" strike="noStrike">
+              <a:latin typeface="Arial"/>
+            </a:endParaRPr>
+          </a:p>
+          <a:p>
+            <a:pPr lvl="1" marL="432000" indent="-216000">
+              <a:lnSpc>
+                <a:spcPct val="100000"/>
+              </a:lnSpc>
+              <a:spcBef>
+                <a:spcPts val="1417"/>
+              </a:spcBef>
+              <a:buClr>
+                <a:srgbClr val="000000"/>
+              </a:buClr>
+              <a:buSzPct val="45000"/>
+              <a:buFont typeface="Wingdings" charset="2"/>
+              <a:buChar char=""/>
+            </a:pPr>
+            <a:r>
+              <a:rPr b="0" lang="pt-PT" sz="2400" spc="-1" strike="noStrike">
+                <a:solidFill>
+                  <a:srgbClr val="000000"/>
+                </a:solidFill>
+                <a:latin typeface="Arial"/>
+                <a:ea typeface="DejaVu Sans"/>
+              </a:rPr>
+              <a:t>Alterar a distância que o cliente está disposto a andar.</a:t>
+            </a:r>
+            <a:endParaRPr b="0" lang="pt-PT" sz="2400" spc="-1" strike="noStrike">
               <a:latin typeface="Arial"/>
             </a:endParaRPr>
           </a:p>
@@ -7491,4 +9706,230 @@
     </a:fmtScheme>
   </a:themeElements>
 </a:theme>
+</file>
+
+<file path=ppt/theme/theme4.xml><?xml version="1.0" encoding="utf-8"?>
+<a:theme xmlns:a="http://schemas.openxmlformats.org/drawingml/2006/main" name="Office Theme">
+  <a:themeElements>
+    <a:clrScheme name="Office">
+      <a:dk1>
+        <a:sysClr val="windowText" lastClr="000000"/>
+      </a:dk1>
+      <a:lt1>
+        <a:sysClr val="window" lastClr="FFFFFF"/>
+      </a:lt1>
+      <a:dk2>
+        <a:srgbClr val="1f497d"/>
+      </a:dk2>
+      <a:lt2>
+        <a:srgbClr val="eeece1"/>
+      </a:lt2>
+      <a:accent1>
+        <a:srgbClr val="4f81bd"/>
+      </a:accent1>
+      <a:accent2>
+        <a:srgbClr val="c0504d"/>
+      </a:accent2>
+      <a:accent3>
+        <a:srgbClr val="9bbb59"/>
+      </a:accent3>
+      <a:accent4>
+        <a:srgbClr val="8064a2"/>
+      </a:accent4>
+      <a:accent5>
+        <a:srgbClr val="4bacc6"/>
+      </a:accent5>
+      <a:accent6>
+        <a:srgbClr val="f79646"/>
+      </a:accent6>
+      <a:hlink>
+        <a:srgbClr val="0000ff"/>
+      </a:hlink>
+      <a:folHlink>
+        <a:srgbClr val="800080"/>
+      </a:folHlink>
+    </a:clrScheme>
+    <a:fontScheme name="Office">
+      <a:majorFont>
+        <a:latin typeface="Arial"/>
+        <a:ea typeface="DejaVu Sans"/>
+        <a:cs typeface="DejaVu Sans"/>
+      </a:majorFont>
+      <a:minorFont>
+        <a:latin typeface="Arial"/>
+        <a:ea typeface="DejaVu Sans"/>
+        <a:cs typeface="DejaVu Sans"/>
+      </a:minorFont>
+    </a:fontScheme>
+    <a:fmtScheme name="Office">
+      <a:fillStyleLst>
+        <a:solidFill>
+          <a:schemeClr val="phClr"/>
+        </a:solidFill>
+        <a:gradFill rotWithShape="1">
+          <a:gsLst>
+            <a:gs pos="0">
+              <a:schemeClr val="phClr">
+                <a:tint val="50000"/>
+                <a:satMod val="300000"/>
+              </a:schemeClr>
+            </a:gs>
+            <a:gs pos="35000">
+              <a:schemeClr val="phClr">
+                <a:tint val="37000"/>
+                <a:satMod val="300000"/>
+              </a:schemeClr>
+            </a:gs>
+            <a:gs pos="100000">
+              <a:schemeClr val="phClr">
+                <a:tint val="15000"/>
+                <a:satMod val="350000"/>
+              </a:schemeClr>
+            </a:gs>
+          </a:gsLst>
+          <a:lin ang="16200000" scaled="1"/>
+        </a:gradFill>
+        <a:gradFill rotWithShape="1">
+          <a:gsLst>
+            <a:gs pos="0">
+              <a:schemeClr val="phClr">
+                <a:shade val="51000"/>
+                <a:satMod val="130000"/>
+              </a:schemeClr>
+            </a:gs>
+            <a:gs pos="80000">
+              <a:schemeClr val="phClr">
+                <a:shade val="93000"/>
+                <a:satMod val="130000"/>
+              </a:schemeClr>
+            </a:gs>
+            <a:gs pos="100000">
+              <a:schemeClr val="phClr">
+                <a:shade val="94000"/>
+                <a:satMod val="135000"/>
+              </a:schemeClr>
+            </a:gs>
+          </a:gsLst>
+          <a:lin ang="16200000" scaled="0"/>
+        </a:gradFill>
+      </a:fillStyleLst>
+      <a:lnStyleLst>
+        <a:ln w="9525" cap="flat" cmpd="sng" algn="ctr">
+          <a:solidFill>
+            <a:schemeClr val="phClr">
+              <a:shade val="95000"/>
+              <a:satMod val="105000"/>
+            </a:schemeClr>
+          </a:solidFill>
+          <a:prstDash val="solid"/>
+          <a:miter/>
+        </a:ln>
+        <a:ln w="25400" cap="flat" cmpd="sng" algn="ctr">
+          <a:solidFill>
+            <a:schemeClr val="phClr"/>
+          </a:solidFill>
+          <a:prstDash val="solid"/>
+          <a:miter/>
+        </a:ln>
+        <a:ln w="38100" cap="flat" cmpd="sng" algn="ctr">
+          <a:solidFill>
+            <a:schemeClr val="phClr"/>
+          </a:solidFill>
+          <a:prstDash val="solid"/>
+          <a:miter/>
+        </a:ln>
+      </a:lnStyleLst>
+      <a:effectStyleLst>
+        <a:effectStyle>
+          <a:effectLst>
+            <a:outerShdw blurRad="40000" dist="20000" dir="5400000" rotWithShape="0">
+              <a:srgbClr val="000000">
+                <a:alpha val="38000"/>
+              </a:srgbClr>
+            </a:outerShdw>
+          </a:effectLst>
+        </a:effectStyle>
+        <a:effectStyle>
+          <a:effectLst>
+            <a:outerShdw blurRad="40000" dist="23000" dir="5400000" rotWithShape="0">
+              <a:srgbClr val="000000">
+                <a:alpha val="35000"/>
+              </a:srgbClr>
+            </a:outerShdw>
+          </a:effectLst>
+        </a:effectStyle>
+        <a:effectStyle>
+          <a:effectLst>
+            <a:outerShdw blurRad="40000" dist="23000" dir="5400000" rotWithShape="0">
+              <a:srgbClr val="000000">
+                <a:alpha val="35000"/>
+              </a:srgbClr>
+            </a:outerShdw>
+          </a:effectLst>
+          <a:scene3d>
+            <a:camera prst="orthographicFront">
+              <a:rot lat="0" lon="0" rev="0"/>
+            </a:camera>
+            <a:lightRig rig="threePt" dir="t">
+              <a:rot lat="0" lon="0" rev="1200000"/>
+            </a:lightRig>
+          </a:scene3d>
+          <a:sp3d>
+            <a:bevelT w="63500" h="25400"/>
+          </a:sp3d>
+        </a:effectStyle>
+      </a:effectStyleLst>
+      <a:bgFillStyleLst>
+        <a:solidFill>
+          <a:schemeClr val="phClr"/>
+        </a:solidFill>
+        <a:gradFill rotWithShape="1">
+          <a:gsLst>
+            <a:gs pos="0">
+              <a:schemeClr val="phClr">
+                <a:tint val="40000"/>
+                <a:satMod val="350000"/>
+              </a:schemeClr>
+            </a:gs>
+            <a:gs pos="40000">
+              <a:schemeClr val="phClr">
+                <a:tint val="45000"/>
+                <a:shade val="99000"/>
+                <a:satMod val="350000"/>
+              </a:schemeClr>
+            </a:gs>
+            <a:gs pos="100000">
+              <a:schemeClr val="phClr">
+                <a:shade val="20000"/>
+                <a:satMod val="255000"/>
+              </a:schemeClr>
+            </a:gs>
+          </a:gsLst>
+          <a:path path="circle">
+            <a:fillToRect l="50000" t="-80000" r="50000" b="180000"/>
+          </a:path>
+        </a:gradFill>
+        <a:gradFill rotWithShape="1">
+          <a:gsLst>
+            <a:gs pos="0">
+              <a:schemeClr val="phClr">
+                <a:tint val="80000"/>
+                <a:satMod val="300000"/>
+              </a:schemeClr>
+            </a:gs>
+            <a:gs pos="100000">
+              <a:schemeClr val="phClr">
+                <a:shade val="30000"/>
+                <a:satMod val="200000"/>
+              </a:schemeClr>
+            </a:gs>
+          </a:gsLst>
+          <a:path path="circle">
+            <a:fillToRect l="50000" t="50000" r="50000" b="50000"/>
+          </a:path>
+        </a:gradFill>
+      </a:bgFillStyleLst>
+    </a:fmtScheme>
+  </a:themeElements>
+</a:theme>
 </file>
--- a/Apresentação.pptx
+++ b/Apresentação.pptx
@@ -6,20 +6,24 @@
     <p:sldMasterId id="2147483661" r:id="rId3"/>
     <p:sldMasterId id="2147483674" r:id="rId4"/>
     <p:sldMasterId id="2147483687" r:id="rId5"/>
+    <p:sldMasterId id="2147483700" r:id="rId6"/>
+    <p:sldMasterId id="2147483713" r:id="rId7"/>
   </p:sldMasterIdLst>
   <p:sldIdLst>
-    <p:sldId id="256" r:id="rId6"/>
-    <p:sldId id="257" r:id="rId7"/>
-    <p:sldId id="258" r:id="rId8"/>
-    <p:sldId id="259" r:id="rId9"/>
-    <p:sldId id="260" r:id="rId10"/>
-    <p:sldId id="261" r:id="rId11"/>
-    <p:sldId id="262" r:id="rId12"/>
-    <p:sldId id="263" r:id="rId13"/>
-    <p:sldId id="264" r:id="rId14"/>
-    <p:sldId id="265" r:id="rId15"/>
-    <p:sldId id="266" r:id="rId16"/>
-    <p:sldId id="267" r:id="rId17"/>
+    <p:sldId id="256" r:id="rId8"/>
+    <p:sldId id="257" r:id="rId9"/>
+    <p:sldId id="258" r:id="rId10"/>
+    <p:sldId id="259" r:id="rId11"/>
+    <p:sldId id="260" r:id="rId12"/>
+    <p:sldId id="261" r:id="rId13"/>
+    <p:sldId id="262" r:id="rId14"/>
+    <p:sldId id="263" r:id="rId15"/>
+    <p:sldId id="264" r:id="rId16"/>
+    <p:sldId id="265" r:id="rId17"/>
+    <p:sldId id="266" r:id="rId18"/>
+    <p:sldId id="267" r:id="rId19"/>
+    <p:sldId id="268" r:id="rId20"/>
+    <p:sldId id="269" r:id="rId21"/>
   </p:sldIdLst>
   <p:sldSz cx="10080625" cy="5670550"/>
   <p:notesSz cx="7559675" cy="10691812"/>
@@ -78,7 +82,7 @@
         <p:spPr>
           <a:xfrm>
             <a:off x="504000" y="226080"/>
-            <a:ext cx="9072000" cy="946440"/>
+            <a:ext cx="9071640" cy="946080"/>
           </a:xfrm>
           <a:prstGeom prst="rect">
             <a:avLst/>
@@ -109,7 +113,7 @@
         <p:spPr>
           <a:xfrm>
             <a:off x="504000" y="1326600"/>
-            <a:ext cx="9072000" cy="1568520"/>
+            <a:ext cx="9071640" cy="1568160"/>
           </a:xfrm>
           <a:prstGeom prst="rect">
             <a:avLst/>
@@ -138,8 +142,8 @@
         </p:nvSpPr>
         <p:spPr>
           <a:xfrm>
-            <a:off x="504000" y="3044520"/>
-            <a:ext cx="9072000" cy="1568520"/>
+            <a:off x="504000" y="3044160"/>
+            <a:ext cx="9071640" cy="1568160"/>
           </a:xfrm>
           <a:prstGeom prst="rect">
             <a:avLst/>
@@ -191,7 +195,7 @@
         <p:spPr>
           <a:xfrm>
             <a:off x="504000" y="226080"/>
-            <a:ext cx="9072000" cy="946440"/>
+            <a:ext cx="9071640" cy="946080"/>
           </a:xfrm>
           <a:prstGeom prst="rect">
             <a:avLst/>
@@ -222,7 +226,7 @@
         <p:spPr>
           <a:xfrm>
             <a:off x="504000" y="1326600"/>
-            <a:ext cx="4426920" cy="1568520"/>
+            <a:ext cx="4426920" cy="1568160"/>
           </a:xfrm>
           <a:prstGeom prst="rect">
             <a:avLst/>
@@ -252,7 +256,7 @@
         <p:spPr>
           <a:xfrm>
             <a:off x="5152680" y="1326600"/>
-            <a:ext cx="4426920" cy="1568520"/>
+            <a:ext cx="4426920" cy="1568160"/>
           </a:xfrm>
           <a:prstGeom prst="rect">
             <a:avLst/>
@@ -281,8 +285,8 @@
         </p:nvSpPr>
         <p:spPr>
           <a:xfrm>
-            <a:off x="504000" y="3044520"/>
-            <a:ext cx="4426920" cy="1568520"/>
+            <a:off x="504000" y="3044160"/>
+            <a:ext cx="4426920" cy="1568160"/>
           </a:xfrm>
           <a:prstGeom prst="rect">
             <a:avLst/>
@@ -311,8 +315,8 @@
         </p:nvSpPr>
         <p:spPr>
           <a:xfrm>
-            <a:off x="5152680" y="3044520"/>
-            <a:ext cx="4426920" cy="1568520"/>
+            <a:off x="5152680" y="3044160"/>
+            <a:ext cx="4426920" cy="1568160"/>
           </a:xfrm>
           <a:prstGeom prst="rect">
             <a:avLst/>
@@ -364,7 +368,7 @@
         <p:spPr>
           <a:xfrm>
             <a:off x="504000" y="226080"/>
-            <a:ext cx="9072000" cy="946440"/>
+            <a:ext cx="9071640" cy="946080"/>
           </a:xfrm>
           <a:prstGeom prst="rect">
             <a:avLst/>
@@ -395,7 +399,7 @@
         <p:spPr>
           <a:xfrm>
             <a:off x="504000" y="1326600"/>
-            <a:ext cx="2921040" cy="1568520"/>
+            <a:ext cx="2920680" cy="1568160"/>
           </a:xfrm>
           <a:prstGeom prst="rect">
             <a:avLst/>
@@ -424,8 +428,8 @@
         </p:nvSpPr>
         <p:spPr>
           <a:xfrm>
-            <a:off x="3571560" y="1326600"/>
-            <a:ext cx="2921040" cy="1568520"/>
+            <a:off x="3571200" y="1326600"/>
+            <a:ext cx="2920680" cy="1568160"/>
           </a:xfrm>
           <a:prstGeom prst="rect">
             <a:avLst/>
@@ -454,8 +458,8 @@
         </p:nvSpPr>
         <p:spPr>
           <a:xfrm>
-            <a:off x="6639120" y="1326600"/>
-            <a:ext cx="2921040" cy="1568520"/>
+            <a:off x="6638040" y="1326600"/>
+            <a:ext cx="2920680" cy="1568160"/>
           </a:xfrm>
           <a:prstGeom prst="rect">
             <a:avLst/>
@@ -484,8 +488,8 @@
         </p:nvSpPr>
         <p:spPr>
           <a:xfrm>
-            <a:off x="504000" y="3044520"/>
-            <a:ext cx="2921040" cy="1568520"/>
+            <a:off x="504000" y="3044160"/>
+            <a:ext cx="2920680" cy="1568160"/>
           </a:xfrm>
           <a:prstGeom prst="rect">
             <a:avLst/>
@@ -514,8 +518,8 @@
         </p:nvSpPr>
         <p:spPr>
           <a:xfrm>
-            <a:off x="3571560" y="3044520"/>
-            <a:ext cx="2921040" cy="1568520"/>
+            <a:off x="3571200" y="3044160"/>
+            <a:ext cx="2920680" cy="1568160"/>
           </a:xfrm>
           <a:prstGeom prst="rect">
             <a:avLst/>
@@ -544,8 +548,8 @@
         </p:nvSpPr>
         <p:spPr>
           <a:xfrm>
-            <a:off x="6639120" y="3044520"/>
-            <a:ext cx="2921040" cy="1568520"/>
+            <a:off x="6638040" y="3044160"/>
+            <a:ext cx="2920680" cy="1568160"/>
           </a:xfrm>
           <a:prstGeom prst="rect">
             <a:avLst/>
@@ -619,7 +623,7 @@
         <p:spPr>
           <a:xfrm>
             <a:off x="504000" y="226080"/>
-            <a:ext cx="9072000" cy="946440"/>
+            <a:ext cx="9071640" cy="946080"/>
           </a:xfrm>
           <a:prstGeom prst="rect">
             <a:avLst/>
@@ -650,7 +654,7 @@
         <p:spPr>
           <a:xfrm>
             <a:off x="504000" y="1326600"/>
-            <a:ext cx="9072000" cy="3288600"/>
+            <a:ext cx="9071640" cy="3288240"/>
           </a:xfrm>
           <a:prstGeom prst="rect">
             <a:avLst/>
@@ -703,7 +707,7 @@
         <p:spPr>
           <a:xfrm>
             <a:off x="504000" y="226080"/>
-            <a:ext cx="9072000" cy="946440"/>
+            <a:ext cx="9071640" cy="946080"/>
           </a:xfrm>
           <a:prstGeom prst="rect">
             <a:avLst/>
@@ -734,7 +738,7 @@
         <p:spPr>
           <a:xfrm>
             <a:off x="504000" y="1326600"/>
-            <a:ext cx="9072000" cy="3288600"/>
+            <a:ext cx="9071640" cy="3288240"/>
           </a:xfrm>
           <a:prstGeom prst="rect">
             <a:avLst/>
@@ -786,7 +790,7 @@
         <p:spPr>
           <a:xfrm>
             <a:off x="504000" y="226080"/>
-            <a:ext cx="9072000" cy="946440"/>
+            <a:ext cx="9071640" cy="946080"/>
           </a:xfrm>
           <a:prstGeom prst="rect">
             <a:avLst/>
@@ -817,7 +821,7 @@
         <p:spPr>
           <a:xfrm>
             <a:off x="504000" y="1326600"/>
-            <a:ext cx="4426920" cy="3288600"/>
+            <a:ext cx="4426920" cy="3288240"/>
           </a:xfrm>
           <a:prstGeom prst="rect">
             <a:avLst/>
@@ -847,7 +851,7 @@
         <p:spPr>
           <a:xfrm>
             <a:off x="5152680" y="1326600"/>
-            <a:ext cx="4426920" cy="3288600"/>
+            <a:ext cx="4426920" cy="3288240"/>
           </a:xfrm>
           <a:prstGeom prst="rect">
             <a:avLst/>
@@ -899,7 +903,7 @@
         <p:spPr>
           <a:xfrm>
             <a:off x="504000" y="226080"/>
-            <a:ext cx="9072000" cy="946440"/>
+            <a:ext cx="9071640" cy="946080"/>
           </a:xfrm>
           <a:prstGeom prst="rect">
             <a:avLst/>
@@ -952,7 +956,7 @@
         <p:spPr>
           <a:xfrm>
             <a:off x="504000" y="226080"/>
-            <a:ext cx="9072000" cy="4388400"/>
+            <a:ext cx="9071640" cy="4386600"/>
           </a:xfrm>
           <a:prstGeom prst="rect">
             <a:avLst/>
@@ -1005,7 +1009,7 @@
         <p:spPr>
           <a:xfrm>
             <a:off x="504000" y="226080"/>
-            <a:ext cx="9072000" cy="946440"/>
+            <a:ext cx="9071640" cy="946080"/>
           </a:xfrm>
           <a:prstGeom prst="rect">
             <a:avLst/>
@@ -1036,7 +1040,7 @@
         <p:spPr>
           <a:xfrm>
             <a:off x="504000" y="1326600"/>
-            <a:ext cx="4426920" cy="1568520"/>
+            <a:ext cx="4426920" cy="1568160"/>
           </a:xfrm>
           <a:prstGeom prst="rect">
             <a:avLst/>
@@ -1066,7 +1070,7 @@
         <p:spPr>
           <a:xfrm>
             <a:off x="5152680" y="1326600"/>
-            <a:ext cx="4426920" cy="3288600"/>
+            <a:ext cx="4426920" cy="3288240"/>
           </a:xfrm>
           <a:prstGeom prst="rect">
             <a:avLst/>
@@ -1095,8 +1099,8 @@
         </p:nvSpPr>
         <p:spPr>
           <a:xfrm>
-            <a:off x="504000" y="3044520"/>
-            <a:ext cx="4426920" cy="1568520"/>
+            <a:off x="504000" y="3044160"/>
+            <a:ext cx="4426920" cy="1568160"/>
           </a:xfrm>
           <a:prstGeom prst="rect">
             <a:avLst/>
@@ -1148,7 +1152,7 @@
         <p:spPr>
           <a:xfrm>
             <a:off x="504000" y="226080"/>
-            <a:ext cx="9072000" cy="946440"/>
+            <a:ext cx="9071640" cy="946080"/>
           </a:xfrm>
           <a:prstGeom prst="rect">
             <a:avLst/>
@@ -1179,7 +1183,7 @@
         <p:spPr>
           <a:xfrm>
             <a:off x="504000" y="1326600"/>
-            <a:ext cx="9072000" cy="3288600"/>
+            <a:ext cx="9071640" cy="3288240"/>
           </a:xfrm>
           <a:prstGeom prst="rect">
             <a:avLst/>
@@ -1232,7 +1236,7 @@
         <p:spPr>
           <a:xfrm>
             <a:off x="504000" y="226080"/>
-            <a:ext cx="9072000" cy="946440"/>
+            <a:ext cx="9071640" cy="946080"/>
           </a:xfrm>
           <a:prstGeom prst="rect">
             <a:avLst/>
@@ -1263,7 +1267,7 @@
         <p:spPr>
           <a:xfrm>
             <a:off x="504000" y="1326600"/>
-            <a:ext cx="4426920" cy="3288600"/>
+            <a:ext cx="4426920" cy="3288240"/>
           </a:xfrm>
           <a:prstGeom prst="rect">
             <a:avLst/>
@@ -1293,7 +1297,7 @@
         <p:spPr>
           <a:xfrm>
             <a:off x="5152680" y="1326600"/>
-            <a:ext cx="4426920" cy="1568520"/>
+            <a:ext cx="4426920" cy="1568160"/>
           </a:xfrm>
           <a:prstGeom prst="rect">
             <a:avLst/>
@@ -1322,8 +1326,8 @@
         </p:nvSpPr>
         <p:spPr>
           <a:xfrm>
-            <a:off x="5152680" y="3044520"/>
-            <a:ext cx="4426920" cy="1568520"/>
+            <a:off x="5152680" y="3044160"/>
+            <a:ext cx="4426920" cy="1568160"/>
           </a:xfrm>
           <a:prstGeom prst="rect">
             <a:avLst/>
@@ -1375,7 +1379,7 @@
         <p:spPr>
           <a:xfrm>
             <a:off x="504000" y="226080"/>
-            <a:ext cx="9072000" cy="946440"/>
+            <a:ext cx="9071640" cy="946080"/>
           </a:xfrm>
           <a:prstGeom prst="rect">
             <a:avLst/>
@@ -1406,7 +1410,7 @@
         <p:spPr>
           <a:xfrm>
             <a:off x="504000" y="1326600"/>
-            <a:ext cx="4426920" cy="1568520"/>
+            <a:ext cx="4426920" cy="1568160"/>
           </a:xfrm>
           <a:prstGeom prst="rect">
             <a:avLst/>
@@ -1436,7 +1440,7 @@
         <p:spPr>
           <a:xfrm>
             <a:off x="5152680" y="1326600"/>
-            <a:ext cx="4426920" cy="1568520"/>
+            <a:ext cx="4426920" cy="1568160"/>
           </a:xfrm>
           <a:prstGeom prst="rect">
             <a:avLst/>
@@ -1465,8 +1469,8 @@
         </p:nvSpPr>
         <p:spPr>
           <a:xfrm>
-            <a:off x="504000" y="3044520"/>
-            <a:ext cx="9072000" cy="1568520"/>
+            <a:off x="504000" y="3044160"/>
+            <a:ext cx="9071640" cy="1568160"/>
           </a:xfrm>
           <a:prstGeom prst="rect">
             <a:avLst/>
@@ -1518,7 +1522,7 @@
         <p:spPr>
           <a:xfrm>
             <a:off x="504000" y="226080"/>
-            <a:ext cx="9072000" cy="946440"/>
+            <a:ext cx="9071640" cy="946080"/>
           </a:xfrm>
           <a:prstGeom prst="rect">
             <a:avLst/>
@@ -1549,7 +1553,7 @@
         <p:spPr>
           <a:xfrm>
             <a:off x="504000" y="1326600"/>
-            <a:ext cx="9072000" cy="1568520"/>
+            <a:ext cx="9071640" cy="1568160"/>
           </a:xfrm>
           <a:prstGeom prst="rect">
             <a:avLst/>
@@ -1578,8 +1582,8 @@
         </p:nvSpPr>
         <p:spPr>
           <a:xfrm>
-            <a:off x="504000" y="3044520"/>
-            <a:ext cx="9072000" cy="1568520"/>
+            <a:off x="504000" y="3044160"/>
+            <a:ext cx="9071640" cy="1568160"/>
           </a:xfrm>
           <a:prstGeom prst="rect">
             <a:avLst/>
@@ -1631,7 +1635,7 @@
         <p:spPr>
           <a:xfrm>
             <a:off x="504000" y="226080"/>
-            <a:ext cx="9072000" cy="946440"/>
+            <a:ext cx="9071640" cy="946080"/>
           </a:xfrm>
           <a:prstGeom prst="rect">
             <a:avLst/>
@@ -1662,7 +1666,7 @@
         <p:spPr>
           <a:xfrm>
             <a:off x="504000" y="1326600"/>
-            <a:ext cx="4426920" cy="1568520"/>
+            <a:ext cx="4426920" cy="1568160"/>
           </a:xfrm>
           <a:prstGeom prst="rect">
             <a:avLst/>
@@ -1692,7 +1696,7 @@
         <p:spPr>
           <a:xfrm>
             <a:off x="5152680" y="1326600"/>
-            <a:ext cx="4426920" cy="1568520"/>
+            <a:ext cx="4426920" cy="1568160"/>
           </a:xfrm>
           <a:prstGeom prst="rect">
             <a:avLst/>
@@ -1721,8 +1725,8 @@
         </p:nvSpPr>
         <p:spPr>
           <a:xfrm>
-            <a:off x="504000" y="3044520"/>
-            <a:ext cx="4426920" cy="1568520"/>
+            <a:off x="504000" y="3044160"/>
+            <a:ext cx="4426920" cy="1568160"/>
           </a:xfrm>
           <a:prstGeom prst="rect">
             <a:avLst/>
@@ -1751,8 +1755,8 @@
         </p:nvSpPr>
         <p:spPr>
           <a:xfrm>
-            <a:off x="5152680" y="3044520"/>
-            <a:ext cx="4426920" cy="1568520"/>
+            <a:off x="5152680" y="3044160"/>
+            <a:ext cx="4426920" cy="1568160"/>
           </a:xfrm>
           <a:prstGeom prst="rect">
             <a:avLst/>
@@ -1804,7 +1808,7 @@
         <p:spPr>
           <a:xfrm>
             <a:off x="504000" y="226080"/>
-            <a:ext cx="9072000" cy="946440"/>
+            <a:ext cx="9071640" cy="946080"/>
           </a:xfrm>
           <a:prstGeom prst="rect">
             <a:avLst/>
@@ -1835,7 +1839,7 @@
         <p:spPr>
           <a:xfrm>
             <a:off x="504000" y="1326600"/>
-            <a:ext cx="2921040" cy="1568520"/>
+            <a:ext cx="2920680" cy="1568160"/>
           </a:xfrm>
           <a:prstGeom prst="rect">
             <a:avLst/>
@@ -1864,8 +1868,8 @@
         </p:nvSpPr>
         <p:spPr>
           <a:xfrm>
-            <a:off x="3571560" y="1326600"/>
-            <a:ext cx="2921040" cy="1568520"/>
+            <a:off x="3571200" y="1326600"/>
+            <a:ext cx="2920680" cy="1568160"/>
           </a:xfrm>
           <a:prstGeom prst="rect">
             <a:avLst/>
@@ -1894,8 +1898,8 @@
         </p:nvSpPr>
         <p:spPr>
           <a:xfrm>
-            <a:off x="6639120" y="1326600"/>
-            <a:ext cx="2921040" cy="1568520"/>
+            <a:off x="6638040" y="1326600"/>
+            <a:ext cx="2920680" cy="1568160"/>
           </a:xfrm>
           <a:prstGeom prst="rect">
             <a:avLst/>
@@ -1924,8 +1928,8 @@
         </p:nvSpPr>
         <p:spPr>
           <a:xfrm>
-            <a:off x="504000" y="3044520"/>
-            <a:ext cx="2921040" cy="1568520"/>
+            <a:off x="504000" y="3044160"/>
+            <a:ext cx="2920680" cy="1568160"/>
           </a:xfrm>
           <a:prstGeom prst="rect">
             <a:avLst/>
@@ -1954,8 +1958,8 @@
         </p:nvSpPr>
         <p:spPr>
           <a:xfrm>
-            <a:off x="3571560" y="3044520"/>
-            <a:ext cx="2921040" cy="1568520"/>
+            <a:off x="3571200" y="3044160"/>
+            <a:ext cx="2920680" cy="1568160"/>
           </a:xfrm>
           <a:prstGeom prst="rect">
             <a:avLst/>
@@ -1984,8 +1988,8 @@
         </p:nvSpPr>
         <p:spPr>
           <a:xfrm>
-            <a:off x="6639120" y="3044520"/>
-            <a:ext cx="2921040" cy="1568520"/>
+            <a:off x="6638040" y="3044160"/>
+            <a:ext cx="2920680" cy="1568160"/>
           </a:xfrm>
           <a:prstGeom prst="rect">
             <a:avLst/>
@@ -2059,7 +2063,7 @@
         <p:spPr>
           <a:xfrm>
             <a:off x="504000" y="226080"/>
-            <a:ext cx="9072000" cy="946440"/>
+            <a:ext cx="9071640" cy="946080"/>
           </a:xfrm>
           <a:prstGeom prst="rect">
             <a:avLst/>
@@ -2090,7 +2094,7 @@
         <p:spPr>
           <a:xfrm>
             <a:off x="504000" y="1326600"/>
-            <a:ext cx="9072000" cy="3288600"/>
+            <a:ext cx="9071640" cy="3288240"/>
           </a:xfrm>
           <a:prstGeom prst="rect">
             <a:avLst/>
@@ -2143,7 +2147,7 @@
         <p:spPr>
           <a:xfrm>
             <a:off x="504000" y="226080"/>
-            <a:ext cx="9072000" cy="946440"/>
+            <a:ext cx="9071640" cy="946080"/>
           </a:xfrm>
           <a:prstGeom prst="rect">
             <a:avLst/>
@@ -2174,7 +2178,7 @@
         <p:spPr>
           <a:xfrm>
             <a:off x="504000" y="1326600"/>
-            <a:ext cx="9072000" cy="3288600"/>
+            <a:ext cx="9071640" cy="3288240"/>
           </a:xfrm>
           <a:prstGeom prst="rect">
             <a:avLst/>
@@ -2226,7 +2230,7 @@
         <p:spPr>
           <a:xfrm>
             <a:off x="504000" y="226080"/>
-            <a:ext cx="9072000" cy="946440"/>
+            <a:ext cx="9071640" cy="946080"/>
           </a:xfrm>
           <a:prstGeom prst="rect">
             <a:avLst/>
@@ -2257,7 +2261,7 @@
         <p:spPr>
           <a:xfrm>
             <a:off x="504000" y="1326600"/>
-            <a:ext cx="4426920" cy="3288600"/>
+            <a:ext cx="4426920" cy="3288240"/>
           </a:xfrm>
           <a:prstGeom prst="rect">
             <a:avLst/>
@@ -2287,7 +2291,7 @@
         <p:spPr>
           <a:xfrm>
             <a:off x="5152680" y="1326600"/>
-            <a:ext cx="4426920" cy="3288600"/>
+            <a:ext cx="4426920" cy="3288240"/>
           </a:xfrm>
           <a:prstGeom prst="rect">
             <a:avLst/>
@@ -2339,7 +2343,7 @@
         <p:spPr>
           <a:xfrm>
             <a:off x="504000" y="226080"/>
-            <a:ext cx="9072000" cy="946440"/>
+            <a:ext cx="9071640" cy="946080"/>
           </a:xfrm>
           <a:prstGeom prst="rect">
             <a:avLst/>
@@ -2392,7 +2396,7 @@
         <p:spPr>
           <a:xfrm>
             <a:off x="504000" y="226080"/>
-            <a:ext cx="9072000" cy="946440"/>
+            <a:ext cx="9071640" cy="946080"/>
           </a:xfrm>
           <a:prstGeom prst="rect">
             <a:avLst/>
@@ -2423,7 +2427,7 @@
         <p:spPr>
           <a:xfrm>
             <a:off x="504000" y="1326600"/>
-            <a:ext cx="9072000" cy="3288600"/>
+            <a:ext cx="9071640" cy="3288240"/>
           </a:xfrm>
           <a:prstGeom prst="rect">
             <a:avLst/>
@@ -2475,7 +2479,7 @@
         <p:spPr>
           <a:xfrm>
             <a:off x="504000" y="226080"/>
-            <a:ext cx="9072000" cy="4388400"/>
+            <a:ext cx="9071640" cy="4386600"/>
           </a:xfrm>
           <a:prstGeom prst="rect">
             <a:avLst/>
@@ -2528,7 +2532,7 @@
         <p:spPr>
           <a:xfrm>
             <a:off x="504000" y="226080"/>
-            <a:ext cx="9072000" cy="946440"/>
+            <a:ext cx="9071640" cy="946080"/>
           </a:xfrm>
           <a:prstGeom prst="rect">
             <a:avLst/>
@@ -2559,7 +2563,7 @@
         <p:spPr>
           <a:xfrm>
             <a:off x="504000" y="1326600"/>
-            <a:ext cx="4426920" cy="1568520"/>
+            <a:ext cx="4426920" cy="1568160"/>
           </a:xfrm>
           <a:prstGeom prst="rect">
             <a:avLst/>
@@ -2589,7 +2593,7 @@
         <p:spPr>
           <a:xfrm>
             <a:off x="5152680" y="1326600"/>
-            <a:ext cx="4426920" cy="3288600"/>
+            <a:ext cx="4426920" cy="3288240"/>
           </a:xfrm>
           <a:prstGeom prst="rect">
             <a:avLst/>
@@ -2618,8 +2622,8 @@
         </p:nvSpPr>
         <p:spPr>
           <a:xfrm>
-            <a:off x="504000" y="3044520"/>
-            <a:ext cx="4426920" cy="1568520"/>
+            <a:off x="504000" y="3044160"/>
+            <a:ext cx="4426920" cy="1568160"/>
           </a:xfrm>
           <a:prstGeom prst="rect">
             <a:avLst/>
@@ -2671,7 +2675,7 @@
         <p:spPr>
           <a:xfrm>
             <a:off x="504000" y="226080"/>
-            <a:ext cx="9072000" cy="946440"/>
+            <a:ext cx="9071640" cy="946080"/>
           </a:xfrm>
           <a:prstGeom prst="rect">
             <a:avLst/>
@@ -2702,7 +2706,7 @@
         <p:spPr>
           <a:xfrm>
             <a:off x="504000" y="1326600"/>
-            <a:ext cx="4426920" cy="3288600"/>
+            <a:ext cx="4426920" cy="3288240"/>
           </a:xfrm>
           <a:prstGeom prst="rect">
             <a:avLst/>
@@ -2732,7 +2736,7 @@
         <p:spPr>
           <a:xfrm>
             <a:off x="5152680" y="1326600"/>
-            <a:ext cx="4426920" cy="1568520"/>
+            <a:ext cx="4426920" cy="1568160"/>
           </a:xfrm>
           <a:prstGeom prst="rect">
             <a:avLst/>
@@ -2761,8 +2765,8 @@
         </p:nvSpPr>
         <p:spPr>
           <a:xfrm>
-            <a:off x="5152680" y="3044520"/>
-            <a:ext cx="4426920" cy="1568520"/>
+            <a:off x="5152680" y="3044160"/>
+            <a:ext cx="4426920" cy="1568160"/>
           </a:xfrm>
           <a:prstGeom prst="rect">
             <a:avLst/>
@@ -2814,7 +2818,7 @@
         <p:spPr>
           <a:xfrm>
             <a:off x="504000" y="226080"/>
-            <a:ext cx="9072000" cy="946440"/>
+            <a:ext cx="9071640" cy="946080"/>
           </a:xfrm>
           <a:prstGeom prst="rect">
             <a:avLst/>
@@ -2845,7 +2849,7 @@
         <p:spPr>
           <a:xfrm>
             <a:off x="504000" y="1326600"/>
-            <a:ext cx="4426920" cy="1568520"/>
+            <a:ext cx="4426920" cy="1568160"/>
           </a:xfrm>
           <a:prstGeom prst="rect">
             <a:avLst/>
@@ -2875,7 +2879,7 @@
         <p:spPr>
           <a:xfrm>
             <a:off x="5152680" y="1326600"/>
-            <a:ext cx="4426920" cy="1568520"/>
+            <a:ext cx="4426920" cy="1568160"/>
           </a:xfrm>
           <a:prstGeom prst="rect">
             <a:avLst/>
@@ -2904,8 +2908,8 @@
         </p:nvSpPr>
         <p:spPr>
           <a:xfrm>
-            <a:off x="504000" y="3044520"/>
-            <a:ext cx="9072000" cy="1568520"/>
+            <a:off x="504000" y="3044160"/>
+            <a:ext cx="9071640" cy="1568160"/>
           </a:xfrm>
           <a:prstGeom prst="rect">
             <a:avLst/>
@@ -2957,7 +2961,7 @@
         <p:spPr>
           <a:xfrm>
             <a:off x="504000" y="226080"/>
-            <a:ext cx="9072000" cy="946440"/>
+            <a:ext cx="9071640" cy="946080"/>
           </a:xfrm>
           <a:prstGeom prst="rect">
             <a:avLst/>
@@ -2988,7 +2992,7 @@
         <p:spPr>
           <a:xfrm>
             <a:off x="504000" y="1326600"/>
-            <a:ext cx="9072000" cy="1568520"/>
+            <a:ext cx="9071640" cy="1568160"/>
           </a:xfrm>
           <a:prstGeom prst="rect">
             <a:avLst/>
@@ -3017,8 +3021,8 @@
         </p:nvSpPr>
         <p:spPr>
           <a:xfrm>
-            <a:off x="504000" y="3044520"/>
-            <a:ext cx="9072000" cy="1568520"/>
+            <a:off x="504000" y="3044160"/>
+            <a:ext cx="9071640" cy="1568160"/>
           </a:xfrm>
           <a:prstGeom prst="rect">
             <a:avLst/>
@@ -3070,7 +3074,7 @@
         <p:spPr>
           <a:xfrm>
             <a:off x="504000" y="226080"/>
-            <a:ext cx="9072000" cy="946440"/>
+            <a:ext cx="9071640" cy="946080"/>
           </a:xfrm>
           <a:prstGeom prst="rect">
             <a:avLst/>
@@ -3101,7 +3105,7 @@
         <p:spPr>
           <a:xfrm>
             <a:off x="504000" y="1326600"/>
-            <a:ext cx="4426920" cy="1568520"/>
+            <a:ext cx="4426920" cy="1568160"/>
           </a:xfrm>
           <a:prstGeom prst="rect">
             <a:avLst/>
@@ -3131,7 +3135,7 @@
         <p:spPr>
           <a:xfrm>
             <a:off x="5152680" y="1326600"/>
-            <a:ext cx="4426920" cy="1568520"/>
+            <a:ext cx="4426920" cy="1568160"/>
           </a:xfrm>
           <a:prstGeom prst="rect">
             <a:avLst/>
@@ -3160,8 +3164,8 @@
         </p:nvSpPr>
         <p:spPr>
           <a:xfrm>
-            <a:off x="504000" y="3044520"/>
-            <a:ext cx="4426920" cy="1568520"/>
+            <a:off x="504000" y="3044160"/>
+            <a:ext cx="4426920" cy="1568160"/>
           </a:xfrm>
           <a:prstGeom prst="rect">
             <a:avLst/>
@@ -3190,8 +3194,8 @@
         </p:nvSpPr>
         <p:spPr>
           <a:xfrm>
-            <a:off x="5152680" y="3044520"/>
-            <a:ext cx="4426920" cy="1568520"/>
+            <a:off x="5152680" y="3044160"/>
+            <a:ext cx="4426920" cy="1568160"/>
           </a:xfrm>
           <a:prstGeom prst="rect">
             <a:avLst/>
@@ -3243,7 +3247,7 @@
         <p:spPr>
           <a:xfrm>
             <a:off x="504000" y="226080"/>
-            <a:ext cx="9072000" cy="946440"/>
+            <a:ext cx="9071640" cy="946080"/>
           </a:xfrm>
           <a:prstGeom prst="rect">
             <a:avLst/>
@@ -3274,7 +3278,7 @@
         <p:spPr>
           <a:xfrm>
             <a:off x="504000" y="1326600"/>
-            <a:ext cx="2921040" cy="1568520"/>
+            <a:ext cx="2920680" cy="1568160"/>
           </a:xfrm>
           <a:prstGeom prst="rect">
             <a:avLst/>
@@ -3303,8 +3307,8 @@
         </p:nvSpPr>
         <p:spPr>
           <a:xfrm>
-            <a:off x="3571560" y="1326600"/>
-            <a:ext cx="2921040" cy="1568520"/>
+            <a:off x="3571200" y="1326600"/>
+            <a:ext cx="2920680" cy="1568160"/>
           </a:xfrm>
           <a:prstGeom prst="rect">
             <a:avLst/>
@@ -3333,8 +3337,8 @@
         </p:nvSpPr>
         <p:spPr>
           <a:xfrm>
-            <a:off x="6639120" y="1326600"/>
-            <a:ext cx="2921040" cy="1568520"/>
+            <a:off x="6638040" y="1326600"/>
+            <a:ext cx="2920680" cy="1568160"/>
           </a:xfrm>
           <a:prstGeom prst="rect">
             <a:avLst/>
@@ -3363,8 +3367,8 @@
         </p:nvSpPr>
         <p:spPr>
           <a:xfrm>
-            <a:off x="504000" y="3044520"/>
-            <a:ext cx="2921040" cy="1568520"/>
+            <a:off x="504000" y="3044160"/>
+            <a:ext cx="2920680" cy="1568160"/>
           </a:xfrm>
           <a:prstGeom prst="rect">
             <a:avLst/>
@@ -3393,8 +3397,8 @@
         </p:nvSpPr>
         <p:spPr>
           <a:xfrm>
-            <a:off x="3571560" y="3044520"/>
-            <a:ext cx="2921040" cy="1568520"/>
+            <a:off x="3571200" y="3044160"/>
+            <a:ext cx="2920680" cy="1568160"/>
           </a:xfrm>
           <a:prstGeom prst="rect">
             <a:avLst/>
@@ -3423,8 +3427,8 @@
         </p:nvSpPr>
         <p:spPr>
           <a:xfrm>
-            <a:off x="6639120" y="3044520"/>
-            <a:ext cx="2921040" cy="1568520"/>
+            <a:off x="6638040" y="3044160"/>
+            <a:ext cx="2920680" cy="1568160"/>
           </a:xfrm>
           <a:prstGeom prst="rect">
             <a:avLst/>
@@ -3498,7 +3502,7 @@
         <p:spPr>
           <a:xfrm>
             <a:off x="504000" y="226080"/>
-            <a:ext cx="9072000" cy="946440"/>
+            <a:ext cx="9071640" cy="946080"/>
           </a:xfrm>
           <a:prstGeom prst="rect">
             <a:avLst/>
@@ -3529,7 +3533,7 @@
         <p:spPr>
           <a:xfrm>
             <a:off x="504000" y="1326600"/>
-            <a:ext cx="9072000" cy="3288600"/>
+            <a:ext cx="9071640" cy="3288240"/>
           </a:xfrm>
           <a:prstGeom prst="rect">
             <a:avLst/>
@@ -3582,7 +3586,7 @@
         <p:spPr>
           <a:xfrm>
             <a:off x="504000" y="226080"/>
-            <a:ext cx="9072000" cy="946440"/>
+            <a:ext cx="9071640" cy="946080"/>
           </a:xfrm>
           <a:prstGeom prst="rect">
             <a:avLst/>
@@ -3613,7 +3617,7 @@
         <p:spPr>
           <a:xfrm>
             <a:off x="504000" y="1326600"/>
-            <a:ext cx="9072000" cy="3288600"/>
+            <a:ext cx="9071640" cy="3288240"/>
           </a:xfrm>
           <a:prstGeom prst="rect">
             <a:avLst/>
@@ -3665,7 +3669,7 @@
         <p:spPr>
           <a:xfrm>
             <a:off x="504000" y="226080"/>
-            <a:ext cx="9072000" cy="946440"/>
+            <a:ext cx="9071640" cy="946080"/>
           </a:xfrm>
           <a:prstGeom prst="rect">
             <a:avLst/>
@@ -3696,7 +3700,7 @@
         <p:spPr>
           <a:xfrm>
             <a:off x="504000" y="1326600"/>
-            <a:ext cx="4426920" cy="3288600"/>
+            <a:ext cx="4426920" cy="3288240"/>
           </a:xfrm>
           <a:prstGeom prst="rect">
             <a:avLst/>
@@ -3726,7 +3730,7 @@
         <p:spPr>
           <a:xfrm>
             <a:off x="5152680" y="1326600"/>
-            <a:ext cx="4426920" cy="3288600"/>
+            <a:ext cx="4426920" cy="3288240"/>
           </a:xfrm>
           <a:prstGeom prst="rect">
             <a:avLst/>
@@ -3778,7 +3782,7 @@
         <p:spPr>
           <a:xfrm>
             <a:off x="504000" y="226080"/>
-            <a:ext cx="9072000" cy="946440"/>
+            <a:ext cx="9071640" cy="946080"/>
           </a:xfrm>
           <a:prstGeom prst="rect">
             <a:avLst/>
@@ -3809,7 +3813,7 @@
         <p:spPr>
           <a:xfrm>
             <a:off x="504000" y="1326600"/>
-            <a:ext cx="4426920" cy="3288600"/>
+            <a:ext cx="4426920" cy="3288240"/>
           </a:xfrm>
           <a:prstGeom prst="rect">
             <a:avLst/>
@@ -3839,7 +3843,7 @@
         <p:spPr>
           <a:xfrm>
             <a:off x="5152680" y="1326600"/>
-            <a:ext cx="4426920" cy="3288600"/>
+            <a:ext cx="4426920" cy="3288240"/>
           </a:xfrm>
           <a:prstGeom prst="rect">
             <a:avLst/>
@@ -3891,7 +3895,7 @@
         <p:spPr>
           <a:xfrm>
             <a:off x="504000" y="226080"/>
-            <a:ext cx="9072000" cy="946440"/>
+            <a:ext cx="9071640" cy="946080"/>
           </a:xfrm>
           <a:prstGeom prst="rect">
             <a:avLst/>
@@ -3944,7 +3948,7 @@
         <p:spPr>
           <a:xfrm>
             <a:off x="504000" y="226080"/>
-            <a:ext cx="9072000" cy="4388400"/>
+            <a:ext cx="9071640" cy="4386600"/>
           </a:xfrm>
           <a:prstGeom prst="rect">
             <a:avLst/>
@@ -3997,7 +4001,7 @@
         <p:spPr>
           <a:xfrm>
             <a:off x="504000" y="226080"/>
-            <a:ext cx="9072000" cy="946440"/>
+            <a:ext cx="9071640" cy="946080"/>
           </a:xfrm>
           <a:prstGeom prst="rect">
             <a:avLst/>
@@ -4028,7 +4032,7 @@
         <p:spPr>
           <a:xfrm>
             <a:off x="504000" y="1326600"/>
-            <a:ext cx="4426920" cy="1568520"/>
+            <a:ext cx="4426920" cy="1568160"/>
           </a:xfrm>
           <a:prstGeom prst="rect">
             <a:avLst/>
@@ -4058,7 +4062,7 @@
         <p:spPr>
           <a:xfrm>
             <a:off x="5152680" y="1326600"/>
-            <a:ext cx="4426920" cy="3288600"/>
+            <a:ext cx="4426920" cy="3288240"/>
           </a:xfrm>
           <a:prstGeom prst="rect">
             <a:avLst/>
@@ -4087,8 +4091,8 @@
         </p:nvSpPr>
         <p:spPr>
           <a:xfrm>
-            <a:off x="504000" y="3044520"/>
-            <a:ext cx="4426920" cy="1568520"/>
+            <a:off x="504000" y="3044160"/>
+            <a:ext cx="4426920" cy="1568160"/>
           </a:xfrm>
           <a:prstGeom prst="rect">
             <a:avLst/>
@@ -4140,7 +4144,7 @@
         <p:spPr>
           <a:xfrm>
             <a:off x="504000" y="226080"/>
-            <a:ext cx="9072000" cy="946440"/>
+            <a:ext cx="9071640" cy="946080"/>
           </a:xfrm>
           <a:prstGeom prst="rect">
             <a:avLst/>
@@ -4171,7 +4175,7 @@
         <p:spPr>
           <a:xfrm>
             <a:off x="504000" y="1326600"/>
-            <a:ext cx="4426920" cy="3288600"/>
+            <a:ext cx="4426920" cy="3288240"/>
           </a:xfrm>
           <a:prstGeom prst="rect">
             <a:avLst/>
@@ -4201,7 +4205,7 @@
         <p:spPr>
           <a:xfrm>
             <a:off x="5152680" y="1326600"/>
-            <a:ext cx="4426920" cy="1568520"/>
+            <a:ext cx="4426920" cy="1568160"/>
           </a:xfrm>
           <a:prstGeom prst="rect">
             <a:avLst/>
@@ -4230,8 +4234,8 @@
         </p:nvSpPr>
         <p:spPr>
           <a:xfrm>
-            <a:off x="5152680" y="3044520"/>
-            <a:ext cx="4426920" cy="1568520"/>
+            <a:off x="5152680" y="3044160"/>
+            <a:ext cx="4426920" cy="1568160"/>
           </a:xfrm>
           <a:prstGeom prst="rect">
             <a:avLst/>
@@ -4283,7 +4287,7 @@
         <p:spPr>
           <a:xfrm>
             <a:off x="504000" y="226080"/>
-            <a:ext cx="9072000" cy="946440"/>
+            <a:ext cx="9071640" cy="946080"/>
           </a:xfrm>
           <a:prstGeom prst="rect">
             <a:avLst/>
@@ -4314,7 +4318,7 @@
         <p:spPr>
           <a:xfrm>
             <a:off x="504000" y="1326600"/>
-            <a:ext cx="4426920" cy="1568520"/>
+            <a:ext cx="4426920" cy="1568160"/>
           </a:xfrm>
           <a:prstGeom prst="rect">
             <a:avLst/>
@@ -4344,7 +4348,7 @@
         <p:spPr>
           <a:xfrm>
             <a:off x="5152680" y="1326600"/>
-            <a:ext cx="4426920" cy="1568520"/>
+            <a:ext cx="4426920" cy="1568160"/>
           </a:xfrm>
           <a:prstGeom prst="rect">
             <a:avLst/>
@@ -4373,8 +4377,8 @@
         </p:nvSpPr>
         <p:spPr>
           <a:xfrm>
-            <a:off x="504000" y="3044520"/>
-            <a:ext cx="9072000" cy="1568520"/>
+            <a:off x="504000" y="3044160"/>
+            <a:ext cx="9071640" cy="1568160"/>
           </a:xfrm>
           <a:prstGeom prst="rect">
             <a:avLst/>
@@ -4426,7 +4430,7 @@
         <p:spPr>
           <a:xfrm>
             <a:off x="504000" y="226080"/>
-            <a:ext cx="9072000" cy="946440"/>
+            <a:ext cx="9071640" cy="946080"/>
           </a:xfrm>
           <a:prstGeom prst="rect">
             <a:avLst/>
@@ -4457,7 +4461,7 @@
         <p:spPr>
           <a:xfrm>
             <a:off x="504000" y="1326600"/>
-            <a:ext cx="9072000" cy="1568520"/>
+            <a:ext cx="9071640" cy="1568160"/>
           </a:xfrm>
           <a:prstGeom prst="rect">
             <a:avLst/>
@@ -4486,8 +4490,8 @@
         </p:nvSpPr>
         <p:spPr>
           <a:xfrm>
-            <a:off x="504000" y="3044520"/>
-            <a:ext cx="9072000" cy="1568520"/>
+            <a:off x="504000" y="3044160"/>
+            <a:ext cx="9071640" cy="1568160"/>
           </a:xfrm>
           <a:prstGeom prst="rect">
             <a:avLst/>
@@ -4539,7 +4543,7 @@
         <p:spPr>
           <a:xfrm>
             <a:off x="504000" y="226080"/>
-            <a:ext cx="9072000" cy="946440"/>
+            <a:ext cx="9071640" cy="946080"/>
           </a:xfrm>
           <a:prstGeom prst="rect">
             <a:avLst/>
@@ -4570,7 +4574,7 @@
         <p:spPr>
           <a:xfrm>
             <a:off x="504000" y="1326600"/>
-            <a:ext cx="4426920" cy="1568520"/>
+            <a:ext cx="4426920" cy="1568160"/>
           </a:xfrm>
           <a:prstGeom prst="rect">
             <a:avLst/>
@@ -4600,7 +4604,7 @@
         <p:spPr>
           <a:xfrm>
             <a:off x="5152680" y="1326600"/>
-            <a:ext cx="4426920" cy="1568520"/>
+            <a:ext cx="4426920" cy="1568160"/>
           </a:xfrm>
           <a:prstGeom prst="rect">
             <a:avLst/>
@@ -4629,8 +4633,8 @@
         </p:nvSpPr>
         <p:spPr>
           <a:xfrm>
-            <a:off x="504000" y="3044520"/>
-            <a:ext cx="4426920" cy="1568520"/>
+            <a:off x="504000" y="3044160"/>
+            <a:ext cx="4426920" cy="1568160"/>
           </a:xfrm>
           <a:prstGeom prst="rect">
             <a:avLst/>
@@ -4659,8 +4663,8 @@
         </p:nvSpPr>
         <p:spPr>
           <a:xfrm>
-            <a:off x="5152680" y="3044520"/>
-            <a:ext cx="4426920" cy="1568520"/>
+            <a:off x="5152680" y="3044160"/>
+            <a:ext cx="4426920" cy="1568160"/>
           </a:xfrm>
           <a:prstGeom prst="rect">
             <a:avLst/>
@@ -4712,7 +4716,7 @@
         <p:spPr>
           <a:xfrm>
             <a:off x="504000" y="226080"/>
-            <a:ext cx="9072000" cy="946440"/>
+            <a:ext cx="9071640" cy="946080"/>
           </a:xfrm>
           <a:prstGeom prst="rect">
             <a:avLst/>
@@ -4743,7 +4747,7 @@
         <p:spPr>
           <a:xfrm>
             <a:off x="504000" y="1326600"/>
-            <a:ext cx="2921040" cy="1568520"/>
+            <a:ext cx="2920680" cy="1568160"/>
           </a:xfrm>
           <a:prstGeom prst="rect">
             <a:avLst/>
@@ -4772,8 +4776,8 @@
         </p:nvSpPr>
         <p:spPr>
           <a:xfrm>
-            <a:off x="3571560" y="1326600"/>
-            <a:ext cx="2921040" cy="1568520"/>
+            <a:off x="3571200" y="1326600"/>
+            <a:ext cx="2920680" cy="1568160"/>
           </a:xfrm>
           <a:prstGeom prst="rect">
             <a:avLst/>
@@ -4802,8 +4806,8 @@
         </p:nvSpPr>
         <p:spPr>
           <a:xfrm>
-            <a:off x="6639120" y="1326600"/>
-            <a:ext cx="2921040" cy="1568520"/>
+            <a:off x="6638040" y="1326600"/>
+            <a:ext cx="2920680" cy="1568160"/>
           </a:xfrm>
           <a:prstGeom prst="rect">
             <a:avLst/>
@@ -4832,8 +4836,8 @@
         </p:nvSpPr>
         <p:spPr>
           <a:xfrm>
-            <a:off x="504000" y="3044520"/>
-            <a:ext cx="2921040" cy="1568520"/>
+            <a:off x="504000" y="3044160"/>
+            <a:ext cx="2920680" cy="1568160"/>
           </a:xfrm>
           <a:prstGeom prst="rect">
             <a:avLst/>
@@ -4862,8 +4866,8 @@
         </p:nvSpPr>
         <p:spPr>
           <a:xfrm>
-            <a:off x="3571560" y="3044520"/>
-            <a:ext cx="2921040" cy="1568520"/>
+            <a:off x="3571200" y="3044160"/>
+            <a:ext cx="2920680" cy="1568160"/>
           </a:xfrm>
           <a:prstGeom prst="rect">
             <a:avLst/>
@@ -4892,24 +4896,46 @@
         </p:nvSpPr>
         <p:spPr>
           <a:xfrm>
-            <a:off x="6639120" y="3044520"/>
-            <a:ext cx="2921040" cy="1568520"/>
-          </a:xfrm>
-          <a:prstGeom prst="rect">
-            <a:avLst/>
-          </a:prstGeom>
-        </p:spPr>
-        <p:txBody>
-          <a:bodyPr lIns="0" rIns="0" tIns="0" bIns="0">
-            <a:normAutofit/>
-          </a:bodyPr>
-          <a:p>
-            <a:endParaRPr b="0" lang="pt-PT" sz="3200" spc="-1" strike="noStrike">
-              <a:latin typeface="Arial"/>
-            </a:endParaRPr>
-          </a:p>
-        </p:txBody>
-      </p:sp>
+            <a:off x="6638040" y="3044160"/>
+            <a:ext cx="2920680" cy="1568160"/>
+          </a:xfrm>
+          <a:prstGeom prst="rect">
+            <a:avLst/>
+          </a:prstGeom>
+        </p:spPr>
+        <p:txBody>
+          <a:bodyPr lIns="0" rIns="0" tIns="0" bIns="0">
+            <a:normAutofit/>
+          </a:bodyPr>
+          <a:p>
+            <a:endParaRPr b="0" lang="pt-PT" sz="3200" spc="-1" strike="noStrike">
+              <a:latin typeface="Arial"/>
+            </a:endParaRPr>
+          </a:p>
+        </p:txBody>
+      </p:sp>
+    </p:spTree>
+  </p:cSld>
+</p:sldLayout>
+</file>
+
+<file path=ppt/slideLayouts/slideLayout49.xml><?xml version="1.0" encoding="utf-8"?>
+<p:sldLayout xmlns:a="http://schemas.openxmlformats.org/drawingml/2006/main" xmlns:p="http://schemas.openxmlformats.org/presentationml/2006/main" xmlns:r="http://schemas.openxmlformats.org/officeDocument/2006/relationships" xmlns:p14="http://schemas.microsoft.com/office/powerpoint/2010/main" xmlns:p15="http://schemas.microsoft.com/office/powerpoint/2012/main" xmlns:mc="http://schemas.openxmlformats.org/markup-compatibility/2006" type="blank" preserve="1">
+  <p:cSld name="Blank Slide">
+    <p:spTree>
+      <p:nvGrpSpPr>
+        <p:cNvPr id="1" name=""/>
+        <p:cNvGrpSpPr/>
+        <p:nvPr/>
+      </p:nvGrpSpPr>
+      <p:grpSpPr>
+        <a:xfrm>
+          <a:off x="0" y="0"/>
+          <a:ext cx="0" cy="0"/>
+          <a:chOff x="0" y="0"/>
+          <a:chExt cx="0" cy="0"/>
+        </a:xfrm>
+      </p:grpSpPr>
     </p:spTree>
   </p:cSld>
 </p:sldLayout>
@@ -4945,7 +4971,7 @@
         <p:spPr>
           <a:xfrm>
             <a:off x="504000" y="226080"/>
-            <a:ext cx="9072000" cy="946440"/>
+            <a:ext cx="9071640" cy="946080"/>
           </a:xfrm>
           <a:prstGeom prst="rect">
             <a:avLst/>
@@ -4958,6 +4984,1107 @@
           <a:p>
             <a:pPr algn="ctr"/>
             <a:endParaRPr b="0" lang="pt-PT" sz="4400" spc="-1" strike="noStrike">
+              <a:latin typeface="Arial"/>
+            </a:endParaRPr>
+          </a:p>
+        </p:txBody>
+      </p:sp>
+    </p:spTree>
+  </p:cSld>
+</p:sldLayout>
+</file>
+
+<file path=ppt/slideLayouts/slideLayout50.xml><?xml version="1.0" encoding="utf-8"?>
+<p:sldLayout xmlns:a="http://schemas.openxmlformats.org/drawingml/2006/main" xmlns:p="http://schemas.openxmlformats.org/presentationml/2006/main" xmlns:r="http://schemas.openxmlformats.org/officeDocument/2006/relationships" xmlns:p14="http://schemas.microsoft.com/office/powerpoint/2010/main" xmlns:p15="http://schemas.microsoft.com/office/powerpoint/2012/main" xmlns:mc="http://schemas.openxmlformats.org/markup-compatibility/2006" type="tx" preserve="1">
+  <p:cSld name="Title Slide">
+    <p:spTree>
+      <p:nvGrpSpPr>
+        <p:cNvPr id="1" name=""/>
+        <p:cNvGrpSpPr/>
+        <p:nvPr/>
+      </p:nvGrpSpPr>
+      <p:grpSpPr>
+        <a:xfrm>
+          <a:off x="0" y="0"/>
+          <a:ext cx="0" cy="0"/>
+          <a:chOff x="0" y="0"/>
+          <a:chExt cx="0" cy="0"/>
+        </a:xfrm>
+      </p:grpSpPr>
+      <p:sp>
+        <p:nvSpPr>
+          <p:cNvPr id="154" name="PlaceHolder 1"/>
+          <p:cNvSpPr>
+            <a:spLocks noGrp="1"/>
+          </p:cNvSpPr>
+          <p:nvPr>
+            <p:ph type="title"/>
+          </p:nvPr>
+        </p:nvSpPr>
+        <p:spPr>
+          <a:xfrm>
+            <a:off x="504000" y="226080"/>
+            <a:ext cx="9071640" cy="946080"/>
+          </a:xfrm>
+          <a:prstGeom prst="rect">
+            <a:avLst/>
+          </a:prstGeom>
+        </p:spPr>
+        <p:txBody>
+          <a:bodyPr lIns="0" rIns="0" tIns="0" bIns="0" anchor="ctr">
+            <a:noAutofit/>
+          </a:bodyPr>
+          <a:p>
+            <a:pPr algn="ctr"/>
+            <a:endParaRPr b="0" lang="pt-PT" sz="4400" spc="-1" strike="noStrike">
+              <a:latin typeface="Arial"/>
+            </a:endParaRPr>
+          </a:p>
+        </p:txBody>
+      </p:sp>
+      <p:sp>
+        <p:nvSpPr>
+          <p:cNvPr id="155" name="PlaceHolder 2"/>
+          <p:cNvSpPr>
+            <a:spLocks noGrp="1"/>
+          </p:cNvSpPr>
+          <p:nvPr>
+            <p:ph type="subTitle"/>
+          </p:nvPr>
+        </p:nvSpPr>
+        <p:spPr>
+          <a:xfrm>
+            <a:off x="504000" y="1326600"/>
+            <a:ext cx="9071640" cy="3288240"/>
+          </a:xfrm>
+          <a:prstGeom prst="rect">
+            <a:avLst/>
+          </a:prstGeom>
+        </p:spPr>
+        <p:txBody>
+          <a:bodyPr lIns="0" rIns="0" tIns="0" bIns="0" anchor="ctr">
+            <a:noAutofit/>
+          </a:bodyPr>
+          <a:p>
+            <a:pPr algn="ctr"/>
+            <a:endParaRPr b="0" lang="pt-PT" sz="3200" spc="-1" strike="noStrike">
+              <a:latin typeface="Arial"/>
+            </a:endParaRPr>
+          </a:p>
+        </p:txBody>
+      </p:sp>
+    </p:spTree>
+  </p:cSld>
+</p:sldLayout>
+</file>
+
+<file path=ppt/slideLayouts/slideLayout51.xml><?xml version="1.0" encoding="utf-8"?>
+<p:sldLayout xmlns:a="http://schemas.openxmlformats.org/drawingml/2006/main" xmlns:p="http://schemas.openxmlformats.org/presentationml/2006/main" xmlns:r="http://schemas.openxmlformats.org/officeDocument/2006/relationships" xmlns:p14="http://schemas.microsoft.com/office/powerpoint/2010/main" xmlns:p15="http://schemas.microsoft.com/office/powerpoint/2012/main" xmlns:mc="http://schemas.openxmlformats.org/markup-compatibility/2006" type="obj" preserve="1">
+  <p:cSld name="Title, Content">
+    <p:spTree>
+      <p:nvGrpSpPr>
+        <p:cNvPr id="1" name=""/>
+        <p:cNvGrpSpPr/>
+        <p:nvPr/>
+      </p:nvGrpSpPr>
+      <p:grpSpPr>
+        <a:xfrm>
+          <a:off x="0" y="0"/>
+          <a:ext cx="0" cy="0"/>
+          <a:chOff x="0" y="0"/>
+          <a:chExt cx="0" cy="0"/>
+        </a:xfrm>
+      </p:grpSpPr>
+      <p:sp>
+        <p:nvSpPr>
+          <p:cNvPr id="156" name="PlaceHolder 1"/>
+          <p:cNvSpPr>
+            <a:spLocks noGrp="1"/>
+          </p:cNvSpPr>
+          <p:nvPr>
+            <p:ph type="title"/>
+          </p:nvPr>
+        </p:nvSpPr>
+        <p:spPr>
+          <a:xfrm>
+            <a:off x="504000" y="226080"/>
+            <a:ext cx="9071640" cy="946080"/>
+          </a:xfrm>
+          <a:prstGeom prst="rect">
+            <a:avLst/>
+          </a:prstGeom>
+        </p:spPr>
+        <p:txBody>
+          <a:bodyPr lIns="0" rIns="0" tIns="0" bIns="0" anchor="ctr">
+            <a:noAutofit/>
+          </a:bodyPr>
+          <a:p>
+            <a:pPr algn="ctr"/>
+            <a:endParaRPr b="0" lang="pt-PT" sz="4400" spc="-1" strike="noStrike">
+              <a:latin typeface="Arial"/>
+            </a:endParaRPr>
+          </a:p>
+        </p:txBody>
+      </p:sp>
+      <p:sp>
+        <p:nvSpPr>
+          <p:cNvPr id="157" name="PlaceHolder 2"/>
+          <p:cNvSpPr>
+            <a:spLocks noGrp="1"/>
+          </p:cNvSpPr>
+          <p:nvPr>
+            <p:ph type="body"/>
+          </p:nvPr>
+        </p:nvSpPr>
+        <p:spPr>
+          <a:xfrm>
+            <a:off x="504000" y="1326600"/>
+            <a:ext cx="9071640" cy="3288240"/>
+          </a:xfrm>
+          <a:prstGeom prst="rect">
+            <a:avLst/>
+          </a:prstGeom>
+        </p:spPr>
+        <p:txBody>
+          <a:bodyPr lIns="0" rIns="0" tIns="0" bIns="0">
+            <a:normAutofit/>
+          </a:bodyPr>
+          <a:p>
+            <a:endParaRPr b="0" lang="pt-PT" sz="3200" spc="-1" strike="noStrike">
+              <a:latin typeface="Arial"/>
+            </a:endParaRPr>
+          </a:p>
+        </p:txBody>
+      </p:sp>
+    </p:spTree>
+  </p:cSld>
+</p:sldLayout>
+</file>
+
+<file path=ppt/slideLayouts/slideLayout52.xml><?xml version="1.0" encoding="utf-8"?>
+<p:sldLayout xmlns:a="http://schemas.openxmlformats.org/drawingml/2006/main" xmlns:p="http://schemas.openxmlformats.org/presentationml/2006/main" xmlns:r="http://schemas.openxmlformats.org/officeDocument/2006/relationships" xmlns:p14="http://schemas.microsoft.com/office/powerpoint/2010/main" xmlns:p15="http://schemas.microsoft.com/office/powerpoint/2012/main" xmlns:mc="http://schemas.openxmlformats.org/markup-compatibility/2006" type="twoObj" preserve="1">
+  <p:cSld name="Title, 2 Content">
+    <p:spTree>
+      <p:nvGrpSpPr>
+        <p:cNvPr id="1" name=""/>
+        <p:cNvGrpSpPr/>
+        <p:nvPr/>
+      </p:nvGrpSpPr>
+      <p:grpSpPr>
+        <a:xfrm>
+          <a:off x="0" y="0"/>
+          <a:ext cx="0" cy="0"/>
+          <a:chOff x="0" y="0"/>
+          <a:chExt cx="0" cy="0"/>
+        </a:xfrm>
+      </p:grpSpPr>
+      <p:sp>
+        <p:nvSpPr>
+          <p:cNvPr id="158" name="PlaceHolder 1"/>
+          <p:cNvSpPr>
+            <a:spLocks noGrp="1"/>
+          </p:cNvSpPr>
+          <p:nvPr>
+            <p:ph type="title"/>
+          </p:nvPr>
+        </p:nvSpPr>
+        <p:spPr>
+          <a:xfrm>
+            <a:off x="504000" y="226080"/>
+            <a:ext cx="9071640" cy="946080"/>
+          </a:xfrm>
+          <a:prstGeom prst="rect">
+            <a:avLst/>
+          </a:prstGeom>
+        </p:spPr>
+        <p:txBody>
+          <a:bodyPr lIns="0" rIns="0" tIns="0" bIns="0" anchor="ctr">
+            <a:noAutofit/>
+          </a:bodyPr>
+          <a:p>
+            <a:pPr algn="ctr"/>
+            <a:endParaRPr b="0" lang="pt-PT" sz="4400" spc="-1" strike="noStrike">
+              <a:latin typeface="Arial"/>
+            </a:endParaRPr>
+          </a:p>
+        </p:txBody>
+      </p:sp>
+      <p:sp>
+        <p:nvSpPr>
+          <p:cNvPr id="159" name="PlaceHolder 2"/>
+          <p:cNvSpPr>
+            <a:spLocks noGrp="1"/>
+          </p:cNvSpPr>
+          <p:nvPr>
+            <p:ph type="body"/>
+          </p:nvPr>
+        </p:nvSpPr>
+        <p:spPr>
+          <a:xfrm>
+            <a:off x="504000" y="1326600"/>
+            <a:ext cx="4426920" cy="3288240"/>
+          </a:xfrm>
+          <a:prstGeom prst="rect">
+            <a:avLst/>
+          </a:prstGeom>
+        </p:spPr>
+        <p:txBody>
+          <a:bodyPr lIns="0" rIns="0" tIns="0" bIns="0">
+            <a:normAutofit/>
+          </a:bodyPr>
+          <a:p>
+            <a:endParaRPr b="0" lang="pt-PT" sz="3200" spc="-1" strike="noStrike">
+              <a:latin typeface="Arial"/>
+            </a:endParaRPr>
+          </a:p>
+        </p:txBody>
+      </p:sp>
+      <p:sp>
+        <p:nvSpPr>
+          <p:cNvPr id="160" name="PlaceHolder 3"/>
+          <p:cNvSpPr>
+            <a:spLocks noGrp="1"/>
+          </p:cNvSpPr>
+          <p:nvPr>
+            <p:ph type="body"/>
+          </p:nvPr>
+        </p:nvSpPr>
+        <p:spPr>
+          <a:xfrm>
+            <a:off x="5152680" y="1326600"/>
+            <a:ext cx="4426920" cy="3288240"/>
+          </a:xfrm>
+          <a:prstGeom prst="rect">
+            <a:avLst/>
+          </a:prstGeom>
+        </p:spPr>
+        <p:txBody>
+          <a:bodyPr lIns="0" rIns="0" tIns="0" bIns="0">
+            <a:normAutofit/>
+          </a:bodyPr>
+          <a:p>
+            <a:endParaRPr b="0" lang="pt-PT" sz="3200" spc="-1" strike="noStrike">
+              <a:latin typeface="Arial"/>
+            </a:endParaRPr>
+          </a:p>
+        </p:txBody>
+      </p:sp>
+    </p:spTree>
+  </p:cSld>
+</p:sldLayout>
+</file>
+
+<file path=ppt/slideLayouts/slideLayout53.xml><?xml version="1.0" encoding="utf-8"?>
+<p:sldLayout xmlns:a="http://schemas.openxmlformats.org/drawingml/2006/main" xmlns:p="http://schemas.openxmlformats.org/presentationml/2006/main" xmlns:r="http://schemas.openxmlformats.org/officeDocument/2006/relationships" xmlns:p14="http://schemas.microsoft.com/office/powerpoint/2010/main" xmlns:p15="http://schemas.microsoft.com/office/powerpoint/2012/main" xmlns:mc="http://schemas.openxmlformats.org/markup-compatibility/2006" type="titleOnly" preserve="1">
+  <p:cSld name="Title Only">
+    <p:spTree>
+      <p:nvGrpSpPr>
+        <p:cNvPr id="1" name=""/>
+        <p:cNvGrpSpPr/>
+        <p:nvPr/>
+      </p:nvGrpSpPr>
+      <p:grpSpPr>
+        <a:xfrm>
+          <a:off x="0" y="0"/>
+          <a:ext cx="0" cy="0"/>
+          <a:chOff x="0" y="0"/>
+          <a:chExt cx="0" cy="0"/>
+        </a:xfrm>
+      </p:grpSpPr>
+      <p:sp>
+        <p:nvSpPr>
+          <p:cNvPr id="161" name="PlaceHolder 1"/>
+          <p:cNvSpPr>
+            <a:spLocks noGrp="1"/>
+          </p:cNvSpPr>
+          <p:nvPr>
+            <p:ph type="title"/>
+          </p:nvPr>
+        </p:nvSpPr>
+        <p:spPr>
+          <a:xfrm>
+            <a:off x="504000" y="226080"/>
+            <a:ext cx="9071640" cy="946080"/>
+          </a:xfrm>
+          <a:prstGeom prst="rect">
+            <a:avLst/>
+          </a:prstGeom>
+        </p:spPr>
+        <p:txBody>
+          <a:bodyPr lIns="0" rIns="0" tIns="0" bIns="0" anchor="ctr">
+            <a:noAutofit/>
+          </a:bodyPr>
+          <a:p>
+            <a:pPr algn="ctr"/>
+            <a:endParaRPr b="0" lang="pt-PT" sz="4400" spc="-1" strike="noStrike">
+              <a:latin typeface="Arial"/>
+            </a:endParaRPr>
+          </a:p>
+        </p:txBody>
+      </p:sp>
+    </p:spTree>
+  </p:cSld>
+</p:sldLayout>
+</file>
+
+<file path=ppt/slideLayouts/slideLayout54.xml><?xml version="1.0" encoding="utf-8"?>
+<p:sldLayout xmlns:a="http://schemas.openxmlformats.org/drawingml/2006/main" xmlns:p="http://schemas.openxmlformats.org/presentationml/2006/main" xmlns:r="http://schemas.openxmlformats.org/officeDocument/2006/relationships" xmlns:p14="http://schemas.microsoft.com/office/powerpoint/2010/main" xmlns:p15="http://schemas.microsoft.com/office/powerpoint/2012/main" xmlns:mc="http://schemas.openxmlformats.org/markup-compatibility/2006" type="objOnly" preserve="1">
+  <p:cSld name="Centered Text">
+    <p:spTree>
+      <p:nvGrpSpPr>
+        <p:cNvPr id="1" name=""/>
+        <p:cNvGrpSpPr/>
+        <p:nvPr/>
+      </p:nvGrpSpPr>
+      <p:grpSpPr>
+        <a:xfrm>
+          <a:off x="0" y="0"/>
+          <a:ext cx="0" cy="0"/>
+          <a:chOff x="0" y="0"/>
+          <a:chExt cx="0" cy="0"/>
+        </a:xfrm>
+      </p:grpSpPr>
+      <p:sp>
+        <p:nvSpPr>
+          <p:cNvPr id="162" name="PlaceHolder 1"/>
+          <p:cNvSpPr>
+            <a:spLocks noGrp="1"/>
+          </p:cNvSpPr>
+          <p:nvPr>
+            <p:ph type="subTitle"/>
+          </p:nvPr>
+        </p:nvSpPr>
+        <p:spPr>
+          <a:xfrm>
+            <a:off x="504000" y="226080"/>
+            <a:ext cx="9071640" cy="4386600"/>
+          </a:xfrm>
+          <a:prstGeom prst="rect">
+            <a:avLst/>
+          </a:prstGeom>
+        </p:spPr>
+        <p:txBody>
+          <a:bodyPr lIns="0" rIns="0" tIns="0" bIns="0" anchor="ctr">
+            <a:noAutofit/>
+          </a:bodyPr>
+          <a:p>
+            <a:pPr algn="ctr"/>
+            <a:endParaRPr b="0" lang="pt-PT" sz="3200" spc="-1" strike="noStrike">
+              <a:latin typeface="Arial"/>
+            </a:endParaRPr>
+          </a:p>
+        </p:txBody>
+      </p:sp>
+    </p:spTree>
+  </p:cSld>
+</p:sldLayout>
+</file>
+
+<file path=ppt/slideLayouts/slideLayout55.xml><?xml version="1.0" encoding="utf-8"?>
+<p:sldLayout xmlns:a="http://schemas.openxmlformats.org/drawingml/2006/main" xmlns:p="http://schemas.openxmlformats.org/presentationml/2006/main" xmlns:r="http://schemas.openxmlformats.org/officeDocument/2006/relationships" xmlns:p14="http://schemas.microsoft.com/office/powerpoint/2010/main" xmlns:p15="http://schemas.microsoft.com/office/powerpoint/2012/main" xmlns:mc="http://schemas.openxmlformats.org/markup-compatibility/2006" type="twoObjAndObj" preserve="1">
+  <p:cSld name="Title, 2 Content and Content">
+    <p:spTree>
+      <p:nvGrpSpPr>
+        <p:cNvPr id="1" name=""/>
+        <p:cNvGrpSpPr/>
+        <p:nvPr/>
+      </p:nvGrpSpPr>
+      <p:grpSpPr>
+        <a:xfrm>
+          <a:off x="0" y="0"/>
+          <a:ext cx="0" cy="0"/>
+          <a:chOff x="0" y="0"/>
+          <a:chExt cx="0" cy="0"/>
+        </a:xfrm>
+      </p:grpSpPr>
+      <p:sp>
+        <p:nvSpPr>
+          <p:cNvPr id="163" name="PlaceHolder 1"/>
+          <p:cNvSpPr>
+            <a:spLocks noGrp="1"/>
+          </p:cNvSpPr>
+          <p:nvPr>
+            <p:ph type="title"/>
+          </p:nvPr>
+        </p:nvSpPr>
+        <p:spPr>
+          <a:xfrm>
+            <a:off x="504000" y="226080"/>
+            <a:ext cx="9071640" cy="946080"/>
+          </a:xfrm>
+          <a:prstGeom prst="rect">
+            <a:avLst/>
+          </a:prstGeom>
+        </p:spPr>
+        <p:txBody>
+          <a:bodyPr lIns="0" rIns="0" tIns="0" bIns="0" anchor="ctr">
+            <a:noAutofit/>
+          </a:bodyPr>
+          <a:p>
+            <a:pPr algn="ctr"/>
+            <a:endParaRPr b="0" lang="pt-PT" sz="4400" spc="-1" strike="noStrike">
+              <a:latin typeface="Arial"/>
+            </a:endParaRPr>
+          </a:p>
+        </p:txBody>
+      </p:sp>
+      <p:sp>
+        <p:nvSpPr>
+          <p:cNvPr id="164" name="PlaceHolder 2"/>
+          <p:cNvSpPr>
+            <a:spLocks noGrp="1"/>
+          </p:cNvSpPr>
+          <p:nvPr>
+            <p:ph type="body"/>
+          </p:nvPr>
+        </p:nvSpPr>
+        <p:spPr>
+          <a:xfrm>
+            <a:off x="504000" y="1326600"/>
+            <a:ext cx="4426920" cy="1568160"/>
+          </a:xfrm>
+          <a:prstGeom prst="rect">
+            <a:avLst/>
+          </a:prstGeom>
+        </p:spPr>
+        <p:txBody>
+          <a:bodyPr lIns="0" rIns="0" tIns="0" bIns="0">
+            <a:normAutofit/>
+          </a:bodyPr>
+          <a:p>
+            <a:endParaRPr b="0" lang="pt-PT" sz="3200" spc="-1" strike="noStrike">
+              <a:latin typeface="Arial"/>
+            </a:endParaRPr>
+          </a:p>
+        </p:txBody>
+      </p:sp>
+      <p:sp>
+        <p:nvSpPr>
+          <p:cNvPr id="165" name="PlaceHolder 3"/>
+          <p:cNvSpPr>
+            <a:spLocks noGrp="1"/>
+          </p:cNvSpPr>
+          <p:nvPr>
+            <p:ph type="body"/>
+          </p:nvPr>
+        </p:nvSpPr>
+        <p:spPr>
+          <a:xfrm>
+            <a:off x="5152680" y="1326600"/>
+            <a:ext cx="4426920" cy="3288240"/>
+          </a:xfrm>
+          <a:prstGeom prst="rect">
+            <a:avLst/>
+          </a:prstGeom>
+        </p:spPr>
+        <p:txBody>
+          <a:bodyPr lIns="0" rIns="0" tIns="0" bIns="0">
+            <a:normAutofit/>
+          </a:bodyPr>
+          <a:p>
+            <a:endParaRPr b="0" lang="pt-PT" sz="3200" spc="-1" strike="noStrike">
+              <a:latin typeface="Arial"/>
+            </a:endParaRPr>
+          </a:p>
+        </p:txBody>
+      </p:sp>
+      <p:sp>
+        <p:nvSpPr>
+          <p:cNvPr id="166" name="PlaceHolder 4"/>
+          <p:cNvSpPr>
+            <a:spLocks noGrp="1"/>
+          </p:cNvSpPr>
+          <p:nvPr>
+            <p:ph type="body"/>
+          </p:nvPr>
+        </p:nvSpPr>
+        <p:spPr>
+          <a:xfrm>
+            <a:off x="504000" y="3044160"/>
+            <a:ext cx="4426920" cy="1568160"/>
+          </a:xfrm>
+          <a:prstGeom prst="rect">
+            <a:avLst/>
+          </a:prstGeom>
+        </p:spPr>
+        <p:txBody>
+          <a:bodyPr lIns="0" rIns="0" tIns="0" bIns="0">
+            <a:normAutofit/>
+          </a:bodyPr>
+          <a:p>
+            <a:endParaRPr b="0" lang="pt-PT" sz="3200" spc="-1" strike="noStrike">
+              <a:latin typeface="Arial"/>
+            </a:endParaRPr>
+          </a:p>
+        </p:txBody>
+      </p:sp>
+    </p:spTree>
+  </p:cSld>
+</p:sldLayout>
+</file>
+
+<file path=ppt/slideLayouts/slideLayout56.xml><?xml version="1.0" encoding="utf-8"?>
+<p:sldLayout xmlns:a="http://schemas.openxmlformats.org/drawingml/2006/main" xmlns:p="http://schemas.openxmlformats.org/presentationml/2006/main" xmlns:r="http://schemas.openxmlformats.org/officeDocument/2006/relationships" xmlns:p14="http://schemas.microsoft.com/office/powerpoint/2010/main" xmlns:p15="http://schemas.microsoft.com/office/powerpoint/2012/main" xmlns:mc="http://schemas.openxmlformats.org/markup-compatibility/2006" type="objAndTwoObj" preserve="1">
+  <p:cSld name="Title Content and 2 Content">
+    <p:spTree>
+      <p:nvGrpSpPr>
+        <p:cNvPr id="1" name=""/>
+        <p:cNvGrpSpPr/>
+        <p:nvPr/>
+      </p:nvGrpSpPr>
+      <p:grpSpPr>
+        <a:xfrm>
+          <a:off x="0" y="0"/>
+          <a:ext cx="0" cy="0"/>
+          <a:chOff x="0" y="0"/>
+          <a:chExt cx="0" cy="0"/>
+        </a:xfrm>
+      </p:grpSpPr>
+      <p:sp>
+        <p:nvSpPr>
+          <p:cNvPr id="167" name="PlaceHolder 1"/>
+          <p:cNvSpPr>
+            <a:spLocks noGrp="1"/>
+          </p:cNvSpPr>
+          <p:nvPr>
+            <p:ph type="title"/>
+          </p:nvPr>
+        </p:nvSpPr>
+        <p:spPr>
+          <a:xfrm>
+            <a:off x="504000" y="226080"/>
+            <a:ext cx="9071640" cy="946080"/>
+          </a:xfrm>
+          <a:prstGeom prst="rect">
+            <a:avLst/>
+          </a:prstGeom>
+        </p:spPr>
+        <p:txBody>
+          <a:bodyPr lIns="0" rIns="0" tIns="0" bIns="0" anchor="ctr">
+            <a:noAutofit/>
+          </a:bodyPr>
+          <a:p>
+            <a:pPr algn="ctr"/>
+            <a:endParaRPr b="0" lang="pt-PT" sz="4400" spc="-1" strike="noStrike">
+              <a:latin typeface="Arial"/>
+            </a:endParaRPr>
+          </a:p>
+        </p:txBody>
+      </p:sp>
+      <p:sp>
+        <p:nvSpPr>
+          <p:cNvPr id="168" name="PlaceHolder 2"/>
+          <p:cNvSpPr>
+            <a:spLocks noGrp="1"/>
+          </p:cNvSpPr>
+          <p:nvPr>
+            <p:ph type="body"/>
+          </p:nvPr>
+        </p:nvSpPr>
+        <p:spPr>
+          <a:xfrm>
+            <a:off x="504000" y="1326600"/>
+            <a:ext cx="4426920" cy="3288240"/>
+          </a:xfrm>
+          <a:prstGeom prst="rect">
+            <a:avLst/>
+          </a:prstGeom>
+        </p:spPr>
+        <p:txBody>
+          <a:bodyPr lIns="0" rIns="0" tIns="0" bIns="0">
+            <a:normAutofit/>
+          </a:bodyPr>
+          <a:p>
+            <a:endParaRPr b="0" lang="pt-PT" sz="3200" spc="-1" strike="noStrike">
+              <a:latin typeface="Arial"/>
+            </a:endParaRPr>
+          </a:p>
+        </p:txBody>
+      </p:sp>
+      <p:sp>
+        <p:nvSpPr>
+          <p:cNvPr id="169" name="PlaceHolder 3"/>
+          <p:cNvSpPr>
+            <a:spLocks noGrp="1"/>
+          </p:cNvSpPr>
+          <p:nvPr>
+            <p:ph type="body"/>
+          </p:nvPr>
+        </p:nvSpPr>
+        <p:spPr>
+          <a:xfrm>
+            <a:off x="5152680" y="1326600"/>
+            <a:ext cx="4426920" cy="1568160"/>
+          </a:xfrm>
+          <a:prstGeom prst="rect">
+            <a:avLst/>
+          </a:prstGeom>
+        </p:spPr>
+        <p:txBody>
+          <a:bodyPr lIns="0" rIns="0" tIns="0" bIns="0">
+            <a:normAutofit/>
+          </a:bodyPr>
+          <a:p>
+            <a:endParaRPr b="0" lang="pt-PT" sz="3200" spc="-1" strike="noStrike">
+              <a:latin typeface="Arial"/>
+            </a:endParaRPr>
+          </a:p>
+        </p:txBody>
+      </p:sp>
+      <p:sp>
+        <p:nvSpPr>
+          <p:cNvPr id="170" name="PlaceHolder 4"/>
+          <p:cNvSpPr>
+            <a:spLocks noGrp="1"/>
+          </p:cNvSpPr>
+          <p:nvPr>
+            <p:ph type="body"/>
+          </p:nvPr>
+        </p:nvSpPr>
+        <p:spPr>
+          <a:xfrm>
+            <a:off x="5152680" y="3044160"/>
+            <a:ext cx="4426920" cy="1568160"/>
+          </a:xfrm>
+          <a:prstGeom prst="rect">
+            <a:avLst/>
+          </a:prstGeom>
+        </p:spPr>
+        <p:txBody>
+          <a:bodyPr lIns="0" rIns="0" tIns="0" bIns="0">
+            <a:normAutofit/>
+          </a:bodyPr>
+          <a:p>
+            <a:endParaRPr b="0" lang="pt-PT" sz="3200" spc="-1" strike="noStrike">
+              <a:latin typeface="Arial"/>
+            </a:endParaRPr>
+          </a:p>
+        </p:txBody>
+      </p:sp>
+    </p:spTree>
+  </p:cSld>
+</p:sldLayout>
+</file>
+
+<file path=ppt/slideLayouts/slideLayout57.xml><?xml version="1.0" encoding="utf-8"?>
+<p:sldLayout xmlns:a="http://schemas.openxmlformats.org/drawingml/2006/main" xmlns:p="http://schemas.openxmlformats.org/presentationml/2006/main" xmlns:r="http://schemas.openxmlformats.org/officeDocument/2006/relationships" xmlns:p14="http://schemas.microsoft.com/office/powerpoint/2010/main" xmlns:p15="http://schemas.microsoft.com/office/powerpoint/2012/main" xmlns:mc="http://schemas.openxmlformats.org/markup-compatibility/2006" type="twoObjOverTx" preserve="1">
+  <p:cSld name="Title, 2 Content over Content">
+    <p:spTree>
+      <p:nvGrpSpPr>
+        <p:cNvPr id="1" name=""/>
+        <p:cNvGrpSpPr/>
+        <p:nvPr/>
+      </p:nvGrpSpPr>
+      <p:grpSpPr>
+        <a:xfrm>
+          <a:off x="0" y="0"/>
+          <a:ext cx="0" cy="0"/>
+          <a:chOff x="0" y="0"/>
+          <a:chExt cx="0" cy="0"/>
+        </a:xfrm>
+      </p:grpSpPr>
+      <p:sp>
+        <p:nvSpPr>
+          <p:cNvPr id="171" name="PlaceHolder 1"/>
+          <p:cNvSpPr>
+            <a:spLocks noGrp="1"/>
+          </p:cNvSpPr>
+          <p:nvPr>
+            <p:ph type="title"/>
+          </p:nvPr>
+        </p:nvSpPr>
+        <p:spPr>
+          <a:xfrm>
+            <a:off x="504000" y="226080"/>
+            <a:ext cx="9071640" cy="946080"/>
+          </a:xfrm>
+          <a:prstGeom prst="rect">
+            <a:avLst/>
+          </a:prstGeom>
+        </p:spPr>
+        <p:txBody>
+          <a:bodyPr lIns="0" rIns="0" tIns="0" bIns="0" anchor="ctr">
+            <a:noAutofit/>
+          </a:bodyPr>
+          <a:p>
+            <a:pPr algn="ctr"/>
+            <a:endParaRPr b="0" lang="pt-PT" sz="4400" spc="-1" strike="noStrike">
+              <a:latin typeface="Arial"/>
+            </a:endParaRPr>
+          </a:p>
+        </p:txBody>
+      </p:sp>
+      <p:sp>
+        <p:nvSpPr>
+          <p:cNvPr id="172" name="PlaceHolder 2"/>
+          <p:cNvSpPr>
+            <a:spLocks noGrp="1"/>
+          </p:cNvSpPr>
+          <p:nvPr>
+            <p:ph type="body"/>
+          </p:nvPr>
+        </p:nvSpPr>
+        <p:spPr>
+          <a:xfrm>
+            <a:off x="504000" y="1326600"/>
+            <a:ext cx="4426920" cy="1568160"/>
+          </a:xfrm>
+          <a:prstGeom prst="rect">
+            <a:avLst/>
+          </a:prstGeom>
+        </p:spPr>
+        <p:txBody>
+          <a:bodyPr lIns="0" rIns="0" tIns="0" bIns="0">
+            <a:normAutofit/>
+          </a:bodyPr>
+          <a:p>
+            <a:endParaRPr b="0" lang="pt-PT" sz="3200" spc="-1" strike="noStrike">
+              <a:latin typeface="Arial"/>
+            </a:endParaRPr>
+          </a:p>
+        </p:txBody>
+      </p:sp>
+      <p:sp>
+        <p:nvSpPr>
+          <p:cNvPr id="173" name="PlaceHolder 3"/>
+          <p:cNvSpPr>
+            <a:spLocks noGrp="1"/>
+          </p:cNvSpPr>
+          <p:nvPr>
+            <p:ph type="body"/>
+          </p:nvPr>
+        </p:nvSpPr>
+        <p:spPr>
+          <a:xfrm>
+            <a:off x="5152680" y="1326600"/>
+            <a:ext cx="4426920" cy="1568160"/>
+          </a:xfrm>
+          <a:prstGeom prst="rect">
+            <a:avLst/>
+          </a:prstGeom>
+        </p:spPr>
+        <p:txBody>
+          <a:bodyPr lIns="0" rIns="0" tIns="0" bIns="0">
+            <a:normAutofit/>
+          </a:bodyPr>
+          <a:p>
+            <a:endParaRPr b="0" lang="pt-PT" sz="3200" spc="-1" strike="noStrike">
+              <a:latin typeface="Arial"/>
+            </a:endParaRPr>
+          </a:p>
+        </p:txBody>
+      </p:sp>
+      <p:sp>
+        <p:nvSpPr>
+          <p:cNvPr id="174" name="PlaceHolder 4"/>
+          <p:cNvSpPr>
+            <a:spLocks noGrp="1"/>
+          </p:cNvSpPr>
+          <p:nvPr>
+            <p:ph type="body"/>
+          </p:nvPr>
+        </p:nvSpPr>
+        <p:spPr>
+          <a:xfrm>
+            <a:off x="504000" y="3044160"/>
+            <a:ext cx="9071640" cy="1568160"/>
+          </a:xfrm>
+          <a:prstGeom prst="rect">
+            <a:avLst/>
+          </a:prstGeom>
+        </p:spPr>
+        <p:txBody>
+          <a:bodyPr lIns="0" rIns="0" tIns="0" bIns="0">
+            <a:normAutofit/>
+          </a:bodyPr>
+          <a:p>
+            <a:endParaRPr b="0" lang="pt-PT" sz="3200" spc="-1" strike="noStrike">
+              <a:latin typeface="Arial"/>
+            </a:endParaRPr>
+          </a:p>
+        </p:txBody>
+      </p:sp>
+    </p:spTree>
+  </p:cSld>
+</p:sldLayout>
+</file>
+
+<file path=ppt/slideLayouts/slideLayout58.xml><?xml version="1.0" encoding="utf-8"?>
+<p:sldLayout xmlns:a="http://schemas.openxmlformats.org/drawingml/2006/main" xmlns:p="http://schemas.openxmlformats.org/presentationml/2006/main" xmlns:r="http://schemas.openxmlformats.org/officeDocument/2006/relationships" xmlns:p14="http://schemas.microsoft.com/office/powerpoint/2010/main" xmlns:p15="http://schemas.microsoft.com/office/powerpoint/2012/main" xmlns:mc="http://schemas.openxmlformats.org/markup-compatibility/2006" type="objOverTx" preserve="1">
+  <p:cSld name="Title, Content over Content">
+    <p:spTree>
+      <p:nvGrpSpPr>
+        <p:cNvPr id="1" name=""/>
+        <p:cNvGrpSpPr/>
+        <p:nvPr/>
+      </p:nvGrpSpPr>
+      <p:grpSpPr>
+        <a:xfrm>
+          <a:off x="0" y="0"/>
+          <a:ext cx="0" cy="0"/>
+          <a:chOff x="0" y="0"/>
+          <a:chExt cx="0" cy="0"/>
+        </a:xfrm>
+      </p:grpSpPr>
+      <p:sp>
+        <p:nvSpPr>
+          <p:cNvPr id="175" name="PlaceHolder 1"/>
+          <p:cNvSpPr>
+            <a:spLocks noGrp="1"/>
+          </p:cNvSpPr>
+          <p:nvPr>
+            <p:ph type="title"/>
+          </p:nvPr>
+        </p:nvSpPr>
+        <p:spPr>
+          <a:xfrm>
+            <a:off x="504000" y="226080"/>
+            <a:ext cx="9071640" cy="946080"/>
+          </a:xfrm>
+          <a:prstGeom prst="rect">
+            <a:avLst/>
+          </a:prstGeom>
+        </p:spPr>
+        <p:txBody>
+          <a:bodyPr lIns="0" rIns="0" tIns="0" bIns="0" anchor="ctr">
+            <a:noAutofit/>
+          </a:bodyPr>
+          <a:p>
+            <a:pPr algn="ctr"/>
+            <a:endParaRPr b="0" lang="pt-PT" sz="4400" spc="-1" strike="noStrike">
+              <a:latin typeface="Arial"/>
+            </a:endParaRPr>
+          </a:p>
+        </p:txBody>
+      </p:sp>
+      <p:sp>
+        <p:nvSpPr>
+          <p:cNvPr id="176" name="PlaceHolder 2"/>
+          <p:cNvSpPr>
+            <a:spLocks noGrp="1"/>
+          </p:cNvSpPr>
+          <p:nvPr>
+            <p:ph type="body"/>
+          </p:nvPr>
+        </p:nvSpPr>
+        <p:spPr>
+          <a:xfrm>
+            <a:off x="504000" y="1326600"/>
+            <a:ext cx="9071640" cy="1568160"/>
+          </a:xfrm>
+          <a:prstGeom prst="rect">
+            <a:avLst/>
+          </a:prstGeom>
+        </p:spPr>
+        <p:txBody>
+          <a:bodyPr lIns="0" rIns="0" tIns="0" bIns="0">
+            <a:normAutofit/>
+          </a:bodyPr>
+          <a:p>
+            <a:endParaRPr b="0" lang="pt-PT" sz="3200" spc="-1" strike="noStrike">
+              <a:latin typeface="Arial"/>
+            </a:endParaRPr>
+          </a:p>
+        </p:txBody>
+      </p:sp>
+      <p:sp>
+        <p:nvSpPr>
+          <p:cNvPr id="177" name="PlaceHolder 3"/>
+          <p:cNvSpPr>
+            <a:spLocks noGrp="1"/>
+          </p:cNvSpPr>
+          <p:nvPr>
+            <p:ph type="body"/>
+          </p:nvPr>
+        </p:nvSpPr>
+        <p:spPr>
+          <a:xfrm>
+            <a:off x="504000" y="3044160"/>
+            <a:ext cx="9071640" cy="1568160"/>
+          </a:xfrm>
+          <a:prstGeom prst="rect">
+            <a:avLst/>
+          </a:prstGeom>
+        </p:spPr>
+        <p:txBody>
+          <a:bodyPr lIns="0" rIns="0" tIns="0" bIns="0">
+            <a:normAutofit/>
+          </a:bodyPr>
+          <a:p>
+            <a:endParaRPr b="0" lang="pt-PT" sz="3200" spc="-1" strike="noStrike">
+              <a:latin typeface="Arial"/>
+            </a:endParaRPr>
+          </a:p>
+        </p:txBody>
+      </p:sp>
+    </p:spTree>
+  </p:cSld>
+</p:sldLayout>
+</file>
+
+<file path=ppt/slideLayouts/slideLayout59.xml><?xml version="1.0" encoding="utf-8"?>
+<p:sldLayout xmlns:a="http://schemas.openxmlformats.org/drawingml/2006/main" xmlns:p="http://schemas.openxmlformats.org/presentationml/2006/main" xmlns:r="http://schemas.openxmlformats.org/officeDocument/2006/relationships" xmlns:p14="http://schemas.microsoft.com/office/powerpoint/2010/main" xmlns:p15="http://schemas.microsoft.com/office/powerpoint/2012/main" xmlns:mc="http://schemas.openxmlformats.org/markup-compatibility/2006" type="fourObj" preserve="1">
+  <p:cSld name="Title, 4 Content">
+    <p:spTree>
+      <p:nvGrpSpPr>
+        <p:cNvPr id="1" name=""/>
+        <p:cNvGrpSpPr/>
+        <p:nvPr/>
+      </p:nvGrpSpPr>
+      <p:grpSpPr>
+        <a:xfrm>
+          <a:off x="0" y="0"/>
+          <a:ext cx="0" cy="0"/>
+          <a:chOff x="0" y="0"/>
+          <a:chExt cx="0" cy="0"/>
+        </a:xfrm>
+      </p:grpSpPr>
+      <p:sp>
+        <p:nvSpPr>
+          <p:cNvPr id="178" name="PlaceHolder 1"/>
+          <p:cNvSpPr>
+            <a:spLocks noGrp="1"/>
+          </p:cNvSpPr>
+          <p:nvPr>
+            <p:ph type="title"/>
+          </p:nvPr>
+        </p:nvSpPr>
+        <p:spPr>
+          <a:xfrm>
+            <a:off x="504000" y="226080"/>
+            <a:ext cx="9071640" cy="946080"/>
+          </a:xfrm>
+          <a:prstGeom prst="rect">
+            <a:avLst/>
+          </a:prstGeom>
+        </p:spPr>
+        <p:txBody>
+          <a:bodyPr lIns="0" rIns="0" tIns="0" bIns="0" anchor="ctr">
+            <a:noAutofit/>
+          </a:bodyPr>
+          <a:p>
+            <a:pPr algn="ctr"/>
+            <a:endParaRPr b="0" lang="pt-PT" sz="4400" spc="-1" strike="noStrike">
+              <a:latin typeface="Arial"/>
+            </a:endParaRPr>
+          </a:p>
+        </p:txBody>
+      </p:sp>
+      <p:sp>
+        <p:nvSpPr>
+          <p:cNvPr id="179" name="PlaceHolder 2"/>
+          <p:cNvSpPr>
+            <a:spLocks noGrp="1"/>
+          </p:cNvSpPr>
+          <p:nvPr>
+            <p:ph type="body"/>
+          </p:nvPr>
+        </p:nvSpPr>
+        <p:spPr>
+          <a:xfrm>
+            <a:off x="504000" y="1326600"/>
+            <a:ext cx="4426920" cy="1568160"/>
+          </a:xfrm>
+          <a:prstGeom prst="rect">
+            <a:avLst/>
+          </a:prstGeom>
+        </p:spPr>
+        <p:txBody>
+          <a:bodyPr lIns="0" rIns="0" tIns="0" bIns="0">
+            <a:normAutofit/>
+          </a:bodyPr>
+          <a:p>
+            <a:endParaRPr b="0" lang="pt-PT" sz="3200" spc="-1" strike="noStrike">
+              <a:latin typeface="Arial"/>
+            </a:endParaRPr>
+          </a:p>
+        </p:txBody>
+      </p:sp>
+      <p:sp>
+        <p:nvSpPr>
+          <p:cNvPr id="180" name="PlaceHolder 3"/>
+          <p:cNvSpPr>
+            <a:spLocks noGrp="1"/>
+          </p:cNvSpPr>
+          <p:nvPr>
+            <p:ph type="body"/>
+          </p:nvPr>
+        </p:nvSpPr>
+        <p:spPr>
+          <a:xfrm>
+            <a:off x="5152680" y="1326600"/>
+            <a:ext cx="4426920" cy="1568160"/>
+          </a:xfrm>
+          <a:prstGeom prst="rect">
+            <a:avLst/>
+          </a:prstGeom>
+        </p:spPr>
+        <p:txBody>
+          <a:bodyPr lIns="0" rIns="0" tIns="0" bIns="0">
+            <a:normAutofit/>
+          </a:bodyPr>
+          <a:p>
+            <a:endParaRPr b="0" lang="pt-PT" sz="3200" spc="-1" strike="noStrike">
+              <a:latin typeface="Arial"/>
+            </a:endParaRPr>
+          </a:p>
+        </p:txBody>
+      </p:sp>
+      <p:sp>
+        <p:nvSpPr>
+          <p:cNvPr id="181" name="PlaceHolder 4"/>
+          <p:cNvSpPr>
+            <a:spLocks noGrp="1"/>
+          </p:cNvSpPr>
+          <p:nvPr>
+            <p:ph type="body"/>
+          </p:nvPr>
+        </p:nvSpPr>
+        <p:spPr>
+          <a:xfrm>
+            <a:off x="504000" y="3044160"/>
+            <a:ext cx="4426920" cy="1568160"/>
+          </a:xfrm>
+          <a:prstGeom prst="rect">
+            <a:avLst/>
+          </a:prstGeom>
+        </p:spPr>
+        <p:txBody>
+          <a:bodyPr lIns="0" rIns="0" tIns="0" bIns="0">
+            <a:normAutofit/>
+          </a:bodyPr>
+          <a:p>
+            <a:endParaRPr b="0" lang="pt-PT" sz="3200" spc="-1" strike="noStrike">
+              <a:latin typeface="Arial"/>
+            </a:endParaRPr>
+          </a:p>
+        </p:txBody>
+      </p:sp>
+      <p:sp>
+        <p:nvSpPr>
+          <p:cNvPr id="182" name="PlaceHolder 5"/>
+          <p:cNvSpPr>
+            <a:spLocks noGrp="1"/>
+          </p:cNvSpPr>
+          <p:nvPr>
+            <p:ph type="body"/>
+          </p:nvPr>
+        </p:nvSpPr>
+        <p:spPr>
+          <a:xfrm>
+            <a:off x="5152680" y="3044160"/>
+            <a:ext cx="4426920" cy="1568160"/>
+          </a:xfrm>
+          <a:prstGeom prst="rect">
+            <a:avLst/>
+          </a:prstGeom>
+        </p:spPr>
+        <p:txBody>
+          <a:bodyPr lIns="0" rIns="0" tIns="0" bIns="0">
+            <a:normAutofit/>
+          </a:bodyPr>
+          <a:p>
+            <a:endParaRPr b="0" lang="pt-PT" sz="3200" spc="-1" strike="noStrike">
               <a:latin typeface="Arial"/>
             </a:endParaRPr>
           </a:p>
@@ -4998,7 +6125,7 @@
         <p:spPr>
           <a:xfrm>
             <a:off x="504000" y="226080"/>
-            <a:ext cx="9072000" cy="4388400"/>
+            <a:ext cx="9071640" cy="4386600"/>
           </a:xfrm>
           <a:prstGeom prst="rect">
             <a:avLst/>
@@ -5010,6 +6137,1076 @@
           </a:bodyPr>
           <a:p>
             <a:pPr algn="ctr"/>
+            <a:endParaRPr b="0" lang="pt-PT" sz="3200" spc="-1" strike="noStrike">
+              <a:latin typeface="Arial"/>
+            </a:endParaRPr>
+          </a:p>
+        </p:txBody>
+      </p:sp>
+    </p:spTree>
+  </p:cSld>
+</p:sldLayout>
+</file>
+
+<file path=ppt/slideLayouts/slideLayout60.xml><?xml version="1.0" encoding="utf-8"?>
+<p:sldLayout xmlns:a="http://schemas.openxmlformats.org/drawingml/2006/main" xmlns:p="http://schemas.openxmlformats.org/presentationml/2006/main" xmlns:r="http://schemas.openxmlformats.org/officeDocument/2006/relationships" xmlns:p14="http://schemas.microsoft.com/office/powerpoint/2010/main" xmlns:p15="http://schemas.microsoft.com/office/powerpoint/2012/main" xmlns:mc="http://schemas.openxmlformats.org/markup-compatibility/2006" type="blank" preserve="1">
+  <p:cSld name="Title, 6 Content">
+    <p:spTree>
+      <p:nvGrpSpPr>
+        <p:cNvPr id="1" name=""/>
+        <p:cNvGrpSpPr/>
+        <p:nvPr/>
+      </p:nvGrpSpPr>
+      <p:grpSpPr>
+        <a:xfrm>
+          <a:off x="0" y="0"/>
+          <a:ext cx="0" cy="0"/>
+          <a:chOff x="0" y="0"/>
+          <a:chExt cx="0" cy="0"/>
+        </a:xfrm>
+      </p:grpSpPr>
+      <p:sp>
+        <p:nvSpPr>
+          <p:cNvPr id="183" name="PlaceHolder 1"/>
+          <p:cNvSpPr>
+            <a:spLocks noGrp="1"/>
+          </p:cNvSpPr>
+          <p:nvPr>
+            <p:ph type="title"/>
+          </p:nvPr>
+        </p:nvSpPr>
+        <p:spPr>
+          <a:xfrm>
+            <a:off x="504000" y="226080"/>
+            <a:ext cx="9071640" cy="946080"/>
+          </a:xfrm>
+          <a:prstGeom prst="rect">
+            <a:avLst/>
+          </a:prstGeom>
+        </p:spPr>
+        <p:txBody>
+          <a:bodyPr lIns="0" rIns="0" tIns="0" bIns="0" anchor="ctr">
+            <a:noAutofit/>
+          </a:bodyPr>
+          <a:p>
+            <a:pPr algn="ctr"/>
+            <a:endParaRPr b="0" lang="pt-PT" sz="4400" spc="-1" strike="noStrike">
+              <a:latin typeface="Arial"/>
+            </a:endParaRPr>
+          </a:p>
+        </p:txBody>
+      </p:sp>
+      <p:sp>
+        <p:nvSpPr>
+          <p:cNvPr id="184" name="PlaceHolder 2"/>
+          <p:cNvSpPr>
+            <a:spLocks noGrp="1"/>
+          </p:cNvSpPr>
+          <p:nvPr>
+            <p:ph type="body"/>
+          </p:nvPr>
+        </p:nvSpPr>
+        <p:spPr>
+          <a:xfrm>
+            <a:off x="504000" y="1326600"/>
+            <a:ext cx="2920680" cy="1568160"/>
+          </a:xfrm>
+          <a:prstGeom prst="rect">
+            <a:avLst/>
+          </a:prstGeom>
+        </p:spPr>
+        <p:txBody>
+          <a:bodyPr lIns="0" rIns="0" tIns="0" bIns="0">
+            <a:normAutofit/>
+          </a:bodyPr>
+          <a:p>
+            <a:endParaRPr b="0" lang="pt-PT" sz="3200" spc="-1" strike="noStrike">
+              <a:latin typeface="Arial"/>
+            </a:endParaRPr>
+          </a:p>
+        </p:txBody>
+      </p:sp>
+      <p:sp>
+        <p:nvSpPr>
+          <p:cNvPr id="185" name="PlaceHolder 3"/>
+          <p:cNvSpPr>
+            <a:spLocks noGrp="1"/>
+          </p:cNvSpPr>
+          <p:nvPr>
+            <p:ph type="body"/>
+          </p:nvPr>
+        </p:nvSpPr>
+        <p:spPr>
+          <a:xfrm>
+            <a:off x="3571200" y="1326600"/>
+            <a:ext cx="2920680" cy="1568160"/>
+          </a:xfrm>
+          <a:prstGeom prst="rect">
+            <a:avLst/>
+          </a:prstGeom>
+        </p:spPr>
+        <p:txBody>
+          <a:bodyPr lIns="0" rIns="0" tIns="0" bIns="0">
+            <a:normAutofit/>
+          </a:bodyPr>
+          <a:p>
+            <a:endParaRPr b="0" lang="pt-PT" sz="3200" spc="-1" strike="noStrike">
+              <a:latin typeface="Arial"/>
+            </a:endParaRPr>
+          </a:p>
+        </p:txBody>
+      </p:sp>
+      <p:sp>
+        <p:nvSpPr>
+          <p:cNvPr id="186" name="PlaceHolder 4"/>
+          <p:cNvSpPr>
+            <a:spLocks noGrp="1"/>
+          </p:cNvSpPr>
+          <p:nvPr>
+            <p:ph type="body"/>
+          </p:nvPr>
+        </p:nvSpPr>
+        <p:spPr>
+          <a:xfrm>
+            <a:off x="6638040" y="1326600"/>
+            <a:ext cx="2920680" cy="1568160"/>
+          </a:xfrm>
+          <a:prstGeom prst="rect">
+            <a:avLst/>
+          </a:prstGeom>
+        </p:spPr>
+        <p:txBody>
+          <a:bodyPr lIns="0" rIns="0" tIns="0" bIns="0">
+            <a:normAutofit/>
+          </a:bodyPr>
+          <a:p>
+            <a:endParaRPr b="0" lang="pt-PT" sz="3200" spc="-1" strike="noStrike">
+              <a:latin typeface="Arial"/>
+            </a:endParaRPr>
+          </a:p>
+        </p:txBody>
+      </p:sp>
+      <p:sp>
+        <p:nvSpPr>
+          <p:cNvPr id="187" name="PlaceHolder 5"/>
+          <p:cNvSpPr>
+            <a:spLocks noGrp="1"/>
+          </p:cNvSpPr>
+          <p:nvPr>
+            <p:ph type="body"/>
+          </p:nvPr>
+        </p:nvSpPr>
+        <p:spPr>
+          <a:xfrm>
+            <a:off x="504000" y="3044160"/>
+            <a:ext cx="2920680" cy="1568160"/>
+          </a:xfrm>
+          <a:prstGeom prst="rect">
+            <a:avLst/>
+          </a:prstGeom>
+        </p:spPr>
+        <p:txBody>
+          <a:bodyPr lIns="0" rIns="0" tIns="0" bIns="0">
+            <a:normAutofit/>
+          </a:bodyPr>
+          <a:p>
+            <a:endParaRPr b="0" lang="pt-PT" sz="3200" spc="-1" strike="noStrike">
+              <a:latin typeface="Arial"/>
+            </a:endParaRPr>
+          </a:p>
+        </p:txBody>
+      </p:sp>
+      <p:sp>
+        <p:nvSpPr>
+          <p:cNvPr id="188" name="PlaceHolder 6"/>
+          <p:cNvSpPr>
+            <a:spLocks noGrp="1"/>
+          </p:cNvSpPr>
+          <p:nvPr>
+            <p:ph type="body"/>
+          </p:nvPr>
+        </p:nvSpPr>
+        <p:spPr>
+          <a:xfrm>
+            <a:off x="3571200" y="3044160"/>
+            <a:ext cx="2920680" cy="1568160"/>
+          </a:xfrm>
+          <a:prstGeom prst="rect">
+            <a:avLst/>
+          </a:prstGeom>
+        </p:spPr>
+        <p:txBody>
+          <a:bodyPr lIns="0" rIns="0" tIns="0" bIns="0">
+            <a:normAutofit/>
+          </a:bodyPr>
+          <a:p>
+            <a:endParaRPr b="0" lang="pt-PT" sz="3200" spc="-1" strike="noStrike">
+              <a:latin typeface="Arial"/>
+            </a:endParaRPr>
+          </a:p>
+        </p:txBody>
+      </p:sp>
+      <p:sp>
+        <p:nvSpPr>
+          <p:cNvPr id="189" name="PlaceHolder 7"/>
+          <p:cNvSpPr>
+            <a:spLocks noGrp="1"/>
+          </p:cNvSpPr>
+          <p:nvPr>
+            <p:ph type="body"/>
+          </p:nvPr>
+        </p:nvSpPr>
+        <p:spPr>
+          <a:xfrm>
+            <a:off x="6638040" y="3044160"/>
+            <a:ext cx="2920680" cy="1568160"/>
+          </a:xfrm>
+          <a:prstGeom prst="rect">
+            <a:avLst/>
+          </a:prstGeom>
+        </p:spPr>
+        <p:txBody>
+          <a:bodyPr lIns="0" rIns="0" tIns="0" bIns="0">
+            <a:normAutofit/>
+          </a:bodyPr>
+          <a:p>
+            <a:endParaRPr b="0" lang="pt-PT" sz="3200" spc="-1" strike="noStrike">
+              <a:latin typeface="Arial"/>
+            </a:endParaRPr>
+          </a:p>
+        </p:txBody>
+      </p:sp>
+    </p:spTree>
+  </p:cSld>
+</p:sldLayout>
+</file>
+
+<file path=ppt/slideLayouts/slideLayout61.xml><?xml version="1.0" encoding="utf-8"?>
+<p:sldLayout xmlns:a="http://schemas.openxmlformats.org/drawingml/2006/main" xmlns:p="http://schemas.openxmlformats.org/presentationml/2006/main" xmlns:r="http://schemas.openxmlformats.org/officeDocument/2006/relationships" xmlns:p14="http://schemas.microsoft.com/office/powerpoint/2010/main" xmlns:p15="http://schemas.microsoft.com/office/powerpoint/2012/main" xmlns:mc="http://schemas.openxmlformats.org/markup-compatibility/2006" type="blank" preserve="1">
+  <p:cSld name="Blank Slide">
+    <p:spTree>
+      <p:nvGrpSpPr>
+        <p:cNvPr id="1" name=""/>
+        <p:cNvGrpSpPr/>
+        <p:nvPr/>
+      </p:nvGrpSpPr>
+      <p:grpSpPr>
+        <a:xfrm>
+          <a:off x="0" y="0"/>
+          <a:ext cx="0" cy="0"/>
+          <a:chOff x="0" y="0"/>
+          <a:chExt cx="0" cy="0"/>
+        </a:xfrm>
+      </p:grpSpPr>
+    </p:spTree>
+  </p:cSld>
+</p:sldLayout>
+</file>
+
+<file path=ppt/slideLayouts/slideLayout62.xml><?xml version="1.0" encoding="utf-8"?>
+<p:sldLayout xmlns:a="http://schemas.openxmlformats.org/drawingml/2006/main" xmlns:p="http://schemas.openxmlformats.org/presentationml/2006/main" xmlns:r="http://schemas.openxmlformats.org/officeDocument/2006/relationships" xmlns:p14="http://schemas.microsoft.com/office/powerpoint/2010/main" xmlns:p15="http://schemas.microsoft.com/office/powerpoint/2012/main" xmlns:mc="http://schemas.openxmlformats.org/markup-compatibility/2006" type="tx" preserve="1">
+  <p:cSld name="Title Slide">
+    <p:spTree>
+      <p:nvGrpSpPr>
+        <p:cNvPr id="1" name=""/>
+        <p:cNvGrpSpPr/>
+        <p:nvPr/>
+      </p:nvGrpSpPr>
+      <p:grpSpPr>
+        <a:xfrm>
+          <a:off x="0" y="0"/>
+          <a:ext cx="0" cy="0"/>
+          <a:chOff x="0" y="0"/>
+          <a:chExt cx="0" cy="0"/>
+        </a:xfrm>
+      </p:grpSpPr>
+      <p:sp>
+        <p:nvSpPr>
+          <p:cNvPr id="192" name="PlaceHolder 1"/>
+          <p:cNvSpPr>
+            <a:spLocks noGrp="1"/>
+          </p:cNvSpPr>
+          <p:nvPr>
+            <p:ph type="title"/>
+          </p:nvPr>
+        </p:nvSpPr>
+        <p:spPr>
+          <a:xfrm>
+            <a:off x="504000" y="226080"/>
+            <a:ext cx="9071640" cy="946080"/>
+          </a:xfrm>
+          <a:prstGeom prst="rect">
+            <a:avLst/>
+          </a:prstGeom>
+        </p:spPr>
+        <p:txBody>
+          <a:bodyPr lIns="0" rIns="0" tIns="0" bIns="0" anchor="ctr">
+            <a:noAutofit/>
+          </a:bodyPr>
+          <a:p>
+            <a:pPr algn="ctr"/>
+            <a:endParaRPr b="0" lang="pt-PT" sz="4400" spc="-1" strike="noStrike">
+              <a:latin typeface="Arial"/>
+            </a:endParaRPr>
+          </a:p>
+        </p:txBody>
+      </p:sp>
+      <p:sp>
+        <p:nvSpPr>
+          <p:cNvPr id="193" name="PlaceHolder 2"/>
+          <p:cNvSpPr>
+            <a:spLocks noGrp="1"/>
+          </p:cNvSpPr>
+          <p:nvPr>
+            <p:ph type="subTitle"/>
+          </p:nvPr>
+        </p:nvSpPr>
+        <p:spPr>
+          <a:xfrm>
+            <a:off x="504000" y="1326600"/>
+            <a:ext cx="9071640" cy="3288240"/>
+          </a:xfrm>
+          <a:prstGeom prst="rect">
+            <a:avLst/>
+          </a:prstGeom>
+        </p:spPr>
+        <p:txBody>
+          <a:bodyPr lIns="0" rIns="0" tIns="0" bIns="0" anchor="ctr">
+            <a:noAutofit/>
+          </a:bodyPr>
+          <a:p>
+            <a:pPr algn="ctr"/>
+            <a:endParaRPr b="0" lang="pt-PT" sz="3200" spc="-1" strike="noStrike">
+              <a:latin typeface="Arial"/>
+            </a:endParaRPr>
+          </a:p>
+        </p:txBody>
+      </p:sp>
+    </p:spTree>
+  </p:cSld>
+</p:sldLayout>
+</file>
+
+<file path=ppt/slideLayouts/slideLayout63.xml><?xml version="1.0" encoding="utf-8"?>
+<p:sldLayout xmlns:a="http://schemas.openxmlformats.org/drawingml/2006/main" xmlns:p="http://schemas.openxmlformats.org/presentationml/2006/main" xmlns:r="http://schemas.openxmlformats.org/officeDocument/2006/relationships" xmlns:p14="http://schemas.microsoft.com/office/powerpoint/2010/main" xmlns:p15="http://schemas.microsoft.com/office/powerpoint/2012/main" xmlns:mc="http://schemas.openxmlformats.org/markup-compatibility/2006" type="obj" preserve="1">
+  <p:cSld name="Title, Content">
+    <p:spTree>
+      <p:nvGrpSpPr>
+        <p:cNvPr id="1" name=""/>
+        <p:cNvGrpSpPr/>
+        <p:nvPr/>
+      </p:nvGrpSpPr>
+      <p:grpSpPr>
+        <a:xfrm>
+          <a:off x="0" y="0"/>
+          <a:ext cx="0" cy="0"/>
+          <a:chOff x="0" y="0"/>
+          <a:chExt cx="0" cy="0"/>
+        </a:xfrm>
+      </p:grpSpPr>
+      <p:sp>
+        <p:nvSpPr>
+          <p:cNvPr id="194" name="PlaceHolder 1"/>
+          <p:cNvSpPr>
+            <a:spLocks noGrp="1"/>
+          </p:cNvSpPr>
+          <p:nvPr>
+            <p:ph type="title"/>
+          </p:nvPr>
+        </p:nvSpPr>
+        <p:spPr>
+          <a:xfrm>
+            <a:off x="504000" y="226080"/>
+            <a:ext cx="9071640" cy="946080"/>
+          </a:xfrm>
+          <a:prstGeom prst="rect">
+            <a:avLst/>
+          </a:prstGeom>
+        </p:spPr>
+        <p:txBody>
+          <a:bodyPr lIns="0" rIns="0" tIns="0" bIns="0" anchor="ctr">
+            <a:noAutofit/>
+          </a:bodyPr>
+          <a:p>
+            <a:pPr algn="ctr"/>
+            <a:endParaRPr b="0" lang="pt-PT" sz="4400" spc="-1" strike="noStrike">
+              <a:latin typeface="Arial"/>
+            </a:endParaRPr>
+          </a:p>
+        </p:txBody>
+      </p:sp>
+      <p:sp>
+        <p:nvSpPr>
+          <p:cNvPr id="195" name="PlaceHolder 2"/>
+          <p:cNvSpPr>
+            <a:spLocks noGrp="1"/>
+          </p:cNvSpPr>
+          <p:nvPr>
+            <p:ph type="body"/>
+          </p:nvPr>
+        </p:nvSpPr>
+        <p:spPr>
+          <a:xfrm>
+            <a:off x="504000" y="1326600"/>
+            <a:ext cx="9071640" cy="3288240"/>
+          </a:xfrm>
+          <a:prstGeom prst="rect">
+            <a:avLst/>
+          </a:prstGeom>
+        </p:spPr>
+        <p:txBody>
+          <a:bodyPr lIns="0" rIns="0" tIns="0" bIns="0">
+            <a:normAutofit/>
+          </a:bodyPr>
+          <a:p>
+            <a:endParaRPr b="0" lang="pt-PT" sz="3200" spc="-1" strike="noStrike">
+              <a:latin typeface="Arial"/>
+            </a:endParaRPr>
+          </a:p>
+        </p:txBody>
+      </p:sp>
+    </p:spTree>
+  </p:cSld>
+</p:sldLayout>
+</file>
+
+<file path=ppt/slideLayouts/slideLayout64.xml><?xml version="1.0" encoding="utf-8"?>
+<p:sldLayout xmlns:a="http://schemas.openxmlformats.org/drawingml/2006/main" xmlns:p="http://schemas.openxmlformats.org/presentationml/2006/main" xmlns:r="http://schemas.openxmlformats.org/officeDocument/2006/relationships" xmlns:p14="http://schemas.microsoft.com/office/powerpoint/2010/main" xmlns:p15="http://schemas.microsoft.com/office/powerpoint/2012/main" xmlns:mc="http://schemas.openxmlformats.org/markup-compatibility/2006" type="twoObj" preserve="1">
+  <p:cSld name="Title, 2 Content">
+    <p:spTree>
+      <p:nvGrpSpPr>
+        <p:cNvPr id="1" name=""/>
+        <p:cNvGrpSpPr/>
+        <p:nvPr/>
+      </p:nvGrpSpPr>
+      <p:grpSpPr>
+        <a:xfrm>
+          <a:off x="0" y="0"/>
+          <a:ext cx="0" cy="0"/>
+          <a:chOff x="0" y="0"/>
+          <a:chExt cx="0" cy="0"/>
+        </a:xfrm>
+      </p:grpSpPr>
+      <p:sp>
+        <p:nvSpPr>
+          <p:cNvPr id="196" name="PlaceHolder 1"/>
+          <p:cNvSpPr>
+            <a:spLocks noGrp="1"/>
+          </p:cNvSpPr>
+          <p:nvPr>
+            <p:ph type="title"/>
+          </p:nvPr>
+        </p:nvSpPr>
+        <p:spPr>
+          <a:xfrm>
+            <a:off x="504000" y="226080"/>
+            <a:ext cx="9071640" cy="946080"/>
+          </a:xfrm>
+          <a:prstGeom prst="rect">
+            <a:avLst/>
+          </a:prstGeom>
+        </p:spPr>
+        <p:txBody>
+          <a:bodyPr lIns="0" rIns="0" tIns="0" bIns="0" anchor="ctr">
+            <a:noAutofit/>
+          </a:bodyPr>
+          <a:p>
+            <a:pPr algn="ctr"/>
+            <a:endParaRPr b="0" lang="pt-PT" sz="4400" spc="-1" strike="noStrike">
+              <a:latin typeface="Arial"/>
+            </a:endParaRPr>
+          </a:p>
+        </p:txBody>
+      </p:sp>
+      <p:sp>
+        <p:nvSpPr>
+          <p:cNvPr id="197" name="PlaceHolder 2"/>
+          <p:cNvSpPr>
+            <a:spLocks noGrp="1"/>
+          </p:cNvSpPr>
+          <p:nvPr>
+            <p:ph type="body"/>
+          </p:nvPr>
+        </p:nvSpPr>
+        <p:spPr>
+          <a:xfrm>
+            <a:off x="504000" y="1326600"/>
+            <a:ext cx="4426920" cy="3288240"/>
+          </a:xfrm>
+          <a:prstGeom prst="rect">
+            <a:avLst/>
+          </a:prstGeom>
+        </p:spPr>
+        <p:txBody>
+          <a:bodyPr lIns="0" rIns="0" tIns="0" bIns="0">
+            <a:normAutofit/>
+          </a:bodyPr>
+          <a:p>
+            <a:endParaRPr b="0" lang="pt-PT" sz="3200" spc="-1" strike="noStrike">
+              <a:latin typeface="Arial"/>
+            </a:endParaRPr>
+          </a:p>
+        </p:txBody>
+      </p:sp>
+      <p:sp>
+        <p:nvSpPr>
+          <p:cNvPr id="198" name="PlaceHolder 3"/>
+          <p:cNvSpPr>
+            <a:spLocks noGrp="1"/>
+          </p:cNvSpPr>
+          <p:nvPr>
+            <p:ph type="body"/>
+          </p:nvPr>
+        </p:nvSpPr>
+        <p:spPr>
+          <a:xfrm>
+            <a:off x="5152680" y="1326600"/>
+            <a:ext cx="4426920" cy="3288240"/>
+          </a:xfrm>
+          <a:prstGeom prst="rect">
+            <a:avLst/>
+          </a:prstGeom>
+        </p:spPr>
+        <p:txBody>
+          <a:bodyPr lIns="0" rIns="0" tIns="0" bIns="0">
+            <a:normAutofit/>
+          </a:bodyPr>
+          <a:p>
+            <a:endParaRPr b="0" lang="pt-PT" sz="3200" spc="-1" strike="noStrike">
+              <a:latin typeface="Arial"/>
+            </a:endParaRPr>
+          </a:p>
+        </p:txBody>
+      </p:sp>
+    </p:spTree>
+  </p:cSld>
+</p:sldLayout>
+</file>
+
+<file path=ppt/slideLayouts/slideLayout65.xml><?xml version="1.0" encoding="utf-8"?>
+<p:sldLayout xmlns:a="http://schemas.openxmlformats.org/drawingml/2006/main" xmlns:p="http://schemas.openxmlformats.org/presentationml/2006/main" xmlns:r="http://schemas.openxmlformats.org/officeDocument/2006/relationships" xmlns:p14="http://schemas.microsoft.com/office/powerpoint/2010/main" xmlns:p15="http://schemas.microsoft.com/office/powerpoint/2012/main" xmlns:mc="http://schemas.openxmlformats.org/markup-compatibility/2006" type="titleOnly" preserve="1">
+  <p:cSld name="Title Only">
+    <p:spTree>
+      <p:nvGrpSpPr>
+        <p:cNvPr id="1" name=""/>
+        <p:cNvGrpSpPr/>
+        <p:nvPr/>
+      </p:nvGrpSpPr>
+      <p:grpSpPr>
+        <a:xfrm>
+          <a:off x="0" y="0"/>
+          <a:ext cx="0" cy="0"/>
+          <a:chOff x="0" y="0"/>
+          <a:chExt cx="0" cy="0"/>
+        </a:xfrm>
+      </p:grpSpPr>
+      <p:sp>
+        <p:nvSpPr>
+          <p:cNvPr id="199" name="PlaceHolder 1"/>
+          <p:cNvSpPr>
+            <a:spLocks noGrp="1"/>
+          </p:cNvSpPr>
+          <p:nvPr>
+            <p:ph type="title"/>
+          </p:nvPr>
+        </p:nvSpPr>
+        <p:spPr>
+          <a:xfrm>
+            <a:off x="504000" y="226080"/>
+            <a:ext cx="9071640" cy="946080"/>
+          </a:xfrm>
+          <a:prstGeom prst="rect">
+            <a:avLst/>
+          </a:prstGeom>
+        </p:spPr>
+        <p:txBody>
+          <a:bodyPr lIns="0" rIns="0" tIns="0" bIns="0" anchor="ctr">
+            <a:noAutofit/>
+          </a:bodyPr>
+          <a:p>
+            <a:pPr algn="ctr"/>
+            <a:endParaRPr b="0" lang="pt-PT" sz="4400" spc="-1" strike="noStrike">
+              <a:latin typeface="Arial"/>
+            </a:endParaRPr>
+          </a:p>
+        </p:txBody>
+      </p:sp>
+    </p:spTree>
+  </p:cSld>
+</p:sldLayout>
+</file>
+
+<file path=ppt/slideLayouts/slideLayout66.xml><?xml version="1.0" encoding="utf-8"?>
+<p:sldLayout xmlns:a="http://schemas.openxmlformats.org/drawingml/2006/main" xmlns:p="http://schemas.openxmlformats.org/presentationml/2006/main" xmlns:r="http://schemas.openxmlformats.org/officeDocument/2006/relationships" xmlns:p14="http://schemas.microsoft.com/office/powerpoint/2010/main" xmlns:p15="http://schemas.microsoft.com/office/powerpoint/2012/main" xmlns:mc="http://schemas.openxmlformats.org/markup-compatibility/2006" type="objOnly" preserve="1">
+  <p:cSld name="Centered Text">
+    <p:spTree>
+      <p:nvGrpSpPr>
+        <p:cNvPr id="1" name=""/>
+        <p:cNvGrpSpPr/>
+        <p:nvPr/>
+      </p:nvGrpSpPr>
+      <p:grpSpPr>
+        <a:xfrm>
+          <a:off x="0" y="0"/>
+          <a:ext cx="0" cy="0"/>
+          <a:chOff x="0" y="0"/>
+          <a:chExt cx="0" cy="0"/>
+        </a:xfrm>
+      </p:grpSpPr>
+      <p:sp>
+        <p:nvSpPr>
+          <p:cNvPr id="200" name="PlaceHolder 1"/>
+          <p:cNvSpPr>
+            <a:spLocks noGrp="1"/>
+          </p:cNvSpPr>
+          <p:nvPr>
+            <p:ph type="subTitle"/>
+          </p:nvPr>
+        </p:nvSpPr>
+        <p:spPr>
+          <a:xfrm>
+            <a:off x="504000" y="226080"/>
+            <a:ext cx="9071640" cy="4386600"/>
+          </a:xfrm>
+          <a:prstGeom prst="rect">
+            <a:avLst/>
+          </a:prstGeom>
+        </p:spPr>
+        <p:txBody>
+          <a:bodyPr lIns="0" rIns="0" tIns="0" bIns="0" anchor="ctr">
+            <a:noAutofit/>
+          </a:bodyPr>
+          <a:p>
+            <a:pPr algn="ctr"/>
+            <a:endParaRPr b="0" lang="pt-PT" sz="3200" spc="-1" strike="noStrike">
+              <a:latin typeface="Arial"/>
+            </a:endParaRPr>
+          </a:p>
+        </p:txBody>
+      </p:sp>
+    </p:spTree>
+  </p:cSld>
+</p:sldLayout>
+</file>
+
+<file path=ppt/slideLayouts/slideLayout67.xml><?xml version="1.0" encoding="utf-8"?>
+<p:sldLayout xmlns:a="http://schemas.openxmlformats.org/drawingml/2006/main" xmlns:p="http://schemas.openxmlformats.org/presentationml/2006/main" xmlns:r="http://schemas.openxmlformats.org/officeDocument/2006/relationships" xmlns:p14="http://schemas.microsoft.com/office/powerpoint/2010/main" xmlns:p15="http://schemas.microsoft.com/office/powerpoint/2012/main" xmlns:mc="http://schemas.openxmlformats.org/markup-compatibility/2006" type="twoObjAndObj" preserve="1">
+  <p:cSld name="Title, 2 Content and Content">
+    <p:spTree>
+      <p:nvGrpSpPr>
+        <p:cNvPr id="1" name=""/>
+        <p:cNvGrpSpPr/>
+        <p:nvPr/>
+      </p:nvGrpSpPr>
+      <p:grpSpPr>
+        <a:xfrm>
+          <a:off x="0" y="0"/>
+          <a:ext cx="0" cy="0"/>
+          <a:chOff x="0" y="0"/>
+          <a:chExt cx="0" cy="0"/>
+        </a:xfrm>
+      </p:grpSpPr>
+      <p:sp>
+        <p:nvSpPr>
+          <p:cNvPr id="201" name="PlaceHolder 1"/>
+          <p:cNvSpPr>
+            <a:spLocks noGrp="1"/>
+          </p:cNvSpPr>
+          <p:nvPr>
+            <p:ph type="title"/>
+          </p:nvPr>
+        </p:nvSpPr>
+        <p:spPr>
+          <a:xfrm>
+            <a:off x="504000" y="226080"/>
+            <a:ext cx="9071640" cy="946080"/>
+          </a:xfrm>
+          <a:prstGeom prst="rect">
+            <a:avLst/>
+          </a:prstGeom>
+        </p:spPr>
+        <p:txBody>
+          <a:bodyPr lIns="0" rIns="0" tIns="0" bIns="0" anchor="ctr">
+            <a:noAutofit/>
+          </a:bodyPr>
+          <a:p>
+            <a:pPr algn="ctr"/>
+            <a:endParaRPr b="0" lang="pt-PT" sz="4400" spc="-1" strike="noStrike">
+              <a:latin typeface="Arial"/>
+            </a:endParaRPr>
+          </a:p>
+        </p:txBody>
+      </p:sp>
+      <p:sp>
+        <p:nvSpPr>
+          <p:cNvPr id="202" name="PlaceHolder 2"/>
+          <p:cNvSpPr>
+            <a:spLocks noGrp="1"/>
+          </p:cNvSpPr>
+          <p:nvPr>
+            <p:ph type="body"/>
+          </p:nvPr>
+        </p:nvSpPr>
+        <p:spPr>
+          <a:xfrm>
+            <a:off x="504000" y="1326600"/>
+            <a:ext cx="4426920" cy="1568160"/>
+          </a:xfrm>
+          <a:prstGeom prst="rect">
+            <a:avLst/>
+          </a:prstGeom>
+        </p:spPr>
+        <p:txBody>
+          <a:bodyPr lIns="0" rIns="0" tIns="0" bIns="0">
+            <a:normAutofit/>
+          </a:bodyPr>
+          <a:p>
+            <a:endParaRPr b="0" lang="pt-PT" sz="3200" spc="-1" strike="noStrike">
+              <a:latin typeface="Arial"/>
+            </a:endParaRPr>
+          </a:p>
+        </p:txBody>
+      </p:sp>
+      <p:sp>
+        <p:nvSpPr>
+          <p:cNvPr id="203" name="PlaceHolder 3"/>
+          <p:cNvSpPr>
+            <a:spLocks noGrp="1"/>
+          </p:cNvSpPr>
+          <p:nvPr>
+            <p:ph type="body"/>
+          </p:nvPr>
+        </p:nvSpPr>
+        <p:spPr>
+          <a:xfrm>
+            <a:off x="5152680" y="1326600"/>
+            <a:ext cx="4426920" cy="3288240"/>
+          </a:xfrm>
+          <a:prstGeom prst="rect">
+            <a:avLst/>
+          </a:prstGeom>
+        </p:spPr>
+        <p:txBody>
+          <a:bodyPr lIns="0" rIns="0" tIns="0" bIns="0">
+            <a:normAutofit/>
+          </a:bodyPr>
+          <a:p>
+            <a:endParaRPr b="0" lang="pt-PT" sz="3200" spc="-1" strike="noStrike">
+              <a:latin typeface="Arial"/>
+            </a:endParaRPr>
+          </a:p>
+        </p:txBody>
+      </p:sp>
+      <p:sp>
+        <p:nvSpPr>
+          <p:cNvPr id="204" name="PlaceHolder 4"/>
+          <p:cNvSpPr>
+            <a:spLocks noGrp="1"/>
+          </p:cNvSpPr>
+          <p:nvPr>
+            <p:ph type="body"/>
+          </p:nvPr>
+        </p:nvSpPr>
+        <p:spPr>
+          <a:xfrm>
+            <a:off x="504000" y="3044160"/>
+            <a:ext cx="4426920" cy="1568160"/>
+          </a:xfrm>
+          <a:prstGeom prst="rect">
+            <a:avLst/>
+          </a:prstGeom>
+        </p:spPr>
+        <p:txBody>
+          <a:bodyPr lIns="0" rIns="0" tIns="0" bIns="0">
+            <a:normAutofit/>
+          </a:bodyPr>
+          <a:p>
+            <a:endParaRPr b="0" lang="pt-PT" sz="3200" spc="-1" strike="noStrike">
+              <a:latin typeface="Arial"/>
+            </a:endParaRPr>
+          </a:p>
+        </p:txBody>
+      </p:sp>
+    </p:spTree>
+  </p:cSld>
+</p:sldLayout>
+</file>
+
+<file path=ppt/slideLayouts/slideLayout68.xml><?xml version="1.0" encoding="utf-8"?>
+<p:sldLayout xmlns:a="http://schemas.openxmlformats.org/drawingml/2006/main" xmlns:p="http://schemas.openxmlformats.org/presentationml/2006/main" xmlns:r="http://schemas.openxmlformats.org/officeDocument/2006/relationships" xmlns:p14="http://schemas.microsoft.com/office/powerpoint/2010/main" xmlns:p15="http://schemas.microsoft.com/office/powerpoint/2012/main" xmlns:mc="http://schemas.openxmlformats.org/markup-compatibility/2006" type="objAndTwoObj" preserve="1">
+  <p:cSld name="Title Content and 2 Content">
+    <p:spTree>
+      <p:nvGrpSpPr>
+        <p:cNvPr id="1" name=""/>
+        <p:cNvGrpSpPr/>
+        <p:nvPr/>
+      </p:nvGrpSpPr>
+      <p:grpSpPr>
+        <a:xfrm>
+          <a:off x="0" y="0"/>
+          <a:ext cx="0" cy="0"/>
+          <a:chOff x="0" y="0"/>
+          <a:chExt cx="0" cy="0"/>
+        </a:xfrm>
+      </p:grpSpPr>
+      <p:sp>
+        <p:nvSpPr>
+          <p:cNvPr id="205" name="PlaceHolder 1"/>
+          <p:cNvSpPr>
+            <a:spLocks noGrp="1"/>
+          </p:cNvSpPr>
+          <p:nvPr>
+            <p:ph type="title"/>
+          </p:nvPr>
+        </p:nvSpPr>
+        <p:spPr>
+          <a:xfrm>
+            <a:off x="504000" y="226080"/>
+            <a:ext cx="9071640" cy="946080"/>
+          </a:xfrm>
+          <a:prstGeom prst="rect">
+            <a:avLst/>
+          </a:prstGeom>
+        </p:spPr>
+        <p:txBody>
+          <a:bodyPr lIns="0" rIns="0" tIns="0" bIns="0" anchor="ctr">
+            <a:noAutofit/>
+          </a:bodyPr>
+          <a:p>
+            <a:pPr algn="ctr"/>
+            <a:endParaRPr b="0" lang="pt-PT" sz="4400" spc="-1" strike="noStrike">
+              <a:latin typeface="Arial"/>
+            </a:endParaRPr>
+          </a:p>
+        </p:txBody>
+      </p:sp>
+      <p:sp>
+        <p:nvSpPr>
+          <p:cNvPr id="206" name="PlaceHolder 2"/>
+          <p:cNvSpPr>
+            <a:spLocks noGrp="1"/>
+          </p:cNvSpPr>
+          <p:nvPr>
+            <p:ph type="body"/>
+          </p:nvPr>
+        </p:nvSpPr>
+        <p:spPr>
+          <a:xfrm>
+            <a:off x="504000" y="1326600"/>
+            <a:ext cx="4426920" cy="3288240"/>
+          </a:xfrm>
+          <a:prstGeom prst="rect">
+            <a:avLst/>
+          </a:prstGeom>
+        </p:spPr>
+        <p:txBody>
+          <a:bodyPr lIns="0" rIns="0" tIns="0" bIns="0">
+            <a:normAutofit/>
+          </a:bodyPr>
+          <a:p>
+            <a:endParaRPr b="0" lang="pt-PT" sz="3200" spc="-1" strike="noStrike">
+              <a:latin typeface="Arial"/>
+            </a:endParaRPr>
+          </a:p>
+        </p:txBody>
+      </p:sp>
+      <p:sp>
+        <p:nvSpPr>
+          <p:cNvPr id="207" name="PlaceHolder 3"/>
+          <p:cNvSpPr>
+            <a:spLocks noGrp="1"/>
+          </p:cNvSpPr>
+          <p:nvPr>
+            <p:ph type="body"/>
+          </p:nvPr>
+        </p:nvSpPr>
+        <p:spPr>
+          <a:xfrm>
+            <a:off x="5152680" y="1326600"/>
+            <a:ext cx="4426920" cy="1568160"/>
+          </a:xfrm>
+          <a:prstGeom prst="rect">
+            <a:avLst/>
+          </a:prstGeom>
+        </p:spPr>
+        <p:txBody>
+          <a:bodyPr lIns="0" rIns="0" tIns="0" bIns="0">
+            <a:normAutofit/>
+          </a:bodyPr>
+          <a:p>
+            <a:endParaRPr b="0" lang="pt-PT" sz="3200" spc="-1" strike="noStrike">
+              <a:latin typeface="Arial"/>
+            </a:endParaRPr>
+          </a:p>
+        </p:txBody>
+      </p:sp>
+      <p:sp>
+        <p:nvSpPr>
+          <p:cNvPr id="208" name="PlaceHolder 4"/>
+          <p:cNvSpPr>
+            <a:spLocks noGrp="1"/>
+          </p:cNvSpPr>
+          <p:nvPr>
+            <p:ph type="body"/>
+          </p:nvPr>
+        </p:nvSpPr>
+        <p:spPr>
+          <a:xfrm>
+            <a:off x="5152680" y="3044160"/>
+            <a:ext cx="4426920" cy="1568160"/>
+          </a:xfrm>
+          <a:prstGeom prst="rect">
+            <a:avLst/>
+          </a:prstGeom>
+        </p:spPr>
+        <p:txBody>
+          <a:bodyPr lIns="0" rIns="0" tIns="0" bIns="0">
+            <a:normAutofit/>
+          </a:bodyPr>
+          <a:p>
+            <a:endParaRPr b="0" lang="pt-PT" sz="3200" spc="-1" strike="noStrike">
+              <a:latin typeface="Arial"/>
+            </a:endParaRPr>
+          </a:p>
+        </p:txBody>
+      </p:sp>
+    </p:spTree>
+  </p:cSld>
+</p:sldLayout>
+</file>
+
+<file path=ppt/slideLayouts/slideLayout69.xml><?xml version="1.0" encoding="utf-8"?>
+<p:sldLayout xmlns:a="http://schemas.openxmlformats.org/drawingml/2006/main" xmlns:p="http://schemas.openxmlformats.org/presentationml/2006/main" xmlns:r="http://schemas.openxmlformats.org/officeDocument/2006/relationships" xmlns:p14="http://schemas.microsoft.com/office/powerpoint/2010/main" xmlns:p15="http://schemas.microsoft.com/office/powerpoint/2012/main" xmlns:mc="http://schemas.openxmlformats.org/markup-compatibility/2006" type="twoObjOverTx" preserve="1">
+  <p:cSld name="Title, 2 Content over Content">
+    <p:spTree>
+      <p:nvGrpSpPr>
+        <p:cNvPr id="1" name=""/>
+        <p:cNvGrpSpPr/>
+        <p:nvPr/>
+      </p:nvGrpSpPr>
+      <p:grpSpPr>
+        <a:xfrm>
+          <a:off x="0" y="0"/>
+          <a:ext cx="0" cy="0"/>
+          <a:chOff x="0" y="0"/>
+          <a:chExt cx="0" cy="0"/>
+        </a:xfrm>
+      </p:grpSpPr>
+      <p:sp>
+        <p:nvSpPr>
+          <p:cNvPr id="209" name="PlaceHolder 1"/>
+          <p:cNvSpPr>
+            <a:spLocks noGrp="1"/>
+          </p:cNvSpPr>
+          <p:nvPr>
+            <p:ph type="title"/>
+          </p:nvPr>
+        </p:nvSpPr>
+        <p:spPr>
+          <a:xfrm>
+            <a:off x="504000" y="226080"/>
+            <a:ext cx="9071640" cy="946080"/>
+          </a:xfrm>
+          <a:prstGeom prst="rect">
+            <a:avLst/>
+          </a:prstGeom>
+        </p:spPr>
+        <p:txBody>
+          <a:bodyPr lIns="0" rIns="0" tIns="0" bIns="0" anchor="ctr">
+            <a:noAutofit/>
+          </a:bodyPr>
+          <a:p>
+            <a:pPr algn="ctr"/>
+            <a:endParaRPr b="0" lang="pt-PT" sz="4400" spc="-1" strike="noStrike">
+              <a:latin typeface="Arial"/>
+            </a:endParaRPr>
+          </a:p>
+        </p:txBody>
+      </p:sp>
+      <p:sp>
+        <p:nvSpPr>
+          <p:cNvPr id="210" name="PlaceHolder 2"/>
+          <p:cNvSpPr>
+            <a:spLocks noGrp="1"/>
+          </p:cNvSpPr>
+          <p:nvPr>
+            <p:ph type="body"/>
+          </p:nvPr>
+        </p:nvSpPr>
+        <p:spPr>
+          <a:xfrm>
+            <a:off x="504000" y="1326600"/>
+            <a:ext cx="4426920" cy="1568160"/>
+          </a:xfrm>
+          <a:prstGeom prst="rect">
+            <a:avLst/>
+          </a:prstGeom>
+        </p:spPr>
+        <p:txBody>
+          <a:bodyPr lIns="0" rIns="0" tIns="0" bIns="0">
+            <a:normAutofit/>
+          </a:bodyPr>
+          <a:p>
+            <a:endParaRPr b="0" lang="pt-PT" sz="3200" spc="-1" strike="noStrike">
+              <a:latin typeface="Arial"/>
+            </a:endParaRPr>
+          </a:p>
+        </p:txBody>
+      </p:sp>
+      <p:sp>
+        <p:nvSpPr>
+          <p:cNvPr id="211" name="PlaceHolder 3"/>
+          <p:cNvSpPr>
+            <a:spLocks noGrp="1"/>
+          </p:cNvSpPr>
+          <p:nvPr>
+            <p:ph type="body"/>
+          </p:nvPr>
+        </p:nvSpPr>
+        <p:spPr>
+          <a:xfrm>
+            <a:off x="5152680" y="1326600"/>
+            <a:ext cx="4426920" cy="1568160"/>
+          </a:xfrm>
+          <a:prstGeom prst="rect">
+            <a:avLst/>
+          </a:prstGeom>
+        </p:spPr>
+        <p:txBody>
+          <a:bodyPr lIns="0" rIns="0" tIns="0" bIns="0">
+            <a:normAutofit/>
+          </a:bodyPr>
+          <a:p>
+            <a:endParaRPr b="0" lang="pt-PT" sz="3200" spc="-1" strike="noStrike">
+              <a:latin typeface="Arial"/>
+            </a:endParaRPr>
+          </a:p>
+        </p:txBody>
+      </p:sp>
+      <p:sp>
+        <p:nvSpPr>
+          <p:cNvPr id="212" name="PlaceHolder 4"/>
+          <p:cNvSpPr>
+            <a:spLocks noGrp="1"/>
+          </p:cNvSpPr>
+          <p:nvPr>
+            <p:ph type="body"/>
+          </p:nvPr>
+        </p:nvSpPr>
+        <p:spPr>
+          <a:xfrm>
+            <a:off x="504000" y="3044160"/>
+            <a:ext cx="9071640" cy="1568160"/>
+          </a:xfrm>
+          <a:prstGeom prst="rect">
+            <a:avLst/>
+          </a:prstGeom>
+        </p:spPr>
+        <p:txBody>
+          <a:bodyPr lIns="0" rIns="0" tIns="0" bIns="0">
+            <a:normAutofit/>
+          </a:bodyPr>
+          <a:p>
             <a:endParaRPr b="0" lang="pt-PT" sz="3200" spc="-1" strike="noStrike">
               <a:latin typeface="Arial"/>
             </a:endParaRPr>
@@ -5051,7 +7248,7 @@
         <p:spPr>
           <a:xfrm>
             <a:off x="504000" y="226080"/>
-            <a:ext cx="9072000" cy="946440"/>
+            <a:ext cx="9071640" cy="946080"/>
           </a:xfrm>
           <a:prstGeom prst="rect">
             <a:avLst/>
@@ -5082,7 +7279,7 @@
         <p:spPr>
           <a:xfrm>
             <a:off x="504000" y="1326600"/>
-            <a:ext cx="4426920" cy="1568520"/>
+            <a:ext cx="4426920" cy="1568160"/>
           </a:xfrm>
           <a:prstGeom prst="rect">
             <a:avLst/>
@@ -5112,7 +7309,7 @@
         <p:spPr>
           <a:xfrm>
             <a:off x="5152680" y="1326600"/>
-            <a:ext cx="4426920" cy="3288600"/>
+            <a:ext cx="4426920" cy="3288240"/>
           </a:xfrm>
           <a:prstGeom prst="rect">
             <a:avLst/>
@@ -5141,8 +7338,527 @@
         </p:nvSpPr>
         <p:spPr>
           <a:xfrm>
-            <a:off x="504000" y="3044520"/>
-            <a:ext cx="4426920" cy="1568520"/>
+            <a:off x="504000" y="3044160"/>
+            <a:ext cx="4426920" cy="1568160"/>
+          </a:xfrm>
+          <a:prstGeom prst="rect">
+            <a:avLst/>
+          </a:prstGeom>
+        </p:spPr>
+        <p:txBody>
+          <a:bodyPr lIns="0" rIns="0" tIns="0" bIns="0">
+            <a:normAutofit/>
+          </a:bodyPr>
+          <a:p>
+            <a:endParaRPr b="0" lang="pt-PT" sz="3200" spc="-1" strike="noStrike">
+              <a:latin typeface="Arial"/>
+            </a:endParaRPr>
+          </a:p>
+        </p:txBody>
+      </p:sp>
+    </p:spTree>
+  </p:cSld>
+</p:sldLayout>
+</file>
+
+<file path=ppt/slideLayouts/slideLayout70.xml><?xml version="1.0" encoding="utf-8"?>
+<p:sldLayout xmlns:a="http://schemas.openxmlformats.org/drawingml/2006/main" xmlns:p="http://schemas.openxmlformats.org/presentationml/2006/main" xmlns:r="http://schemas.openxmlformats.org/officeDocument/2006/relationships" xmlns:p14="http://schemas.microsoft.com/office/powerpoint/2010/main" xmlns:p15="http://schemas.microsoft.com/office/powerpoint/2012/main" xmlns:mc="http://schemas.openxmlformats.org/markup-compatibility/2006" type="objOverTx" preserve="1">
+  <p:cSld name="Title, Content over Content">
+    <p:spTree>
+      <p:nvGrpSpPr>
+        <p:cNvPr id="1" name=""/>
+        <p:cNvGrpSpPr/>
+        <p:nvPr/>
+      </p:nvGrpSpPr>
+      <p:grpSpPr>
+        <a:xfrm>
+          <a:off x="0" y="0"/>
+          <a:ext cx="0" cy="0"/>
+          <a:chOff x="0" y="0"/>
+          <a:chExt cx="0" cy="0"/>
+        </a:xfrm>
+      </p:grpSpPr>
+      <p:sp>
+        <p:nvSpPr>
+          <p:cNvPr id="213" name="PlaceHolder 1"/>
+          <p:cNvSpPr>
+            <a:spLocks noGrp="1"/>
+          </p:cNvSpPr>
+          <p:nvPr>
+            <p:ph type="title"/>
+          </p:nvPr>
+        </p:nvSpPr>
+        <p:spPr>
+          <a:xfrm>
+            <a:off x="504000" y="226080"/>
+            <a:ext cx="9071640" cy="946080"/>
+          </a:xfrm>
+          <a:prstGeom prst="rect">
+            <a:avLst/>
+          </a:prstGeom>
+        </p:spPr>
+        <p:txBody>
+          <a:bodyPr lIns="0" rIns="0" tIns="0" bIns="0" anchor="ctr">
+            <a:noAutofit/>
+          </a:bodyPr>
+          <a:p>
+            <a:pPr algn="ctr"/>
+            <a:endParaRPr b="0" lang="pt-PT" sz="4400" spc="-1" strike="noStrike">
+              <a:latin typeface="Arial"/>
+            </a:endParaRPr>
+          </a:p>
+        </p:txBody>
+      </p:sp>
+      <p:sp>
+        <p:nvSpPr>
+          <p:cNvPr id="214" name="PlaceHolder 2"/>
+          <p:cNvSpPr>
+            <a:spLocks noGrp="1"/>
+          </p:cNvSpPr>
+          <p:nvPr>
+            <p:ph type="body"/>
+          </p:nvPr>
+        </p:nvSpPr>
+        <p:spPr>
+          <a:xfrm>
+            <a:off x="504000" y="1326600"/>
+            <a:ext cx="9071640" cy="1568160"/>
+          </a:xfrm>
+          <a:prstGeom prst="rect">
+            <a:avLst/>
+          </a:prstGeom>
+        </p:spPr>
+        <p:txBody>
+          <a:bodyPr lIns="0" rIns="0" tIns="0" bIns="0">
+            <a:normAutofit/>
+          </a:bodyPr>
+          <a:p>
+            <a:endParaRPr b="0" lang="pt-PT" sz="3200" spc="-1" strike="noStrike">
+              <a:latin typeface="Arial"/>
+            </a:endParaRPr>
+          </a:p>
+        </p:txBody>
+      </p:sp>
+      <p:sp>
+        <p:nvSpPr>
+          <p:cNvPr id="215" name="PlaceHolder 3"/>
+          <p:cNvSpPr>
+            <a:spLocks noGrp="1"/>
+          </p:cNvSpPr>
+          <p:nvPr>
+            <p:ph type="body"/>
+          </p:nvPr>
+        </p:nvSpPr>
+        <p:spPr>
+          <a:xfrm>
+            <a:off x="504000" y="3044160"/>
+            <a:ext cx="9071640" cy="1568160"/>
+          </a:xfrm>
+          <a:prstGeom prst="rect">
+            <a:avLst/>
+          </a:prstGeom>
+        </p:spPr>
+        <p:txBody>
+          <a:bodyPr lIns="0" rIns="0" tIns="0" bIns="0">
+            <a:normAutofit/>
+          </a:bodyPr>
+          <a:p>
+            <a:endParaRPr b="0" lang="pt-PT" sz="3200" spc="-1" strike="noStrike">
+              <a:latin typeface="Arial"/>
+            </a:endParaRPr>
+          </a:p>
+        </p:txBody>
+      </p:sp>
+    </p:spTree>
+  </p:cSld>
+</p:sldLayout>
+</file>
+
+<file path=ppt/slideLayouts/slideLayout71.xml><?xml version="1.0" encoding="utf-8"?>
+<p:sldLayout xmlns:a="http://schemas.openxmlformats.org/drawingml/2006/main" xmlns:p="http://schemas.openxmlformats.org/presentationml/2006/main" xmlns:r="http://schemas.openxmlformats.org/officeDocument/2006/relationships" xmlns:p14="http://schemas.microsoft.com/office/powerpoint/2010/main" xmlns:p15="http://schemas.microsoft.com/office/powerpoint/2012/main" xmlns:mc="http://schemas.openxmlformats.org/markup-compatibility/2006" type="fourObj" preserve="1">
+  <p:cSld name="Title, 4 Content">
+    <p:spTree>
+      <p:nvGrpSpPr>
+        <p:cNvPr id="1" name=""/>
+        <p:cNvGrpSpPr/>
+        <p:nvPr/>
+      </p:nvGrpSpPr>
+      <p:grpSpPr>
+        <a:xfrm>
+          <a:off x="0" y="0"/>
+          <a:ext cx="0" cy="0"/>
+          <a:chOff x="0" y="0"/>
+          <a:chExt cx="0" cy="0"/>
+        </a:xfrm>
+      </p:grpSpPr>
+      <p:sp>
+        <p:nvSpPr>
+          <p:cNvPr id="216" name="PlaceHolder 1"/>
+          <p:cNvSpPr>
+            <a:spLocks noGrp="1"/>
+          </p:cNvSpPr>
+          <p:nvPr>
+            <p:ph type="title"/>
+          </p:nvPr>
+        </p:nvSpPr>
+        <p:spPr>
+          <a:xfrm>
+            <a:off x="504000" y="226080"/>
+            <a:ext cx="9071640" cy="946080"/>
+          </a:xfrm>
+          <a:prstGeom prst="rect">
+            <a:avLst/>
+          </a:prstGeom>
+        </p:spPr>
+        <p:txBody>
+          <a:bodyPr lIns="0" rIns="0" tIns="0" bIns="0" anchor="ctr">
+            <a:noAutofit/>
+          </a:bodyPr>
+          <a:p>
+            <a:pPr algn="ctr"/>
+            <a:endParaRPr b="0" lang="pt-PT" sz="4400" spc="-1" strike="noStrike">
+              <a:latin typeface="Arial"/>
+            </a:endParaRPr>
+          </a:p>
+        </p:txBody>
+      </p:sp>
+      <p:sp>
+        <p:nvSpPr>
+          <p:cNvPr id="217" name="PlaceHolder 2"/>
+          <p:cNvSpPr>
+            <a:spLocks noGrp="1"/>
+          </p:cNvSpPr>
+          <p:nvPr>
+            <p:ph type="body"/>
+          </p:nvPr>
+        </p:nvSpPr>
+        <p:spPr>
+          <a:xfrm>
+            <a:off x="504000" y="1326600"/>
+            <a:ext cx="4426920" cy="1568160"/>
+          </a:xfrm>
+          <a:prstGeom prst="rect">
+            <a:avLst/>
+          </a:prstGeom>
+        </p:spPr>
+        <p:txBody>
+          <a:bodyPr lIns="0" rIns="0" tIns="0" bIns="0">
+            <a:normAutofit/>
+          </a:bodyPr>
+          <a:p>
+            <a:endParaRPr b="0" lang="pt-PT" sz="3200" spc="-1" strike="noStrike">
+              <a:latin typeface="Arial"/>
+            </a:endParaRPr>
+          </a:p>
+        </p:txBody>
+      </p:sp>
+      <p:sp>
+        <p:nvSpPr>
+          <p:cNvPr id="218" name="PlaceHolder 3"/>
+          <p:cNvSpPr>
+            <a:spLocks noGrp="1"/>
+          </p:cNvSpPr>
+          <p:nvPr>
+            <p:ph type="body"/>
+          </p:nvPr>
+        </p:nvSpPr>
+        <p:spPr>
+          <a:xfrm>
+            <a:off x="5152680" y="1326600"/>
+            <a:ext cx="4426920" cy="1568160"/>
+          </a:xfrm>
+          <a:prstGeom prst="rect">
+            <a:avLst/>
+          </a:prstGeom>
+        </p:spPr>
+        <p:txBody>
+          <a:bodyPr lIns="0" rIns="0" tIns="0" bIns="0">
+            <a:normAutofit/>
+          </a:bodyPr>
+          <a:p>
+            <a:endParaRPr b="0" lang="pt-PT" sz="3200" spc="-1" strike="noStrike">
+              <a:latin typeface="Arial"/>
+            </a:endParaRPr>
+          </a:p>
+        </p:txBody>
+      </p:sp>
+      <p:sp>
+        <p:nvSpPr>
+          <p:cNvPr id="219" name="PlaceHolder 4"/>
+          <p:cNvSpPr>
+            <a:spLocks noGrp="1"/>
+          </p:cNvSpPr>
+          <p:nvPr>
+            <p:ph type="body"/>
+          </p:nvPr>
+        </p:nvSpPr>
+        <p:spPr>
+          <a:xfrm>
+            <a:off x="504000" y="3044160"/>
+            <a:ext cx="4426920" cy="1568160"/>
+          </a:xfrm>
+          <a:prstGeom prst="rect">
+            <a:avLst/>
+          </a:prstGeom>
+        </p:spPr>
+        <p:txBody>
+          <a:bodyPr lIns="0" rIns="0" tIns="0" bIns="0">
+            <a:normAutofit/>
+          </a:bodyPr>
+          <a:p>
+            <a:endParaRPr b="0" lang="pt-PT" sz="3200" spc="-1" strike="noStrike">
+              <a:latin typeface="Arial"/>
+            </a:endParaRPr>
+          </a:p>
+        </p:txBody>
+      </p:sp>
+      <p:sp>
+        <p:nvSpPr>
+          <p:cNvPr id="220" name="PlaceHolder 5"/>
+          <p:cNvSpPr>
+            <a:spLocks noGrp="1"/>
+          </p:cNvSpPr>
+          <p:nvPr>
+            <p:ph type="body"/>
+          </p:nvPr>
+        </p:nvSpPr>
+        <p:spPr>
+          <a:xfrm>
+            <a:off x="5152680" y="3044160"/>
+            <a:ext cx="4426920" cy="1568160"/>
+          </a:xfrm>
+          <a:prstGeom prst="rect">
+            <a:avLst/>
+          </a:prstGeom>
+        </p:spPr>
+        <p:txBody>
+          <a:bodyPr lIns="0" rIns="0" tIns="0" bIns="0">
+            <a:normAutofit/>
+          </a:bodyPr>
+          <a:p>
+            <a:endParaRPr b="0" lang="pt-PT" sz="3200" spc="-1" strike="noStrike">
+              <a:latin typeface="Arial"/>
+            </a:endParaRPr>
+          </a:p>
+        </p:txBody>
+      </p:sp>
+    </p:spTree>
+  </p:cSld>
+</p:sldLayout>
+</file>
+
+<file path=ppt/slideLayouts/slideLayout72.xml><?xml version="1.0" encoding="utf-8"?>
+<p:sldLayout xmlns:a="http://schemas.openxmlformats.org/drawingml/2006/main" xmlns:p="http://schemas.openxmlformats.org/presentationml/2006/main" xmlns:r="http://schemas.openxmlformats.org/officeDocument/2006/relationships" xmlns:p14="http://schemas.microsoft.com/office/powerpoint/2010/main" xmlns:p15="http://schemas.microsoft.com/office/powerpoint/2012/main" xmlns:mc="http://schemas.openxmlformats.org/markup-compatibility/2006" type="blank" preserve="1">
+  <p:cSld name="Title, 6 Content">
+    <p:spTree>
+      <p:nvGrpSpPr>
+        <p:cNvPr id="1" name=""/>
+        <p:cNvGrpSpPr/>
+        <p:nvPr/>
+      </p:nvGrpSpPr>
+      <p:grpSpPr>
+        <a:xfrm>
+          <a:off x="0" y="0"/>
+          <a:ext cx="0" cy="0"/>
+          <a:chOff x="0" y="0"/>
+          <a:chExt cx="0" cy="0"/>
+        </a:xfrm>
+      </p:grpSpPr>
+      <p:sp>
+        <p:nvSpPr>
+          <p:cNvPr id="221" name="PlaceHolder 1"/>
+          <p:cNvSpPr>
+            <a:spLocks noGrp="1"/>
+          </p:cNvSpPr>
+          <p:nvPr>
+            <p:ph type="title"/>
+          </p:nvPr>
+        </p:nvSpPr>
+        <p:spPr>
+          <a:xfrm>
+            <a:off x="504000" y="226080"/>
+            <a:ext cx="9071640" cy="946080"/>
+          </a:xfrm>
+          <a:prstGeom prst="rect">
+            <a:avLst/>
+          </a:prstGeom>
+        </p:spPr>
+        <p:txBody>
+          <a:bodyPr lIns="0" rIns="0" tIns="0" bIns="0" anchor="ctr">
+            <a:noAutofit/>
+          </a:bodyPr>
+          <a:p>
+            <a:pPr algn="ctr"/>
+            <a:endParaRPr b="0" lang="pt-PT" sz="4400" spc="-1" strike="noStrike">
+              <a:latin typeface="Arial"/>
+            </a:endParaRPr>
+          </a:p>
+        </p:txBody>
+      </p:sp>
+      <p:sp>
+        <p:nvSpPr>
+          <p:cNvPr id="222" name="PlaceHolder 2"/>
+          <p:cNvSpPr>
+            <a:spLocks noGrp="1"/>
+          </p:cNvSpPr>
+          <p:nvPr>
+            <p:ph type="body"/>
+          </p:nvPr>
+        </p:nvSpPr>
+        <p:spPr>
+          <a:xfrm>
+            <a:off x="504000" y="1326600"/>
+            <a:ext cx="2920680" cy="1568160"/>
+          </a:xfrm>
+          <a:prstGeom prst="rect">
+            <a:avLst/>
+          </a:prstGeom>
+        </p:spPr>
+        <p:txBody>
+          <a:bodyPr lIns="0" rIns="0" tIns="0" bIns="0">
+            <a:normAutofit/>
+          </a:bodyPr>
+          <a:p>
+            <a:endParaRPr b="0" lang="pt-PT" sz="3200" spc="-1" strike="noStrike">
+              <a:latin typeface="Arial"/>
+            </a:endParaRPr>
+          </a:p>
+        </p:txBody>
+      </p:sp>
+      <p:sp>
+        <p:nvSpPr>
+          <p:cNvPr id="223" name="PlaceHolder 3"/>
+          <p:cNvSpPr>
+            <a:spLocks noGrp="1"/>
+          </p:cNvSpPr>
+          <p:nvPr>
+            <p:ph type="body"/>
+          </p:nvPr>
+        </p:nvSpPr>
+        <p:spPr>
+          <a:xfrm>
+            <a:off x="3571200" y="1326600"/>
+            <a:ext cx="2920680" cy="1568160"/>
+          </a:xfrm>
+          <a:prstGeom prst="rect">
+            <a:avLst/>
+          </a:prstGeom>
+        </p:spPr>
+        <p:txBody>
+          <a:bodyPr lIns="0" rIns="0" tIns="0" bIns="0">
+            <a:normAutofit/>
+          </a:bodyPr>
+          <a:p>
+            <a:endParaRPr b="0" lang="pt-PT" sz="3200" spc="-1" strike="noStrike">
+              <a:latin typeface="Arial"/>
+            </a:endParaRPr>
+          </a:p>
+        </p:txBody>
+      </p:sp>
+      <p:sp>
+        <p:nvSpPr>
+          <p:cNvPr id="224" name="PlaceHolder 4"/>
+          <p:cNvSpPr>
+            <a:spLocks noGrp="1"/>
+          </p:cNvSpPr>
+          <p:nvPr>
+            <p:ph type="body"/>
+          </p:nvPr>
+        </p:nvSpPr>
+        <p:spPr>
+          <a:xfrm>
+            <a:off x="6638040" y="1326600"/>
+            <a:ext cx="2920680" cy="1568160"/>
+          </a:xfrm>
+          <a:prstGeom prst="rect">
+            <a:avLst/>
+          </a:prstGeom>
+        </p:spPr>
+        <p:txBody>
+          <a:bodyPr lIns="0" rIns="0" tIns="0" bIns="0">
+            <a:normAutofit/>
+          </a:bodyPr>
+          <a:p>
+            <a:endParaRPr b="0" lang="pt-PT" sz="3200" spc="-1" strike="noStrike">
+              <a:latin typeface="Arial"/>
+            </a:endParaRPr>
+          </a:p>
+        </p:txBody>
+      </p:sp>
+      <p:sp>
+        <p:nvSpPr>
+          <p:cNvPr id="225" name="PlaceHolder 5"/>
+          <p:cNvSpPr>
+            <a:spLocks noGrp="1"/>
+          </p:cNvSpPr>
+          <p:nvPr>
+            <p:ph type="body"/>
+          </p:nvPr>
+        </p:nvSpPr>
+        <p:spPr>
+          <a:xfrm>
+            <a:off x="504000" y="3044160"/>
+            <a:ext cx="2920680" cy="1568160"/>
+          </a:xfrm>
+          <a:prstGeom prst="rect">
+            <a:avLst/>
+          </a:prstGeom>
+        </p:spPr>
+        <p:txBody>
+          <a:bodyPr lIns="0" rIns="0" tIns="0" bIns="0">
+            <a:normAutofit/>
+          </a:bodyPr>
+          <a:p>
+            <a:endParaRPr b="0" lang="pt-PT" sz="3200" spc="-1" strike="noStrike">
+              <a:latin typeface="Arial"/>
+            </a:endParaRPr>
+          </a:p>
+        </p:txBody>
+      </p:sp>
+      <p:sp>
+        <p:nvSpPr>
+          <p:cNvPr id="226" name="PlaceHolder 6"/>
+          <p:cNvSpPr>
+            <a:spLocks noGrp="1"/>
+          </p:cNvSpPr>
+          <p:nvPr>
+            <p:ph type="body"/>
+          </p:nvPr>
+        </p:nvSpPr>
+        <p:spPr>
+          <a:xfrm>
+            <a:off x="3571200" y="3044160"/>
+            <a:ext cx="2920680" cy="1568160"/>
+          </a:xfrm>
+          <a:prstGeom prst="rect">
+            <a:avLst/>
+          </a:prstGeom>
+        </p:spPr>
+        <p:txBody>
+          <a:bodyPr lIns="0" rIns="0" tIns="0" bIns="0">
+            <a:normAutofit/>
+          </a:bodyPr>
+          <a:p>
+            <a:endParaRPr b="0" lang="pt-PT" sz="3200" spc="-1" strike="noStrike">
+              <a:latin typeface="Arial"/>
+            </a:endParaRPr>
+          </a:p>
+        </p:txBody>
+      </p:sp>
+      <p:sp>
+        <p:nvSpPr>
+          <p:cNvPr id="227" name="PlaceHolder 7"/>
+          <p:cNvSpPr>
+            <a:spLocks noGrp="1"/>
+          </p:cNvSpPr>
+          <p:nvPr>
+            <p:ph type="body"/>
+          </p:nvPr>
+        </p:nvSpPr>
+        <p:spPr>
+          <a:xfrm>
+            <a:off x="6638040" y="3044160"/>
+            <a:ext cx="2920680" cy="1568160"/>
           </a:xfrm>
           <a:prstGeom prst="rect">
             <a:avLst/>
@@ -5194,7 +7910,7 @@
         <p:spPr>
           <a:xfrm>
             <a:off x="504000" y="226080"/>
-            <a:ext cx="9072000" cy="946440"/>
+            <a:ext cx="9071640" cy="946080"/>
           </a:xfrm>
           <a:prstGeom prst="rect">
             <a:avLst/>
@@ -5225,7 +7941,7 @@
         <p:spPr>
           <a:xfrm>
             <a:off x="504000" y="1326600"/>
-            <a:ext cx="4426920" cy="3288600"/>
+            <a:ext cx="4426920" cy="3288240"/>
           </a:xfrm>
           <a:prstGeom prst="rect">
             <a:avLst/>
@@ -5255,7 +7971,7 @@
         <p:spPr>
           <a:xfrm>
             <a:off x="5152680" y="1326600"/>
-            <a:ext cx="4426920" cy="1568520"/>
+            <a:ext cx="4426920" cy="1568160"/>
           </a:xfrm>
           <a:prstGeom prst="rect">
             <a:avLst/>
@@ -5284,8 +8000,8 @@
         </p:nvSpPr>
         <p:spPr>
           <a:xfrm>
-            <a:off x="5152680" y="3044520"/>
-            <a:ext cx="4426920" cy="1568520"/>
+            <a:off x="5152680" y="3044160"/>
+            <a:ext cx="4426920" cy="1568160"/>
           </a:xfrm>
           <a:prstGeom prst="rect">
             <a:avLst/>
@@ -5337,7 +8053,7 @@
         <p:spPr>
           <a:xfrm>
             <a:off x="504000" y="226080"/>
-            <a:ext cx="9072000" cy="946440"/>
+            <a:ext cx="9071640" cy="946080"/>
           </a:xfrm>
           <a:prstGeom prst="rect">
             <a:avLst/>
@@ -5368,7 +8084,7 @@
         <p:spPr>
           <a:xfrm>
             <a:off x="504000" y="1326600"/>
-            <a:ext cx="4426920" cy="1568520"/>
+            <a:ext cx="4426920" cy="1568160"/>
           </a:xfrm>
           <a:prstGeom prst="rect">
             <a:avLst/>
@@ -5398,7 +8114,7 @@
         <p:spPr>
           <a:xfrm>
             <a:off x="5152680" y="1326600"/>
-            <a:ext cx="4426920" cy="1568520"/>
+            <a:ext cx="4426920" cy="1568160"/>
           </a:xfrm>
           <a:prstGeom prst="rect">
             <a:avLst/>
@@ -5427,8 +8143,8 @@
         </p:nvSpPr>
         <p:spPr>
           <a:xfrm>
-            <a:off x="504000" y="3044520"/>
-            <a:ext cx="9072000" cy="1568520"/>
+            <a:off x="504000" y="3044160"/>
+            <a:ext cx="9071640" cy="1568160"/>
           </a:xfrm>
           <a:prstGeom prst="rect">
             <a:avLst/>
@@ -6275,6 +8991,511 @@
         <p:spPr>
           <a:xfrm>
             <a:off x="504000" y="1326600"/>
+            <a:ext cx="9072000" cy="3288600"/>
+          </a:xfrm>
+          <a:prstGeom prst="rect">
+            <a:avLst/>
+          </a:prstGeom>
+        </p:spPr>
+        <p:txBody>
+          <a:bodyPr lIns="0" rIns="0" tIns="0" bIns="0">
+            <a:normAutofit/>
+          </a:bodyPr>
+          <a:p>
+            <a:pPr marL="432000" indent="-324000">
+              <a:spcBef>
+                <a:spcPts val="1417"/>
+              </a:spcBef>
+              <a:buClr>
+                <a:srgbClr val="000000"/>
+              </a:buClr>
+              <a:buSzPct val="45000"/>
+              <a:buFont typeface="Wingdings" charset="2"/>
+              <a:buChar char=""/>
+            </a:pPr>
+            <a:r>
+              <a:rPr b="0" lang="pt-PT" sz="3200" spc="-1" strike="noStrike">
+                <a:latin typeface="Arial"/>
+              </a:rPr>
+              <a:t>Clique para editar o formato de texto dos tópicos</a:t>
+            </a:r>
+            <a:endParaRPr b="0" lang="pt-PT" sz="3200" spc="-1" strike="noStrike">
+              <a:latin typeface="Arial"/>
+            </a:endParaRPr>
+          </a:p>
+          <a:p>
+            <a:pPr lvl="1" marL="864000" indent="-324000">
+              <a:spcBef>
+                <a:spcPts val="1134"/>
+              </a:spcBef>
+              <a:buClr>
+                <a:srgbClr val="000000"/>
+              </a:buClr>
+              <a:buSzPct val="75000"/>
+              <a:buFont typeface="Symbol" charset="2"/>
+              <a:buChar char=""/>
+            </a:pPr>
+            <a:r>
+              <a:rPr b="0" lang="pt-PT" sz="2800" spc="-1" strike="noStrike">
+                <a:latin typeface="Arial"/>
+              </a:rPr>
+              <a:t>Segundo nível de tópicos</a:t>
+            </a:r>
+            <a:endParaRPr b="0" lang="pt-PT" sz="2800" spc="-1" strike="noStrike">
+              <a:latin typeface="Arial"/>
+            </a:endParaRPr>
+          </a:p>
+          <a:p>
+            <a:pPr lvl="2" marL="1296000" indent="-288000">
+              <a:spcBef>
+                <a:spcPts val="850"/>
+              </a:spcBef>
+              <a:buClr>
+                <a:srgbClr val="000000"/>
+              </a:buClr>
+              <a:buSzPct val="45000"/>
+              <a:buFont typeface="Wingdings" charset="2"/>
+              <a:buChar char=""/>
+            </a:pPr>
+            <a:r>
+              <a:rPr b="0" lang="pt-PT" sz="2400" spc="-1" strike="noStrike">
+                <a:latin typeface="Arial"/>
+              </a:rPr>
+              <a:t>Terceiro nível de tópicos</a:t>
+            </a:r>
+            <a:endParaRPr b="0" lang="pt-PT" sz="2400" spc="-1" strike="noStrike">
+              <a:latin typeface="Arial"/>
+            </a:endParaRPr>
+          </a:p>
+          <a:p>
+            <a:pPr lvl="3" marL="1728000" indent="-216000">
+              <a:spcBef>
+                <a:spcPts val="567"/>
+              </a:spcBef>
+              <a:buClr>
+                <a:srgbClr val="000000"/>
+              </a:buClr>
+              <a:buSzPct val="75000"/>
+              <a:buFont typeface="Symbol" charset="2"/>
+              <a:buChar char=""/>
+            </a:pPr>
+            <a:r>
+              <a:rPr b="0" lang="pt-PT" sz="2000" spc="-1" strike="noStrike">
+                <a:latin typeface="Arial"/>
+              </a:rPr>
+              <a:t>Quarto nível de tópicos</a:t>
+            </a:r>
+            <a:endParaRPr b="0" lang="pt-PT" sz="2000" spc="-1" strike="noStrike">
+              <a:latin typeface="Arial"/>
+            </a:endParaRPr>
+          </a:p>
+          <a:p>
+            <a:pPr lvl="4" marL="2160000" indent="-216000">
+              <a:spcBef>
+                <a:spcPts val="283"/>
+              </a:spcBef>
+              <a:buClr>
+                <a:srgbClr val="000000"/>
+              </a:buClr>
+              <a:buSzPct val="45000"/>
+              <a:buFont typeface="Wingdings" charset="2"/>
+              <a:buChar char=""/>
+            </a:pPr>
+            <a:r>
+              <a:rPr b="0" lang="pt-PT" sz="2000" spc="-1" strike="noStrike">
+                <a:latin typeface="Arial"/>
+              </a:rPr>
+              <a:t>Quinto nível de tópicos</a:t>
+            </a:r>
+            <a:endParaRPr b="0" lang="pt-PT" sz="2000" spc="-1" strike="noStrike">
+              <a:latin typeface="Arial"/>
+            </a:endParaRPr>
+          </a:p>
+          <a:p>
+            <a:pPr lvl="5" marL="2592000" indent="-216000">
+              <a:spcBef>
+                <a:spcPts val="283"/>
+              </a:spcBef>
+              <a:buClr>
+                <a:srgbClr val="000000"/>
+              </a:buClr>
+              <a:buSzPct val="45000"/>
+              <a:buFont typeface="Wingdings" charset="2"/>
+              <a:buChar char=""/>
+            </a:pPr>
+            <a:r>
+              <a:rPr b="0" lang="pt-PT" sz="2000" spc="-1" strike="noStrike">
+                <a:latin typeface="Arial"/>
+              </a:rPr>
+              <a:t>Sexto nível de tópicos</a:t>
+            </a:r>
+            <a:endParaRPr b="0" lang="pt-PT" sz="2000" spc="-1" strike="noStrike">
+              <a:latin typeface="Arial"/>
+            </a:endParaRPr>
+          </a:p>
+          <a:p>
+            <a:pPr lvl="6" marL="3024000" indent="-216000">
+              <a:spcBef>
+                <a:spcPts val="283"/>
+              </a:spcBef>
+              <a:buClr>
+                <a:srgbClr val="000000"/>
+              </a:buClr>
+              <a:buSzPct val="45000"/>
+              <a:buFont typeface="Wingdings" charset="2"/>
+              <a:buChar char=""/>
+            </a:pPr>
+            <a:r>
+              <a:rPr b="0" lang="pt-PT" sz="2000" spc="-1" strike="noStrike">
+                <a:latin typeface="Arial"/>
+              </a:rPr>
+              <a:t>Sétimo nível de tópicos</a:t>
+            </a:r>
+            <a:endParaRPr b="0" lang="pt-PT" sz="2000" spc="-1" strike="noStrike">
+              <a:latin typeface="Arial"/>
+            </a:endParaRPr>
+          </a:p>
+        </p:txBody>
+      </p:sp>
+    </p:spTree>
+  </p:cSld>
+  <p:clrMap bg1="lt1" bg2="lt2" tx1="dk1" tx2="dk2" accent1="accent1" accent2="accent2" accent3="accent3" accent4="accent4" accent5="accent5" accent6="accent6" hlink="hlink" folHlink="folHlink"/>
+  <p:sldLayoutIdLst>
+    <p:sldLayoutId id="2147483688" r:id="rId2"/>
+    <p:sldLayoutId id="2147483689" r:id="rId3"/>
+    <p:sldLayoutId id="2147483690" r:id="rId4"/>
+    <p:sldLayoutId id="2147483691" r:id="rId5"/>
+    <p:sldLayoutId id="2147483692" r:id="rId6"/>
+    <p:sldLayoutId id="2147483693" r:id="rId7"/>
+    <p:sldLayoutId id="2147483694" r:id="rId8"/>
+    <p:sldLayoutId id="2147483695" r:id="rId9"/>
+    <p:sldLayoutId id="2147483696" r:id="rId10"/>
+    <p:sldLayoutId id="2147483697" r:id="rId11"/>
+    <p:sldLayoutId id="2147483698" r:id="rId12"/>
+    <p:sldLayoutId id="2147483699" r:id="rId13"/>
+  </p:sldLayoutIdLst>
+</p:sldMaster>
+</file>
+
+<file path=ppt/slideMasters/slideMaster5.xml><?xml version="1.0" encoding="utf-8"?>
+<p:sldMaster xmlns:a="http://schemas.openxmlformats.org/drawingml/2006/main" xmlns:p="http://schemas.openxmlformats.org/presentationml/2006/main" xmlns:r="http://schemas.openxmlformats.org/officeDocument/2006/relationships" xmlns:p14="http://schemas.microsoft.com/office/powerpoint/2010/main" xmlns:p15="http://schemas.microsoft.com/office/powerpoint/2012/main" xmlns:mc="http://schemas.openxmlformats.org/markup-compatibility/2006">
+  <p:cSld>
+    <p:spTree>
+      <p:nvGrpSpPr>
+        <p:cNvPr id="1" name=""/>
+        <p:cNvGrpSpPr/>
+        <p:nvPr/>
+      </p:nvGrpSpPr>
+      <p:grpSpPr>
+        <a:xfrm>
+          <a:off x="0" y="0"/>
+          <a:ext cx="0" cy="0"/>
+          <a:chOff x="0" y="0"/>
+          <a:chExt cx="0" cy="0"/>
+        </a:xfrm>
+      </p:grpSpPr>
+      <p:sp>
+        <p:nvSpPr>
+          <p:cNvPr id="152" name="PlaceHolder 1"/>
+          <p:cNvSpPr>
+            <a:spLocks noGrp="1"/>
+          </p:cNvSpPr>
+          <p:nvPr>
+            <p:ph type="title"/>
+          </p:nvPr>
+        </p:nvSpPr>
+        <p:spPr>
+          <a:xfrm>
+            <a:off x="504000" y="226080"/>
+            <a:ext cx="9072000" cy="946440"/>
+          </a:xfrm>
+          <a:prstGeom prst="rect">
+            <a:avLst/>
+          </a:prstGeom>
+        </p:spPr>
+        <p:txBody>
+          <a:bodyPr lIns="0" rIns="0" tIns="0" bIns="0" anchor="ctr">
+            <a:noAutofit/>
+          </a:bodyPr>
+          <a:p>
+            <a:pPr algn="ctr"/>
+            <a:r>
+              <a:rPr b="0" lang="pt-PT" sz="4400" spc="-1" strike="noStrike">
+                <a:latin typeface="Arial"/>
+              </a:rPr>
+              <a:t>Clique para editar o formato do título</a:t>
+            </a:r>
+            <a:endParaRPr b="0" lang="pt-PT" sz="4400" spc="-1" strike="noStrike">
+              <a:latin typeface="Arial"/>
+            </a:endParaRPr>
+          </a:p>
+        </p:txBody>
+      </p:sp>
+      <p:sp>
+        <p:nvSpPr>
+          <p:cNvPr id="153" name="PlaceHolder 2"/>
+          <p:cNvSpPr>
+            <a:spLocks noGrp="1"/>
+          </p:cNvSpPr>
+          <p:nvPr>
+            <p:ph type="body"/>
+          </p:nvPr>
+        </p:nvSpPr>
+        <p:spPr>
+          <a:xfrm>
+            <a:off x="504000" y="1326600"/>
+            <a:ext cx="9072000" cy="3288600"/>
+          </a:xfrm>
+          <a:prstGeom prst="rect">
+            <a:avLst/>
+          </a:prstGeom>
+        </p:spPr>
+        <p:txBody>
+          <a:bodyPr lIns="0" rIns="0" tIns="0" bIns="0">
+            <a:normAutofit/>
+          </a:bodyPr>
+          <a:p>
+            <a:pPr marL="432000" indent="-324000">
+              <a:spcBef>
+                <a:spcPts val="1417"/>
+              </a:spcBef>
+              <a:buClr>
+                <a:srgbClr val="000000"/>
+              </a:buClr>
+              <a:buSzPct val="45000"/>
+              <a:buFont typeface="Wingdings" charset="2"/>
+              <a:buChar char=""/>
+            </a:pPr>
+            <a:r>
+              <a:rPr b="0" lang="pt-PT" sz="3200" spc="-1" strike="noStrike">
+                <a:latin typeface="Arial"/>
+              </a:rPr>
+              <a:t>Clique para editar o formato de texto dos tópicos</a:t>
+            </a:r>
+            <a:endParaRPr b="0" lang="pt-PT" sz="3200" spc="-1" strike="noStrike">
+              <a:latin typeface="Arial"/>
+            </a:endParaRPr>
+          </a:p>
+          <a:p>
+            <a:pPr lvl="1" marL="864000" indent="-324000">
+              <a:spcBef>
+                <a:spcPts val="1134"/>
+              </a:spcBef>
+              <a:buClr>
+                <a:srgbClr val="000000"/>
+              </a:buClr>
+              <a:buSzPct val="75000"/>
+              <a:buFont typeface="Symbol" charset="2"/>
+              <a:buChar char=""/>
+            </a:pPr>
+            <a:r>
+              <a:rPr b="0" lang="pt-PT" sz="2800" spc="-1" strike="noStrike">
+                <a:latin typeface="Arial"/>
+              </a:rPr>
+              <a:t>Segundo nível de tópicos</a:t>
+            </a:r>
+            <a:endParaRPr b="0" lang="pt-PT" sz="2800" spc="-1" strike="noStrike">
+              <a:latin typeface="Arial"/>
+            </a:endParaRPr>
+          </a:p>
+          <a:p>
+            <a:pPr lvl="2" marL="1296000" indent="-288000">
+              <a:spcBef>
+                <a:spcPts val="850"/>
+              </a:spcBef>
+              <a:buClr>
+                <a:srgbClr val="000000"/>
+              </a:buClr>
+              <a:buSzPct val="45000"/>
+              <a:buFont typeface="Wingdings" charset="2"/>
+              <a:buChar char=""/>
+            </a:pPr>
+            <a:r>
+              <a:rPr b="0" lang="pt-PT" sz="2400" spc="-1" strike="noStrike">
+                <a:latin typeface="Arial"/>
+              </a:rPr>
+              <a:t>Terceiro nível de tópicos</a:t>
+            </a:r>
+            <a:endParaRPr b="0" lang="pt-PT" sz="2400" spc="-1" strike="noStrike">
+              <a:latin typeface="Arial"/>
+            </a:endParaRPr>
+          </a:p>
+          <a:p>
+            <a:pPr lvl="3" marL="1728000" indent="-216000">
+              <a:spcBef>
+                <a:spcPts val="567"/>
+              </a:spcBef>
+              <a:buClr>
+                <a:srgbClr val="000000"/>
+              </a:buClr>
+              <a:buSzPct val="75000"/>
+              <a:buFont typeface="Symbol" charset="2"/>
+              <a:buChar char=""/>
+            </a:pPr>
+            <a:r>
+              <a:rPr b="0" lang="pt-PT" sz="2000" spc="-1" strike="noStrike">
+                <a:latin typeface="Arial"/>
+              </a:rPr>
+              <a:t>Quarto nível de tópicos</a:t>
+            </a:r>
+            <a:endParaRPr b="0" lang="pt-PT" sz="2000" spc="-1" strike="noStrike">
+              <a:latin typeface="Arial"/>
+            </a:endParaRPr>
+          </a:p>
+          <a:p>
+            <a:pPr lvl="4" marL="2160000" indent="-216000">
+              <a:spcBef>
+                <a:spcPts val="283"/>
+              </a:spcBef>
+              <a:buClr>
+                <a:srgbClr val="000000"/>
+              </a:buClr>
+              <a:buSzPct val="45000"/>
+              <a:buFont typeface="Wingdings" charset="2"/>
+              <a:buChar char=""/>
+            </a:pPr>
+            <a:r>
+              <a:rPr b="0" lang="pt-PT" sz="2000" spc="-1" strike="noStrike">
+                <a:latin typeface="Arial"/>
+              </a:rPr>
+              <a:t>Quinto nível de tópicos</a:t>
+            </a:r>
+            <a:endParaRPr b="0" lang="pt-PT" sz="2000" spc="-1" strike="noStrike">
+              <a:latin typeface="Arial"/>
+            </a:endParaRPr>
+          </a:p>
+          <a:p>
+            <a:pPr lvl="5" marL="2592000" indent="-216000">
+              <a:spcBef>
+                <a:spcPts val="283"/>
+              </a:spcBef>
+              <a:buClr>
+                <a:srgbClr val="000000"/>
+              </a:buClr>
+              <a:buSzPct val="45000"/>
+              <a:buFont typeface="Wingdings" charset="2"/>
+              <a:buChar char=""/>
+            </a:pPr>
+            <a:r>
+              <a:rPr b="0" lang="pt-PT" sz="2000" spc="-1" strike="noStrike">
+                <a:latin typeface="Arial"/>
+              </a:rPr>
+              <a:t>Sexto nível de tópicos</a:t>
+            </a:r>
+            <a:endParaRPr b="0" lang="pt-PT" sz="2000" spc="-1" strike="noStrike">
+              <a:latin typeface="Arial"/>
+            </a:endParaRPr>
+          </a:p>
+          <a:p>
+            <a:pPr lvl="6" marL="3024000" indent="-216000">
+              <a:spcBef>
+                <a:spcPts val="283"/>
+              </a:spcBef>
+              <a:buClr>
+                <a:srgbClr val="000000"/>
+              </a:buClr>
+              <a:buSzPct val="45000"/>
+              <a:buFont typeface="Wingdings" charset="2"/>
+              <a:buChar char=""/>
+            </a:pPr>
+            <a:r>
+              <a:rPr b="0" lang="pt-PT" sz="2000" spc="-1" strike="noStrike">
+                <a:latin typeface="Arial"/>
+              </a:rPr>
+              <a:t>Sétimo nível de tópicos</a:t>
+            </a:r>
+            <a:endParaRPr b="0" lang="pt-PT" sz="2000" spc="-1" strike="noStrike">
+              <a:latin typeface="Arial"/>
+            </a:endParaRPr>
+          </a:p>
+        </p:txBody>
+      </p:sp>
+    </p:spTree>
+  </p:cSld>
+  <p:clrMap bg1="lt1" bg2="lt2" tx1="dk1" tx2="dk2" accent1="accent1" accent2="accent2" accent3="accent3" accent4="accent4" accent5="accent5" accent6="accent6" hlink="hlink" folHlink="folHlink"/>
+  <p:sldLayoutIdLst>
+    <p:sldLayoutId id="2147483701" r:id="rId2"/>
+    <p:sldLayoutId id="2147483702" r:id="rId3"/>
+    <p:sldLayoutId id="2147483703" r:id="rId4"/>
+    <p:sldLayoutId id="2147483704" r:id="rId5"/>
+    <p:sldLayoutId id="2147483705" r:id="rId6"/>
+    <p:sldLayoutId id="2147483706" r:id="rId7"/>
+    <p:sldLayoutId id="2147483707" r:id="rId8"/>
+    <p:sldLayoutId id="2147483708" r:id="rId9"/>
+    <p:sldLayoutId id="2147483709" r:id="rId10"/>
+    <p:sldLayoutId id="2147483710" r:id="rId11"/>
+    <p:sldLayoutId id="2147483711" r:id="rId12"/>
+    <p:sldLayoutId id="2147483712" r:id="rId13"/>
+  </p:sldLayoutIdLst>
+</p:sldMaster>
+</file>
+
+<file path=ppt/slideMasters/slideMaster6.xml><?xml version="1.0" encoding="utf-8"?>
+<p:sldMaster xmlns:a="http://schemas.openxmlformats.org/drawingml/2006/main" xmlns:p="http://schemas.openxmlformats.org/presentationml/2006/main" xmlns:r="http://schemas.openxmlformats.org/officeDocument/2006/relationships" xmlns:p14="http://schemas.microsoft.com/office/powerpoint/2010/main" xmlns:p15="http://schemas.microsoft.com/office/powerpoint/2012/main" xmlns:mc="http://schemas.openxmlformats.org/markup-compatibility/2006">
+  <p:cSld>
+    <p:spTree>
+      <p:nvGrpSpPr>
+        <p:cNvPr id="1" name=""/>
+        <p:cNvGrpSpPr/>
+        <p:nvPr/>
+      </p:nvGrpSpPr>
+      <p:grpSpPr>
+        <a:xfrm>
+          <a:off x="0" y="0"/>
+          <a:ext cx="0" cy="0"/>
+          <a:chOff x="0" y="0"/>
+          <a:chExt cx="0" cy="0"/>
+        </a:xfrm>
+      </p:grpSpPr>
+      <p:sp>
+        <p:nvSpPr>
+          <p:cNvPr id="190" name="PlaceHolder 1"/>
+          <p:cNvSpPr>
+            <a:spLocks noGrp="1"/>
+          </p:cNvSpPr>
+          <p:nvPr>
+            <p:ph type="title"/>
+          </p:nvPr>
+        </p:nvSpPr>
+        <p:spPr>
+          <a:xfrm>
+            <a:off x="504000" y="226080"/>
+            <a:ext cx="9071640" cy="946080"/>
+          </a:xfrm>
+          <a:prstGeom prst="rect">
+            <a:avLst/>
+          </a:prstGeom>
+        </p:spPr>
+        <p:txBody>
+          <a:bodyPr lIns="0" rIns="0" tIns="0" bIns="0" anchor="ctr">
+            <a:noAutofit/>
+          </a:bodyPr>
+          <a:p>
+            <a:r>
+              <a:rPr b="0" lang="pt-PT" sz="1800" spc="-1" strike="noStrike">
+                <a:latin typeface="Arial"/>
+              </a:rPr>
+              <a:t>Clique para editar o formato do título</a:t>
+            </a:r>
+            <a:endParaRPr b="0" lang="pt-PT" sz="1800" spc="-1" strike="noStrike">
+              <a:latin typeface="Arial"/>
+            </a:endParaRPr>
+          </a:p>
+        </p:txBody>
+      </p:sp>
+      <p:sp>
+        <p:nvSpPr>
+          <p:cNvPr id="191" name="PlaceHolder 2"/>
+          <p:cNvSpPr>
+            <a:spLocks noGrp="1"/>
+          </p:cNvSpPr>
+          <p:nvPr>
+            <p:ph type="body"/>
+          </p:nvPr>
+        </p:nvSpPr>
+        <p:spPr>
+          <a:xfrm>
+            <a:off x="504000" y="1326600"/>
             <a:ext cx="9071640" cy="3288240"/>
           </a:xfrm>
           <a:prstGeom prst="rect">
@@ -6445,18 +9666,18 @@
   </p:cSld>
   <p:clrMap bg1="lt1" bg2="lt2" tx1="dk1" tx2="dk2" accent1="accent1" accent2="accent2" accent3="accent3" accent4="accent4" accent5="accent5" accent6="accent6" hlink="hlink" folHlink="folHlink"/>
   <p:sldLayoutIdLst>
-    <p:sldLayoutId id="2147483688" r:id="rId2"/>
-    <p:sldLayoutId id="2147483689" r:id="rId3"/>
-    <p:sldLayoutId id="2147483690" r:id="rId4"/>
-    <p:sldLayoutId id="2147483691" r:id="rId5"/>
-    <p:sldLayoutId id="2147483692" r:id="rId6"/>
-    <p:sldLayoutId id="2147483693" r:id="rId7"/>
-    <p:sldLayoutId id="2147483694" r:id="rId8"/>
-    <p:sldLayoutId id="2147483695" r:id="rId9"/>
-    <p:sldLayoutId id="2147483696" r:id="rId10"/>
-    <p:sldLayoutId id="2147483697" r:id="rId11"/>
-    <p:sldLayoutId id="2147483698" r:id="rId12"/>
-    <p:sldLayoutId id="2147483699" r:id="rId13"/>
+    <p:sldLayoutId id="2147483714" r:id="rId2"/>
+    <p:sldLayoutId id="2147483715" r:id="rId3"/>
+    <p:sldLayoutId id="2147483716" r:id="rId4"/>
+    <p:sldLayoutId id="2147483717" r:id="rId5"/>
+    <p:sldLayoutId id="2147483718" r:id="rId6"/>
+    <p:sldLayoutId id="2147483719" r:id="rId7"/>
+    <p:sldLayoutId id="2147483720" r:id="rId8"/>
+    <p:sldLayoutId id="2147483721" r:id="rId9"/>
+    <p:sldLayoutId id="2147483722" r:id="rId10"/>
+    <p:sldLayoutId id="2147483723" r:id="rId11"/>
+    <p:sldLayoutId id="2147483724" r:id="rId12"/>
+    <p:sldLayoutId id="2147483725" r:id="rId13"/>
   </p:sldLayoutIdLst>
 </p:sldMaster>
 </file>
@@ -6480,14 +9701,14 @@
       </p:grpSpPr>
       <p:sp>
         <p:nvSpPr>
-          <p:cNvPr id="152" name=""/>
+          <p:cNvPr id="228" name=""/>
           <p:cNvSpPr/>
           <p:nvPr/>
         </p:nvSpPr>
         <p:spPr>
           <a:xfrm>
             <a:off x="504000" y="226080"/>
-            <a:ext cx="9069480" cy="944280"/>
+            <a:ext cx="9069120" cy="943920"/>
           </a:xfrm>
           <a:prstGeom prst="rect">
             <a:avLst/>
@@ -6506,14 +9727,14 @@
       </p:sp>
       <p:sp>
         <p:nvSpPr>
-          <p:cNvPr id="153" name=""/>
+          <p:cNvPr id="229" name=""/>
           <p:cNvSpPr/>
           <p:nvPr/>
         </p:nvSpPr>
         <p:spPr>
           <a:xfrm>
             <a:off x="504000" y="1326600"/>
-            <a:ext cx="9069480" cy="3286080"/>
+            <a:ext cx="9069120" cy="3285720"/>
           </a:xfrm>
           <a:prstGeom prst="rect">
             <a:avLst/>
@@ -6532,7 +9753,7 @@
       </p:sp>
       <p:pic>
         <p:nvPicPr>
-          <p:cNvPr id="154" name="Imagem 8" descr=""/>
+          <p:cNvPr id="230" name="Imagem 8" descr=""/>
           <p:cNvPicPr/>
           <p:nvPr/>
         </p:nvPicPr>
@@ -6543,7 +9764,7 @@
         <p:spPr>
           <a:xfrm>
             <a:off x="1980000" y="101880"/>
-            <a:ext cx="6118200" cy="2120400"/>
+            <a:ext cx="6117840" cy="2120040"/>
           </a:xfrm>
           <a:prstGeom prst="rect">
             <a:avLst/>
@@ -6555,7 +9776,7 @@
       </p:pic>
       <p:sp>
         <p:nvSpPr>
-          <p:cNvPr id="155" name="Conexão reta 12"/>
+          <p:cNvPr id="231" name="Conexão reta 12"/>
           <p:cNvSpPr/>
           <p:nvPr/>
         </p:nvSpPr>
@@ -6588,14 +9809,14 @@
       </p:sp>
       <p:sp>
         <p:nvSpPr>
-          <p:cNvPr id="156" name=""/>
+          <p:cNvPr id="232" name=""/>
           <p:cNvSpPr/>
           <p:nvPr/>
         </p:nvSpPr>
         <p:spPr>
           <a:xfrm>
             <a:off x="2340000" y="2253960"/>
-            <a:ext cx="5228640" cy="444240"/>
+            <a:ext cx="5228280" cy="443880"/>
           </a:xfrm>
           <a:prstGeom prst="rect">
             <a:avLst/>
@@ -6639,14 +9860,14 @@
       </p:sp>
       <p:sp>
         <p:nvSpPr>
-          <p:cNvPr id="157" name=""/>
+          <p:cNvPr id="233" name=""/>
           <p:cNvSpPr/>
           <p:nvPr/>
         </p:nvSpPr>
         <p:spPr>
           <a:xfrm>
             <a:off x="2584800" y="3347640"/>
-            <a:ext cx="4618440" cy="1265040"/>
+            <a:ext cx="4618080" cy="1264680"/>
           </a:xfrm>
           <a:prstGeom prst="rect">
             <a:avLst/>
@@ -6820,14 +10041,14 @@
       </p:sp>
       <p:sp>
         <p:nvSpPr>
-          <p:cNvPr id="158" name=""/>
+          <p:cNvPr id="234" name=""/>
           <p:cNvSpPr/>
           <p:nvPr/>
         </p:nvSpPr>
         <p:spPr>
           <a:xfrm>
             <a:off x="2520000" y="2817720"/>
-            <a:ext cx="4858560" cy="600840"/>
+            <a:ext cx="4858200" cy="600480"/>
           </a:xfrm>
           <a:prstGeom prst="rect">
             <a:avLst/>
@@ -6901,14 +10122,14 @@
       </p:grpSpPr>
       <p:sp>
         <p:nvSpPr>
-          <p:cNvPr id="178" name=""/>
+          <p:cNvPr id="253" name=""/>
           <p:cNvSpPr/>
           <p:nvPr/>
         </p:nvSpPr>
         <p:spPr>
           <a:xfrm>
-            <a:off x="504000" y="1326600"/>
-            <a:ext cx="9070200" cy="3286800"/>
+            <a:off x="540000" y="0"/>
+            <a:ext cx="9071280" cy="945720"/>
           </a:xfrm>
           <a:prstGeom prst="rect">
             <a:avLst/>
@@ -6925,11 +10146,56 @@
           <a:fontRef idx="minor"/>
         </p:style>
         <p:txBody>
-          <a:bodyPr lIns="0" rIns="0" tIns="0" bIns="0">
-            <a:normAutofit/>
-          </a:bodyPr>
-          <a:p>
-            <a:pPr marL="432000" indent="-322560">
+          <a:bodyPr lIns="0" rIns="0" tIns="0" bIns="0" anchor="ctr">
+            <a:noAutofit/>
+          </a:bodyPr>
+          <a:p>
+            <a:pPr algn="ctr">
+              <a:lnSpc>
+                <a:spcPct val="100000"/>
+              </a:lnSpc>
+            </a:pPr>
+            <a:r>
+              <a:rPr b="0" lang="pt-PT" sz="3200" spc="-1" strike="noStrike">
+                <a:solidFill>
+                  <a:srgbClr val="000000"/>
+                </a:solidFill>
+                <a:latin typeface="Arial"/>
+                <a:ea typeface="DejaVu Sans"/>
+              </a:rPr>
+              <a:t>Funcionalidades e algoritmos</a:t>
+            </a:r>
+            <a:endParaRPr b="0" lang="pt-PT" sz="3200" spc="-1" strike="noStrike">
+              <a:latin typeface="Arial"/>
+            </a:endParaRPr>
+          </a:p>
+        </p:txBody>
+      </p:sp>
+      <p:sp>
+        <p:nvSpPr>
+          <p:cNvPr id="254" name=""/>
+          <p:cNvSpPr txBox="1"/>
+          <p:nvPr/>
+        </p:nvSpPr>
+        <p:spPr>
+          <a:xfrm>
+            <a:off x="540000" y="1260360"/>
+            <a:ext cx="9072000" cy="3713400"/>
+          </a:xfrm>
+          <a:prstGeom prst="rect">
+            <a:avLst/>
+          </a:prstGeom>
+          <a:noFill/>
+          <a:ln w="0">
+            <a:noFill/>
+          </a:ln>
+        </p:spPr>
+        <p:txBody>
+          <a:bodyPr lIns="0" rIns="0" tIns="0" bIns="0">
+            <a:normAutofit/>
+          </a:bodyPr>
+          <a:p>
+            <a:pPr marL="432000" indent="-324000">
               <a:lnSpc>
                 <a:spcPct val="100000"/>
               </a:lnSpc>
@@ -6951,60 +10217,38 @@
                 <a:latin typeface="Arial"/>
                 <a:ea typeface="DejaVu Sans"/>
               </a:rPr>
-              <a:t>Exemplo de utilização:</a:t>
+              <a:t>No calculo do “melhor” caminho, o processo de computação conta com a mudança  de autocarro e também trajeto pedestre, de uma paragem a outra, se estas estiverem a uma distância a pré-definida(o cliente pode escolher);</a:t>
             </a:r>
             <a:endParaRPr b="0" lang="pt-PT" sz="2400" spc="-1" strike="noStrike">
               <a:latin typeface="Arial"/>
             </a:endParaRPr>
           </a:p>
-        </p:txBody>
-      </p:sp>
-      <p:sp>
-        <p:nvSpPr>
-          <p:cNvPr id="179" name=""/>
-          <p:cNvSpPr/>
-          <p:nvPr/>
-        </p:nvSpPr>
-        <p:spPr>
-          <a:xfrm>
-            <a:off x="504000" y="0"/>
-            <a:ext cx="9069480" cy="944280"/>
-          </a:xfrm>
-          <a:prstGeom prst="rect">
-            <a:avLst/>
-          </a:prstGeom>
-          <a:noFill/>
-          <a:ln w="0">
-            <a:noFill/>
-          </a:ln>
-        </p:spPr>
-        <p:style>
-          <a:lnRef idx="0"/>
-          <a:fillRef idx="0"/>
-          <a:effectRef idx="0"/>
-          <a:fontRef idx="minor"/>
-        </p:style>
-        <p:txBody>
-          <a:bodyPr lIns="0" rIns="0" tIns="0" bIns="0" anchor="ctr">
-            <a:noAutofit/>
-          </a:bodyPr>
-          <a:p>
-            <a:pPr algn="ctr">
+          <a:p>
+            <a:pPr marL="432000" indent="-324000">
               <a:lnSpc>
                 <a:spcPct val="100000"/>
               </a:lnSpc>
+              <a:spcBef>
+                <a:spcPts val="1417"/>
+              </a:spcBef>
+              <a:buClr>
+                <a:srgbClr val="000000"/>
+              </a:buClr>
+              <a:buSzPct val="45000"/>
+              <a:buFont typeface="Wingdings" charset="2"/>
+              <a:buChar char=""/>
             </a:pPr>
             <a:r>
-              <a:rPr b="0" lang="pt-PT" sz="3200" spc="-1" strike="noStrike">
+              <a:rPr b="0" lang="pt-PT" sz="2400" spc="-1" strike="noStrike">
                 <a:solidFill>
                   <a:srgbClr val="000000"/>
                 </a:solidFill>
                 <a:latin typeface="Arial"/>
                 <a:ea typeface="DejaVu Sans"/>
               </a:rPr>
-              <a:t>Interface</a:t>
+              <a:t>Está implementado uma função(travelPossibleTicket) que consegue determinar se o andante que o cliente possui, tem zonas suficientes para cumprir o trajeto que o cliente deseja;    </a:t>
             </a:r>
-            <a:endParaRPr b="0" lang="pt-PT" sz="3200" spc="-1" strike="noStrike">
+            <a:endParaRPr b="0" lang="pt-PT" sz="2400" spc="-1" strike="noStrike">
               <a:latin typeface="Arial"/>
             </a:endParaRPr>
           </a:p>
@@ -7042,14 +10286,14 @@
       </p:grpSpPr>
       <p:sp>
         <p:nvSpPr>
-          <p:cNvPr id="180" name=""/>
+          <p:cNvPr id="255" name=""/>
           <p:cNvSpPr/>
           <p:nvPr/>
         </p:nvSpPr>
         <p:spPr>
           <a:xfrm>
             <a:off x="504000" y="0"/>
-            <a:ext cx="9069480" cy="944280"/>
+            <a:ext cx="9069120" cy="943920"/>
           </a:xfrm>
           <a:prstGeom prst="rect">
             <a:avLst/>
@@ -7083,9 +10327,292 @@
                 <a:latin typeface="Arial"/>
                 <a:ea typeface="DejaVu Sans"/>
               </a:rPr>
-              <a:t>Destaques de funcionalidades</a:t>
+              <a:t>Interface</a:t>
             </a:r>
             <a:endParaRPr b="0" lang="pt-PT" sz="3200" spc="-1" strike="noStrike">
+              <a:latin typeface="Arial"/>
+            </a:endParaRPr>
+          </a:p>
+        </p:txBody>
+      </p:sp>
+      <p:sp>
+        <p:nvSpPr>
+          <p:cNvPr id="256" name=""/>
+          <p:cNvSpPr/>
+          <p:nvPr/>
+        </p:nvSpPr>
+        <p:spPr>
+          <a:xfrm>
+            <a:off x="504000" y="1080000"/>
+            <a:ext cx="9069840" cy="4319640"/>
+          </a:xfrm>
+          <a:prstGeom prst="rect">
+            <a:avLst/>
+          </a:prstGeom>
+          <a:noFill/>
+          <a:ln w="0">
+            <a:noFill/>
+          </a:ln>
+        </p:spPr>
+        <p:style>
+          <a:lnRef idx="0"/>
+          <a:fillRef idx="0"/>
+          <a:effectRef idx="0"/>
+          <a:fontRef idx="minor"/>
+        </p:style>
+        <p:txBody>
+          <a:bodyPr lIns="0" rIns="0" tIns="0" bIns="0">
+            <a:normAutofit fontScale="65000"/>
+          </a:bodyPr>
+          <a:p>
+            <a:pPr lvl="1" marL="432000" indent="-215640">
+              <a:lnSpc>
+                <a:spcPct val="100000"/>
+              </a:lnSpc>
+              <a:spcBef>
+                <a:spcPts val="1417"/>
+              </a:spcBef>
+              <a:buClr>
+                <a:srgbClr val="000000"/>
+              </a:buClr>
+              <a:buSzPct val="45000"/>
+              <a:buFont typeface="Wingdings" charset="2"/>
+              <a:buChar char=""/>
+            </a:pPr>
+            <a:r>
+              <a:rPr b="0" lang="pt-PT" sz="2400" spc="-1" strike="noStrike">
+                <a:solidFill>
+                  <a:srgbClr val="000000"/>
+                </a:solidFill>
+                <a:latin typeface="Arial"/>
+                <a:ea typeface="DejaVu Sans"/>
+              </a:rPr>
+              <a:t>O menu do utilizador inclui do ponto de vista do cliente 10 funcionalidades:</a:t>
+            </a:r>
+            <a:endParaRPr b="0" lang="pt-PT" sz="2400" spc="-1" strike="noStrike">
+              <a:latin typeface="Arial"/>
+            </a:endParaRPr>
+          </a:p>
+          <a:p>
+            <a:pPr lvl="1" marL="432000" indent="-215640">
+              <a:lnSpc>
+                <a:spcPct val="100000"/>
+              </a:lnSpc>
+              <a:spcBef>
+                <a:spcPts val="1417"/>
+              </a:spcBef>
+              <a:buClr>
+                <a:srgbClr val="000000"/>
+              </a:buClr>
+              <a:buSzPct val="45000"/>
+              <a:buFont typeface="Wingdings" charset="2"/>
+              <a:buChar char=""/>
+            </a:pPr>
+            <a:r>
+              <a:rPr b="0" lang="pt-PT" sz="2400" spc="-1" strike="noStrike">
+                <a:solidFill>
+                  <a:srgbClr val="000000"/>
+                </a:solidFill>
+                <a:latin typeface="Arial"/>
+                <a:ea typeface="DejaVu Sans"/>
+              </a:rPr>
+              <a:t>Listar as paragens;</a:t>
+            </a:r>
+            <a:endParaRPr b="0" lang="pt-PT" sz="2400" spc="-1" strike="noStrike">
+              <a:latin typeface="Arial"/>
+            </a:endParaRPr>
+          </a:p>
+          <a:p>
+            <a:pPr lvl="1" marL="432000" indent="-215640">
+              <a:lnSpc>
+                <a:spcPct val="100000"/>
+              </a:lnSpc>
+              <a:spcBef>
+                <a:spcPts val="1417"/>
+              </a:spcBef>
+              <a:buClr>
+                <a:srgbClr val="000000"/>
+              </a:buClr>
+              <a:buSzPct val="45000"/>
+              <a:buFont typeface="Wingdings" charset="2"/>
+              <a:buChar char=""/>
+            </a:pPr>
+            <a:r>
+              <a:rPr b="0" lang="pt-PT" sz="2400" spc="-1" strike="noStrike">
+                <a:solidFill>
+                  <a:srgbClr val="000000"/>
+                </a:solidFill>
+                <a:latin typeface="Arial"/>
+                <a:ea typeface="DejaVu Sans"/>
+              </a:rPr>
+              <a:t>Listar as linhas de autocarro;</a:t>
+            </a:r>
+            <a:endParaRPr b="0" lang="pt-PT" sz="2400" spc="-1" strike="noStrike">
+              <a:latin typeface="Arial"/>
+            </a:endParaRPr>
+          </a:p>
+          <a:p>
+            <a:pPr lvl="1" marL="432000" indent="-215640">
+              <a:lnSpc>
+                <a:spcPct val="100000"/>
+              </a:lnSpc>
+              <a:spcBef>
+                <a:spcPts val="1417"/>
+              </a:spcBef>
+              <a:buClr>
+                <a:srgbClr val="000000"/>
+              </a:buClr>
+              <a:buSzPct val="45000"/>
+              <a:buFont typeface="Wingdings" charset="2"/>
+              <a:buChar char=""/>
+            </a:pPr>
+            <a:r>
+              <a:rPr b="0" lang="pt-PT" sz="2400" spc="-1" strike="noStrike">
+                <a:solidFill>
+                  <a:srgbClr val="000000"/>
+                </a:solidFill>
+                <a:latin typeface="Arial"/>
+                <a:ea typeface="DejaVu Sans"/>
+              </a:rPr>
+              <a:t>Mostrar o caminho com menor distância percorrida(a origem e o destino podem ser paragens ou coordenadas);</a:t>
+            </a:r>
+            <a:endParaRPr b="0" lang="pt-PT" sz="2400" spc="-1" strike="noStrike">
+              <a:latin typeface="Arial"/>
+            </a:endParaRPr>
+          </a:p>
+          <a:p>
+            <a:pPr lvl="1" marL="432000" indent="-215640">
+              <a:lnSpc>
+                <a:spcPct val="100000"/>
+              </a:lnSpc>
+              <a:spcBef>
+                <a:spcPts val="1417"/>
+              </a:spcBef>
+              <a:buClr>
+                <a:srgbClr val="000000"/>
+              </a:buClr>
+              <a:buSzPct val="45000"/>
+              <a:buFont typeface="Wingdings" charset="2"/>
+              <a:buChar char=""/>
+            </a:pPr>
+            <a:r>
+              <a:rPr b="0" lang="pt-PT" sz="2400" spc="-1" strike="noStrike">
+                <a:solidFill>
+                  <a:srgbClr val="000000"/>
+                </a:solidFill>
+                <a:latin typeface="Arial"/>
+                <a:ea typeface="DejaVu Sans"/>
+              </a:rPr>
+              <a:t>Mostrar o </a:t>
+            </a:r>
+            <a:r>
+              <a:rPr b="0" lang="pt-PT" sz="2400" spc="-1" strike="noStrike">
+                <a:solidFill>
+                  <a:srgbClr val="000000"/>
+                </a:solidFill>
+                <a:latin typeface="Arial"/>
+                <a:ea typeface="DejaVu Sans"/>
+              </a:rPr>
+              <a:t>c</a:t>
+            </a:r>
+            <a:r>
+              <a:rPr b="0" lang="pt-PT" sz="2400" spc="-1" strike="noStrike">
+                <a:solidFill>
+                  <a:srgbClr val="000000"/>
+                </a:solidFill>
+                <a:latin typeface="Arial"/>
+                <a:ea typeface="DejaVu Sans"/>
+              </a:rPr>
+              <a:t>aminho com menos paragem percorridas(a origem e o destino podem ser paragens ou coordenadas);</a:t>
+            </a:r>
+            <a:endParaRPr b="0" lang="pt-PT" sz="2400" spc="-1" strike="noStrike">
+              <a:latin typeface="Arial"/>
+            </a:endParaRPr>
+          </a:p>
+          <a:p>
+            <a:pPr lvl="1" marL="432000" indent="-215640">
+              <a:lnSpc>
+                <a:spcPct val="100000"/>
+              </a:lnSpc>
+              <a:spcBef>
+                <a:spcPts val="1417"/>
+              </a:spcBef>
+              <a:buClr>
+                <a:srgbClr val="000000"/>
+              </a:buClr>
+              <a:buSzPct val="45000"/>
+              <a:buFont typeface="Wingdings" charset="2"/>
+              <a:buChar char=""/>
+            </a:pPr>
+            <a:r>
+              <a:rPr b="0" lang="pt-PT" sz="2400" spc="-1" strike="noStrike">
+                <a:solidFill>
+                  <a:srgbClr val="000000"/>
+                </a:solidFill>
+                <a:latin typeface="Arial"/>
+                <a:ea typeface="DejaVu Sans"/>
+              </a:rPr>
+              <a:t>Mostrar o caminho com menos zonas percorridas(a origem e o destino podem ser paragens ou coordenadas);</a:t>
+            </a:r>
+            <a:endParaRPr b="0" lang="pt-PT" sz="2400" spc="-1" strike="noStrike">
+              <a:latin typeface="Arial"/>
+            </a:endParaRPr>
+          </a:p>
+          <a:p>
+            <a:pPr lvl="1" marL="432000" indent="-215640">
+              <a:lnSpc>
+                <a:spcPct val="100000"/>
+              </a:lnSpc>
+              <a:spcBef>
+                <a:spcPts val="1417"/>
+              </a:spcBef>
+              <a:buClr>
+                <a:srgbClr val="000000"/>
+              </a:buClr>
+              <a:buSzPct val="45000"/>
+              <a:buFont typeface="Wingdings" charset="2"/>
+              <a:buChar char=""/>
+            </a:pPr>
+            <a:r>
+              <a:rPr b="0" lang="pt-PT" sz="2400" spc="-1" strike="noStrike">
+                <a:solidFill>
+                  <a:srgbClr val="000000"/>
+                </a:solidFill>
+                <a:latin typeface="Arial"/>
+                <a:ea typeface="DejaVu Sans"/>
+              </a:rPr>
+              <a:t>Confirmar se o título do cliente tem zonas suficientes para o caminho pretende percorrer; </a:t>
+            </a:r>
+            <a:endParaRPr b="0" lang="pt-PT" sz="2400" spc="-1" strike="noStrike">
+              <a:latin typeface="Arial"/>
+            </a:endParaRPr>
+          </a:p>
+          <a:p>
+            <a:pPr lvl="1" marL="432000" indent="-215640">
+              <a:lnSpc>
+                <a:spcPct val="100000"/>
+              </a:lnSpc>
+              <a:spcBef>
+                <a:spcPts val="1417"/>
+              </a:spcBef>
+              <a:buClr>
+                <a:srgbClr val="000000"/>
+              </a:buClr>
+              <a:buSzPct val="45000"/>
+              <a:buFont typeface="Wingdings" charset="2"/>
+              <a:buChar char=""/>
+            </a:pPr>
+            <a:r>
+              <a:rPr b="0" lang="pt-PT" sz="2400" spc="-1" strike="noStrike">
+                <a:solidFill>
+                  <a:srgbClr val="000000"/>
+                </a:solidFill>
+                <a:latin typeface="Arial"/>
+                <a:ea typeface="DejaVu Sans"/>
+              </a:rPr>
+              <a:t>Alterar a distância que o cliente está disposto a andar.</a:t>
+            </a:r>
+            <a:endParaRPr b="0" lang="pt-PT" sz="2400" spc="-1" strike="noStrike">
               <a:latin typeface="Arial"/>
             </a:endParaRPr>
           </a:p>
@@ -7123,14 +10650,14 @@
       </p:grpSpPr>
       <p:sp>
         <p:nvSpPr>
-          <p:cNvPr id="181" name=""/>
+          <p:cNvPr id="257" name=""/>
           <p:cNvSpPr/>
           <p:nvPr/>
         </p:nvSpPr>
         <p:spPr>
           <a:xfrm>
-            <a:off x="504000" y="0"/>
-            <a:ext cx="9069480" cy="944280"/>
+            <a:off x="504000" y="1326600"/>
+            <a:ext cx="9069840" cy="3286440"/>
           </a:xfrm>
           <a:prstGeom prst="rect">
             <a:avLst/>
@@ -7146,17 +10673,239 @@
           <a:effectRef idx="0"/>
           <a:fontRef idx="minor"/>
         </p:style>
-      </p:sp>
-      <p:sp>
-        <p:nvSpPr>
-          <p:cNvPr id="182" name=""/>
+        <p:txBody>
+          <a:bodyPr lIns="0" rIns="0" tIns="0" bIns="0">
+            <a:normAutofit/>
+          </a:bodyPr>
+          <a:p>
+            <a:pPr marL="432000" indent="-322200">
+              <a:lnSpc>
+                <a:spcPct val="100000"/>
+              </a:lnSpc>
+              <a:spcBef>
+                <a:spcPts val="1417"/>
+              </a:spcBef>
+              <a:buClr>
+                <a:srgbClr val="000000"/>
+              </a:buClr>
+              <a:buSzPct val="45000"/>
+              <a:buFont typeface="Wingdings" charset="2"/>
+              <a:buChar char=""/>
+            </a:pPr>
+            <a:r>
+              <a:rPr b="0" lang="pt-PT" sz="2400" spc="-1" strike="noStrike">
+                <a:solidFill>
+                  <a:srgbClr val="000000"/>
+                </a:solidFill>
+                <a:latin typeface="Arial"/>
+                <a:ea typeface="DejaVu Sans"/>
+              </a:rPr>
+              <a:t>Exemplo de utilização:</a:t>
+            </a:r>
+            <a:endParaRPr b="0" lang="pt-PT" sz="2400" spc="-1" strike="noStrike">
+              <a:latin typeface="Arial"/>
+            </a:endParaRPr>
+          </a:p>
+        </p:txBody>
+      </p:sp>
+      <p:sp>
+        <p:nvSpPr>
+          <p:cNvPr id="258" name=""/>
           <p:cNvSpPr/>
           <p:nvPr/>
         </p:nvSpPr>
         <p:spPr>
           <a:xfrm>
             <a:off x="504000" y="0"/>
-            <a:ext cx="9069480" cy="944280"/>
+            <a:ext cx="9069120" cy="943920"/>
+          </a:xfrm>
+          <a:prstGeom prst="rect">
+            <a:avLst/>
+          </a:prstGeom>
+          <a:noFill/>
+          <a:ln w="0">
+            <a:noFill/>
+          </a:ln>
+        </p:spPr>
+        <p:style>
+          <a:lnRef idx="0"/>
+          <a:fillRef idx="0"/>
+          <a:effectRef idx="0"/>
+          <a:fontRef idx="minor"/>
+        </p:style>
+        <p:txBody>
+          <a:bodyPr lIns="0" rIns="0" tIns="0" bIns="0" anchor="ctr">
+            <a:noAutofit/>
+          </a:bodyPr>
+          <a:p>
+            <a:pPr algn="ctr">
+              <a:lnSpc>
+                <a:spcPct val="100000"/>
+              </a:lnSpc>
+            </a:pPr>
+            <a:r>
+              <a:rPr b="0" lang="pt-PT" sz="3200" spc="-1" strike="noStrike">
+                <a:solidFill>
+                  <a:srgbClr val="000000"/>
+                </a:solidFill>
+                <a:latin typeface="Arial"/>
+                <a:ea typeface="DejaVu Sans"/>
+              </a:rPr>
+              <a:t>Interface</a:t>
+            </a:r>
+            <a:endParaRPr b="0" lang="pt-PT" sz="3200" spc="-1" strike="noStrike">
+              <a:latin typeface="Arial"/>
+            </a:endParaRPr>
+          </a:p>
+        </p:txBody>
+      </p:sp>
+    </p:spTree>
+  </p:cSld>
+  <mc:AlternateContent>
+    <mc:Choice Requires="p14">
+      <p:transition spd="slow" p14:dur="2000"/>
+    </mc:Choice>
+    <mc:Fallback>
+      <p:transition spd="slow"/>
+    </mc:Fallback>
+  </mc:AlternateContent>
+</p:sld>
+</file>
+
+<file path=ppt/slides/slide13.xml><?xml version="1.0" encoding="utf-8"?>
+<p:sld xmlns:a="http://schemas.openxmlformats.org/drawingml/2006/main" xmlns:p="http://schemas.openxmlformats.org/presentationml/2006/main" xmlns:r="http://schemas.openxmlformats.org/officeDocument/2006/relationships" xmlns:p14="http://schemas.microsoft.com/office/powerpoint/2010/main" xmlns:p15="http://schemas.microsoft.com/office/powerpoint/2012/main" xmlns:mc="http://schemas.openxmlformats.org/markup-compatibility/2006">
+  <p:cSld>
+    <p:spTree>
+      <p:nvGrpSpPr>
+        <p:cNvPr id="1" name=""/>
+        <p:cNvGrpSpPr/>
+        <p:nvPr/>
+      </p:nvGrpSpPr>
+      <p:grpSpPr>
+        <a:xfrm>
+          <a:off x="0" y="0"/>
+          <a:ext cx="0" cy="0"/>
+          <a:chOff x="0" y="0"/>
+          <a:chExt cx="0" cy="0"/>
+        </a:xfrm>
+      </p:grpSpPr>
+      <p:sp>
+        <p:nvSpPr>
+          <p:cNvPr id="259" name=""/>
+          <p:cNvSpPr/>
+          <p:nvPr/>
+        </p:nvSpPr>
+        <p:spPr>
+          <a:xfrm>
+            <a:off x="504000" y="0"/>
+            <a:ext cx="9069120" cy="943920"/>
+          </a:xfrm>
+          <a:prstGeom prst="rect">
+            <a:avLst/>
+          </a:prstGeom>
+          <a:noFill/>
+          <a:ln w="0">
+            <a:noFill/>
+          </a:ln>
+        </p:spPr>
+        <p:style>
+          <a:lnRef idx="0"/>
+          <a:fillRef idx="0"/>
+          <a:effectRef idx="0"/>
+          <a:fontRef idx="minor"/>
+        </p:style>
+        <p:txBody>
+          <a:bodyPr lIns="0" rIns="0" tIns="0" bIns="0" anchor="ctr">
+            <a:noAutofit/>
+          </a:bodyPr>
+          <a:p>
+            <a:pPr algn="ctr">
+              <a:lnSpc>
+                <a:spcPct val="100000"/>
+              </a:lnSpc>
+            </a:pPr>
+            <a:r>
+              <a:rPr b="0" lang="pt-PT" sz="3200" spc="-1" strike="noStrike">
+                <a:solidFill>
+                  <a:srgbClr val="000000"/>
+                </a:solidFill>
+                <a:latin typeface="Arial"/>
+                <a:ea typeface="DejaVu Sans"/>
+              </a:rPr>
+              <a:t>Destaques de funcionalidades</a:t>
+            </a:r>
+            <a:endParaRPr b="0" lang="pt-PT" sz="3200" spc="-1" strike="noStrike">
+              <a:latin typeface="Arial"/>
+            </a:endParaRPr>
+          </a:p>
+        </p:txBody>
+      </p:sp>
+    </p:spTree>
+  </p:cSld>
+  <mc:AlternateContent>
+    <mc:Choice Requires="p14">
+      <p:transition spd="slow" p14:dur="2000"/>
+    </mc:Choice>
+    <mc:Fallback>
+      <p:transition spd="slow"/>
+    </mc:Fallback>
+  </mc:AlternateContent>
+</p:sld>
+</file>
+
+<file path=ppt/slides/slide14.xml><?xml version="1.0" encoding="utf-8"?>
+<p:sld xmlns:a="http://schemas.openxmlformats.org/drawingml/2006/main" xmlns:p="http://schemas.openxmlformats.org/presentationml/2006/main" xmlns:r="http://schemas.openxmlformats.org/officeDocument/2006/relationships" xmlns:p14="http://schemas.microsoft.com/office/powerpoint/2010/main" xmlns:p15="http://schemas.microsoft.com/office/powerpoint/2012/main" xmlns:mc="http://schemas.openxmlformats.org/markup-compatibility/2006">
+  <p:cSld>
+    <p:spTree>
+      <p:nvGrpSpPr>
+        <p:cNvPr id="1" name=""/>
+        <p:cNvGrpSpPr/>
+        <p:nvPr/>
+      </p:nvGrpSpPr>
+      <p:grpSpPr>
+        <a:xfrm>
+          <a:off x="0" y="0"/>
+          <a:ext cx="0" cy="0"/>
+          <a:chOff x="0" y="0"/>
+          <a:chExt cx="0" cy="0"/>
+        </a:xfrm>
+      </p:grpSpPr>
+      <p:sp>
+        <p:nvSpPr>
+          <p:cNvPr id="260" name=""/>
+          <p:cNvSpPr/>
+          <p:nvPr/>
+        </p:nvSpPr>
+        <p:spPr>
+          <a:xfrm>
+            <a:off x="504000" y="0"/>
+            <a:ext cx="9069120" cy="943920"/>
+          </a:xfrm>
+          <a:prstGeom prst="rect">
+            <a:avLst/>
+          </a:prstGeom>
+          <a:noFill/>
+          <a:ln w="0">
+            <a:noFill/>
+          </a:ln>
+        </p:spPr>
+        <p:style>
+          <a:lnRef idx="0"/>
+          <a:fillRef idx="0"/>
+          <a:effectRef idx="0"/>
+          <a:fontRef idx="minor"/>
+        </p:style>
+      </p:sp>
+      <p:sp>
+        <p:nvSpPr>
+          <p:cNvPr id="261" name=""/>
+          <p:cNvSpPr/>
+          <p:nvPr/>
+        </p:nvSpPr>
+        <p:spPr>
+          <a:xfrm>
+            <a:off x="504000" y="0"/>
+            <a:ext cx="9069120" cy="943920"/>
           </a:xfrm>
           <a:prstGeom prst="rect">
             <a:avLst/>
@@ -7200,14 +10949,14 @@
       </p:sp>
       <p:sp>
         <p:nvSpPr>
-          <p:cNvPr id="183" name=""/>
-          <p:cNvSpPr txBox="1"/>
+          <p:cNvPr id="262" name=""/>
+          <p:cNvSpPr/>
           <p:nvPr/>
         </p:nvSpPr>
         <p:spPr>
           <a:xfrm>
             <a:off x="504000" y="944280"/>
-            <a:ext cx="9072000" cy="4455720"/>
+            <a:ext cx="9071640" cy="4455360"/>
           </a:xfrm>
           <a:prstGeom prst="rect">
             <a:avLst/>
@@ -7217,12 +10966,21 @@
             <a:noFill/>
           </a:ln>
         </p:spPr>
-        <p:txBody>
-          <a:bodyPr lIns="0" rIns="0" tIns="0" bIns="0">
-            <a:normAutofit/>
-          </a:bodyPr>
-          <a:p>
-            <a:pPr marL="432000" indent="-324000">
+        <p:style>
+          <a:lnRef idx="0"/>
+          <a:fillRef idx="0"/>
+          <a:effectRef idx="0"/>
+          <a:fontRef idx="minor"/>
+        </p:style>
+        <p:txBody>
+          <a:bodyPr lIns="0" rIns="0" tIns="0" bIns="0">
+            <a:normAutofit/>
+          </a:bodyPr>
+          <a:p>
+            <a:pPr marL="432000" indent="-323640">
+              <a:lnSpc>
+                <a:spcPct val="100000"/>
+              </a:lnSpc>
               <a:spcBef>
                 <a:spcPts val="1417"/>
               </a:spcBef>
@@ -7277,14 +11035,14 @@
       </p:grpSpPr>
       <p:sp>
         <p:nvSpPr>
-          <p:cNvPr id="159" name=""/>
+          <p:cNvPr id="235" name=""/>
           <p:cNvSpPr/>
           <p:nvPr/>
         </p:nvSpPr>
         <p:spPr>
           <a:xfrm>
             <a:off x="540000" y="0"/>
-            <a:ext cx="9069480" cy="944280"/>
+            <a:ext cx="9069120" cy="943920"/>
           </a:xfrm>
           <a:prstGeom prst="rect">
             <a:avLst/>
@@ -7358,14 +11116,14 @@
       </p:grpSpPr>
       <p:sp>
         <p:nvSpPr>
-          <p:cNvPr id="160" name=""/>
+          <p:cNvPr id="236" name=""/>
           <p:cNvSpPr/>
           <p:nvPr/>
         </p:nvSpPr>
         <p:spPr>
           <a:xfrm>
             <a:off x="468720" y="-45720"/>
-            <a:ext cx="9069480" cy="944280"/>
+            <a:ext cx="9069120" cy="943920"/>
           </a:xfrm>
           <a:prstGeom prst="rect">
             <a:avLst/>
@@ -7419,14 +11177,14 @@
       </p:sp>
       <p:sp>
         <p:nvSpPr>
-          <p:cNvPr id="161" name=""/>
+          <p:cNvPr id="237" name=""/>
           <p:cNvSpPr/>
           <p:nvPr/>
         </p:nvSpPr>
         <p:spPr>
           <a:xfrm>
             <a:off x="504000" y="1326600"/>
-            <a:ext cx="9070200" cy="3286800"/>
+            <a:ext cx="9069840" cy="3286440"/>
           </a:xfrm>
           <a:prstGeom prst="rect">
             <a:avLst/>
@@ -7445,14 +11203,14 @@
       </p:sp>
       <p:sp>
         <p:nvSpPr>
-          <p:cNvPr id="162" name=""/>
+          <p:cNvPr id="238" name=""/>
           <p:cNvSpPr/>
           <p:nvPr/>
         </p:nvSpPr>
         <p:spPr>
           <a:xfrm>
             <a:off x="504000" y="898920"/>
-            <a:ext cx="9070200" cy="4679640"/>
+            <a:ext cx="9069840" cy="4679280"/>
           </a:xfrm>
           <a:prstGeom prst="rect">
             <a:avLst/>
@@ -7473,7 +11231,7 @@
             <a:normAutofit fontScale="94000"/>
           </a:bodyPr>
           <a:p>
-            <a:pPr marL="432000" indent="-322560">
+            <a:pPr marL="432000" indent="-322200">
               <a:lnSpc>
                 <a:spcPct val="100000"/>
               </a:lnSpc>
@@ -7495,14 +11253,14 @@
                 <a:latin typeface="Arial"/>
                 <a:ea typeface="DejaVu Sans"/>
               </a:rPr>
-              <a:t>A leitura do dataset é realizada no construtor da classe busCompany;</a:t>
+              <a:t>A leitura do dataset é realizada no construtor da classe BusCompany;</a:t>
             </a:r>
             <a:endParaRPr b="0" lang="pt-PT" sz="2400" spc="-1" strike="noStrike">
               <a:latin typeface="Arial"/>
             </a:endParaRPr>
           </a:p>
           <a:p>
-            <a:pPr marL="432000" indent="-322560">
+            <a:pPr marL="432000" indent="-322200">
               <a:lnSpc>
                 <a:spcPct val="100000"/>
               </a:lnSpc>
@@ -7524,14 +11282,14 @@
                 <a:latin typeface="Arial"/>
                 <a:ea typeface="DejaVu Sans"/>
               </a:rPr>
-              <a:t>A leitura dos dados é feita a partir da ferramenta utils::File::readFile que retorna um vetor de strings(cada elemento é uma linha do ficheiro);</a:t>
+              <a:t>A leitura dos dados é feita a partir da ferramenta utils::file::readFile que retorna um vetor de strings(cada elemento é uma linha do ficheiro);</a:t>
             </a:r>
             <a:endParaRPr b="0" lang="pt-PT" sz="2400" spc="-1" strike="noStrike">
               <a:latin typeface="Arial"/>
             </a:endParaRPr>
           </a:p>
           <a:p>
-            <a:pPr marL="432000" indent="-322560">
+            <a:pPr marL="432000" indent="-322200">
               <a:lnSpc>
                 <a:spcPct val="100000"/>
               </a:lnSpc>
@@ -7553,14 +11311,14 @@
                 <a:latin typeface="Arial"/>
                 <a:ea typeface="DejaVu Sans"/>
               </a:rPr>
-              <a:t>A classe stop tem possui um método responsável por processar a string da paragem(parseLine), tal como a classe busLine no caso da string da linha;</a:t>
+              <a:t>A classe Stop possui um método responsável por processar a string da paragem(parseLine), tal como a classe BusLine no caso da string da linha;</a:t>
             </a:r>
             <a:endParaRPr b="0" lang="pt-PT" sz="2400" spc="-1" strike="noStrike">
               <a:latin typeface="Arial"/>
             </a:endParaRPr>
           </a:p>
           <a:p>
-            <a:pPr marL="432000" indent="-322560">
+            <a:pPr marL="432000" indent="-322200">
               <a:lnSpc>
                 <a:spcPct val="100000"/>
               </a:lnSpc>
@@ -7582,14 +11340,14 @@
                 <a:latin typeface="Arial"/>
                 <a:ea typeface="DejaVu Sans"/>
               </a:rPr>
-              <a:t>A informação da paragem é carregada num objeto da classe stop(informação usada para criar os nodes);</a:t>
+              <a:t>A informação da paragem é carregada num objeto da classe Stop(informação usada para criar os nodes);</a:t>
             </a:r>
             <a:endParaRPr b="0" lang="pt-PT" sz="2400" spc="-1" strike="noStrike">
               <a:latin typeface="Arial"/>
             </a:endParaRPr>
           </a:p>
           <a:p>
-            <a:pPr marL="432000" indent="-322560">
+            <a:pPr marL="432000" indent="-322200">
               <a:lnSpc>
                 <a:spcPct val="100000"/>
               </a:lnSpc>
@@ -7611,26 +11369,20 @@
                 <a:latin typeface="Arial"/>
                 <a:ea typeface="DejaVu Sans"/>
               </a:rPr>
-              <a:t>Os dados de uma aresta são carregados num objeto da classe busLine (informação usada para criar as edges).</a:t>
+              <a:t>Os dados de uma aresta são carregados num objeto da classe BusLine (informação usada para criar as edges).</a:t>
             </a:r>
             <a:endParaRPr b="0" lang="pt-PT" sz="2400" spc="-1" strike="noStrike">
               <a:latin typeface="Arial"/>
             </a:endParaRPr>
           </a:p>
           <a:p>
-            <a:pPr marL="432000" indent="-322560">
+            <a:pPr>
               <a:lnSpc>
                 <a:spcPct val="100000"/>
               </a:lnSpc>
               <a:spcBef>
                 <a:spcPts val="1417"/>
               </a:spcBef>
-              <a:buClr>
-                <a:srgbClr val="000000"/>
-              </a:buClr>
-              <a:buSzPct val="45000"/>
-              <a:buFont typeface="Wingdings" charset="2"/>
-              <a:buChar char=""/>
             </a:pPr>
             <a:endParaRPr b="0" lang="pt-PT" sz="2400" spc="-1" strike="noStrike">
               <a:latin typeface="Arial"/>
@@ -7670,14 +11422,14 @@
       </p:grpSpPr>
       <p:sp>
         <p:nvSpPr>
-          <p:cNvPr id="163" name=""/>
+          <p:cNvPr id="239" name=""/>
           <p:cNvSpPr/>
           <p:nvPr/>
         </p:nvSpPr>
         <p:spPr>
           <a:xfrm>
             <a:off x="649080" y="-45720"/>
-            <a:ext cx="9069480" cy="944280"/>
+            <a:ext cx="9069120" cy="943920"/>
           </a:xfrm>
           <a:prstGeom prst="rect">
             <a:avLst/>
@@ -7731,14 +11483,14 @@
       </p:sp>
       <p:sp>
         <p:nvSpPr>
-          <p:cNvPr id="164" name=""/>
+          <p:cNvPr id="240" name=""/>
           <p:cNvSpPr/>
           <p:nvPr/>
         </p:nvSpPr>
         <p:spPr>
           <a:xfrm>
             <a:off x="504000" y="898920"/>
-            <a:ext cx="9070200" cy="4320720"/>
+            <a:ext cx="9069840" cy="4320360"/>
           </a:xfrm>
           <a:prstGeom prst="rect">
             <a:avLst/>
@@ -7756,10 +11508,10 @@
         </p:style>
         <p:txBody>
           <a:bodyPr lIns="0" rIns="0" tIns="0" bIns="0">
-            <a:normAutofit fontScale="80000"/>
-          </a:bodyPr>
-          <a:p>
-            <a:pPr marL="432000" indent="-322560">
+            <a:normAutofit fontScale="73000"/>
+          </a:bodyPr>
+          <a:p>
+            <a:pPr marL="432000" indent="-322200">
               <a:lnSpc>
                 <a:spcPct val="100000"/>
               </a:lnSpc>
@@ -7781,14 +11533,14 @@
                 <a:latin typeface="Arial"/>
                 <a:ea typeface="DejaVu Sans"/>
               </a:rPr>
-              <a:t>O dataset é caracterizado por dois grafos direcionados, um para a rede noturna e outro para a rede diurna;</a:t>
+              <a:t>O dataset é caracterizado por dois grafos direcionados, um para a rede noturna e outro para a rede diurna, na classe BusCompany;</a:t>
             </a:r>
             <a:endParaRPr b="0" lang="pt-PT" sz="2400" spc="-1" strike="noStrike">
               <a:latin typeface="Arial"/>
             </a:endParaRPr>
           </a:p>
           <a:p>
-            <a:pPr marL="432000" indent="-322560">
+            <a:pPr marL="432000" indent="-322200">
               <a:lnSpc>
                 <a:spcPct val="100000"/>
               </a:lnSpc>
@@ -7817,7 +11569,7 @@
             </a:endParaRPr>
           </a:p>
           <a:p>
-            <a:pPr marL="432000" indent="-322560">
+            <a:pPr marL="432000" indent="-322200">
               <a:lnSpc>
                 <a:spcPct val="100000"/>
               </a:lnSpc>
@@ -7846,7 +11598,7 @@
             </a:endParaRPr>
           </a:p>
           <a:p>
-            <a:pPr marL="432000" indent="-322560">
+            <a:pPr marL="432000" indent="-322200">
               <a:lnSpc>
                 <a:spcPct val="100000"/>
               </a:lnSpc>
@@ -7908,7 +11660,7 @@
       </p:grpSpPr>
       <p:pic>
         <p:nvPicPr>
-          <p:cNvPr id="165" name="" descr=""/>
+          <p:cNvPr id="241" name="" descr=""/>
           <p:cNvPicPr/>
           <p:nvPr/>
         </p:nvPicPr>
@@ -7919,7 +11671,7 @@
         <p:spPr>
           <a:xfrm>
             <a:off x="5193720" y="1260000"/>
-            <a:ext cx="4346280" cy="2837160"/>
+            <a:ext cx="4345920" cy="2836800"/>
           </a:xfrm>
           <a:prstGeom prst="rect">
             <a:avLst/>
@@ -7931,7 +11683,7 @@
       </p:pic>
       <p:pic>
         <p:nvPicPr>
-          <p:cNvPr id="166" name="" descr=""/>
+          <p:cNvPr id="242" name="" descr=""/>
           <p:cNvPicPr/>
           <p:nvPr/>
         </p:nvPicPr>
@@ -7942,7 +11694,7 @@
         <p:spPr>
           <a:xfrm>
             <a:off x="322200" y="1295280"/>
-            <a:ext cx="4357800" cy="2844720"/>
+            <a:ext cx="4357440" cy="2844360"/>
           </a:xfrm>
           <a:prstGeom prst="rect">
             <a:avLst/>
@@ -7954,14 +11706,14 @@
       </p:pic>
       <p:sp>
         <p:nvSpPr>
-          <p:cNvPr id="167" name=""/>
-          <p:cNvSpPr txBox="1"/>
+          <p:cNvPr id="243" name=""/>
+          <p:cNvSpPr/>
           <p:nvPr/>
         </p:nvSpPr>
         <p:spPr>
           <a:xfrm>
             <a:off x="468000" y="180000"/>
-            <a:ext cx="3852000" cy="862560"/>
+            <a:ext cx="3851640" cy="862200"/>
           </a:xfrm>
           <a:prstGeom prst="rect">
             <a:avLst/>
@@ -7971,6 +11723,12 @@
             <a:noFill/>
           </a:ln>
         </p:spPr>
+        <p:style>
+          <a:lnRef idx="0"/>
+          <a:fillRef idx="0"/>
+          <a:effectRef idx="0"/>
+          <a:fontRef idx="minor"/>
+        </p:style>
         <p:txBody>
           <a:bodyPr lIns="0" rIns="0" tIns="0" bIns="0" anchor="ctr">
             <a:noAutofit/>
@@ -7999,14 +11757,14 @@
       </p:sp>
       <p:sp>
         <p:nvSpPr>
-          <p:cNvPr id="168" name=""/>
-          <p:cNvSpPr txBox="1"/>
+          <p:cNvPr id="244" name=""/>
+          <p:cNvSpPr/>
           <p:nvPr/>
         </p:nvSpPr>
         <p:spPr>
           <a:xfrm>
             <a:off x="5328000" y="180000"/>
-            <a:ext cx="3852000" cy="862560"/>
+            <a:ext cx="3851640" cy="862200"/>
           </a:xfrm>
           <a:prstGeom prst="rect">
             <a:avLst/>
@@ -8016,6 +11774,12 @@
             <a:noFill/>
           </a:ln>
         </p:spPr>
+        <p:style>
+          <a:lnRef idx="0"/>
+          <a:fillRef idx="0"/>
+          <a:effectRef idx="0"/>
+          <a:fontRef idx="minor"/>
+        </p:style>
         <p:txBody>
           <a:bodyPr lIns="0" rIns="0" tIns="0" bIns="0" anchor="ctr">
             <a:noAutofit/>
@@ -8074,14 +11838,14 @@
       </p:grpSpPr>
       <p:sp>
         <p:nvSpPr>
-          <p:cNvPr id="169" name=""/>
+          <p:cNvPr id="245" name=""/>
           <p:cNvSpPr/>
           <p:nvPr/>
         </p:nvSpPr>
         <p:spPr>
           <a:xfrm>
             <a:off x="540000" y="0"/>
-            <a:ext cx="9069480" cy="944280"/>
+            <a:ext cx="9069120" cy="943920"/>
           </a:xfrm>
           <a:prstGeom prst="rect">
             <a:avLst/>
@@ -8125,14 +11889,14 @@
       </p:sp>
       <p:sp>
         <p:nvSpPr>
-          <p:cNvPr id="170" name=""/>
+          <p:cNvPr id="246" name=""/>
           <p:cNvSpPr/>
           <p:nvPr/>
         </p:nvSpPr>
         <p:spPr>
           <a:xfrm>
             <a:off x="504000" y="900000"/>
-            <a:ext cx="9070200" cy="4319640"/>
+            <a:ext cx="9069840" cy="4680000"/>
           </a:xfrm>
           <a:prstGeom prst="rect">
             <a:avLst/>
@@ -8150,10 +11914,10 @@
         </p:style>
         <p:txBody>
           <a:bodyPr lIns="0" rIns="0" tIns="0" bIns="0">
-            <a:normAutofit fontScale="80000"/>
-          </a:bodyPr>
-          <a:p>
-            <a:pPr marL="432000" indent="-322560">
+            <a:normAutofit fontScale="65000"/>
+          </a:bodyPr>
+          <a:p>
+            <a:pPr marL="432000" indent="-322200">
               <a:lnSpc>
                 <a:spcPct val="100000"/>
               </a:lnSpc>
@@ -8182,7 +11946,36 @@
             </a:endParaRPr>
           </a:p>
           <a:p>
-            <a:pPr marL="432000" indent="-322560">
+            <a:pPr marL="432000" indent="-322200">
+              <a:lnSpc>
+                <a:spcPct val="100000"/>
+              </a:lnSpc>
+              <a:spcBef>
+                <a:spcPts val="1417"/>
+              </a:spcBef>
+              <a:buClr>
+                <a:srgbClr val="000000"/>
+              </a:buClr>
+              <a:buSzPct val="45000"/>
+              <a:buFont typeface="Wingdings" charset="2"/>
+              <a:buChar char=""/>
+            </a:pPr>
+            <a:r>
+              <a:rPr b="0" lang="pt-PT" sz="2400" spc="-1" strike="noStrike">
+                <a:solidFill>
+                  <a:srgbClr val="000000"/>
+                </a:solidFill>
+                <a:latin typeface="Arial"/>
+                <a:ea typeface="DejaVu Sans"/>
+              </a:rPr>
+              <a:t>Nota: O algoritmo calcula as distâncias e caminhos para todos os nós, no entanto, de maneira a deixar o SSSP completo, não cessa o processo assim que chega ao destino. </a:t>
+            </a:r>
+            <a:endParaRPr b="0" lang="pt-PT" sz="2400" spc="-1" strike="noStrike">
+              <a:latin typeface="Arial"/>
+            </a:endParaRPr>
+          </a:p>
+          <a:p>
+            <a:pPr marL="432000" indent="-322200">
               <a:lnSpc>
                 <a:spcPct val="100000"/>
               </a:lnSpc>
@@ -8211,7 +12004,7 @@
             </a:endParaRPr>
           </a:p>
           <a:p>
-            <a:pPr marL="432000" indent="-322560">
+            <a:pPr marL="432000" indent="-322200">
               <a:lnSpc>
                 <a:spcPct val="100000"/>
               </a:lnSpc>
@@ -8233,14 +12026,14 @@
                 <a:latin typeface="Arial"/>
                 <a:ea typeface="DejaVu Sans"/>
               </a:rPr>
-              <a:t>No cálculo do “melhor caminho” admitimos que a origem e  o destino são paragens;</a:t>
+              <a:t>Na computação do “melhor caminho” admitimos que a origem e  o destino são paragens;</a:t>
             </a:r>
             <a:endParaRPr b="0" lang="pt-PT" sz="2400" spc="-1" strike="noStrike">
               <a:latin typeface="Arial"/>
             </a:endParaRPr>
           </a:p>
           <a:p>
-            <a:pPr marL="432000" indent="-322560">
+            <a:pPr marL="432000" indent="-322200">
               <a:lnSpc>
                 <a:spcPct val="100000"/>
               </a:lnSpc>
@@ -8262,7 +12055,7 @@
                 <a:latin typeface="Arial"/>
                 <a:ea typeface="DejaVu Sans"/>
               </a:rPr>
-              <a:t>Também está implementado o método nearbyStops que retornam as paragens mais próximas de uma coordenada(pode ser fornecida pelo utilizador ou pode ser uma paragem) . Apresenta complexidade O(|V|);</a:t>
+              <a:t>Também está implementado o método nearbyStops que retorna as paragens mais próximas de uma coordenada(pode ser fornecida pelo utilizador ou pode ser uma paragem). Apresenta complexidade O(|V|);</a:t>
             </a:r>
             <a:endParaRPr b="0" lang="pt-PT" sz="2400" spc="-1" strike="noStrike">
               <a:latin typeface="Arial"/>
@@ -8328,14 +12121,14 @@
       </p:grpSpPr>
       <p:sp>
         <p:nvSpPr>
-          <p:cNvPr id="171" name=""/>
+          <p:cNvPr id="247" name=""/>
           <p:cNvSpPr/>
           <p:nvPr/>
         </p:nvSpPr>
         <p:spPr>
           <a:xfrm>
             <a:off x="540000" y="0"/>
-            <a:ext cx="9071640" cy="946080"/>
+            <a:ext cx="9071280" cy="945720"/>
           </a:xfrm>
           <a:prstGeom prst="rect">
             <a:avLst/>
@@ -8379,14 +12172,14 @@
       </p:sp>
       <p:sp>
         <p:nvSpPr>
-          <p:cNvPr id="172" name=""/>
+          <p:cNvPr id="248" name=""/>
           <p:cNvSpPr/>
           <p:nvPr/>
         </p:nvSpPr>
         <p:spPr>
           <a:xfrm>
-            <a:off x="504000" y="1080000"/>
-            <a:ext cx="9071640" cy="3959640"/>
+            <a:off x="504000" y="1260000"/>
+            <a:ext cx="9071280" cy="3420000"/>
           </a:xfrm>
           <a:prstGeom prst="rect">
             <a:avLst/>
@@ -8404,77 +12197,10 @@
         </p:style>
         <p:txBody>
           <a:bodyPr lIns="0" rIns="0" tIns="0" bIns="0">
-            <a:normAutofit fontScale="94000"/>
-          </a:bodyPr>
-          <a:p>
-            <a:pPr marL="432000" indent="-323640">
-              <a:lnSpc>
-                <a:spcPct val="100000"/>
-              </a:lnSpc>
-              <a:spcBef>
-                <a:spcPts val="1417"/>
-              </a:spcBef>
-              <a:buClr>
-                <a:srgbClr val="000000"/>
-              </a:buClr>
-              <a:buSzPct val="45000"/>
-              <a:buFont typeface="Wingdings" charset="2"/>
-              <a:buChar char=""/>
-            </a:pPr>
-            <a:r>
-              <a:rPr b="0" lang="pt-PT" sz="2400" spc="-1" strike="noStrike">
-                <a:latin typeface="Arial"/>
-              </a:rPr>
-              <a:t>“</a:t>
-            </a:r>
-            <a:r>
-              <a:rPr b="0" lang="pt-PT" sz="2400" spc="-1" strike="noStrike">
-                <a:latin typeface="Arial"/>
-              </a:rPr>
-              <a:t>Melhor” caminho por distância percorrida:</a:t>
-            </a:r>
-            <a:endParaRPr b="0" lang="pt-PT" sz="2400" spc="-1" strike="noStrike">
-              <a:latin typeface="Arial"/>
-            </a:endParaRPr>
-          </a:p>
-          <a:p>
-            <a:pPr marL="432000" indent="-323640">
-              <a:lnSpc>
-                <a:spcPct val="100000"/>
-              </a:lnSpc>
-              <a:spcBef>
-                <a:spcPts val="1417"/>
-              </a:spcBef>
-              <a:buClr>
-                <a:srgbClr val="000000"/>
-              </a:buClr>
-              <a:buSzPct val="45000"/>
-              <a:buFont typeface="Wingdings" charset="2"/>
-              <a:buChar char=""/>
-            </a:pPr>
-            <a:r>
-              <a:rPr b="0" lang="pt-PT" sz="2400" spc="-1" strike="noStrike">
-                <a:latin typeface="Arial"/>
-                <a:ea typeface="Microsoft YaHei"/>
-              </a:rPr>
-              <a:t>- Método minDistance(devolve a menor distância), aplica o algoritmo de dijkstra, caso a ultima aplicação do algoritmo tenha sido feita por uma paragem diferente. Apresenta complexidade de </a:t>
-            </a:r>
-            <a:r>
-              <a:rPr b="0" lang="pt-PT" sz="2400" spc="-1" strike="noStrike">
-                <a:solidFill>
-                  <a:srgbClr val="000000"/>
-                </a:solidFill>
-                <a:latin typeface="Arial"/>
-                <a:ea typeface="DejaVu Sans"/>
-              </a:rPr>
-              <a:t>O(|E| log |V|);</a:t>
-            </a:r>
-            <a:endParaRPr b="0" lang="pt-PT" sz="2400" spc="-1" strike="noStrike">
-              <a:latin typeface="Arial"/>
-            </a:endParaRPr>
-          </a:p>
-          <a:p>
-            <a:pPr marL="432000" indent="-323640">
+            <a:normAutofit/>
+          </a:bodyPr>
+          <a:p>
+            <a:pPr marL="432000" indent="-323280">
               <a:lnSpc>
                 <a:spcPct val="100000"/>
               </a:lnSpc>
@@ -8496,14 +12222,95 @@
                 <a:latin typeface="Arial"/>
                 <a:ea typeface="DejaVu Sans"/>
               </a:rPr>
-              <a:t>- Método minDistancePath(devolve o trajeto, com menor distância, ao longo dos vértices), </a:t>
+              <a:t>“</a:t>
             </a:r>
             <a:r>
               <a:rPr b="0" lang="pt-PT" sz="2400" spc="-1" strike="noStrike">
+                <a:solidFill>
+                  <a:srgbClr val="000000"/>
+                </a:solidFill>
+                <a:latin typeface="Arial"/>
+                <a:ea typeface="DejaVu Sans"/>
+              </a:rPr>
+              <a:t>Melhor” caminho por distância percorrida:</a:t>
+            </a:r>
+            <a:endParaRPr b="0" lang="pt-PT" sz="2400" spc="-1" strike="noStrike">
+              <a:latin typeface="Arial"/>
+            </a:endParaRPr>
+          </a:p>
+          <a:p>
+            <a:pPr lvl="1" marL="432000" indent="-216000">
+              <a:lnSpc>
+                <a:spcPct val="100000"/>
+              </a:lnSpc>
+              <a:spcBef>
+                <a:spcPts val="1417"/>
+              </a:spcBef>
+              <a:buClr>
+                <a:srgbClr val="000000"/>
+              </a:buClr>
+              <a:buSzPct val="45000"/>
+              <a:buFont typeface="Wingdings" charset="2"/>
+              <a:buChar char=""/>
+            </a:pPr>
+            <a:r>
+              <a:rPr b="0" lang="pt-PT" sz="2400" spc="-1" strike="noStrike">
+                <a:solidFill>
+                  <a:srgbClr val="000000"/>
+                </a:solidFill>
                 <a:latin typeface="Arial"/>
                 <a:ea typeface="Microsoft YaHei"/>
               </a:rPr>
-              <a:t>aplica o algoritmo de dijkstra, caso a ultima aplicação do algoritmo tenha sido feita por uma paragem diferente e monta o caminho a partir do vértice final(Uso de apontadores para o vértice anterior) . Apresenta complexidade de </a:t>
+              <a:t>- Método minDistance(devolve a menor distância), executa o algoritmo de dijkstra. Apresenta complexidade de </a:t>
+            </a:r>
+            <a:r>
+              <a:rPr b="0" lang="pt-PT" sz="2400" spc="-1" strike="noStrike">
+                <a:solidFill>
+                  <a:srgbClr val="000000"/>
+                </a:solidFill>
+                <a:latin typeface="Arial"/>
+                <a:ea typeface="DejaVu Sans"/>
+              </a:rPr>
+              <a:t>O(|E| log |V|);</a:t>
+            </a:r>
+            <a:endParaRPr b="0" lang="pt-PT" sz="2400" spc="-1" strike="noStrike">
+              <a:latin typeface="Arial"/>
+            </a:endParaRPr>
+          </a:p>
+          <a:p>
+            <a:pPr marL="432000" indent="-323280">
+              <a:lnSpc>
+                <a:spcPct val="100000"/>
+              </a:lnSpc>
+              <a:spcBef>
+                <a:spcPts val="1417"/>
+              </a:spcBef>
+              <a:buClr>
+                <a:srgbClr val="000000"/>
+              </a:buClr>
+              <a:buSzPct val="45000"/>
+              <a:buFont typeface="Wingdings" charset="2"/>
+              <a:buChar char=""/>
+            </a:pPr>
+            <a:r>
+              <a:rPr b="0" lang="pt-PT" sz="2400" spc="-1" strike="noStrike">
+                <a:solidFill>
+                  <a:srgbClr val="000000"/>
+                </a:solidFill>
+                <a:latin typeface="Arial"/>
+                <a:ea typeface="DejaVu Sans"/>
+              </a:rPr>
+              <a:t>- Método minDistancePath(devolve o trajeto, com menor distância, ao longo dos vértices), executa</a:t>
+            </a:r>
+            <a:r>
+              <a:rPr b="0" lang="pt-PT" sz="2400" spc="-1" strike="noStrike">
+                <a:solidFill>
+                  <a:srgbClr val="000000"/>
+                </a:solidFill>
+                <a:latin typeface="Arial"/>
+                <a:ea typeface="Microsoft YaHei"/>
+              </a:rPr>
+              <a:t> o algoritmo de dijkstra e monta o caminho a partir do vértice final(uso de apontadores para o vértice anterior). Apresenta complexidade de                 </a:t>
             </a:r>
             <a:r>
               <a:rPr b="0" lang="pt-PT" sz="2400" spc="-1" strike="noStrike">
@@ -8551,57 +12358,16 @@
           <a:chExt cx="0" cy="0"/>
         </a:xfrm>
       </p:grpSpPr>
-      <p:graphicFrame>
-        <p:nvGraphicFramePr>
-          <p:cNvPr id="173" name="Object 1"/>
-          <p:cNvGraphicFramePr/>
-          <p:nvPr/>
-        </p:nvGraphicFramePr>
-        <p:xfrm>
-          <a:off x="469080" y="5222880"/>
-          <a:ext cx="9070200" cy="3282120"/>
-        </p:xfrm>
-        <a:graphic>
-          <a:graphicData uri="http://schemas.openxmlformats.org/presentationml/2006/ole">
-            <p:oleObj progId="Word.Document.12" r:id="rId1" spid="">
-              <p:embed/>
-              <p:pic>
-                <p:nvPicPr>
-                  <p:cNvPr id="174" name="Object 1" descr=""/>
-                  <p:cNvPicPr/>
-                  <p:nvPr/>
-                </p:nvPicPr>
-                <p:blipFill>
-                  <a:blip r:embed="rId2"/>
-                  <a:stretch/>
-                </p:blipFill>
-                <p:spPr>
-                  <a:xfrm>
-                    <a:off x="469080" y="5222880"/>
-                    <a:ext cx="9070200" cy="3282120"/>
-                  </a:xfrm>
-                  <a:prstGeom prst="rect">
-                    <a:avLst/>
-                  </a:prstGeom>
-                  <a:ln w="0">
-                    <a:noFill/>
-                  </a:ln>
-                </p:spPr>
-              </p:pic>
-            </p:oleObj>
-          </a:graphicData>
-        </a:graphic>
-      </p:graphicFrame>
-      <p:sp>
-        <p:nvSpPr>
-          <p:cNvPr id="175" name=""/>
+      <p:sp>
+        <p:nvSpPr>
+          <p:cNvPr id="249" name=""/>
           <p:cNvSpPr/>
           <p:nvPr/>
         </p:nvSpPr>
         <p:spPr>
           <a:xfrm>
             <a:off x="540000" y="0"/>
-            <a:ext cx="9071640" cy="946080"/>
+            <a:ext cx="9071280" cy="945720"/>
           </a:xfrm>
           <a:prstGeom prst="rect">
             <a:avLst/>
@@ -8638,6 +12404,158 @@
               <a:t>Funcionalidades e algoritmos</a:t>
             </a:r>
             <a:endParaRPr b="0" lang="pt-PT" sz="3200" spc="-1" strike="noStrike">
+              <a:latin typeface="Arial"/>
+            </a:endParaRPr>
+          </a:p>
+        </p:txBody>
+      </p:sp>
+      <p:sp>
+        <p:nvSpPr>
+          <p:cNvPr id="250" name=""/>
+          <p:cNvSpPr txBox="1"/>
+          <p:nvPr/>
+        </p:nvSpPr>
+        <p:spPr>
+          <a:xfrm>
+            <a:off x="540000" y="1260000"/>
+            <a:ext cx="9072000" cy="3713400"/>
+          </a:xfrm>
+          <a:prstGeom prst="rect">
+            <a:avLst/>
+          </a:prstGeom>
+          <a:noFill/>
+          <a:ln w="0">
+            <a:noFill/>
+          </a:ln>
+        </p:spPr>
+        <p:txBody>
+          <a:bodyPr lIns="0" rIns="0" tIns="0" bIns="0">
+            <a:normAutofit/>
+          </a:bodyPr>
+          <a:p>
+            <a:pPr marL="432000" indent="-324000">
+              <a:lnSpc>
+                <a:spcPct val="100000"/>
+              </a:lnSpc>
+              <a:spcBef>
+                <a:spcPts val="1417"/>
+              </a:spcBef>
+              <a:buClr>
+                <a:srgbClr val="000000"/>
+              </a:buClr>
+              <a:buSzPct val="45000"/>
+              <a:buFont typeface="Wingdings" charset="2"/>
+              <a:buChar char=""/>
+            </a:pPr>
+            <a:r>
+              <a:rPr b="0" lang="pt-PT" sz="2400" spc="-1" strike="noStrike">
+                <a:solidFill>
+                  <a:srgbClr val="000000"/>
+                </a:solidFill>
+                <a:latin typeface="Arial"/>
+                <a:ea typeface="DejaVu Sans"/>
+              </a:rPr>
+              <a:t>“</a:t>
+            </a:r>
+            <a:r>
+              <a:rPr b="0" lang="pt-PT" sz="2400" spc="-1" strike="noStrike">
+                <a:solidFill>
+                  <a:srgbClr val="000000"/>
+                </a:solidFill>
+                <a:latin typeface="Arial"/>
+                <a:ea typeface="DejaVu Sans"/>
+              </a:rPr>
+              <a:t>Melhor” caminho por número de paragens percorridas:</a:t>
+            </a:r>
+            <a:endParaRPr b="0" lang="pt-PT" sz="2400" spc="-1" strike="noStrike">
+              <a:latin typeface="Arial"/>
+            </a:endParaRPr>
+          </a:p>
+          <a:p>
+            <a:pPr lvl="1" marL="432000" indent="-216000">
+              <a:lnSpc>
+                <a:spcPct val="100000"/>
+              </a:lnSpc>
+              <a:spcBef>
+                <a:spcPts val="1134"/>
+              </a:spcBef>
+              <a:buClr>
+                <a:srgbClr val="000000"/>
+              </a:buClr>
+              <a:buSzPct val="45000"/>
+              <a:buFont typeface="Wingdings" charset="2"/>
+              <a:buChar char=""/>
+            </a:pPr>
+            <a:r>
+              <a:rPr b="0" lang="pt-PT" sz="2400" spc="-1" strike="noStrike">
+                <a:solidFill>
+                  <a:srgbClr val="000000"/>
+                </a:solidFill>
+                <a:latin typeface="Arial"/>
+                <a:ea typeface="Microsoft YaHei"/>
+              </a:rPr>
+              <a:t>- Método minStops(devolve o menor número de paragens percorridas), aplica o algoritmo BFS. Apresenta complexidade de </a:t>
+            </a:r>
+            <a:r>
+              <a:rPr b="0" lang="pt-PT" sz="2400" spc="-1" strike="noStrike">
+                <a:solidFill>
+                  <a:srgbClr val="000000"/>
+                </a:solidFill>
+                <a:latin typeface="Arial"/>
+                <a:ea typeface="DejaVu Sans"/>
+              </a:rPr>
+              <a:t>O(|E| + |V|);</a:t>
+            </a:r>
+            <a:endParaRPr b="0" lang="pt-PT" sz="2400" spc="-1" strike="noStrike">
+              <a:latin typeface="Arial"/>
+            </a:endParaRPr>
+          </a:p>
+          <a:p>
+            <a:pPr marL="432000" indent="-324000">
+              <a:lnSpc>
+                <a:spcPct val="100000"/>
+              </a:lnSpc>
+              <a:spcBef>
+                <a:spcPts val="1417"/>
+              </a:spcBef>
+              <a:buClr>
+                <a:srgbClr val="000000"/>
+              </a:buClr>
+              <a:buSzPct val="45000"/>
+              <a:buFont typeface="Wingdings" charset="2"/>
+              <a:buChar char=""/>
+            </a:pPr>
+            <a:r>
+              <a:rPr b="0" lang="pt-PT" sz="2400" spc="-1" strike="noStrike">
+                <a:solidFill>
+                  <a:srgbClr val="000000"/>
+                </a:solidFill>
+                <a:latin typeface="Arial"/>
+                <a:ea typeface="DejaVu Sans"/>
+              </a:rPr>
+              <a:t>- Método minStopsPath(devolve o trajeto, com menor número de paragens percorridas, ao longo dos vértices), </a:t>
+            </a:r>
+            <a:r>
+              <a:rPr b="0" lang="pt-PT" sz="2400" spc="-1" strike="noStrike">
+                <a:solidFill>
+                  <a:srgbClr val="000000"/>
+                </a:solidFill>
+                <a:latin typeface="Arial"/>
+                <a:ea typeface="Microsoft YaHei"/>
+              </a:rPr>
+              <a:t>aplica o algoritmo BFS e monta o caminho a partir do vértice final(uso de apontadores para o vértice anterior) . Apresenta complexidade de </a:t>
+            </a:r>
+            <a:r>
+              <a:rPr b="0" lang="pt-PT" sz="2400" spc="-1" strike="noStrike">
+                <a:solidFill>
+                  <a:srgbClr val="000000"/>
+                </a:solidFill>
+                <a:latin typeface="Arial"/>
+                <a:ea typeface="DejaVu Sans"/>
+              </a:rPr>
+              <a:t>O(|E| + |V|).</a:t>
+            </a:r>
+            <a:endParaRPr b="0" lang="pt-PT" sz="2400" spc="-1" strike="noStrike">
               <a:latin typeface="Arial"/>
             </a:endParaRPr>
           </a:p>
@@ -8675,14 +12593,14 @@
       </p:grpSpPr>
       <p:sp>
         <p:nvSpPr>
-          <p:cNvPr id="176" name=""/>
+          <p:cNvPr id="251" name=""/>
           <p:cNvSpPr/>
           <p:nvPr/>
         </p:nvSpPr>
         <p:spPr>
           <a:xfrm>
-            <a:off x="504000" y="0"/>
-            <a:ext cx="9069480" cy="944280"/>
+            <a:off x="540000" y="0"/>
+            <a:ext cx="9071280" cy="945720"/>
           </a:xfrm>
           <a:prstGeom prst="rect">
             <a:avLst/>
@@ -8716,7 +12634,7 @@
                 <a:latin typeface="Arial"/>
                 <a:ea typeface="DejaVu Sans"/>
               </a:rPr>
-              <a:t>Interface</a:t>
+              <a:t>Funcionalidades e algoritmos</a:t>
             </a:r>
             <a:endParaRPr b="0" lang="pt-PT" sz="3200" spc="-1" strike="noStrike">
               <a:latin typeface="Arial"/>
@@ -8726,14 +12644,14 @@
       </p:sp>
       <p:sp>
         <p:nvSpPr>
-          <p:cNvPr id="177" name=""/>
-          <p:cNvSpPr/>
+          <p:cNvPr id="252" name=""/>
+          <p:cNvSpPr txBox="1"/>
           <p:nvPr/>
         </p:nvSpPr>
         <p:spPr>
           <a:xfrm>
-            <a:off x="504000" y="1080000"/>
-            <a:ext cx="9070200" cy="4320000"/>
+            <a:off x="540000" y="1260360"/>
+            <a:ext cx="9072000" cy="3713400"/>
           </a:xfrm>
           <a:prstGeom prst="rect">
             <a:avLst/>
@@ -8743,18 +12661,12 @@
             <a:noFill/>
           </a:ln>
         </p:spPr>
-        <p:style>
-          <a:lnRef idx="0"/>
-          <a:fillRef idx="0"/>
-          <a:effectRef idx="0"/>
-          <a:fontRef idx="minor"/>
-        </p:style>
-        <p:txBody>
-          <a:bodyPr lIns="0" rIns="0" tIns="0" bIns="0">
-            <a:normAutofit fontScale="65000"/>
-          </a:bodyPr>
-          <a:p>
-            <a:pPr lvl="1" marL="432000" indent="-216000">
+        <p:txBody>
+          <a:bodyPr lIns="0" rIns="0" tIns="0" bIns="0">
+            <a:normAutofit/>
+          </a:bodyPr>
+          <a:p>
+            <a:pPr marL="432000" indent="-324000">
               <a:lnSpc>
                 <a:spcPct val="100000"/>
               </a:lnSpc>
@@ -8776,7 +12688,17 @@
                 <a:latin typeface="Arial"/>
                 <a:ea typeface="DejaVu Sans"/>
               </a:rPr>
-              <a:t>O menu do utilizador inclui do ponto de vista do cliente 10 funcionalidades:</a:t>
+              <a:t>“</a:t>
+            </a:r>
+            <a:r>
+              <a:rPr b="0" lang="pt-PT" sz="2400" spc="-1" strike="noStrike">
+                <a:solidFill>
+                  <a:srgbClr val="000000"/>
+                </a:solidFill>
+                <a:latin typeface="Arial"/>
+                <a:ea typeface="DejaVu Sans"/>
+              </a:rPr>
+              <a:t>Melhor” caminho por número de zonas percorridas:</a:t>
             </a:r>
             <a:endParaRPr b="0" lang="pt-PT" sz="2400" spc="-1" strike="noStrike">
               <a:latin typeface="Arial"/>
@@ -8784,6 +12706,45 @@
           </a:p>
           <a:p>
             <a:pPr lvl="1" marL="432000" indent="-216000">
+              <a:lnSpc>
+                <a:spcPct val="100000"/>
+              </a:lnSpc>
+              <a:spcBef>
+                <a:spcPts val="1134"/>
+              </a:spcBef>
+              <a:buClr>
+                <a:srgbClr val="000000"/>
+              </a:buClr>
+              <a:buSzPct val="45000"/>
+              <a:buFont typeface="Wingdings" charset="2"/>
+              <a:buChar char=""/>
+            </a:pPr>
+            <a:r>
+              <a:rPr b="0" lang="pt-PT" sz="2400" spc="-1" strike="noStrike">
+                <a:solidFill>
+                  <a:srgbClr val="000000"/>
+                </a:solidFill>
+                <a:latin typeface="Arial"/>
+                <a:ea typeface="Microsoft YaHei"/>
+              </a:rPr>
+              <a:t>- Método minZones(devolve o menor número de zonas percorridas), aplica o algoritmo de dijkstra. Apresenta complexidade de </a:t>
+            </a:r>
+            <a:r>
+              <a:rPr b="0" lang="pt-PT" sz="2400" spc="-1" strike="noStrike">
+                <a:solidFill>
+                  <a:srgbClr val="000000"/>
+                </a:solidFill>
+                <a:latin typeface="Arial"/>
+                <a:ea typeface="DejaVu Sans"/>
+              </a:rPr>
+              <a:t>O(|E| log |V|);</a:t>
+            </a:r>
+            <a:endParaRPr b="0" lang="pt-PT" sz="2400" spc="-1" strike="noStrike">
+              <a:latin typeface="Arial"/>
+            </a:endParaRPr>
+          </a:p>
+          <a:p>
+            <a:pPr marL="432000" indent="-324000">
               <a:lnSpc>
                 <a:spcPct val="100000"/>
               </a:lnSpc>
@@ -8805,94 +12766,17 @@
                 <a:latin typeface="Arial"/>
                 <a:ea typeface="DejaVu Sans"/>
               </a:rPr>
-              <a:t>Listar as paragens;</a:t>
+              <a:t>- Método minZonesPath(devolve o trajeto, com menor número de zonas percorridas, ao longo dos vértices), </a:t>
             </a:r>
-            <a:endParaRPr b="0" lang="pt-PT" sz="2400" spc="-1" strike="noStrike">
-              <a:latin typeface="Arial"/>
-            </a:endParaRPr>
-          </a:p>
-          <a:p>
-            <a:pPr lvl="1" marL="432000" indent="-216000">
-              <a:lnSpc>
-                <a:spcPct val="100000"/>
-              </a:lnSpc>
-              <a:spcBef>
-                <a:spcPts val="1417"/>
-              </a:spcBef>
-              <a:buClr>
-                <a:srgbClr val="000000"/>
-              </a:buClr>
-              <a:buSzPct val="45000"/>
-              <a:buFont typeface="Wingdings" charset="2"/>
-              <a:buChar char=""/>
-            </a:pPr>
             <a:r>
               <a:rPr b="0" lang="pt-PT" sz="2400" spc="-1" strike="noStrike">
                 <a:solidFill>
                   <a:srgbClr val="000000"/>
                 </a:solidFill>
                 <a:latin typeface="Arial"/>
-                <a:ea typeface="DejaVu Sans"/>
+                <a:ea typeface="Microsoft YaHei"/>
               </a:rPr>
-              <a:t>Listar as linhas de autocarro;</a:t>
-            </a:r>
-            <a:endParaRPr b="0" lang="pt-PT" sz="2400" spc="-1" strike="noStrike">
-              <a:latin typeface="Arial"/>
-            </a:endParaRPr>
-          </a:p>
-          <a:p>
-            <a:pPr lvl="1" marL="432000" indent="-216000">
-              <a:lnSpc>
-                <a:spcPct val="100000"/>
-              </a:lnSpc>
-              <a:spcBef>
-                <a:spcPts val="1417"/>
-              </a:spcBef>
-              <a:buClr>
-                <a:srgbClr val="000000"/>
-              </a:buClr>
-              <a:buSzPct val="45000"/>
-              <a:buFont typeface="Wingdings" charset="2"/>
-              <a:buChar char=""/>
-            </a:pPr>
-            <a:r>
-              <a:rPr b="0" lang="pt-PT" sz="2400" spc="-1" strike="noStrike">
-                <a:solidFill>
-                  <a:srgbClr val="000000"/>
-                </a:solidFill>
-                <a:latin typeface="Arial"/>
-                <a:ea typeface="DejaVu Sans"/>
-              </a:rPr>
-              <a:t>Mostrar o caminho com menor distância percorrida(a origem e o destino podem ser paragens ou coordenadas);</a:t>
-            </a:r>
-            <a:endParaRPr b="0" lang="pt-PT" sz="2400" spc="-1" strike="noStrike">
-              <a:latin typeface="Arial"/>
-            </a:endParaRPr>
-          </a:p>
-          <a:p>
-            <a:pPr lvl="1" marL="432000" indent="-216000">
-              <a:lnSpc>
-                <a:spcPct val="100000"/>
-              </a:lnSpc>
-              <a:spcBef>
-                <a:spcPts val="1417"/>
-              </a:spcBef>
-              <a:buClr>
-                <a:srgbClr val="000000"/>
-              </a:buClr>
-              <a:buSzPct val="45000"/>
-              <a:buFont typeface="Wingdings" charset="2"/>
-              <a:buChar char=""/>
-            </a:pPr>
-            <a:r>
-              <a:rPr b="0" lang="pt-PT" sz="2400" spc="-1" strike="noStrike">
-                <a:solidFill>
-                  <a:srgbClr val="000000"/>
-                </a:solidFill>
-                <a:latin typeface="Arial"/>
-                <a:ea typeface="DejaVu Sans"/>
-              </a:rPr>
-              <a:t>Mostrar o caminho com menos paragen percorridas</a:t>
+              <a:t>aplica o algoritmo de dijkstra e monta o caminho a partir do vértice final(uso de apontadores para o vértice anterior) . Apresenta complexidade de </a:t>
             </a:r>
             <a:r>
               <a:rPr b="0" lang="pt-PT" sz="2400" spc="-1" strike="noStrike">
@@ -8902,114 +12786,7 @@
                 <a:latin typeface="Arial"/>
                 <a:ea typeface="DejaVu Sans"/>
               </a:rPr>
-              <a:t>(a origem e o destino podem ser paragens ou coordenadas);</a:t>
-            </a:r>
-            <a:endParaRPr b="0" lang="pt-PT" sz="2400" spc="-1" strike="noStrike">
-              <a:latin typeface="Arial"/>
-            </a:endParaRPr>
-          </a:p>
-          <a:p>
-            <a:pPr lvl="1" marL="432000" indent="-216000">
-              <a:lnSpc>
-                <a:spcPct val="100000"/>
-              </a:lnSpc>
-              <a:spcBef>
-                <a:spcPts val="1417"/>
-              </a:spcBef>
-              <a:buClr>
-                <a:srgbClr val="000000"/>
-              </a:buClr>
-              <a:buSzPct val="45000"/>
-              <a:buFont typeface="Wingdings" charset="2"/>
-              <a:buChar char=""/>
-            </a:pPr>
-            <a:r>
-              <a:rPr b="0" lang="pt-PT" sz="2400" spc="-1" strike="noStrike">
-                <a:solidFill>
-                  <a:srgbClr val="000000"/>
-                </a:solidFill>
-                <a:latin typeface="Arial"/>
-                <a:ea typeface="DejaVu Sans"/>
-              </a:rPr>
-              <a:t>Mostrar o caminho com menos zonas percorridas</a:t>
-            </a:r>
-            <a:r>
-              <a:rPr b="0" lang="pt-PT" sz="2400" spc="-1" strike="noStrike">
-                <a:solidFill>
-                  <a:srgbClr val="000000"/>
-                </a:solidFill>
-                <a:latin typeface="Arial"/>
-                <a:ea typeface="DejaVu Sans"/>
-              </a:rPr>
-              <a:t>(a origem e o destino podem ser paragens ou coordenadas);</a:t>
-            </a:r>
-            <a:endParaRPr b="0" lang="pt-PT" sz="2400" spc="-1" strike="noStrike">
-              <a:latin typeface="Arial"/>
-            </a:endParaRPr>
-          </a:p>
-          <a:p>
-            <a:pPr lvl="1" marL="432000" indent="-216000">
-              <a:lnSpc>
-                <a:spcPct val="100000"/>
-              </a:lnSpc>
-              <a:spcBef>
-                <a:spcPts val="1417"/>
-              </a:spcBef>
-              <a:buClr>
-                <a:srgbClr val="000000"/>
-              </a:buClr>
-              <a:buSzPct val="45000"/>
-              <a:buFont typeface="Wingdings" charset="2"/>
-              <a:buChar char=""/>
-            </a:pPr>
-            <a:r>
-              <a:rPr b="0" lang="pt-PT" sz="2400" spc="-1" strike="noStrike">
-                <a:solidFill>
-                  <a:srgbClr val="000000"/>
-                </a:solidFill>
-                <a:latin typeface="Arial"/>
-                <a:ea typeface="DejaVu Sans"/>
-              </a:rPr>
-              <a:t>Confirmar se o título do cliente tem zonas suficientes para o caminho pretende percorrer;</a:t>
-            </a:r>
-            <a:r>
-              <a:rPr b="0" lang="pt-PT" sz="2400" spc="-1" strike="noStrike">
-                <a:solidFill>
-                  <a:srgbClr val="000000"/>
-                </a:solidFill>
-                <a:latin typeface="Arial"/>
-                <a:ea typeface="DejaVu Sans"/>
-              </a:rPr>
-              <a:t> </a:t>
-            </a:r>
-            <a:endParaRPr b="0" lang="pt-PT" sz="2400" spc="-1" strike="noStrike">
-              <a:latin typeface="Arial"/>
-            </a:endParaRPr>
-          </a:p>
-          <a:p>
-            <a:pPr lvl="1" marL="432000" indent="-216000">
-              <a:lnSpc>
-                <a:spcPct val="100000"/>
-              </a:lnSpc>
-              <a:spcBef>
-                <a:spcPts val="1417"/>
-              </a:spcBef>
-              <a:buClr>
-                <a:srgbClr val="000000"/>
-              </a:buClr>
-              <a:buSzPct val="45000"/>
-              <a:buFont typeface="Wingdings" charset="2"/>
-              <a:buChar char=""/>
-            </a:pPr>
-            <a:r>
-              <a:rPr b="0" lang="pt-PT" sz="2400" spc="-1" strike="noStrike">
-                <a:solidFill>
-                  <a:srgbClr val="000000"/>
-                </a:solidFill>
-                <a:latin typeface="Arial"/>
-                <a:ea typeface="DejaVu Sans"/>
-              </a:rPr>
-              <a:t>Alterar a distância que o cliente está disposto a andar.</a:t>
+              <a:t>O(|E| log |V|).</a:t>
             </a:r>
             <a:endParaRPr b="0" lang="pt-PT" sz="2400" spc="-1" strike="noStrike">
               <a:latin typeface="Arial"/>
@@ -9932,4 +13709,456 @@
     </a:fmtScheme>
   </a:themeElements>
 </a:theme>
+</file>
+
+<file path=ppt/theme/theme5.xml><?xml version="1.0" encoding="utf-8"?>
+<a:theme xmlns:a="http://schemas.openxmlformats.org/drawingml/2006/main" name="Office Theme">
+  <a:themeElements>
+    <a:clrScheme name="Office">
+      <a:dk1>
+        <a:sysClr val="windowText" lastClr="000000"/>
+      </a:dk1>
+      <a:lt1>
+        <a:sysClr val="window" lastClr="FFFFFF"/>
+      </a:lt1>
+      <a:dk2>
+        <a:srgbClr val="1f497d"/>
+      </a:dk2>
+      <a:lt2>
+        <a:srgbClr val="eeece1"/>
+      </a:lt2>
+      <a:accent1>
+        <a:srgbClr val="4f81bd"/>
+      </a:accent1>
+      <a:accent2>
+        <a:srgbClr val="c0504d"/>
+      </a:accent2>
+      <a:accent3>
+        <a:srgbClr val="9bbb59"/>
+      </a:accent3>
+      <a:accent4>
+        <a:srgbClr val="8064a2"/>
+      </a:accent4>
+      <a:accent5>
+        <a:srgbClr val="4bacc6"/>
+      </a:accent5>
+      <a:accent6>
+        <a:srgbClr val="f79646"/>
+      </a:accent6>
+      <a:hlink>
+        <a:srgbClr val="0000ff"/>
+      </a:hlink>
+      <a:folHlink>
+        <a:srgbClr val="800080"/>
+      </a:folHlink>
+    </a:clrScheme>
+    <a:fontScheme name="Office">
+      <a:majorFont>
+        <a:latin typeface="Arial"/>
+        <a:ea typeface="DejaVu Sans"/>
+        <a:cs typeface="DejaVu Sans"/>
+      </a:majorFont>
+      <a:minorFont>
+        <a:latin typeface="Arial"/>
+        <a:ea typeface="DejaVu Sans"/>
+        <a:cs typeface="DejaVu Sans"/>
+      </a:minorFont>
+    </a:fontScheme>
+    <a:fmtScheme name="Office">
+      <a:fillStyleLst>
+        <a:solidFill>
+          <a:schemeClr val="phClr"/>
+        </a:solidFill>
+        <a:gradFill rotWithShape="1">
+          <a:gsLst>
+            <a:gs pos="0">
+              <a:schemeClr val="phClr">
+                <a:tint val="50000"/>
+                <a:satMod val="300000"/>
+              </a:schemeClr>
+            </a:gs>
+            <a:gs pos="35000">
+              <a:schemeClr val="phClr">
+                <a:tint val="37000"/>
+                <a:satMod val="300000"/>
+              </a:schemeClr>
+            </a:gs>
+            <a:gs pos="100000">
+              <a:schemeClr val="phClr">
+                <a:tint val="15000"/>
+                <a:satMod val="350000"/>
+              </a:schemeClr>
+            </a:gs>
+          </a:gsLst>
+          <a:lin ang="16200000" scaled="1"/>
+        </a:gradFill>
+        <a:gradFill rotWithShape="1">
+          <a:gsLst>
+            <a:gs pos="0">
+              <a:schemeClr val="phClr">
+                <a:shade val="51000"/>
+                <a:satMod val="130000"/>
+              </a:schemeClr>
+            </a:gs>
+            <a:gs pos="80000">
+              <a:schemeClr val="phClr">
+                <a:shade val="93000"/>
+                <a:satMod val="130000"/>
+              </a:schemeClr>
+            </a:gs>
+            <a:gs pos="100000">
+              <a:schemeClr val="phClr">
+                <a:shade val="94000"/>
+                <a:satMod val="135000"/>
+              </a:schemeClr>
+            </a:gs>
+          </a:gsLst>
+          <a:lin ang="16200000" scaled="0"/>
+        </a:gradFill>
+      </a:fillStyleLst>
+      <a:lnStyleLst>
+        <a:ln w="9525" cap="flat" cmpd="sng" algn="ctr">
+          <a:solidFill>
+            <a:schemeClr val="phClr">
+              <a:shade val="95000"/>
+              <a:satMod val="105000"/>
+            </a:schemeClr>
+          </a:solidFill>
+          <a:prstDash val="solid"/>
+          <a:miter/>
+        </a:ln>
+        <a:ln w="25400" cap="flat" cmpd="sng" algn="ctr">
+          <a:solidFill>
+            <a:schemeClr val="phClr"/>
+          </a:solidFill>
+          <a:prstDash val="solid"/>
+          <a:miter/>
+        </a:ln>
+        <a:ln w="38100" cap="flat" cmpd="sng" algn="ctr">
+          <a:solidFill>
+            <a:schemeClr val="phClr"/>
+          </a:solidFill>
+          <a:prstDash val="solid"/>
+          <a:miter/>
+        </a:ln>
+      </a:lnStyleLst>
+      <a:effectStyleLst>
+        <a:effectStyle>
+          <a:effectLst>
+            <a:outerShdw blurRad="40000" dist="20000" dir="5400000" rotWithShape="0">
+              <a:srgbClr val="000000">
+                <a:alpha val="38000"/>
+              </a:srgbClr>
+            </a:outerShdw>
+          </a:effectLst>
+        </a:effectStyle>
+        <a:effectStyle>
+          <a:effectLst>
+            <a:outerShdw blurRad="40000" dist="23000" dir="5400000" rotWithShape="0">
+              <a:srgbClr val="000000">
+                <a:alpha val="35000"/>
+              </a:srgbClr>
+            </a:outerShdw>
+          </a:effectLst>
+        </a:effectStyle>
+        <a:effectStyle>
+          <a:effectLst>
+            <a:outerShdw blurRad="40000" dist="23000" dir="5400000" rotWithShape="0">
+              <a:srgbClr val="000000">
+                <a:alpha val="35000"/>
+              </a:srgbClr>
+            </a:outerShdw>
+          </a:effectLst>
+          <a:scene3d>
+            <a:camera prst="orthographicFront">
+              <a:rot lat="0" lon="0" rev="0"/>
+            </a:camera>
+            <a:lightRig rig="threePt" dir="t">
+              <a:rot lat="0" lon="0" rev="1200000"/>
+            </a:lightRig>
+          </a:scene3d>
+          <a:sp3d>
+            <a:bevelT w="63500" h="25400"/>
+          </a:sp3d>
+        </a:effectStyle>
+      </a:effectStyleLst>
+      <a:bgFillStyleLst>
+        <a:solidFill>
+          <a:schemeClr val="phClr"/>
+        </a:solidFill>
+        <a:gradFill rotWithShape="1">
+          <a:gsLst>
+            <a:gs pos="0">
+              <a:schemeClr val="phClr">
+                <a:tint val="40000"/>
+                <a:satMod val="350000"/>
+              </a:schemeClr>
+            </a:gs>
+            <a:gs pos="40000">
+              <a:schemeClr val="phClr">
+                <a:tint val="45000"/>
+                <a:shade val="99000"/>
+                <a:satMod val="350000"/>
+              </a:schemeClr>
+            </a:gs>
+            <a:gs pos="100000">
+              <a:schemeClr val="phClr">
+                <a:shade val="20000"/>
+                <a:satMod val="255000"/>
+              </a:schemeClr>
+            </a:gs>
+          </a:gsLst>
+          <a:path path="circle">
+            <a:fillToRect l="50000" t="-80000" r="50000" b="180000"/>
+          </a:path>
+        </a:gradFill>
+        <a:gradFill rotWithShape="1">
+          <a:gsLst>
+            <a:gs pos="0">
+              <a:schemeClr val="phClr">
+                <a:tint val="80000"/>
+                <a:satMod val="300000"/>
+              </a:schemeClr>
+            </a:gs>
+            <a:gs pos="100000">
+              <a:schemeClr val="phClr">
+                <a:shade val="30000"/>
+                <a:satMod val="200000"/>
+              </a:schemeClr>
+            </a:gs>
+          </a:gsLst>
+          <a:path path="circle">
+            <a:fillToRect l="50000" t="50000" r="50000" b="50000"/>
+          </a:path>
+        </a:gradFill>
+      </a:bgFillStyleLst>
+    </a:fmtScheme>
+  </a:themeElements>
+</a:theme>
+</file>
+
+<file path=ppt/theme/theme6.xml><?xml version="1.0" encoding="utf-8"?>
+<a:theme xmlns:a="http://schemas.openxmlformats.org/drawingml/2006/main" name="Office Theme">
+  <a:themeElements>
+    <a:clrScheme name="Office">
+      <a:dk1>
+        <a:sysClr val="windowText" lastClr="000000"/>
+      </a:dk1>
+      <a:lt1>
+        <a:sysClr val="window" lastClr="FFFFFF"/>
+      </a:lt1>
+      <a:dk2>
+        <a:srgbClr val="1f497d"/>
+      </a:dk2>
+      <a:lt2>
+        <a:srgbClr val="eeece1"/>
+      </a:lt2>
+      <a:accent1>
+        <a:srgbClr val="4f81bd"/>
+      </a:accent1>
+      <a:accent2>
+        <a:srgbClr val="c0504d"/>
+      </a:accent2>
+      <a:accent3>
+        <a:srgbClr val="9bbb59"/>
+      </a:accent3>
+      <a:accent4>
+        <a:srgbClr val="8064a2"/>
+      </a:accent4>
+      <a:accent5>
+        <a:srgbClr val="4bacc6"/>
+      </a:accent5>
+      <a:accent6>
+        <a:srgbClr val="f79646"/>
+      </a:accent6>
+      <a:hlink>
+        <a:srgbClr val="0000ff"/>
+      </a:hlink>
+      <a:folHlink>
+        <a:srgbClr val="800080"/>
+      </a:folHlink>
+    </a:clrScheme>
+    <a:fontScheme name="Office">
+      <a:majorFont>
+        <a:latin typeface="Arial"/>
+        <a:ea typeface="DejaVu Sans"/>
+        <a:cs typeface="DejaVu Sans"/>
+      </a:majorFont>
+      <a:minorFont>
+        <a:latin typeface="Arial"/>
+        <a:ea typeface="DejaVu Sans"/>
+        <a:cs typeface="DejaVu Sans"/>
+      </a:minorFont>
+    </a:fontScheme>
+    <a:fmtScheme name="Office">
+      <a:fillStyleLst>
+        <a:solidFill>
+          <a:schemeClr val="phClr"/>
+        </a:solidFill>
+        <a:gradFill rotWithShape="1">
+          <a:gsLst>
+            <a:gs pos="0">
+              <a:schemeClr val="phClr">
+                <a:tint val="50000"/>
+                <a:satMod val="300000"/>
+              </a:schemeClr>
+            </a:gs>
+            <a:gs pos="35000">
+              <a:schemeClr val="phClr">
+                <a:tint val="37000"/>
+                <a:satMod val="300000"/>
+              </a:schemeClr>
+            </a:gs>
+            <a:gs pos="100000">
+              <a:schemeClr val="phClr">
+                <a:tint val="15000"/>
+                <a:satMod val="350000"/>
+              </a:schemeClr>
+            </a:gs>
+          </a:gsLst>
+          <a:lin ang="16200000" scaled="1"/>
+        </a:gradFill>
+        <a:gradFill rotWithShape="1">
+          <a:gsLst>
+            <a:gs pos="0">
+              <a:schemeClr val="phClr">
+                <a:shade val="51000"/>
+                <a:satMod val="130000"/>
+              </a:schemeClr>
+            </a:gs>
+            <a:gs pos="80000">
+              <a:schemeClr val="phClr">
+                <a:shade val="93000"/>
+                <a:satMod val="130000"/>
+              </a:schemeClr>
+            </a:gs>
+            <a:gs pos="100000">
+              <a:schemeClr val="phClr">
+                <a:shade val="94000"/>
+                <a:satMod val="135000"/>
+              </a:schemeClr>
+            </a:gs>
+          </a:gsLst>
+          <a:lin ang="16200000" scaled="0"/>
+        </a:gradFill>
+      </a:fillStyleLst>
+      <a:lnStyleLst>
+        <a:ln w="9525" cap="flat" cmpd="sng" algn="ctr">
+          <a:solidFill>
+            <a:schemeClr val="phClr">
+              <a:shade val="95000"/>
+              <a:satMod val="105000"/>
+            </a:schemeClr>
+          </a:solidFill>
+          <a:prstDash val="solid"/>
+          <a:miter/>
+        </a:ln>
+        <a:ln w="25400" cap="flat" cmpd="sng" algn="ctr">
+          <a:solidFill>
+            <a:schemeClr val="phClr"/>
+          </a:solidFill>
+          <a:prstDash val="solid"/>
+          <a:miter/>
+        </a:ln>
+        <a:ln w="38100" cap="flat" cmpd="sng" algn="ctr">
+          <a:solidFill>
+            <a:schemeClr val="phClr"/>
+          </a:solidFill>
+          <a:prstDash val="solid"/>
+          <a:miter/>
+        </a:ln>
+      </a:lnStyleLst>
+      <a:effectStyleLst>
+        <a:effectStyle>
+          <a:effectLst>
+            <a:outerShdw blurRad="40000" dist="20000" dir="5400000" rotWithShape="0">
+              <a:srgbClr val="000000">
+                <a:alpha val="38000"/>
+              </a:srgbClr>
+            </a:outerShdw>
+          </a:effectLst>
+        </a:effectStyle>
+        <a:effectStyle>
+          <a:effectLst>
+            <a:outerShdw blurRad="40000" dist="23000" dir="5400000" rotWithShape="0">
+              <a:srgbClr val="000000">
+                <a:alpha val="35000"/>
+              </a:srgbClr>
+            </a:outerShdw>
+          </a:effectLst>
+        </a:effectStyle>
+        <a:effectStyle>
+          <a:effectLst>
+            <a:outerShdw blurRad="40000" dist="23000" dir="5400000" rotWithShape="0">
+              <a:srgbClr val="000000">
+                <a:alpha val="35000"/>
+              </a:srgbClr>
+            </a:outerShdw>
+          </a:effectLst>
+          <a:scene3d>
+            <a:camera prst="orthographicFront">
+              <a:rot lat="0" lon="0" rev="0"/>
+            </a:camera>
+            <a:lightRig rig="threePt" dir="t">
+              <a:rot lat="0" lon="0" rev="1200000"/>
+            </a:lightRig>
+          </a:scene3d>
+          <a:sp3d>
+            <a:bevelT w="63500" h="25400"/>
+          </a:sp3d>
+        </a:effectStyle>
+      </a:effectStyleLst>
+      <a:bgFillStyleLst>
+        <a:solidFill>
+          <a:schemeClr val="phClr"/>
+        </a:solidFill>
+        <a:gradFill rotWithShape="1">
+          <a:gsLst>
+            <a:gs pos="0">
+              <a:schemeClr val="phClr">
+                <a:tint val="40000"/>
+                <a:satMod val="350000"/>
+              </a:schemeClr>
+            </a:gs>
+            <a:gs pos="40000">
+              <a:schemeClr val="phClr">
+                <a:tint val="45000"/>
+                <a:shade val="99000"/>
+                <a:satMod val="350000"/>
+              </a:schemeClr>
+            </a:gs>
+            <a:gs pos="100000">
+              <a:schemeClr val="phClr">
+                <a:shade val="20000"/>
+                <a:satMod val="255000"/>
+              </a:schemeClr>
+            </a:gs>
+          </a:gsLst>
+          <a:path path="circle">
+            <a:fillToRect l="50000" t="-80000" r="50000" b="180000"/>
+          </a:path>
+        </a:gradFill>
+        <a:gradFill rotWithShape="1">
+          <a:gsLst>
+            <a:gs pos="0">
+              <a:schemeClr val="phClr">
+                <a:tint val="80000"/>
+                <a:satMod val="300000"/>
+              </a:schemeClr>
+            </a:gs>
+            <a:gs pos="100000">
+              <a:schemeClr val="phClr">
+                <a:shade val="30000"/>
+                <a:satMod val="200000"/>
+              </a:schemeClr>
+            </a:gs>
+          </a:gsLst>
+          <a:path path="circle">
+            <a:fillToRect l="50000" t="50000" r="50000" b="50000"/>
+          </a:path>
+        </a:gradFill>
+      </a:bgFillStyleLst>
+    </a:fmtScheme>
+  </a:themeElements>
+</a:theme>
 </file>
--- a/Apresentação.pptx
+++ b/Apresentação.pptx
@@ -8,22 +8,23 @@
     <p:sldMasterId id="2147483687" r:id="rId5"/>
     <p:sldMasterId id="2147483700" r:id="rId6"/>
     <p:sldMasterId id="2147483713" r:id="rId7"/>
+    <p:sldMasterId id="2147483726" r:id="rId8"/>
   </p:sldMasterIdLst>
   <p:sldIdLst>
-    <p:sldId id="256" r:id="rId8"/>
-    <p:sldId id="257" r:id="rId9"/>
-    <p:sldId id="258" r:id="rId10"/>
-    <p:sldId id="259" r:id="rId11"/>
-    <p:sldId id="260" r:id="rId12"/>
-    <p:sldId id="261" r:id="rId13"/>
-    <p:sldId id="262" r:id="rId14"/>
-    <p:sldId id="263" r:id="rId15"/>
-    <p:sldId id="264" r:id="rId16"/>
-    <p:sldId id="265" r:id="rId17"/>
-    <p:sldId id="266" r:id="rId18"/>
-    <p:sldId id="267" r:id="rId19"/>
-    <p:sldId id="268" r:id="rId20"/>
-    <p:sldId id="269" r:id="rId21"/>
+    <p:sldId id="256" r:id="rId9"/>
+    <p:sldId id="257" r:id="rId10"/>
+    <p:sldId id="258" r:id="rId11"/>
+    <p:sldId id="259" r:id="rId12"/>
+    <p:sldId id="260" r:id="rId13"/>
+    <p:sldId id="261" r:id="rId14"/>
+    <p:sldId id="262" r:id="rId15"/>
+    <p:sldId id="263" r:id="rId16"/>
+    <p:sldId id="264" r:id="rId17"/>
+    <p:sldId id="265" r:id="rId18"/>
+    <p:sldId id="266" r:id="rId19"/>
+    <p:sldId id="267" r:id="rId20"/>
+    <p:sldId id="268" r:id="rId21"/>
+    <p:sldId id="269" r:id="rId22"/>
   </p:sldIdLst>
   <p:sldSz cx="10080625" cy="5670550"/>
   <p:notesSz cx="7559675" cy="10691812"/>
@@ -82,7 +83,7 @@
         <p:spPr>
           <a:xfrm>
             <a:off x="504000" y="226080"/>
-            <a:ext cx="9071640" cy="946080"/>
+            <a:ext cx="9072000" cy="946440"/>
           </a:xfrm>
           <a:prstGeom prst="rect">
             <a:avLst/>
@@ -113,7 +114,7 @@
         <p:spPr>
           <a:xfrm>
             <a:off x="504000" y="1326600"/>
-            <a:ext cx="9071640" cy="1568160"/>
+            <a:ext cx="9072000" cy="1568520"/>
           </a:xfrm>
           <a:prstGeom prst="rect">
             <a:avLst/>
@@ -142,8 +143,8 @@
         </p:nvSpPr>
         <p:spPr>
           <a:xfrm>
-            <a:off x="504000" y="3044160"/>
-            <a:ext cx="9071640" cy="1568160"/>
+            <a:off x="504000" y="3044520"/>
+            <a:ext cx="9072000" cy="1568520"/>
           </a:xfrm>
           <a:prstGeom prst="rect">
             <a:avLst/>
@@ -195,7 +196,7 @@
         <p:spPr>
           <a:xfrm>
             <a:off x="504000" y="226080"/>
-            <a:ext cx="9071640" cy="946080"/>
+            <a:ext cx="9072000" cy="946440"/>
           </a:xfrm>
           <a:prstGeom prst="rect">
             <a:avLst/>
@@ -226,7 +227,7 @@
         <p:spPr>
           <a:xfrm>
             <a:off x="504000" y="1326600"/>
-            <a:ext cx="4426920" cy="1568160"/>
+            <a:ext cx="4426920" cy="1568520"/>
           </a:xfrm>
           <a:prstGeom prst="rect">
             <a:avLst/>
@@ -256,7 +257,7 @@
         <p:spPr>
           <a:xfrm>
             <a:off x="5152680" y="1326600"/>
-            <a:ext cx="4426920" cy="1568160"/>
+            <a:ext cx="4426920" cy="1568520"/>
           </a:xfrm>
           <a:prstGeom prst="rect">
             <a:avLst/>
@@ -285,8 +286,8 @@
         </p:nvSpPr>
         <p:spPr>
           <a:xfrm>
-            <a:off x="504000" y="3044160"/>
-            <a:ext cx="4426920" cy="1568160"/>
+            <a:off x="504000" y="3044520"/>
+            <a:ext cx="4426920" cy="1568520"/>
           </a:xfrm>
           <a:prstGeom prst="rect">
             <a:avLst/>
@@ -315,8 +316,8 @@
         </p:nvSpPr>
         <p:spPr>
           <a:xfrm>
-            <a:off x="5152680" y="3044160"/>
-            <a:ext cx="4426920" cy="1568160"/>
+            <a:off x="5152680" y="3044520"/>
+            <a:ext cx="4426920" cy="1568520"/>
           </a:xfrm>
           <a:prstGeom prst="rect">
             <a:avLst/>
@@ -368,7 +369,7 @@
         <p:spPr>
           <a:xfrm>
             <a:off x="504000" y="226080"/>
-            <a:ext cx="9071640" cy="946080"/>
+            <a:ext cx="9072000" cy="946440"/>
           </a:xfrm>
           <a:prstGeom prst="rect">
             <a:avLst/>
@@ -399,7 +400,7 @@
         <p:spPr>
           <a:xfrm>
             <a:off x="504000" y="1326600"/>
-            <a:ext cx="2920680" cy="1568160"/>
+            <a:ext cx="2921040" cy="1568520"/>
           </a:xfrm>
           <a:prstGeom prst="rect">
             <a:avLst/>
@@ -428,8 +429,8 @@
         </p:nvSpPr>
         <p:spPr>
           <a:xfrm>
-            <a:off x="3571200" y="1326600"/>
-            <a:ext cx="2920680" cy="1568160"/>
+            <a:off x="3571560" y="1326600"/>
+            <a:ext cx="2921040" cy="1568520"/>
           </a:xfrm>
           <a:prstGeom prst="rect">
             <a:avLst/>
@@ -458,8 +459,8 @@
         </p:nvSpPr>
         <p:spPr>
           <a:xfrm>
-            <a:off x="6638040" y="1326600"/>
-            <a:ext cx="2920680" cy="1568160"/>
+            <a:off x="6639120" y="1326600"/>
+            <a:ext cx="2921040" cy="1568520"/>
           </a:xfrm>
           <a:prstGeom prst="rect">
             <a:avLst/>
@@ -488,8 +489,8 @@
         </p:nvSpPr>
         <p:spPr>
           <a:xfrm>
-            <a:off x="504000" y="3044160"/>
-            <a:ext cx="2920680" cy="1568160"/>
+            <a:off x="504000" y="3044520"/>
+            <a:ext cx="2921040" cy="1568520"/>
           </a:xfrm>
           <a:prstGeom prst="rect">
             <a:avLst/>
@@ -518,8 +519,8 @@
         </p:nvSpPr>
         <p:spPr>
           <a:xfrm>
-            <a:off x="3571200" y="3044160"/>
-            <a:ext cx="2920680" cy="1568160"/>
+            <a:off x="3571560" y="3044520"/>
+            <a:ext cx="2921040" cy="1568520"/>
           </a:xfrm>
           <a:prstGeom prst="rect">
             <a:avLst/>
@@ -548,8 +549,8 @@
         </p:nvSpPr>
         <p:spPr>
           <a:xfrm>
-            <a:off x="6638040" y="3044160"/>
-            <a:ext cx="2920680" cy="1568160"/>
+            <a:off x="6639120" y="3044520"/>
+            <a:ext cx="2921040" cy="1568520"/>
           </a:xfrm>
           <a:prstGeom prst="rect">
             <a:avLst/>
@@ -623,7 +624,7 @@
         <p:spPr>
           <a:xfrm>
             <a:off x="504000" y="226080"/>
-            <a:ext cx="9071640" cy="946080"/>
+            <a:ext cx="9072000" cy="946440"/>
           </a:xfrm>
           <a:prstGeom prst="rect">
             <a:avLst/>
@@ -654,7 +655,7 @@
         <p:spPr>
           <a:xfrm>
             <a:off x="504000" y="1326600"/>
-            <a:ext cx="9071640" cy="3288240"/>
+            <a:ext cx="9072000" cy="3288600"/>
           </a:xfrm>
           <a:prstGeom prst="rect">
             <a:avLst/>
@@ -707,7 +708,7 @@
         <p:spPr>
           <a:xfrm>
             <a:off x="504000" y="226080"/>
-            <a:ext cx="9071640" cy="946080"/>
+            <a:ext cx="9072000" cy="946440"/>
           </a:xfrm>
           <a:prstGeom prst="rect">
             <a:avLst/>
@@ -738,7 +739,7 @@
         <p:spPr>
           <a:xfrm>
             <a:off x="504000" y="1326600"/>
-            <a:ext cx="9071640" cy="3288240"/>
+            <a:ext cx="9072000" cy="3288600"/>
           </a:xfrm>
           <a:prstGeom prst="rect">
             <a:avLst/>
@@ -790,7 +791,7 @@
         <p:spPr>
           <a:xfrm>
             <a:off x="504000" y="226080"/>
-            <a:ext cx="9071640" cy="946080"/>
+            <a:ext cx="9072000" cy="946440"/>
           </a:xfrm>
           <a:prstGeom prst="rect">
             <a:avLst/>
@@ -821,7 +822,7 @@
         <p:spPr>
           <a:xfrm>
             <a:off x="504000" y="1326600"/>
-            <a:ext cx="4426920" cy="3288240"/>
+            <a:ext cx="4426920" cy="3288600"/>
           </a:xfrm>
           <a:prstGeom prst="rect">
             <a:avLst/>
@@ -851,7 +852,7 @@
         <p:spPr>
           <a:xfrm>
             <a:off x="5152680" y="1326600"/>
-            <a:ext cx="4426920" cy="3288240"/>
+            <a:ext cx="4426920" cy="3288600"/>
           </a:xfrm>
           <a:prstGeom prst="rect">
             <a:avLst/>
@@ -903,7 +904,7 @@
         <p:spPr>
           <a:xfrm>
             <a:off x="504000" y="226080"/>
-            <a:ext cx="9071640" cy="946080"/>
+            <a:ext cx="9072000" cy="946440"/>
           </a:xfrm>
           <a:prstGeom prst="rect">
             <a:avLst/>
@@ -956,7 +957,7 @@
         <p:spPr>
           <a:xfrm>
             <a:off x="504000" y="226080"/>
-            <a:ext cx="9071640" cy="4386600"/>
+            <a:ext cx="9072000" cy="4388400"/>
           </a:xfrm>
           <a:prstGeom prst="rect">
             <a:avLst/>
@@ -1009,7 +1010,7 @@
         <p:spPr>
           <a:xfrm>
             <a:off x="504000" y="226080"/>
-            <a:ext cx="9071640" cy="946080"/>
+            <a:ext cx="9072000" cy="946440"/>
           </a:xfrm>
           <a:prstGeom prst="rect">
             <a:avLst/>
@@ -1040,7 +1041,7 @@
         <p:spPr>
           <a:xfrm>
             <a:off x="504000" y="1326600"/>
-            <a:ext cx="4426920" cy="1568160"/>
+            <a:ext cx="4426920" cy="1568520"/>
           </a:xfrm>
           <a:prstGeom prst="rect">
             <a:avLst/>
@@ -1070,7 +1071,7 @@
         <p:spPr>
           <a:xfrm>
             <a:off x="5152680" y="1326600"/>
-            <a:ext cx="4426920" cy="3288240"/>
+            <a:ext cx="4426920" cy="3288600"/>
           </a:xfrm>
           <a:prstGeom prst="rect">
             <a:avLst/>
@@ -1099,8 +1100,8 @@
         </p:nvSpPr>
         <p:spPr>
           <a:xfrm>
-            <a:off x="504000" y="3044160"/>
-            <a:ext cx="4426920" cy="1568160"/>
+            <a:off x="504000" y="3044520"/>
+            <a:ext cx="4426920" cy="1568520"/>
           </a:xfrm>
           <a:prstGeom prst="rect">
             <a:avLst/>
@@ -1152,7 +1153,7 @@
         <p:spPr>
           <a:xfrm>
             <a:off x="504000" y="226080"/>
-            <a:ext cx="9071640" cy="946080"/>
+            <a:ext cx="9072000" cy="946440"/>
           </a:xfrm>
           <a:prstGeom prst="rect">
             <a:avLst/>
@@ -1183,7 +1184,7 @@
         <p:spPr>
           <a:xfrm>
             <a:off x="504000" y="1326600"/>
-            <a:ext cx="9071640" cy="3288240"/>
+            <a:ext cx="9072000" cy="3288600"/>
           </a:xfrm>
           <a:prstGeom prst="rect">
             <a:avLst/>
@@ -1236,7 +1237,7 @@
         <p:spPr>
           <a:xfrm>
             <a:off x="504000" y="226080"/>
-            <a:ext cx="9071640" cy="946080"/>
+            <a:ext cx="9072000" cy="946440"/>
           </a:xfrm>
           <a:prstGeom prst="rect">
             <a:avLst/>
@@ -1267,7 +1268,7 @@
         <p:spPr>
           <a:xfrm>
             <a:off x="504000" y="1326600"/>
-            <a:ext cx="4426920" cy="3288240"/>
+            <a:ext cx="4426920" cy="3288600"/>
           </a:xfrm>
           <a:prstGeom prst="rect">
             <a:avLst/>
@@ -1297,7 +1298,7 @@
         <p:spPr>
           <a:xfrm>
             <a:off x="5152680" y="1326600"/>
-            <a:ext cx="4426920" cy="1568160"/>
+            <a:ext cx="4426920" cy="1568520"/>
           </a:xfrm>
           <a:prstGeom prst="rect">
             <a:avLst/>
@@ -1326,8 +1327,8 @@
         </p:nvSpPr>
         <p:spPr>
           <a:xfrm>
-            <a:off x="5152680" y="3044160"/>
-            <a:ext cx="4426920" cy="1568160"/>
+            <a:off x="5152680" y="3044520"/>
+            <a:ext cx="4426920" cy="1568520"/>
           </a:xfrm>
           <a:prstGeom prst="rect">
             <a:avLst/>
@@ -1379,7 +1380,7 @@
         <p:spPr>
           <a:xfrm>
             <a:off x="504000" y="226080"/>
-            <a:ext cx="9071640" cy="946080"/>
+            <a:ext cx="9072000" cy="946440"/>
           </a:xfrm>
           <a:prstGeom prst="rect">
             <a:avLst/>
@@ -1410,7 +1411,7 @@
         <p:spPr>
           <a:xfrm>
             <a:off x="504000" y="1326600"/>
-            <a:ext cx="4426920" cy="1568160"/>
+            <a:ext cx="4426920" cy="1568520"/>
           </a:xfrm>
           <a:prstGeom prst="rect">
             <a:avLst/>
@@ -1440,7 +1441,7 @@
         <p:spPr>
           <a:xfrm>
             <a:off x="5152680" y="1326600"/>
-            <a:ext cx="4426920" cy="1568160"/>
+            <a:ext cx="4426920" cy="1568520"/>
           </a:xfrm>
           <a:prstGeom prst="rect">
             <a:avLst/>
@@ -1469,8 +1470,8 @@
         </p:nvSpPr>
         <p:spPr>
           <a:xfrm>
-            <a:off x="504000" y="3044160"/>
-            <a:ext cx="9071640" cy="1568160"/>
+            <a:off x="504000" y="3044520"/>
+            <a:ext cx="9072000" cy="1568520"/>
           </a:xfrm>
           <a:prstGeom prst="rect">
             <a:avLst/>
@@ -1522,7 +1523,7 @@
         <p:spPr>
           <a:xfrm>
             <a:off x="504000" y="226080"/>
-            <a:ext cx="9071640" cy="946080"/>
+            <a:ext cx="9072000" cy="946440"/>
           </a:xfrm>
           <a:prstGeom prst="rect">
             <a:avLst/>
@@ -1553,7 +1554,7 @@
         <p:spPr>
           <a:xfrm>
             <a:off x="504000" y="1326600"/>
-            <a:ext cx="9071640" cy="1568160"/>
+            <a:ext cx="9072000" cy="1568520"/>
           </a:xfrm>
           <a:prstGeom prst="rect">
             <a:avLst/>
@@ -1582,8 +1583,8 @@
         </p:nvSpPr>
         <p:spPr>
           <a:xfrm>
-            <a:off x="504000" y="3044160"/>
-            <a:ext cx="9071640" cy="1568160"/>
+            <a:off x="504000" y="3044520"/>
+            <a:ext cx="9072000" cy="1568520"/>
           </a:xfrm>
           <a:prstGeom prst="rect">
             <a:avLst/>
@@ -1635,7 +1636,7 @@
         <p:spPr>
           <a:xfrm>
             <a:off x="504000" y="226080"/>
-            <a:ext cx="9071640" cy="946080"/>
+            <a:ext cx="9072000" cy="946440"/>
           </a:xfrm>
           <a:prstGeom prst="rect">
             <a:avLst/>
@@ -1666,7 +1667,7 @@
         <p:spPr>
           <a:xfrm>
             <a:off x="504000" y="1326600"/>
-            <a:ext cx="4426920" cy="1568160"/>
+            <a:ext cx="4426920" cy="1568520"/>
           </a:xfrm>
           <a:prstGeom prst="rect">
             <a:avLst/>
@@ -1696,7 +1697,7 @@
         <p:spPr>
           <a:xfrm>
             <a:off x="5152680" y="1326600"/>
-            <a:ext cx="4426920" cy="1568160"/>
+            <a:ext cx="4426920" cy="1568520"/>
           </a:xfrm>
           <a:prstGeom prst="rect">
             <a:avLst/>
@@ -1725,8 +1726,8 @@
         </p:nvSpPr>
         <p:spPr>
           <a:xfrm>
-            <a:off x="504000" y="3044160"/>
-            <a:ext cx="4426920" cy="1568160"/>
+            <a:off x="504000" y="3044520"/>
+            <a:ext cx="4426920" cy="1568520"/>
           </a:xfrm>
           <a:prstGeom prst="rect">
             <a:avLst/>
@@ -1755,8 +1756,8 @@
         </p:nvSpPr>
         <p:spPr>
           <a:xfrm>
-            <a:off x="5152680" y="3044160"/>
-            <a:ext cx="4426920" cy="1568160"/>
+            <a:off x="5152680" y="3044520"/>
+            <a:ext cx="4426920" cy="1568520"/>
           </a:xfrm>
           <a:prstGeom prst="rect">
             <a:avLst/>
@@ -1808,7 +1809,7 @@
         <p:spPr>
           <a:xfrm>
             <a:off x="504000" y="226080"/>
-            <a:ext cx="9071640" cy="946080"/>
+            <a:ext cx="9072000" cy="946440"/>
           </a:xfrm>
           <a:prstGeom prst="rect">
             <a:avLst/>
@@ -1839,7 +1840,7 @@
         <p:spPr>
           <a:xfrm>
             <a:off x="504000" y="1326600"/>
-            <a:ext cx="2920680" cy="1568160"/>
+            <a:ext cx="2921040" cy="1568520"/>
           </a:xfrm>
           <a:prstGeom prst="rect">
             <a:avLst/>
@@ -1868,8 +1869,8 @@
         </p:nvSpPr>
         <p:spPr>
           <a:xfrm>
-            <a:off x="3571200" y="1326600"/>
-            <a:ext cx="2920680" cy="1568160"/>
+            <a:off x="3571560" y="1326600"/>
+            <a:ext cx="2921040" cy="1568520"/>
           </a:xfrm>
           <a:prstGeom prst="rect">
             <a:avLst/>
@@ -1898,8 +1899,8 @@
         </p:nvSpPr>
         <p:spPr>
           <a:xfrm>
-            <a:off x="6638040" y="1326600"/>
-            <a:ext cx="2920680" cy="1568160"/>
+            <a:off x="6639120" y="1326600"/>
+            <a:ext cx="2921040" cy="1568520"/>
           </a:xfrm>
           <a:prstGeom prst="rect">
             <a:avLst/>
@@ -1928,8 +1929,8 @@
         </p:nvSpPr>
         <p:spPr>
           <a:xfrm>
-            <a:off x="504000" y="3044160"/>
-            <a:ext cx="2920680" cy="1568160"/>
+            <a:off x="504000" y="3044520"/>
+            <a:ext cx="2921040" cy="1568520"/>
           </a:xfrm>
           <a:prstGeom prst="rect">
             <a:avLst/>
@@ -1958,8 +1959,8 @@
         </p:nvSpPr>
         <p:spPr>
           <a:xfrm>
-            <a:off x="3571200" y="3044160"/>
-            <a:ext cx="2920680" cy="1568160"/>
+            <a:off x="3571560" y="3044520"/>
+            <a:ext cx="2921040" cy="1568520"/>
           </a:xfrm>
           <a:prstGeom prst="rect">
             <a:avLst/>
@@ -1988,8 +1989,8 @@
         </p:nvSpPr>
         <p:spPr>
           <a:xfrm>
-            <a:off x="6638040" y="3044160"/>
-            <a:ext cx="2920680" cy="1568160"/>
+            <a:off x="6639120" y="3044520"/>
+            <a:ext cx="2921040" cy="1568520"/>
           </a:xfrm>
           <a:prstGeom prst="rect">
             <a:avLst/>
@@ -2063,7 +2064,7 @@
         <p:spPr>
           <a:xfrm>
             <a:off x="504000" y="226080"/>
-            <a:ext cx="9071640" cy="946080"/>
+            <a:ext cx="9072000" cy="946440"/>
           </a:xfrm>
           <a:prstGeom prst="rect">
             <a:avLst/>
@@ -2094,7 +2095,7 @@
         <p:spPr>
           <a:xfrm>
             <a:off x="504000" y="1326600"/>
-            <a:ext cx="9071640" cy="3288240"/>
+            <a:ext cx="9072000" cy="3288600"/>
           </a:xfrm>
           <a:prstGeom prst="rect">
             <a:avLst/>
@@ -2147,7 +2148,7 @@
         <p:spPr>
           <a:xfrm>
             <a:off x="504000" y="226080"/>
-            <a:ext cx="9071640" cy="946080"/>
+            <a:ext cx="9072000" cy="946440"/>
           </a:xfrm>
           <a:prstGeom prst="rect">
             <a:avLst/>
@@ -2178,7 +2179,7 @@
         <p:spPr>
           <a:xfrm>
             <a:off x="504000" y="1326600"/>
-            <a:ext cx="9071640" cy="3288240"/>
+            <a:ext cx="9072000" cy="3288600"/>
           </a:xfrm>
           <a:prstGeom prst="rect">
             <a:avLst/>
@@ -2230,7 +2231,7 @@
         <p:spPr>
           <a:xfrm>
             <a:off x="504000" y="226080"/>
-            <a:ext cx="9071640" cy="946080"/>
+            <a:ext cx="9072000" cy="946440"/>
           </a:xfrm>
           <a:prstGeom prst="rect">
             <a:avLst/>
@@ -2261,7 +2262,7 @@
         <p:spPr>
           <a:xfrm>
             <a:off x="504000" y="1326600"/>
-            <a:ext cx="4426920" cy="3288240"/>
+            <a:ext cx="4426920" cy="3288600"/>
           </a:xfrm>
           <a:prstGeom prst="rect">
             <a:avLst/>
@@ -2291,7 +2292,7 @@
         <p:spPr>
           <a:xfrm>
             <a:off x="5152680" y="1326600"/>
-            <a:ext cx="4426920" cy="3288240"/>
+            <a:ext cx="4426920" cy="3288600"/>
           </a:xfrm>
           <a:prstGeom prst="rect">
             <a:avLst/>
@@ -2343,7 +2344,7 @@
         <p:spPr>
           <a:xfrm>
             <a:off x="504000" y="226080"/>
-            <a:ext cx="9071640" cy="946080"/>
+            <a:ext cx="9072000" cy="946440"/>
           </a:xfrm>
           <a:prstGeom prst="rect">
             <a:avLst/>
@@ -2396,7 +2397,7 @@
         <p:spPr>
           <a:xfrm>
             <a:off x="504000" y="226080"/>
-            <a:ext cx="9071640" cy="946080"/>
+            <a:ext cx="9072000" cy="946440"/>
           </a:xfrm>
           <a:prstGeom prst="rect">
             <a:avLst/>
@@ -2427,7 +2428,7 @@
         <p:spPr>
           <a:xfrm>
             <a:off x="504000" y="1326600"/>
-            <a:ext cx="9071640" cy="3288240"/>
+            <a:ext cx="9072000" cy="3288600"/>
           </a:xfrm>
           <a:prstGeom prst="rect">
             <a:avLst/>
@@ -2479,7 +2480,7 @@
         <p:spPr>
           <a:xfrm>
             <a:off x="504000" y="226080"/>
-            <a:ext cx="9071640" cy="4386600"/>
+            <a:ext cx="9072000" cy="4388400"/>
           </a:xfrm>
           <a:prstGeom prst="rect">
             <a:avLst/>
@@ -2532,7 +2533,7 @@
         <p:spPr>
           <a:xfrm>
             <a:off x="504000" y="226080"/>
-            <a:ext cx="9071640" cy="946080"/>
+            <a:ext cx="9072000" cy="946440"/>
           </a:xfrm>
           <a:prstGeom prst="rect">
             <a:avLst/>
@@ -2563,7 +2564,7 @@
         <p:spPr>
           <a:xfrm>
             <a:off x="504000" y="1326600"/>
-            <a:ext cx="4426920" cy="1568160"/>
+            <a:ext cx="4426920" cy="1568520"/>
           </a:xfrm>
           <a:prstGeom prst="rect">
             <a:avLst/>
@@ -2593,7 +2594,7 @@
         <p:spPr>
           <a:xfrm>
             <a:off x="5152680" y="1326600"/>
-            <a:ext cx="4426920" cy="3288240"/>
+            <a:ext cx="4426920" cy="3288600"/>
           </a:xfrm>
           <a:prstGeom prst="rect">
             <a:avLst/>
@@ -2622,8 +2623,8 @@
         </p:nvSpPr>
         <p:spPr>
           <a:xfrm>
-            <a:off x="504000" y="3044160"/>
-            <a:ext cx="4426920" cy="1568160"/>
+            <a:off x="504000" y="3044520"/>
+            <a:ext cx="4426920" cy="1568520"/>
           </a:xfrm>
           <a:prstGeom prst="rect">
             <a:avLst/>
@@ -2675,7 +2676,7 @@
         <p:spPr>
           <a:xfrm>
             <a:off x="504000" y="226080"/>
-            <a:ext cx="9071640" cy="946080"/>
+            <a:ext cx="9072000" cy="946440"/>
           </a:xfrm>
           <a:prstGeom prst="rect">
             <a:avLst/>
@@ -2706,7 +2707,7 @@
         <p:spPr>
           <a:xfrm>
             <a:off x="504000" y="1326600"/>
-            <a:ext cx="4426920" cy="3288240"/>
+            <a:ext cx="4426920" cy="3288600"/>
           </a:xfrm>
           <a:prstGeom prst="rect">
             <a:avLst/>
@@ -2736,7 +2737,7 @@
         <p:spPr>
           <a:xfrm>
             <a:off x="5152680" y="1326600"/>
-            <a:ext cx="4426920" cy="1568160"/>
+            <a:ext cx="4426920" cy="1568520"/>
           </a:xfrm>
           <a:prstGeom prst="rect">
             <a:avLst/>
@@ -2765,8 +2766,8 @@
         </p:nvSpPr>
         <p:spPr>
           <a:xfrm>
-            <a:off x="5152680" y="3044160"/>
-            <a:ext cx="4426920" cy="1568160"/>
+            <a:off x="5152680" y="3044520"/>
+            <a:ext cx="4426920" cy="1568520"/>
           </a:xfrm>
           <a:prstGeom prst="rect">
             <a:avLst/>
@@ -2818,7 +2819,7 @@
         <p:spPr>
           <a:xfrm>
             <a:off x="504000" y="226080"/>
-            <a:ext cx="9071640" cy="946080"/>
+            <a:ext cx="9072000" cy="946440"/>
           </a:xfrm>
           <a:prstGeom prst="rect">
             <a:avLst/>
@@ -2849,7 +2850,7 @@
         <p:spPr>
           <a:xfrm>
             <a:off x="504000" y="1326600"/>
-            <a:ext cx="4426920" cy="1568160"/>
+            <a:ext cx="4426920" cy="1568520"/>
           </a:xfrm>
           <a:prstGeom prst="rect">
             <a:avLst/>
@@ -2879,7 +2880,7 @@
         <p:spPr>
           <a:xfrm>
             <a:off x="5152680" y="1326600"/>
-            <a:ext cx="4426920" cy="1568160"/>
+            <a:ext cx="4426920" cy="1568520"/>
           </a:xfrm>
           <a:prstGeom prst="rect">
             <a:avLst/>
@@ -2908,8 +2909,8 @@
         </p:nvSpPr>
         <p:spPr>
           <a:xfrm>
-            <a:off x="504000" y="3044160"/>
-            <a:ext cx="9071640" cy="1568160"/>
+            <a:off x="504000" y="3044520"/>
+            <a:ext cx="9072000" cy="1568520"/>
           </a:xfrm>
           <a:prstGeom prst="rect">
             <a:avLst/>
@@ -2961,7 +2962,7 @@
         <p:spPr>
           <a:xfrm>
             <a:off x="504000" y="226080"/>
-            <a:ext cx="9071640" cy="946080"/>
+            <a:ext cx="9072000" cy="946440"/>
           </a:xfrm>
           <a:prstGeom prst="rect">
             <a:avLst/>
@@ -2992,7 +2993,7 @@
         <p:spPr>
           <a:xfrm>
             <a:off x="504000" y="1326600"/>
-            <a:ext cx="9071640" cy="1568160"/>
+            <a:ext cx="9072000" cy="1568520"/>
           </a:xfrm>
           <a:prstGeom prst="rect">
             <a:avLst/>
@@ -3021,8 +3022,8 @@
         </p:nvSpPr>
         <p:spPr>
           <a:xfrm>
-            <a:off x="504000" y="3044160"/>
-            <a:ext cx="9071640" cy="1568160"/>
+            <a:off x="504000" y="3044520"/>
+            <a:ext cx="9072000" cy="1568520"/>
           </a:xfrm>
           <a:prstGeom prst="rect">
             <a:avLst/>
@@ -3074,7 +3075,7 @@
         <p:spPr>
           <a:xfrm>
             <a:off x="504000" y="226080"/>
-            <a:ext cx="9071640" cy="946080"/>
+            <a:ext cx="9072000" cy="946440"/>
           </a:xfrm>
           <a:prstGeom prst="rect">
             <a:avLst/>
@@ -3105,7 +3106,7 @@
         <p:spPr>
           <a:xfrm>
             <a:off x="504000" y="1326600"/>
-            <a:ext cx="4426920" cy="1568160"/>
+            <a:ext cx="4426920" cy="1568520"/>
           </a:xfrm>
           <a:prstGeom prst="rect">
             <a:avLst/>
@@ -3135,7 +3136,7 @@
         <p:spPr>
           <a:xfrm>
             <a:off x="5152680" y="1326600"/>
-            <a:ext cx="4426920" cy="1568160"/>
+            <a:ext cx="4426920" cy="1568520"/>
           </a:xfrm>
           <a:prstGeom prst="rect">
             <a:avLst/>
@@ -3164,8 +3165,8 @@
         </p:nvSpPr>
         <p:spPr>
           <a:xfrm>
-            <a:off x="504000" y="3044160"/>
-            <a:ext cx="4426920" cy="1568160"/>
+            <a:off x="504000" y="3044520"/>
+            <a:ext cx="4426920" cy="1568520"/>
           </a:xfrm>
           <a:prstGeom prst="rect">
             <a:avLst/>
@@ -3194,8 +3195,8 @@
         </p:nvSpPr>
         <p:spPr>
           <a:xfrm>
-            <a:off x="5152680" y="3044160"/>
-            <a:ext cx="4426920" cy="1568160"/>
+            <a:off x="5152680" y="3044520"/>
+            <a:ext cx="4426920" cy="1568520"/>
           </a:xfrm>
           <a:prstGeom prst="rect">
             <a:avLst/>
@@ -3247,7 +3248,7 @@
         <p:spPr>
           <a:xfrm>
             <a:off x="504000" y="226080"/>
-            <a:ext cx="9071640" cy="946080"/>
+            <a:ext cx="9072000" cy="946440"/>
           </a:xfrm>
           <a:prstGeom prst="rect">
             <a:avLst/>
@@ -3278,7 +3279,7 @@
         <p:spPr>
           <a:xfrm>
             <a:off x="504000" y="1326600"/>
-            <a:ext cx="2920680" cy="1568160"/>
+            <a:ext cx="2921040" cy="1568520"/>
           </a:xfrm>
           <a:prstGeom prst="rect">
             <a:avLst/>
@@ -3307,8 +3308,8 @@
         </p:nvSpPr>
         <p:spPr>
           <a:xfrm>
-            <a:off x="3571200" y="1326600"/>
-            <a:ext cx="2920680" cy="1568160"/>
+            <a:off x="3571560" y="1326600"/>
+            <a:ext cx="2921040" cy="1568520"/>
           </a:xfrm>
           <a:prstGeom prst="rect">
             <a:avLst/>
@@ -3337,8 +3338,8 @@
         </p:nvSpPr>
         <p:spPr>
           <a:xfrm>
-            <a:off x="6638040" y="1326600"/>
-            <a:ext cx="2920680" cy="1568160"/>
+            <a:off x="6639120" y="1326600"/>
+            <a:ext cx="2921040" cy="1568520"/>
           </a:xfrm>
           <a:prstGeom prst="rect">
             <a:avLst/>
@@ -3367,8 +3368,8 @@
         </p:nvSpPr>
         <p:spPr>
           <a:xfrm>
-            <a:off x="504000" y="3044160"/>
-            <a:ext cx="2920680" cy="1568160"/>
+            <a:off x="504000" y="3044520"/>
+            <a:ext cx="2921040" cy="1568520"/>
           </a:xfrm>
           <a:prstGeom prst="rect">
             <a:avLst/>
@@ -3397,8 +3398,8 @@
         </p:nvSpPr>
         <p:spPr>
           <a:xfrm>
-            <a:off x="3571200" y="3044160"/>
-            <a:ext cx="2920680" cy="1568160"/>
+            <a:off x="3571560" y="3044520"/>
+            <a:ext cx="2921040" cy="1568520"/>
           </a:xfrm>
           <a:prstGeom prst="rect">
             <a:avLst/>
@@ -3427,8 +3428,8 @@
         </p:nvSpPr>
         <p:spPr>
           <a:xfrm>
-            <a:off x="6638040" y="3044160"/>
-            <a:ext cx="2920680" cy="1568160"/>
+            <a:off x="6639120" y="3044520"/>
+            <a:ext cx="2921040" cy="1568520"/>
           </a:xfrm>
           <a:prstGeom prst="rect">
             <a:avLst/>
@@ -3502,7 +3503,7 @@
         <p:spPr>
           <a:xfrm>
             <a:off x="504000" y="226080"/>
-            <a:ext cx="9071640" cy="946080"/>
+            <a:ext cx="9072000" cy="946440"/>
           </a:xfrm>
           <a:prstGeom prst="rect">
             <a:avLst/>
@@ -3533,7 +3534,7 @@
         <p:spPr>
           <a:xfrm>
             <a:off x="504000" y="1326600"/>
-            <a:ext cx="9071640" cy="3288240"/>
+            <a:ext cx="9072000" cy="3288600"/>
           </a:xfrm>
           <a:prstGeom prst="rect">
             <a:avLst/>
@@ -3586,7 +3587,7 @@
         <p:spPr>
           <a:xfrm>
             <a:off x="504000" y="226080"/>
-            <a:ext cx="9071640" cy="946080"/>
+            <a:ext cx="9072000" cy="946440"/>
           </a:xfrm>
           <a:prstGeom prst="rect">
             <a:avLst/>
@@ -3617,7 +3618,7 @@
         <p:spPr>
           <a:xfrm>
             <a:off x="504000" y="1326600"/>
-            <a:ext cx="9071640" cy="3288240"/>
+            <a:ext cx="9072000" cy="3288600"/>
           </a:xfrm>
           <a:prstGeom prst="rect">
             <a:avLst/>
@@ -3669,7 +3670,7 @@
         <p:spPr>
           <a:xfrm>
             <a:off x="504000" y="226080"/>
-            <a:ext cx="9071640" cy="946080"/>
+            <a:ext cx="9072000" cy="946440"/>
           </a:xfrm>
           <a:prstGeom prst="rect">
             <a:avLst/>
@@ -3700,7 +3701,7 @@
         <p:spPr>
           <a:xfrm>
             <a:off x="504000" y="1326600"/>
-            <a:ext cx="4426920" cy="3288240"/>
+            <a:ext cx="4426920" cy="3288600"/>
           </a:xfrm>
           <a:prstGeom prst="rect">
             <a:avLst/>
@@ -3730,7 +3731,7 @@
         <p:spPr>
           <a:xfrm>
             <a:off x="5152680" y="1326600"/>
-            <a:ext cx="4426920" cy="3288240"/>
+            <a:ext cx="4426920" cy="3288600"/>
           </a:xfrm>
           <a:prstGeom prst="rect">
             <a:avLst/>
@@ -3782,7 +3783,7 @@
         <p:spPr>
           <a:xfrm>
             <a:off x="504000" y="226080"/>
-            <a:ext cx="9071640" cy="946080"/>
+            <a:ext cx="9072000" cy="946440"/>
           </a:xfrm>
           <a:prstGeom prst="rect">
             <a:avLst/>
@@ -3813,7 +3814,7 @@
         <p:spPr>
           <a:xfrm>
             <a:off x="504000" y="1326600"/>
-            <a:ext cx="4426920" cy="3288240"/>
+            <a:ext cx="4426920" cy="3288600"/>
           </a:xfrm>
           <a:prstGeom prst="rect">
             <a:avLst/>
@@ -3843,7 +3844,7 @@
         <p:spPr>
           <a:xfrm>
             <a:off x="5152680" y="1326600"/>
-            <a:ext cx="4426920" cy="3288240"/>
+            <a:ext cx="4426920" cy="3288600"/>
           </a:xfrm>
           <a:prstGeom prst="rect">
             <a:avLst/>
@@ -3895,7 +3896,7 @@
         <p:spPr>
           <a:xfrm>
             <a:off x="504000" y="226080"/>
-            <a:ext cx="9071640" cy="946080"/>
+            <a:ext cx="9072000" cy="946440"/>
           </a:xfrm>
           <a:prstGeom prst="rect">
             <a:avLst/>
@@ -3948,7 +3949,7 @@
         <p:spPr>
           <a:xfrm>
             <a:off x="504000" y="226080"/>
-            <a:ext cx="9071640" cy="4386600"/>
+            <a:ext cx="9072000" cy="4388400"/>
           </a:xfrm>
           <a:prstGeom prst="rect">
             <a:avLst/>
@@ -4001,7 +4002,7 @@
         <p:spPr>
           <a:xfrm>
             <a:off x="504000" y="226080"/>
-            <a:ext cx="9071640" cy="946080"/>
+            <a:ext cx="9072000" cy="946440"/>
           </a:xfrm>
           <a:prstGeom prst="rect">
             <a:avLst/>
@@ -4032,7 +4033,7 @@
         <p:spPr>
           <a:xfrm>
             <a:off x="504000" y="1326600"/>
-            <a:ext cx="4426920" cy="1568160"/>
+            <a:ext cx="4426920" cy="1568520"/>
           </a:xfrm>
           <a:prstGeom prst="rect">
             <a:avLst/>
@@ -4062,7 +4063,7 @@
         <p:spPr>
           <a:xfrm>
             <a:off x="5152680" y="1326600"/>
-            <a:ext cx="4426920" cy="3288240"/>
+            <a:ext cx="4426920" cy="3288600"/>
           </a:xfrm>
           <a:prstGeom prst="rect">
             <a:avLst/>
@@ -4091,8 +4092,8 @@
         </p:nvSpPr>
         <p:spPr>
           <a:xfrm>
-            <a:off x="504000" y="3044160"/>
-            <a:ext cx="4426920" cy="1568160"/>
+            <a:off x="504000" y="3044520"/>
+            <a:ext cx="4426920" cy="1568520"/>
           </a:xfrm>
           <a:prstGeom prst="rect">
             <a:avLst/>
@@ -4144,7 +4145,7 @@
         <p:spPr>
           <a:xfrm>
             <a:off x="504000" y="226080"/>
-            <a:ext cx="9071640" cy="946080"/>
+            <a:ext cx="9072000" cy="946440"/>
           </a:xfrm>
           <a:prstGeom prst="rect">
             <a:avLst/>
@@ -4175,7 +4176,7 @@
         <p:spPr>
           <a:xfrm>
             <a:off x="504000" y="1326600"/>
-            <a:ext cx="4426920" cy="3288240"/>
+            <a:ext cx="4426920" cy="3288600"/>
           </a:xfrm>
           <a:prstGeom prst="rect">
             <a:avLst/>
@@ -4205,7 +4206,7 @@
         <p:spPr>
           <a:xfrm>
             <a:off x="5152680" y="1326600"/>
-            <a:ext cx="4426920" cy="1568160"/>
+            <a:ext cx="4426920" cy="1568520"/>
           </a:xfrm>
           <a:prstGeom prst="rect">
             <a:avLst/>
@@ -4234,8 +4235,8 @@
         </p:nvSpPr>
         <p:spPr>
           <a:xfrm>
-            <a:off x="5152680" y="3044160"/>
-            <a:ext cx="4426920" cy="1568160"/>
+            <a:off x="5152680" y="3044520"/>
+            <a:ext cx="4426920" cy="1568520"/>
           </a:xfrm>
           <a:prstGeom prst="rect">
             <a:avLst/>
@@ -4287,7 +4288,7 @@
         <p:spPr>
           <a:xfrm>
             <a:off x="504000" y="226080"/>
-            <a:ext cx="9071640" cy="946080"/>
+            <a:ext cx="9072000" cy="946440"/>
           </a:xfrm>
           <a:prstGeom prst="rect">
             <a:avLst/>
@@ -4318,7 +4319,7 @@
         <p:spPr>
           <a:xfrm>
             <a:off x="504000" y="1326600"/>
-            <a:ext cx="4426920" cy="1568160"/>
+            <a:ext cx="4426920" cy="1568520"/>
           </a:xfrm>
           <a:prstGeom prst="rect">
             <a:avLst/>
@@ -4348,7 +4349,7 @@
         <p:spPr>
           <a:xfrm>
             <a:off x="5152680" y="1326600"/>
-            <a:ext cx="4426920" cy="1568160"/>
+            <a:ext cx="4426920" cy="1568520"/>
           </a:xfrm>
           <a:prstGeom prst="rect">
             <a:avLst/>
@@ -4377,8 +4378,8 @@
         </p:nvSpPr>
         <p:spPr>
           <a:xfrm>
-            <a:off x="504000" y="3044160"/>
-            <a:ext cx="9071640" cy="1568160"/>
+            <a:off x="504000" y="3044520"/>
+            <a:ext cx="9072000" cy="1568520"/>
           </a:xfrm>
           <a:prstGeom prst="rect">
             <a:avLst/>
@@ -4430,7 +4431,7 @@
         <p:spPr>
           <a:xfrm>
             <a:off x="504000" y="226080"/>
-            <a:ext cx="9071640" cy="946080"/>
+            <a:ext cx="9072000" cy="946440"/>
           </a:xfrm>
           <a:prstGeom prst="rect">
             <a:avLst/>
@@ -4461,7 +4462,7 @@
         <p:spPr>
           <a:xfrm>
             <a:off x="504000" y="1326600"/>
-            <a:ext cx="9071640" cy="1568160"/>
+            <a:ext cx="9072000" cy="1568520"/>
           </a:xfrm>
           <a:prstGeom prst="rect">
             <a:avLst/>
@@ -4490,8 +4491,8 @@
         </p:nvSpPr>
         <p:spPr>
           <a:xfrm>
-            <a:off x="504000" y="3044160"/>
-            <a:ext cx="9071640" cy="1568160"/>
+            <a:off x="504000" y="3044520"/>
+            <a:ext cx="9072000" cy="1568520"/>
           </a:xfrm>
           <a:prstGeom prst="rect">
             <a:avLst/>
@@ -4543,7 +4544,7 @@
         <p:spPr>
           <a:xfrm>
             <a:off x="504000" y="226080"/>
-            <a:ext cx="9071640" cy="946080"/>
+            <a:ext cx="9072000" cy="946440"/>
           </a:xfrm>
           <a:prstGeom prst="rect">
             <a:avLst/>
@@ -4574,7 +4575,7 @@
         <p:spPr>
           <a:xfrm>
             <a:off x="504000" y="1326600"/>
-            <a:ext cx="4426920" cy="1568160"/>
+            <a:ext cx="4426920" cy="1568520"/>
           </a:xfrm>
           <a:prstGeom prst="rect">
             <a:avLst/>
@@ -4604,7 +4605,7 @@
         <p:spPr>
           <a:xfrm>
             <a:off x="5152680" y="1326600"/>
-            <a:ext cx="4426920" cy="1568160"/>
+            <a:ext cx="4426920" cy="1568520"/>
           </a:xfrm>
           <a:prstGeom prst="rect">
             <a:avLst/>
@@ -4633,8 +4634,8 @@
         </p:nvSpPr>
         <p:spPr>
           <a:xfrm>
-            <a:off x="504000" y="3044160"/>
-            <a:ext cx="4426920" cy="1568160"/>
+            <a:off x="504000" y="3044520"/>
+            <a:ext cx="4426920" cy="1568520"/>
           </a:xfrm>
           <a:prstGeom prst="rect">
             <a:avLst/>
@@ -4663,8 +4664,8 @@
         </p:nvSpPr>
         <p:spPr>
           <a:xfrm>
-            <a:off x="5152680" y="3044160"/>
-            <a:ext cx="4426920" cy="1568160"/>
+            <a:off x="5152680" y="3044520"/>
+            <a:ext cx="4426920" cy="1568520"/>
           </a:xfrm>
           <a:prstGeom prst="rect">
             <a:avLst/>
@@ -4716,7 +4717,7 @@
         <p:spPr>
           <a:xfrm>
             <a:off x="504000" y="226080"/>
-            <a:ext cx="9071640" cy="946080"/>
+            <a:ext cx="9072000" cy="946440"/>
           </a:xfrm>
           <a:prstGeom prst="rect">
             <a:avLst/>
@@ -4747,7 +4748,7 @@
         <p:spPr>
           <a:xfrm>
             <a:off x="504000" y="1326600"/>
-            <a:ext cx="2920680" cy="1568160"/>
+            <a:ext cx="2921040" cy="1568520"/>
           </a:xfrm>
           <a:prstGeom prst="rect">
             <a:avLst/>
@@ -4776,8 +4777,8 @@
         </p:nvSpPr>
         <p:spPr>
           <a:xfrm>
-            <a:off x="3571200" y="1326600"/>
-            <a:ext cx="2920680" cy="1568160"/>
+            <a:off x="3571560" y="1326600"/>
+            <a:ext cx="2921040" cy="1568520"/>
           </a:xfrm>
           <a:prstGeom prst="rect">
             <a:avLst/>
@@ -4806,8 +4807,8 @@
         </p:nvSpPr>
         <p:spPr>
           <a:xfrm>
-            <a:off x="6638040" y="1326600"/>
-            <a:ext cx="2920680" cy="1568160"/>
+            <a:off x="6639120" y="1326600"/>
+            <a:ext cx="2921040" cy="1568520"/>
           </a:xfrm>
           <a:prstGeom prst="rect">
             <a:avLst/>
@@ -4836,8 +4837,8 @@
         </p:nvSpPr>
         <p:spPr>
           <a:xfrm>
-            <a:off x="504000" y="3044160"/>
-            <a:ext cx="2920680" cy="1568160"/>
+            <a:off x="504000" y="3044520"/>
+            <a:ext cx="2921040" cy="1568520"/>
           </a:xfrm>
           <a:prstGeom prst="rect">
             <a:avLst/>
@@ -4866,8 +4867,8 @@
         </p:nvSpPr>
         <p:spPr>
           <a:xfrm>
-            <a:off x="3571200" y="3044160"/>
-            <a:ext cx="2920680" cy="1568160"/>
+            <a:off x="3571560" y="3044520"/>
+            <a:ext cx="2921040" cy="1568520"/>
           </a:xfrm>
           <a:prstGeom prst="rect">
             <a:avLst/>
@@ -4896,8 +4897,8 @@
         </p:nvSpPr>
         <p:spPr>
           <a:xfrm>
-            <a:off x="6638040" y="3044160"/>
-            <a:ext cx="2920680" cy="1568160"/>
+            <a:off x="6639120" y="3044520"/>
+            <a:ext cx="2921040" cy="1568520"/>
           </a:xfrm>
           <a:prstGeom prst="rect">
             <a:avLst/>
@@ -4971,7 +4972,7 @@
         <p:spPr>
           <a:xfrm>
             <a:off x="504000" y="226080"/>
-            <a:ext cx="9071640" cy="946080"/>
+            <a:ext cx="9072000" cy="946440"/>
           </a:xfrm>
           <a:prstGeom prst="rect">
             <a:avLst/>
@@ -5024,7 +5025,7 @@
         <p:spPr>
           <a:xfrm>
             <a:off x="504000" y="226080"/>
-            <a:ext cx="9071640" cy="946080"/>
+            <a:ext cx="9072000" cy="946440"/>
           </a:xfrm>
           <a:prstGeom prst="rect">
             <a:avLst/>
@@ -5055,7 +5056,7 @@
         <p:spPr>
           <a:xfrm>
             <a:off x="504000" y="1326600"/>
-            <a:ext cx="9071640" cy="3288240"/>
+            <a:ext cx="9072000" cy="3288600"/>
           </a:xfrm>
           <a:prstGeom prst="rect">
             <a:avLst/>
@@ -5108,7 +5109,7 @@
         <p:spPr>
           <a:xfrm>
             <a:off x="504000" y="226080"/>
-            <a:ext cx="9071640" cy="946080"/>
+            <a:ext cx="9072000" cy="946440"/>
           </a:xfrm>
           <a:prstGeom prst="rect">
             <a:avLst/>
@@ -5139,7 +5140,7 @@
         <p:spPr>
           <a:xfrm>
             <a:off x="504000" y="1326600"/>
-            <a:ext cx="9071640" cy="3288240"/>
+            <a:ext cx="9072000" cy="3288600"/>
           </a:xfrm>
           <a:prstGeom prst="rect">
             <a:avLst/>
@@ -5191,7 +5192,7 @@
         <p:spPr>
           <a:xfrm>
             <a:off x="504000" y="226080"/>
-            <a:ext cx="9071640" cy="946080"/>
+            <a:ext cx="9072000" cy="946440"/>
           </a:xfrm>
           <a:prstGeom prst="rect">
             <a:avLst/>
@@ -5222,7 +5223,7 @@
         <p:spPr>
           <a:xfrm>
             <a:off x="504000" y="1326600"/>
-            <a:ext cx="4426920" cy="3288240"/>
+            <a:ext cx="4426920" cy="3288600"/>
           </a:xfrm>
           <a:prstGeom prst="rect">
             <a:avLst/>
@@ -5252,7 +5253,7 @@
         <p:spPr>
           <a:xfrm>
             <a:off x="5152680" y="1326600"/>
-            <a:ext cx="4426920" cy="3288240"/>
+            <a:ext cx="4426920" cy="3288600"/>
           </a:xfrm>
           <a:prstGeom prst="rect">
             <a:avLst/>
@@ -5304,7 +5305,7 @@
         <p:spPr>
           <a:xfrm>
             <a:off x="504000" y="226080"/>
-            <a:ext cx="9071640" cy="946080"/>
+            <a:ext cx="9072000" cy="946440"/>
           </a:xfrm>
           <a:prstGeom prst="rect">
             <a:avLst/>
@@ -5357,7 +5358,7 @@
         <p:spPr>
           <a:xfrm>
             <a:off x="504000" y="226080"/>
-            <a:ext cx="9071640" cy="4386600"/>
+            <a:ext cx="9072000" cy="4388400"/>
           </a:xfrm>
           <a:prstGeom prst="rect">
             <a:avLst/>
@@ -5410,7 +5411,7 @@
         <p:spPr>
           <a:xfrm>
             <a:off x="504000" y="226080"/>
-            <a:ext cx="9071640" cy="946080"/>
+            <a:ext cx="9072000" cy="946440"/>
           </a:xfrm>
           <a:prstGeom prst="rect">
             <a:avLst/>
@@ -5441,7 +5442,7 @@
         <p:spPr>
           <a:xfrm>
             <a:off x="504000" y="1326600"/>
-            <a:ext cx="4426920" cy="1568160"/>
+            <a:ext cx="4426920" cy="1568520"/>
           </a:xfrm>
           <a:prstGeom prst="rect">
             <a:avLst/>
@@ -5471,7 +5472,7 @@
         <p:spPr>
           <a:xfrm>
             <a:off x="5152680" y="1326600"/>
-            <a:ext cx="4426920" cy="3288240"/>
+            <a:ext cx="4426920" cy="3288600"/>
           </a:xfrm>
           <a:prstGeom prst="rect">
             <a:avLst/>
@@ -5500,8 +5501,8 @@
         </p:nvSpPr>
         <p:spPr>
           <a:xfrm>
-            <a:off x="504000" y="3044160"/>
-            <a:ext cx="4426920" cy="1568160"/>
+            <a:off x="504000" y="3044520"/>
+            <a:ext cx="4426920" cy="1568520"/>
           </a:xfrm>
           <a:prstGeom prst="rect">
             <a:avLst/>
@@ -5553,7 +5554,7 @@
         <p:spPr>
           <a:xfrm>
             <a:off x="504000" y="226080"/>
-            <a:ext cx="9071640" cy="946080"/>
+            <a:ext cx="9072000" cy="946440"/>
           </a:xfrm>
           <a:prstGeom prst="rect">
             <a:avLst/>
@@ -5584,7 +5585,7 @@
         <p:spPr>
           <a:xfrm>
             <a:off x="504000" y="1326600"/>
-            <a:ext cx="4426920" cy="3288240"/>
+            <a:ext cx="4426920" cy="3288600"/>
           </a:xfrm>
           <a:prstGeom prst="rect">
             <a:avLst/>
@@ -5614,7 +5615,7 @@
         <p:spPr>
           <a:xfrm>
             <a:off x="5152680" y="1326600"/>
-            <a:ext cx="4426920" cy="1568160"/>
+            <a:ext cx="4426920" cy="1568520"/>
           </a:xfrm>
           <a:prstGeom prst="rect">
             <a:avLst/>
@@ -5643,8 +5644,8 @@
         </p:nvSpPr>
         <p:spPr>
           <a:xfrm>
-            <a:off x="5152680" y="3044160"/>
-            <a:ext cx="4426920" cy="1568160"/>
+            <a:off x="5152680" y="3044520"/>
+            <a:ext cx="4426920" cy="1568520"/>
           </a:xfrm>
           <a:prstGeom prst="rect">
             <a:avLst/>
@@ -5696,7 +5697,7 @@
         <p:spPr>
           <a:xfrm>
             <a:off x="504000" y="226080"/>
-            <a:ext cx="9071640" cy="946080"/>
+            <a:ext cx="9072000" cy="946440"/>
           </a:xfrm>
           <a:prstGeom prst="rect">
             <a:avLst/>
@@ -5727,7 +5728,7 @@
         <p:spPr>
           <a:xfrm>
             <a:off x="504000" y="1326600"/>
-            <a:ext cx="4426920" cy="1568160"/>
+            <a:ext cx="4426920" cy="1568520"/>
           </a:xfrm>
           <a:prstGeom prst="rect">
             <a:avLst/>
@@ -5757,7 +5758,7 @@
         <p:spPr>
           <a:xfrm>
             <a:off x="5152680" y="1326600"/>
-            <a:ext cx="4426920" cy="1568160"/>
+            <a:ext cx="4426920" cy="1568520"/>
           </a:xfrm>
           <a:prstGeom prst="rect">
             <a:avLst/>
@@ -5786,8 +5787,8 @@
         </p:nvSpPr>
         <p:spPr>
           <a:xfrm>
-            <a:off x="504000" y="3044160"/>
-            <a:ext cx="9071640" cy="1568160"/>
+            <a:off x="504000" y="3044520"/>
+            <a:ext cx="9072000" cy="1568520"/>
           </a:xfrm>
           <a:prstGeom prst="rect">
             <a:avLst/>
@@ -5839,7 +5840,7 @@
         <p:spPr>
           <a:xfrm>
             <a:off x="504000" y="226080"/>
-            <a:ext cx="9071640" cy="946080"/>
+            <a:ext cx="9072000" cy="946440"/>
           </a:xfrm>
           <a:prstGeom prst="rect">
             <a:avLst/>
@@ -5870,7 +5871,7 @@
         <p:spPr>
           <a:xfrm>
             <a:off x="504000" y="1326600"/>
-            <a:ext cx="9071640" cy="1568160"/>
+            <a:ext cx="9072000" cy="1568520"/>
           </a:xfrm>
           <a:prstGeom prst="rect">
             <a:avLst/>
@@ -5899,8 +5900,8 @@
         </p:nvSpPr>
         <p:spPr>
           <a:xfrm>
-            <a:off x="504000" y="3044160"/>
-            <a:ext cx="9071640" cy="1568160"/>
+            <a:off x="504000" y="3044520"/>
+            <a:ext cx="9072000" cy="1568520"/>
           </a:xfrm>
           <a:prstGeom prst="rect">
             <a:avLst/>
@@ -5952,7 +5953,7 @@
         <p:spPr>
           <a:xfrm>
             <a:off x="504000" y="226080"/>
-            <a:ext cx="9071640" cy="946080"/>
+            <a:ext cx="9072000" cy="946440"/>
           </a:xfrm>
           <a:prstGeom prst="rect">
             <a:avLst/>
@@ -5983,7 +5984,7 @@
         <p:spPr>
           <a:xfrm>
             <a:off x="504000" y="1326600"/>
-            <a:ext cx="4426920" cy="1568160"/>
+            <a:ext cx="4426920" cy="1568520"/>
           </a:xfrm>
           <a:prstGeom prst="rect">
             <a:avLst/>
@@ -6013,7 +6014,7 @@
         <p:spPr>
           <a:xfrm>
             <a:off x="5152680" y="1326600"/>
-            <a:ext cx="4426920" cy="1568160"/>
+            <a:ext cx="4426920" cy="1568520"/>
           </a:xfrm>
           <a:prstGeom prst="rect">
             <a:avLst/>
@@ -6042,8 +6043,8 @@
         </p:nvSpPr>
         <p:spPr>
           <a:xfrm>
-            <a:off x="504000" y="3044160"/>
-            <a:ext cx="4426920" cy="1568160"/>
+            <a:off x="504000" y="3044520"/>
+            <a:ext cx="4426920" cy="1568520"/>
           </a:xfrm>
           <a:prstGeom prst="rect">
             <a:avLst/>
@@ -6072,8 +6073,8 @@
         </p:nvSpPr>
         <p:spPr>
           <a:xfrm>
-            <a:off x="5152680" y="3044160"/>
-            <a:ext cx="4426920" cy="1568160"/>
+            <a:off x="5152680" y="3044520"/>
+            <a:ext cx="4426920" cy="1568520"/>
           </a:xfrm>
           <a:prstGeom prst="rect">
             <a:avLst/>
@@ -6125,7 +6126,7 @@
         <p:spPr>
           <a:xfrm>
             <a:off x="504000" y="226080"/>
-            <a:ext cx="9071640" cy="4386600"/>
+            <a:ext cx="9072000" cy="4388400"/>
           </a:xfrm>
           <a:prstGeom prst="rect">
             <a:avLst/>
@@ -6178,7 +6179,7 @@
         <p:spPr>
           <a:xfrm>
             <a:off x="504000" y="226080"/>
-            <a:ext cx="9071640" cy="946080"/>
+            <a:ext cx="9072000" cy="946440"/>
           </a:xfrm>
           <a:prstGeom prst="rect">
             <a:avLst/>
@@ -6209,7 +6210,7 @@
         <p:spPr>
           <a:xfrm>
             <a:off x="504000" y="1326600"/>
-            <a:ext cx="2920680" cy="1568160"/>
+            <a:ext cx="2921040" cy="1568520"/>
           </a:xfrm>
           <a:prstGeom prst="rect">
             <a:avLst/>
@@ -6238,8 +6239,8 @@
         </p:nvSpPr>
         <p:spPr>
           <a:xfrm>
-            <a:off x="3571200" y="1326600"/>
-            <a:ext cx="2920680" cy="1568160"/>
+            <a:off x="3571560" y="1326600"/>
+            <a:ext cx="2921040" cy="1568520"/>
           </a:xfrm>
           <a:prstGeom prst="rect">
             <a:avLst/>
@@ -6268,8 +6269,8 @@
         </p:nvSpPr>
         <p:spPr>
           <a:xfrm>
-            <a:off x="6638040" y="1326600"/>
-            <a:ext cx="2920680" cy="1568160"/>
+            <a:off x="6639120" y="1326600"/>
+            <a:ext cx="2921040" cy="1568520"/>
           </a:xfrm>
           <a:prstGeom prst="rect">
             <a:avLst/>
@@ -6298,8 +6299,8 @@
         </p:nvSpPr>
         <p:spPr>
           <a:xfrm>
-            <a:off x="504000" y="3044160"/>
-            <a:ext cx="2920680" cy="1568160"/>
+            <a:off x="504000" y="3044520"/>
+            <a:ext cx="2921040" cy="1568520"/>
           </a:xfrm>
           <a:prstGeom prst="rect">
             <a:avLst/>
@@ -6328,8 +6329,8 @@
         </p:nvSpPr>
         <p:spPr>
           <a:xfrm>
-            <a:off x="3571200" y="3044160"/>
-            <a:ext cx="2920680" cy="1568160"/>
+            <a:off x="3571560" y="3044520"/>
+            <a:ext cx="2921040" cy="1568520"/>
           </a:xfrm>
           <a:prstGeom prst="rect">
             <a:avLst/>
@@ -6358,8 +6359,8 @@
         </p:nvSpPr>
         <p:spPr>
           <a:xfrm>
-            <a:off x="6638040" y="3044160"/>
-            <a:ext cx="2920680" cy="1568160"/>
+            <a:off x="6639120" y="3044520"/>
+            <a:ext cx="2921040" cy="1568520"/>
           </a:xfrm>
           <a:prstGeom prst="rect">
             <a:avLst/>
@@ -6433,7 +6434,7 @@
         <p:spPr>
           <a:xfrm>
             <a:off x="504000" y="226080"/>
-            <a:ext cx="9071640" cy="946080"/>
+            <a:ext cx="9072000" cy="946440"/>
           </a:xfrm>
           <a:prstGeom prst="rect">
             <a:avLst/>
@@ -6464,7 +6465,7 @@
         <p:spPr>
           <a:xfrm>
             <a:off x="504000" y="1326600"/>
-            <a:ext cx="9071640" cy="3288240"/>
+            <a:ext cx="9072000" cy="3288600"/>
           </a:xfrm>
           <a:prstGeom prst="rect">
             <a:avLst/>
@@ -6517,7 +6518,7 @@
         <p:spPr>
           <a:xfrm>
             <a:off x="504000" y="226080"/>
-            <a:ext cx="9071640" cy="946080"/>
+            <a:ext cx="9072000" cy="946440"/>
           </a:xfrm>
           <a:prstGeom prst="rect">
             <a:avLst/>
@@ -6548,7 +6549,7 @@
         <p:spPr>
           <a:xfrm>
             <a:off x="504000" y="1326600"/>
-            <a:ext cx="9071640" cy="3288240"/>
+            <a:ext cx="9072000" cy="3288600"/>
           </a:xfrm>
           <a:prstGeom prst="rect">
             <a:avLst/>
@@ -6600,7 +6601,7 @@
         <p:spPr>
           <a:xfrm>
             <a:off x="504000" y="226080"/>
-            <a:ext cx="9071640" cy="946080"/>
+            <a:ext cx="9072000" cy="946440"/>
           </a:xfrm>
           <a:prstGeom prst="rect">
             <a:avLst/>
@@ -6631,7 +6632,7 @@
         <p:spPr>
           <a:xfrm>
             <a:off x="504000" y="1326600"/>
-            <a:ext cx="4426920" cy="3288240"/>
+            <a:ext cx="4426920" cy="3288600"/>
           </a:xfrm>
           <a:prstGeom prst="rect">
             <a:avLst/>
@@ -6661,7 +6662,7 @@
         <p:spPr>
           <a:xfrm>
             <a:off x="5152680" y="1326600"/>
-            <a:ext cx="4426920" cy="3288240"/>
+            <a:ext cx="4426920" cy="3288600"/>
           </a:xfrm>
           <a:prstGeom prst="rect">
             <a:avLst/>
@@ -6713,7 +6714,7 @@
         <p:spPr>
           <a:xfrm>
             <a:off x="504000" y="226080"/>
-            <a:ext cx="9071640" cy="946080"/>
+            <a:ext cx="9072000" cy="946440"/>
           </a:xfrm>
           <a:prstGeom prst="rect">
             <a:avLst/>
@@ -6766,7 +6767,7 @@
         <p:spPr>
           <a:xfrm>
             <a:off x="504000" y="226080"/>
-            <a:ext cx="9071640" cy="4386600"/>
+            <a:ext cx="9072000" cy="4388400"/>
           </a:xfrm>
           <a:prstGeom prst="rect">
             <a:avLst/>
@@ -6819,7 +6820,7 @@
         <p:spPr>
           <a:xfrm>
             <a:off x="504000" y="226080"/>
-            <a:ext cx="9071640" cy="946080"/>
+            <a:ext cx="9072000" cy="946440"/>
           </a:xfrm>
           <a:prstGeom prst="rect">
             <a:avLst/>
@@ -6850,7 +6851,7 @@
         <p:spPr>
           <a:xfrm>
             <a:off x="504000" y="1326600"/>
-            <a:ext cx="4426920" cy="1568160"/>
+            <a:ext cx="4426920" cy="1568520"/>
           </a:xfrm>
           <a:prstGeom prst="rect">
             <a:avLst/>
@@ -6880,7 +6881,7 @@
         <p:spPr>
           <a:xfrm>
             <a:off x="5152680" y="1326600"/>
-            <a:ext cx="4426920" cy="3288240"/>
+            <a:ext cx="4426920" cy="3288600"/>
           </a:xfrm>
           <a:prstGeom prst="rect">
             <a:avLst/>
@@ -6909,8 +6910,8 @@
         </p:nvSpPr>
         <p:spPr>
           <a:xfrm>
-            <a:off x="504000" y="3044160"/>
-            <a:ext cx="4426920" cy="1568160"/>
+            <a:off x="504000" y="3044520"/>
+            <a:ext cx="4426920" cy="1568520"/>
           </a:xfrm>
           <a:prstGeom prst="rect">
             <a:avLst/>
@@ -6962,7 +6963,7 @@
         <p:spPr>
           <a:xfrm>
             <a:off x="504000" y="226080"/>
-            <a:ext cx="9071640" cy="946080"/>
+            <a:ext cx="9072000" cy="946440"/>
           </a:xfrm>
           <a:prstGeom prst="rect">
             <a:avLst/>
@@ -6993,7 +6994,7 @@
         <p:spPr>
           <a:xfrm>
             <a:off x="504000" y="1326600"/>
-            <a:ext cx="4426920" cy="3288240"/>
+            <a:ext cx="4426920" cy="3288600"/>
           </a:xfrm>
           <a:prstGeom prst="rect">
             <a:avLst/>
@@ -7023,7 +7024,7 @@
         <p:spPr>
           <a:xfrm>
             <a:off x="5152680" y="1326600"/>
-            <a:ext cx="4426920" cy="1568160"/>
+            <a:ext cx="4426920" cy="1568520"/>
           </a:xfrm>
           <a:prstGeom prst="rect">
             <a:avLst/>
@@ -7052,8 +7053,8 @@
         </p:nvSpPr>
         <p:spPr>
           <a:xfrm>
-            <a:off x="5152680" y="3044160"/>
-            <a:ext cx="4426920" cy="1568160"/>
+            <a:off x="5152680" y="3044520"/>
+            <a:ext cx="4426920" cy="1568520"/>
           </a:xfrm>
           <a:prstGeom prst="rect">
             <a:avLst/>
@@ -7105,7 +7106,7 @@
         <p:spPr>
           <a:xfrm>
             <a:off x="504000" y="226080"/>
-            <a:ext cx="9071640" cy="946080"/>
+            <a:ext cx="9072000" cy="946440"/>
           </a:xfrm>
           <a:prstGeom prst="rect">
             <a:avLst/>
@@ -7136,7 +7137,7 @@
         <p:spPr>
           <a:xfrm>
             <a:off x="504000" y="1326600"/>
-            <a:ext cx="4426920" cy="1568160"/>
+            <a:ext cx="4426920" cy="1568520"/>
           </a:xfrm>
           <a:prstGeom prst="rect">
             <a:avLst/>
@@ -7166,7 +7167,7 @@
         <p:spPr>
           <a:xfrm>
             <a:off x="5152680" y="1326600"/>
-            <a:ext cx="4426920" cy="1568160"/>
+            <a:ext cx="4426920" cy="1568520"/>
           </a:xfrm>
           <a:prstGeom prst="rect">
             <a:avLst/>
@@ -7195,8 +7196,8 @@
         </p:nvSpPr>
         <p:spPr>
           <a:xfrm>
-            <a:off x="504000" y="3044160"/>
-            <a:ext cx="9071640" cy="1568160"/>
+            <a:off x="504000" y="3044520"/>
+            <a:ext cx="9072000" cy="1568520"/>
           </a:xfrm>
           <a:prstGeom prst="rect">
             <a:avLst/>
@@ -7248,7 +7249,7 @@
         <p:spPr>
           <a:xfrm>
             <a:off x="504000" y="226080"/>
-            <a:ext cx="9071640" cy="946080"/>
+            <a:ext cx="9072000" cy="946440"/>
           </a:xfrm>
           <a:prstGeom prst="rect">
             <a:avLst/>
@@ -7279,7 +7280,7 @@
         <p:spPr>
           <a:xfrm>
             <a:off x="504000" y="1326600"/>
-            <a:ext cx="4426920" cy="1568160"/>
+            <a:ext cx="4426920" cy="1568520"/>
           </a:xfrm>
           <a:prstGeom prst="rect">
             <a:avLst/>
@@ -7309,7 +7310,7 @@
         <p:spPr>
           <a:xfrm>
             <a:off x="5152680" y="1326600"/>
-            <a:ext cx="4426920" cy="3288240"/>
+            <a:ext cx="4426920" cy="3288600"/>
           </a:xfrm>
           <a:prstGeom prst="rect">
             <a:avLst/>
@@ -7338,8 +7339,8 @@
         </p:nvSpPr>
         <p:spPr>
           <a:xfrm>
-            <a:off x="504000" y="3044160"/>
-            <a:ext cx="4426920" cy="1568160"/>
+            <a:off x="504000" y="3044520"/>
+            <a:ext cx="4426920" cy="1568520"/>
           </a:xfrm>
           <a:prstGeom prst="rect">
             <a:avLst/>
@@ -7391,7 +7392,7 @@
         <p:spPr>
           <a:xfrm>
             <a:off x="504000" y="226080"/>
-            <a:ext cx="9071640" cy="946080"/>
+            <a:ext cx="9072000" cy="946440"/>
           </a:xfrm>
           <a:prstGeom prst="rect">
             <a:avLst/>
@@ -7422,7 +7423,7 @@
         <p:spPr>
           <a:xfrm>
             <a:off x="504000" y="1326600"/>
-            <a:ext cx="9071640" cy="1568160"/>
+            <a:ext cx="9072000" cy="1568520"/>
           </a:xfrm>
           <a:prstGeom prst="rect">
             <a:avLst/>
@@ -7451,8 +7452,8 @@
         </p:nvSpPr>
         <p:spPr>
           <a:xfrm>
-            <a:off x="504000" y="3044160"/>
-            <a:ext cx="9071640" cy="1568160"/>
+            <a:off x="504000" y="3044520"/>
+            <a:ext cx="9072000" cy="1568520"/>
           </a:xfrm>
           <a:prstGeom prst="rect">
             <a:avLst/>
@@ -7504,7 +7505,7 @@
         <p:spPr>
           <a:xfrm>
             <a:off x="504000" y="226080"/>
-            <a:ext cx="9071640" cy="946080"/>
+            <a:ext cx="9072000" cy="946440"/>
           </a:xfrm>
           <a:prstGeom prst="rect">
             <a:avLst/>
@@ -7535,7 +7536,7 @@
         <p:spPr>
           <a:xfrm>
             <a:off x="504000" y="1326600"/>
-            <a:ext cx="4426920" cy="1568160"/>
+            <a:ext cx="4426920" cy="1568520"/>
           </a:xfrm>
           <a:prstGeom prst="rect">
             <a:avLst/>
@@ -7565,7 +7566,7 @@
         <p:spPr>
           <a:xfrm>
             <a:off x="5152680" y="1326600"/>
-            <a:ext cx="4426920" cy="1568160"/>
+            <a:ext cx="4426920" cy="1568520"/>
           </a:xfrm>
           <a:prstGeom prst="rect">
             <a:avLst/>
@@ -7594,8 +7595,8 @@
         </p:nvSpPr>
         <p:spPr>
           <a:xfrm>
-            <a:off x="504000" y="3044160"/>
-            <a:ext cx="4426920" cy="1568160"/>
+            <a:off x="504000" y="3044520"/>
+            <a:ext cx="4426920" cy="1568520"/>
           </a:xfrm>
           <a:prstGeom prst="rect">
             <a:avLst/>
@@ -7624,8 +7625,8 @@
         </p:nvSpPr>
         <p:spPr>
           <a:xfrm>
-            <a:off x="5152680" y="3044160"/>
-            <a:ext cx="4426920" cy="1568160"/>
+            <a:off x="5152680" y="3044520"/>
+            <a:ext cx="4426920" cy="1568520"/>
           </a:xfrm>
           <a:prstGeom prst="rect">
             <a:avLst/>
@@ -7677,7 +7678,7 @@
         <p:spPr>
           <a:xfrm>
             <a:off x="504000" y="226080"/>
-            <a:ext cx="9071640" cy="946080"/>
+            <a:ext cx="9072000" cy="946440"/>
           </a:xfrm>
           <a:prstGeom prst="rect">
             <a:avLst/>
@@ -7708,7 +7709,7 @@
         <p:spPr>
           <a:xfrm>
             <a:off x="504000" y="1326600"/>
-            <a:ext cx="2920680" cy="1568160"/>
+            <a:ext cx="2921040" cy="1568520"/>
           </a:xfrm>
           <a:prstGeom prst="rect">
             <a:avLst/>
@@ -7737,8 +7738,8 @@
         </p:nvSpPr>
         <p:spPr>
           <a:xfrm>
-            <a:off x="3571200" y="1326600"/>
-            <a:ext cx="2920680" cy="1568160"/>
+            <a:off x="3571560" y="1326600"/>
+            <a:ext cx="2921040" cy="1568520"/>
           </a:xfrm>
           <a:prstGeom prst="rect">
             <a:avLst/>
@@ -7767,8 +7768,8 @@
         </p:nvSpPr>
         <p:spPr>
           <a:xfrm>
-            <a:off x="6638040" y="1326600"/>
-            <a:ext cx="2920680" cy="1568160"/>
+            <a:off x="6639120" y="1326600"/>
+            <a:ext cx="2921040" cy="1568520"/>
           </a:xfrm>
           <a:prstGeom prst="rect">
             <a:avLst/>
@@ -7797,8 +7798,8 @@
         </p:nvSpPr>
         <p:spPr>
           <a:xfrm>
-            <a:off x="504000" y="3044160"/>
-            <a:ext cx="2920680" cy="1568160"/>
+            <a:off x="504000" y="3044520"/>
+            <a:ext cx="2921040" cy="1568520"/>
           </a:xfrm>
           <a:prstGeom prst="rect">
             <a:avLst/>
@@ -7827,8 +7828,8 @@
         </p:nvSpPr>
         <p:spPr>
           <a:xfrm>
-            <a:off x="3571200" y="3044160"/>
-            <a:ext cx="2920680" cy="1568160"/>
+            <a:off x="3571560" y="3044520"/>
+            <a:ext cx="2921040" cy="1568520"/>
           </a:xfrm>
           <a:prstGeom prst="rect">
             <a:avLst/>
@@ -7857,8 +7858,559 @@
         </p:nvSpPr>
         <p:spPr>
           <a:xfrm>
-            <a:off x="6638040" y="3044160"/>
-            <a:ext cx="2920680" cy="1568160"/>
+            <a:off x="6639120" y="3044520"/>
+            <a:ext cx="2921040" cy="1568520"/>
+          </a:xfrm>
+          <a:prstGeom prst="rect">
+            <a:avLst/>
+          </a:prstGeom>
+        </p:spPr>
+        <p:txBody>
+          <a:bodyPr lIns="0" rIns="0" tIns="0" bIns="0">
+            <a:normAutofit/>
+          </a:bodyPr>
+          <a:p>
+            <a:endParaRPr b="0" lang="pt-PT" sz="3200" spc="-1" strike="noStrike">
+              <a:latin typeface="Arial"/>
+            </a:endParaRPr>
+          </a:p>
+        </p:txBody>
+      </p:sp>
+    </p:spTree>
+  </p:cSld>
+</p:sldLayout>
+</file>
+
+<file path=ppt/slideLayouts/slideLayout73.xml><?xml version="1.0" encoding="utf-8"?>
+<p:sldLayout xmlns:a="http://schemas.openxmlformats.org/drawingml/2006/main" xmlns:p="http://schemas.openxmlformats.org/presentationml/2006/main" xmlns:r="http://schemas.openxmlformats.org/officeDocument/2006/relationships" xmlns:p14="http://schemas.microsoft.com/office/powerpoint/2010/main" xmlns:p15="http://schemas.microsoft.com/office/powerpoint/2012/main" xmlns:mc="http://schemas.openxmlformats.org/markup-compatibility/2006" type="blank" preserve="1">
+  <p:cSld name="Blank Slide">
+    <p:spTree>
+      <p:nvGrpSpPr>
+        <p:cNvPr id="1" name=""/>
+        <p:cNvGrpSpPr/>
+        <p:nvPr/>
+      </p:nvGrpSpPr>
+      <p:grpSpPr>
+        <a:xfrm>
+          <a:off x="0" y="0"/>
+          <a:ext cx="0" cy="0"/>
+          <a:chOff x="0" y="0"/>
+          <a:chExt cx="0" cy="0"/>
+        </a:xfrm>
+      </p:grpSpPr>
+    </p:spTree>
+  </p:cSld>
+</p:sldLayout>
+</file>
+
+<file path=ppt/slideLayouts/slideLayout74.xml><?xml version="1.0" encoding="utf-8"?>
+<p:sldLayout xmlns:a="http://schemas.openxmlformats.org/drawingml/2006/main" xmlns:p="http://schemas.openxmlformats.org/presentationml/2006/main" xmlns:r="http://schemas.openxmlformats.org/officeDocument/2006/relationships" xmlns:p14="http://schemas.microsoft.com/office/powerpoint/2010/main" xmlns:p15="http://schemas.microsoft.com/office/powerpoint/2012/main" xmlns:mc="http://schemas.openxmlformats.org/markup-compatibility/2006" type="tx" preserve="1">
+  <p:cSld name="Title Slide">
+    <p:spTree>
+      <p:nvGrpSpPr>
+        <p:cNvPr id="1" name=""/>
+        <p:cNvGrpSpPr/>
+        <p:nvPr/>
+      </p:nvGrpSpPr>
+      <p:grpSpPr>
+        <a:xfrm>
+          <a:off x="0" y="0"/>
+          <a:ext cx="0" cy="0"/>
+          <a:chOff x="0" y="0"/>
+          <a:chExt cx="0" cy="0"/>
+        </a:xfrm>
+      </p:grpSpPr>
+      <p:sp>
+        <p:nvSpPr>
+          <p:cNvPr id="230" name="PlaceHolder 1"/>
+          <p:cNvSpPr>
+            <a:spLocks noGrp="1"/>
+          </p:cNvSpPr>
+          <p:nvPr>
+            <p:ph type="title"/>
+          </p:nvPr>
+        </p:nvSpPr>
+        <p:spPr>
+          <a:xfrm>
+            <a:off x="504000" y="226080"/>
+            <a:ext cx="9072000" cy="946440"/>
+          </a:xfrm>
+          <a:prstGeom prst="rect">
+            <a:avLst/>
+          </a:prstGeom>
+        </p:spPr>
+        <p:txBody>
+          <a:bodyPr lIns="0" rIns="0" tIns="0" bIns="0" anchor="ctr">
+            <a:noAutofit/>
+          </a:bodyPr>
+          <a:p>
+            <a:pPr algn="ctr"/>
+            <a:endParaRPr b="0" lang="pt-PT" sz="4400" spc="-1" strike="noStrike">
+              <a:latin typeface="Arial"/>
+            </a:endParaRPr>
+          </a:p>
+        </p:txBody>
+      </p:sp>
+      <p:sp>
+        <p:nvSpPr>
+          <p:cNvPr id="231" name="PlaceHolder 2"/>
+          <p:cNvSpPr>
+            <a:spLocks noGrp="1"/>
+          </p:cNvSpPr>
+          <p:nvPr>
+            <p:ph type="subTitle"/>
+          </p:nvPr>
+        </p:nvSpPr>
+        <p:spPr>
+          <a:xfrm>
+            <a:off x="504000" y="1326600"/>
+            <a:ext cx="9072000" cy="3288600"/>
+          </a:xfrm>
+          <a:prstGeom prst="rect">
+            <a:avLst/>
+          </a:prstGeom>
+        </p:spPr>
+        <p:txBody>
+          <a:bodyPr lIns="0" rIns="0" tIns="0" bIns="0" anchor="ctr">
+            <a:noAutofit/>
+          </a:bodyPr>
+          <a:p>
+            <a:pPr algn="ctr"/>
+            <a:endParaRPr b="0" lang="pt-PT" sz="3200" spc="-1" strike="noStrike">
+              <a:latin typeface="Arial"/>
+            </a:endParaRPr>
+          </a:p>
+        </p:txBody>
+      </p:sp>
+    </p:spTree>
+  </p:cSld>
+</p:sldLayout>
+</file>
+
+<file path=ppt/slideLayouts/slideLayout75.xml><?xml version="1.0" encoding="utf-8"?>
+<p:sldLayout xmlns:a="http://schemas.openxmlformats.org/drawingml/2006/main" xmlns:p="http://schemas.openxmlformats.org/presentationml/2006/main" xmlns:r="http://schemas.openxmlformats.org/officeDocument/2006/relationships" xmlns:p14="http://schemas.microsoft.com/office/powerpoint/2010/main" xmlns:p15="http://schemas.microsoft.com/office/powerpoint/2012/main" xmlns:mc="http://schemas.openxmlformats.org/markup-compatibility/2006" type="obj" preserve="1">
+  <p:cSld name="Title, Content">
+    <p:spTree>
+      <p:nvGrpSpPr>
+        <p:cNvPr id="1" name=""/>
+        <p:cNvGrpSpPr/>
+        <p:nvPr/>
+      </p:nvGrpSpPr>
+      <p:grpSpPr>
+        <a:xfrm>
+          <a:off x="0" y="0"/>
+          <a:ext cx="0" cy="0"/>
+          <a:chOff x="0" y="0"/>
+          <a:chExt cx="0" cy="0"/>
+        </a:xfrm>
+      </p:grpSpPr>
+      <p:sp>
+        <p:nvSpPr>
+          <p:cNvPr id="232" name="PlaceHolder 1"/>
+          <p:cNvSpPr>
+            <a:spLocks noGrp="1"/>
+          </p:cNvSpPr>
+          <p:nvPr>
+            <p:ph type="title"/>
+          </p:nvPr>
+        </p:nvSpPr>
+        <p:spPr>
+          <a:xfrm>
+            <a:off x="504000" y="226080"/>
+            <a:ext cx="9072000" cy="946440"/>
+          </a:xfrm>
+          <a:prstGeom prst="rect">
+            <a:avLst/>
+          </a:prstGeom>
+        </p:spPr>
+        <p:txBody>
+          <a:bodyPr lIns="0" rIns="0" tIns="0" bIns="0" anchor="ctr">
+            <a:noAutofit/>
+          </a:bodyPr>
+          <a:p>
+            <a:pPr algn="ctr"/>
+            <a:endParaRPr b="0" lang="pt-PT" sz="4400" spc="-1" strike="noStrike">
+              <a:latin typeface="Arial"/>
+            </a:endParaRPr>
+          </a:p>
+        </p:txBody>
+      </p:sp>
+      <p:sp>
+        <p:nvSpPr>
+          <p:cNvPr id="233" name="PlaceHolder 2"/>
+          <p:cNvSpPr>
+            <a:spLocks noGrp="1"/>
+          </p:cNvSpPr>
+          <p:nvPr>
+            <p:ph type="body"/>
+          </p:nvPr>
+        </p:nvSpPr>
+        <p:spPr>
+          <a:xfrm>
+            <a:off x="504000" y="1326600"/>
+            <a:ext cx="9072000" cy="3288600"/>
+          </a:xfrm>
+          <a:prstGeom prst="rect">
+            <a:avLst/>
+          </a:prstGeom>
+        </p:spPr>
+        <p:txBody>
+          <a:bodyPr lIns="0" rIns="0" tIns="0" bIns="0">
+            <a:normAutofit/>
+          </a:bodyPr>
+          <a:p>
+            <a:endParaRPr b="0" lang="pt-PT" sz="3200" spc="-1" strike="noStrike">
+              <a:latin typeface="Arial"/>
+            </a:endParaRPr>
+          </a:p>
+        </p:txBody>
+      </p:sp>
+    </p:spTree>
+  </p:cSld>
+</p:sldLayout>
+</file>
+
+<file path=ppt/slideLayouts/slideLayout76.xml><?xml version="1.0" encoding="utf-8"?>
+<p:sldLayout xmlns:a="http://schemas.openxmlformats.org/drawingml/2006/main" xmlns:p="http://schemas.openxmlformats.org/presentationml/2006/main" xmlns:r="http://schemas.openxmlformats.org/officeDocument/2006/relationships" xmlns:p14="http://schemas.microsoft.com/office/powerpoint/2010/main" xmlns:p15="http://schemas.microsoft.com/office/powerpoint/2012/main" xmlns:mc="http://schemas.openxmlformats.org/markup-compatibility/2006" type="twoObj" preserve="1">
+  <p:cSld name="Title, 2 Content">
+    <p:spTree>
+      <p:nvGrpSpPr>
+        <p:cNvPr id="1" name=""/>
+        <p:cNvGrpSpPr/>
+        <p:nvPr/>
+      </p:nvGrpSpPr>
+      <p:grpSpPr>
+        <a:xfrm>
+          <a:off x="0" y="0"/>
+          <a:ext cx="0" cy="0"/>
+          <a:chOff x="0" y="0"/>
+          <a:chExt cx="0" cy="0"/>
+        </a:xfrm>
+      </p:grpSpPr>
+      <p:sp>
+        <p:nvSpPr>
+          <p:cNvPr id="234" name="PlaceHolder 1"/>
+          <p:cNvSpPr>
+            <a:spLocks noGrp="1"/>
+          </p:cNvSpPr>
+          <p:nvPr>
+            <p:ph type="title"/>
+          </p:nvPr>
+        </p:nvSpPr>
+        <p:spPr>
+          <a:xfrm>
+            <a:off x="504000" y="226080"/>
+            <a:ext cx="9072000" cy="946440"/>
+          </a:xfrm>
+          <a:prstGeom prst="rect">
+            <a:avLst/>
+          </a:prstGeom>
+        </p:spPr>
+        <p:txBody>
+          <a:bodyPr lIns="0" rIns="0" tIns="0" bIns="0" anchor="ctr">
+            <a:noAutofit/>
+          </a:bodyPr>
+          <a:p>
+            <a:pPr algn="ctr"/>
+            <a:endParaRPr b="0" lang="pt-PT" sz="4400" spc="-1" strike="noStrike">
+              <a:latin typeface="Arial"/>
+            </a:endParaRPr>
+          </a:p>
+        </p:txBody>
+      </p:sp>
+      <p:sp>
+        <p:nvSpPr>
+          <p:cNvPr id="235" name="PlaceHolder 2"/>
+          <p:cNvSpPr>
+            <a:spLocks noGrp="1"/>
+          </p:cNvSpPr>
+          <p:nvPr>
+            <p:ph type="body"/>
+          </p:nvPr>
+        </p:nvSpPr>
+        <p:spPr>
+          <a:xfrm>
+            <a:off x="504000" y="1326600"/>
+            <a:ext cx="4426920" cy="3288600"/>
+          </a:xfrm>
+          <a:prstGeom prst="rect">
+            <a:avLst/>
+          </a:prstGeom>
+        </p:spPr>
+        <p:txBody>
+          <a:bodyPr lIns="0" rIns="0" tIns="0" bIns="0">
+            <a:normAutofit/>
+          </a:bodyPr>
+          <a:p>
+            <a:endParaRPr b="0" lang="pt-PT" sz="3200" spc="-1" strike="noStrike">
+              <a:latin typeface="Arial"/>
+            </a:endParaRPr>
+          </a:p>
+        </p:txBody>
+      </p:sp>
+      <p:sp>
+        <p:nvSpPr>
+          <p:cNvPr id="236" name="PlaceHolder 3"/>
+          <p:cNvSpPr>
+            <a:spLocks noGrp="1"/>
+          </p:cNvSpPr>
+          <p:nvPr>
+            <p:ph type="body"/>
+          </p:nvPr>
+        </p:nvSpPr>
+        <p:spPr>
+          <a:xfrm>
+            <a:off x="5152680" y="1326600"/>
+            <a:ext cx="4426920" cy="3288600"/>
+          </a:xfrm>
+          <a:prstGeom prst="rect">
+            <a:avLst/>
+          </a:prstGeom>
+        </p:spPr>
+        <p:txBody>
+          <a:bodyPr lIns="0" rIns="0" tIns="0" bIns="0">
+            <a:normAutofit/>
+          </a:bodyPr>
+          <a:p>
+            <a:endParaRPr b="0" lang="pt-PT" sz="3200" spc="-1" strike="noStrike">
+              <a:latin typeface="Arial"/>
+            </a:endParaRPr>
+          </a:p>
+        </p:txBody>
+      </p:sp>
+    </p:spTree>
+  </p:cSld>
+</p:sldLayout>
+</file>
+
+<file path=ppt/slideLayouts/slideLayout77.xml><?xml version="1.0" encoding="utf-8"?>
+<p:sldLayout xmlns:a="http://schemas.openxmlformats.org/drawingml/2006/main" xmlns:p="http://schemas.openxmlformats.org/presentationml/2006/main" xmlns:r="http://schemas.openxmlformats.org/officeDocument/2006/relationships" xmlns:p14="http://schemas.microsoft.com/office/powerpoint/2010/main" xmlns:p15="http://schemas.microsoft.com/office/powerpoint/2012/main" xmlns:mc="http://schemas.openxmlformats.org/markup-compatibility/2006" type="titleOnly" preserve="1">
+  <p:cSld name="Title Only">
+    <p:spTree>
+      <p:nvGrpSpPr>
+        <p:cNvPr id="1" name=""/>
+        <p:cNvGrpSpPr/>
+        <p:nvPr/>
+      </p:nvGrpSpPr>
+      <p:grpSpPr>
+        <a:xfrm>
+          <a:off x="0" y="0"/>
+          <a:ext cx="0" cy="0"/>
+          <a:chOff x="0" y="0"/>
+          <a:chExt cx="0" cy="0"/>
+        </a:xfrm>
+      </p:grpSpPr>
+      <p:sp>
+        <p:nvSpPr>
+          <p:cNvPr id="237" name="PlaceHolder 1"/>
+          <p:cNvSpPr>
+            <a:spLocks noGrp="1"/>
+          </p:cNvSpPr>
+          <p:nvPr>
+            <p:ph type="title"/>
+          </p:nvPr>
+        </p:nvSpPr>
+        <p:spPr>
+          <a:xfrm>
+            <a:off x="504000" y="226080"/>
+            <a:ext cx="9072000" cy="946440"/>
+          </a:xfrm>
+          <a:prstGeom prst="rect">
+            <a:avLst/>
+          </a:prstGeom>
+        </p:spPr>
+        <p:txBody>
+          <a:bodyPr lIns="0" rIns="0" tIns="0" bIns="0" anchor="ctr">
+            <a:noAutofit/>
+          </a:bodyPr>
+          <a:p>
+            <a:pPr algn="ctr"/>
+            <a:endParaRPr b="0" lang="pt-PT" sz="4400" spc="-1" strike="noStrike">
+              <a:latin typeface="Arial"/>
+            </a:endParaRPr>
+          </a:p>
+        </p:txBody>
+      </p:sp>
+    </p:spTree>
+  </p:cSld>
+</p:sldLayout>
+</file>
+
+<file path=ppt/slideLayouts/slideLayout78.xml><?xml version="1.0" encoding="utf-8"?>
+<p:sldLayout xmlns:a="http://schemas.openxmlformats.org/drawingml/2006/main" xmlns:p="http://schemas.openxmlformats.org/presentationml/2006/main" xmlns:r="http://schemas.openxmlformats.org/officeDocument/2006/relationships" xmlns:p14="http://schemas.microsoft.com/office/powerpoint/2010/main" xmlns:p15="http://schemas.microsoft.com/office/powerpoint/2012/main" xmlns:mc="http://schemas.openxmlformats.org/markup-compatibility/2006" type="objOnly" preserve="1">
+  <p:cSld name="Centered Text">
+    <p:spTree>
+      <p:nvGrpSpPr>
+        <p:cNvPr id="1" name=""/>
+        <p:cNvGrpSpPr/>
+        <p:nvPr/>
+      </p:nvGrpSpPr>
+      <p:grpSpPr>
+        <a:xfrm>
+          <a:off x="0" y="0"/>
+          <a:ext cx="0" cy="0"/>
+          <a:chOff x="0" y="0"/>
+          <a:chExt cx="0" cy="0"/>
+        </a:xfrm>
+      </p:grpSpPr>
+      <p:sp>
+        <p:nvSpPr>
+          <p:cNvPr id="238" name="PlaceHolder 1"/>
+          <p:cNvSpPr>
+            <a:spLocks noGrp="1"/>
+          </p:cNvSpPr>
+          <p:nvPr>
+            <p:ph type="subTitle"/>
+          </p:nvPr>
+        </p:nvSpPr>
+        <p:spPr>
+          <a:xfrm>
+            <a:off x="504000" y="226080"/>
+            <a:ext cx="9072000" cy="4388400"/>
+          </a:xfrm>
+          <a:prstGeom prst="rect">
+            <a:avLst/>
+          </a:prstGeom>
+        </p:spPr>
+        <p:txBody>
+          <a:bodyPr lIns="0" rIns="0" tIns="0" bIns="0" anchor="ctr">
+            <a:noAutofit/>
+          </a:bodyPr>
+          <a:p>
+            <a:pPr algn="ctr"/>
+            <a:endParaRPr b="0" lang="pt-PT" sz="3200" spc="-1" strike="noStrike">
+              <a:latin typeface="Arial"/>
+            </a:endParaRPr>
+          </a:p>
+        </p:txBody>
+      </p:sp>
+    </p:spTree>
+  </p:cSld>
+</p:sldLayout>
+</file>
+
+<file path=ppt/slideLayouts/slideLayout79.xml><?xml version="1.0" encoding="utf-8"?>
+<p:sldLayout xmlns:a="http://schemas.openxmlformats.org/drawingml/2006/main" xmlns:p="http://schemas.openxmlformats.org/presentationml/2006/main" xmlns:r="http://schemas.openxmlformats.org/officeDocument/2006/relationships" xmlns:p14="http://schemas.microsoft.com/office/powerpoint/2010/main" xmlns:p15="http://schemas.microsoft.com/office/powerpoint/2012/main" xmlns:mc="http://schemas.openxmlformats.org/markup-compatibility/2006" type="twoObjAndObj" preserve="1">
+  <p:cSld name="Title, 2 Content and Content">
+    <p:spTree>
+      <p:nvGrpSpPr>
+        <p:cNvPr id="1" name=""/>
+        <p:cNvGrpSpPr/>
+        <p:nvPr/>
+      </p:nvGrpSpPr>
+      <p:grpSpPr>
+        <a:xfrm>
+          <a:off x="0" y="0"/>
+          <a:ext cx="0" cy="0"/>
+          <a:chOff x="0" y="0"/>
+          <a:chExt cx="0" cy="0"/>
+        </a:xfrm>
+      </p:grpSpPr>
+      <p:sp>
+        <p:nvSpPr>
+          <p:cNvPr id="239" name="PlaceHolder 1"/>
+          <p:cNvSpPr>
+            <a:spLocks noGrp="1"/>
+          </p:cNvSpPr>
+          <p:nvPr>
+            <p:ph type="title"/>
+          </p:nvPr>
+        </p:nvSpPr>
+        <p:spPr>
+          <a:xfrm>
+            <a:off x="504000" y="226080"/>
+            <a:ext cx="9072000" cy="946440"/>
+          </a:xfrm>
+          <a:prstGeom prst="rect">
+            <a:avLst/>
+          </a:prstGeom>
+        </p:spPr>
+        <p:txBody>
+          <a:bodyPr lIns="0" rIns="0" tIns="0" bIns="0" anchor="ctr">
+            <a:noAutofit/>
+          </a:bodyPr>
+          <a:p>
+            <a:pPr algn="ctr"/>
+            <a:endParaRPr b="0" lang="pt-PT" sz="4400" spc="-1" strike="noStrike">
+              <a:latin typeface="Arial"/>
+            </a:endParaRPr>
+          </a:p>
+        </p:txBody>
+      </p:sp>
+      <p:sp>
+        <p:nvSpPr>
+          <p:cNvPr id="240" name="PlaceHolder 2"/>
+          <p:cNvSpPr>
+            <a:spLocks noGrp="1"/>
+          </p:cNvSpPr>
+          <p:nvPr>
+            <p:ph type="body"/>
+          </p:nvPr>
+        </p:nvSpPr>
+        <p:spPr>
+          <a:xfrm>
+            <a:off x="504000" y="1326600"/>
+            <a:ext cx="4426920" cy="1568520"/>
+          </a:xfrm>
+          <a:prstGeom prst="rect">
+            <a:avLst/>
+          </a:prstGeom>
+        </p:spPr>
+        <p:txBody>
+          <a:bodyPr lIns="0" rIns="0" tIns="0" bIns="0">
+            <a:normAutofit/>
+          </a:bodyPr>
+          <a:p>
+            <a:endParaRPr b="0" lang="pt-PT" sz="3200" spc="-1" strike="noStrike">
+              <a:latin typeface="Arial"/>
+            </a:endParaRPr>
+          </a:p>
+        </p:txBody>
+      </p:sp>
+      <p:sp>
+        <p:nvSpPr>
+          <p:cNvPr id="241" name="PlaceHolder 3"/>
+          <p:cNvSpPr>
+            <a:spLocks noGrp="1"/>
+          </p:cNvSpPr>
+          <p:nvPr>
+            <p:ph type="body"/>
+          </p:nvPr>
+        </p:nvSpPr>
+        <p:spPr>
+          <a:xfrm>
+            <a:off x="5152680" y="1326600"/>
+            <a:ext cx="4426920" cy="3288600"/>
+          </a:xfrm>
+          <a:prstGeom prst="rect">
+            <a:avLst/>
+          </a:prstGeom>
+        </p:spPr>
+        <p:txBody>
+          <a:bodyPr lIns="0" rIns="0" tIns="0" bIns="0">
+            <a:normAutofit/>
+          </a:bodyPr>
+          <a:p>
+            <a:endParaRPr b="0" lang="pt-PT" sz="3200" spc="-1" strike="noStrike">
+              <a:latin typeface="Arial"/>
+            </a:endParaRPr>
+          </a:p>
+        </p:txBody>
+      </p:sp>
+      <p:sp>
+        <p:nvSpPr>
+          <p:cNvPr id="242" name="PlaceHolder 4"/>
+          <p:cNvSpPr>
+            <a:spLocks noGrp="1"/>
+          </p:cNvSpPr>
+          <p:nvPr>
+            <p:ph type="body"/>
+          </p:nvPr>
+        </p:nvSpPr>
+        <p:spPr>
+          <a:xfrm>
+            <a:off x="504000" y="3044520"/>
+            <a:ext cx="4426920" cy="1568520"/>
           </a:xfrm>
           <a:prstGeom prst="rect">
             <a:avLst/>
@@ -7910,7 +8462,7 @@
         <p:spPr>
           <a:xfrm>
             <a:off x="504000" y="226080"/>
-            <a:ext cx="9071640" cy="946080"/>
+            <a:ext cx="9072000" cy="946440"/>
           </a:xfrm>
           <a:prstGeom prst="rect">
             <a:avLst/>
@@ -7941,7 +8493,7 @@
         <p:spPr>
           <a:xfrm>
             <a:off x="504000" y="1326600"/>
-            <a:ext cx="4426920" cy="3288240"/>
+            <a:ext cx="4426920" cy="3288600"/>
           </a:xfrm>
           <a:prstGeom prst="rect">
             <a:avLst/>
@@ -7971,7 +8523,7 @@
         <p:spPr>
           <a:xfrm>
             <a:off x="5152680" y="1326600"/>
-            <a:ext cx="4426920" cy="1568160"/>
+            <a:ext cx="4426920" cy="1568520"/>
           </a:xfrm>
           <a:prstGeom prst="rect">
             <a:avLst/>
@@ -8000,8 +8552,813 @@
         </p:nvSpPr>
         <p:spPr>
           <a:xfrm>
-            <a:off x="5152680" y="3044160"/>
-            <a:ext cx="4426920" cy="1568160"/>
+            <a:off x="5152680" y="3044520"/>
+            <a:ext cx="4426920" cy="1568520"/>
+          </a:xfrm>
+          <a:prstGeom prst="rect">
+            <a:avLst/>
+          </a:prstGeom>
+        </p:spPr>
+        <p:txBody>
+          <a:bodyPr lIns="0" rIns="0" tIns="0" bIns="0">
+            <a:normAutofit/>
+          </a:bodyPr>
+          <a:p>
+            <a:endParaRPr b="0" lang="pt-PT" sz="3200" spc="-1" strike="noStrike">
+              <a:latin typeface="Arial"/>
+            </a:endParaRPr>
+          </a:p>
+        </p:txBody>
+      </p:sp>
+    </p:spTree>
+  </p:cSld>
+</p:sldLayout>
+</file>
+
+<file path=ppt/slideLayouts/slideLayout80.xml><?xml version="1.0" encoding="utf-8"?>
+<p:sldLayout xmlns:a="http://schemas.openxmlformats.org/drawingml/2006/main" xmlns:p="http://schemas.openxmlformats.org/presentationml/2006/main" xmlns:r="http://schemas.openxmlformats.org/officeDocument/2006/relationships" xmlns:p14="http://schemas.microsoft.com/office/powerpoint/2010/main" xmlns:p15="http://schemas.microsoft.com/office/powerpoint/2012/main" xmlns:mc="http://schemas.openxmlformats.org/markup-compatibility/2006" type="objAndTwoObj" preserve="1">
+  <p:cSld name="Title Content and 2 Content">
+    <p:spTree>
+      <p:nvGrpSpPr>
+        <p:cNvPr id="1" name=""/>
+        <p:cNvGrpSpPr/>
+        <p:nvPr/>
+      </p:nvGrpSpPr>
+      <p:grpSpPr>
+        <a:xfrm>
+          <a:off x="0" y="0"/>
+          <a:ext cx="0" cy="0"/>
+          <a:chOff x="0" y="0"/>
+          <a:chExt cx="0" cy="0"/>
+        </a:xfrm>
+      </p:grpSpPr>
+      <p:sp>
+        <p:nvSpPr>
+          <p:cNvPr id="243" name="PlaceHolder 1"/>
+          <p:cNvSpPr>
+            <a:spLocks noGrp="1"/>
+          </p:cNvSpPr>
+          <p:nvPr>
+            <p:ph type="title"/>
+          </p:nvPr>
+        </p:nvSpPr>
+        <p:spPr>
+          <a:xfrm>
+            <a:off x="504000" y="226080"/>
+            <a:ext cx="9072000" cy="946440"/>
+          </a:xfrm>
+          <a:prstGeom prst="rect">
+            <a:avLst/>
+          </a:prstGeom>
+        </p:spPr>
+        <p:txBody>
+          <a:bodyPr lIns="0" rIns="0" tIns="0" bIns="0" anchor="ctr">
+            <a:noAutofit/>
+          </a:bodyPr>
+          <a:p>
+            <a:pPr algn="ctr"/>
+            <a:endParaRPr b="0" lang="pt-PT" sz="4400" spc="-1" strike="noStrike">
+              <a:latin typeface="Arial"/>
+            </a:endParaRPr>
+          </a:p>
+        </p:txBody>
+      </p:sp>
+      <p:sp>
+        <p:nvSpPr>
+          <p:cNvPr id="244" name="PlaceHolder 2"/>
+          <p:cNvSpPr>
+            <a:spLocks noGrp="1"/>
+          </p:cNvSpPr>
+          <p:nvPr>
+            <p:ph type="body"/>
+          </p:nvPr>
+        </p:nvSpPr>
+        <p:spPr>
+          <a:xfrm>
+            <a:off x="504000" y="1326600"/>
+            <a:ext cx="4426920" cy="3288600"/>
+          </a:xfrm>
+          <a:prstGeom prst="rect">
+            <a:avLst/>
+          </a:prstGeom>
+        </p:spPr>
+        <p:txBody>
+          <a:bodyPr lIns="0" rIns="0" tIns="0" bIns="0">
+            <a:normAutofit/>
+          </a:bodyPr>
+          <a:p>
+            <a:endParaRPr b="0" lang="pt-PT" sz="3200" spc="-1" strike="noStrike">
+              <a:latin typeface="Arial"/>
+            </a:endParaRPr>
+          </a:p>
+        </p:txBody>
+      </p:sp>
+      <p:sp>
+        <p:nvSpPr>
+          <p:cNvPr id="245" name="PlaceHolder 3"/>
+          <p:cNvSpPr>
+            <a:spLocks noGrp="1"/>
+          </p:cNvSpPr>
+          <p:nvPr>
+            <p:ph type="body"/>
+          </p:nvPr>
+        </p:nvSpPr>
+        <p:spPr>
+          <a:xfrm>
+            <a:off x="5152680" y="1326600"/>
+            <a:ext cx="4426920" cy="1568520"/>
+          </a:xfrm>
+          <a:prstGeom prst="rect">
+            <a:avLst/>
+          </a:prstGeom>
+        </p:spPr>
+        <p:txBody>
+          <a:bodyPr lIns="0" rIns="0" tIns="0" bIns="0">
+            <a:normAutofit/>
+          </a:bodyPr>
+          <a:p>
+            <a:endParaRPr b="0" lang="pt-PT" sz="3200" spc="-1" strike="noStrike">
+              <a:latin typeface="Arial"/>
+            </a:endParaRPr>
+          </a:p>
+        </p:txBody>
+      </p:sp>
+      <p:sp>
+        <p:nvSpPr>
+          <p:cNvPr id="246" name="PlaceHolder 4"/>
+          <p:cNvSpPr>
+            <a:spLocks noGrp="1"/>
+          </p:cNvSpPr>
+          <p:nvPr>
+            <p:ph type="body"/>
+          </p:nvPr>
+        </p:nvSpPr>
+        <p:spPr>
+          <a:xfrm>
+            <a:off x="5152680" y="3044520"/>
+            <a:ext cx="4426920" cy="1568520"/>
+          </a:xfrm>
+          <a:prstGeom prst="rect">
+            <a:avLst/>
+          </a:prstGeom>
+        </p:spPr>
+        <p:txBody>
+          <a:bodyPr lIns="0" rIns="0" tIns="0" bIns="0">
+            <a:normAutofit/>
+          </a:bodyPr>
+          <a:p>
+            <a:endParaRPr b="0" lang="pt-PT" sz="3200" spc="-1" strike="noStrike">
+              <a:latin typeface="Arial"/>
+            </a:endParaRPr>
+          </a:p>
+        </p:txBody>
+      </p:sp>
+    </p:spTree>
+  </p:cSld>
+</p:sldLayout>
+</file>
+
+<file path=ppt/slideLayouts/slideLayout81.xml><?xml version="1.0" encoding="utf-8"?>
+<p:sldLayout xmlns:a="http://schemas.openxmlformats.org/drawingml/2006/main" xmlns:p="http://schemas.openxmlformats.org/presentationml/2006/main" xmlns:r="http://schemas.openxmlformats.org/officeDocument/2006/relationships" xmlns:p14="http://schemas.microsoft.com/office/powerpoint/2010/main" xmlns:p15="http://schemas.microsoft.com/office/powerpoint/2012/main" xmlns:mc="http://schemas.openxmlformats.org/markup-compatibility/2006" type="twoObjOverTx" preserve="1">
+  <p:cSld name="Title, 2 Content over Content">
+    <p:spTree>
+      <p:nvGrpSpPr>
+        <p:cNvPr id="1" name=""/>
+        <p:cNvGrpSpPr/>
+        <p:nvPr/>
+      </p:nvGrpSpPr>
+      <p:grpSpPr>
+        <a:xfrm>
+          <a:off x="0" y="0"/>
+          <a:ext cx="0" cy="0"/>
+          <a:chOff x="0" y="0"/>
+          <a:chExt cx="0" cy="0"/>
+        </a:xfrm>
+      </p:grpSpPr>
+      <p:sp>
+        <p:nvSpPr>
+          <p:cNvPr id="247" name="PlaceHolder 1"/>
+          <p:cNvSpPr>
+            <a:spLocks noGrp="1"/>
+          </p:cNvSpPr>
+          <p:nvPr>
+            <p:ph type="title"/>
+          </p:nvPr>
+        </p:nvSpPr>
+        <p:spPr>
+          <a:xfrm>
+            <a:off x="504000" y="226080"/>
+            <a:ext cx="9072000" cy="946440"/>
+          </a:xfrm>
+          <a:prstGeom prst="rect">
+            <a:avLst/>
+          </a:prstGeom>
+        </p:spPr>
+        <p:txBody>
+          <a:bodyPr lIns="0" rIns="0" tIns="0" bIns="0" anchor="ctr">
+            <a:noAutofit/>
+          </a:bodyPr>
+          <a:p>
+            <a:pPr algn="ctr"/>
+            <a:endParaRPr b="0" lang="pt-PT" sz="4400" spc="-1" strike="noStrike">
+              <a:latin typeface="Arial"/>
+            </a:endParaRPr>
+          </a:p>
+        </p:txBody>
+      </p:sp>
+      <p:sp>
+        <p:nvSpPr>
+          <p:cNvPr id="248" name="PlaceHolder 2"/>
+          <p:cNvSpPr>
+            <a:spLocks noGrp="1"/>
+          </p:cNvSpPr>
+          <p:nvPr>
+            <p:ph type="body"/>
+          </p:nvPr>
+        </p:nvSpPr>
+        <p:spPr>
+          <a:xfrm>
+            <a:off x="504000" y="1326600"/>
+            <a:ext cx="4426920" cy="1568520"/>
+          </a:xfrm>
+          <a:prstGeom prst="rect">
+            <a:avLst/>
+          </a:prstGeom>
+        </p:spPr>
+        <p:txBody>
+          <a:bodyPr lIns="0" rIns="0" tIns="0" bIns="0">
+            <a:normAutofit/>
+          </a:bodyPr>
+          <a:p>
+            <a:endParaRPr b="0" lang="pt-PT" sz="3200" spc="-1" strike="noStrike">
+              <a:latin typeface="Arial"/>
+            </a:endParaRPr>
+          </a:p>
+        </p:txBody>
+      </p:sp>
+      <p:sp>
+        <p:nvSpPr>
+          <p:cNvPr id="249" name="PlaceHolder 3"/>
+          <p:cNvSpPr>
+            <a:spLocks noGrp="1"/>
+          </p:cNvSpPr>
+          <p:nvPr>
+            <p:ph type="body"/>
+          </p:nvPr>
+        </p:nvSpPr>
+        <p:spPr>
+          <a:xfrm>
+            <a:off x="5152680" y="1326600"/>
+            <a:ext cx="4426920" cy="1568520"/>
+          </a:xfrm>
+          <a:prstGeom prst="rect">
+            <a:avLst/>
+          </a:prstGeom>
+        </p:spPr>
+        <p:txBody>
+          <a:bodyPr lIns="0" rIns="0" tIns="0" bIns="0">
+            <a:normAutofit/>
+          </a:bodyPr>
+          <a:p>
+            <a:endParaRPr b="0" lang="pt-PT" sz="3200" spc="-1" strike="noStrike">
+              <a:latin typeface="Arial"/>
+            </a:endParaRPr>
+          </a:p>
+        </p:txBody>
+      </p:sp>
+      <p:sp>
+        <p:nvSpPr>
+          <p:cNvPr id="250" name="PlaceHolder 4"/>
+          <p:cNvSpPr>
+            <a:spLocks noGrp="1"/>
+          </p:cNvSpPr>
+          <p:nvPr>
+            <p:ph type="body"/>
+          </p:nvPr>
+        </p:nvSpPr>
+        <p:spPr>
+          <a:xfrm>
+            <a:off x="504000" y="3044520"/>
+            <a:ext cx="9072000" cy="1568520"/>
+          </a:xfrm>
+          <a:prstGeom prst="rect">
+            <a:avLst/>
+          </a:prstGeom>
+        </p:spPr>
+        <p:txBody>
+          <a:bodyPr lIns="0" rIns="0" tIns="0" bIns="0">
+            <a:normAutofit/>
+          </a:bodyPr>
+          <a:p>
+            <a:endParaRPr b="0" lang="pt-PT" sz="3200" spc="-1" strike="noStrike">
+              <a:latin typeface="Arial"/>
+            </a:endParaRPr>
+          </a:p>
+        </p:txBody>
+      </p:sp>
+    </p:spTree>
+  </p:cSld>
+</p:sldLayout>
+</file>
+
+<file path=ppt/slideLayouts/slideLayout82.xml><?xml version="1.0" encoding="utf-8"?>
+<p:sldLayout xmlns:a="http://schemas.openxmlformats.org/drawingml/2006/main" xmlns:p="http://schemas.openxmlformats.org/presentationml/2006/main" xmlns:r="http://schemas.openxmlformats.org/officeDocument/2006/relationships" xmlns:p14="http://schemas.microsoft.com/office/powerpoint/2010/main" xmlns:p15="http://schemas.microsoft.com/office/powerpoint/2012/main" xmlns:mc="http://schemas.openxmlformats.org/markup-compatibility/2006" type="objOverTx" preserve="1">
+  <p:cSld name="Title, Content over Content">
+    <p:spTree>
+      <p:nvGrpSpPr>
+        <p:cNvPr id="1" name=""/>
+        <p:cNvGrpSpPr/>
+        <p:nvPr/>
+      </p:nvGrpSpPr>
+      <p:grpSpPr>
+        <a:xfrm>
+          <a:off x="0" y="0"/>
+          <a:ext cx="0" cy="0"/>
+          <a:chOff x="0" y="0"/>
+          <a:chExt cx="0" cy="0"/>
+        </a:xfrm>
+      </p:grpSpPr>
+      <p:sp>
+        <p:nvSpPr>
+          <p:cNvPr id="251" name="PlaceHolder 1"/>
+          <p:cNvSpPr>
+            <a:spLocks noGrp="1"/>
+          </p:cNvSpPr>
+          <p:nvPr>
+            <p:ph type="title"/>
+          </p:nvPr>
+        </p:nvSpPr>
+        <p:spPr>
+          <a:xfrm>
+            <a:off x="504000" y="226080"/>
+            <a:ext cx="9072000" cy="946440"/>
+          </a:xfrm>
+          <a:prstGeom prst="rect">
+            <a:avLst/>
+          </a:prstGeom>
+        </p:spPr>
+        <p:txBody>
+          <a:bodyPr lIns="0" rIns="0" tIns="0" bIns="0" anchor="ctr">
+            <a:noAutofit/>
+          </a:bodyPr>
+          <a:p>
+            <a:pPr algn="ctr"/>
+            <a:endParaRPr b="0" lang="pt-PT" sz="4400" spc="-1" strike="noStrike">
+              <a:latin typeface="Arial"/>
+            </a:endParaRPr>
+          </a:p>
+        </p:txBody>
+      </p:sp>
+      <p:sp>
+        <p:nvSpPr>
+          <p:cNvPr id="252" name="PlaceHolder 2"/>
+          <p:cNvSpPr>
+            <a:spLocks noGrp="1"/>
+          </p:cNvSpPr>
+          <p:nvPr>
+            <p:ph type="body"/>
+          </p:nvPr>
+        </p:nvSpPr>
+        <p:spPr>
+          <a:xfrm>
+            <a:off x="504000" y="1326600"/>
+            <a:ext cx="9072000" cy="1568520"/>
+          </a:xfrm>
+          <a:prstGeom prst="rect">
+            <a:avLst/>
+          </a:prstGeom>
+        </p:spPr>
+        <p:txBody>
+          <a:bodyPr lIns="0" rIns="0" tIns="0" bIns="0">
+            <a:normAutofit/>
+          </a:bodyPr>
+          <a:p>
+            <a:endParaRPr b="0" lang="pt-PT" sz="3200" spc="-1" strike="noStrike">
+              <a:latin typeface="Arial"/>
+            </a:endParaRPr>
+          </a:p>
+        </p:txBody>
+      </p:sp>
+      <p:sp>
+        <p:nvSpPr>
+          <p:cNvPr id="253" name="PlaceHolder 3"/>
+          <p:cNvSpPr>
+            <a:spLocks noGrp="1"/>
+          </p:cNvSpPr>
+          <p:nvPr>
+            <p:ph type="body"/>
+          </p:nvPr>
+        </p:nvSpPr>
+        <p:spPr>
+          <a:xfrm>
+            <a:off x="504000" y="3044520"/>
+            <a:ext cx="9072000" cy="1568520"/>
+          </a:xfrm>
+          <a:prstGeom prst="rect">
+            <a:avLst/>
+          </a:prstGeom>
+        </p:spPr>
+        <p:txBody>
+          <a:bodyPr lIns="0" rIns="0" tIns="0" bIns="0">
+            <a:normAutofit/>
+          </a:bodyPr>
+          <a:p>
+            <a:endParaRPr b="0" lang="pt-PT" sz="3200" spc="-1" strike="noStrike">
+              <a:latin typeface="Arial"/>
+            </a:endParaRPr>
+          </a:p>
+        </p:txBody>
+      </p:sp>
+    </p:spTree>
+  </p:cSld>
+</p:sldLayout>
+</file>
+
+<file path=ppt/slideLayouts/slideLayout83.xml><?xml version="1.0" encoding="utf-8"?>
+<p:sldLayout xmlns:a="http://schemas.openxmlformats.org/drawingml/2006/main" xmlns:p="http://schemas.openxmlformats.org/presentationml/2006/main" xmlns:r="http://schemas.openxmlformats.org/officeDocument/2006/relationships" xmlns:p14="http://schemas.microsoft.com/office/powerpoint/2010/main" xmlns:p15="http://schemas.microsoft.com/office/powerpoint/2012/main" xmlns:mc="http://schemas.openxmlformats.org/markup-compatibility/2006" type="fourObj" preserve="1">
+  <p:cSld name="Title, 4 Content">
+    <p:spTree>
+      <p:nvGrpSpPr>
+        <p:cNvPr id="1" name=""/>
+        <p:cNvGrpSpPr/>
+        <p:nvPr/>
+      </p:nvGrpSpPr>
+      <p:grpSpPr>
+        <a:xfrm>
+          <a:off x="0" y="0"/>
+          <a:ext cx="0" cy="0"/>
+          <a:chOff x="0" y="0"/>
+          <a:chExt cx="0" cy="0"/>
+        </a:xfrm>
+      </p:grpSpPr>
+      <p:sp>
+        <p:nvSpPr>
+          <p:cNvPr id="254" name="PlaceHolder 1"/>
+          <p:cNvSpPr>
+            <a:spLocks noGrp="1"/>
+          </p:cNvSpPr>
+          <p:nvPr>
+            <p:ph type="title"/>
+          </p:nvPr>
+        </p:nvSpPr>
+        <p:spPr>
+          <a:xfrm>
+            <a:off x="504000" y="226080"/>
+            <a:ext cx="9072000" cy="946440"/>
+          </a:xfrm>
+          <a:prstGeom prst="rect">
+            <a:avLst/>
+          </a:prstGeom>
+        </p:spPr>
+        <p:txBody>
+          <a:bodyPr lIns="0" rIns="0" tIns="0" bIns="0" anchor="ctr">
+            <a:noAutofit/>
+          </a:bodyPr>
+          <a:p>
+            <a:pPr algn="ctr"/>
+            <a:endParaRPr b="0" lang="pt-PT" sz="4400" spc="-1" strike="noStrike">
+              <a:latin typeface="Arial"/>
+            </a:endParaRPr>
+          </a:p>
+        </p:txBody>
+      </p:sp>
+      <p:sp>
+        <p:nvSpPr>
+          <p:cNvPr id="255" name="PlaceHolder 2"/>
+          <p:cNvSpPr>
+            <a:spLocks noGrp="1"/>
+          </p:cNvSpPr>
+          <p:nvPr>
+            <p:ph type="body"/>
+          </p:nvPr>
+        </p:nvSpPr>
+        <p:spPr>
+          <a:xfrm>
+            <a:off x="504000" y="1326600"/>
+            <a:ext cx="4426920" cy="1568520"/>
+          </a:xfrm>
+          <a:prstGeom prst="rect">
+            <a:avLst/>
+          </a:prstGeom>
+        </p:spPr>
+        <p:txBody>
+          <a:bodyPr lIns="0" rIns="0" tIns="0" bIns="0">
+            <a:normAutofit/>
+          </a:bodyPr>
+          <a:p>
+            <a:endParaRPr b="0" lang="pt-PT" sz="3200" spc="-1" strike="noStrike">
+              <a:latin typeface="Arial"/>
+            </a:endParaRPr>
+          </a:p>
+        </p:txBody>
+      </p:sp>
+      <p:sp>
+        <p:nvSpPr>
+          <p:cNvPr id="256" name="PlaceHolder 3"/>
+          <p:cNvSpPr>
+            <a:spLocks noGrp="1"/>
+          </p:cNvSpPr>
+          <p:nvPr>
+            <p:ph type="body"/>
+          </p:nvPr>
+        </p:nvSpPr>
+        <p:spPr>
+          <a:xfrm>
+            <a:off x="5152680" y="1326600"/>
+            <a:ext cx="4426920" cy="1568520"/>
+          </a:xfrm>
+          <a:prstGeom prst="rect">
+            <a:avLst/>
+          </a:prstGeom>
+        </p:spPr>
+        <p:txBody>
+          <a:bodyPr lIns="0" rIns="0" tIns="0" bIns="0">
+            <a:normAutofit/>
+          </a:bodyPr>
+          <a:p>
+            <a:endParaRPr b="0" lang="pt-PT" sz="3200" spc="-1" strike="noStrike">
+              <a:latin typeface="Arial"/>
+            </a:endParaRPr>
+          </a:p>
+        </p:txBody>
+      </p:sp>
+      <p:sp>
+        <p:nvSpPr>
+          <p:cNvPr id="257" name="PlaceHolder 4"/>
+          <p:cNvSpPr>
+            <a:spLocks noGrp="1"/>
+          </p:cNvSpPr>
+          <p:nvPr>
+            <p:ph type="body"/>
+          </p:nvPr>
+        </p:nvSpPr>
+        <p:spPr>
+          <a:xfrm>
+            <a:off x="504000" y="3044520"/>
+            <a:ext cx="4426920" cy="1568520"/>
+          </a:xfrm>
+          <a:prstGeom prst="rect">
+            <a:avLst/>
+          </a:prstGeom>
+        </p:spPr>
+        <p:txBody>
+          <a:bodyPr lIns="0" rIns="0" tIns="0" bIns="0">
+            <a:normAutofit/>
+          </a:bodyPr>
+          <a:p>
+            <a:endParaRPr b="0" lang="pt-PT" sz="3200" spc="-1" strike="noStrike">
+              <a:latin typeface="Arial"/>
+            </a:endParaRPr>
+          </a:p>
+        </p:txBody>
+      </p:sp>
+      <p:sp>
+        <p:nvSpPr>
+          <p:cNvPr id="258" name="PlaceHolder 5"/>
+          <p:cNvSpPr>
+            <a:spLocks noGrp="1"/>
+          </p:cNvSpPr>
+          <p:nvPr>
+            <p:ph type="body"/>
+          </p:nvPr>
+        </p:nvSpPr>
+        <p:spPr>
+          <a:xfrm>
+            <a:off x="5152680" y="3044520"/>
+            <a:ext cx="4426920" cy="1568520"/>
+          </a:xfrm>
+          <a:prstGeom prst="rect">
+            <a:avLst/>
+          </a:prstGeom>
+        </p:spPr>
+        <p:txBody>
+          <a:bodyPr lIns="0" rIns="0" tIns="0" bIns="0">
+            <a:normAutofit/>
+          </a:bodyPr>
+          <a:p>
+            <a:endParaRPr b="0" lang="pt-PT" sz="3200" spc="-1" strike="noStrike">
+              <a:latin typeface="Arial"/>
+            </a:endParaRPr>
+          </a:p>
+        </p:txBody>
+      </p:sp>
+    </p:spTree>
+  </p:cSld>
+</p:sldLayout>
+</file>
+
+<file path=ppt/slideLayouts/slideLayout84.xml><?xml version="1.0" encoding="utf-8"?>
+<p:sldLayout xmlns:a="http://schemas.openxmlformats.org/drawingml/2006/main" xmlns:p="http://schemas.openxmlformats.org/presentationml/2006/main" xmlns:r="http://schemas.openxmlformats.org/officeDocument/2006/relationships" xmlns:p14="http://schemas.microsoft.com/office/powerpoint/2010/main" xmlns:p15="http://schemas.microsoft.com/office/powerpoint/2012/main" xmlns:mc="http://schemas.openxmlformats.org/markup-compatibility/2006" type="blank" preserve="1">
+  <p:cSld name="Title, 6 Content">
+    <p:spTree>
+      <p:nvGrpSpPr>
+        <p:cNvPr id="1" name=""/>
+        <p:cNvGrpSpPr/>
+        <p:nvPr/>
+      </p:nvGrpSpPr>
+      <p:grpSpPr>
+        <a:xfrm>
+          <a:off x="0" y="0"/>
+          <a:ext cx="0" cy="0"/>
+          <a:chOff x="0" y="0"/>
+          <a:chExt cx="0" cy="0"/>
+        </a:xfrm>
+      </p:grpSpPr>
+      <p:sp>
+        <p:nvSpPr>
+          <p:cNvPr id="259" name="PlaceHolder 1"/>
+          <p:cNvSpPr>
+            <a:spLocks noGrp="1"/>
+          </p:cNvSpPr>
+          <p:nvPr>
+            <p:ph type="title"/>
+          </p:nvPr>
+        </p:nvSpPr>
+        <p:spPr>
+          <a:xfrm>
+            <a:off x="504000" y="226080"/>
+            <a:ext cx="9072000" cy="946440"/>
+          </a:xfrm>
+          <a:prstGeom prst="rect">
+            <a:avLst/>
+          </a:prstGeom>
+        </p:spPr>
+        <p:txBody>
+          <a:bodyPr lIns="0" rIns="0" tIns="0" bIns="0" anchor="ctr">
+            <a:noAutofit/>
+          </a:bodyPr>
+          <a:p>
+            <a:pPr algn="ctr"/>
+            <a:endParaRPr b="0" lang="pt-PT" sz="4400" spc="-1" strike="noStrike">
+              <a:latin typeface="Arial"/>
+            </a:endParaRPr>
+          </a:p>
+        </p:txBody>
+      </p:sp>
+      <p:sp>
+        <p:nvSpPr>
+          <p:cNvPr id="260" name="PlaceHolder 2"/>
+          <p:cNvSpPr>
+            <a:spLocks noGrp="1"/>
+          </p:cNvSpPr>
+          <p:nvPr>
+            <p:ph type="body"/>
+          </p:nvPr>
+        </p:nvSpPr>
+        <p:spPr>
+          <a:xfrm>
+            <a:off x="504000" y="1326600"/>
+            <a:ext cx="2921040" cy="1568520"/>
+          </a:xfrm>
+          <a:prstGeom prst="rect">
+            <a:avLst/>
+          </a:prstGeom>
+        </p:spPr>
+        <p:txBody>
+          <a:bodyPr lIns="0" rIns="0" tIns="0" bIns="0">
+            <a:normAutofit/>
+          </a:bodyPr>
+          <a:p>
+            <a:endParaRPr b="0" lang="pt-PT" sz="3200" spc="-1" strike="noStrike">
+              <a:latin typeface="Arial"/>
+            </a:endParaRPr>
+          </a:p>
+        </p:txBody>
+      </p:sp>
+      <p:sp>
+        <p:nvSpPr>
+          <p:cNvPr id="261" name="PlaceHolder 3"/>
+          <p:cNvSpPr>
+            <a:spLocks noGrp="1"/>
+          </p:cNvSpPr>
+          <p:nvPr>
+            <p:ph type="body"/>
+          </p:nvPr>
+        </p:nvSpPr>
+        <p:spPr>
+          <a:xfrm>
+            <a:off x="3571560" y="1326600"/>
+            <a:ext cx="2921040" cy="1568520"/>
+          </a:xfrm>
+          <a:prstGeom prst="rect">
+            <a:avLst/>
+          </a:prstGeom>
+        </p:spPr>
+        <p:txBody>
+          <a:bodyPr lIns="0" rIns="0" tIns="0" bIns="0">
+            <a:normAutofit/>
+          </a:bodyPr>
+          <a:p>
+            <a:endParaRPr b="0" lang="pt-PT" sz="3200" spc="-1" strike="noStrike">
+              <a:latin typeface="Arial"/>
+            </a:endParaRPr>
+          </a:p>
+        </p:txBody>
+      </p:sp>
+      <p:sp>
+        <p:nvSpPr>
+          <p:cNvPr id="262" name="PlaceHolder 4"/>
+          <p:cNvSpPr>
+            <a:spLocks noGrp="1"/>
+          </p:cNvSpPr>
+          <p:nvPr>
+            <p:ph type="body"/>
+          </p:nvPr>
+        </p:nvSpPr>
+        <p:spPr>
+          <a:xfrm>
+            <a:off x="6639120" y="1326600"/>
+            <a:ext cx="2921040" cy="1568520"/>
+          </a:xfrm>
+          <a:prstGeom prst="rect">
+            <a:avLst/>
+          </a:prstGeom>
+        </p:spPr>
+        <p:txBody>
+          <a:bodyPr lIns="0" rIns="0" tIns="0" bIns="0">
+            <a:normAutofit/>
+          </a:bodyPr>
+          <a:p>
+            <a:endParaRPr b="0" lang="pt-PT" sz="3200" spc="-1" strike="noStrike">
+              <a:latin typeface="Arial"/>
+            </a:endParaRPr>
+          </a:p>
+        </p:txBody>
+      </p:sp>
+      <p:sp>
+        <p:nvSpPr>
+          <p:cNvPr id="263" name="PlaceHolder 5"/>
+          <p:cNvSpPr>
+            <a:spLocks noGrp="1"/>
+          </p:cNvSpPr>
+          <p:nvPr>
+            <p:ph type="body"/>
+          </p:nvPr>
+        </p:nvSpPr>
+        <p:spPr>
+          <a:xfrm>
+            <a:off x="504000" y="3044520"/>
+            <a:ext cx="2921040" cy="1568520"/>
+          </a:xfrm>
+          <a:prstGeom prst="rect">
+            <a:avLst/>
+          </a:prstGeom>
+        </p:spPr>
+        <p:txBody>
+          <a:bodyPr lIns="0" rIns="0" tIns="0" bIns="0">
+            <a:normAutofit/>
+          </a:bodyPr>
+          <a:p>
+            <a:endParaRPr b="0" lang="pt-PT" sz="3200" spc="-1" strike="noStrike">
+              <a:latin typeface="Arial"/>
+            </a:endParaRPr>
+          </a:p>
+        </p:txBody>
+      </p:sp>
+      <p:sp>
+        <p:nvSpPr>
+          <p:cNvPr id="264" name="PlaceHolder 6"/>
+          <p:cNvSpPr>
+            <a:spLocks noGrp="1"/>
+          </p:cNvSpPr>
+          <p:nvPr>
+            <p:ph type="body"/>
+          </p:nvPr>
+        </p:nvSpPr>
+        <p:spPr>
+          <a:xfrm>
+            <a:off x="3571560" y="3044520"/>
+            <a:ext cx="2921040" cy="1568520"/>
+          </a:xfrm>
+          <a:prstGeom prst="rect">
+            <a:avLst/>
+          </a:prstGeom>
+        </p:spPr>
+        <p:txBody>
+          <a:bodyPr lIns="0" rIns="0" tIns="0" bIns="0">
+            <a:normAutofit/>
+          </a:bodyPr>
+          <a:p>
+            <a:endParaRPr b="0" lang="pt-PT" sz="3200" spc="-1" strike="noStrike">
+              <a:latin typeface="Arial"/>
+            </a:endParaRPr>
+          </a:p>
+        </p:txBody>
+      </p:sp>
+      <p:sp>
+        <p:nvSpPr>
+          <p:cNvPr id="265" name="PlaceHolder 7"/>
+          <p:cNvSpPr>
+            <a:spLocks noGrp="1"/>
+          </p:cNvSpPr>
+          <p:nvPr>
+            <p:ph type="body"/>
+          </p:nvPr>
+        </p:nvSpPr>
+        <p:spPr>
+          <a:xfrm>
+            <a:off x="6639120" y="3044520"/>
+            <a:ext cx="2921040" cy="1568520"/>
           </a:xfrm>
           <a:prstGeom prst="rect">
             <a:avLst/>
@@ -8053,7 +9410,7 @@
         <p:spPr>
           <a:xfrm>
             <a:off x="504000" y="226080"/>
-            <a:ext cx="9071640" cy="946080"/>
+            <a:ext cx="9072000" cy="946440"/>
           </a:xfrm>
           <a:prstGeom prst="rect">
             <a:avLst/>
@@ -8084,7 +9441,7 @@
         <p:spPr>
           <a:xfrm>
             <a:off x="504000" y="1326600"/>
-            <a:ext cx="4426920" cy="1568160"/>
+            <a:ext cx="4426920" cy="1568520"/>
           </a:xfrm>
           <a:prstGeom prst="rect">
             <a:avLst/>
@@ -8114,7 +9471,7 @@
         <p:spPr>
           <a:xfrm>
             <a:off x="5152680" y="1326600"/>
-            <a:ext cx="4426920" cy="1568160"/>
+            <a:ext cx="4426920" cy="1568520"/>
           </a:xfrm>
           <a:prstGeom prst="rect">
             <a:avLst/>
@@ -8143,8 +9500,8 @@
         </p:nvSpPr>
         <p:spPr>
           <a:xfrm>
-            <a:off x="504000" y="3044160"/>
-            <a:ext cx="9071640" cy="1568160"/>
+            <a:off x="504000" y="3044520"/>
+            <a:ext cx="9072000" cy="1568520"/>
           </a:xfrm>
           <a:prstGeom prst="rect">
             <a:avLst/>
@@ -8955,7 +10312,7 @@
         <p:spPr>
           <a:xfrm>
             <a:off x="504000" y="226080"/>
-            <a:ext cx="9071640" cy="946080"/>
+            <a:ext cx="9071280" cy="945720"/>
           </a:xfrm>
           <a:prstGeom prst="rect">
             <a:avLst/>
@@ -9460,7 +10817,7 @@
         <p:spPr>
           <a:xfrm>
             <a:off x="504000" y="226080"/>
-            <a:ext cx="9071640" cy="946080"/>
+            <a:ext cx="9071280" cy="945720"/>
           </a:xfrm>
           <a:prstGeom prst="rect">
             <a:avLst/>
@@ -9496,7 +10853,7 @@
         <p:spPr>
           <a:xfrm>
             <a:off x="504000" y="1326600"/>
-            <a:ext cx="9071640" cy="3288240"/>
+            <a:ext cx="9071280" cy="3287880"/>
           </a:xfrm>
           <a:prstGeom prst="rect">
             <a:avLst/>
@@ -9678,6 +11035,259 @@
     <p:sldLayoutId id="2147483723" r:id="rId11"/>
     <p:sldLayoutId id="2147483724" r:id="rId12"/>
     <p:sldLayoutId id="2147483725" r:id="rId13"/>
+  </p:sldLayoutIdLst>
+</p:sldMaster>
+</file>
+
+<file path=ppt/slideMasters/slideMaster7.xml><?xml version="1.0" encoding="utf-8"?>
+<p:sldMaster xmlns:a="http://schemas.openxmlformats.org/drawingml/2006/main" xmlns:p="http://schemas.openxmlformats.org/presentationml/2006/main" xmlns:r="http://schemas.openxmlformats.org/officeDocument/2006/relationships" xmlns:p14="http://schemas.microsoft.com/office/powerpoint/2010/main" xmlns:p15="http://schemas.microsoft.com/office/powerpoint/2012/main" xmlns:mc="http://schemas.openxmlformats.org/markup-compatibility/2006">
+  <p:cSld>
+    <p:spTree>
+      <p:nvGrpSpPr>
+        <p:cNvPr id="1" name=""/>
+        <p:cNvGrpSpPr/>
+        <p:nvPr/>
+      </p:nvGrpSpPr>
+      <p:grpSpPr>
+        <a:xfrm>
+          <a:off x="0" y="0"/>
+          <a:ext cx="0" cy="0"/>
+          <a:chOff x="0" y="0"/>
+          <a:chExt cx="0" cy="0"/>
+        </a:xfrm>
+      </p:grpSpPr>
+      <p:sp>
+        <p:nvSpPr>
+          <p:cNvPr id="228" name="PlaceHolder 1"/>
+          <p:cNvSpPr>
+            <a:spLocks noGrp="1"/>
+          </p:cNvSpPr>
+          <p:nvPr>
+            <p:ph type="title"/>
+          </p:nvPr>
+        </p:nvSpPr>
+        <p:spPr>
+          <a:xfrm>
+            <a:off x="504000" y="226080"/>
+            <a:ext cx="9072000" cy="946440"/>
+          </a:xfrm>
+          <a:prstGeom prst="rect">
+            <a:avLst/>
+          </a:prstGeom>
+        </p:spPr>
+        <p:txBody>
+          <a:bodyPr lIns="0" rIns="0" tIns="0" bIns="0" anchor="ctr">
+            <a:noAutofit/>
+          </a:bodyPr>
+          <a:p>
+            <a:pPr algn="ctr"/>
+            <a:r>
+              <a:rPr b="0" lang="pt-PT" sz="4400" spc="-1" strike="noStrike">
+                <a:latin typeface="Arial"/>
+              </a:rPr>
+              <a:t>Clique para editar o formato do título</a:t>
+            </a:r>
+            <a:endParaRPr b="0" lang="pt-PT" sz="4400" spc="-1" strike="noStrike">
+              <a:latin typeface="Arial"/>
+            </a:endParaRPr>
+          </a:p>
+        </p:txBody>
+      </p:sp>
+      <p:sp>
+        <p:nvSpPr>
+          <p:cNvPr id="229" name="PlaceHolder 2"/>
+          <p:cNvSpPr>
+            <a:spLocks noGrp="1"/>
+          </p:cNvSpPr>
+          <p:nvPr>
+            <p:ph type="body"/>
+          </p:nvPr>
+        </p:nvSpPr>
+        <p:spPr>
+          <a:xfrm>
+            <a:off x="504000" y="1326600"/>
+            <a:ext cx="9072000" cy="3288600"/>
+          </a:xfrm>
+          <a:prstGeom prst="rect">
+            <a:avLst/>
+          </a:prstGeom>
+        </p:spPr>
+        <p:txBody>
+          <a:bodyPr lIns="0" rIns="0" tIns="0" bIns="0">
+            <a:normAutofit/>
+          </a:bodyPr>
+          <a:p>
+            <a:pPr marL="432000" indent="-324000">
+              <a:spcBef>
+                <a:spcPts val="1417"/>
+              </a:spcBef>
+              <a:buClr>
+                <a:srgbClr val="000000"/>
+              </a:buClr>
+              <a:buSzPct val="45000"/>
+              <a:buFont typeface="Wingdings" charset="2"/>
+              <a:buChar char=""/>
+            </a:pPr>
+            <a:r>
+              <a:rPr b="0" lang="pt-PT" sz="3200" spc="-1" strike="noStrike">
+                <a:latin typeface="Arial"/>
+              </a:rPr>
+              <a:t>Clique para editar o formato de texto dos tópicos</a:t>
+            </a:r>
+            <a:endParaRPr b="0" lang="pt-PT" sz="3200" spc="-1" strike="noStrike">
+              <a:latin typeface="Arial"/>
+            </a:endParaRPr>
+          </a:p>
+          <a:p>
+            <a:pPr lvl="1" marL="864000" indent="-324000">
+              <a:spcBef>
+                <a:spcPts val="1134"/>
+              </a:spcBef>
+              <a:buClr>
+                <a:srgbClr val="000000"/>
+              </a:buClr>
+              <a:buSzPct val="75000"/>
+              <a:buFont typeface="Symbol" charset="2"/>
+              <a:buChar char=""/>
+            </a:pPr>
+            <a:r>
+              <a:rPr b="0" lang="pt-PT" sz="2800" spc="-1" strike="noStrike">
+                <a:latin typeface="Arial"/>
+              </a:rPr>
+              <a:t>Segundo nível de tópicos</a:t>
+            </a:r>
+            <a:endParaRPr b="0" lang="pt-PT" sz="2800" spc="-1" strike="noStrike">
+              <a:latin typeface="Arial"/>
+            </a:endParaRPr>
+          </a:p>
+          <a:p>
+            <a:pPr lvl="2" marL="1296000" indent="-288000">
+              <a:spcBef>
+                <a:spcPts val="850"/>
+              </a:spcBef>
+              <a:buClr>
+                <a:srgbClr val="000000"/>
+              </a:buClr>
+              <a:buSzPct val="45000"/>
+              <a:buFont typeface="Wingdings" charset="2"/>
+              <a:buChar char=""/>
+            </a:pPr>
+            <a:r>
+              <a:rPr b="0" lang="pt-PT" sz="2400" spc="-1" strike="noStrike">
+                <a:latin typeface="Arial"/>
+              </a:rPr>
+              <a:t>Terceiro nível de tópicos</a:t>
+            </a:r>
+            <a:endParaRPr b="0" lang="pt-PT" sz="2400" spc="-1" strike="noStrike">
+              <a:latin typeface="Arial"/>
+            </a:endParaRPr>
+          </a:p>
+          <a:p>
+            <a:pPr lvl="3" marL="1728000" indent="-216000">
+              <a:spcBef>
+                <a:spcPts val="567"/>
+              </a:spcBef>
+              <a:buClr>
+                <a:srgbClr val="000000"/>
+              </a:buClr>
+              <a:buSzPct val="75000"/>
+              <a:buFont typeface="Symbol" charset="2"/>
+              <a:buChar char=""/>
+            </a:pPr>
+            <a:r>
+              <a:rPr b="0" lang="pt-PT" sz="2000" spc="-1" strike="noStrike">
+                <a:latin typeface="Arial"/>
+              </a:rPr>
+              <a:t>Quarto nível de tópicos</a:t>
+            </a:r>
+            <a:endParaRPr b="0" lang="pt-PT" sz="2000" spc="-1" strike="noStrike">
+              <a:latin typeface="Arial"/>
+            </a:endParaRPr>
+          </a:p>
+          <a:p>
+            <a:pPr lvl="4" marL="2160000" indent="-216000">
+              <a:spcBef>
+                <a:spcPts val="283"/>
+              </a:spcBef>
+              <a:buClr>
+                <a:srgbClr val="000000"/>
+              </a:buClr>
+              <a:buSzPct val="45000"/>
+              <a:buFont typeface="Wingdings" charset="2"/>
+              <a:buChar char=""/>
+            </a:pPr>
+            <a:r>
+              <a:rPr b="0" lang="pt-PT" sz="2000" spc="-1" strike="noStrike">
+                <a:latin typeface="Arial"/>
+              </a:rPr>
+              <a:t>Quinto nível de tópicos</a:t>
+            </a:r>
+            <a:endParaRPr b="0" lang="pt-PT" sz="2000" spc="-1" strike="noStrike">
+              <a:latin typeface="Arial"/>
+            </a:endParaRPr>
+          </a:p>
+          <a:p>
+            <a:pPr lvl="5" marL="2592000" indent="-216000">
+              <a:spcBef>
+                <a:spcPts val="283"/>
+              </a:spcBef>
+              <a:buClr>
+                <a:srgbClr val="000000"/>
+              </a:buClr>
+              <a:buSzPct val="45000"/>
+              <a:buFont typeface="Wingdings" charset="2"/>
+              <a:buChar char=""/>
+            </a:pPr>
+            <a:r>
+              <a:rPr b="0" lang="pt-PT" sz="2000" spc="-1" strike="noStrike">
+                <a:latin typeface="Arial"/>
+              </a:rPr>
+              <a:t>Sexto nível de tópicos</a:t>
+            </a:r>
+            <a:endParaRPr b="0" lang="pt-PT" sz="2000" spc="-1" strike="noStrike">
+              <a:latin typeface="Arial"/>
+            </a:endParaRPr>
+          </a:p>
+          <a:p>
+            <a:pPr lvl="6" marL="3024000" indent="-216000">
+              <a:spcBef>
+                <a:spcPts val="283"/>
+              </a:spcBef>
+              <a:buClr>
+                <a:srgbClr val="000000"/>
+              </a:buClr>
+              <a:buSzPct val="45000"/>
+              <a:buFont typeface="Wingdings" charset="2"/>
+              <a:buChar char=""/>
+            </a:pPr>
+            <a:r>
+              <a:rPr b="0" lang="pt-PT" sz="2000" spc="-1" strike="noStrike">
+                <a:latin typeface="Arial"/>
+              </a:rPr>
+              <a:t>Sétimo nível de tópicos</a:t>
+            </a:r>
+            <a:endParaRPr b="0" lang="pt-PT" sz="2000" spc="-1" strike="noStrike">
+              <a:latin typeface="Arial"/>
+            </a:endParaRPr>
+          </a:p>
+        </p:txBody>
+      </p:sp>
+    </p:spTree>
+  </p:cSld>
+  <p:clrMap bg1="lt1" bg2="lt2" tx1="dk1" tx2="dk2" accent1="accent1" accent2="accent2" accent3="accent3" accent4="accent4" accent5="accent5" accent6="accent6" hlink="hlink" folHlink="folHlink"/>
+  <p:sldLayoutIdLst>
+    <p:sldLayoutId id="2147483727" r:id="rId2"/>
+    <p:sldLayoutId id="2147483728" r:id="rId3"/>
+    <p:sldLayoutId id="2147483729" r:id="rId4"/>
+    <p:sldLayoutId id="2147483730" r:id="rId5"/>
+    <p:sldLayoutId id="2147483731" r:id="rId6"/>
+    <p:sldLayoutId id="2147483732" r:id="rId7"/>
+    <p:sldLayoutId id="2147483733" r:id="rId8"/>
+    <p:sldLayoutId id="2147483734" r:id="rId9"/>
+    <p:sldLayoutId id="2147483735" r:id="rId10"/>
+    <p:sldLayoutId id="2147483736" r:id="rId11"/>
+    <p:sldLayoutId id="2147483737" r:id="rId12"/>
+    <p:sldLayoutId id="2147483738" r:id="rId13"/>
   </p:sldLayoutIdLst>
 </p:sldMaster>
 </file>
@@ -9701,14 +11311,14 @@
       </p:grpSpPr>
       <p:sp>
         <p:nvSpPr>
-          <p:cNvPr id="228" name=""/>
+          <p:cNvPr id="266" name=""/>
           <p:cNvSpPr/>
           <p:nvPr/>
         </p:nvSpPr>
         <p:spPr>
           <a:xfrm>
             <a:off x="504000" y="226080"/>
-            <a:ext cx="9069120" cy="943920"/>
+            <a:ext cx="9068760" cy="943560"/>
           </a:xfrm>
           <a:prstGeom prst="rect">
             <a:avLst/>
@@ -9727,14 +11337,14 @@
       </p:sp>
       <p:sp>
         <p:nvSpPr>
-          <p:cNvPr id="229" name=""/>
+          <p:cNvPr id="267" name=""/>
           <p:cNvSpPr/>
           <p:nvPr/>
         </p:nvSpPr>
         <p:spPr>
           <a:xfrm>
             <a:off x="504000" y="1326600"/>
-            <a:ext cx="9069120" cy="3285720"/>
+            <a:ext cx="9068760" cy="3285360"/>
           </a:xfrm>
           <a:prstGeom prst="rect">
             <a:avLst/>
@@ -9753,7 +11363,7 @@
       </p:sp>
       <p:pic>
         <p:nvPicPr>
-          <p:cNvPr id="230" name="Imagem 8" descr=""/>
+          <p:cNvPr id="268" name="Imagem 8" descr=""/>
           <p:cNvPicPr/>
           <p:nvPr/>
         </p:nvPicPr>
@@ -9764,7 +11374,7 @@
         <p:spPr>
           <a:xfrm>
             <a:off x="1980000" y="101880"/>
-            <a:ext cx="6117840" cy="2120040"/>
+            <a:ext cx="6117480" cy="2119680"/>
           </a:xfrm>
           <a:prstGeom prst="rect">
             <a:avLst/>
@@ -9776,7 +11386,7 @@
       </p:pic>
       <p:sp>
         <p:nvSpPr>
-          <p:cNvPr id="231" name="Conexão reta 12"/>
+          <p:cNvPr id="269" name="Conexão reta 12"/>
           <p:cNvSpPr/>
           <p:nvPr/>
         </p:nvSpPr>
@@ -9809,14 +11419,14 @@
       </p:sp>
       <p:sp>
         <p:nvSpPr>
-          <p:cNvPr id="232" name=""/>
+          <p:cNvPr id="270" name=""/>
           <p:cNvSpPr/>
           <p:nvPr/>
         </p:nvSpPr>
         <p:spPr>
           <a:xfrm>
             <a:off x="2340000" y="2253960"/>
-            <a:ext cx="5228280" cy="443880"/>
+            <a:ext cx="5227920" cy="443520"/>
           </a:xfrm>
           <a:prstGeom prst="rect">
             <a:avLst/>
@@ -9860,14 +11470,14 @@
       </p:sp>
       <p:sp>
         <p:nvSpPr>
-          <p:cNvPr id="233" name=""/>
+          <p:cNvPr id="271" name=""/>
           <p:cNvSpPr/>
           <p:nvPr/>
         </p:nvSpPr>
         <p:spPr>
           <a:xfrm>
             <a:off x="2584800" y="3347640"/>
-            <a:ext cx="4618080" cy="1264680"/>
+            <a:ext cx="4617720" cy="1264320"/>
           </a:xfrm>
           <a:prstGeom prst="rect">
             <a:avLst/>
@@ -10041,14 +11651,14 @@
       </p:sp>
       <p:sp>
         <p:nvSpPr>
-          <p:cNvPr id="234" name=""/>
+          <p:cNvPr id="272" name=""/>
           <p:cNvSpPr/>
           <p:nvPr/>
         </p:nvSpPr>
         <p:spPr>
           <a:xfrm>
             <a:off x="2520000" y="2817720"/>
-            <a:ext cx="4858200" cy="600480"/>
+            <a:ext cx="4857840" cy="600120"/>
           </a:xfrm>
           <a:prstGeom prst="rect">
             <a:avLst/>
@@ -10122,14 +11732,14 @@
       </p:grpSpPr>
       <p:sp>
         <p:nvSpPr>
-          <p:cNvPr id="253" name=""/>
+          <p:cNvPr id="291" name=""/>
           <p:cNvSpPr/>
           <p:nvPr/>
         </p:nvSpPr>
         <p:spPr>
           <a:xfrm>
             <a:off x="540000" y="0"/>
-            <a:ext cx="9071280" cy="945720"/>
+            <a:ext cx="9070920" cy="945360"/>
           </a:xfrm>
           <a:prstGeom prst="rect">
             <a:avLst/>
@@ -10173,14 +11783,14 @@
       </p:sp>
       <p:sp>
         <p:nvSpPr>
-          <p:cNvPr id="254" name=""/>
-          <p:cNvSpPr txBox="1"/>
+          <p:cNvPr id="292" name=""/>
+          <p:cNvSpPr/>
           <p:nvPr/>
         </p:nvSpPr>
         <p:spPr>
           <a:xfrm>
             <a:off x="540000" y="1260360"/>
-            <a:ext cx="9072000" cy="3713400"/>
+            <a:ext cx="9071640" cy="3713040"/>
           </a:xfrm>
           <a:prstGeom prst="rect">
             <a:avLst/>
@@ -10190,12 +11800,18 @@
             <a:noFill/>
           </a:ln>
         </p:spPr>
-        <p:txBody>
-          <a:bodyPr lIns="0" rIns="0" tIns="0" bIns="0">
-            <a:normAutofit/>
-          </a:bodyPr>
-          <a:p>
-            <a:pPr marL="432000" indent="-324000">
+        <p:style>
+          <a:lnRef idx="0"/>
+          <a:fillRef idx="0"/>
+          <a:effectRef idx="0"/>
+          <a:fontRef idx="minor"/>
+        </p:style>
+        <p:txBody>
+          <a:bodyPr lIns="0" rIns="0" tIns="0" bIns="0">
+            <a:normAutofit/>
+          </a:bodyPr>
+          <a:p>
+            <a:pPr marL="432000" indent="-323640">
               <a:lnSpc>
                 <a:spcPct val="100000"/>
               </a:lnSpc>
@@ -10224,7 +11840,7 @@
             </a:endParaRPr>
           </a:p>
           <a:p>
-            <a:pPr marL="432000" indent="-324000">
+            <a:pPr marL="432000" indent="-323640">
               <a:lnSpc>
                 <a:spcPct val="100000"/>
               </a:lnSpc>
@@ -10286,14 +11902,14 @@
       </p:grpSpPr>
       <p:sp>
         <p:nvSpPr>
-          <p:cNvPr id="255" name=""/>
+          <p:cNvPr id="293" name=""/>
           <p:cNvSpPr/>
           <p:nvPr/>
         </p:nvSpPr>
         <p:spPr>
           <a:xfrm>
             <a:off x="504000" y="0"/>
-            <a:ext cx="9069120" cy="943920"/>
+            <a:ext cx="9068760" cy="943560"/>
           </a:xfrm>
           <a:prstGeom prst="rect">
             <a:avLst/>
@@ -10337,14 +11953,14 @@
       </p:sp>
       <p:sp>
         <p:nvSpPr>
-          <p:cNvPr id="256" name=""/>
+          <p:cNvPr id="294" name=""/>
           <p:cNvSpPr/>
           <p:nvPr/>
         </p:nvSpPr>
         <p:spPr>
           <a:xfrm>
             <a:off x="504000" y="1080000"/>
-            <a:ext cx="9069840" cy="4319640"/>
+            <a:ext cx="9069480" cy="4319280"/>
           </a:xfrm>
           <a:prstGeom prst="rect">
             <a:avLst/>
@@ -10365,7 +11981,7 @@
             <a:normAutofit fontScale="65000"/>
           </a:bodyPr>
           <a:p>
-            <a:pPr lvl="1" marL="432000" indent="-215640">
+            <a:pPr lvl="1" marL="432000" indent="-215280">
               <a:lnSpc>
                 <a:spcPct val="100000"/>
               </a:lnSpc>
@@ -10394,7 +12010,7 @@
             </a:endParaRPr>
           </a:p>
           <a:p>
-            <a:pPr lvl="1" marL="432000" indent="-215640">
+            <a:pPr lvl="1" marL="432000" indent="-215280">
               <a:lnSpc>
                 <a:spcPct val="100000"/>
               </a:lnSpc>
@@ -10423,7 +12039,7 @@
             </a:endParaRPr>
           </a:p>
           <a:p>
-            <a:pPr lvl="1" marL="432000" indent="-215640">
+            <a:pPr lvl="1" marL="432000" indent="-215280">
               <a:lnSpc>
                 <a:spcPct val="100000"/>
               </a:lnSpc>
@@ -10452,7 +12068,7 @@
             </a:endParaRPr>
           </a:p>
           <a:p>
-            <a:pPr lvl="1" marL="432000" indent="-215640">
+            <a:pPr lvl="1" marL="432000" indent="-215280">
               <a:lnSpc>
                 <a:spcPct val="100000"/>
               </a:lnSpc>
@@ -10481,7 +12097,7 @@
             </a:endParaRPr>
           </a:p>
           <a:p>
-            <a:pPr lvl="1" marL="432000" indent="-215640">
+            <a:pPr lvl="1" marL="432000" indent="-215280">
               <a:lnSpc>
                 <a:spcPct val="100000"/>
               </a:lnSpc>
@@ -10503,34 +12119,14 @@
                 <a:latin typeface="Arial"/>
                 <a:ea typeface="DejaVu Sans"/>
               </a:rPr>
-              <a:t>Mostrar o </a:t>
-            </a:r>
-            <a:r>
-              <a:rPr b="0" lang="pt-PT" sz="2400" spc="-1" strike="noStrike">
-                <a:solidFill>
-                  <a:srgbClr val="000000"/>
-                </a:solidFill>
-                <a:latin typeface="Arial"/>
-                <a:ea typeface="DejaVu Sans"/>
-              </a:rPr>
-              <a:t>c</a:t>
-            </a:r>
-            <a:r>
-              <a:rPr b="0" lang="pt-PT" sz="2400" spc="-1" strike="noStrike">
-                <a:solidFill>
-                  <a:srgbClr val="000000"/>
-                </a:solidFill>
-                <a:latin typeface="Arial"/>
-                <a:ea typeface="DejaVu Sans"/>
-              </a:rPr>
-              <a:t>aminho com menos paragem percorridas(a origem e o destino podem ser paragens ou coordenadas);</a:t>
+              <a:t>Mostrar o caminho com menos paragem percorridas(a origem e o destino podem ser paragens ou coordenadas);</a:t>
             </a:r>
             <a:endParaRPr b="0" lang="pt-PT" sz="2400" spc="-1" strike="noStrike">
               <a:latin typeface="Arial"/>
             </a:endParaRPr>
           </a:p>
           <a:p>
-            <a:pPr lvl="1" marL="432000" indent="-215640">
+            <a:pPr lvl="1" marL="432000" indent="-215280">
               <a:lnSpc>
                 <a:spcPct val="100000"/>
               </a:lnSpc>
@@ -10559,7 +12155,7 @@
             </a:endParaRPr>
           </a:p>
           <a:p>
-            <a:pPr lvl="1" marL="432000" indent="-215640">
+            <a:pPr lvl="1" marL="432000" indent="-215280">
               <a:lnSpc>
                 <a:spcPct val="100000"/>
               </a:lnSpc>
@@ -10588,7 +12184,7 @@
             </a:endParaRPr>
           </a:p>
           <a:p>
-            <a:pPr lvl="1" marL="432000" indent="-215640">
+            <a:pPr lvl="1" marL="432000" indent="-215280">
               <a:lnSpc>
                 <a:spcPct val="100000"/>
               </a:lnSpc>
@@ -10650,14 +12246,14 @@
       </p:grpSpPr>
       <p:sp>
         <p:nvSpPr>
-          <p:cNvPr id="257" name=""/>
+          <p:cNvPr id="295" name=""/>
           <p:cNvSpPr/>
           <p:nvPr/>
         </p:nvSpPr>
         <p:spPr>
           <a:xfrm>
             <a:off x="504000" y="1326600"/>
-            <a:ext cx="9069840" cy="3286440"/>
+            <a:ext cx="9069480" cy="3286080"/>
           </a:xfrm>
           <a:prstGeom prst="rect">
             <a:avLst/>
@@ -10678,7 +12274,7 @@
             <a:normAutofit/>
           </a:bodyPr>
           <a:p>
-            <a:pPr marL="432000" indent="-322200">
+            <a:pPr marL="432000" indent="-321840">
               <a:lnSpc>
                 <a:spcPct val="100000"/>
               </a:lnSpc>
@@ -10710,14 +12306,14 @@
       </p:sp>
       <p:sp>
         <p:nvSpPr>
-          <p:cNvPr id="258" name=""/>
+          <p:cNvPr id="296" name=""/>
           <p:cNvSpPr/>
           <p:nvPr/>
         </p:nvSpPr>
         <p:spPr>
           <a:xfrm>
             <a:off x="504000" y="0"/>
-            <a:ext cx="9069120" cy="943920"/>
+            <a:ext cx="9068760" cy="943560"/>
           </a:xfrm>
           <a:prstGeom prst="rect">
             <a:avLst/>
@@ -10791,14 +12387,14 @@
       </p:grpSpPr>
       <p:sp>
         <p:nvSpPr>
-          <p:cNvPr id="259" name=""/>
+          <p:cNvPr id="297" name=""/>
           <p:cNvSpPr/>
           <p:nvPr/>
         </p:nvSpPr>
         <p:spPr>
           <a:xfrm>
             <a:off x="504000" y="0"/>
-            <a:ext cx="9069120" cy="943920"/>
+            <a:ext cx="9068760" cy="943560"/>
           </a:xfrm>
           <a:prstGeom prst="rect">
             <a:avLst/>
@@ -10872,14 +12468,14 @@
       </p:grpSpPr>
       <p:sp>
         <p:nvSpPr>
-          <p:cNvPr id="260" name=""/>
+          <p:cNvPr id="298" name=""/>
           <p:cNvSpPr/>
           <p:nvPr/>
         </p:nvSpPr>
         <p:spPr>
           <a:xfrm>
             <a:off x="504000" y="0"/>
-            <a:ext cx="9069120" cy="943920"/>
+            <a:ext cx="9068760" cy="943560"/>
           </a:xfrm>
           <a:prstGeom prst="rect">
             <a:avLst/>
@@ -10898,14 +12494,14 @@
       </p:sp>
       <p:sp>
         <p:nvSpPr>
-          <p:cNvPr id="261" name=""/>
+          <p:cNvPr id="299" name=""/>
           <p:cNvSpPr/>
           <p:nvPr/>
         </p:nvSpPr>
         <p:spPr>
           <a:xfrm>
             <a:off x="504000" y="0"/>
-            <a:ext cx="9069120" cy="943920"/>
+            <a:ext cx="9068760" cy="943560"/>
           </a:xfrm>
           <a:prstGeom prst="rect">
             <a:avLst/>
@@ -10949,14 +12545,14 @@
       </p:sp>
       <p:sp>
         <p:nvSpPr>
-          <p:cNvPr id="262" name=""/>
+          <p:cNvPr id="300" name=""/>
           <p:cNvSpPr/>
           <p:nvPr/>
         </p:nvSpPr>
         <p:spPr>
           <a:xfrm>
             <a:off x="504000" y="944280"/>
-            <a:ext cx="9071640" cy="4455360"/>
+            <a:ext cx="9071280" cy="4455000"/>
           </a:xfrm>
           <a:prstGeom prst="rect">
             <a:avLst/>
@@ -10977,7 +12573,7 @@
             <a:normAutofit/>
           </a:bodyPr>
           <a:p>
-            <a:pPr marL="432000" indent="-323640">
+            <a:pPr marL="432000" indent="-323280">
               <a:lnSpc>
                 <a:spcPct val="100000"/>
               </a:lnSpc>
@@ -10993,7 +12589,11 @@
             </a:pPr>
             <a:r>
               <a:rPr b="0" lang="pt-PT" sz="2400" spc="-1" strike="noStrike">
+                <a:solidFill>
+                  <a:srgbClr val="000000"/>
+                </a:solidFill>
                 <a:latin typeface="Arial"/>
+                <a:ea typeface="DejaVu Sans"/>
               </a:rPr>
               <a:t>Representação do dataset no grafo, especialmente na implementação dos nós;</a:t>
             </a:r>
@@ -11035,14 +12635,14 @@
       </p:grpSpPr>
       <p:sp>
         <p:nvSpPr>
-          <p:cNvPr id="235" name=""/>
+          <p:cNvPr id="273" name=""/>
           <p:cNvSpPr/>
           <p:nvPr/>
         </p:nvSpPr>
         <p:spPr>
           <a:xfrm>
             <a:off x="540000" y="0"/>
-            <a:ext cx="9069120" cy="943920"/>
+            <a:ext cx="9068760" cy="943560"/>
           </a:xfrm>
           <a:prstGeom prst="rect">
             <a:avLst/>
@@ -11116,14 +12716,14 @@
       </p:grpSpPr>
       <p:sp>
         <p:nvSpPr>
-          <p:cNvPr id="236" name=""/>
+          <p:cNvPr id="274" name=""/>
           <p:cNvSpPr/>
           <p:nvPr/>
         </p:nvSpPr>
         <p:spPr>
           <a:xfrm>
             <a:off x="468720" y="-45720"/>
-            <a:ext cx="9069120" cy="943920"/>
+            <a:ext cx="9068760" cy="943560"/>
           </a:xfrm>
           <a:prstGeom prst="rect">
             <a:avLst/>
@@ -11177,14 +12777,14 @@
       </p:sp>
       <p:sp>
         <p:nvSpPr>
-          <p:cNvPr id="237" name=""/>
+          <p:cNvPr id="275" name=""/>
           <p:cNvSpPr/>
           <p:nvPr/>
         </p:nvSpPr>
         <p:spPr>
           <a:xfrm>
             <a:off x="504000" y="1326600"/>
-            <a:ext cx="9069840" cy="3286440"/>
+            <a:ext cx="9069480" cy="3286080"/>
           </a:xfrm>
           <a:prstGeom prst="rect">
             <a:avLst/>
@@ -11203,14 +12803,14 @@
       </p:sp>
       <p:sp>
         <p:nvSpPr>
-          <p:cNvPr id="238" name=""/>
+          <p:cNvPr id="276" name=""/>
           <p:cNvSpPr/>
           <p:nvPr/>
         </p:nvSpPr>
         <p:spPr>
           <a:xfrm>
             <a:off x="504000" y="898920"/>
-            <a:ext cx="9069840" cy="4679280"/>
+            <a:ext cx="9069480" cy="4678920"/>
           </a:xfrm>
           <a:prstGeom prst="rect">
             <a:avLst/>
@@ -11231,7 +12831,7 @@
             <a:normAutofit fontScale="94000"/>
           </a:bodyPr>
           <a:p>
-            <a:pPr marL="432000" indent="-322200">
+            <a:pPr marL="432000" indent="-321840">
               <a:lnSpc>
                 <a:spcPct val="100000"/>
               </a:lnSpc>
@@ -11260,7 +12860,7 @@
             </a:endParaRPr>
           </a:p>
           <a:p>
-            <a:pPr marL="432000" indent="-322200">
+            <a:pPr marL="432000" indent="-321840">
               <a:lnSpc>
                 <a:spcPct val="100000"/>
               </a:lnSpc>
@@ -11289,7 +12889,7 @@
             </a:endParaRPr>
           </a:p>
           <a:p>
-            <a:pPr marL="432000" indent="-322200">
+            <a:pPr marL="432000" indent="-321840">
               <a:lnSpc>
                 <a:spcPct val="100000"/>
               </a:lnSpc>
@@ -11318,7 +12918,7 @@
             </a:endParaRPr>
           </a:p>
           <a:p>
-            <a:pPr marL="432000" indent="-322200">
+            <a:pPr marL="432000" indent="-321840">
               <a:lnSpc>
                 <a:spcPct val="100000"/>
               </a:lnSpc>
@@ -11347,7 +12947,7 @@
             </a:endParaRPr>
           </a:p>
           <a:p>
-            <a:pPr marL="432000" indent="-322200">
+            <a:pPr marL="432000" indent="-321840">
               <a:lnSpc>
                 <a:spcPct val="100000"/>
               </a:lnSpc>
@@ -11422,14 +13022,14 @@
       </p:grpSpPr>
       <p:sp>
         <p:nvSpPr>
-          <p:cNvPr id="239" name=""/>
+          <p:cNvPr id="277" name=""/>
           <p:cNvSpPr/>
           <p:nvPr/>
         </p:nvSpPr>
         <p:spPr>
           <a:xfrm>
             <a:off x="649080" y="-45720"/>
-            <a:ext cx="9069120" cy="943920"/>
+            <a:ext cx="9068760" cy="943560"/>
           </a:xfrm>
           <a:prstGeom prst="rect">
             <a:avLst/>
@@ -11483,14 +13083,14 @@
       </p:sp>
       <p:sp>
         <p:nvSpPr>
-          <p:cNvPr id="240" name=""/>
+          <p:cNvPr id="278" name=""/>
           <p:cNvSpPr/>
           <p:nvPr/>
         </p:nvSpPr>
         <p:spPr>
           <a:xfrm>
             <a:off x="504000" y="898920"/>
-            <a:ext cx="9069840" cy="4320360"/>
+            <a:ext cx="9069480" cy="4320000"/>
           </a:xfrm>
           <a:prstGeom prst="rect">
             <a:avLst/>
@@ -11511,7 +13111,7 @@
             <a:normAutofit fontScale="73000"/>
           </a:bodyPr>
           <a:p>
-            <a:pPr marL="432000" indent="-322200">
+            <a:pPr marL="432000" indent="-321840">
               <a:lnSpc>
                 <a:spcPct val="100000"/>
               </a:lnSpc>
@@ -11540,7 +13140,7 @@
             </a:endParaRPr>
           </a:p>
           <a:p>
-            <a:pPr marL="432000" indent="-322200">
+            <a:pPr marL="432000" indent="-321840">
               <a:lnSpc>
                 <a:spcPct val="100000"/>
               </a:lnSpc>
@@ -11569,7 +13169,7 @@
             </a:endParaRPr>
           </a:p>
           <a:p>
-            <a:pPr marL="432000" indent="-322200">
+            <a:pPr marL="432000" indent="-321840">
               <a:lnSpc>
                 <a:spcPct val="100000"/>
               </a:lnSpc>
@@ -11598,7 +13198,7 @@
             </a:endParaRPr>
           </a:p>
           <a:p>
-            <a:pPr marL="432000" indent="-322200">
+            <a:pPr marL="432000" indent="-321840">
               <a:lnSpc>
                 <a:spcPct val="100000"/>
               </a:lnSpc>
@@ -11660,7 +13260,7 @@
       </p:grpSpPr>
       <p:pic>
         <p:nvPicPr>
-          <p:cNvPr id="241" name="" descr=""/>
+          <p:cNvPr id="279" name="" descr=""/>
           <p:cNvPicPr/>
           <p:nvPr/>
         </p:nvPicPr>
@@ -11671,7 +13271,7 @@
         <p:spPr>
           <a:xfrm>
             <a:off x="5193720" y="1260000"/>
-            <a:ext cx="4345920" cy="2836800"/>
+            <a:ext cx="4345560" cy="2836440"/>
           </a:xfrm>
           <a:prstGeom prst="rect">
             <a:avLst/>
@@ -11681,39 +13281,16 @@
           </a:ln>
         </p:spPr>
       </p:pic>
-      <p:pic>
-        <p:nvPicPr>
-          <p:cNvPr id="242" name="" descr=""/>
-          <p:cNvPicPr/>
-          <p:nvPr/>
-        </p:nvPicPr>
-        <p:blipFill>
-          <a:blip r:embed="rId2"/>
-          <a:stretch/>
-        </p:blipFill>
-        <p:spPr>
-          <a:xfrm>
-            <a:off x="322200" y="1295280"/>
-            <a:ext cx="4357440" cy="2844360"/>
-          </a:xfrm>
-          <a:prstGeom prst="rect">
-            <a:avLst/>
-          </a:prstGeom>
-          <a:ln w="0">
-            <a:noFill/>
-          </a:ln>
-        </p:spPr>
-      </p:pic>
-      <p:sp>
-        <p:nvSpPr>
-          <p:cNvPr id="243" name=""/>
+      <p:sp>
+        <p:nvSpPr>
+          <p:cNvPr id="280" name=""/>
           <p:cNvSpPr/>
           <p:nvPr/>
         </p:nvSpPr>
         <p:spPr>
           <a:xfrm>
             <a:off x="468000" y="180000"/>
-            <a:ext cx="3851640" cy="862200"/>
+            <a:ext cx="3851280" cy="861840"/>
           </a:xfrm>
           <a:prstGeom prst="rect">
             <a:avLst/>
@@ -11757,14 +13334,14 @@
       </p:sp>
       <p:sp>
         <p:nvSpPr>
-          <p:cNvPr id="244" name=""/>
+          <p:cNvPr id="281" name=""/>
           <p:cNvSpPr/>
           <p:nvPr/>
         </p:nvSpPr>
         <p:spPr>
           <a:xfrm>
             <a:off x="5328000" y="180000"/>
-            <a:ext cx="3851640" cy="862200"/>
+            <a:ext cx="3851280" cy="861840"/>
           </a:xfrm>
           <a:prstGeom prst="rect">
             <a:avLst/>
@@ -11806,6 +13383,29 @@
           </a:p>
         </p:txBody>
       </p:sp>
+      <p:pic>
+        <p:nvPicPr>
+          <p:cNvPr id="282" name="" descr=""/>
+          <p:cNvPicPr/>
+          <p:nvPr/>
+        </p:nvPicPr>
+        <p:blipFill>
+          <a:blip r:embed="rId2"/>
+          <a:stretch/>
+        </p:blipFill>
+        <p:spPr>
+          <a:xfrm>
+            <a:off x="360000" y="1390680"/>
+            <a:ext cx="4211640" cy="2749320"/>
+          </a:xfrm>
+          <a:prstGeom prst="rect">
+            <a:avLst/>
+          </a:prstGeom>
+          <a:ln w="0">
+            <a:noFill/>
+          </a:ln>
+        </p:spPr>
+      </p:pic>
     </p:spTree>
   </p:cSld>
   <mc:AlternateContent>
@@ -11838,14 +13438,14 @@
       </p:grpSpPr>
       <p:sp>
         <p:nvSpPr>
-          <p:cNvPr id="245" name=""/>
+          <p:cNvPr id="283" name=""/>
           <p:cNvSpPr/>
           <p:nvPr/>
         </p:nvSpPr>
         <p:spPr>
           <a:xfrm>
             <a:off x="540000" y="0"/>
-            <a:ext cx="9069120" cy="943920"/>
+            <a:ext cx="9068760" cy="943560"/>
           </a:xfrm>
           <a:prstGeom prst="rect">
             <a:avLst/>
@@ -11889,14 +13489,14 @@
       </p:sp>
       <p:sp>
         <p:nvSpPr>
-          <p:cNvPr id="246" name=""/>
+          <p:cNvPr id="284" name=""/>
           <p:cNvSpPr/>
           <p:nvPr/>
         </p:nvSpPr>
         <p:spPr>
           <a:xfrm>
             <a:off x="504000" y="900000"/>
-            <a:ext cx="9069840" cy="4680000"/>
+            <a:ext cx="9069480" cy="4679640"/>
           </a:xfrm>
           <a:prstGeom prst="rect">
             <a:avLst/>
@@ -11917,7 +13517,7 @@
             <a:normAutofit fontScale="65000"/>
           </a:bodyPr>
           <a:p>
-            <a:pPr marL="432000" indent="-322200">
+            <a:pPr marL="432000" indent="-321840">
               <a:lnSpc>
                 <a:spcPct val="100000"/>
               </a:lnSpc>
@@ -11946,7 +13546,7 @@
             </a:endParaRPr>
           </a:p>
           <a:p>
-            <a:pPr marL="432000" indent="-322200">
+            <a:pPr marL="432000" indent="-321840">
               <a:lnSpc>
                 <a:spcPct val="100000"/>
               </a:lnSpc>
@@ -11975,7 +13575,7 @@
             </a:endParaRPr>
           </a:p>
           <a:p>
-            <a:pPr marL="432000" indent="-322200">
+            <a:pPr marL="432000" indent="-321840">
               <a:lnSpc>
                 <a:spcPct val="100000"/>
               </a:lnSpc>
@@ -12004,7 +13604,7 @@
             </a:endParaRPr>
           </a:p>
           <a:p>
-            <a:pPr marL="432000" indent="-322200">
+            <a:pPr marL="432000" indent="-321840">
               <a:lnSpc>
                 <a:spcPct val="100000"/>
               </a:lnSpc>
@@ -12033,7 +13633,7 @@
             </a:endParaRPr>
           </a:p>
           <a:p>
-            <a:pPr marL="432000" indent="-322200">
+            <a:pPr marL="432000" indent="-321840">
               <a:lnSpc>
                 <a:spcPct val="100000"/>
               </a:lnSpc>
@@ -12121,14 +13721,14 @@
       </p:grpSpPr>
       <p:sp>
         <p:nvSpPr>
-          <p:cNvPr id="247" name=""/>
+          <p:cNvPr id="285" name=""/>
           <p:cNvSpPr/>
           <p:nvPr/>
         </p:nvSpPr>
         <p:spPr>
           <a:xfrm>
             <a:off x="540000" y="0"/>
-            <a:ext cx="9071280" cy="945720"/>
+            <a:ext cx="9070920" cy="945360"/>
           </a:xfrm>
           <a:prstGeom prst="rect">
             <a:avLst/>
@@ -12172,14 +13772,14 @@
       </p:sp>
       <p:sp>
         <p:nvSpPr>
-          <p:cNvPr id="248" name=""/>
+          <p:cNvPr id="286" name=""/>
           <p:cNvSpPr/>
           <p:nvPr/>
         </p:nvSpPr>
         <p:spPr>
           <a:xfrm>
             <a:off x="504000" y="1260000"/>
-            <a:ext cx="9071280" cy="3420000"/>
+            <a:ext cx="9070920" cy="3419640"/>
           </a:xfrm>
           <a:prstGeom prst="rect">
             <a:avLst/>
@@ -12200,7 +13800,7 @@
             <a:normAutofit/>
           </a:bodyPr>
           <a:p>
-            <a:pPr marL="432000" indent="-323280">
+            <a:pPr marL="432000" indent="-322920">
               <a:lnSpc>
                 <a:spcPct val="100000"/>
               </a:lnSpc>
@@ -12239,7 +13839,7 @@
             </a:endParaRPr>
           </a:p>
           <a:p>
-            <a:pPr lvl="1" marL="432000" indent="-216000">
+            <a:pPr lvl="1" marL="432000" indent="-215640">
               <a:lnSpc>
                 <a:spcPct val="100000"/>
               </a:lnSpc>
@@ -12278,7 +13878,7 @@
             </a:endParaRPr>
           </a:p>
           <a:p>
-            <a:pPr marL="432000" indent="-323280">
+            <a:pPr marL="432000" indent="-322920">
               <a:lnSpc>
                 <a:spcPct val="100000"/>
               </a:lnSpc>
@@ -12360,14 +13960,14 @@
       </p:grpSpPr>
       <p:sp>
         <p:nvSpPr>
-          <p:cNvPr id="249" name=""/>
+          <p:cNvPr id="287" name=""/>
           <p:cNvSpPr/>
           <p:nvPr/>
         </p:nvSpPr>
         <p:spPr>
           <a:xfrm>
             <a:off x="540000" y="0"/>
-            <a:ext cx="9071280" cy="945720"/>
+            <a:ext cx="9070920" cy="945360"/>
           </a:xfrm>
           <a:prstGeom prst="rect">
             <a:avLst/>
@@ -12411,14 +14011,14 @@
       </p:sp>
       <p:sp>
         <p:nvSpPr>
-          <p:cNvPr id="250" name=""/>
-          <p:cNvSpPr txBox="1"/>
+          <p:cNvPr id="288" name=""/>
+          <p:cNvSpPr/>
           <p:nvPr/>
         </p:nvSpPr>
         <p:spPr>
           <a:xfrm>
             <a:off x="540000" y="1260000"/>
-            <a:ext cx="9072000" cy="3713400"/>
+            <a:ext cx="9071640" cy="3713040"/>
           </a:xfrm>
           <a:prstGeom prst="rect">
             <a:avLst/>
@@ -12428,12 +14028,18 @@
             <a:noFill/>
           </a:ln>
         </p:spPr>
-        <p:txBody>
-          <a:bodyPr lIns="0" rIns="0" tIns="0" bIns="0">
-            <a:normAutofit/>
-          </a:bodyPr>
-          <a:p>
-            <a:pPr marL="432000" indent="-324000">
+        <p:style>
+          <a:lnRef idx="0"/>
+          <a:fillRef idx="0"/>
+          <a:effectRef idx="0"/>
+          <a:fontRef idx="minor"/>
+        </p:style>
+        <p:txBody>
+          <a:bodyPr lIns="0" rIns="0" tIns="0" bIns="0">
+            <a:normAutofit/>
+          </a:bodyPr>
+          <a:p>
+            <a:pPr marL="432000" indent="-323640">
               <a:lnSpc>
                 <a:spcPct val="100000"/>
               </a:lnSpc>
@@ -12472,7 +14078,7 @@
             </a:endParaRPr>
           </a:p>
           <a:p>
-            <a:pPr lvl="1" marL="432000" indent="-216000">
+            <a:pPr lvl="1" marL="432000" indent="-215640">
               <a:lnSpc>
                 <a:spcPct val="100000"/>
               </a:lnSpc>
@@ -12511,7 +14117,7 @@
             </a:endParaRPr>
           </a:p>
           <a:p>
-            <a:pPr marL="432000" indent="-324000">
+            <a:pPr marL="432000" indent="-323640">
               <a:lnSpc>
                 <a:spcPct val="100000"/>
               </a:lnSpc>
@@ -12593,14 +14199,14 @@
       </p:grpSpPr>
       <p:sp>
         <p:nvSpPr>
-          <p:cNvPr id="251" name=""/>
+          <p:cNvPr id="289" name=""/>
           <p:cNvSpPr/>
           <p:nvPr/>
         </p:nvSpPr>
         <p:spPr>
           <a:xfrm>
             <a:off x="540000" y="0"/>
-            <a:ext cx="9071280" cy="945720"/>
+            <a:ext cx="9070920" cy="945360"/>
           </a:xfrm>
           <a:prstGeom prst="rect">
             <a:avLst/>
@@ -12644,14 +14250,14 @@
       </p:sp>
       <p:sp>
         <p:nvSpPr>
-          <p:cNvPr id="252" name=""/>
-          <p:cNvSpPr txBox="1"/>
+          <p:cNvPr id="290" name=""/>
+          <p:cNvSpPr/>
           <p:nvPr/>
         </p:nvSpPr>
         <p:spPr>
           <a:xfrm>
             <a:off x="540000" y="1260360"/>
-            <a:ext cx="9072000" cy="3713400"/>
+            <a:ext cx="9071640" cy="3713040"/>
           </a:xfrm>
           <a:prstGeom prst="rect">
             <a:avLst/>
@@ -12661,12 +14267,18 @@
             <a:noFill/>
           </a:ln>
         </p:spPr>
-        <p:txBody>
-          <a:bodyPr lIns="0" rIns="0" tIns="0" bIns="0">
-            <a:normAutofit/>
-          </a:bodyPr>
-          <a:p>
-            <a:pPr marL="432000" indent="-324000">
+        <p:style>
+          <a:lnRef idx="0"/>
+          <a:fillRef idx="0"/>
+          <a:effectRef idx="0"/>
+          <a:fontRef idx="minor"/>
+        </p:style>
+        <p:txBody>
+          <a:bodyPr lIns="0" rIns="0" tIns="0" bIns="0">
+            <a:normAutofit/>
+          </a:bodyPr>
+          <a:p>
+            <a:pPr marL="432000" indent="-323640">
               <a:lnSpc>
                 <a:spcPct val="100000"/>
               </a:lnSpc>
@@ -12705,7 +14317,7 @@
             </a:endParaRPr>
           </a:p>
           <a:p>
-            <a:pPr lvl="1" marL="432000" indent="-216000">
+            <a:pPr lvl="1" marL="432000" indent="-215640">
               <a:lnSpc>
                 <a:spcPct val="100000"/>
               </a:lnSpc>
@@ -12744,7 +14356,7 @@
             </a:endParaRPr>
           </a:p>
           <a:p>
-            <a:pPr marL="432000" indent="-324000">
+            <a:pPr marL="432000" indent="-323640">
               <a:lnSpc>
                 <a:spcPct val="100000"/>
               </a:lnSpc>
@@ -14161,4 +15773,230 @@
     </a:fmtScheme>
   </a:themeElements>
 </a:theme>
+</file>
+
+<file path=ppt/theme/theme7.xml><?xml version="1.0" encoding="utf-8"?>
+<a:theme xmlns:a="http://schemas.openxmlformats.org/drawingml/2006/main" name="Office Theme">
+  <a:themeElements>
+    <a:clrScheme name="Office">
+      <a:dk1>
+        <a:sysClr val="windowText" lastClr="000000"/>
+      </a:dk1>
+      <a:lt1>
+        <a:sysClr val="window" lastClr="FFFFFF"/>
+      </a:lt1>
+      <a:dk2>
+        <a:srgbClr val="1f497d"/>
+      </a:dk2>
+      <a:lt2>
+        <a:srgbClr val="eeece1"/>
+      </a:lt2>
+      <a:accent1>
+        <a:srgbClr val="4f81bd"/>
+      </a:accent1>
+      <a:accent2>
+        <a:srgbClr val="c0504d"/>
+      </a:accent2>
+      <a:accent3>
+        <a:srgbClr val="9bbb59"/>
+      </a:accent3>
+      <a:accent4>
+        <a:srgbClr val="8064a2"/>
+      </a:accent4>
+      <a:accent5>
+        <a:srgbClr val="4bacc6"/>
+      </a:accent5>
+      <a:accent6>
+        <a:srgbClr val="f79646"/>
+      </a:accent6>
+      <a:hlink>
+        <a:srgbClr val="0000ff"/>
+      </a:hlink>
+      <a:folHlink>
+        <a:srgbClr val="800080"/>
+      </a:folHlink>
+    </a:clrScheme>
+    <a:fontScheme name="Office">
+      <a:majorFont>
+        <a:latin typeface="Arial"/>
+        <a:ea typeface="DejaVu Sans"/>
+        <a:cs typeface="DejaVu Sans"/>
+      </a:majorFont>
+      <a:minorFont>
+        <a:latin typeface="Arial"/>
+        <a:ea typeface="DejaVu Sans"/>
+        <a:cs typeface="DejaVu Sans"/>
+      </a:minorFont>
+    </a:fontScheme>
+    <a:fmtScheme name="Office">
+      <a:fillStyleLst>
+        <a:solidFill>
+          <a:schemeClr val="phClr"/>
+        </a:solidFill>
+        <a:gradFill rotWithShape="1">
+          <a:gsLst>
+            <a:gs pos="0">
+              <a:schemeClr val="phClr">
+                <a:tint val="50000"/>
+                <a:satMod val="300000"/>
+              </a:schemeClr>
+            </a:gs>
+            <a:gs pos="35000">
+              <a:schemeClr val="phClr">
+                <a:tint val="37000"/>
+                <a:satMod val="300000"/>
+              </a:schemeClr>
+            </a:gs>
+            <a:gs pos="100000">
+              <a:schemeClr val="phClr">
+                <a:tint val="15000"/>
+                <a:satMod val="350000"/>
+              </a:schemeClr>
+            </a:gs>
+          </a:gsLst>
+          <a:lin ang="16200000" scaled="1"/>
+        </a:gradFill>
+        <a:gradFill rotWithShape="1">
+          <a:gsLst>
+            <a:gs pos="0">
+              <a:schemeClr val="phClr">
+                <a:shade val="51000"/>
+                <a:satMod val="130000"/>
+              </a:schemeClr>
+            </a:gs>
+            <a:gs pos="80000">
+              <a:schemeClr val="phClr">
+                <a:shade val="93000"/>
+                <a:satMod val="130000"/>
+              </a:schemeClr>
+            </a:gs>
+            <a:gs pos="100000">
+              <a:schemeClr val="phClr">
+                <a:shade val="94000"/>
+                <a:satMod val="135000"/>
+              </a:schemeClr>
+            </a:gs>
+          </a:gsLst>
+          <a:lin ang="16200000" scaled="0"/>
+        </a:gradFill>
+      </a:fillStyleLst>
+      <a:lnStyleLst>
+        <a:ln w="9525" cap="flat" cmpd="sng" algn="ctr">
+          <a:solidFill>
+            <a:schemeClr val="phClr">
+              <a:shade val="95000"/>
+              <a:satMod val="105000"/>
+            </a:schemeClr>
+          </a:solidFill>
+          <a:prstDash val="solid"/>
+          <a:miter/>
+        </a:ln>
+        <a:ln w="25400" cap="flat" cmpd="sng" algn="ctr">
+          <a:solidFill>
+            <a:schemeClr val="phClr"/>
+          </a:solidFill>
+          <a:prstDash val="solid"/>
+          <a:miter/>
+        </a:ln>
+        <a:ln w="38100" cap="flat" cmpd="sng" algn="ctr">
+          <a:solidFill>
+            <a:schemeClr val="phClr"/>
+          </a:solidFill>
+          <a:prstDash val="solid"/>
+          <a:miter/>
+        </a:ln>
+      </a:lnStyleLst>
+      <a:effectStyleLst>
+        <a:effectStyle>
+          <a:effectLst>
+            <a:outerShdw blurRad="40000" dist="20000" dir="5400000" rotWithShape="0">
+              <a:srgbClr val="000000">
+                <a:alpha val="38000"/>
+              </a:srgbClr>
+            </a:outerShdw>
+          </a:effectLst>
+        </a:effectStyle>
+        <a:effectStyle>
+          <a:effectLst>
+            <a:outerShdw blurRad="40000" dist="23000" dir="5400000" rotWithShape="0">
+              <a:srgbClr val="000000">
+                <a:alpha val="35000"/>
+              </a:srgbClr>
+            </a:outerShdw>
+          </a:effectLst>
+        </a:effectStyle>
+        <a:effectStyle>
+          <a:effectLst>
+            <a:outerShdw blurRad="40000" dist="23000" dir="5400000" rotWithShape="0">
+              <a:srgbClr val="000000">
+                <a:alpha val="35000"/>
+              </a:srgbClr>
+            </a:outerShdw>
+          </a:effectLst>
+          <a:scene3d>
+            <a:camera prst="orthographicFront">
+              <a:rot lat="0" lon="0" rev="0"/>
+            </a:camera>
+            <a:lightRig rig="threePt" dir="t">
+              <a:rot lat="0" lon="0" rev="1200000"/>
+            </a:lightRig>
+          </a:scene3d>
+          <a:sp3d>
+            <a:bevelT w="63500" h="25400"/>
+          </a:sp3d>
+        </a:effectStyle>
+      </a:effectStyleLst>
+      <a:bgFillStyleLst>
+        <a:solidFill>
+          <a:schemeClr val="phClr"/>
+        </a:solidFill>
+        <a:gradFill rotWithShape="1">
+          <a:gsLst>
+            <a:gs pos="0">
+              <a:schemeClr val="phClr">
+                <a:tint val="40000"/>
+                <a:satMod val="350000"/>
+              </a:schemeClr>
+            </a:gs>
+            <a:gs pos="40000">
+              <a:schemeClr val="phClr">
+                <a:tint val="45000"/>
+                <a:shade val="99000"/>
+                <a:satMod val="350000"/>
+              </a:schemeClr>
+            </a:gs>
+            <a:gs pos="100000">
+              <a:schemeClr val="phClr">
+                <a:shade val="20000"/>
+                <a:satMod val="255000"/>
+              </a:schemeClr>
+            </a:gs>
+          </a:gsLst>
+          <a:path path="circle">
+            <a:fillToRect l="50000" t="-80000" r="50000" b="180000"/>
+          </a:path>
+        </a:gradFill>
+        <a:gradFill rotWithShape="1">
+          <a:gsLst>
+            <a:gs pos="0">
+              <a:schemeClr val="phClr">
+                <a:tint val="80000"/>
+                <a:satMod val="300000"/>
+              </a:schemeClr>
+            </a:gs>
+            <a:gs pos="100000">
+              <a:schemeClr val="phClr">
+                <a:shade val="30000"/>
+                <a:satMod val="200000"/>
+              </a:schemeClr>
+            </a:gs>
+          </a:gsLst>
+          <a:path path="circle">
+            <a:fillToRect l="50000" t="50000" r="50000" b="50000"/>
+          </a:path>
+        </a:gradFill>
+      </a:bgFillStyleLst>
+    </a:fmtScheme>
+  </a:themeElements>
+</a:theme>
 </file>
--- a/Apresentação.pptx
+++ b/Apresentação.pptx
@@ -125,6 +125,11 @@
       </a:defRPr>
     </a:lvl9pPr>
   </p:defaultTextStyle>
+  <p:extLst>
+    <p:ext uri="{EFAFB233-063F-42B5-8137-9DF3F51BA10A}">
+      <p15:sldGuideLst xmlns:p15="http://schemas.microsoft.com/office/powerpoint/2012/main"/>
+    </p:ext>
+  </p:extLst>
 </p:presentation>
 </file>
 
@@ -17234,26 +17239,36 @@
               <a:buNone/>
             </a:pPr>
             <a:r>
-              <a:rPr lang="pt-PT" sz="3200" b="0" strike="noStrike" spc="-1">
+              <a:rPr lang="pt-PT" sz="3200" b="0" strike="noStrike" spc="-1" dirty="0">
                 <a:solidFill>
                   <a:srgbClr val="000000"/>
                 </a:solidFill>
                 <a:latin typeface="Arial"/>
                 <a:ea typeface="DejaVu Sans"/>
               </a:rPr>
-              <a:t>Leitura do dataset</a:t>
-            </a:r>
-            <a:r>
-              <a:rPr lang="pt-PT" sz="4400" b="0" strike="noStrike" spc="-1">
+              <a:t>Leitura do </a:t>
+            </a:r>
+            <a:r>
+              <a:rPr lang="pt-PT" sz="3200" b="0" strike="noStrike" spc="-1" dirty="0" err="1">
                 <a:solidFill>
                   <a:srgbClr val="000000"/>
                 </a:solidFill>
                 <a:latin typeface="Arial"/>
                 <a:ea typeface="DejaVu Sans"/>
               </a:rPr>
+              <a:t>dataset</a:t>
+            </a:r>
+            <a:r>
+              <a:rPr lang="pt-PT" sz="4400" b="0" strike="noStrike" spc="-1" dirty="0">
+                <a:solidFill>
+                  <a:srgbClr val="000000"/>
+                </a:solidFill>
+                <a:latin typeface="Arial"/>
+                <a:ea typeface="DejaVu Sans"/>
+              </a:rPr>
               <a:t> </a:t>
             </a:r>
-            <a:endParaRPr lang="en-US" sz="4400" b="0" strike="noStrike" spc="-1">
+            <a:endParaRPr lang="en-US" sz="4400" b="0" strike="noStrike" spc="-1" dirty="0">
               <a:latin typeface="Arial"/>
             </a:endParaRPr>
           </a:p>
@@ -17299,7 +17314,7 @@
         </p:nvSpPr>
         <p:spPr>
           <a:xfrm>
-            <a:off x="504000" y="991990"/>
+            <a:off x="504000" y="1058230"/>
             <a:ext cx="9069120" cy="4678560"/>
           </a:xfrm>
           <a:prstGeom prst="rect">
@@ -17324,9 +17339,95 @@
         </p:style>
         <p:txBody>
           <a:bodyPr lIns="0" tIns="0" rIns="0" bIns="0" anchor="t">
-            <a:normAutofit fontScale="99500"/>
-          </a:bodyPr>
-          <a:lstStyle/>
+            <a:normAutofit fontScale="92000"/>
+          </a:bodyPr>
+          <a:lstStyle/>
+          <a:p>
+            <a:pPr marL="432000" indent="-321840">
+              <a:lnSpc>
+                <a:spcPct val="100000"/>
+              </a:lnSpc>
+              <a:spcBef>
+                <a:spcPts val="1417"/>
+              </a:spcBef>
+              <a:buClr>
+                <a:srgbClr val="000000"/>
+              </a:buClr>
+              <a:buSzPct val="45000"/>
+              <a:buFont typeface="Wingdings" charset="2"/>
+              <a:buChar char=""/>
+            </a:pPr>
+            <a:r>
+              <a:rPr lang="pt-PT" sz="2200" b="0" strike="noStrike" spc="-1" dirty="0">
+                <a:solidFill>
+                  <a:srgbClr val="000000"/>
+                </a:solidFill>
+                <a:latin typeface="Arial"/>
+                <a:ea typeface="DejaVu Sans"/>
+              </a:rPr>
+              <a:t>Os ficheiros .</a:t>
+            </a:r>
+            <a:r>
+              <a:rPr lang="pt-PT" sz="2200" b="0" strike="noStrike" spc="-1" dirty="0" err="1">
+                <a:solidFill>
+                  <a:srgbClr val="000000"/>
+                </a:solidFill>
+                <a:latin typeface="Arial"/>
+                <a:ea typeface="DejaVu Sans"/>
+              </a:rPr>
+              <a:t>csv</a:t>
+            </a:r>
+            <a:r>
+              <a:rPr lang="pt-PT" sz="2200" b="0" strike="noStrike" spc="-1" dirty="0">
+                <a:solidFill>
+                  <a:srgbClr val="000000"/>
+                </a:solidFill>
+                <a:latin typeface="Arial"/>
+                <a:ea typeface="DejaVu Sans"/>
+              </a:rPr>
+              <a:t> que compõem o </a:t>
+            </a:r>
+            <a:r>
+              <a:rPr lang="pt-PT" sz="2200" b="0" strike="noStrike" spc="-1" dirty="0" err="1">
+                <a:solidFill>
+                  <a:srgbClr val="000000"/>
+                </a:solidFill>
+                <a:latin typeface="Arial"/>
+                <a:ea typeface="DejaVu Sans"/>
+              </a:rPr>
+              <a:t>dataset</a:t>
+            </a:r>
+            <a:r>
+              <a:rPr lang="pt-PT" sz="2200" b="0" strike="noStrike" spc="-1" dirty="0">
+                <a:solidFill>
+                  <a:srgbClr val="000000"/>
+                </a:solidFill>
+                <a:latin typeface="Arial"/>
+                <a:ea typeface="DejaVu Sans"/>
+              </a:rPr>
+              <a:t> devem ser colocados num diretório “</a:t>
+            </a:r>
+            <a:r>
+              <a:rPr lang="pt-PT" sz="2200" b="0" strike="noStrike" spc="-1" dirty="0" err="1">
+                <a:solidFill>
+                  <a:srgbClr val="000000"/>
+                </a:solidFill>
+                <a:latin typeface="Arial"/>
+                <a:ea typeface="DejaVu Sans"/>
+              </a:rPr>
+              <a:t>resources</a:t>
+            </a:r>
+            <a:r>
+              <a:rPr lang="pt-PT" sz="2200" b="0" strike="noStrike" spc="-1" dirty="0">
+                <a:solidFill>
+                  <a:srgbClr val="000000"/>
+                </a:solidFill>
+                <a:latin typeface="Arial"/>
+                <a:ea typeface="DejaVu Sans"/>
+              </a:rPr>
+              <a:t>”;</a:t>
+            </a:r>
+          </a:p>
           <a:p>
             <a:pPr marL="432000" indent="-321840">
               <a:lnSpc>

--- a/Apresentação.pptx
+++ b/Apresentação.pptx
@@ -16024,7 +16024,7 @@
         <p:spPr>
           <a:xfrm>
             <a:off x="542772" y="1172520"/>
-            <a:ext cx="8615898" cy="1559401"/>
+            <a:ext cx="8615898" cy="1836400"/>
           </a:xfrm>
           <a:prstGeom prst="rect">
             <a:avLst/>
@@ -16059,7 +16059,7 @@
                 <a:latin typeface="Arial"/>
                 <a:ea typeface="DejaVu Sans"/>
               </a:rPr>
-              <a:t>O menu do utilizador inclui do ponto de vista do cliente 2 funcionalidades:</a:t>
+              <a:t>O menu de administrador inclui do ponto de vista de um funcionário 2 funcionalidades:</a:t>
             </a:r>
             <a:endParaRPr lang="en-US" sz="1800" b="0" strike="noStrike" spc="-1" dirty="0">
               <a:latin typeface="Arial"/>
